--- a/doc/tex/sdf/simplified_coherent_receiver/figures/Simulation_setup_Tx.pptx
+++ b/doc/tex/sdf/simplified_coherent_receiver/figures/Simulation_setup_Tx.pptx
@@ -243,7 +243,7 @@
           <a:p>
             <a:fld id="{2680F75E-BF8A-4352-8DF2-5712531B63DB}" type="datetimeFigureOut">
               <a:rPr lang="pt-PT" smtClean="0"/>
-              <a:t>12/10/2017</a:t>
+              <a:t>13/10/2017</a:t>
             </a:fld>
             <a:endParaRPr lang="pt-PT"/>
           </a:p>
@@ -413,7 +413,7 @@
           <a:p>
             <a:fld id="{2680F75E-BF8A-4352-8DF2-5712531B63DB}" type="datetimeFigureOut">
               <a:rPr lang="pt-PT" smtClean="0"/>
-              <a:t>12/10/2017</a:t>
+              <a:t>13/10/2017</a:t>
             </a:fld>
             <a:endParaRPr lang="pt-PT"/>
           </a:p>
@@ -593,7 +593,7 @@
           <a:p>
             <a:fld id="{2680F75E-BF8A-4352-8DF2-5712531B63DB}" type="datetimeFigureOut">
               <a:rPr lang="pt-PT" smtClean="0"/>
-              <a:t>12/10/2017</a:t>
+              <a:t>13/10/2017</a:t>
             </a:fld>
             <a:endParaRPr lang="pt-PT"/>
           </a:p>
@@ -763,7 +763,7 @@
           <a:p>
             <a:fld id="{2680F75E-BF8A-4352-8DF2-5712531B63DB}" type="datetimeFigureOut">
               <a:rPr lang="pt-PT" smtClean="0"/>
-              <a:t>12/10/2017</a:t>
+              <a:t>13/10/2017</a:t>
             </a:fld>
             <a:endParaRPr lang="pt-PT"/>
           </a:p>
@@ -1009,7 +1009,7 @@
           <a:p>
             <a:fld id="{2680F75E-BF8A-4352-8DF2-5712531B63DB}" type="datetimeFigureOut">
               <a:rPr lang="pt-PT" smtClean="0"/>
-              <a:t>12/10/2017</a:t>
+              <a:t>13/10/2017</a:t>
             </a:fld>
             <a:endParaRPr lang="pt-PT"/>
           </a:p>
@@ -1241,7 +1241,7 @@
           <a:p>
             <a:fld id="{2680F75E-BF8A-4352-8DF2-5712531B63DB}" type="datetimeFigureOut">
               <a:rPr lang="pt-PT" smtClean="0"/>
-              <a:t>12/10/2017</a:t>
+              <a:t>13/10/2017</a:t>
             </a:fld>
             <a:endParaRPr lang="pt-PT"/>
           </a:p>
@@ -1608,7 +1608,7 @@
           <a:p>
             <a:fld id="{2680F75E-BF8A-4352-8DF2-5712531B63DB}" type="datetimeFigureOut">
               <a:rPr lang="pt-PT" smtClean="0"/>
-              <a:t>12/10/2017</a:t>
+              <a:t>13/10/2017</a:t>
             </a:fld>
             <a:endParaRPr lang="pt-PT"/>
           </a:p>
@@ -1726,7 +1726,7 @@
           <a:p>
             <a:fld id="{2680F75E-BF8A-4352-8DF2-5712531B63DB}" type="datetimeFigureOut">
               <a:rPr lang="pt-PT" smtClean="0"/>
-              <a:t>12/10/2017</a:t>
+              <a:t>13/10/2017</a:t>
             </a:fld>
             <a:endParaRPr lang="pt-PT"/>
           </a:p>
@@ -1821,7 +1821,7 @@
           <a:p>
             <a:fld id="{2680F75E-BF8A-4352-8DF2-5712531B63DB}" type="datetimeFigureOut">
               <a:rPr lang="pt-PT" smtClean="0"/>
-              <a:t>12/10/2017</a:t>
+              <a:t>13/10/2017</a:t>
             </a:fld>
             <a:endParaRPr lang="pt-PT"/>
           </a:p>
@@ -2098,7 +2098,7 @@
           <a:p>
             <a:fld id="{2680F75E-BF8A-4352-8DF2-5712531B63DB}" type="datetimeFigureOut">
               <a:rPr lang="pt-PT" smtClean="0"/>
-              <a:t>12/10/2017</a:t>
+              <a:t>13/10/2017</a:t>
             </a:fld>
             <a:endParaRPr lang="pt-PT"/>
           </a:p>
@@ -2351,7 +2351,7 @@
           <a:p>
             <a:fld id="{2680F75E-BF8A-4352-8DF2-5712531B63DB}" type="datetimeFigureOut">
               <a:rPr lang="pt-PT" smtClean="0"/>
-              <a:t>12/10/2017</a:t>
+              <a:t>13/10/2017</a:t>
             </a:fld>
             <a:endParaRPr lang="pt-PT"/>
           </a:p>
@@ -2564,7 +2564,7 @@
           <a:p>
             <a:fld id="{2680F75E-BF8A-4352-8DF2-5712531B63DB}" type="datetimeFigureOut">
               <a:rPr lang="pt-PT" smtClean="0"/>
-              <a:t>12/10/2017</a:t>
+              <a:t>13/10/2017</a:t>
             </a:fld>
             <a:endParaRPr lang="pt-PT"/>
           </a:p>
@@ -3207,7 +3207,7 @@
             <a:pPr algn="ctr"/>
             <a:r>
               <a:rPr lang="en-US" sz="1200" dirty="0" smtClean="0"/>
-              <a:t>MQAM Mapping</a:t>
+              <a:t>MPAM Mapping</a:t>
             </a:r>
           </a:p>
         </p:txBody>
@@ -3251,13 +3251,16 @@
       <p:cxnSp>
         <p:nvCxnSpPr>
           <p:cNvPr id="16" name="Straight Arrow Connector 15"/>
-          <p:cNvCxnSpPr/>
+          <p:cNvCxnSpPr>
+            <a:stCxn id="11" idx="3"/>
+            <a:endCxn id="74" idx="1"/>
+          </p:cNvCxnSpPr>
           <p:nvPr/>
         </p:nvCxnSpPr>
         <p:spPr>
-          <a:xfrm>
-            <a:off x="7431993" y="1247686"/>
-            <a:ext cx="737786" cy="0"/>
+          <a:xfrm flipV="1">
+            <a:off x="7431993" y="1463880"/>
+            <a:ext cx="626533" cy="1724"/>
           </a:xfrm>
           <a:prstGeom prst="straightConnector1">
             <a:avLst/>
@@ -3281,163 +3284,16 @@
           </a:fontRef>
         </p:style>
       </p:cxnSp>
-      <p:cxnSp>
-        <p:nvCxnSpPr>
-          <p:cNvPr id="19" name="Straight Arrow Connector 18"/>
-          <p:cNvCxnSpPr/>
+      <p:sp>
+        <p:nvSpPr>
+          <p:cNvPr id="26" name="Rectangle 25"/>
+          <p:cNvSpPr/>
           <p:nvPr/>
-        </p:nvCxnSpPr>
+        </p:nvSpPr>
         <p:spPr>
           <a:xfrm>
-            <a:off x="7431993" y="1690643"/>
-            <a:ext cx="737786" cy="0"/>
-          </a:xfrm>
-          <a:prstGeom prst="straightConnector1">
-            <a:avLst/>
-          </a:prstGeom>
-          <a:ln w="28575">
-            <a:tailEnd type="triangle"/>
-          </a:ln>
-        </p:spPr>
-        <p:style>
-          <a:lnRef idx="1">
-            <a:schemeClr val="accent1"/>
-          </a:lnRef>
-          <a:fillRef idx="0">
-            <a:schemeClr val="accent1"/>
-          </a:fillRef>
-          <a:effectRef idx="0">
-            <a:schemeClr val="accent1"/>
-          </a:effectRef>
-          <a:fontRef idx="minor">
-            <a:schemeClr val="tx1"/>
-          </a:fontRef>
-        </p:style>
-      </p:cxnSp>
-      <mc:AlternateContent xmlns:mc="http://schemas.openxmlformats.org/markup-compatibility/2006">
-        <mc:Choice xmlns:a14="http://schemas.microsoft.com/office/drawing/2010/main" Requires="a14">
-          <p:sp>
-            <p:nvSpPr>
-              <p:cNvPr id="21" name="TextBox 20"/>
-              <p:cNvSpPr txBox="1"/>
-              <p:nvPr/>
-            </p:nvSpPr>
-            <p:spPr>
-              <a:xfrm>
-                <a:off x="7742367" y="979233"/>
-                <a:ext cx="148374" cy="276999"/>
-              </a:xfrm>
-              <a:prstGeom prst="rect">
-                <a:avLst/>
-              </a:prstGeom>
-              <a:noFill/>
-            </p:spPr>
-            <p:txBody>
-              <a:bodyPr wrap="none" lIns="0" tIns="0" rIns="0" bIns="0" rtlCol="0">
-                <a:spAutoFit/>
-              </a:bodyPr>
-              <a:lstStyle/>
-              <a:p>
-                <a:pPr/>
-                <a14:m>
-                  <m:oMathPara xmlns:m="http://schemas.openxmlformats.org/officeDocument/2006/math">
-                    <m:oMathParaPr>
-                      <m:jc m:val="centerGroup"/>
-                    </m:oMathParaPr>
-                    <m:oMath xmlns:m="http://schemas.openxmlformats.org/officeDocument/2006/math">
-                      <m:r>
-                        <a:rPr lang="en-US" b="0" i="1" smtClean="0">
-                          <a:latin typeface="Cambria Math" panose="02040503050406030204" pitchFamily="18" charset="0"/>
-                        </a:rPr>
-                        <m:t>𝐼</m:t>
-                      </m:r>
-                    </m:oMath>
-                  </m:oMathPara>
-                </a14:m>
-                <a:endParaRPr lang="en-US" dirty="0"/>
-              </a:p>
-            </p:txBody>
-          </p:sp>
-        </mc:Choice>
-        <mc:Fallback>
-          <p:sp>
-            <p:nvSpPr>
-              <p:cNvPr id="21" name="TextBox 20"/>
-              <p:cNvSpPr txBox="1">
-                <a:spLocks noRot="1" noChangeAspect="1" noMove="1" noResize="1" noEditPoints="1" noAdjustHandles="1" noChangeArrowheads="1" noChangeShapeType="1" noTextEdit="1"/>
-              </p:cNvSpPr>
-              <p:nvPr/>
-            </p:nvSpPr>
-            <p:spPr>
-              <a:xfrm>
-                <a:off x="7742367" y="979233"/>
-                <a:ext cx="148374" cy="276999"/>
-              </a:xfrm>
-              <a:prstGeom prst="rect">
-                <a:avLst/>
-              </a:prstGeom>
-              <a:blipFill>
-                <a:blip r:embed="rId2"/>
-                <a:stretch>
-                  <a:fillRect l="-37500" r="-33333" b="-6667"/>
-                </a:stretch>
-              </a:blipFill>
-            </p:spPr>
-            <p:txBody>
-              <a:bodyPr/>
-              <a:lstStyle/>
-              <a:p>
-                <a:r>
-                  <a:rPr lang="en-US">
-                    <a:noFill/>
-                  </a:rPr>
-                  <a:t> </a:t>
-                </a:r>
-              </a:p>
-            </p:txBody>
-          </p:sp>
-        </mc:Fallback>
-      </mc:AlternateContent>
-      <p:sp>
-        <p:nvSpPr>
-          <p:cNvPr id="22" name="TextBox 21"/>
-          <p:cNvSpPr txBox="1"/>
-          <p:nvPr/>
-        </p:nvSpPr>
-        <p:spPr>
-          <a:xfrm>
-            <a:off x="7742367" y="1699188"/>
-            <a:ext cx="155492" cy="276999"/>
-          </a:xfrm>
-          <a:prstGeom prst="rect">
-            <a:avLst/>
-          </a:prstGeom>
-          <a:noFill/>
-        </p:spPr>
-        <p:txBody>
-          <a:bodyPr wrap="none" lIns="0" tIns="0" rIns="0" bIns="0" rtlCol="0">
-            <a:spAutoFit/>
-          </a:bodyPr>
-          <a:lstStyle/>
-          <a:p>
-            <a:r>
-              <a:rPr lang="en-US" dirty="0" smtClean="0"/>
-              <a:t>Q</a:t>
-            </a:r>
-            <a:endParaRPr lang="en-US" dirty="0"/>
-          </a:p>
-        </p:txBody>
-      </p:sp>
-      <p:sp>
-        <p:nvSpPr>
-          <p:cNvPr id="23" name="Rectangle 22"/>
-          <p:cNvSpPr/>
-          <p:nvPr/>
-        </p:nvSpPr>
-        <p:spPr>
-          <a:xfrm>
-            <a:off x="8169779" y="1076770"/>
-            <a:ext cx="965674" cy="341832"/>
+            <a:off x="9882621" y="1049409"/>
+            <a:ext cx="1283294" cy="842888"/>
           </a:xfrm>
           <a:prstGeom prst="rect">
             <a:avLst/>
@@ -3465,93 +3321,7 @@
             <a:pPr algn="ctr"/>
             <a:r>
               <a:rPr lang="en-US" sz="1200" dirty="0" smtClean="0"/>
-              <a:t>RRC Filter</a:t>
-            </a:r>
-            <a:endParaRPr lang="en-US" sz="1200" dirty="0"/>
-          </a:p>
-        </p:txBody>
-      </p:sp>
-      <p:sp>
-        <p:nvSpPr>
-          <p:cNvPr id="25" name="Rectangle 24"/>
-          <p:cNvSpPr/>
-          <p:nvPr/>
-        </p:nvSpPr>
-        <p:spPr>
-          <a:xfrm>
-            <a:off x="8169779" y="1519727"/>
-            <a:ext cx="965674" cy="341832"/>
-          </a:xfrm>
-          <a:prstGeom prst="rect">
-            <a:avLst/>
-          </a:prstGeom>
-          <a:ln w="28575"/>
-        </p:spPr>
-        <p:style>
-          <a:lnRef idx="2">
-            <a:schemeClr val="dk1"/>
-          </a:lnRef>
-          <a:fillRef idx="1">
-            <a:schemeClr val="lt1"/>
-          </a:fillRef>
-          <a:effectRef idx="0">
-            <a:schemeClr val="dk1"/>
-          </a:effectRef>
-          <a:fontRef idx="minor">
-            <a:schemeClr val="dk1"/>
-          </a:fontRef>
-        </p:style>
-        <p:txBody>
-          <a:bodyPr rtlCol="0" anchor="ctr"/>
-          <a:lstStyle/>
-          <a:p>
-            <a:pPr algn="ctr"/>
-            <a:r>
-              <a:rPr lang="en-US" sz="1200" dirty="0" smtClean="0"/>
-              <a:t>RRC Filter</a:t>
-            </a:r>
-            <a:endParaRPr lang="en-US" sz="1200" dirty="0"/>
-          </a:p>
-        </p:txBody>
-      </p:sp>
-      <p:sp>
-        <p:nvSpPr>
-          <p:cNvPr id="26" name="Rectangle 25"/>
-          <p:cNvSpPr/>
-          <p:nvPr/>
-        </p:nvSpPr>
-        <p:spPr>
-          <a:xfrm>
-            <a:off x="9873239" y="1076769"/>
-            <a:ext cx="1283294" cy="828942"/>
-          </a:xfrm>
-          <a:prstGeom prst="rect">
-            <a:avLst/>
-          </a:prstGeom>
-          <a:ln w="28575"/>
-        </p:spPr>
-        <p:style>
-          <a:lnRef idx="2">
-            <a:schemeClr val="dk1"/>
-          </a:lnRef>
-          <a:fillRef idx="1">
-            <a:schemeClr val="lt1"/>
-          </a:fillRef>
-          <a:effectRef idx="0">
-            <a:schemeClr val="dk1"/>
-          </a:effectRef>
-          <a:fontRef idx="minor">
-            <a:schemeClr val="dk1"/>
-          </a:fontRef>
-        </p:style>
-        <p:txBody>
-          <a:bodyPr rtlCol="0" anchor="ctr"/>
-          <a:lstStyle/>
-          <a:p>
-            <a:pPr algn="ctr"/>
-            <a:r>
-              <a:rPr lang="en-US" sz="1200" dirty="0" smtClean="0"/>
-              <a:t>IQ modulator</a:t>
+              <a:t>Up conversion</a:t>
             </a:r>
             <a:endParaRPr lang="en-US" sz="1200" dirty="0"/>
           </a:p>
@@ -3560,46 +3330,16 @@
       <p:cxnSp>
         <p:nvCxnSpPr>
           <p:cNvPr id="27" name="Straight Arrow Connector 26"/>
-          <p:cNvCxnSpPr/>
+          <p:cNvCxnSpPr>
+            <a:stCxn id="74" idx="3"/>
+            <a:endCxn id="26" idx="1"/>
+          </p:cNvCxnSpPr>
           <p:nvPr/>
         </p:nvCxnSpPr>
         <p:spPr>
           <a:xfrm>
-            <a:off x="9135453" y="1247686"/>
-            <a:ext cx="737786" cy="0"/>
-          </a:xfrm>
-          <a:prstGeom prst="straightConnector1">
-            <a:avLst/>
-          </a:prstGeom>
-          <a:ln w="28575">
-            <a:tailEnd type="triangle"/>
-          </a:ln>
-        </p:spPr>
-        <p:style>
-          <a:lnRef idx="1">
-            <a:schemeClr val="accent1"/>
-          </a:lnRef>
-          <a:fillRef idx="0">
-            <a:schemeClr val="accent1"/>
-          </a:fillRef>
-          <a:effectRef idx="0">
-            <a:schemeClr val="accent1"/>
-          </a:effectRef>
-          <a:fontRef idx="minor">
-            <a:schemeClr val="tx1"/>
-          </a:fontRef>
-        </p:style>
-      </p:cxnSp>
-      <p:cxnSp>
-        <p:nvCxnSpPr>
-          <p:cNvPr id="28" name="Straight Arrow Connector 27"/>
-          <p:cNvCxnSpPr/>
-          <p:nvPr/>
-        </p:nvCxnSpPr>
-        <p:spPr>
-          <a:xfrm>
-            <a:off x="9135453" y="1690643"/>
-            <a:ext cx="737786" cy="0"/>
+            <a:off x="9341820" y="1463880"/>
+            <a:ext cx="540801" cy="6973"/>
           </a:xfrm>
           <a:prstGeom prst="straightConnector1">
             <a:avLst/>
@@ -3751,13 +3491,13 @@
         </p:nvCxnSpPr>
         <p:spPr>
           <a:xfrm flipH="1">
-            <a:off x="2830520" y="1491240"/>
-            <a:ext cx="8326013" cy="2321073"/>
+            <a:off x="2830520" y="1470853"/>
+            <a:ext cx="8335395" cy="2341460"/>
           </a:xfrm>
           <a:prstGeom prst="bentConnector4">
             <a:avLst>
-              <a:gd name="adj1" fmla="val -2746"/>
-              <a:gd name="adj2" fmla="val 58928"/>
+              <a:gd name="adj1" fmla="val -2743"/>
+              <a:gd name="adj2" fmla="val 59000"/>
             </a:avLst>
           </a:prstGeom>
           <a:ln w="28575">
@@ -3790,12 +3530,12 @@
         </p:nvCxnSpPr>
         <p:spPr>
           <a:xfrm rot="5400000">
-            <a:off x="4970793" y="-1863172"/>
-            <a:ext cx="1775211" cy="9312976"/>
+            <a:off x="4968777" y="-1874570"/>
+            <a:ext cx="1788625" cy="9322358"/>
           </a:xfrm>
           <a:prstGeom prst="bentConnector3">
             <a:avLst>
-              <a:gd name="adj1" fmla="val 27374"/>
+              <a:gd name="adj1" fmla="val 30411"/>
             </a:avLst>
           </a:prstGeom>
           <a:ln w="28575">
@@ -3971,7 +3711,7 @@
         </p:nvCxnSpPr>
         <p:spPr>
           <a:xfrm>
-            <a:off x="11402186" y="4095392"/>
+            <a:off x="11402186" y="4105894"/>
             <a:ext cx="336240" cy="0"/>
           </a:xfrm>
           <a:prstGeom prst="straightConnector1">
@@ -4231,18 +3971,14 @@
           <a:p>
             <a:r>
               <a:rPr lang="en-US" sz="1400" dirty="0" smtClean="0"/>
-              <a:t>IQ </a:t>
-            </a:r>
-            <a:r>
-              <a:rPr lang="en-US" sz="1400" dirty="0" smtClean="0"/>
-              <a:t>modulator</a:t>
+              <a:t>IQ modulator</a:t>
             </a:r>
             <a:endParaRPr lang="en-US" sz="1400" dirty="0"/>
           </a:p>
         </p:txBody>
       </p:sp>
-      <mc:AlternateContent xmlns:mc="http://schemas.openxmlformats.org/markup-compatibility/2006">
-        <mc:Choice xmlns:a14="http://schemas.microsoft.com/office/drawing/2010/main" Requires="a14">
+      <mc:AlternateContent xmlns:mc="http://schemas.openxmlformats.org/markup-compatibility/2006" xmlns:a14="http://schemas.microsoft.com/office/drawing/2010/main">
+        <mc:Choice Requires="a14">
           <p:sp>
             <p:nvSpPr>
               <p:cNvPr id="204" name="TextBox 203"/>
@@ -4304,7 +4040,7 @@
             </p:txBody>
           </p:sp>
         </mc:Choice>
-        <mc:Fallback>
+        <mc:Fallback xmlns="">
           <p:sp>
             <p:nvSpPr>
               <p:cNvPr id="204" name="TextBox 203"/>
@@ -4343,8 +4079,8 @@
           </p:sp>
         </mc:Fallback>
       </mc:AlternateContent>
-      <mc:AlternateContent xmlns:mc="http://schemas.openxmlformats.org/markup-compatibility/2006">
-        <mc:Choice xmlns:a14="http://schemas.microsoft.com/office/drawing/2010/main" Requires="a14">
+      <mc:AlternateContent xmlns:mc="http://schemas.openxmlformats.org/markup-compatibility/2006" xmlns:a14="http://schemas.microsoft.com/office/drawing/2010/main">
+        <mc:Choice Requires="a14">
           <p:sp>
             <p:nvSpPr>
               <p:cNvPr id="205" name="TextBox 204"/>
@@ -4418,7 +4154,7 @@
             </p:txBody>
           </p:sp>
         </mc:Choice>
-        <mc:Fallback>
+        <mc:Fallback xmlns="">
           <p:sp>
             <p:nvSpPr>
               <p:cNvPr id="205" name="TextBox 204"/>
@@ -4457,8 +4193,8 @@
           </p:sp>
         </mc:Fallback>
       </mc:AlternateContent>
-      <mc:AlternateContent xmlns:mc="http://schemas.openxmlformats.org/markup-compatibility/2006">
-        <mc:Choice xmlns:a14="http://schemas.microsoft.com/office/drawing/2010/main" Requires="a14">
+      <mc:AlternateContent xmlns:mc="http://schemas.openxmlformats.org/markup-compatibility/2006" xmlns:a14="http://schemas.microsoft.com/office/drawing/2010/main">
+        <mc:Choice Requires="a14">
           <p:sp>
             <p:nvSpPr>
               <p:cNvPr id="213" name="TextBox 212"/>
@@ -4467,8 +4203,8 @@
             </p:nvSpPr>
             <p:spPr>
               <a:xfrm>
-                <a:off x="3231645" y="3846130"/>
-                <a:ext cx="1500988" cy="215444"/>
+                <a:off x="3182184" y="3846130"/>
+                <a:ext cx="1693862" cy="215444"/>
               </a:xfrm>
               <a:prstGeom prst="rect">
                 <a:avLst/>
@@ -4565,6 +4301,19 @@
                         </a:rPr>
                         <m:t>+</m:t>
                       </m:r>
+                      <m:r>
+                        <a:rPr lang="en-US" sz="1400" b="0" i="1" smtClean="0">
+                          <a:latin typeface="Cambria Math" panose="02040503050406030204" pitchFamily="18" charset="0"/>
+                        </a:rPr>
+                        <m:t>𝑖</m:t>
+                      </m:r>
+                      <m:r>
+                        <a:rPr lang="en-US" sz="1400" b="0" i="1" smtClean="0">
+                          <a:latin typeface="Cambria Math" panose="02040503050406030204" pitchFamily="18" charset="0"/>
+                          <a:ea typeface="Cambria Math" panose="02040503050406030204" pitchFamily="18" charset="0"/>
+                        </a:rPr>
+                        <m:t>∙</m:t>
+                      </m:r>
                       <m:acc>
                         <m:accPr>
                           <m:chr m:val="̂"/>
@@ -4609,7 +4358,7 @@
             </p:txBody>
           </p:sp>
         </mc:Choice>
-        <mc:Fallback>
+        <mc:Fallback xmlns="">
           <p:sp>
             <p:nvSpPr>
               <p:cNvPr id="213" name="TextBox 212"/>
@@ -4620,8 +4369,8 @@
             </p:nvSpPr>
             <p:spPr>
               <a:xfrm>
-                <a:off x="3231645" y="3846130"/>
-                <a:ext cx="1500988" cy="215444"/>
+                <a:off x="3182184" y="3846130"/>
+                <a:ext cx="1693862" cy="215444"/>
               </a:xfrm>
               <a:prstGeom prst="rect">
                 <a:avLst/>
@@ -4629,7 +4378,7 @@
               <a:blipFill>
                 <a:blip r:embed="rId5"/>
                 <a:stretch>
-                  <a:fillRect l="-1220" t="-17143" r="-4065" b="-31429"/>
+                  <a:fillRect l="-1079" t="-17143" r="-3237" b="-31429"/>
                 </a:stretch>
               </a:blipFill>
             </p:spPr>
@@ -4648,8 +4397,8 @@
           </p:sp>
         </mc:Fallback>
       </mc:AlternateContent>
-      <mc:AlternateContent xmlns:mc="http://schemas.openxmlformats.org/markup-compatibility/2006">
-        <mc:Choice xmlns:a14="http://schemas.microsoft.com/office/drawing/2010/main" Requires="a14">
+      <mc:AlternateContent xmlns:mc="http://schemas.openxmlformats.org/markup-compatibility/2006" xmlns:a14="http://schemas.microsoft.com/office/drawing/2010/main">
+        <mc:Choice Requires="a14">
           <p:sp>
             <p:nvSpPr>
               <p:cNvPr id="222" name="Rectangle 221"/>
@@ -4710,7 +4459,7 @@
             </p:txBody>
           </p:sp>
         </mc:Choice>
-        <mc:Fallback>
+        <mc:Fallback xmlns="">
           <p:sp>
             <p:nvSpPr>
               <p:cNvPr id="222" name="Rectangle 221"/>
@@ -5627,8 +5376,8 @@
             </a:fontRef>
           </p:style>
         </p:cxnSp>
-        <mc:AlternateContent xmlns:mc="http://schemas.openxmlformats.org/markup-compatibility/2006">
-          <mc:Choice xmlns:a14="http://schemas.microsoft.com/office/drawing/2010/main" Requires="a14">
+        <mc:AlternateContent xmlns:mc="http://schemas.openxmlformats.org/markup-compatibility/2006" xmlns:a14="http://schemas.microsoft.com/office/drawing/2010/main">
+          <mc:Choice Requires="a14">
             <p:sp>
               <p:nvSpPr>
                 <p:cNvPr id="223" name="Rectangle 222"/>
@@ -5701,7 +5450,7 @@
               </p:txBody>
             </p:sp>
           </mc:Choice>
-          <mc:Fallback>
+          <mc:Fallback xmlns="">
             <p:sp>
               <p:nvSpPr>
                 <p:cNvPr id="223" name="Rectangle 222"/>
@@ -5740,8 +5489,8 @@
             </p:sp>
           </mc:Fallback>
         </mc:AlternateContent>
-        <mc:AlternateContent xmlns:mc="http://schemas.openxmlformats.org/markup-compatibility/2006">
-          <mc:Choice xmlns:a14="http://schemas.microsoft.com/office/drawing/2010/main" Requires="a14">
+        <mc:AlternateContent xmlns:mc="http://schemas.openxmlformats.org/markup-compatibility/2006" xmlns:a14="http://schemas.microsoft.com/office/drawing/2010/main">
+          <mc:Choice Requires="a14">
             <p:sp>
               <p:nvSpPr>
                 <p:cNvPr id="225" name="Rectangle 224"/>
@@ -5820,7 +5569,7 @@
               </p:txBody>
             </p:sp>
           </mc:Choice>
-          <mc:Fallback>
+          <mc:Fallback xmlns="">
             <p:sp>
               <p:nvSpPr>
                 <p:cNvPr id="225" name="Rectangle 224"/>
@@ -6193,8 +5942,8 @@
             </p:style>
           </p:cxnSp>
         </p:grpSp>
-        <mc:AlternateContent xmlns:mc="http://schemas.openxmlformats.org/markup-compatibility/2006">
-          <mc:Choice xmlns:a14="http://schemas.microsoft.com/office/drawing/2010/main" Requires="a14">
+        <mc:AlternateContent xmlns:mc="http://schemas.openxmlformats.org/markup-compatibility/2006" xmlns:a14="http://schemas.microsoft.com/office/drawing/2010/main">
+          <mc:Choice Requires="a14">
             <p:sp>
               <p:nvSpPr>
                 <p:cNvPr id="51" name="Rectangle 50"/>
@@ -6216,6 +5965,7 @@
                 </a:bodyPr>
                 <a:lstStyle/>
                 <a:p>
+                  <a:pPr/>
                   <a14:m>
                     <m:oMathPara xmlns:m="http://schemas.openxmlformats.org/officeDocument/2006/math">
                       <m:oMathParaPr>
@@ -6255,7 +6005,7 @@
               </p:txBody>
             </p:sp>
           </mc:Choice>
-          <mc:Fallback>
+          <mc:Fallback xmlns="">
             <p:sp>
               <p:nvSpPr>
                 <p:cNvPr id="51" name="Rectangle 50"/>
@@ -6294,8 +6044,8 @@
             </p:sp>
           </mc:Fallback>
         </mc:AlternateContent>
-        <mc:AlternateContent xmlns:mc="http://schemas.openxmlformats.org/markup-compatibility/2006">
-          <mc:Choice xmlns:a14="http://schemas.microsoft.com/office/drawing/2010/main" Requires="a14">
+        <mc:AlternateContent xmlns:mc="http://schemas.openxmlformats.org/markup-compatibility/2006" xmlns:a14="http://schemas.microsoft.com/office/drawing/2010/main">
+          <mc:Choice Requires="a14">
             <p:sp>
               <p:nvSpPr>
                 <p:cNvPr id="92" name="Rectangle 91"/>
@@ -6317,6 +6067,7 @@
                 </a:bodyPr>
                 <a:lstStyle/>
                 <a:p>
+                  <a:pPr/>
                   <a14:m>
                     <m:oMathPara xmlns:m="http://schemas.openxmlformats.org/officeDocument/2006/math">
                       <m:oMathParaPr>
@@ -6356,7 +6107,7 @@
               </p:txBody>
             </p:sp>
           </mc:Choice>
-          <mc:Fallback>
+          <mc:Fallback xmlns="">
             <p:sp>
               <p:nvSpPr>
                 <p:cNvPr id="92" name="Rectangle 91"/>
@@ -6435,6 +6186,132 @@
           </p:style>
         </p:cxnSp>
       </p:grpSp>
+      <p:sp>
+        <p:nvSpPr>
+          <p:cNvPr id="74" name="Rectangle 73"/>
+          <p:cNvSpPr/>
+          <p:nvPr/>
+        </p:nvSpPr>
+        <p:spPr>
+          <a:xfrm>
+            <a:off x="8058526" y="1049409"/>
+            <a:ext cx="1283294" cy="828942"/>
+          </a:xfrm>
+          <a:prstGeom prst="rect">
+            <a:avLst/>
+          </a:prstGeom>
+          <a:ln w="28575"/>
+        </p:spPr>
+        <p:style>
+          <a:lnRef idx="2">
+            <a:schemeClr val="dk1"/>
+          </a:lnRef>
+          <a:fillRef idx="1">
+            <a:schemeClr val="lt1"/>
+          </a:fillRef>
+          <a:effectRef idx="0">
+            <a:schemeClr val="dk1"/>
+          </a:effectRef>
+          <a:fontRef idx="minor">
+            <a:schemeClr val="dk1"/>
+          </a:fontRef>
+        </p:style>
+        <p:txBody>
+          <a:bodyPr rtlCol="0" anchor="ctr"/>
+          <a:lstStyle/>
+          <a:p>
+            <a:pPr algn="ctr"/>
+            <a:r>
+              <a:rPr lang="en-US" sz="1200" dirty="0" smtClean="0"/>
+              <a:t>RRC filter</a:t>
+            </a:r>
+            <a:endParaRPr lang="en-US" sz="1200" dirty="0" smtClean="0"/>
+          </a:p>
+        </p:txBody>
+      </p:sp>
+      <mc:AlternateContent xmlns:mc="http://schemas.openxmlformats.org/markup-compatibility/2006">
+        <mc:Choice xmlns:a14="http://schemas.microsoft.com/office/drawing/2010/main" Requires="a14">
+          <p:sp>
+            <p:nvSpPr>
+              <p:cNvPr id="84" name="Rectangle 83"/>
+              <p:cNvSpPr/>
+              <p:nvPr/>
+            </p:nvSpPr>
+            <p:spPr>
+              <a:xfrm>
+                <a:off x="700670" y="789868"/>
+                <a:ext cx="1098378" cy="276999"/>
+              </a:xfrm>
+              <a:prstGeom prst="rect">
+                <a:avLst/>
+              </a:prstGeom>
+            </p:spPr>
+            <p:txBody>
+              <a:bodyPr wrap="none">
+                <a:spAutoFit/>
+              </a:bodyPr>
+              <a:lstStyle/>
+              <a:p>
+                <a14:m>
+                  <m:oMathPara xmlns:m="http://schemas.openxmlformats.org/officeDocument/2006/math">
+                    <m:oMathParaPr>
+                      <m:jc m:val="centerGroup"/>
+                    </m:oMathParaPr>
+                    <m:oMath xmlns:m="http://schemas.openxmlformats.org/officeDocument/2006/math">
+                      <m:r>
+                        <a:rPr lang="en-US" sz="1200" b="0" i="0" dirty="0" smtClean="0">
+                          <a:latin typeface="Cambria Math" panose="02040503050406030204" pitchFamily="18" charset="0"/>
+                          <a:sym typeface="Symbol" panose="05050102010706020507" pitchFamily="18" charset="2"/>
+                        </a:rPr>
+                        <m:t>01010111….</m:t>
+                      </m:r>
+                    </m:oMath>
+                  </m:oMathPara>
+                </a14:m>
+                <a:endParaRPr lang="en-US" sz="1200" dirty="0"/>
+              </a:p>
+            </p:txBody>
+          </p:sp>
+        </mc:Choice>
+        <mc:Fallback>
+          <p:sp>
+            <p:nvSpPr>
+              <p:cNvPr id="84" name="Rectangle 83"/>
+              <p:cNvSpPr>
+                <a:spLocks noRot="1" noChangeAspect="1" noMove="1" noResize="1" noEditPoints="1" noAdjustHandles="1" noChangeArrowheads="1" noChangeShapeType="1" noTextEdit="1"/>
+              </p:cNvSpPr>
+              <p:nvPr/>
+            </p:nvSpPr>
+            <p:spPr>
+              <a:xfrm>
+                <a:off x="700670" y="789868"/>
+                <a:ext cx="1098378" cy="276999"/>
+              </a:xfrm>
+              <a:prstGeom prst="rect">
+                <a:avLst/>
+              </a:prstGeom>
+              <a:blipFill>
+                <a:blip r:embed="rId17"/>
+                <a:stretch>
+                  <a:fillRect/>
+                </a:stretch>
+              </a:blipFill>
+            </p:spPr>
+            <p:txBody>
+              <a:bodyPr/>
+              <a:lstStyle/>
+              <a:p>
+                <a:r>
+                  <a:rPr lang="en-US">
+                    <a:noFill/>
+                  </a:rPr>
+                  <a:t> </a:t>
+                </a:r>
+              </a:p>
+            </p:txBody>
+          </p:sp>
+        </mc:Fallback>
+      </mc:AlternateContent>
     </p:spTree>
     <p:extLst>
       <p:ext uri="{BB962C8B-B14F-4D97-AF65-F5344CB8AC3E}">

--- a/doc/tex/sdf/simplified_coherent_receiver/figures/Simulation_setup_Tx.pptx
+++ b/doc/tex/sdf/simplified_coherent_receiver/figures/Simulation_setup_Tx.pptx
@@ -243,7 +243,7 @@
           <a:p>
             <a:fld id="{2680F75E-BF8A-4352-8DF2-5712531B63DB}" type="datetimeFigureOut">
               <a:rPr lang="pt-PT" smtClean="0"/>
-              <a:t>13/10/2017</a:t>
+              <a:t>18/10/2017</a:t>
             </a:fld>
             <a:endParaRPr lang="pt-PT"/>
           </a:p>
@@ -413,7 +413,7 @@
           <a:p>
             <a:fld id="{2680F75E-BF8A-4352-8DF2-5712531B63DB}" type="datetimeFigureOut">
               <a:rPr lang="pt-PT" smtClean="0"/>
-              <a:t>13/10/2017</a:t>
+              <a:t>18/10/2017</a:t>
             </a:fld>
             <a:endParaRPr lang="pt-PT"/>
           </a:p>
@@ -593,7 +593,7 @@
           <a:p>
             <a:fld id="{2680F75E-BF8A-4352-8DF2-5712531B63DB}" type="datetimeFigureOut">
               <a:rPr lang="pt-PT" smtClean="0"/>
-              <a:t>13/10/2017</a:t>
+              <a:t>18/10/2017</a:t>
             </a:fld>
             <a:endParaRPr lang="pt-PT"/>
           </a:p>
@@ -763,7 +763,7 @@
           <a:p>
             <a:fld id="{2680F75E-BF8A-4352-8DF2-5712531B63DB}" type="datetimeFigureOut">
               <a:rPr lang="pt-PT" smtClean="0"/>
-              <a:t>13/10/2017</a:t>
+              <a:t>18/10/2017</a:t>
             </a:fld>
             <a:endParaRPr lang="pt-PT"/>
           </a:p>
@@ -1009,7 +1009,7 @@
           <a:p>
             <a:fld id="{2680F75E-BF8A-4352-8DF2-5712531B63DB}" type="datetimeFigureOut">
               <a:rPr lang="pt-PT" smtClean="0"/>
-              <a:t>13/10/2017</a:t>
+              <a:t>18/10/2017</a:t>
             </a:fld>
             <a:endParaRPr lang="pt-PT"/>
           </a:p>
@@ -1241,7 +1241,7 @@
           <a:p>
             <a:fld id="{2680F75E-BF8A-4352-8DF2-5712531B63DB}" type="datetimeFigureOut">
               <a:rPr lang="pt-PT" smtClean="0"/>
-              <a:t>13/10/2017</a:t>
+              <a:t>18/10/2017</a:t>
             </a:fld>
             <a:endParaRPr lang="pt-PT"/>
           </a:p>
@@ -1608,7 +1608,7 @@
           <a:p>
             <a:fld id="{2680F75E-BF8A-4352-8DF2-5712531B63DB}" type="datetimeFigureOut">
               <a:rPr lang="pt-PT" smtClean="0"/>
-              <a:t>13/10/2017</a:t>
+              <a:t>18/10/2017</a:t>
             </a:fld>
             <a:endParaRPr lang="pt-PT"/>
           </a:p>
@@ -1726,7 +1726,7 @@
           <a:p>
             <a:fld id="{2680F75E-BF8A-4352-8DF2-5712531B63DB}" type="datetimeFigureOut">
               <a:rPr lang="pt-PT" smtClean="0"/>
-              <a:t>13/10/2017</a:t>
+              <a:t>18/10/2017</a:t>
             </a:fld>
             <a:endParaRPr lang="pt-PT"/>
           </a:p>
@@ -1821,7 +1821,7 @@
           <a:p>
             <a:fld id="{2680F75E-BF8A-4352-8DF2-5712531B63DB}" type="datetimeFigureOut">
               <a:rPr lang="pt-PT" smtClean="0"/>
-              <a:t>13/10/2017</a:t>
+              <a:t>18/10/2017</a:t>
             </a:fld>
             <a:endParaRPr lang="pt-PT"/>
           </a:p>
@@ -2098,7 +2098,7 @@
           <a:p>
             <a:fld id="{2680F75E-BF8A-4352-8DF2-5712531B63DB}" type="datetimeFigureOut">
               <a:rPr lang="pt-PT" smtClean="0"/>
-              <a:t>13/10/2017</a:t>
+              <a:t>18/10/2017</a:t>
             </a:fld>
             <a:endParaRPr lang="pt-PT"/>
           </a:p>
@@ -2351,7 +2351,7 @@
           <a:p>
             <a:fld id="{2680F75E-BF8A-4352-8DF2-5712531B63DB}" type="datetimeFigureOut">
               <a:rPr lang="pt-PT" smtClean="0"/>
-              <a:t>13/10/2017</a:t>
+              <a:t>18/10/2017</a:t>
             </a:fld>
             <a:endParaRPr lang="pt-PT"/>
           </a:p>
@@ -2564,7 +2564,7 @@
           <a:p>
             <a:fld id="{2680F75E-BF8A-4352-8DF2-5712531B63DB}" type="datetimeFigureOut">
               <a:rPr lang="pt-PT" smtClean="0"/>
-              <a:t>13/10/2017</a:t>
+              <a:t>18/10/2017</a:t>
             </a:fld>
             <a:endParaRPr lang="pt-PT"/>
           </a:p>
@@ -2971,19 +2971,19 @@
       </p:grpSpPr>
       <p:sp>
         <p:nvSpPr>
-          <p:cNvPr id="2" name="Rectangle 1"/>
+          <p:cNvPr id="155" name="Rounded Rectangle 154"/>
           <p:cNvSpPr/>
           <p:nvPr/>
         </p:nvSpPr>
         <p:spPr>
           <a:xfrm>
-            <a:off x="564022" y="1051133"/>
-            <a:ext cx="1283294" cy="828942"/>
+            <a:off x="2962059" y="2270759"/>
+            <a:ext cx="1094933" cy="739140"/>
           </a:xfrm>
-          <a:prstGeom prst="rect">
+          <a:prstGeom prst="roundRect">
             <a:avLst/>
           </a:prstGeom>
-          <a:ln w="28575"/>
+          <a:ln w="19050"/>
         </p:spPr>
         <p:style>
           <a:lnRef idx="2">
@@ -3005,8 +3005,22 @@
           <a:p>
             <a:pPr algn="ctr"/>
             <a:r>
+              <a:rPr lang="en-US" sz="1200" dirty="0"/>
+              <a:t>Discrete to</a:t>
+            </a:r>
+          </a:p>
+          <a:p>
+            <a:pPr algn="ctr"/>
+            <a:r>
+              <a:rPr lang="en-US" sz="1200" dirty="0"/>
+              <a:t>Continuous</a:t>
+            </a:r>
+          </a:p>
+          <a:p>
+            <a:pPr algn="ctr"/>
+            <a:r>
               <a:rPr lang="en-US" sz="1200" dirty="0" smtClean="0"/>
-              <a:t>Generate bit sequence</a:t>
+              <a:t>Time</a:t>
             </a:r>
             <a:endParaRPr lang="en-US" sz="1200" dirty="0"/>
           </a:p>
@@ -3014,19 +3028,19 @@
       </p:sp>
       <p:sp>
         <p:nvSpPr>
-          <p:cNvPr id="3" name="Rectangle 2"/>
+          <p:cNvPr id="169" name="Rounded Rectangle 168"/>
           <p:cNvSpPr/>
           <p:nvPr/>
         </p:nvSpPr>
         <p:spPr>
           <a:xfrm>
-            <a:off x="2425581" y="1051133"/>
-            <a:ext cx="1283294" cy="828942"/>
+            <a:off x="4421513" y="2270758"/>
+            <a:ext cx="1094933" cy="739140"/>
           </a:xfrm>
-          <a:prstGeom prst="rect">
+          <a:prstGeom prst="roundRect">
             <a:avLst/>
           </a:prstGeom>
-          <a:ln w="28575"/>
+          <a:ln w="19050"/>
         </p:spPr>
         <p:style>
           <a:lnRef idx="2">
@@ -3048,8 +3062,227 @@
           <a:p>
             <a:pPr algn="ctr"/>
             <a:r>
+              <a:rPr lang="en-US" sz="1200" dirty="0"/>
+              <a:t>Pulse Shaping </a:t>
+            </a:r>
+            <a:r>
               <a:rPr lang="en-US" sz="1200" dirty="0" smtClean="0"/>
-              <a:t>Represent bit information as a symbolic information</a:t>
+              <a:t>Filter</a:t>
+            </a:r>
+            <a:endParaRPr lang="en-US" sz="1200" dirty="0"/>
+          </a:p>
+        </p:txBody>
+      </p:sp>
+      <p:sp>
+        <p:nvSpPr>
+          <p:cNvPr id="172" name="Rounded Rectangle 171"/>
+          <p:cNvSpPr/>
+          <p:nvPr/>
+        </p:nvSpPr>
+        <p:spPr>
+          <a:xfrm>
+            <a:off x="5880967" y="2270757"/>
+            <a:ext cx="1094933" cy="739141"/>
+          </a:xfrm>
+          <a:prstGeom prst="roundRect">
+            <a:avLst/>
+          </a:prstGeom>
+          <a:ln w="19050"/>
+        </p:spPr>
+        <p:style>
+          <a:lnRef idx="2">
+            <a:schemeClr val="dk1"/>
+          </a:lnRef>
+          <a:fillRef idx="1">
+            <a:schemeClr val="lt1"/>
+          </a:fillRef>
+          <a:effectRef idx="0">
+            <a:schemeClr val="dk1"/>
+          </a:effectRef>
+          <a:fontRef idx="minor">
+            <a:schemeClr val="dk1"/>
+          </a:fontRef>
+        </p:style>
+        <p:txBody>
+          <a:bodyPr rtlCol="0" anchor="ctr"/>
+          <a:lstStyle/>
+          <a:p>
+            <a:pPr algn="ctr"/>
+            <a:r>
+              <a:rPr lang="en-US" sz="1200" dirty="0" smtClean="0"/>
+              <a:t>Mixer</a:t>
+            </a:r>
+            <a:endParaRPr lang="en-US" sz="1200" dirty="0"/>
+          </a:p>
+        </p:txBody>
+      </p:sp>
+      <p:sp>
+        <p:nvSpPr>
+          <p:cNvPr id="173" name="Rounded Rectangle 172"/>
+          <p:cNvSpPr/>
+          <p:nvPr/>
+        </p:nvSpPr>
+        <p:spPr>
+          <a:xfrm>
+            <a:off x="5880966" y="1180614"/>
+            <a:ext cx="1094933" cy="739140"/>
+          </a:xfrm>
+          <a:prstGeom prst="roundRect">
+            <a:avLst/>
+          </a:prstGeom>
+          <a:ln w="19050"/>
+        </p:spPr>
+        <p:style>
+          <a:lnRef idx="2">
+            <a:schemeClr val="dk1"/>
+          </a:lnRef>
+          <a:fillRef idx="1">
+            <a:schemeClr val="lt1"/>
+          </a:fillRef>
+          <a:effectRef idx="0">
+            <a:schemeClr val="dk1"/>
+          </a:effectRef>
+          <a:fontRef idx="minor">
+            <a:schemeClr val="dk1"/>
+          </a:fontRef>
+        </p:style>
+        <p:txBody>
+          <a:bodyPr rtlCol="0" anchor="ctr"/>
+          <a:lstStyle/>
+          <a:p>
+            <a:pPr algn="ctr"/>
+            <a:r>
+              <a:rPr lang="en-US" sz="1200" dirty="0" smtClean="0"/>
+              <a:t>Oscillator</a:t>
+            </a:r>
+            <a:endParaRPr lang="en-US" sz="1200" dirty="0"/>
+          </a:p>
+        </p:txBody>
+      </p:sp>
+      <p:sp>
+        <p:nvSpPr>
+          <p:cNvPr id="174" name="Rounded Rectangle 173"/>
+          <p:cNvSpPr/>
+          <p:nvPr/>
+        </p:nvSpPr>
+        <p:spPr>
+          <a:xfrm>
+            <a:off x="7340421" y="2270757"/>
+            <a:ext cx="1094933" cy="739141"/>
+          </a:xfrm>
+          <a:prstGeom prst="roundRect">
+            <a:avLst/>
+          </a:prstGeom>
+          <a:ln w="19050"/>
+        </p:spPr>
+        <p:style>
+          <a:lnRef idx="2">
+            <a:schemeClr val="dk1"/>
+          </a:lnRef>
+          <a:fillRef idx="1">
+            <a:schemeClr val="lt1"/>
+          </a:fillRef>
+          <a:effectRef idx="0">
+            <a:schemeClr val="dk1"/>
+          </a:effectRef>
+          <a:fontRef idx="minor">
+            <a:schemeClr val="dk1"/>
+          </a:fontRef>
+        </p:style>
+        <p:txBody>
+          <a:bodyPr rtlCol="0" anchor="ctr"/>
+          <a:lstStyle/>
+          <a:p>
+            <a:pPr algn="ctr"/>
+            <a:r>
+              <a:rPr lang="en-US" sz="1200" dirty="0" smtClean="0"/>
+              <a:t>Fork</a:t>
+            </a:r>
+            <a:endParaRPr lang="en-US" sz="1200" dirty="0"/>
+          </a:p>
+        </p:txBody>
+      </p:sp>
+      <p:sp>
+        <p:nvSpPr>
+          <p:cNvPr id="177" name="Rounded Rectangle 176"/>
+          <p:cNvSpPr/>
+          <p:nvPr/>
+        </p:nvSpPr>
+        <p:spPr>
+          <a:xfrm>
+            <a:off x="1502567" y="2270758"/>
+            <a:ext cx="1094933" cy="739140"/>
+          </a:xfrm>
+          <a:prstGeom prst="roundRect">
+            <a:avLst/>
+          </a:prstGeom>
+          <a:ln w="19050"/>
+        </p:spPr>
+        <p:style>
+          <a:lnRef idx="2">
+            <a:schemeClr val="dk1"/>
+          </a:lnRef>
+          <a:fillRef idx="1">
+            <a:schemeClr val="lt1"/>
+          </a:fillRef>
+          <a:effectRef idx="0">
+            <a:schemeClr val="dk1"/>
+          </a:effectRef>
+          <a:fontRef idx="minor">
+            <a:schemeClr val="dk1"/>
+          </a:fontRef>
+        </p:style>
+        <p:txBody>
+          <a:bodyPr rtlCol="0" anchor="ctr"/>
+          <a:lstStyle/>
+          <a:p>
+            <a:pPr algn="ctr"/>
+            <a:r>
+              <a:rPr lang="en-US" sz="1200" dirty="0" smtClean="0"/>
+              <a:t>MPAM Mapping</a:t>
+            </a:r>
+            <a:endParaRPr lang="en-US" sz="1200" dirty="0"/>
+          </a:p>
+        </p:txBody>
+      </p:sp>
+      <p:sp>
+        <p:nvSpPr>
+          <p:cNvPr id="178" name="Rounded Rectangle 177"/>
+          <p:cNvSpPr/>
+          <p:nvPr/>
+        </p:nvSpPr>
+        <p:spPr>
+          <a:xfrm>
+            <a:off x="43094" y="2270758"/>
+            <a:ext cx="1094933" cy="739140"/>
+          </a:xfrm>
+          <a:prstGeom prst="roundRect">
+            <a:avLst/>
+          </a:prstGeom>
+          <a:ln w="19050"/>
+        </p:spPr>
+        <p:style>
+          <a:lnRef idx="2">
+            <a:schemeClr val="dk1"/>
+          </a:lnRef>
+          <a:fillRef idx="1">
+            <a:schemeClr val="lt1"/>
+          </a:fillRef>
+          <a:effectRef idx="0">
+            <a:schemeClr val="dk1"/>
+          </a:effectRef>
+          <a:fontRef idx="minor">
+            <a:schemeClr val="dk1"/>
+          </a:fontRef>
+        </p:style>
+        <p:txBody>
+          <a:bodyPr rtlCol="0" anchor="ctr"/>
+          <a:lstStyle/>
+          <a:p>
+            <a:pPr algn="ctr"/>
+            <a:r>
+              <a:rPr lang="en-US" sz="1200" dirty="0" smtClean="0"/>
+              <a:t>Binary Sequence</a:t>
             </a:r>
             <a:endParaRPr lang="en-US" sz="1200" dirty="0"/>
           </a:p>
@@ -3057,191 +3290,34 @@
       </p:sp>
       <p:cxnSp>
         <p:nvCxnSpPr>
-          <p:cNvPr id="5" name="Straight Arrow Connector 4"/>
+          <p:cNvPr id="159" name="Straight Arrow Connector 158"/>
           <p:cNvCxnSpPr>
-            <a:stCxn id="2" idx="3"/>
-            <a:endCxn id="3" idx="1"/>
+            <a:stCxn id="178" idx="3"/>
+            <a:endCxn id="177" idx="1"/>
           </p:cNvCxnSpPr>
           <p:nvPr/>
         </p:nvCxnSpPr>
         <p:spPr>
           <a:xfrm>
-            <a:off x="1847316" y="1465604"/>
-            <a:ext cx="578265" cy="0"/>
+            <a:off x="1138027" y="2640328"/>
+            <a:ext cx="364540" cy="0"/>
           </a:xfrm>
           <a:prstGeom prst="straightConnector1">
             <a:avLst/>
           </a:prstGeom>
-          <a:ln w="28575">
+          <a:ln w="19050">
             <a:tailEnd type="triangle"/>
           </a:ln>
         </p:spPr>
         <p:style>
           <a:lnRef idx="1">
-            <a:schemeClr val="accent1"/>
+            <a:schemeClr val="dk1"/>
           </a:lnRef>
           <a:fillRef idx="0">
-            <a:schemeClr val="accent1"/>
+            <a:schemeClr val="dk1"/>
           </a:fillRef>
           <a:effectRef idx="0">
-            <a:schemeClr val="accent1"/>
-          </a:effectRef>
-          <a:fontRef idx="minor">
-            <a:schemeClr val="tx1"/>
-          </a:fontRef>
-        </p:style>
-      </p:cxnSp>
-      <p:sp>
-        <p:nvSpPr>
-          <p:cNvPr id="7" name="Rectangle 6"/>
-          <p:cNvSpPr/>
-          <p:nvPr/>
-        </p:nvSpPr>
-        <p:spPr>
-          <a:xfrm>
-            <a:off x="4287140" y="1051133"/>
-            <a:ext cx="1283294" cy="828942"/>
-          </a:xfrm>
-          <a:prstGeom prst="rect">
-            <a:avLst/>
-          </a:prstGeom>
-          <a:ln w="28575"/>
-        </p:spPr>
-        <p:style>
-          <a:lnRef idx="2">
-            <a:schemeClr val="dk1"/>
-          </a:lnRef>
-          <a:fillRef idx="1">
-            <a:schemeClr val="lt1"/>
-          </a:fillRef>
-          <a:effectRef idx="0">
-            <a:schemeClr val="dk1"/>
-          </a:effectRef>
-          <a:fontRef idx="minor">
-            <a:schemeClr val="dk1"/>
-          </a:fontRef>
-        </p:style>
-        <p:txBody>
-          <a:bodyPr rtlCol="0" anchor="ctr"/>
-          <a:lstStyle/>
-          <a:p>
-            <a:pPr algn="ctr"/>
-            <a:r>
-              <a:rPr lang="en-US" sz="1200" dirty="0" smtClean="0"/>
-              <a:t>Binary to decimal for MQAM</a:t>
-            </a:r>
-            <a:endParaRPr lang="en-US" sz="1200" dirty="0"/>
-          </a:p>
-        </p:txBody>
-      </p:sp>
-      <p:cxnSp>
-        <p:nvCxnSpPr>
-          <p:cNvPr id="9" name="Straight Arrow Connector 8"/>
-          <p:cNvCxnSpPr>
-            <a:stCxn id="3" idx="3"/>
-            <a:endCxn id="7" idx="1"/>
-          </p:cNvCxnSpPr>
-          <p:nvPr/>
-        </p:nvCxnSpPr>
-        <p:spPr>
-          <a:xfrm>
-            <a:off x="3708875" y="1465604"/>
-            <a:ext cx="578265" cy="0"/>
-          </a:xfrm>
-          <a:prstGeom prst="straightConnector1">
-            <a:avLst/>
-          </a:prstGeom>
-          <a:ln w="28575">
-            <a:tailEnd type="triangle"/>
-          </a:ln>
-        </p:spPr>
-        <p:style>
-          <a:lnRef idx="1">
-            <a:schemeClr val="accent1"/>
-          </a:lnRef>
-          <a:fillRef idx="0">
-            <a:schemeClr val="accent1"/>
-          </a:fillRef>
-          <a:effectRef idx="0">
-            <a:schemeClr val="accent1"/>
-          </a:effectRef>
-          <a:fontRef idx="minor">
-            <a:schemeClr val="tx1"/>
-          </a:fontRef>
-        </p:style>
-      </p:cxnSp>
-      <p:sp>
-        <p:nvSpPr>
-          <p:cNvPr id="11" name="Rectangle 10"/>
-          <p:cNvSpPr/>
-          <p:nvPr/>
-        </p:nvSpPr>
-        <p:spPr>
-          <a:xfrm>
-            <a:off x="6148699" y="1051133"/>
-            <a:ext cx="1283294" cy="828942"/>
-          </a:xfrm>
-          <a:prstGeom prst="rect">
-            <a:avLst/>
-          </a:prstGeom>
-          <a:ln w="28575"/>
-        </p:spPr>
-        <p:style>
-          <a:lnRef idx="2">
-            <a:schemeClr val="dk1"/>
-          </a:lnRef>
-          <a:fillRef idx="1">
-            <a:schemeClr val="lt1"/>
-          </a:fillRef>
-          <a:effectRef idx="0">
-            <a:schemeClr val="dk1"/>
-          </a:effectRef>
-          <a:fontRef idx="minor">
-            <a:schemeClr val="dk1"/>
-          </a:fontRef>
-        </p:style>
-        <p:txBody>
-          <a:bodyPr rtlCol="0" anchor="ctr"/>
-          <a:lstStyle/>
-          <a:p>
-            <a:pPr algn="ctr"/>
-            <a:r>
-              <a:rPr lang="en-US" sz="1200" dirty="0" smtClean="0"/>
-              <a:t>MPAM Mapping</a:t>
-            </a:r>
-          </a:p>
-        </p:txBody>
-      </p:sp>
-      <p:cxnSp>
-        <p:nvCxnSpPr>
-          <p:cNvPr id="12" name="Straight Arrow Connector 11"/>
-          <p:cNvCxnSpPr>
-            <a:stCxn id="7" idx="3"/>
-            <a:endCxn id="11" idx="1"/>
-          </p:cNvCxnSpPr>
-          <p:nvPr/>
-        </p:nvCxnSpPr>
-        <p:spPr>
-          <a:xfrm>
-            <a:off x="5570434" y="1465604"/>
-            <a:ext cx="578265" cy="0"/>
-          </a:xfrm>
-          <a:prstGeom prst="straightConnector1">
-            <a:avLst/>
-          </a:prstGeom>
-          <a:ln w="28575">
-            <a:tailEnd type="triangle"/>
-          </a:ln>
-        </p:spPr>
-        <p:style>
-          <a:lnRef idx="1">
-            <a:schemeClr val="accent1"/>
-          </a:lnRef>
-          <a:fillRef idx="0">
-            <a:schemeClr val="accent1"/>
-          </a:fillRef>
-          <a:effectRef idx="0">
-            <a:schemeClr val="accent1"/>
+            <a:schemeClr val="dk1"/>
           </a:effectRef>
           <a:fontRef idx="minor">
             <a:schemeClr val="tx1"/>
@@ -3250,230 +3326,34 @@
       </p:cxnSp>
       <p:cxnSp>
         <p:nvCxnSpPr>
-          <p:cNvPr id="16" name="Straight Arrow Connector 15"/>
+          <p:cNvPr id="184" name="Straight Arrow Connector 183"/>
           <p:cNvCxnSpPr>
-            <a:stCxn id="11" idx="3"/>
-            <a:endCxn id="74" idx="1"/>
+            <a:stCxn id="177" idx="3"/>
+            <a:endCxn id="155" idx="1"/>
           </p:cNvCxnSpPr>
           <p:nvPr/>
         </p:nvCxnSpPr>
         <p:spPr>
-          <a:xfrm flipV="1">
-            <a:off x="7431993" y="1463880"/>
-            <a:ext cx="626533" cy="1724"/>
+          <a:xfrm>
+            <a:off x="2597500" y="2640328"/>
+            <a:ext cx="364559" cy="1"/>
           </a:xfrm>
           <a:prstGeom prst="straightConnector1">
             <a:avLst/>
           </a:prstGeom>
-          <a:ln w="28575">
+          <a:ln w="19050">
             <a:tailEnd type="triangle"/>
           </a:ln>
         </p:spPr>
         <p:style>
           <a:lnRef idx="1">
-            <a:schemeClr val="accent1"/>
+            <a:schemeClr val="dk1"/>
           </a:lnRef>
           <a:fillRef idx="0">
-            <a:schemeClr val="accent1"/>
+            <a:schemeClr val="dk1"/>
           </a:fillRef>
           <a:effectRef idx="0">
-            <a:schemeClr val="accent1"/>
-          </a:effectRef>
-          <a:fontRef idx="minor">
-            <a:schemeClr val="tx1"/>
-          </a:fontRef>
-        </p:style>
-      </p:cxnSp>
-      <p:sp>
-        <p:nvSpPr>
-          <p:cNvPr id="26" name="Rectangle 25"/>
-          <p:cNvSpPr/>
-          <p:nvPr/>
-        </p:nvSpPr>
-        <p:spPr>
-          <a:xfrm>
-            <a:off x="9882621" y="1049409"/>
-            <a:ext cx="1283294" cy="842888"/>
-          </a:xfrm>
-          <a:prstGeom prst="rect">
-            <a:avLst/>
-          </a:prstGeom>
-          <a:ln w="28575"/>
-        </p:spPr>
-        <p:style>
-          <a:lnRef idx="2">
-            <a:schemeClr val="dk1"/>
-          </a:lnRef>
-          <a:fillRef idx="1">
-            <a:schemeClr val="lt1"/>
-          </a:fillRef>
-          <a:effectRef idx="0">
-            <a:schemeClr val="dk1"/>
-          </a:effectRef>
-          <a:fontRef idx="minor">
-            <a:schemeClr val="dk1"/>
-          </a:fontRef>
-        </p:style>
-        <p:txBody>
-          <a:bodyPr rtlCol="0" anchor="ctr"/>
-          <a:lstStyle/>
-          <a:p>
-            <a:pPr algn="ctr"/>
-            <a:r>
-              <a:rPr lang="en-US" sz="1200" dirty="0" smtClean="0"/>
-              <a:t>Up conversion</a:t>
-            </a:r>
-            <a:endParaRPr lang="en-US" sz="1200" dirty="0"/>
-          </a:p>
-        </p:txBody>
-      </p:sp>
-      <p:cxnSp>
-        <p:nvCxnSpPr>
-          <p:cNvPr id="27" name="Straight Arrow Connector 26"/>
-          <p:cNvCxnSpPr>
-            <a:stCxn id="74" idx="3"/>
-            <a:endCxn id="26" idx="1"/>
-          </p:cNvCxnSpPr>
-          <p:nvPr/>
-        </p:nvCxnSpPr>
-        <p:spPr>
-          <a:xfrm>
-            <a:off x="9341820" y="1463880"/>
-            <a:ext cx="540801" cy="6973"/>
-          </a:xfrm>
-          <a:prstGeom prst="straightConnector1">
-            <a:avLst/>
-          </a:prstGeom>
-          <a:ln w="28575">
-            <a:tailEnd type="triangle"/>
-          </a:ln>
-        </p:spPr>
-        <p:style>
-          <a:lnRef idx="1">
-            <a:schemeClr val="accent1"/>
-          </a:lnRef>
-          <a:fillRef idx="0">
-            <a:schemeClr val="accent1"/>
-          </a:fillRef>
-          <a:effectRef idx="0">
-            <a:schemeClr val="accent1"/>
-          </a:effectRef>
-          <a:fontRef idx="minor">
-            <a:schemeClr val="tx1"/>
-          </a:fontRef>
-        </p:style>
-      </p:cxnSp>
-      <p:sp>
-        <p:nvSpPr>
-          <p:cNvPr id="39" name="Rectangle 38"/>
-          <p:cNvSpPr/>
-          <p:nvPr/>
-        </p:nvSpPr>
-        <p:spPr>
-          <a:xfrm>
-            <a:off x="560263" y="3680922"/>
-            <a:ext cx="1283294" cy="828942"/>
-          </a:xfrm>
-          <a:prstGeom prst="rect">
-            <a:avLst/>
-          </a:prstGeom>
-          <a:ln w="28575"/>
-        </p:spPr>
-        <p:style>
-          <a:lnRef idx="2">
-            <a:schemeClr val="dk1"/>
-          </a:lnRef>
-          <a:fillRef idx="1">
-            <a:schemeClr val="lt1"/>
-          </a:fillRef>
-          <a:effectRef idx="0">
-            <a:schemeClr val="dk1"/>
-          </a:effectRef>
-          <a:fontRef idx="minor">
-            <a:schemeClr val="dk1"/>
-          </a:fontRef>
-        </p:style>
-        <p:txBody>
-          <a:bodyPr rtlCol="0" anchor="ctr"/>
-          <a:lstStyle/>
-          <a:p>
-            <a:pPr algn="ctr"/>
-            <a:r>
-              <a:rPr lang="en-US" sz="1200" dirty="0" smtClean="0"/>
-              <a:t>Hilbert Transformer</a:t>
-            </a:r>
-            <a:endParaRPr lang="en-US" sz="1200" dirty="0"/>
-          </a:p>
-        </p:txBody>
-      </p:sp>
-      <p:sp>
-        <p:nvSpPr>
-          <p:cNvPr id="40" name="Flowchart: Or 39"/>
-          <p:cNvSpPr/>
-          <p:nvPr/>
-        </p:nvSpPr>
-        <p:spPr>
-          <a:xfrm>
-            <a:off x="2568969" y="3812313"/>
-            <a:ext cx="523101" cy="566159"/>
-          </a:xfrm>
-          <a:prstGeom prst="flowChartOr">
-            <a:avLst/>
-          </a:prstGeom>
-        </p:spPr>
-        <p:style>
-          <a:lnRef idx="2">
-            <a:schemeClr val="dk1"/>
-          </a:lnRef>
-          <a:fillRef idx="1">
-            <a:schemeClr val="lt1"/>
-          </a:fillRef>
-          <a:effectRef idx="0">
-            <a:schemeClr val="dk1"/>
-          </a:effectRef>
-          <a:fontRef idx="minor">
-            <a:schemeClr val="dk1"/>
-          </a:fontRef>
-        </p:style>
-        <p:txBody>
-          <a:bodyPr rtlCol="0" anchor="ctr"/>
-          <a:lstStyle/>
-          <a:p>
-            <a:pPr algn="ctr"/>
-            <a:endParaRPr lang="en-US"/>
-          </a:p>
-        </p:txBody>
-      </p:sp>
-      <p:cxnSp>
-        <p:nvCxnSpPr>
-          <p:cNvPr id="41" name="Straight Arrow Connector 40"/>
-          <p:cNvCxnSpPr>
-            <a:stCxn id="39" idx="3"/>
-            <a:endCxn id="40" idx="2"/>
-          </p:cNvCxnSpPr>
-          <p:nvPr/>
-        </p:nvCxnSpPr>
-        <p:spPr>
-          <a:xfrm>
-            <a:off x="1843557" y="4095393"/>
-            <a:ext cx="725412" cy="0"/>
-          </a:xfrm>
-          <a:prstGeom prst="straightConnector1">
-            <a:avLst/>
-          </a:prstGeom>
-          <a:ln w="28575">
-            <a:tailEnd type="triangle"/>
-          </a:ln>
-        </p:spPr>
-        <p:style>
-          <a:lnRef idx="1">
-            <a:schemeClr val="accent1"/>
-          </a:lnRef>
-          <a:fillRef idx="0">
-            <a:schemeClr val="accent1"/>
-          </a:fillRef>
-          <a:effectRef idx="0">
-            <a:schemeClr val="accent1"/>
+            <a:schemeClr val="dk1"/>
           </a:effectRef>
           <a:fontRef idx="minor">
             <a:schemeClr val="tx1"/>
@@ -3482,37 +3362,34 @@
       </p:cxnSp>
       <p:cxnSp>
         <p:nvCxnSpPr>
-          <p:cNvPr id="48" name="Elbow Connector 47"/>
+          <p:cNvPr id="185" name="Straight Arrow Connector 184"/>
           <p:cNvCxnSpPr>
-            <a:stCxn id="26" idx="3"/>
-            <a:endCxn id="40" idx="0"/>
+            <a:stCxn id="155" idx="3"/>
+            <a:endCxn id="169" idx="1"/>
           </p:cNvCxnSpPr>
           <p:nvPr/>
         </p:nvCxnSpPr>
         <p:spPr>
-          <a:xfrm flipH="1">
-            <a:off x="2830520" y="1470853"/>
-            <a:ext cx="8335395" cy="2341460"/>
+          <a:xfrm flipV="1">
+            <a:off x="4056992" y="2640328"/>
+            <a:ext cx="364521" cy="1"/>
           </a:xfrm>
-          <a:prstGeom prst="bentConnector4">
-            <a:avLst>
-              <a:gd name="adj1" fmla="val -2743"/>
-              <a:gd name="adj2" fmla="val 59000"/>
-            </a:avLst>
+          <a:prstGeom prst="straightConnector1">
+            <a:avLst/>
           </a:prstGeom>
-          <a:ln w="28575">
+          <a:ln w="19050">
             <a:tailEnd type="triangle"/>
           </a:ln>
         </p:spPr>
         <p:style>
           <a:lnRef idx="1">
-            <a:schemeClr val="accent1"/>
+            <a:schemeClr val="dk1"/>
           </a:lnRef>
           <a:fillRef idx="0">
-            <a:schemeClr val="accent1"/>
+            <a:schemeClr val="dk1"/>
           </a:fillRef>
           <a:effectRef idx="0">
-            <a:schemeClr val="accent1"/>
+            <a:schemeClr val="dk1"/>
           </a:effectRef>
           <a:fontRef idx="minor">
             <a:schemeClr val="tx1"/>
@@ -3521,36 +3398,34 @@
       </p:cxnSp>
       <p:cxnSp>
         <p:nvCxnSpPr>
-          <p:cNvPr id="53" name="Elbow Connector 52"/>
+          <p:cNvPr id="193" name="Straight Arrow Connector 192"/>
           <p:cNvCxnSpPr>
-            <a:stCxn id="26" idx="2"/>
-            <a:endCxn id="39" idx="0"/>
+            <a:stCxn id="169" idx="3"/>
+            <a:endCxn id="172" idx="1"/>
           </p:cNvCxnSpPr>
           <p:nvPr/>
         </p:nvCxnSpPr>
         <p:spPr>
-          <a:xfrm rot="5400000">
-            <a:off x="4968777" y="-1874570"/>
-            <a:ext cx="1788625" cy="9322358"/>
+          <a:xfrm>
+            <a:off x="5516446" y="2640328"/>
+            <a:ext cx="364521" cy="0"/>
           </a:xfrm>
-          <a:prstGeom prst="bentConnector3">
-            <a:avLst>
-              <a:gd name="adj1" fmla="val 30411"/>
-            </a:avLst>
+          <a:prstGeom prst="straightConnector1">
+            <a:avLst/>
           </a:prstGeom>
-          <a:ln w="28575">
+          <a:ln w="19050">
             <a:tailEnd type="triangle"/>
           </a:ln>
         </p:spPr>
         <p:style>
           <a:lnRef idx="1">
-            <a:schemeClr val="accent1"/>
+            <a:schemeClr val="dk1"/>
           </a:lnRef>
           <a:fillRef idx="0">
-            <a:schemeClr val="accent1"/>
+            <a:schemeClr val="dk1"/>
           </a:fillRef>
           <a:effectRef idx="0">
-            <a:schemeClr val="accent1"/>
+            <a:schemeClr val="dk1"/>
           </a:effectRef>
           <a:fontRef idx="minor">
             <a:schemeClr val="tx1"/>
@@ -3559,33 +3434,197 @@
       </p:cxnSp>
       <p:cxnSp>
         <p:nvCxnSpPr>
-          <p:cNvPr id="58" name="Straight Arrow Connector 57"/>
+          <p:cNvPr id="197" name="Straight Arrow Connector 196"/>
           <p:cNvCxnSpPr>
-            <a:stCxn id="40" idx="6"/>
+            <a:stCxn id="172" idx="3"/>
+            <a:endCxn id="174" idx="1"/>
           </p:cNvCxnSpPr>
           <p:nvPr/>
         </p:nvCxnSpPr>
         <p:spPr>
-          <a:xfrm flipV="1">
-            <a:off x="3092070" y="4095392"/>
-            <a:ext cx="1878340" cy="1"/>
+          <a:xfrm>
+            <a:off x="6975900" y="2640328"/>
+            <a:ext cx="364521" cy="0"/>
           </a:xfrm>
           <a:prstGeom prst="straightConnector1">
             <a:avLst/>
           </a:prstGeom>
-          <a:ln w="28575">
+          <a:ln w="19050">
             <a:tailEnd type="triangle"/>
           </a:ln>
         </p:spPr>
         <p:style>
           <a:lnRef idx="1">
-            <a:schemeClr val="accent1"/>
+            <a:schemeClr val="dk1"/>
           </a:lnRef>
           <a:fillRef idx="0">
-            <a:schemeClr val="accent1"/>
+            <a:schemeClr val="dk1"/>
           </a:fillRef>
           <a:effectRef idx="0">
-            <a:schemeClr val="accent1"/>
+            <a:schemeClr val="dk1"/>
+          </a:effectRef>
+          <a:fontRef idx="minor">
+            <a:schemeClr val="tx1"/>
+          </a:fontRef>
+        </p:style>
+      </p:cxnSp>
+      <p:cxnSp>
+        <p:nvCxnSpPr>
+          <p:cNvPr id="199" name="Straight Arrow Connector 198"/>
+          <p:cNvCxnSpPr>
+            <a:stCxn id="173" idx="2"/>
+            <a:endCxn id="172" idx="0"/>
+          </p:cNvCxnSpPr>
+          <p:nvPr/>
+        </p:nvCxnSpPr>
+        <p:spPr>
+          <a:xfrm>
+            <a:off x="6428433" y="1919754"/>
+            <a:ext cx="1" cy="351003"/>
+          </a:xfrm>
+          <a:prstGeom prst="straightConnector1">
+            <a:avLst/>
+          </a:prstGeom>
+          <a:ln w="19050">
+            <a:tailEnd type="triangle"/>
+          </a:ln>
+        </p:spPr>
+        <p:style>
+          <a:lnRef idx="1">
+            <a:schemeClr val="dk1"/>
+          </a:lnRef>
+          <a:fillRef idx="0">
+            <a:schemeClr val="dk1"/>
+          </a:fillRef>
+          <a:effectRef idx="0">
+            <a:schemeClr val="dk1"/>
+          </a:effectRef>
+          <a:fontRef idx="minor">
+            <a:schemeClr val="tx1"/>
+          </a:fontRef>
+        </p:style>
+      </p:cxnSp>
+      <p:sp>
+        <p:nvSpPr>
+          <p:cNvPr id="202" name="Rounded Rectangle 201"/>
+          <p:cNvSpPr/>
+          <p:nvPr/>
+        </p:nvSpPr>
+        <p:spPr>
+          <a:xfrm>
+            <a:off x="8910138" y="3386739"/>
+            <a:ext cx="1094933" cy="739141"/>
+          </a:xfrm>
+          <a:prstGeom prst="roundRect">
+            <a:avLst/>
+          </a:prstGeom>
+          <a:ln w="19050"/>
+        </p:spPr>
+        <p:style>
+          <a:lnRef idx="2">
+            <a:schemeClr val="dk1"/>
+          </a:lnRef>
+          <a:fillRef idx="1">
+            <a:schemeClr val="lt1"/>
+          </a:fillRef>
+          <a:effectRef idx="0">
+            <a:schemeClr val="dk1"/>
+          </a:effectRef>
+          <a:fontRef idx="minor">
+            <a:schemeClr val="dk1"/>
+          </a:fontRef>
+        </p:style>
+        <p:txBody>
+          <a:bodyPr rtlCol="0" anchor="ctr"/>
+          <a:lstStyle/>
+          <a:p>
+            <a:pPr algn="ctr"/>
+            <a:r>
+              <a:rPr lang="en-US" sz="1200" dirty="0"/>
+              <a:t>Hilbert </a:t>
+            </a:r>
+            <a:r>
+              <a:rPr lang="en-US" sz="1200" dirty="0" smtClean="0"/>
+              <a:t>Transform</a:t>
+            </a:r>
+            <a:endParaRPr lang="en-US" sz="1200" dirty="0"/>
+          </a:p>
+        </p:txBody>
+      </p:sp>
+      <p:sp>
+        <p:nvSpPr>
+          <p:cNvPr id="203" name="Rounded Rectangle 202"/>
+          <p:cNvSpPr/>
+          <p:nvPr/>
+        </p:nvSpPr>
+        <p:spPr>
+          <a:xfrm>
+            <a:off x="10515173" y="2270757"/>
+            <a:ext cx="1094933" cy="739141"/>
+          </a:xfrm>
+          <a:prstGeom prst="roundRect">
+            <a:avLst/>
+          </a:prstGeom>
+          <a:ln w="19050"/>
+        </p:spPr>
+        <p:style>
+          <a:lnRef idx="2">
+            <a:schemeClr val="dk1"/>
+          </a:lnRef>
+          <a:fillRef idx="1">
+            <a:schemeClr val="lt1"/>
+          </a:fillRef>
+          <a:effectRef idx="0">
+            <a:schemeClr val="dk1"/>
+          </a:effectRef>
+          <a:fontRef idx="minor">
+            <a:schemeClr val="dk1"/>
+          </a:fontRef>
+        </p:style>
+        <p:txBody>
+          <a:bodyPr rtlCol="0" anchor="ctr"/>
+          <a:lstStyle/>
+          <a:p>
+            <a:pPr algn="ctr"/>
+            <a:r>
+              <a:rPr lang="en-US" sz="1200" dirty="0"/>
+              <a:t>IQ </a:t>
+            </a:r>
+            <a:r>
+              <a:rPr lang="en-US" sz="1200" dirty="0" smtClean="0"/>
+              <a:t>Modulator</a:t>
+            </a:r>
+            <a:endParaRPr lang="en-US" sz="1200" dirty="0"/>
+          </a:p>
+        </p:txBody>
+      </p:sp>
+      <p:cxnSp>
+        <p:nvCxnSpPr>
+          <p:cNvPr id="206" name="Straight Arrow Connector 205"/>
+          <p:cNvCxnSpPr/>
+          <p:nvPr/>
+        </p:nvCxnSpPr>
+        <p:spPr>
+          <a:xfrm>
+            <a:off x="8435354" y="2468880"/>
+            <a:ext cx="2079819" cy="0"/>
+          </a:xfrm>
+          <a:prstGeom prst="straightConnector1">
+            <a:avLst/>
+          </a:prstGeom>
+          <a:ln w="19050">
+            <a:tailEnd type="triangle"/>
+          </a:ln>
+        </p:spPr>
+        <p:style>
+          <a:lnRef idx="1">
+            <a:schemeClr val="dk1"/>
+          </a:lnRef>
+          <a:fillRef idx="0">
+            <a:schemeClr val="dk1"/>
+          </a:fillRef>
+          <a:effectRef idx="0">
+            <a:schemeClr val="dk1"/>
           </a:effectRef>
           <a:fontRef idx="minor">
             <a:schemeClr val="tx1"/>
@@ -3594,232 +3633,47 @@
       </p:cxnSp>
       <p:grpSp>
         <p:nvGrpSpPr>
-          <p:cNvPr id="135" name="Group 134"/>
+          <p:cNvPr id="221" name="Group 220"/>
           <p:cNvGrpSpPr/>
           <p:nvPr/>
         </p:nvGrpSpPr>
         <p:grpSpPr>
           <a:xfrm>
-            <a:off x="4968980" y="3665531"/>
-            <a:ext cx="492736" cy="828942"/>
-            <a:chOff x="4131322" y="4186806"/>
-            <a:chExt cx="492736" cy="828942"/>
-          </a:xfrm>
-        </p:grpSpPr>
-        <p:sp>
-          <p:nvSpPr>
-            <p:cNvPr id="61" name="Rectangle 60"/>
-            <p:cNvSpPr/>
-            <p:nvPr/>
-          </p:nvSpPr>
-          <p:spPr>
-            <a:xfrm>
-              <a:off x="4131322" y="4601276"/>
-              <a:ext cx="492736" cy="414472"/>
-            </a:xfrm>
-            <a:prstGeom prst="rect">
-              <a:avLst/>
-            </a:prstGeom>
-          </p:spPr>
-          <p:style>
-            <a:lnRef idx="2">
-              <a:schemeClr val="accent1">
-                <a:shade val="50000"/>
-              </a:schemeClr>
-            </a:lnRef>
-            <a:fillRef idx="1">
-              <a:schemeClr val="accent1"/>
-            </a:fillRef>
-            <a:effectRef idx="0">
-              <a:schemeClr val="accent1"/>
-            </a:effectRef>
-            <a:fontRef idx="minor">
-              <a:schemeClr val="lt1"/>
-            </a:fontRef>
-          </p:style>
-          <p:txBody>
-            <a:bodyPr rtlCol="0" anchor="ctr"/>
-            <a:lstStyle/>
-            <a:p>
-              <a:pPr algn="ctr"/>
-              <a:r>
-                <a:rPr lang="en-US" sz="1200" b="1" dirty="0" err="1" smtClean="0">
-                  <a:latin typeface="+mj-lt"/>
-                </a:rPr>
-                <a:t>Imag</a:t>
-              </a:r>
-              <a:endParaRPr lang="en-US" sz="1200" b="1" dirty="0">
-                <a:latin typeface="+mj-lt"/>
-              </a:endParaRPr>
-            </a:p>
-          </p:txBody>
-        </p:sp>
-        <p:sp>
-          <p:nvSpPr>
-            <p:cNvPr id="62" name="Rectangle 61"/>
-            <p:cNvSpPr/>
-            <p:nvPr/>
-          </p:nvSpPr>
-          <p:spPr>
-            <a:xfrm>
-              <a:off x="4131322" y="4186806"/>
-              <a:ext cx="492736" cy="418612"/>
-            </a:xfrm>
-            <a:prstGeom prst="rect">
-              <a:avLst/>
-            </a:prstGeom>
-          </p:spPr>
-          <p:style>
-            <a:lnRef idx="2">
-              <a:schemeClr val="accent1">
-                <a:shade val="50000"/>
-              </a:schemeClr>
-            </a:lnRef>
-            <a:fillRef idx="1">
-              <a:schemeClr val="accent1"/>
-            </a:fillRef>
-            <a:effectRef idx="0">
-              <a:schemeClr val="accent1"/>
-            </a:effectRef>
-            <a:fontRef idx="minor">
-              <a:schemeClr val="lt1"/>
-            </a:fontRef>
-          </p:style>
-          <p:txBody>
-            <a:bodyPr rtlCol="0" anchor="ctr"/>
-            <a:lstStyle/>
-            <a:p>
-              <a:pPr algn="ctr"/>
-              <a:r>
-                <a:rPr lang="en-US" sz="1200" b="1" dirty="0" smtClean="0">
-                  <a:latin typeface="+mj-lt"/>
-                </a:rPr>
-                <a:t>Real</a:t>
-              </a:r>
-              <a:endParaRPr lang="en-US" sz="1200" b="1" dirty="0">
-                <a:latin typeface="+mj-lt"/>
-              </a:endParaRPr>
-            </a:p>
-          </p:txBody>
-        </p:sp>
-      </p:grpSp>
-      <p:cxnSp>
-        <p:nvCxnSpPr>
-          <p:cNvPr id="121" name="Straight Arrow Connector 120"/>
-          <p:cNvCxnSpPr/>
-          <p:nvPr/>
-        </p:nvCxnSpPr>
-        <p:spPr>
-          <a:xfrm>
-            <a:off x="11402186" y="4105894"/>
-            <a:ext cx="336240" cy="0"/>
-          </a:xfrm>
-          <a:prstGeom prst="straightConnector1">
-            <a:avLst/>
-          </a:prstGeom>
-          <a:ln w="19050">
-            <a:solidFill>
-              <a:srgbClr val="FF0000"/>
-            </a:solidFill>
-            <a:tailEnd type="triangle"/>
-          </a:ln>
-        </p:spPr>
-        <p:style>
-          <a:lnRef idx="1">
-            <a:schemeClr val="accent1"/>
-          </a:lnRef>
-          <a:fillRef idx="0">
-            <a:schemeClr val="accent1"/>
-          </a:fillRef>
-          <a:effectRef idx="0">
-            <a:schemeClr val="accent1"/>
-          </a:effectRef>
-          <a:fontRef idx="minor">
-            <a:schemeClr val="tx1"/>
-          </a:fontRef>
-        </p:style>
-      </p:cxnSp>
-      <p:sp>
-        <p:nvSpPr>
-          <p:cNvPr id="122" name="TextBox 121"/>
-          <p:cNvSpPr txBox="1"/>
-          <p:nvPr/>
-        </p:nvSpPr>
-        <p:spPr>
-          <a:xfrm>
-            <a:off x="10725420" y="4443662"/>
-            <a:ext cx="1105051" cy="594988"/>
-          </a:xfrm>
-          <a:prstGeom prst="rect">
-            <a:avLst/>
-          </a:prstGeom>
-          <a:noFill/>
-        </p:spPr>
-        <p:txBody>
-          <a:bodyPr wrap="none" rtlCol="0">
-            <a:spAutoFit/>
-          </a:bodyPr>
-          <a:lstStyle/>
-          <a:p>
-            <a:pPr algn="ctr"/>
-            <a:r>
-              <a:rPr lang="en-US" sz="1400" dirty="0" smtClean="0"/>
-              <a:t>SSB </a:t>
-            </a:r>
-          </a:p>
-          <a:p>
-            <a:pPr algn="ctr"/>
-            <a:r>
-              <a:rPr lang="en-US" sz="1400" dirty="0" smtClean="0"/>
-              <a:t>Optical Signal</a:t>
-            </a:r>
-            <a:endParaRPr lang="en-US" sz="1400" dirty="0"/>
-          </a:p>
-        </p:txBody>
-      </p:sp>
-      <p:grpSp>
-        <p:nvGrpSpPr>
-          <p:cNvPr id="180" name="Group 179"/>
-          <p:cNvGrpSpPr/>
-          <p:nvPr/>
-        </p:nvGrpSpPr>
-        <p:grpSpPr>
-          <a:xfrm>
-            <a:off x="5461716" y="3083339"/>
-            <a:ext cx="3124745" cy="791498"/>
-            <a:chOff x="5470262" y="2647503"/>
-            <a:chExt cx="3124745" cy="791498"/>
+            <a:off x="8435354" y="2800522"/>
+            <a:ext cx="474783" cy="955788"/>
+            <a:chOff x="8435354" y="2800522"/>
+            <a:chExt cx="474783" cy="955788"/>
           </a:xfrm>
         </p:grpSpPr>
         <p:cxnSp>
           <p:nvCxnSpPr>
-            <p:cNvPr id="168" name="Elbow Connector 167"/>
+            <p:cNvPr id="195" name="Elbow Connector 194"/>
             <p:cNvCxnSpPr>
-              <a:stCxn id="62" idx="3"/>
+              <a:endCxn id="202" idx="1"/>
             </p:cNvCxnSpPr>
             <p:nvPr/>
           </p:nvCxnSpPr>
           <p:spPr>
-            <a:xfrm flipV="1">
-              <a:off x="5470262" y="2647503"/>
-              <a:ext cx="2015543" cy="791498"/>
+            <a:xfrm rot="16200000" flipH="1">
+              <a:off x="8290098" y="3136270"/>
+              <a:ext cx="955786" cy="284293"/>
             </a:xfrm>
-            <a:prstGeom prst="bentConnector3">
-              <a:avLst>
-                <a:gd name="adj1" fmla="val 50000"/>
-              </a:avLst>
+            <a:prstGeom prst="bentConnector2">
+              <a:avLst/>
             </a:prstGeom>
-            <a:ln w="28575"/>
+            <a:ln w="19050">
+              <a:tailEnd type="triangle"/>
+            </a:ln>
           </p:spPr>
           <p:style>
             <a:lnRef idx="1">
-              <a:schemeClr val="accent1"/>
+              <a:schemeClr val="dk1"/>
             </a:lnRef>
             <a:fillRef idx="0">
-              <a:schemeClr val="accent1"/>
+              <a:schemeClr val="dk1"/>
             </a:fillRef>
             <a:effectRef idx="0">
-              <a:schemeClr val="accent1"/>
+              <a:schemeClr val="dk1"/>
             </a:effectRef>
             <a:fontRef idx="minor">
               <a:schemeClr val="tx1"/>
@@ -3828,33 +3682,29 @@
         </p:cxnSp>
         <p:cxnSp>
           <p:nvCxnSpPr>
-            <p:cNvPr id="171" name="Elbow Connector 170"/>
-            <p:cNvCxnSpPr>
-              <a:endCxn id="71" idx="0"/>
-            </p:cNvCxnSpPr>
+            <p:cNvPr id="201" name="Straight Connector 200"/>
+            <p:cNvCxnSpPr/>
             <p:nvPr/>
           </p:nvCxnSpPr>
           <p:spPr>
             <a:xfrm>
-              <a:off x="7479603" y="2647503"/>
-              <a:ext cx="1115404" cy="374245"/>
+              <a:off x="8435354" y="2800522"/>
+              <a:ext cx="190489" cy="0"/>
             </a:xfrm>
-            <a:prstGeom prst="bentConnector2">
+            <a:prstGeom prst="line">
               <a:avLst/>
             </a:prstGeom>
-            <a:ln w="28575">
-              <a:tailEnd type="triangle"/>
-            </a:ln>
+            <a:ln w="19050"/>
           </p:spPr>
           <p:style>
             <a:lnRef idx="1">
-              <a:schemeClr val="accent1"/>
+              <a:schemeClr val="dk1"/>
             </a:lnRef>
             <a:fillRef idx="0">
-              <a:schemeClr val="accent1"/>
+              <a:schemeClr val="dk1"/>
             </a:fillRef>
             <a:effectRef idx="0">
-              <a:schemeClr val="accent1"/>
+              <a:schemeClr val="dk1"/>
             </a:effectRef>
             <a:fontRef idx="minor">
               <a:schemeClr val="tx1"/>
@@ -3864,47 +3714,45 @@
       </p:grpSp>
       <p:grpSp>
         <p:nvGrpSpPr>
-          <p:cNvPr id="181" name="Group 180"/>
+          <p:cNvPr id="224" name="Group 223"/>
           <p:cNvGrpSpPr/>
           <p:nvPr/>
         </p:nvGrpSpPr>
         <p:grpSpPr>
           <a:xfrm>
-            <a:off x="5461716" y="4287237"/>
-            <a:ext cx="3124745" cy="814237"/>
-            <a:chOff x="5443101" y="2640394"/>
-            <a:chExt cx="3124745" cy="814237"/>
+            <a:off x="10005071" y="2800521"/>
+            <a:ext cx="511615" cy="955789"/>
+            <a:chOff x="10005071" y="2800521"/>
+            <a:chExt cx="511615" cy="955789"/>
           </a:xfrm>
         </p:grpSpPr>
         <p:cxnSp>
           <p:nvCxnSpPr>
-            <p:cNvPr id="182" name="Elbow Connector 181"/>
+            <p:cNvPr id="212" name="Straight Connector 211"/>
             <p:cNvCxnSpPr>
-              <a:stCxn id="61" idx="3"/>
+              <a:stCxn id="202" idx="3"/>
             </p:cNvCxnSpPr>
             <p:nvPr/>
           </p:nvCxnSpPr>
           <p:spPr>
-            <a:xfrm>
-              <a:off x="5443101" y="2640394"/>
-              <a:ext cx="1970277" cy="814237"/>
+            <a:xfrm flipV="1">
+              <a:off x="10005071" y="3756309"/>
+              <a:ext cx="227320" cy="1"/>
             </a:xfrm>
-            <a:prstGeom prst="bentConnector3">
-              <a:avLst>
-                <a:gd name="adj1" fmla="val 50000"/>
-              </a:avLst>
+            <a:prstGeom prst="line">
+              <a:avLst/>
             </a:prstGeom>
-            <a:ln w="28575"/>
+            <a:ln w="19050"/>
           </p:spPr>
           <p:style>
             <a:lnRef idx="1">
-              <a:schemeClr val="accent1"/>
+              <a:schemeClr val="dk1"/>
             </a:lnRef>
             <a:fillRef idx="0">
-              <a:schemeClr val="accent1"/>
+              <a:schemeClr val="dk1"/>
             </a:fillRef>
             <a:effectRef idx="0">
-              <a:schemeClr val="accent1"/>
+              <a:schemeClr val="dk1"/>
             </a:effectRef>
             <a:fontRef idx="minor">
               <a:schemeClr val="tx1"/>
@@ -3913,33 +3761,33 @@
         </p:cxnSp>
         <p:cxnSp>
           <p:nvCxnSpPr>
-            <p:cNvPr id="183" name="Elbow Connector 182"/>
-            <p:cNvCxnSpPr>
-              <a:endCxn id="69" idx="4"/>
-            </p:cNvCxnSpPr>
+            <p:cNvPr id="211" name="Elbow Connector 210"/>
+            <p:cNvCxnSpPr/>
             <p:nvPr/>
           </p:nvCxnSpPr>
           <p:spPr>
-            <a:xfrm flipV="1">
-              <a:off x="7407361" y="3126756"/>
-              <a:ext cx="1160485" cy="327875"/>
+            <a:xfrm rot="5400000" flipH="1" flipV="1">
+              <a:off x="9896645" y="3136267"/>
+              <a:ext cx="955788" cy="284295"/>
             </a:xfrm>
-            <a:prstGeom prst="bentConnector2">
-              <a:avLst/>
+            <a:prstGeom prst="bentConnector3">
+              <a:avLst>
+                <a:gd name="adj1" fmla="val 100227"/>
+              </a:avLst>
             </a:prstGeom>
-            <a:ln w="28575">
+            <a:ln w="19050">
               <a:tailEnd type="triangle"/>
             </a:ln>
           </p:spPr>
           <p:style>
             <a:lnRef idx="1">
-              <a:schemeClr val="accent1"/>
+              <a:schemeClr val="dk1"/>
             </a:lnRef>
             <a:fillRef idx="0">
-              <a:schemeClr val="accent1"/>
+              <a:schemeClr val="dk1"/>
             </a:fillRef>
             <a:effectRef idx="0">
-              <a:schemeClr val="accent1"/>
+              <a:schemeClr val="dk1"/>
             </a:effectRef>
             <a:fontRef idx="minor">
               <a:schemeClr val="tx1"/>
@@ -3949,46 +3797,177 @@
       </p:grpSp>
       <p:sp>
         <p:nvSpPr>
-          <p:cNvPr id="196" name="TextBox 195"/>
-          <p:cNvSpPr txBox="1"/>
+          <p:cNvPr id="228" name="Rounded Rectangle 227"/>
+          <p:cNvSpPr/>
           <p:nvPr/>
         </p:nvSpPr>
         <p:spPr>
           <a:xfrm>
-            <a:off x="8058526" y="5253493"/>
-            <a:ext cx="1159100" cy="307777"/>
+            <a:off x="43094" y="5313784"/>
+            <a:ext cx="1094933" cy="739141"/>
           </a:xfrm>
-          <a:prstGeom prst="rect">
+          <a:prstGeom prst="roundRect">
             <a:avLst/>
           </a:prstGeom>
-          <a:noFill/>
+          <a:ln w="19050"/>
         </p:spPr>
-        <p:txBody>
-          <a:bodyPr wrap="none" rtlCol="0">
-            <a:spAutoFit/>
-          </a:bodyPr>
-          <a:lstStyle/>
-          <a:p>
-            <a:r>
-              <a:rPr lang="en-US" sz="1400" dirty="0" smtClean="0"/>
-              <a:t>IQ modulator</a:t>
-            </a:r>
-            <a:endParaRPr lang="en-US" sz="1400" dirty="0"/>
-          </a:p>
-        </p:txBody>
-      </p:sp>
-      <mc:AlternateContent xmlns:mc="http://schemas.openxmlformats.org/markup-compatibility/2006" xmlns:a14="http://schemas.microsoft.com/office/drawing/2010/main">
-        <mc:Choice Requires="a14">
+        <p:style>
+          <a:lnRef idx="2">
+            <a:schemeClr val="dk1"/>
+          </a:lnRef>
+          <a:fillRef idx="1">
+            <a:schemeClr val="lt1"/>
+          </a:fillRef>
+          <a:effectRef idx="0">
+            <a:schemeClr val="dk1"/>
+          </a:effectRef>
+          <a:fontRef idx="minor">
+            <a:schemeClr val="dk1"/>
+          </a:fontRef>
+        </p:style>
+        <p:txBody>
+          <a:bodyPr rtlCol="0" anchor="ctr"/>
+          <a:lstStyle/>
+          <a:p>
+            <a:pPr algn="ctr"/>
+            <a:r>
+              <a:rPr lang="en-US" sz="1200" dirty="0" smtClean="0"/>
+              <a:t>Sink</a:t>
+            </a:r>
+            <a:endParaRPr lang="en-US" sz="1200" dirty="0"/>
+          </a:p>
+        </p:txBody>
+      </p:sp>
+      <p:cxnSp>
+        <p:nvCxnSpPr>
+          <p:cNvPr id="229" name="Straight Arrow Connector 228"/>
+          <p:cNvCxnSpPr>
+            <a:stCxn id="178" idx="2"/>
+            <a:endCxn id="228" idx="0"/>
+          </p:cNvCxnSpPr>
+          <p:nvPr/>
+        </p:nvCxnSpPr>
+        <p:spPr>
+          <a:xfrm>
+            <a:off x="590561" y="3009898"/>
+            <a:ext cx="0" cy="2303886"/>
+          </a:xfrm>
+          <a:prstGeom prst="straightConnector1">
+            <a:avLst/>
+          </a:prstGeom>
+          <a:ln w="19050">
+            <a:tailEnd type="triangle"/>
+          </a:ln>
+        </p:spPr>
+        <p:style>
+          <a:lnRef idx="1">
+            <a:schemeClr val="dk1"/>
+          </a:lnRef>
+          <a:fillRef idx="0">
+            <a:schemeClr val="dk1"/>
+          </a:fillRef>
+          <a:effectRef idx="0">
+            <a:schemeClr val="dk1"/>
+          </a:effectRef>
+          <a:fontRef idx="minor">
+            <a:schemeClr val="tx1"/>
+          </a:fontRef>
+        </p:style>
+      </p:cxnSp>
+      <p:sp>
+        <p:nvSpPr>
+          <p:cNvPr id="230" name="Rounded Rectangle 229"/>
+          <p:cNvSpPr/>
+          <p:nvPr/>
+        </p:nvSpPr>
+        <p:spPr>
+          <a:xfrm>
+            <a:off x="10971741" y="5313783"/>
+            <a:ext cx="1094933" cy="739141"/>
+          </a:xfrm>
+          <a:prstGeom prst="roundRect">
+            <a:avLst/>
+          </a:prstGeom>
+          <a:ln w="19050"/>
+        </p:spPr>
+        <p:style>
+          <a:lnRef idx="2">
+            <a:schemeClr val="dk1"/>
+          </a:lnRef>
+          <a:fillRef idx="1">
+            <a:schemeClr val="lt1"/>
+          </a:fillRef>
+          <a:effectRef idx="0">
+            <a:schemeClr val="dk1"/>
+          </a:effectRef>
+          <a:fontRef idx="minor">
+            <a:schemeClr val="dk1"/>
+          </a:fontRef>
+        </p:style>
+        <p:txBody>
+          <a:bodyPr rtlCol="0" anchor="ctr"/>
+          <a:lstStyle/>
+          <a:p>
+            <a:pPr algn="ctr"/>
+            <a:r>
+              <a:rPr lang="en-US" sz="1200" dirty="0" smtClean="0"/>
+              <a:t>Sink</a:t>
+            </a:r>
+            <a:endParaRPr lang="en-US" sz="1200" dirty="0"/>
+          </a:p>
+        </p:txBody>
+      </p:sp>
+      <p:cxnSp>
+        <p:nvCxnSpPr>
+          <p:cNvPr id="232" name="Elbow Connector 231"/>
+          <p:cNvCxnSpPr>
+            <a:stCxn id="203" idx="3"/>
+            <a:endCxn id="230" idx="0"/>
+          </p:cNvCxnSpPr>
+          <p:nvPr/>
+        </p:nvCxnSpPr>
+        <p:spPr>
+          <a:xfrm flipH="1">
+            <a:off x="11519208" y="2640328"/>
+            <a:ext cx="90898" cy="2673455"/>
+          </a:xfrm>
+          <a:prstGeom prst="bentConnector4">
+            <a:avLst>
+              <a:gd name="adj1" fmla="val -293406"/>
+              <a:gd name="adj2" fmla="val 56912"/>
+            </a:avLst>
+          </a:prstGeom>
+          <a:ln w="19050">
+            <a:tailEnd type="triangle"/>
+          </a:ln>
+        </p:spPr>
+        <p:style>
+          <a:lnRef idx="1">
+            <a:schemeClr val="dk1"/>
+          </a:lnRef>
+          <a:fillRef idx="0">
+            <a:schemeClr val="dk1"/>
+          </a:fillRef>
+          <a:effectRef idx="0">
+            <a:schemeClr val="dk1"/>
+          </a:effectRef>
+          <a:fontRef idx="minor">
+            <a:schemeClr val="tx1"/>
+          </a:fontRef>
+        </p:style>
+      </p:cxnSp>
+      <mc:AlternateContent xmlns:mc="http://schemas.openxmlformats.org/markup-compatibility/2006">
+        <mc:Choice xmlns:a14="http://schemas.microsoft.com/office/drawing/2010/main" Requires="a14">
           <p:sp>
             <p:nvSpPr>
-              <p:cNvPr id="204" name="TextBox 203"/>
+              <p:cNvPr id="234" name="TextBox 233"/>
               <p:cNvSpPr txBox="1"/>
               <p:nvPr/>
             </p:nvSpPr>
             <p:spPr>
               <a:xfrm>
-                <a:off x="11246406" y="1247686"/>
-                <a:ext cx="349455" cy="215444"/>
+                <a:off x="1229910" y="2392795"/>
+                <a:ext cx="180754" cy="184666"/>
               </a:xfrm>
               <a:prstGeom prst="rect">
                 <a:avLst/>
@@ -4001,49 +3980,52 @@
               </a:bodyPr>
               <a:lstStyle/>
               <a:p>
-                <a:pPr/>
                 <a14:m>
                   <m:oMathPara xmlns:m="http://schemas.openxmlformats.org/officeDocument/2006/math">
                     <m:oMathParaPr>
                       <m:jc m:val="centerGroup"/>
                     </m:oMathParaPr>
                     <m:oMath xmlns:m="http://schemas.openxmlformats.org/officeDocument/2006/math">
-                      <m:r>
-                        <a:rPr lang="en-US" sz="1400" b="0" i="1" smtClean="0">
-                          <a:latin typeface="Cambria Math" panose="02040503050406030204" pitchFamily="18" charset="0"/>
-                        </a:rPr>
-                        <m:t>𝑠</m:t>
-                      </m:r>
-                      <m:r>
-                        <a:rPr lang="en-US" sz="1400" b="0" i="1" smtClean="0">
-                          <a:latin typeface="Cambria Math" panose="02040503050406030204" pitchFamily="18" charset="0"/>
-                        </a:rPr>
-                        <m:t>(</m:t>
-                      </m:r>
-                      <m:r>
-                        <a:rPr lang="en-US" sz="1400" b="0" i="1" smtClean="0">
-                          <a:latin typeface="Cambria Math" panose="02040503050406030204" pitchFamily="18" charset="0"/>
-                        </a:rPr>
-                        <m:t>𝑡</m:t>
-                      </m:r>
-                      <m:r>
-                        <a:rPr lang="en-US" sz="1400" b="0" i="1" smtClean="0">
-                          <a:latin typeface="Cambria Math" panose="02040503050406030204" pitchFamily="18" charset="0"/>
-                        </a:rPr>
-                        <m:t>)</m:t>
-                      </m:r>
+                      <m:sSub>
+                        <m:sSubPr>
+                          <m:ctrlPr>
+                            <a:rPr lang="en-US" sz="1200" smtClean="0">
+                              <a:latin typeface="Cambria Math" panose="02040503050406030204" pitchFamily="18" charset="0"/>
+                            </a:rPr>
+                          </m:ctrlPr>
+                        </m:sSubPr>
+                        <m:e>
+                          <m:r>
+                            <m:rPr>
+                              <m:sty m:val="p"/>
+                            </m:rPr>
+                            <a:rPr lang="en-US" sz="1200" b="0" i="0" smtClean="0">
+                              <a:latin typeface="Cambria Math" panose="02040503050406030204" pitchFamily="18" charset="0"/>
+                            </a:rPr>
+                            <m:t>S</m:t>
+                          </m:r>
+                        </m:e>
+                        <m:sub>
+                          <m:r>
+                            <a:rPr lang="en-US" sz="1200" b="0" i="0" smtClean="0">
+                              <a:latin typeface="Cambria Math" panose="02040503050406030204" pitchFamily="18" charset="0"/>
+                            </a:rPr>
+                            <m:t>1</m:t>
+                          </m:r>
+                        </m:sub>
+                      </m:sSub>
                     </m:oMath>
                   </m:oMathPara>
                 </a14:m>
-                <a:endParaRPr lang="en-US" sz="1400" dirty="0"/>
+                <a:endParaRPr lang="en-US" sz="1200" dirty="0"/>
               </a:p>
             </p:txBody>
           </p:sp>
         </mc:Choice>
-        <mc:Fallback xmlns="">
+        <mc:Fallback>
           <p:sp>
             <p:nvSpPr>
-              <p:cNvPr id="204" name="TextBox 203"/>
+              <p:cNvPr id="234" name="TextBox 233"/>
               <p:cNvSpPr txBox="1">
                 <a:spLocks noRot="1" noChangeAspect="1" noMove="1" noResize="1" noEditPoints="1" noAdjustHandles="1" noChangeArrowheads="1" noChangeShapeType="1" noTextEdit="1"/>
               </p:cNvSpPr>
@@ -4051,16 +4033,16 @@
             </p:nvSpPr>
             <p:spPr>
               <a:xfrm>
-                <a:off x="11246406" y="1247686"/>
-                <a:ext cx="349455" cy="215444"/>
+                <a:off x="1229910" y="2392795"/>
+                <a:ext cx="180754" cy="184666"/>
               </a:xfrm>
               <a:prstGeom prst="rect">
                 <a:avLst/>
               </a:prstGeom>
               <a:blipFill>
-                <a:blip r:embed="rId3"/>
+                <a:blip r:embed="rId2"/>
                 <a:stretch>
-                  <a:fillRect l="-7018" r="-17544" b="-31429"/>
+                  <a:fillRect l="-20690" r="-3448" b="-13333"/>
                 </a:stretch>
               </a:blipFill>
             </p:spPr>
@@ -4079,18 +4061,18 @@
           </p:sp>
         </mc:Fallback>
       </mc:AlternateContent>
-      <mc:AlternateContent xmlns:mc="http://schemas.openxmlformats.org/markup-compatibility/2006" xmlns:a14="http://schemas.microsoft.com/office/drawing/2010/main">
-        <mc:Choice Requires="a14">
+      <mc:AlternateContent xmlns:mc="http://schemas.openxmlformats.org/markup-compatibility/2006">
+        <mc:Choice xmlns:a14="http://schemas.microsoft.com/office/drawing/2010/main" Requires="a14">
           <p:sp>
             <p:nvSpPr>
-              <p:cNvPr id="205" name="TextBox 204"/>
+              <p:cNvPr id="235" name="TextBox 234"/>
               <p:cNvSpPr txBox="1"/>
               <p:nvPr/>
             </p:nvSpPr>
             <p:spPr>
               <a:xfrm>
-                <a:off x="2028712" y="3846130"/>
-                <a:ext cx="349455" cy="215444"/>
+                <a:off x="2700345" y="2392795"/>
+                <a:ext cx="184345" cy="184666"/>
               </a:xfrm>
               <a:prstGeom prst="rect">
                 <a:avLst/>
@@ -4103,61 +4085,52 @@
               </a:bodyPr>
               <a:lstStyle/>
               <a:p>
-                <a:pPr/>
                 <a14:m>
                   <m:oMathPara xmlns:m="http://schemas.openxmlformats.org/officeDocument/2006/math">
                     <m:oMathParaPr>
                       <m:jc m:val="centerGroup"/>
                     </m:oMathParaPr>
                     <m:oMath xmlns:m="http://schemas.openxmlformats.org/officeDocument/2006/math">
-                      <m:acc>
-                        <m:accPr>
-                          <m:chr m:val="̂"/>
+                      <m:sSub>
+                        <m:sSubPr>
                           <m:ctrlPr>
-                            <a:rPr lang="en-US" sz="1400" i="1" smtClean="0">
+                            <a:rPr lang="en-US" sz="1200" smtClean="0">
                               <a:latin typeface="Cambria Math" panose="02040503050406030204" pitchFamily="18" charset="0"/>
                             </a:rPr>
                           </m:ctrlPr>
-                        </m:accPr>
+                        </m:sSubPr>
                         <m:e>
                           <m:r>
-                            <a:rPr lang="en-US" sz="1400" b="0" i="1" smtClean="0">
+                            <m:rPr>
+                              <m:sty m:val="p"/>
+                            </m:rPr>
+                            <a:rPr lang="en-US" sz="1200" b="0" i="0" smtClean="0">
                               <a:latin typeface="Cambria Math" panose="02040503050406030204" pitchFamily="18" charset="0"/>
                             </a:rPr>
-                            <m:t>𝑠</m:t>
+                            <m:t>S</m:t>
                           </m:r>
                         </m:e>
-                      </m:acc>
-                      <m:r>
-                        <a:rPr lang="en-US" sz="1400" b="0" i="1" smtClean="0">
-                          <a:latin typeface="Cambria Math" panose="02040503050406030204" pitchFamily="18" charset="0"/>
-                        </a:rPr>
-                        <m:t>(</m:t>
-                      </m:r>
-                      <m:r>
-                        <a:rPr lang="en-US" sz="1400" b="0" i="1" smtClean="0">
-                          <a:latin typeface="Cambria Math" panose="02040503050406030204" pitchFamily="18" charset="0"/>
-                        </a:rPr>
-                        <m:t>𝑡</m:t>
-                      </m:r>
-                      <m:r>
-                        <a:rPr lang="en-US" sz="1400" b="0" i="1" smtClean="0">
-                          <a:latin typeface="Cambria Math" panose="02040503050406030204" pitchFamily="18" charset="0"/>
-                        </a:rPr>
-                        <m:t>)</m:t>
-                      </m:r>
+                        <m:sub>
+                          <m:r>
+                            <a:rPr lang="en-US" sz="1200" b="0" i="0" smtClean="0">
+                              <a:latin typeface="Cambria Math" panose="02040503050406030204" pitchFamily="18" charset="0"/>
+                            </a:rPr>
+                            <m:t>2</m:t>
+                          </m:r>
+                        </m:sub>
+                      </m:sSub>
                     </m:oMath>
                   </m:oMathPara>
                 </a14:m>
-                <a:endParaRPr lang="en-US" sz="1400" dirty="0"/>
+                <a:endParaRPr lang="en-US" sz="1200" dirty="0"/>
               </a:p>
             </p:txBody>
           </p:sp>
         </mc:Choice>
-        <mc:Fallback xmlns="">
+        <mc:Fallback>
           <p:sp>
             <p:nvSpPr>
-              <p:cNvPr id="205" name="TextBox 204"/>
+              <p:cNvPr id="235" name="TextBox 234"/>
               <p:cNvSpPr txBox="1">
                 <a:spLocks noRot="1" noChangeAspect="1" noMove="1" noResize="1" noEditPoints="1" noAdjustHandles="1" noChangeArrowheads="1" noChangeShapeType="1" noTextEdit="1"/>
               </p:cNvSpPr>
@@ -4165,16 +4138,16 @@
             </p:nvSpPr>
             <p:spPr>
               <a:xfrm>
-                <a:off x="2028712" y="3846130"/>
-                <a:ext cx="349455" cy="215444"/>
+                <a:off x="2700345" y="2392795"/>
+                <a:ext cx="184345" cy="184666"/>
               </a:xfrm>
               <a:prstGeom prst="rect">
                 <a:avLst/>
               </a:prstGeom>
               <a:blipFill>
-                <a:blip r:embed="rId4"/>
+                <a:blip r:embed="rId3"/>
                 <a:stretch>
-                  <a:fillRect l="-7018" t="-17143" r="-17544" b="-31429"/>
+                  <a:fillRect l="-20000" r="-3333" b="-13333"/>
                 </a:stretch>
               </a:blipFill>
             </p:spPr>
@@ -4193,18 +4166,18 @@
           </p:sp>
         </mc:Fallback>
       </mc:AlternateContent>
-      <mc:AlternateContent xmlns:mc="http://schemas.openxmlformats.org/markup-compatibility/2006" xmlns:a14="http://schemas.microsoft.com/office/drawing/2010/main">
-        <mc:Choice Requires="a14">
+      <mc:AlternateContent xmlns:mc="http://schemas.openxmlformats.org/markup-compatibility/2006">
+        <mc:Choice xmlns:a14="http://schemas.microsoft.com/office/drawing/2010/main" Requires="a14">
           <p:sp>
             <p:nvSpPr>
-              <p:cNvPr id="213" name="TextBox 212"/>
+              <p:cNvPr id="236" name="TextBox 235"/>
               <p:cNvSpPr txBox="1"/>
               <p:nvPr/>
             </p:nvSpPr>
             <p:spPr>
               <a:xfrm>
-                <a:off x="3182184" y="3846130"/>
-                <a:ext cx="1693862" cy="215444"/>
+                <a:off x="4166142" y="2392795"/>
+                <a:ext cx="184345" cy="184666"/>
               </a:xfrm>
               <a:prstGeom prst="rect">
                 <a:avLst/>
@@ -4217,7 +4190,6 @@
               </a:bodyPr>
               <a:lstStyle/>
               <a:p>
-                <a:pPr/>
                 <a14:m>
                   <m:oMathPara xmlns:m="http://schemas.openxmlformats.org/officeDocument/2006/math">
                     <m:oMathParaPr>
@@ -4227,141 +4199,43 @@
                       <m:sSub>
                         <m:sSubPr>
                           <m:ctrlPr>
-                            <a:rPr lang="en-US" sz="1400" i="1" smtClean="0">
+                            <a:rPr lang="en-US" sz="1200" smtClean="0">
                               <a:latin typeface="Cambria Math" panose="02040503050406030204" pitchFamily="18" charset="0"/>
                             </a:rPr>
                           </m:ctrlPr>
                         </m:sSubPr>
                         <m:e>
                           <m:r>
-                            <a:rPr lang="en-US" sz="1400" b="0" i="1" smtClean="0">
+                            <m:rPr>
+                              <m:sty m:val="p"/>
+                            </m:rPr>
+                            <a:rPr lang="en-US" sz="1200" b="0" i="0" smtClean="0">
                               <a:latin typeface="Cambria Math" panose="02040503050406030204" pitchFamily="18" charset="0"/>
                             </a:rPr>
-                            <m:t>𝑠</m:t>
+                            <m:t>S</m:t>
                           </m:r>
                         </m:e>
                         <m:sub>
                           <m:r>
-                            <a:rPr lang="en-US" sz="1400" b="0" i="1" smtClean="0">
+                            <a:rPr lang="en-US" sz="1200" b="0" i="0" smtClean="0">
                               <a:latin typeface="Cambria Math" panose="02040503050406030204" pitchFamily="18" charset="0"/>
                             </a:rPr>
-                            <m:t>𝑎</m:t>
+                            <m:t>3</m:t>
                           </m:r>
                         </m:sub>
                       </m:sSub>
-                      <m:d>
-                        <m:dPr>
-                          <m:ctrlPr>
-                            <a:rPr lang="en-US" sz="1400" b="0" i="1" smtClean="0">
-                              <a:latin typeface="Cambria Math" panose="02040503050406030204" pitchFamily="18" charset="0"/>
-                            </a:rPr>
-                          </m:ctrlPr>
-                        </m:dPr>
-                        <m:e>
-                          <m:r>
-                            <a:rPr lang="en-US" sz="1400" b="0" i="1" smtClean="0">
-                              <a:latin typeface="Cambria Math" panose="02040503050406030204" pitchFamily="18" charset="0"/>
-                            </a:rPr>
-                            <m:t>𝑡</m:t>
-                          </m:r>
-                        </m:e>
-                      </m:d>
-                      <m:r>
-                        <a:rPr lang="en-US" sz="1400" b="0" i="1" smtClean="0">
-                          <a:latin typeface="Cambria Math" panose="02040503050406030204" pitchFamily="18" charset="0"/>
-                        </a:rPr>
-                        <m:t>=</m:t>
-                      </m:r>
-                      <m:r>
-                        <a:rPr lang="en-US" sz="1400" b="0" i="1" smtClean="0">
-                          <a:latin typeface="Cambria Math" panose="02040503050406030204" pitchFamily="18" charset="0"/>
-                        </a:rPr>
-                        <m:t>𝑠</m:t>
-                      </m:r>
-                      <m:d>
-                        <m:dPr>
-                          <m:ctrlPr>
-                            <a:rPr lang="en-US" sz="1400" b="0" i="1" smtClean="0">
-                              <a:latin typeface="Cambria Math" panose="02040503050406030204" pitchFamily="18" charset="0"/>
-                            </a:rPr>
-                          </m:ctrlPr>
-                        </m:dPr>
-                        <m:e>
-                          <m:r>
-                            <a:rPr lang="en-US" sz="1400" b="0" i="1" smtClean="0">
-                              <a:latin typeface="Cambria Math" panose="02040503050406030204" pitchFamily="18" charset="0"/>
-                            </a:rPr>
-                            <m:t>𝑡</m:t>
-                          </m:r>
-                        </m:e>
-                      </m:d>
-                      <m:r>
-                        <a:rPr lang="en-US" sz="1400" b="0" i="1" smtClean="0">
-                          <a:latin typeface="Cambria Math" panose="02040503050406030204" pitchFamily="18" charset="0"/>
-                        </a:rPr>
-                        <m:t>+</m:t>
-                      </m:r>
-                      <m:r>
-                        <a:rPr lang="en-US" sz="1400" b="0" i="1" smtClean="0">
-                          <a:latin typeface="Cambria Math" panose="02040503050406030204" pitchFamily="18" charset="0"/>
-                        </a:rPr>
-                        <m:t>𝑖</m:t>
-                      </m:r>
-                      <m:r>
-                        <a:rPr lang="en-US" sz="1400" b="0" i="1" smtClean="0">
-                          <a:latin typeface="Cambria Math" panose="02040503050406030204" pitchFamily="18" charset="0"/>
-                          <a:ea typeface="Cambria Math" panose="02040503050406030204" pitchFamily="18" charset="0"/>
-                        </a:rPr>
-                        <m:t>∙</m:t>
-                      </m:r>
-                      <m:acc>
-                        <m:accPr>
-                          <m:chr m:val="̂"/>
-                          <m:ctrlPr>
-                            <a:rPr lang="en-US" sz="1400" b="0" i="1" smtClean="0">
-                              <a:latin typeface="Cambria Math" panose="02040503050406030204" pitchFamily="18" charset="0"/>
-                            </a:rPr>
-                          </m:ctrlPr>
-                        </m:accPr>
-                        <m:e>
-                          <m:r>
-                            <a:rPr lang="en-US" sz="1400" b="0" i="1" smtClean="0">
-                              <a:latin typeface="Cambria Math" panose="02040503050406030204" pitchFamily="18" charset="0"/>
-                            </a:rPr>
-                            <m:t>𝑠</m:t>
-                          </m:r>
-                        </m:e>
-                      </m:acc>
-                      <m:r>
-                        <a:rPr lang="en-US" sz="1400" b="0" i="1" smtClean="0">
-                          <a:latin typeface="Cambria Math" panose="02040503050406030204" pitchFamily="18" charset="0"/>
-                        </a:rPr>
-                        <m:t>(</m:t>
-                      </m:r>
-                      <m:r>
-                        <a:rPr lang="en-US" sz="1400" b="0" i="1" smtClean="0">
-                          <a:latin typeface="Cambria Math" panose="02040503050406030204" pitchFamily="18" charset="0"/>
-                        </a:rPr>
-                        <m:t>𝑡</m:t>
-                      </m:r>
-                      <m:r>
-                        <a:rPr lang="en-US" sz="1400" b="0" i="1" smtClean="0">
-                          <a:latin typeface="Cambria Math" panose="02040503050406030204" pitchFamily="18" charset="0"/>
-                        </a:rPr>
-                        <m:t>)</m:t>
-                      </m:r>
                     </m:oMath>
                   </m:oMathPara>
                 </a14:m>
-                <a:endParaRPr lang="en-US" sz="1400" dirty="0"/>
+                <a:endParaRPr lang="en-US" sz="1200" dirty="0"/>
               </a:p>
             </p:txBody>
           </p:sp>
         </mc:Choice>
-        <mc:Fallback xmlns="">
+        <mc:Fallback>
           <p:sp>
             <p:nvSpPr>
-              <p:cNvPr id="213" name="TextBox 212"/>
+              <p:cNvPr id="236" name="TextBox 235"/>
               <p:cNvSpPr txBox="1">
                 <a:spLocks noRot="1" noChangeAspect="1" noMove="1" noResize="1" noEditPoints="1" noAdjustHandles="1" noChangeArrowheads="1" noChangeShapeType="1" noTextEdit="1"/>
               </p:cNvSpPr>
@@ -4369,16 +4243,16 @@
             </p:nvSpPr>
             <p:spPr>
               <a:xfrm>
-                <a:off x="3182184" y="3846130"/>
-                <a:ext cx="1693862" cy="215444"/>
+                <a:off x="4166142" y="2392795"/>
+                <a:ext cx="184345" cy="184666"/>
               </a:xfrm>
               <a:prstGeom prst="rect">
                 <a:avLst/>
               </a:prstGeom>
               <a:blipFill>
-                <a:blip r:embed="rId5"/>
+                <a:blip r:embed="rId4"/>
                 <a:stretch>
-                  <a:fillRect l="-1079" t="-17143" r="-3237" b="-31429"/>
+                  <a:fillRect l="-19355" b="-13333"/>
                 </a:stretch>
               </a:blipFill>
             </p:spPr>
@@ -4397,89 +4271,93 @@
           </p:sp>
         </mc:Fallback>
       </mc:AlternateContent>
-      <mc:AlternateContent xmlns:mc="http://schemas.openxmlformats.org/markup-compatibility/2006" xmlns:a14="http://schemas.microsoft.com/office/drawing/2010/main">
-        <mc:Choice Requires="a14">
+      <mc:AlternateContent xmlns:mc="http://schemas.openxmlformats.org/markup-compatibility/2006">
+        <mc:Choice xmlns:a14="http://schemas.microsoft.com/office/drawing/2010/main" Requires="a14">
           <p:sp>
             <p:nvSpPr>
-              <p:cNvPr id="222" name="Rectangle 221"/>
-              <p:cNvSpPr/>
+              <p:cNvPr id="237" name="TextBox 236"/>
+              <p:cNvSpPr txBox="1"/>
               <p:nvPr/>
             </p:nvSpPr>
             <p:spPr>
               <a:xfrm>
-                <a:off x="8547270" y="3040030"/>
-                <a:ext cx="534121" cy="307777"/>
+                <a:off x="5598304" y="2392795"/>
+                <a:ext cx="184345" cy="184666"/>
               </a:xfrm>
               <a:prstGeom prst="rect">
                 <a:avLst/>
               </a:prstGeom>
+              <a:noFill/>
             </p:spPr>
             <p:txBody>
-              <a:bodyPr wrap="none">
+              <a:bodyPr wrap="none" lIns="0" tIns="0" rIns="0" bIns="0" rtlCol="0">
                 <a:spAutoFit/>
               </a:bodyPr>
               <a:lstStyle/>
               <a:p>
-                <a:pPr/>
                 <a14:m>
                   <m:oMathPara xmlns:m="http://schemas.openxmlformats.org/officeDocument/2006/math">
                     <m:oMathParaPr>
                       <m:jc m:val="centerGroup"/>
                     </m:oMathParaPr>
                     <m:oMath xmlns:m="http://schemas.openxmlformats.org/officeDocument/2006/math">
-                      <m:r>
-                        <a:rPr lang="en-US" sz="1400" i="1">
-                          <a:latin typeface="Cambria Math" panose="02040503050406030204" pitchFamily="18" charset="0"/>
-                        </a:rPr>
-                        <m:t>𝑠</m:t>
-                      </m:r>
-                      <m:r>
-                        <a:rPr lang="en-US" sz="1400" i="1">
-                          <a:latin typeface="Cambria Math" panose="02040503050406030204" pitchFamily="18" charset="0"/>
-                        </a:rPr>
-                        <m:t>(</m:t>
-                      </m:r>
-                      <m:r>
-                        <a:rPr lang="en-US" sz="1400" i="1">
-                          <a:latin typeface="Cambria Math" panose="02040503050406030204" pitchFamily="18" charset="0"/>
-                        </a:rPr>
-                        <m:t>𝑡</m:t>
-                      </m:r>
-                      <m:r>
-                        <a:rPr lang="en-US" sz="1400" i="1">
-                          <a:latin typeface="Cambria Math" panose="02040503050406030204" pitchFamily="18" charset="0"/>
-                        </a:rPr>
-                        <m:t>)</m:t>
-                      </m:r>
+                      <m:sSub>
+                        <m:sSubPr>
+                          <m:ctrlPr>
+                            <a:rPr lang="en-US" sz="1200" smtClean="0">
+                              <a:latin typeface="Cambria Math" panose="02040503050406030204" pitchFamily="18" charset="0"/>
+                            </a:rPr>
+                          </m:ctrlPr>
+                        </m:sSubPr>
+                        <m:e>
+                          <m:r>
+                            <m:rPr>
+                              <m:sty m:val="p"/>
+                            </m:rPr>
+                            <a:rPr lang="en-US" sz="1200" b="0" i="0" smtClean="0">
+                              <a:latin typeface="Cambria Math" panose="02040503050406030204" pitchFamily="18" charset="0"/>
+                            </a:rPr>
+                            <m:t>S</m:t>
+                          </m:r>
+                        </m:e>
+                        <m:sub>
+                          <m:r>
+                            <a:rPr lang="en-US" sz="1200" b="0" i="0" smtClean="0">
+                              <a:latin typeface="Cambria Math" panose="02040503050406030204" pitchFamily="18" charset="0"/>
+                            </a:rPr>
+                            <m:t>4</m:t>
+                          </m:r>
+                        </m:sub>
+                      </m:sSub>
                     </m:oMath>
                   </m:oMathPara>
                 </a14:m>
-                <a:endParaRPr lang="en-US" sz="1400" dirty="0"/>
+                <a:endParaRPr lang="en-US" sz="1200" dirty="0"/>
               </a:p>
             </p:txBody>
           </p:sp>
         </mc:Choice>
-        <mc:Fallback xmlns="">
+        <mc:Fallback>
           <p:sp>
             <p:nvSpPr>
-              <p:cNvPr id="222" name="Rectangle 221"/>
-              <p:cNvSpPr>
+              <p:cNvPr id="237" name="TextBox 236"/>
+              <p:cNvSpPr txBox="1">
                 <a:spLocks noRot="1" noChangeAspect="1" noMove="1" noResize="1" noEditPoints="1" noAdjustHandles="1" noChangeArrowheads="1" noChangeShapeType="1" noTextEdit="1"/>
               </p:cNvSpPr>
               <p:nvPr/>
             </p:nvSpPr>
             <p:spPr>
               <a:xfrm>
-                <a:off x="8547270" y="3040030"/>
-                <a:ext cx="534121" cy="307777"/>
+                <a:off x="5598304" y="2392795"/>
+                <a:ext cx="184345" cy="184666"/>
               </a:xfrm>
               <a:prstGeom prst="rect">
                 <a:avLst/>
               </a:prstGeom>
               <a:blipFill>
-                <a:blip r:embed="rId6"/>
+                <a:blip r:embed="rId5"/>
                 <a:stretch>
-                  <a:fillRect b="-8000"/>
+                  <a:fillRect l="-19355" b="-13333"/>
                 </a:stretch>
               </a:blipFill>
             </p:spPr>
@@ -4498,18 +4376,18 @@
           </p:sp>
         </mc:Fallback>
       </mc:AlternateContent>
-      <mc:AlternateContent xmlns:mc="http://schemas.openxmlformats.org/markup-compatibility/2006" xmlns:a14="http://schemas.microsoft.com/office/drawing/2010/main">
-        <mc:Choice Requires="a14">
+      <mc:AlternateContent xmlns:mc="http://schemas.openxmlformats.org/markup-compatibility/2006">
+        <mc:Choice xmlns:a14="http://schemas.microsoft.com/office/drawing/2010/main" Requires="a14">
           <p:sp>
             <p:nvSpPr>
-              <p:cNvPr id="227" name="TextBox 226"/>
+              <p:cNvPr id="238" name="TextBox 237"/>
               <p:cNvSpPr txBox="1"/>
               <p:nvPr/>
             </p:nvSpPr>
             <p:spPr>
               <a:xfrm>
-                <a:off x="560263" y="5502621"/>
-                <a:ext cx="2966902" cy="1077218"/>
+                <a:off x="6517821" y="2002922"/>
+                <a:ext cx="184345" cy="184666"/>
               </a:xfrm>
               <a:prstGeom prst="rect">
                 <a:avLst/>
@@ -4522,386 +4400,52 @@
               </a:bodyPr>
               <a:lstStyle/>
               <a:p>
-                <a:pPr/>
                 <a14:m>
                   <m:oMathPara xmlns:m="http://schemas.openxmlformats.org/officeDocument/2006/math">
                     <m:oMathParaPr>
-                      <m:jc m:val="left"/>
-                    </m:oMathParaPr>
-                    <m:oMath xmlns:m="http://schemas.openxmlformats.org/officeDocument/2006/math">
-                      <m:r>
-                        <a:rPr lang="en-US" sz="1400" b="0" i="1" smtClean="0">
-                          <a:latin typeface="Cambria Math" panose="02040503050406030204" pitchFamily="18" charset="0"/>
-                        </a:rPr>
-                        <m:t>𝑠</m:t>
-                      </m:r>
-                      <m:d>
-                        <m:dPr>
-                          <m:ctrlPr>
-                            <a:rPr lang="en-US" sz="1400" b="0" i="1" smtClean="0">
-                              <a:latin typeface="Cambria Math" panose="02040503050406030204" pitchFamily="18" charset="0"/>
-                            </a:rPr>
-                          </m:ctrlPr>
-                        </m:dPr>
-                        <m:e>
-                          <m:r>
-                            <a:rPr lang="en-US" sz="1400" b="0" i="1" smtClean="0">
-                              <a:latin typeface="Cambria Math" panose="02040503050406030204" pitchFamily="18" charset="0"/>
-                            </a:rPr>
-                            <m:t>𝑡</m:t>
-                          </m:r>
-                        </m:e>
-                      </m:d>
-                      <m:r>
-                        <a:rPr lang="en-US" sz="1400" b="0" i="1" smtClean="0">
-                          <a:latin typeface="Cambria Math" panose="02040503050406030204" pitchFamily="18" charset="0"/>
-                        </a:rPr>
-                        <m:t>   :</m:t>
-                      </m:r>
-                      <m:r>
-                        <a:rPr lang="en-US" sz="1400" b="0" i="1" smtClean="0">
-                          <a:latin typeface="Cambria Math" panose="02040503050406030204" pitchFamily="18" charset="0"/>
-                        </a:rPr>
-                        <m:t>𝑚𝑜𝑑𝑢𝑙𝑎𝑡𝑒𝑑</m:t>
-                      </m:r>
-                      <m:r>
-                        <a:rPr lang="en-US" sz="1400" b="0" i="1" smtClean="0">
-                          <a:latin typeface="Cambria Math" panose="02040503050406030204" pitchFamily="18" charset="0"/>
-                        </a:rPr>
-                        <m:t> </m:t>
-                      </m:r>
-                      <m:r>
-                        <a:rPr lang="en-US" sz="1400" b="0" i="1" smtClean="0">
-                          <a:latin typeface="Cambria Math" panose="02040503050406030204" pitchFamily="18" charset="0"/>
-                        </a:rPr>
-                        <m:t>𝑠𝑖𝑔𝑛𝑎𝑙</m:t>
-                      </m:r>
-                    </m:oMath>
-                  </m:oMathPara>
-                </a14:m>
-                <a:endParaRPr lang="en-US" sz="1400" b="0" dirty="0" smtClean="0"/>
-              </a:p>
-              <a:p>
-                <a:pPr/>
-                <a14:m>
-                  <m:oMathPara xmlns:m="http://schemas.openxmlformats.org/officeDocument/2006/math">
-                    <m:oMathParaPr>
-                      <m:jc m:val="left"/>
-                    </m:oMathParaPr>
-                    <m:oMath xmlns:m="http://schemas.openxmlformats.org/officeDocument/2006/math">
-                      <m:acc>
-                        <m:accPr>
-                          <m:chr m:val="̂"/>
-                          <m:ctrlPr>
-                            <a:rPr lang="en-US" sz="1400" i="1">
-                              <a:latin typeface="Cambria Math" panose="02040503050406030204" pitchFamily="18" charset="0"/>
-                            </a:rPr>
-                          </m:ctrlPr>
-                        </m:accPr>
-                        <m:e>
-                          <m:r>
-                            <a:rPr lang="en-US" sz="1400" i="1">
-                              <a:latin typeface="Cambria Math" panose="02040503050406030204" pitchFamily="18" charset="0"/>
-                            </a:rPr>
-                            <m:t>𝑠</m:t>
-                          </m:r>
-                        </m:e>
-                      </m:acc>
-                      <m:d>
-                        <m:dPr>
-                          <m:ctrlPr>
-                            <a:rPr lang="en-US" sz="1400" i="1">
-                              <a:latin typeface="Cambria Math" panose="02040503050406030204" pitchFamily="18" charset="0"/>
-                            </a:rPr>
-                          </m:ctrlPr>
-                        </m:dPr>
-                        <m:e>
-                          <m:r>
-                            <a:rPr lang="en-US" sz="1400" i="1">
-                              <a:latin typeface="Cambria Math" panose="02040503050406030204" pitchFamily="18" charset="0"/>
-                            </a:rPr>
-                            <m:t>𝑡</m:t>
-                          </m:r>
-                        </m:e>
-                      </m:d>
-                      <m:r>
-                        <a:rPr lang="en-US" sz="1400" b="0" i="0" smtClean="0">
-                          <a:latin typeface="Cambria Math" panose="02040503050406030204" pitchFamily="18" charset="0"/>
-                        </a:rPr>
-                        <m:t>   :</m:t>
-                      </m:r>
-                      <m:r>
-                        <m:rPr>
-                          <m:sty m:val="p"/>
-                        </m:rPr>
-                        <a:rPr lang="en-US" sz="1400" b="0" i="0" smtClean="0">
-                          <a:latin typeface="Cambria Math" panose="02040503050406030204" pitchFamily="18" charset="0"/>
-                        </a:rPr>
-                        <m:t>Hilbert</m:t>
-                      </m:r>
-                      <m:r>
-                        <a:rPr lang="en-US" sz="1400" b="0" i="0" smtClean="0">
-                          <a:latin typeface="Cambria Math" panose="02040503050406030204" pitchFamily="18" charset="0"/>
-                        </a:rPr>
-                        <m:t> </m:t>
-                      </m:r>
-                      <m:r>
-                        <m:rPr>
-                          <m:sty m:val="p"/>
-                        </m:rPr>
-                        <a:rPr lang="en-US" sz="1400" b="0" i="0" smtClean="0">
-                          <a:latin typeface="Cambria Math" panose="02040503050406030204" pitchFamily="18" charset="0"/>
-                        </a:rPr>
-                        <m:t>transform</m:t>
-                      </m:r>
-                      <m:r>
-                        <a:rPr lang="en-US" sz="1400" b="0" i="0" smtClean="0">
-                          <a:latin typeface="Cambria Math" panose="02040503050406030204" pitchFamily="18" charset="0"/>
-                        </a:rPr>
-                        <m:t> </m:t>
-                      </m:r>
-                      <m:r>
-                        <m:rPr>
-                          <m:sty m:val="p"/>
-                        </m:rPr>
-                        <a:rPr lang="en-US" sz="1400" b="0" i="0" smtClean="0">
-                          <a:latin typeface="Cambria Math" panose="02040503050406030204" pitchFamily="18" charset="0"/>
-                        </a:rPr>
-                        <m:t>of</m:t>
-                      </m:r>
-                      <m:r>
-                        <a:rPr lang="en-US" sz="1400" b="0" i="0" smtClean="0">
-                          <a:latin typeface="Cambria Math" panose="02040503050406030204" pitchFamily="18" charset="0"/>
-                        </a:rPr>
-                        <m:t> </m:t>
-                      </m:r>
-                      <m:r>
-                        <m:rPr>
-                          <m:sty m:val="p"/>
-                        </m:rPr>
-                        <a:rPr lang="en-US" sz="1400" b="0" i="0" smtClean="0">
-                          <a:latin typeface="Cambria Math" panose="02040503050406030204" pitchFamily="18" charset="0"/>
-                        </a:rPr>
-                        <m:t>s</m:t>
-                      </m:r>
-                      <m:r>
-                        <a:rPr lang="en-US" sz="1400" b="0" i="0" smtClean="0">
-                          <a:latin typeface="Cambria Math" panose="02040503050406030204" pitchFamily="18" charset="0"/>
-                        </a:rPr>
-                        <m:t>(</m:t>
-                      </m:r>
-                      <m:r>
-                        <m:rPr>
-                          <m:sty m:val="p"/>
-                        </m:rPr>
-                        <a:rPr lang="en-US" sz="1400" b="0" i="0" smtClean="0">
-                          <a:latin typeface="Cambria Math" panose="02040503050406030204" pitchFamily="18" charset="0"/>
-                        </a:rPr>
-                        <m:t>t</m:t>
-                      </m:r>
-                      <m:r>
-                        <a:rPr lang="en-US" sz="1400" b="0" i="0" smtClean="0">
-                          <a:latin typeface="Cambria Math" panose="02040503050406030204" pitchFamily="18" charset="0"/>
-                        </a:rPr>
-                        <m:t>)</m:t>
-                      </m:r>
-                    </m:oMath>
-                  </m:oMathPara>
-                </a14:m>
-                <a:endParaRPr lang="en-US" sz="1400" dirty="0" smtClean="0"/>
-              </a:p>
-              <a:p>
-                <a:pPr/>
-                <a14:m>
-                  <m:oMathPara xmlns:m="http://schemas.openxmlformats.org/officeDocument/2006/math">
-                    <m:oMathParaPr>
-                      <m:jc m:val="left"/>
+                      <m:jc m:val="centerGroup"/>
                     </m:oMathParaPr>
                     <m:oMath xmlns:m="http://schemas.openxmlformats.org/officeDocument/2006/math">
                       <m:sSub>
                         <m:sSubPr>
                           <m:ctrlPr>
-                            <a:rPr lang="en-US" sz="1400" i="1">
+                            <a:rPr lang="en-US" sz="1200" smtClean="0">
                               <a:latin typeface="Cambria Math" panose="02040503050406030204" pitchFamily="18" charset="0"/>
                             </a:rPr>
                           </m:ctrlPr>
                         </m:sSubPr>
                         <m:e>
                           <m:r>
-                            <a:rPr lang="en-US" sz="1400" i="1">
+                            <m:rPr>
+                              <m:sty m:val="p"/>
+                            </m:rPr>
+                            <a:rPr lang="en-US" sz="1200" b="0" i="0" smtClean="0">
                               <a:latin typeface="Cambria Math" panose="02040503050406030204" pitchFamily="18" charset="0"/>
                             </a:rPr>
-                            <m:t>𝑠</m:t>
+                            <m:t>S</m:t>
                           </m:r>
                         </m:e>
                         <m:sub>
                           <m:r>
-                            <a:rPr lang="en-US" sz="1400" i="1">
+                            <a:rPr lang="en-US" sz="1200" b="0" i="0" smtClean="0">
                               <a:latin typeface="Cambria Math" panose="02040503050406030204" pitchFamily="18" charset="0"/>
                             </a:rPr>
-                            <m:t>𝑎</m:t>
+                            <m:t>5</m:t>
                           </m:r>
                         </m:sub>
                       </m:sSub>
-                      <m:d>
-                        <m:dPr>
-                          <m:ctrlPr>
-                            <a:rPr lang="en-US" sz="1400" i="1">
-                              <a:latin typeface="Cambria Math" panose="02040503050406030204" pitchFamily="18" charset="0"/>
-                            </a:rPr>
-                          </m:ctrlPr>
-                        </m:dPr>
-                        <m:e>
-                          <m:r>
-                            <a:rPr lang="en-US" sz="1400" i="1">
-                              <a:latin typeface="Cambria Math" panose="02040503050406030204" pitchFamily="18" charset="0"/>
-                            </a:rPr>
-                            <m:t>𝑡</m:t>
-                          </m:r>
-                        </m:e>
-                      </m:d>
-                      <m:r>
-                        <a:rPr lang="en-US" sz="1400" i="1">
-                          <a:latin typeface="Cambria Math" panose="02040503050406030204" pitchFamily="18" charset="0"/>
-                        </a:rPr>
-                        <m:t> :</m:t>
-                      </m:r>
-                      <m:r>
-                        <a:rPr lang="en-US" sz="1400" b="0" i="1" smtClean="0">
-                          <a:latin typeface="Cambria Math" panose="02040503050406030204" pitchFamily="18" charset="0"/>
-                        </a:rPr>
-                        <m:t>𝐴𝑛𝑎𝑙𝑦𝑡𝑖𝑐𝑎𝑙</m:t>
-                      </m:r>
-                      <m:r>
-                        <a:rPr lang="en-US" sz="1400" i="1">
-                          <a:latin typeface="Cambria Math" panose="02040503050406030204" pitchFamily="18" charset="0"/>
-                        </a:rPr>
-                        <m:t> </m:t>
-                      </m:r>
-                      <m:r>
-                        <a:rPr lang="en-US" sz="1400" i="1">
-                          <a:latin typeface="Cambria Math" panose="02040503050406030204" pitchFamily="18" charset="0"/>
-                        </a:rPr>
-                        <m:t>𝑠𝑖𝑔𝑛𝑎𝑙</m:t>
-                      </m:r>
                     </m:oMath>
                   </m:oMathPara>
                 </a14:m>
-                <a:endParaRPr lang="en-US" sz="1400" dirty="0" smtClean="0"/>
-              </a:p>
-              <a:p>
-                <a:pPr/>
-                <a14:m>
-                  <m:oMathPara xmlns:m="http://schemas.openxmlformats.org/officeDocument/2006/math">
-                    <m:oMathParaPr>
-                      <m:jc m:val="left"/>
-                    </m:oMathParaPr>
-                    <m:oMath xmlns:m="http://schemas.openxmlformats.org/officeDocument/2006/math">
-                      <m:sSub>
-                        <m:sSubPr>
-                          <m:ctrlPr>
-                            <a:rPr lang="en-US" sz="1400" i="1">
-                              <a:latin typeface="Cambria Math" panose="02040503050406030204" pitchFamily="18" charset="0"/>
-                            </a:rPr>
-                          </m:ctrlPr>
-                        </m:sSubPr>
-                        <m:e>
-                          <m:r>
-                            <a:rPr lang="en-US" sz="1400" b="0" i="1" smtClean="0">
-                              <a:latin typeface="Cambria Math" panose="02040503050406030204" pitchFamily="18" charset="0"/>
-                            </a:rPr>
-                            <m:t>𝐴</m:t>
-                          </m:r>
-                        </m:e>
-                        <m:sub>
-                          <m:r>
-                            <a:rPr lang="en-US" sz="1400" b="0" i="1" smtClean="0">
-                              <a:latin typeface="Cambria Math" panose="02040503050406030204" pitchFamily="18" charset="0"/>
-                            </a:rPr>
-                            <m:t>𝑠</m:t>
-                          </m:r>
-                        </m:sub>
-                      </m:sSub>
-                      <m:d>
-                        <m:dPr>
-                          <m:ctrlPr>
-                            <a:rPr lang="en-US" sz="1400" i="1">
-                              <a:latin typeface="Cambria Math" panose="02040503050406030204" pitchFamily="18" charset="0"/>
-                            </a:rPr>
-                          </m:ctrlPr>
-                        </m:dPr>
-                        <m:e>
-                          <m:r>
-                            <a:rPr lang="en-US" sz="1400" i="1">
-                              <a:latin typeface="Cambria Math" panose="02040503050406030204" pitchFamily="18" charset="0"/>
-                            </a:rPr>
-                            <m:t>𝑡</m:t>
-                          </m:r>
-                        </m:e>
-                      </m:d>
-                      <m:r>
-                        <a:rPr lang="en-US" sz="1400" i="1">
-                          <a:latin typeface="Cambria Math" panose="02040503050406030204" pitchFamily="18" charset="0"/>
-                        </a:rPr>
-                        <m:t> :</m:t>
-                      </m:r>
-                      <m:r>
-                        <a:rPr lang="en-US" sz="1400" b="0" i="1" smtClean="0">
-                          <a:latin typeface="Cambria Math" panose="02040503050406030204" pitchFamily="18" charset="0"/>
-                        </a:rPr>
-                        <m:t>𝑆𝑖𝑛𝑔𝑙𝑒</m:t>
-                      </m:r>
-                      <m:r>
-                        <a:rPr lang="en-US" sz="1400" b="0" i="1" smtClean="0">
-                          <a:latin typeface="Cambria Math" panose="02040503050406030204" pitchFamily="18" charset="0"/>
-                        </a:rPr>
-                        <m:t> </m:t>
-                      </m:r>
-                      <m:r>
-                        <a:rPr lang="en-US" sz="1400" b="0" i="1" smtClean="0">
-                          <a:latin typeface="Cambria Math" panose="02040503050406030204" pitchFamily="18" charset="0"/>
-                        </a:rPr>
-                        <m:t>𝑆𝑖𝑑𝑒𝑏𝑎𝑛𝑑</m:t>
-                      </m:r>
-                      <m:r>
-                        <a:rPr lang="en-US" sz="1400" b="0" i="1" smtClean="0">
-                          <a:latin typeface="Cambria Math" panose="02040503050406030204" pitchFamily="18" charset="0"/>
-                        </a:rPr>
-                        <m:t> (</m:t>
-                      </m:r>
-                      <m:r>
-                        <a:rPr lang="en-US" sz="1400" b="0" i="1" smtClean="0">
-                          <a:latin typeface="Cambria Math" panose="02040503050406030204" pitchFamily="18" charset="0"/>
-                        </a:rPr>
-                        <m:t>𝑆𝑆𝐵</m:t>
-                      </m:r>
-                      <m:r>
-                        <a:rPr lang="en-US" sz="1400" b="0" i="1" smtClean="0">
-                          <a:latin typeface="Cambria Math" panose="02040503050406030204" pitchFamily="18" charset="0"/>
-                        </a:rPr>
-                        <m:t>) </m:t>
-                      </m:r>
-                      <m:r>
-                        <a:rPr lang="en-US" sz="1400" i="1">
-                          <a:latin typeface="Cambria Math" panose="02040503050406030204" pitchFamily="18" charset="0"/>
-                        </a:rPr>
-                        <m:t>𝑠𝑖𝑔𝑛𝑎𝑙</m:t>
-                      </m:r>
-                    </m:oMath>
-                  </m:oMathPara>
-                </a14:m>
-                <a:endParaRPr lang="en-US" sz="1400" dirty="0" smtClean="0"/>
-              </a:p>
-              <a:p>
-                <a:endParaRPr lang="en-US" sz="1400" dirty="0"/>
+                <a:endParaRPr lang="en-US" sz="1200" dirty="0"/>
               </a:p>
             </p:txBody>
           </p:sp>
         </mc:Choice>
-        <mc:Fallback xmlns="">
+        <mc:Fallback>
           <p:sp>
             <p:nvSpPr>
-              <p:cNvPr id="227" name="TextBox 226"/>
+              <p:cNvPr id="238" name="TextBox 237"/>
               <p:cNvSpPr txBox="1">
                 <a:spLocks noRot="1" noChangeAspect="1" noMove="1" noResize="1" noEditPoints="1" noAdjustHandles="1" noChangeArrowheads="1" noChangeShapeType="1" noTextEdit="1"/>
               </p:cNvSpPr>
@@ -4909,16 +4453,16 @@
             </p:nvSpPr>
             <p:spPr>
               <a:xfrm>
-                <a:off x="560263" y="5502621"/>
-                <a:ext cx="2966902" cy="1077218"/>
+                <a:off x="6517821" y="2002922"/>
+                <a:ext cx="184345" cy="184666"/>
               </a:xfrm>
               <a:prstGeom prst="rect">
                 <a:avLst/>
               </a:prstGeom>
               <a:blipFill>
-                <a:blip r:embed="rId11"/>
+                <a:blip r:embed="rId6"/>
                 <a:stretch>
-                  <a:fillRect l="-2053"/>
+                  <a:fillRect l="-20000" r="-6667" b="-13333"/>
                 </a:stretch>
               </a:blipFill>
             </p:spPr>
@@ -4937,1317 +4481,26 @@
           </p:sp>
         </mc:Fallback>
       </mc:AlternateContent>
-      <p:grpSp>
-        <p:nvGrpSpPr>
-          <p:cNvPr id="82" name="Group 81"/>
-          <p:cNvGrpSpPr/>
-          <p:nvPr/>
-        </p:nvGrpSpPr>
-        <p:grpSpPr>
-          <a:xfrm>
-            <a:off x="6973547" y="3210954"/>
-            <a:ext cx="4687805" cy="1971335"/>
-            <a:chOff x="6965159" y="3395334"/>
-            <a:chExt cx="4687805" cy="1971335"/>
-          </a:xfrm>
-        </p:grpSpPr>
-        <p:sp>
-          <p:nvSpPr>
-            <p:cNvPr id="4" name="Rectangle 3"/>
-            <p:cNvSpPr/>
-            <p:nvPr/>
-          </p:nvSpPr>
-          <p:spPr>
-            <a:xfrm>
-              <a:off x="7884481" y="3506365"/>
-              <a:ext cx="1490414" cy="1615551"/>
-            </a:xfrm>
-            <a:prstGeom prst="rect">
-              <a:avLst/>
-            </a:prstGeom>
-            <a:solidFill>
-              <a:schemeClr val="lt1">
-                <a:alpha val="0"/>
-              </a:schemeClr>
-            </a:solidFill>
-            <a:ln w="31750"/>
-          </p:spPr>
-          <p:style>
-            <a:lnRef idx="2">
-              <a:schemeClr val="dk1"/>
-            </a:lnRef>
-            <a:fillRef idx="1">
-              <a:schemeClr val="lt1"/>
-            </a:fillRef>
-            <a:effectRef idx="0">
-              <a:schemeClr val="dk1"/>
-            </a:effectRef>
-            <a:fontRef idx="minor">
-              <a:schemeClr val="dk1"/>
-            </a:fontRef>
-          </p:style>
-          <p:txBody>
-            <a:bodyPr rtlCol="0" anchor="ctr"/>
-            <a:lstStyle/>
-            <a:p>
-              <a:pPr algn="ctr"/>
-              <a:endParaRPr lang="en-US"/>
-            </a:p>
-          </p:txBody>
-        </p:sp>
-        <p:pic>
-          <p:nvPicPr>
-            <p:cNvPr id="106" name="Picture 105"/>
-            <p:cNvPicPr>
-              <a:picLocks noChangeAspect="1"/>
-            </p:cNvPicPr>
-            <p:nvPr/>
-          </p:nvPicPr>
-          <p:blipFill>
-            <a:blip r:embed="rId12" cstate="print">
-              <a:extLst>
-                <a:ext uri="{28A0092B-C50C-407E-A947-70E740481C1C}">
-                  <a14:useLocalDpi xmlns:a14="http://schemas.microsoft.com/office/drawing/2010/main" val="0"/>
-                </a:ext>
-              </a:extLst>
-            </a:blip>
-            <a:stretch>
-              <a:fillRect/>
-            </a:stretch>
-          </p:blipFill>
-          <p:spPr>
-            <a:xfrm>
-              <a:off x="6965159" y="3897124"/>
-              <a:ext cx="764628" cy="811494"/>
-            </a:xfrm>
-            <a:prstGeom prst="rect">
-              <a:avLst/>
-            </a:prstGeom>
-          </p:spPr>
-        </p:pic>
-        <p:sp>
-          <p:nvSpPr>
-            <p:cNvPr id="109" name="TextBox 108"/>
-            <p:cNvSpPr txBox="1"/>
-            <p:nvPr/>
-          </p:nvSpPr>
-          <p:spPr>
-            <a:xfrm>
-              <a:off x="7046330" y="3582731"/>
-              <a:ext cx="612134" cy="354264"/>
-            </a:xfrm>
-            <a:prstGeom prst="rect">
-              <a:avLst/>
-            </a:prstGeom>
-            <a:noFill/>
-          </p:spPr>
-          <p:txBody>
-            <a:bodyPr wrap="none" rtlCol="0">
-              <a:spAutoFit/>
-            </a:bodyPr>
-            <a:lstStyle/>
-            <a:p>
-              <a:r>
-                <a:rPr lang="en-US" sz="1400" dirty="0" smtClean="0"/>
-                <a:t>LASER</a:t>
-              </a:r>
-              <a:endParaRPr lang="en-US" sz="1400" dirty="0"/>
-            </a:p>
-          </p:txBody>
-        </p:sp>
-        <p:sp>
-          <p:nvSpPr>
-            <p:cNvPr id="116" name="TextBox 115"/>
-            <p:cNvSpPr txBox="1"/>
-            <p:nvPr/>
-          </p:nvSpPr>
-          <p:spPr>
-            <a:xfrm>
-              <a:off x="10464314" y="3395334"/>
-              <a:ext cx="537597" cy="602247"/>
-            </a:xfrm>
-            <a:prstGeom prst="rect">
-              <a:avLst/>
-            </a:prstGeom>
-            <a:noFill/>
-          </p:spPr>
-          <p:txBody>
-            <a:bodyPr wrap="none" rtlCol="0">
-              <a:spAutoFit/>
-            </a:bodyPr>
-            <a:lstStyle/>
-            <a:p>
-              <a:pPr algn="ctr"/>
-              <a:r>
-                <a:rPr lang="en-US" sz="1400" dirty="0" smtClean="0"/>
-                <a:t>Fiber</a:t>
-              </a:r>
-            </a:p>
-            <a:p>
-              <a:pPr algn="ctr"/>
-              <a:r>
-                <a:rPr lang="en-US" sz="1400" dirty="0" smtClean="0"/>
-                <a:t>Loop</a:t>
-              </a:r>
-              <a:endParaRPr lang="en-US" sz="1400" dirty="0"/>
-            </a:p>
-          </p:txBody>
-        </p:sp>
-        <p:cxnSp>
-          <p:nvCxnSpPr>
-            <p:cNvPr id="117" name="Straight Connector 116"/>
-            <p:cNvCxnSpPr>
-              <a:stCxn id="36" idx="6"/>
-            </p:cNvCxnSpPr>
-            <p:nvPr/>
-          </p:nvCxnSpPr>
-          <p:spPr>
-            <a:xfrm>
-              <a:off x="9243482" y="4302872"/>
-              <a:ext cx="695926" cy="820"/>
-            </a:xfrm>
-            <a:prstGeom prst="line">
-              <a:avLst/>
-            </a:prstGeom>
-            <a:ln w="28575"/>
-          </p:spPr>
-          <p:style>
-            <a:lnRef idx="1">
-              <a:schemeClr val="accent1"/>
-            </a:lnRef>
-            <a:fillRef idx="0">
-              <a:schemeClr val="accent1"/>
-            </a:fillRef>
-            <a:effectRef idx="0">
-              <a:schemeClr val="accent1"/>
-            </a:effectRef>
-            <a:fontRef idx="minor">
-              <a:schemeClr val="tx1"/>
-            </a:fontRef>
-          </p:style>
-        </p:cxnSp>
-        <p:grpSp>
-          <p:nvGrpSpPr>
-            <p:cNvPr id="118" name="Group 117"/>
-            <p:cNvGrpSpPr/>
-            <p:nvPr/>
-          </p:nvGrpSpPr>
-          <p:grpSpPr>
-            <a:xfrm>
-              <a:off x="10459712" y="3907724"/>
-              <a:ext cx="493187" cy="377101"/>
-              <a:chOff x="9200668" y="2800350"/>
-              <a:chExt cx="840581" cy="452438"/>
-            </a:xfrm>
-          </p:grpSpPr>
+      <mc:AlternateContent xmlns:mc="http://schemas.openxmlformats.org/markup-compatibility/2006">
+        <mc:Choice xmlns:a14="http://schemas.microsoft.com/office/drawing/2010/main" Requires="a14">
           <p:sp>
             <p:nvSpPr>
-              <p:cNvPr id="123" name="Oval 122"/>
-              <p:cNvSpPr/>
+              <p:cNvPr id="240" name="TextBox 239"/>
+              <p:cNvSpPr txBox="1"/>
               <p:nvPr/>
             </p:nvSpPr>
             <p:spPr>
               <a:xfrm>
-                <a:off x="9296400" y="2800350"/>
-                <a:ext cx="469106" cy="452438"/>
-              </a:xfrm>
-              <a:prstGeom prst="ellipse">
-                <a:avLst/>
-              </a:prstGeom>
-              <a:solidFill>
-                <a:schemeClr val="lt1">
-                  <a:alpha val="0"/>
-                </a:schemeClr>
-              </a:solidFill>
-              <a:ln w="38100"/>
-            </p:spPr>
-            <p:style>
-              <a:lnRef idx="2">
-                <a:schemeClr val="dk1"/>
-              </a:lnRef>
-              <a:fillRef idx="1">
-                <a:schemeClr val="lt1"/>
-              </a:fillRef>
-              <a:effectRef idx="0">
-                <a:schemeClr val="dk1"/>
-              </a:effectRef>
-              <a:fontRef idx="minor">
-                <a:schemeClr val="dk1"/>
-              </a:fontRef>
-            </p:style>
-            <p:txBody>
-              <a:bodyPr rtlCol="0" anchor="ctr"/>
-              <a:lstStyle/>
-              <a:p>
-                <a:pPr algn="ctr"/>
-                <a:endParaRPr lang="en-US"/>
-              </a:p>
-            </p:txBody>
-          </p:sp>
-          <p:sp>
-            <p:nvSpPr>
-              <p:cNvPr id="124" name="Oval 123"/>
-              <p:cNvSpPr/>
-              <p:nvPr/>
-            </p:nvSpPr>
-            <p:spPr>
-              <a:xfrm>
-                <a:off x="9376960" y="2800350"/>
-                <a:ext cx="482085" cy="452438"/>
-              </a:xfrm>
-              <a:prstGeom prst="ellipse">
-                <a:avLst/>
-              </a:prstGeom>
-              <a:solidFill>
-                <a:schemeClr val="lt1">
-                  <a:alpha val="0"/>
-                </a:schemeClr>
-              </a:solidFill>
-              <a:ln w="38100"/>
-            </p:spPr>
-            <p:style>
-              <a:lnRef idx="2">
-                <a:schemeClr val="dk1"/>
-              </a:lnRef>
-              <a:fillRef idx="1">
-                <a:schemeClr val="lt1"/>
-              </a:fillRef>
-              <a:effectRef idx="0">
-                <a:schemeClr val="dk1"/>
-              </a:effectRef>
-              <a:fontRef idx="minor">
-                <a:schemeClr val="dk1"/>
-              </a:fontRef>
-            </p:style>
-            <p:txBody>
-              <a:bodyPr rtlCol="0" anchor="ctr"/>
-              <a:lstStyle/>
-              <a:p>
-                <a:pPr algn="ctr"/>
-                <a:endParaRPr lang="en-US"/>
-              </a:p>
-            </p:txBody>
-          </p:sp>
-          <p:sp>
-            <p:nvSpPr>
-              <p:cNvPr id="125" name="Oval 124"/>
-              <p:cNvSpPr/>
-              <p:nvPr/>
-            </p:nvSpPr>
-            <p:spPr>
-              <a:xfrm>
-                <a:off x="9462923" y="2800350"/>
-                <a:ext cx="469106" cy="452438"/>
-              </a:xfrm>
-              <a:prstGeom prst="ellipse">
-                <a:avLst/>
-              </a:prstGeom>
-              <a:solidFill>
-                <a:schemeClr val="lt1">
-                  <a:alpha val="0"/>
-                </a:schemeClr>
-              </a:solidFill>
-              <a:ln w="38100"/>
-            </p:spPr>
-            <p:style>
-              <a:lnRef idx="2">
-                <a:schemeClr val="dk1"/>
-              </a:lnRef>
-              <a:fillRef idx="1">
-                <a:schemeClr val="lt1"/>
-              </a:fillRef>
-              <a:effectRef idx="0">
-                <a:schemeClr val="dk1"/>
-              </a:effectRef>
-              <a:fontRef idx="minor">
-                <a:schemeClr val="dk1"/>
-              </a:fontRef>
-            </p:style>
-            <p:txBody>
-              <a:bodyPr rtlCol="0" anchor="ctr"/>
-              <a:lstStyle/>
-              <a:p>
-                <a:pPr algn="ctr"/>
-                <a:endParaRPr lang="en-US"/>
-              </a:p>
-            </p:txBody>
-          </p:sp>
-          <p:cxnSp>
-            <p:nvCxnSpPr>
-              <p:cNvPr id="126" name="Straight Connector 125"/>
-              <p:cNvCxnSpPr/>
-              <p:nvPr/>
-            </p:nvCxnSpPr>
-            <p:spPr>
-              <a:xfrm>
-                <a:off x="9200668" y="3252788"/>
-                <a:ext cx="840581" cy="0"/>
-              </a:xfrm>
-              <a:prstGeom prst="line">
-                <a:avLst/>
-              </a:prstGeom>
-              <a:ln w="28575"/>
-            </p:spPr>
-            <p:style>
-              <a:lnRef idx="1">
-                <a:schemeClr val="dk1"/>
-              </a:lnRef>
-              <a:fillRef idx="0">
-                <a:schemeClr val="dk1"/>
-              </a:fillRef>
-              <a:effectRef idx="0">
-                <a:schemeClr val="dk1"/>
-              </a:effectRef>
-              <a:fontRef idx="minor">
-                <a:schemeClr val="tx1"/>
-              </a:fontRef>
-            </p:style>
-          </p:cxnSp>
-        </p:grpSp>
-        <p:cxnSp>
-          <p:nvCxnSpPr>
-            <p:cNvPr id="119" name="Straight Connector 118"/>
-            <p:cNvCxnSpPr/>
-            <p:nvPr/>
-          </p:nvCxnSpPr>
-          <p:spPr>
-            <a:xfrm flipV="1">
-              <a:off x="9939408" y="4296258"/>
-              <a:ext cx="520304" cy="5889"/>
-            </a:xfrm>
-            <a:prstGeom prst="line">
-              <a:avLst/>
-            </a:prstGeom>
-            <a:ln>
-              <a:solidFill>
-                <a:srgbClr val="FF0000"/>
-              </a:solidFill>
-              <a:prstDash val="sysDash"/>
-            </a:ln>
-          </p:spPr>
-          <p:style>
-            <a:lnRef idx="3">
-              <a:schemeClr val="accent2"/>
-            </a:lnRef>
-            <a:fillRef idx="0">
-              <a:schemeClr val="accent2"/>
-            </a:fillRef>
-            <a:effectRef idx="2">
-              <a:schemeClr val="accent2"/>
-            </a:effectRef>
-            <a:fontRef idx="minor">
-              <a:schemeClr val="tx1"/>
-            </a:fontRef>
-          </p:style>
-        </p:cxnSp>
-        <p:cxnSp>
-          <p:nvCxnSpPr>
-            <p:cNvPr id="120" name="Straight Connector 119"/>
-            <p:cNvCxnSpPr/>
-            <p:nvPr/>
-          </p:nvCxnSpPr>
-          <p:spPr>
-            <a:xfrm flipV="1">
-              <a:off x="10951161" y="4284825"/>
-              <a:ext cx="442637" cy="2"/>
-            </a:xfrm>
-            <a:prstGeom prst="line">
-              <a:avLst/>
-            </a:prstGeom>
-            <a:ln>
-              <a:solidFill>
-                <a:srgbClr val="FF0000"/>
-              </a:solidFill>
-              <a:prstDash val="sysDash"/>
-            </a:ln>
-          </p:spPr>
-          <p:style>
-            <a:lnRef idx="3">
-              <a:schemeClr val="accent2"/>
-            </a:lnRef>
-            <a:fillRef idx="0">
-              <a:schemeClr val="accent2"/>
-            </a:fillRef>
-            <a:effectRef idx="2">
-              <a:schemeClr val="accent2"/>
-            </a:effectRef>
-            <a:fontRef idx="minor">
-              <a:schemeClr val="tx1"/>
-            </a:fontRef>
-          </p:style>
-        </p:cxnSp>
-        <mc:AlternateContent xmlns:mc="http://schemas.openxmlformats.org/markup-compatibility/2006" xmlns:a14="http://schemas.microsoft.com/office/drawing/2010/main">
-          <mc:Choice Requires="a14">
-            <p:sp>
-              <p:nvSpPr>
-                <p:cNvPr id="223" name="Rectangle 222"/>
-                <p:cNvSpPr/>
-                <p:nvPr/>
-              </p:nvSpPr>
-              <p:spPr>
-                <a:xfrm>
-                  <a:off x="8561320" y="5058892"/>
-                  <a:ext cx="534121" cy="307777"/>
-                </a:xfrm>
-                <a:prstGeom prst="rect">
-                  <a:avLst/>
-                </a:prstGeom>
-              </p:spPr>
-              <p:txBody>
-                <a:bodyPr wrap="none">
-                  <a:spAutoFit/>
-                </a:bodyPr>
-                <a:lstStyle/>
-                <a:p>
-                  <a:pPr/>
-                  <a14:m>
-                    <m:oMathPara xmlns:m="http://schemas.openxmlformats.org/officeDocument/2006/math">
-                      <m:oMathParaPr>
-                        <m:jc m:val="centerGroup"/>
-                      </m:oMathParaPr>
-                      <m:oMath xmlns:m="http://schemas.openxmlformats.org/officeDocument/2006/math">
-                        <m:acc>
-                          <m:accPr>
-                            <m:chr m:val="̂"/>
-                            <m:ctrlPr>
-                              <a:rPr lang="en-US" sz="1400" i="1">
-                                <a:latin typeface="Cambria Math" panose="02040503050406030204" pitchFamily="18" charset="0"/>
-                              </a:rPr>
-                            </m:ctrlPr>
-                          </m:accPr>
-                          <m:e>
-                            <m:r>
-                              <a:rPr lang="en-US" sz="1400" i="1">
-                                <a:latin typeface="Cambria Math" panose="02040503050406030204" pitchFamily="18" charset="0"/>
-                              </a:rPr>
-                              <m:t>𝑠</m:t>
-                            </m:r>
-                          </m:e>
-                        </m:acc>
-                        <m:r>
-                          <a:rPr lang="en-US" sz="1400" i="1">
-                            <a:latin typeface="Cambria Math" panose="02040503050406030204" pitchFamily="18" charset="0"/>
-                          </a:rPr>
-                          <m:t>(</m:t>
-                        </m:r>
-                        <m:r>
-                          <a:rPr lang="en-US" sz="1400" i="1">
-                            <a:latin typeface="Cambria Math" panose="02040503050406030204" pitchFamily="18" charset="0"/>
-                          </a:rPr>
-                          <m:t>𝑡</m:t>
-                        </m:r>
-                        <m:r>
-                          <a:rPr lang="en-US" sz="1400" i="1">
-                            <a:latin typeface="Cambria Math" panose="02040503050406030204" pitchFamily="18" charset="0"/>
-                          </a:rPr>
-                          <m:t>)</m:t>
-                        </m:r>
-                      </m:oMath>
-                    </m:oMathPara>
-                  </a14:m>
-                  <a:endParaRPr lang="en-US" sz="1400" dirty="0"/>
-                </a:p>
-              </p:txBody>
-            </p:sp>
-          </mc:Choice>
-          <mc:Fallback xmlns="">
-            <p:sp>
-              <p:nvSpPr>
-                <p:cNvPr id="223" name="Rectangle 222"/>
-                <p:cNvSpPr>
-                  <a:spLocks noRot="1" noChangeAspect="1" noMove="1" noResize="1" noEditPoints="1" noAdjustHandles="1" noChangeArrowheads="1" noChangeShapeType="1" noTextEdit="1"/>
-                </p:cNvSpPr>
-                <p:nvPr/>
-              </p:nvSpPr>
-              <p:spPr>
-                <a:xfrm>
-                  <a:off x="8561320" y="5058892"/>
-                  <a:ext cx="534121" cy="307777"/>
-                </a:xfrm>
-                <a:prstGeom prst="rect">
-                  <a:avLst/>
-                </a:prstGeom>
-                <a:blipFill>
-                  <a:blip r:embed="rId13"/>
-                  <a:stretch>
-                    <a:fillRect b="-8000"/>
-                  </a:stretch>
-                </a:blipFill>
-              </p:spPr>
-              <p:txBody>
-                <a:bodyPr/>
-                <a:lstStyle/>
-                <a:p>
-                  <a:r>
-                    <a:rPr lang="en-US">
-                      <a:noFill/>
-                    </a:rPr>
-                    <a:t> </a:t>
-                  </a:r>
-                </a:p>
-              </p:txBody>
-            </p:sp>
-          </mc:Fallback>
-        </mc:AlternateContent>
-        <mc:AlternateContent xmlns:mc="http://schemas.openxmlformats.org/markup-compatibility/2006" xmlns:a14="http://schemas.microsoft.com/office/drawing/2010/main">
-          <mc:Choice Requires="a14">
-            <p:sp>
-              <p:nvSpPr>
-                <p:cNvPr id="225" name="Rectangle 224"/>
-                <p:cNvSpPr/>
-                <p:nvPr/>
-              </p:nvSpPr>
-              <p:spPr>
-                <a:xfrm>
-                  <a:off x="10886152" y="4304877"/>
-                  <a:ext cx="766812" cy="369332"/>
-                </a:xfrm>
-                <a:prstGeom prst="rect">
-                  <a:avLst/>
-                </a:prstGeom>
-              </p:spPr>
-              <p:txBody>
-                <a:bodyPr wrap="none">
-                  <a:spAutoFit/>
-                </a:bodyPr>
-                <a:lstStyle/>
-                <a:p>
-                  <a:pPr/>
-                  <a14:m>
-                    <m:oMathPara xmlns:m="http://schemas.openxmlformats.org/officeDocument/2006/math">
-                      <m:oMathParaPr>
-                        <m:jc m:val="centerGroup"/>
-                      </m:oMathParaPr>
-                      <m:oMath xmlns:m="http://schemas.openxmlformats.org/officeDocument/2006/math">
-                        <m:sSub>
-                          <m:sSubPr>
-                            <m:ctrlPr>
-                              <a:rPr lang="en-US" i="1" smtClean="0">
-                                <a:latin typeface="Cambria Math" panose="02040503050406030204" pitchFamily="18" charset="0"/>
-                              </a:rPr>
-                            </m:ctrlPr>
-                          </m:sSubPr>
-                          <m:e>
-                            <m:r>
-                              <a:rPr lang="en-US" b="0" i="1" smtClean="0">
-                                <a:latin typeface="Cambria Math" panose="02040503050406030204" pitchFamily="18" charset="0"/>
-                              </a:rPr>
-                              <m:t>𝐴</m:t>
-                            </m:r>
-                          </m:e>
-                          <m:sub>
-                            <m:r>
-                              <a:rPr lang="en-US" b="0" i="1" smtClean="0">
-                                <a:latin typeface="Cambria Math" panose="02040503050406030204" pitchFamily="18" charset="0"/>
-                              </a:rPr>
-                              <m:t>𝑠</m:t>
-                            </m:r>
-                          </m:sub>
-                        </m:sSub>
-                        <m:d>
-                          <m:dPr>
-                            <m:ctrlPr>
-                              <a:rPr lang="en-US" i="1">
-                                <a:latin typeface="Cambria Math" panose="02040503050406030204" pitchFamily="18" charset="0"/>
-                              </a:rPr>
-                            </m:ctrlPr>
-                          </m:dPr>
-                          <m:e>
-                            <m:r>
-                              <a:rPr lang="en-US" i="1">
-                                <a:latin typeface="Cambria Math" panose="02040503050406030204" pitchFamily="18" charset="0"/>
-                              </a:rPr>
-                              <m:t>𝑡</m:t>
-                            </m:r>
-                          </m:e>
-                        </m:d>
-                      </m:oMath>
-                    </m:oMathPara>
-                  </a14:m>
-                  <a:endParaRPr lang="en-US" dirty="0"/>
-                </a:p>
-              </p:txBody>
-            </p:sp>
-          </mc:Choice>
-          <mc:Fallback xmlns="">
-            <p:sp>
-              <p:nvSpPr>
-                <p:cNvPr id="225" name="Rectangle 224"/>
-                <p:cNvSpPr>
-                  <a:spLocks noRot="1" noChangeAspect="1" noMove="1" noResize="1" noEditPoints="1" noAdjustHandles="1" noChangeArrowheads="1" noChangeShapeType="1" noTextEdit="1"/>
-                </p:cNvSpPr>
-                <p:nvPr/>
-              </p:nvSpPr>
-              <p:spPr>
-                <a:xfrm>
-                  <a:off x="10886152" y="4304877"/>
-                  <a:ext cx="766812" cy="369332"/>
-                </a:xfrm>
-                <a:prstGeom prst="rect">
-                  <a:avLst/>
-                </a:prstGeom>
-                <a:blipFill>
-                  <a:blip r:embed="rId14"/>
-                  <a:stretch>
-                    <a:fillRect/>
-                  </a:stretch>
-                </a:blipFill>
-              </p:spPr>
-              <p:txBody>
-                <a:bodyPr/>
-                <a:lstStyle/>
-                <a:p>
-                  <a:r>
-                    <a:rPr lang="en-US">
-                      <a:noFill/>
-                    </a:rPr>
-                    <a:t> </a:t>
-                  </a:r>
-                </a:p>
-              </p:txBody>
-            </p:sp>
-          </mc:Fallback>
-        </mc:AlternateContent>
-        <p:grpSp>
-          <p:nvGrpSpPr>
-            <p:cNvPr id="44" name="Group 43"/>
-            <p:cNvGrpSpPr/>
-            <p:nvPr/>
-          </p:nvGrpSpPr>
-          <p:grpSpPr>
-            <a:xfrm>
-              <a:off x="8274895" y="3641964"/>
-              <a:ext cx="968587" cy="1316015"/>
-              <a:chOff x="10686314" y="5416438"/>
-              <a:chExt cx="812807" cy="1079726"/>
-            </a:xfrm>
-          </p:grpSpPr>
-          <p:grpSp>
-            <p:nvGrpSpPr>
-              <p:cNvPr id="35" name="Group 34"/>
-              <p:cNvGrpSpPr/>
-              <p:nvPr/>
-            </p:nvGrpSpPr>
-            <p:grpSpPr>
-              <a:xfrm>
-                <a:off x="10686314" y="5416438"/>
-                <a:ext cx="508834" cy="1079726"/>
-                <a:chOff x="10686314" y="5416438"/>
-                <a:chExt cx="508834" cy="1079726"/>
-              </a:xfrm>
-            </p:grpSpPr>
-            <p:sp>
-              <p:nvSpPr>
-                <p:cNvPr id="6" name="Rectangle 5"/>
-                <p:cNvSpPr/>
-                <p:nvPr/>
-              </p:nvSpPr>
-              <p:spPr>
-                <a:xfrm>
-                  <a:off x="10686314" y="5805292"/>
-                  <a:ext cx="508834" cy="311029"/>
-                </a:xfrm>
-                <a:prstGeom prst="rect">
-                  <a:avLst/>
-                </a:prstGeom>
-              </p:spPr>
-              <p:style>
-                <a:lnRef idx="2">
-                  <a:schemeClr val="dk1"/>
-                </a:lnRef>
-                <a:fillRef idx="1">
-                  <a:schemeClr val="lt1"/>
-                </a:fillRef>
-                <a:effectRef idx="0">
-                  <a:schemeClr val="dk1"/>
-                </a:effectRef>
-                <a:fontRef idx="minor">
-                  <a:schemeClr val="dk1"/>
-                </a:fontRef>
-              </p:style>
-              <p:txBody>
-                <a:bodyPr rtlCol="0" anchor="ctr"/>
-                <a:lstStyle/>
-                <a:p>
-                  <a:pPr algn="ctr"/>
-                  <a:r>
-                    <a:rPr lang="en-US" sz="1000" b="1" dirty="0" smtClean="0">
-                      <a:latin typeface="+mj-lt"/>
-                    </a:rPr>
-                    <a:t>Phase Shift</a:t>
-                  </a:r>
-                  <a:endParaRPr lang="en-US" sz="1000" b="1" dirty="0">
-                    <a:latin typeface="+mj-lt"/>
-                  </a:endParaRPr>
-                </a:p>
-              </p:txBody>
-            </p:sp>
-            <p:cxnSp>
-              <p:nvCxnSpPr>
-                <p:cNvPr id="13" name="Straight Arrow Connector 12"/>
-                <p:cNvCxnSpPr>
-                  <a:stCxn id="6" idx="0"/>
-                  <a:endCxn id="71" idx="4"/>
-                </p:cNvCxnSpPr>
-                <p:nvPr/>
-              </p:nvCxnSpPr>
-              <p:spPr>
-                <a:xfrm flipV="1">
-                  <a:off x="10940731" y="5611117"/>
-                  <a:ext cx="0" cy="194175"/>
-                </a:xfrm>
-                <a:prstGeom prst="straightConnector1">
-                  <a:avLst/>
-                </a:prstGeom>
-                <a:ln w="19050">
-                  <a:tailEnd type="triangle"/>
-                </a:ln>
-              </p:spPr>
-              <p:style>
-                <a:lnRef idx="1">
-                  <a:schemeClr val="accent1"/>
-                </a:lnRef>
-                <a:fillRef idx="0">
-                  <a:schemeClr val="accent1"/>
-                </a:fillRef>
-                <a:effectRef idx="0">
-                  <a:schemeClr val="accent1"/>
-                </a:effectRef>
-                <a:fontRef idx="minor">
-                  <a:schemeClr val="tx1"/>
-                </a:fontRef>
-              </p:style>
-            </p:cxnSp>
-            <p:sp>
-              <p:nvSpPr>
-                <p:cNvPr id="69" name="Flowchart: Summing Junction 68"/>
-                <p:cNvSpPr/>
-                <p:nvPr/>
-              </p:nvSpPr>
-              <p:spPr>
-                <a:xfrm>
-                  <a:off x="10847070" y="6301485"/>
-                  <a:ext cx="187322" cy="194679"/>
-                </a:xfrm>
-                <a:prstGeom prst="flowChartSummingJunction">
-                  <a:avLst/>
-                </a:prstGeom>
-              </p:spPr>
-              <p:style>
-                <a:lnRef idx="2">
-                  <a:schemeClr val="dk1"/>
-                </a:lnRef>
-                <a:fillRef idx="1">
-                  <a:schemeClr val="lt1"/>
-                </a:fillRef>
-                <a:effectRef idx="0">
-                  <a:schemeClr val="dk1"/>
-                </a:effectRef>
-                <a:fontRef idx="minor">
-                  <a:schemeClr val="dk1"/>
-                </a:fontRef>
-              </p:style>
-              <p:txBody>
-                <a:bodyPr rtlCol="0" anchor="ctr"/>
-                <a:lstStyle/>
-                <a:p>
-                  <a:pPr algn="ctr"/>
-                  <a:endParaRPr lang="en-US"/>
-                </a:p>
-              </p:txBody>
-            </p:sp>
-            <p:sp>
-              <p:nvSpPr>
-                <p:cNvPr id="71" name="Flowchart: Summing Junction 70"/>
-                <p:cNvSpPr/>
-                <p:nvPr/>
-              </p:nvSpPr>
-              <p:spPr>
-                <a:xfrm>
-                  <a:off x="10847070" y="5416438"/>
-                  <a:ext cx="187322" cy="194679"/>
-                </a:xfrm>
-                <a:prstGeom prst="flowChartSummingJunction">
-                  <a:avLst/>
-                </a:prstGeom>
-              </p:spPr>
-              <p:style>
-                <a:lnRef idx="2">
-                  <a:schemeClr val="dk1"/>
-                </a:lnRef>
-                <a:fillRef idx="1">
-                  <a:schemeClr val="lt1"/>
-                </a:fillRef>
-                <a:effectRef idx="0">
-                  <a:schemeClr val="dk1"/>
-                </a:effectRef>
-                <a:fontRef idx="minor">
-                  <a:schemeClr val="dk1"/>
-                </a:fontRef>
-              </p:style>
-              <p:txBody>
-                <a:bodyPr rtlCol="0" anchor="ctr"/>
-                <a:lstStyle/>
-                <a:p>
-                  <a:pPr algn="ctr"/>
-                  <a:endParaRPr lang="en-US"/>
-                </a:p>
-              </p:txBody>
-            </p:sp>
-            <p:cxnSp>
-              <p:nvCxnSpPr>
-                <p:cNvPr id="76" name="Straight Arrow Connector 75"/>
-                <p:cNvCxnSpPr>
-                  <a:stCxn id="6" idx="2"/>
-                  <a:endCxn id="69" idx="0"/>
-                </p:cNvCxnSpPr>
-                <p:nvPr/>
-              </p:nvCxnSpPr>
-              <p:spPr>
-                <a:xfrm>
-                  <a:off x="10940731" y="6116321"/>
-                  <a:ext cx="0" cy="185164"/>
-                </a:xfrm>
-                <a:prstGeom prst="straightConnector1">
-                  <a:avLst/>
-                </a:prstGeom>
-                <a:ln w="19050">
-                  <a:tailEnd type="triangle"/>
-                </a:ln>
-              </p:spPr>
-              <p:style>
-                <a:lnRef idx="1">
-                  <a:schemeClr val="accent1"/>
-                </a:lnRef>
-                <a:fillRef idx="0">
-                  <a:schemeClr val="accent1"/>
-                </a:fillRef>
-                <a:effectRef idx="0">
-                  <a:schemeClr val="accent1"/>
-                </a:effectRef>
-                <a:fontRef idx="minor">
-                  <a:schemeClr val="tx1"/>
-                </a:fontRef>
-              </p:style>
-            </p:cxnSp>
-          </p:grpSp>
-          <p:sp>
-            <p:nvSpPr>
-              <p:cNvPr id="36" name="Flowchart: Or 35"/>
-              <p:cNvSpPr/>
-              <p:nvPr/>
-            </p:nvSpPr>
-            <p:spPr>
-              <a:xfrm>
-                <a:off x="11343145" y="5876130"/>
-                <a:ext cx="155976" cy="165100"/>
-              </a:xfrm>
-              <a:prstGeom prst="flowChartOr">
-                <a:avLst/>
-              </a:prstGeom>
-            </p:spPr>
-            <p:style>
-              <a:lnRef idx="2">
-                <a:schemeClr val="dk1"/>
-              </a:lnRef>
-              <a:fillRef idx="1">
-                <a:schemeClr val="lt1"/>
-              </a:fillRef>
-              <a:effectRef idx="0">
-                <a:schemeClr val="dk1"/>
-              </a:effectRef>
-              <a:fontRef idx="minor">
-                <a:schemeClr val="dk1"/>
-              </a:fontRef>
-            </p:style>
-            <p:txBody>
-              <a:bodyPr rtlCol="0" anchor="ctr"/>
-              <a:lstStyle/>
-              <a:p>
-                <a:pPr algn="ctr"/>
-                <a:endParaRPr lang="en-US"/>
-              </a:p>
-            </p:txBody>
-          </p:sp>
-          <p:cxnSp>
-            <p:nvCxnSpPr>
-              <p:cNvPr id="38" name="Elbow Connector 37"/>
-              <p:cNvCxnSpPr>
-                <a:stCxn id="71" idx="6"/>
-                <a:endCxn id="36" idx="0"/>
-              </p:cNvCxnSpPr>
-              <p:nvPr/>
-            </p:nvCxnSpPr>
-            <p:spPr>
-              <a:xfrm>
-                <a:off x="11034392" y="5513778"/>
-                <a:ext cx="386741" cy="362352"/>
-              </a:xfrm>
-              <a:prstGeom prst="bentConnector2">
-                <a:avLst/>
-              </a:prstGeom>
-              <a:ln w="19050">
-                <a:tailEnd type="triangle"/>
-              </a:ln>
-            </p:spPr>
-            <p:style>
-              <a:lnRef idx="1">
-                <a:schemeClr val="accent1"/>
-              </a:lnRef>
-              <a:fillRef idx="0">
-                <a:schemeClr val="accent1"/>
-              </a:fillRef>
-              <a:effectRef idx="0">
-                <a:schemeClr val="accent1"/>
-              </a:effectRef>
-              <a:fontRef idx="minor">
-                <a:schemeClr val="tx1"/>
-              </a:fontRef>
-            </p:style>
-          </p:cxnSp>
-          <p:cxnSp>
-            <p:nvCxnSpPr>
-              <p:cNvPr id="43" name="Elbow Connector 42"/>
-              <p:cNvCxnSpPr>
-                <a:stCxn id="69" idx="6"/>
-                <a:endCxn id="36" idx="4"/>
-              </p:cNvCxnSpPr>
-              <p:nvPr/>
-            </p:nvCxnSpPr>
-            <p:spPr>
-              <a:xfrm flipV="1">
-                <a:off x="11034392" y="6041230"/>
-                <a:ext cx="386741" cy="357595"/>
-              </a:xfrm>
-              <a:prstGeom prst="bentConnector2">
-                <a:avLst/>
-              </a:prstGeom>
-              <a:ln w="19050">
-                <a:tailEnd type="triangle"/>
-              </a:ln>
-            </p:spPr>
-            <p:style>
-              <a:lnRef idx="1">
-                <a:schemeClr val="accent1"/>
-              </a:lnRef>
-              <a:fillRef idx="0">
-                <a:schemeClr val="accent1"/>
-              </a:fillRef>
-              <a:effectRef idx="0">
-                <a:schemeClr val="accent1"/>
-              </a:effectRef>
-              <a:fontRef idx="minor">
-                <a:schemeClr val="tx1"/>
-              </a:fontRef>
-            </p:style>
-          </p:cxnSp>
-        </p:grpSp>
-        <mc:AlternateContent xmlns:mc="http://schemas.openxmlformats.org/markup-compatibility/2006" xmlns:a14="http://schemas.microsoft.com/office/drawing/2010/main">
-          <mc:Choice Requires="a14">
-            <p:sp>
-              <p:nvSpPr>
-                <p:cNvPr id="51" name="Rectangle 50"/>
-                <p:cNvSpPr/>
-                <p:nvPr/>
-              </p:nvSpPr>
-              <p:spPr>
-                <a:xfrm>
-                  <a:off x="8514287" y="3876502"/>
-                  <a:ext cx="381836" cy="276999"/>
-                </a:xfrm>
-                <a:prstGeom prst="rect">
-                  <a:avLst/>
-                </a:prstGeom>
-              </p:spPr>
-              <p:txBody>
-                <a:bodyPr wrap="none">
-                  <a:spAutoFit/>
-                </a:bodyPr>
-                <a:lstStyle/>
-                <a:p>
-                  <a:pPr/>
-                  <a14:m>
-                    <m:oMathPara xmlns:m="http://schemas.openxmlformats.org/officeDocument/2006/math">
-                      <m:oMathParaPr>
-                        <m:jc m:val="centerGroup"/>
-                      </m:oMathParaPr>
-                      <m:oMath xmlns:m="http://schemas.openxmlformats.org/officeDocument/2006/math">
-                        <m:sSup>
-                          <m:sSupPr>
-                            <m:ctrlPr>
-                              <a:rPr lang="en-US" sz="1200" b="1" i="1" smtClean="0">
-                                <a:latin typeface="Cambria Math" panose="02040503050406030204" pitchFamily="18" charset="0"/>
-                              </a:rPr>
-                            </m:ctrlPr>
-                          </m:sSupPr>
-                          <m:e>
-                            <m:r>
-                              <a:rPr lang="en-US" sz="1200" b="1" i="1" smtClean="0">
-                                <a:latin typeface="Cambria Math" panose="02040503050406030204" pitchFamily="18" charset="0"/>
-                              </a:rPr>
-                              <m:t>𝟎</m:t>
-                            </m:r>
-                          </m:e>
-                          <m:sup>
-                            <m:r>
-                              <a:rPr lang="en-US" sz="1200" b="1" i="1" smtClean="0">
-                                <a:latin typeface="Cambria Math" panose="02040503050406030204" pitchFamily="18" charset="0"/>
-                              </a:rPr>
-                              <m:t>𝒐</m:t>
-                            </m:r>
-                          </m:sup>
-                        </m:sSup>
-                      </m:oMath>
-                    </m:oMathPara>
-                  </a14:m>
-                  <a:endParaRPr lang="en-US" sz="1200" b="1" dirty="0"/>
-                </a:p>
-              </p:txBody>
-            </p:sp>
-          </mc:Choice>
-          <mc:Fallback xmlns="">
-            <p:sp>
-              <p:nvSpPr>
-                <p:cNvPr id="51" name="Rectangle 50"/>
-                <p:cNvSpPr>
-                  <a:spLocks noRot="1" noChangeAspect="1" noMove="1" noResize="1" noEditPoints="1" noAdjustHandles="1" noChangeArrowheads="1" noChangeShapeType="1" noTextEdit="1"/>
-                </p:cNvSpPr>
-                <p:nvPr/>
-              </p:nvSpPr>
-              <p:spPr>
-                <a:xfrm>
-                  <a:off x="8514287" y="3876502"/>
-                  <a:ext cx="381836" cy="276999"/>
-                </a:xfrm>
-                <a:prstGeom prst="rect">
-                  <a:avLst/>
-                </a:prstGeom>
-                <a:blipFill>
-                  <a:blip r:embed="rId15"/>
-                  <a:stretch>
-                    <a:fillRect/>
-                  </a:stretch>
-                </a:blipFill>
-              </p:spPr>
-              <p:txBody>
-                <a:bodyPr/>
-                <a:lstStyle/>
-                <a:p>
-                  <a:r>
-                    <a:rPr lang="en-US">
-                      <a:noFill/>
-                    </a:rPr>
-                    <a:t> </a:t>
-                  </a:r>
-                </a:p>
-              </p:txBody>
-            </p:sp>
-          </mc:Fallback>
-        </mc:AlternateContent>
-        <mc:AlternateContent xmlns:mc="http://schemas.openxmlformats.org/markup-compatibility/2006" xmlns:a14="http://schemas.microsoft.com/office/drawing/2010/main">
-          <mc:Choice Requires="a14">
-            <p:sp>
-              <p:nvSpPr>
-                <p:cNvPr id="92" name="Rectangle 91"/>
-                <p:cNvSpPr/>
-                <p:nvPr/>
-              </p:nvSpPr>
-              <p:spPr>
-                <a:xfrm>
-                  <a:off x="8552707" y="4489543"/>
-                  <a:ext cx="473206" cy="276999"/>
-                </a:xfrm>
-                <a:prstGeom prst="rect">
-                  <a:avLst/>
-                </a:prstGeom>
-              </p:spPr>
-              <p:txBody>
-                <a:bodyPr wrap="none">
-                  <a:spAutoFit/>
-                </a:bodyPr>
-                <a:lstStyle/>
-                <a:p>
-                  <a:pPr/>
-                  <a14:m>
-                    <m:oMathPara xmlns:m="http://schemas.openxmlformats.org/officeDocument/2006/math">
-                      <m:oMathParaPr>
-                        <m:jc m:val="centerGroup"/>
-                      </m:oMathParaPr>
-                      <m:oMath xmlns:m="http://schemas.openxmlformats.org/officeDocument/2006/math">
-                        <m:sSup>
-                          <m:sSupPr>
-                            <m:ctrlPr>
-                              <a:rPr lang="en-US" sz="1200" b="1" i="1" smtClean="0">
-                                <a:latin typeface="Cambria Math" panose="02040503050406030204" pitchFamily="18" charset="0"/>
-                              </a:rPr>
-                            </m:ctrlPr>
-                          </m:sSupPr>
-                          <m:e>
-                            <m:r>
-                              <a:rPr lang="en-US" sz="1200" b="1" i="1" smtClean="0">
-                                <a:latin typeface="Cambria Math" panose="02040503050406030204" pitchFamily="18" charset="0"/>
-                              </a:rPr>
-                              <m:t>𝟗𝟎</m:t>
-                            </m:r>
-                          </m:e>
-                          <m:sup>
-                            <m:r>
-                              <a:rPr lang="en-US" sz="1200" b="1" i="1" smtClean="0">
-                                <a:latin typeface="Cambria Math" panose="02040503050406030204" pitchFamily="18" charset="0"/>
-                              </a:rPr>
-                              <m:t>𝒐</m:t>
-                            </m:r>
-                          </m:sup>
-                        </m:sSup>
-                      </m:oMath>
-                    </m:oMathPara>
-                  </a14:m>
-                  <a:endParaRPr lang="en-US" sz="1200" b="1" dirty="0"/>
-                </a:p>
-              </p:txBody>
-            </p:sp>
-          </mc:Choice>
-          <mc:Fallback xmlns="">
-            <p:sp>
-              <p:nvSpPr>
-                <p:cNvPr id="92" name="Rectangle 91"/>
-                <p:cNvSpPr>
-                  <a:spLocks noRot="1" noChangeAspect="1" noMove="1" noResize="1" noEditPoints="1" noAdjustHandles="1" noChangeArrowheads="1" noChangeShapeType="1" noTextEdit="1"/>
-                </p:cNvSpPr>
-                <p:nvPr/>
-              </p:nvSpPr>
-              <p:spPr>
-                <a:xfrm>
-                  <a:off x="8552707" y="4489543"/>
-                  <a:ext cx="473206" cy="276999"/>
-                </a:xfrm>
-                <a:prstGeom prst="rect">
-                  <a:avLst/>
-                </a:prstGeom>
-                <a:blipFill>
-                  <a:blip r:embed="rId16"/>
-                  <a:stretch>
-                    <a:fillRect/>
-                  </a:stretch>
-                </a:blipFill>
-              </p:spPr>
-              <p:txBody>
-                <a:bodyPr/>
-                <a:lstStyle/>
-                <a:p>
-                  <a:r>
-                    <a:rPr lang="en-US">
-                      <a:noFill/>
-                    </a:rPr>
-                    <a:t> </a:t>
-                  </a:r>
-                </a:p>
-              </p:txBody>
-            </p:sp>
-          </mc:Fallback>
-        </mc:AlternateContent>
-        <p:cxnSp>
-          <p:nvCxnSpPr>
-            <p:cNvPr id="103" name="Straight Arrow Connector 102"/>
-            <p:cNvCxnSpPr>
-              <a:stCxn id="106" idx="3"/>
-              <a:endCxn id="6" idx="1"/>
-            </p:cNvCxnSpPr>
-            <p:nvPr/>
-          </p:nvCxnSpPr>
-          <p:spPr>
-            <a:xfrm>
-              <a:off x="7729787" y="4302871"/>
-              <a:ext cx="545108" cy="2592"/>
-            </a:xfrm>
-            <a:prstGeom prst="straightConnector1">
-              <a:avLst/>
-            </a:prstGeom>
-            <a:ln w="19050">
-              <a:solidFill>
-                <a:srgbClr val="FF0000"/>
-              </a:solidFill>
-              <a:tailEnd type="triangle"/>
-            </a:ln>
-          </p:spPr>
-          <p:style>
-            <a:lnRef idx="1">
-              <a:schemeClr val="accent1"/>
-            </a:lnRef>
-            <a:fillRef idx="0">
-              <a:schemeClr val="accent1"/>
-            </a:fillRef>
-            <a:effectRef idx="0">
-              <a:schemeClr val="accent1"/>
-            </a:effectRef>
-            <a:fontRef idx="minor">
-              <a:schemeClr val="tx1"/>
-            </a:fontRef>
-          </p:style>
-        </p:cxnSp>
-      </p:grpSp>
-      <p:sp>
-        <p:nvSpPr>
-          <p:cNvPr id="74" name="Rectangle 73"/>
-          <p:cNvSpPr/>
-          <p:nvPr/>
-        </p:nvSpPr>
-        <p:spPr>
-          <a:xfrm>
-            <a:off x="8058526" y="1049409"/>
-            <a:ext cx="1283294" cy="828942"/>
-          </a:xfrm>
-          <a:prstGeom prst="rect">
-            <a:avLst/>
-          </a:prstGeom>
-          <a:ln w="28575"/>
-        </p:spPr>
-        <p:style>
-          <a:lnRef idx="2">
-            <a:schemeClr val="dk1"/>
-          </a:lnRef>
-          <a:fillRef idx="1">
-            <a:schemeClr val="lt1"/>
-          </a:fillRef>
-          <a:effectRef idx="0">
-            <a:schemeClr val="dk1"/>
-          </a:effectRef>
-          <a:fontRef idx="minor">
-            <a:schemeClr val="dk1"/>
-          </a:fontRef>
-        </p:style>
-        <p:txBody>
-          <a:bodyPr rtlCol="0" anchor="ctr"/>
-          <a:lstStyle/>
-          <a:p>
-            <a:pPr algn="ctr"/>
-            <a:r>
-              <a:rPr lang="en-US" sz="1200" dirty="0" smtClean="0"/>
-              <a:t>RRC filter</a:t>
-            </a:r>
-            <a:endParaRPr lang="en-US" sz="1200" dirty="0" smtClean="0"/>
-          </a:p>
-        </p:txBody>
-      </p:sp>
-      <mc:AlternateContent xmlns:mc="http://schemas.openxmlformats.org/markup-compatibility/2006">
-        <mc:Choice xmlns:a14="http://schemas.microsoft.com/office/drawing/2010/main" Requires="a14">
-          <p:sp>
-            <p:nvSpPr>
-              <p:cNvPr id="84" name="Rectangle 83"/>
-              <p:cNvSpPr/>
-              <p:nvPr/>
-            </p:nvSpPr>
-            <p:spPr>
-              <a:xfrm>
-                <a:off x="700670" y="789868"/>
-                <a:ext cx="1098378" cy="276999"/>
+                <a:off x="7065988" y="2392795"/>
+                <a:ext cx="184345" cy="184666"/>
               </a:xfrm>
               <a:prstGeom prst="rect">
                 <a:avLst/>
               </a:prstGeom>
+              <a:noFill/>
             </p:spPr>
             <p:txBody>
-              <a:bodyPr wrap="none">
+              <a:bodyPr wrap="none" lIns="0" tIns="0" rIns="0" bIns="0" rtlCol="0">
                 <a:spAutoFit/>
               </a:bodyPr>
               <a:lstStyle/>
@@ -6258,13 +4511,34 @@
                       <m:jc m:val="centerGroup"/>
                     </m:oMathParaPr>
                     <m:oMath xmlns:m="http://schemas.openxmlformats.org/officeDocument/2006/math">
-                      <m:r>
-                        <a:rPr lang="en-US" sz="1200" b="0" i="0" dirty="0" smtClean="0">
-                          <a:latin typeface="Cambria Math" panose="02040503050406030204" pitchFamily="18" charset="0"/>
-                          <a:sym typeface="Symbol" panose="05050102010706020507" pitchFamily="18" charset="2"/>
-                        </a:rPr>
-                        <m:t>01010111….</m:t>
-                      </m:r>
+                      <m:sSub>
+                        <m:sSubPr>
+                          <m:ctrlPr>
+                            <a:rPr lang="en-US" sz="1200" smtClean="0">
+                              <a:latin typeface="Cambria Math" panose="02040503050406030204" pitchFamily="18" charset="0"/>
+                            </a:rPr>
+                          </m:ctrlPr>
+                        </m:sSubPr>
+                        <m:e>
+                          <m:r>
+                            <m:rPr>
+                              <m:sty m:val="p"/>
+                            </m:rPr>
+                            <a:rPr lang="en-US" sz="1200" b="0" i="0" smtClean="0">
+                              <a:latin typeface="Cambria Math" panose="02040503050406030204" pitchFamily="18" charset="0"/>
+                            </a:rPr>
+                            <m:t>S</m:t>
+                          </m:r>
+                        </m:e>
+                        <m:sub>
+                          <m:r>
+                            <a:rPr lang="en-US" sz="1200" b="0" i="0" smtClean="0">
+                              <a:latin typeface="Cambria Math" panose="02040503050406030204" pitchFamily="18" charset="0"/>
+                            </a:rPr>
+                            <m:t>6</m:t>
+                          </m:r>
+                        </m:sub>
+                      </m:sSub>
                     </m:oMath>
                   </m:oMathPara>
                 </a14:m>
@@ -6276,24 +4550,549 @@
         <mc:Fallback>
           <p:sp>
             <p:nvSpPr>
-              <p:cNvPr id="84" name="Rectangle 83"/>
-              <p:cNvSpPr>
+              <p:cNvPr id="240" name="TextBox 239"/>
+              <p:cNvSpPr txBox="1">
                 <a:spLocks noRot="1" noChangeAspect="1" noMove="1" noResize="1" noEditPoints="1" noAdjustHandles="1" noChangeArrowheads="1" noChangeShapeType="1" noTextEdit="1"/>
               </p:cNvSpPr>
               <p:nvPr/>
             </p:nvSpPr>
             <p:spPr>
               <a:xfrm>
-                <a:off x="700670" y="789868"/>
-                <a:ext cx="1098378" cy="276999"/>
+                <a:off x="7065988" y="2392795"/>
+                <a:ext cx="184345" cy="184666"/>
               </a:xfrm>
               <a:prstGeom prst="rect">
                 <a:avLst/>
               </a:prstGeom>
               <a:blipFill>
-                <a:blip r:embed="rId17"/>
+                <a:blip r:embed="rId7"/>
                 <a:stretch>
-                  <a:fillRect/>
+                  <a:fillRect l="-20000" r="-3333" b="-13333"/>
+                </a:stretch>
+              </a:blipFill>
+            </p:spPr>
+            <p:txBody>
+              <a:bodyPr/>
+              <a:lstStyle/>
+              <a:p>
+                <a:r>
+                  <a:rPr lang="en-US">
+                    <a:noFill/>
+                  </a:rPr>
+                  <a:t> </a:t>
+                </a:r>
+              </a:p>
+            </p:txBody>
+          </p:sp>
+        </mc:Fallback>
+      </mc:AlternateContent>
+      <mc:AlternateContent xmlns:mc="http://schemas.openxmlformats.org/markup-compatibility/2006">
+        <mc:Choice xmlns:a14="http://schemas.microsoft.com/office/drawing/2010/main" Requires="a14">
+          <p:sp>
+            <p:nvSpPr>
+              <p:cNvPr id="241" name="TextBox 240"/>
+              <p:cNvSpPr txBox="1"/>
+              <p:nvPr/>
+            </p:nvSpPr>
+            <p:spPr>
+              <a:xfrm>
+                <a:off x="8441498" y="2270757"/>
+                <a:ext cx="184345" cy="184666"/>
+              </a:xfrm>
+              <a:prstGeom prst="rect">
+                <a:avLst/>
+              </a:prstGeom>
+              <a:noFill/>
+            </p:spPr>
+            <p:txBody>
+              <a:bodyPr wrap="none" lIns="0" tIns="0" rIns="0" bIns="0" rtlCol="0">
+                <a:spAutoFit/>
+              </a:bodyPr>
+              <a:lstStyle/>
+              <a:p>
+                <a14:m>
+                  <m:oMathPara xmlns:m="http://schemas.openxmlformats.org/officeDocument/2006/math">
+                    <m:oMathParaPr>
+                      <m:jc m:val="centerGroup"/>
+                    </m:oMathParaPr>
+                    <m:oMath xmlns:m="http://schemas.openxmlformats.org/officeDocument/2006/math">
+                      <m:sSub>
+                        <m:sSubPr>
+                          <m:ctrlPr>
+                            <a:rPr lang="en-US" sz="1200" smtClean="0">
+                              <a:latin typeface="Cambria Math" panose="02040503050406030204" pitchFamily="18" charset="0"/>
+                            </a:rPr>
+                          </m:ctrlPr>
+                        </m:sSubPr>
+                        <m:e>
+                          <m:r>
+                            <m:rPr>
+                              <m:sty m:val="p"/>
+                            </m:rPr>
+                            <a:rPr lang="en-US" sz="1200" b="0" i="0" smtClean="0">
+                              <a:latin typeface="Cambria Math" panose="02040503050406030204" pitchFamily="18" charset="0"/>
+                            </a:rPr>
+                            <m:t>S</m:t>
+                          </m:r>
+                        </m:e>
+                        <m:sub>
+                          <m:r>
+                            <a:rPr lang="en-US" sz="1200" b="0" i="0" smtClean="0">
+                              <a:latin typeface="Cambria Math" panose="02040503050406030204" pitchFamily="18" charset="0"/>
+                            </a:rPr>
+                            <m:t>7</m:t>
+                          </m:r>
+                        </m:sub>
+                      </m:sSub>
+                    </m:oMath>
+                  </m:oMathPara>
+                </a14:m>
+                <a:endParaRPr lang="en-US" sz="1200" dirty="0"/>
+              </a:p>
+            </p:txBody>
+          </p:sp>
+        </mc:Choice>
+        <mc:Fallback>
+          <p:sp>
+            <p:nvSpPr>
+              <p:cNvPr id="241" name="TextBox 240"/>
+              <p:cNvSpPr txBox="1">
+                <a:spLocks noRot="1" noChangeAspect="1" noMove="1" noResize="1" noEditPoints="1" noAdjustHandles="1" noChangeArrowheads="1" noChangeShapeType="1" noTextEdit="1"/>
+              </p:cNvSpPr>
+              <p:nvPr/>
+            </p:nvSpPr>
+            <p:spPr>
+              <a:xfrm>
+                <a:off x="8441498" y="2270757"/>
+                <a:ext cx="184345" cy="184666"/>
+              </a:xfrm>
+              <a:prstGeom prst="rect">
+                <a:avLst/>
+              </a:prstGeom>
+              <a:blipFill>
+                <a:blip r:embed="rId8"/>
+                <a:stretch>
+                  <a:fillRect l="-20000" r="-3333" b="-9677"/>
+                </a:stretch>
+              </a:blipFill>
+            </p:spPr>
+            <p:txBody>
+              <a:bodyPr/>
+              <a:lstStyle/>
+              <a:p>
+                <a:r>
+                  <a:rPr lang="en-US">
+                    <a:noFill/>
+                  </a:rPr>
+                  <a:t> </a:t>
+                </a:r>
+              </a:p>
+            </p:txBody>
+          </p:sp>
+        </mc:Fallback>
+      </mc:AlternateContent>
+      <mc:AlternateContent xmlns:mc="http://schemas.openxmlformats.org/markup-compatibility/2006">
+        <mc:Choice xmlns:a14="http://schemas.microsoft.com/office/drawing/2010/main" Requires="a14">
+          <p:sp>
+            <p:nvSpPr>
+              <p:cNvPr id="242" name="TextBox 241"/>
+              <p:cNvSpPr txBox="1"/>
+              <p:nvPr/>
+            </p:nvSpPr>
+            <p:spPr>
+              <a:xfrm>
+                <a:off x="8441498" y="2602398"/>
+                <a:ext cx="184345" cy="184666"/>
+              </a:xfrm>
+              <a:prstGeom prst="rect">
+                <a:avLst/>
+              </a:prstGeom>
+              <a:noFill/>
+            </p:spPr>
+            <p:txBody>
+              <a:bodyPr wrap="none" lIns="0" tIns="0" rIns="0" bIns="0" rtlCol="0">
+                <a:spAutoFit/>
+              </a:bodyPr>
+              <a:lstStyle/>
+              <a:p>
+                <a14:m>
+                  <m:oMathPara xmlns:m="http://schemas.openxmlformats.org/officeDocument/2006/math">
+                    <m:oMathParaPr>
+                      <m:jc m:val="centerGroup"/>
+                    </m:oMathParaPr>
+                    <m:oMath xmlns:m="http://schemas.openxmlformats.org/officeDocument/2006/math">
+                      <m:sSub>
+                        <m:sSubPr>
+                          <m:ctrlPr>
+                            <a:rPr lang="en-US" sz="1200" smtClean="0">
+                              <a:latin typeface="Cambria Math" panose="02040503050406030204" pitchFamily="18" charset="0"/>
+                            </a:rPr>
+                          </m:ctrlPr>
+                        </m:sSubPr>
+                        <m:e>
+                          <m:r>
+                            <m:rPr>
+                              <m:sty m:val="p"/>
+                            </m:rPr>
+                            <a:rPr lang="en-US" sz="1200" b="0" i="0" smtClean="0">
+                              <a:latin typeface="Cambria Math" panose="02040503050406030204" pitchFamily="18" charset="0"/>
+                            </a:rPr>
+                            <m:t>S</m:t>
+                          </m:r>
+                        </m:e>
+                        <m:sub>
+                          <m:r>
+                            <a:rPr lang="en-US" sz="1200" b="0" i="0" smtClean="0">
+                              <a:latin typeface="Cambria Math" panose="02040503050406030204" pitchFamily="18" charset="0"/>
+                            </a:rPr>
+                            <m:t>8</m:t>
+                          </m:r>
+                        </m:sub>
+                      </m:sSub>
+                    </m:oMath>
+                  </m:oMathPara>
+                </a14:m>
+                <a:endParaRPr lang="en-US" sz="1200" dirty="0"/>
+              </a:p>
+            </p:txBody>
+          </p:sp>
+        </mc:Choice>
+        <mc:Fallback>
+          <p:sp>
+            <p:nvSpPr>
+              <p:cNvPr id="242" name="TextBox 241"/>
+              <p:cNvSpPr txBox="1">
+                <a:spLocks noRot="1" noChangeAspect="1" noMove="1" noResize="1" noEditPoints="1" noAdjustHandles="1" noChangeArrowheads="1" noChangeShapeType="1" noTextEdit="1"/>
+              </p:cNvSpPr>
+              <p:nvPr/>
+            </p:nvSpPr>
+            <p:spPr>
+              <a:xfrm>
+                <a:off x="8441498" y="2602398"/>
+                <a:ext cx="184345" cy="184666"/>
+              </a:xfrm>
+              <a:prstGeom prst="rect">
+                <a:avLst/>
+              </a:prstGeom>
+              <a:blipFill>
+                <a:blip r:embed="rId9"/>
+                <a:stretch>
+                  <a:fillRect l="-20000" r="-3333" b="-13333"/>
+                </a:stretch>
+              </a:blipFill>
+            </p:spPr>
+            <p:txBody>
+              <a:bodyPr/>
+              <a:lstStyle/>
+              <a:p>
+                <a:r>
+                  <a:rPr lang="en-US">
+                    <a:noFill/>
+                  </a:rPr>
+                  <a:t> </a:t>
+                </a:r>
+              </a:p>
+            </p:txBody>
+          </p:sp>
+        </mc:Fallback>
+      </mc:AlternateContent>
+      <mc:AlternateContent xmlns:mc="http://schemas.openxmlformats.org/markup-compatibility/2006">
+        <mc:Choice xmlns:a14="http://schemas.microsoft.com/office/drawing/2010/main" Requires="a14">
+          <p:sp>
+            <p:nvSpPr>
+              <p:cNvPr id="243" name="TextBox 242"/>
+              <p:cNvSpPr txBox="1"/>
+              <p:nvPr/>
+            </p:nvSpPr>
+            <p:spPr>
+              <a:xfrm>
+                <a:off x="10275787" y="2607836"/>
+                <a:ext cx="181140" cy="184666"/>
+              </a:xfrm>
+              <a:prstGeom prst="rect">
+                <a:avLst/>
+              </a:prstGeom>
+              <a:noFill/>
+            </p:spPr>
+            <p:txBody>
+              <a:bodyPr wrap="none" lIns="0" tIns="0" rIns="0" bIns="0" rtlCol="0">
+                <a:spAutoFit/>
+              </a:bodyPr>
+              <a:lstStyle/>
+              <a:p>
+                <a14:m>
+                  <m:oMathPara xmlns:m="http://schemas.openxmlformats.org/officeDocument/2006/math">
+                    <m:oMathParaPr>
+                      <m:jc m:val="centerGroup"/>
+                    </m:oMathParaPr>
+                    <m:oMath xmlns:m="http://schemas.openxmlformats.org/officeDocument/2006/math">
+                      <m:sSub>
+                        <m:sSubPr>
+                          <m:ctrlPr>
+                            <a:rPr lang="en-US" sz="1200" smtClean="0">
+                              <a:latin typeface="Cambria Math" panose="02040503050406030204" pitchFamily="18" charset="0"/>
+                            </a:rPr>
+                          </m:ctrlPr>
+                        </m:sSubPr>
+                        <m:e>
+                          <m:r>
+                            <m:rPr>
+                              <m:sty m:val="p"/>
+                            </m:rPr>
+                            <a:rPr lang="en-US" sz="1200" b="0" i="0" smtClean="0">
+                              <a:latin typeface="Cambria Math" panose="02040503050406030204" pitchFamily="18" charset="0"/>
+                            </a:rPr>
+                            <m:t>S</m:t>
+                          </m:r>
+                        </m:e>
+                        <m:sub>
+                          <m:r>
+                            <a:rPr lang="en-US" sz="1200" b="0" i="0" smtClean="0">
+                              <a:latin typeface="Cambria Math" panose="02040503050406030204" pitchFamily="18" charset="0"/>
+                            </a:rPr>
+                            <m:t>9</m:t>
+                          </m:r>
+                        </m:sub>
+                      </m:sSub>
+                    </m:oMath>
+                  </m:oMathPara>
+                </a14:m>
+                <a:endParaRPr lang="en-US" sz="1200" dirty="0"/>
+              </a:p>
+            </p:txBody>
+          </p:sp>
+        </mc:Choice>
+        <mc:Fallback>
+          <p:sp>
+            <p:nvSpPr>
+              <p:cNvPr id="243" name="TextBox 242"/>
+              <p:cNvSpPr txBox="1">
+                <a:spLocks noRot="1" noChangeAspect="1" noMove="1" noResize="1" noEditPoints="1" noAdjustHandles="1" noChangeArrowheads="1" noChangeShapeType="1" noTextEdit="1"/>
+              </p:cNvSpPr>
+              <p:nvPr/>
+            </p:nvSpPr>
+            <p:spPr>
+              <a:xfrm>
+                <a:off x="10275787" y="2607836"/>
+                <a:ext cx="181140" cy="184666"/>
+              </a:xfrm>
+              <a:prstGeom prst="rect">
+                <a:avLst/>
+              </a:prstGeom>
+              <a:blipFill>
+                <a:blip r:embed="rId10"/>
+                <a:stretch>
+                  <a:fillRect l="-20690" r="-6897" b="-13333"/>
+                </a:stretch>
+              </a:blipFill>
+            </p:spPr>
+            <p:txBody>
+              <a:bodyPr/>
+              <a:lstStyle/>
+              <a:p>
+                <a:r>
+                  <a:rPr lang="en-US">
+                    <a:noFill/>
+                  </a:rPr>
+                  <a:t> </a:t>
+                </a:r>
+              </a:p>
+            </p:txBody>
+          </p:sp>
+        </mc:Fallback>
+      </mc:AlternateContent>
+      <mc:AlternateContent xmlns:mc="http://schemas.openxmlformats.org/markup-compatibility/2006">
+        <mc:Choice xmlns:a14="http://schemas.microsoft.com/office/drawing/2010/main" Requires="a14">
+          <p:sp>
+            <p:nvSpPr>
+              <p:cNvPr id="244" name="TextBox 243"/>
+              <p:cNvSpPr txBox="1"/>
+              <p:nvPr/>
+            </p:nvSpPr>
+            <p:spPr>
+              <a:xfrm>
+                <a:off x="11668352" y="2392795"/>
+                <a:ext cx="246478" cy="184666"/>
+              </a:xfrm>
+              <a:prstGeom prst="rect">
+                <a:avLst/>
+              </a:prstGeom>
+              <a:noFill/>
+            </p:spPr>
+            <p:txBody>
+              <a:bodyPr wrap="none" lIns="0" tIns="0" rIns="0" bIns="0" rtlCol="0">
+                <a:spAutoFit/>
+              </a:bodyPr>
+              <a:lstStyle/>
+              <a:p>
+                <a14:m>
+                  <m:oMathPara xmlns:m="http://schemas.openxmlformats.org/officeDocument/2006/math">
+                    <m:oMathParaPr>
+                      <m:jc m:val="centerGroup"/>
+                    </m:oMathParaPr>
+                    <m:oMath xmlns:m="http://schemas.openxmlformats.org/officeDocument/2006/math">
+                      <m:sSub>
+                        <m:sSubPr>
+                          <m:ctrlPr>
+                            <a:rPr lang="en-US" sz="1200" smtClean="0">
+                              <a:latin typeface="Cambria Math" panose="02040503050406030204" pitchFamily="18" charset="0"/>
+                            </a:rPr>
+                          </m:ctrlPr>
+                        </m:sSubPr>
+                        <m:e>
+                          <m:r>
+                            <m:rPr>
+                              <m:sty m:val="p"/>
+                            </m:rPr>
+                            <a:rPr lang="en-US" sz="1200" b="0" i="0" smtClean="0">
+                              <a:latin typeface="Cambria Math" panose="02040503050406030204" pitchFamily="18" charset="0"/>
+                            </a:rPr>
+                            <m:t>S</m:t>
+                          </m:r>
+                        </m:e>
+                        <m:sub>
+                          <m:r>
+                            <a:rPr lang="en-US" sz="1200" b="0" i="0" smtClean="0">
+                              <a:latin typeface="Cambria Math" panose="02040503050406030204" pitchFamily="18" charset="0"/>
+                            </a:rPr>
+                            <m:t>10</m:t>
+                          </m:r>
+                        </m:sub>
+                      </m:sSub>
+                    </m:oMath>
+                  </m:oMathPara>
+                </a14:m>
+                <a:endParaRPr lang="en-US" sz="1200" dirty="0"/>
+              </a:p>
+            </p:txBody>
+          </p:sp>
+        </mc:Choice>
+        <mc:Fallback>
+          <p:sp>
+            <p:nvSpPr>
+              <p:cNvPr id="244" name="TextBox 243"/>
+              <p:cNvSpPr txBox="1">
+                <a:spLocks noRot="1" noChangeAspect="1" noMove="1" noResize="1" noEditPoints="1" noAdjustHandles="1" noChangeArrowheads="1" noChangeShapeType="1" noTextEdit="1"/>
+              </p:cNvSpPr>
+              <p:nvPr/>
+            </p:nvSpPr>
+            <p:spPr>
+              <a:xfrm>
+                <a:off x="11668352" y="2392795"/>
+                <a:ext cx="246478" cy="184666"/>
+              </a:xfrm>
+              <a:prstGeom prst="rect">
+                <a:avLst/>
+              </a:prstGeom>
+              <a:blipFill>
+                <a:blip r:embed="rId11"/>
+                <a:stretch>
+                  <a:fillRect l="-14634" b="-13333"/>
+                </a:stretch>
+              </a:blipFill>
+            </p:spPr>
+            <p:txBody>
+              <a:bodyPr/>
+              <a:lstStyle/>
+              <a:p>
+                <a:r>
+                  <a:rPr lang="en-US">
+                    <a:noFill/>
+                  </a:rPr>
+                  <a:t> </a:t>
+                </a:r>
+              </a:p>
+            </p:txBody>
+          </p:sp>
+        </mc:Fallback>
+      </mc:AlternateContent>
+      <mc:AlternateContent xmlns:mc="http://schemas.openxmlformats.org/markup-compatibility/2006">
+        <mc:Choice xmlns:a14="http://schemas.microsoft.com/office/drawing/2010/main" Requires="a14">
+          <p:sp>
+            <p:nvSpPr>
+              <p:cNvPr id="245" name="TextBox 244"/>
+              <p:cNvSpPr txBox="1"/>
+              <p:nvPr/>
+            </p:nvSpPr>
+            <p:spPr>
+              <a:xfrm>
+                <a:off x="640588" y="3028125"/>
+                <a:ext cx="246478" cy="184666"/>
+              </a:xfrm>
+              <a:prstGeom prst="rect">
+                <a:avLst/>
+              </a:prstGeom>
+              <a:noFill/>
+            </p:spPr>
+            <p:txBody>
+              <a:bodyPr wrap="none" lIns="0" tIns="0" rIns="0" bIns="0" rtlCol="0">
+                <a:spAutoFit/>
+              </a:bodyPr>
+              <a:lstStyle/>
+              <a:p>
+                <a14:m>
+                  <m:oMathPara xmlns:m="http://schemas.openxmlformats.org/officeDocument/2006/math">
+                    <m:oMathParaPr>
+                      <m:jc m:val="centerGroup"/>
+                    </m:oMathParaPr>
+                    <m:oMath xmlns:m="http://schemas.openxmlformats.org/officeDocument/2006/math">
+                      <m:sSub>
+                        <m:sSubPr>
+                          <m:ctrlPr>
+                            <a:rPr lang="en-US" sz="1200" smtClean="0">
+                              <a:latin typeface="Cambria Math" panose="02040503050406030204" pitchFamily="18" charset="0"/>
+                            </a:rPr>
+                          </m:ctrlPr>
+                        </m:sSubPr>
+                        <m:e>
+                          <m:r>
+                            <m:rPr>
+                              <m:sty m:val="p"/>
+                            </m:rPr>
+                            <a:rPr lang="en-US" sz="1200" b="0" i="0" smtClean="0">
+                              <a:latin typeface="Cambria Math" panose="02040503050406030204" pitchFamily="18" charset="0"/>
+                            </a:rPr>
+                            <m:t>S</m:t>
+                          </m:r>
+                        </m:e>
+                        <m:sub>
+                          <m:r>
+                            <a:rPr lang="en-US" sz="1200" b="0" i="0" smtClean="0">
+                              <a:latin typeface="Cambria Math" panose="02040503050406030204" pitchFamily="18" charset="0"/>
+                            </a:rPr>
+                            <m:t>11</m:t>
+                          </m:r>
+                        </m:sub>
+                      </m:sSub>
+                    </m:oMath>
+                  </m:oMathPara>
+                </a14:m>
+                <a:endParaRPr lang="en-US" sz="1200" dirty="0"/>
+              </a:p>
+            </p:txBody>
+          </p:sp>
+        </mc:Choice>
+        <mc:Fallback>
+          <p:sp>
+            <p:nvSpPr>
+              <p:cNvPr id="245" name="TextBox 244"/>
+              <p:cNvSpPr txBox="1">
+                <a:spLocks noRot="1" noChangeAspect="1" noMove="1" noResize="1" noEditPoints="1" noAdjustHandles="1" noChangeArrowheads="1" noChangeShapeType="1" noTextEdit="1"/>
+              </p:cNvSpPr>
+              <p:nvPr/>
+            </p:nvSpPr>
+            <p:spPr>
+              <a:xfrm>
+                <a:off x="640588" y="3028125"/>
+                <a:ext cx="246478" cy="184666"/>
+              </a:xfrm>
+              <a:prstGeom prst="rect">
+                <a:avLst/>
+              </a:prstGeom>
+              <a:blipFill>
+                <a:blip r:embed="rId12"/>
+                <a:stretch>
+                  <a:fillRect l="-14634" b="-13333"/>
                 </a:stretch>
               </a:blipFill>
             </p:spPr>

--- a/doc/tex/sdf/simplified_coherent_receiver/figures/Simulation_setup_Tx.pptx
+++ b/doc/tex/sdf/simplified_coherent_receiver/figures/Simulation_setup_Tx.pptx
@@ -243,7 +243,7 @@
           <a:p>
             <a:fld id="{2680F75E-BF8A-4352-8DF2-5712531B63DB}" type="datetimeFigureOut">
               <a:rPr lang="pt-PT" smtClean="0"/>
-              <a:t>18/10/2017</a:t>
+              <a:t>23/10/2017</a:t>
             </a:fld>
             <a:endParaRPr lang="pt-PT"/>
           </a:p>
@@ -413,7 +413,7 @@
           <a:p>
             <a:fld id="{2680F75E-BF8A-4352-8DF2-5712531B63DB}" type="datetimeFigureOut">
               <a:rPr lang="pt-PT" smtClean="0"/>
-              <a:t>18/10/2017</a:t>
+              <a:t>23/10/2017</a:t>
             </a:fld>
             <a:endParaRPr lang="pt-PT"/>
           </a:p>
@@ -593,7 +593,7 @@
           <a:p>
             <a:fld id="{2680F75E-BF8A-4352-8DF2-5712531B63DB}" type="datetimeFigureOut">
               <a:rPr lang="pt-PT" smtClean="0"/>
-              <a:t>18/10/2017</a:t>
+              <a:t>23/10/2017</a:t>
             </a:fld>
             <a:endParaRPr lang="pt-PT"/>
           </a:p>
@@ -763,7 +763,7 @@
           <a:p>
             <a:fld id="{2680F75E-BF8A-4352-8DF2-5712531B63DB}" type="datetimeFigureOut">
               <a:rPr lang="pt-PT" smtClean="0"/>
-              <a:t>18/10/2017</a:t>
+              <a:t>23/10/2017</a:t>
             </a:fld>
             <a:endParaRPr lang="pt-PT"/>
           </a:p>
@@ -1009,7 +1009,7 @@
           <a:p>
             <a:fld id="{2680F75E-BF8A-4352-8DF2-5712531B63DB}" type="datetimeFigureOut">
               <a:rPr lang="pt-PT" smtClean="0"/>
-              <a:t>18/10/2017</a:t>
+              <a:t>23/10/2017</a:t>
             </a:fld>
             <a:endParaRPr lang="pt-PT"/>
           </a:p>
@@ -1241,7 +1241,7 @@
           <a:p>
             <a:fld id="{2680F75E-BF8A-4352-8DF2-5712531B63DB}" type="datetimeFigureOut">
               <a:rPr lang="pt-PT" smtClean="0"/>
-              <a:t>18/10/2017</a:t>
+              <a:t>23/10/2017</a:t>
             </a:fld>
             <a:endParaRPr lang="pt-PT"/>
           </a:p>
@@ -1608,7 +1608,7 @@
           <a:p>
             <a:fld id="{2680F75E-BF8A-4352-8DF2-5712531B63DB}" type="datetimeFigureOut">
               <a:rPr lang="pt-PT" smtClean="0"/>
-              <a:t>18/10/2017</a:t>
+              <a:t>23/10/2017</a:t>
             </a:fld>
             <a:endParaRPr lang="pt-PT"/>
           </a:p>
@@ -1726,7 +1726,7 @@
           <a:p>
             <a:fld id="{2680F75E-BF8A-4352-8DF2-5712531B63DB}" type="datetimeFigureOut">
               <a:rPr lang="pt-PT" smtClean="0"/>
-              <a:t>18/10/2017</a:t>
+              <a:t>23/10/2017</a:t>
             </a:fld>
             <a:endParaRPr lang="pt-PT"/>
           </a:p>
@@ -1821,7 +1821,7 @@
           <a:p>
             <a:fld id="{2680F75E-BF8A-4352-8DF2-5712531B63DB}" type="datetimeFigureOut">
               <a:rPr lang="pt-PT" smtClean="0"/>
-              <a:t>18/10/2017</a:t>
+              <a:t>23/10/2017</a:t>
             </a:fld>
             <a:endParaRPr lang="pt-PT"/>
           </a:p>
@@ -2098,7 +2098,7 @@
           <a:p>
             <a:fld id="{2680F75E-BF8A-4352-8DF2-5712531B63DB}" type="datetimeFigureOut">
               <a:rPr lang="pt-PT" smtClean="0"/>
-              <a:t>18/10/2017</a:t>
+              <a:t>23/10/2017</a:t>
             </a:fld>
             <a:endParaRPr lang="pt-PT"/>
           </a:p>
@@ -2351,7 +2351,7 @@
           <a:p>
             <a:fld id="{2680F75E-BF8A-4352-8DF2-5712531B63DB}" type="datetimeFigureOut">
               <a:rPr lang="pt-PT" smtClean="0"/>
-              <a:t>18/10/2017</a:t>
+              <a:t>23/10/2017</a:t>
             </a:fld>
             <a:endParaRPr lang="pt-PT"/>
           </a:p>
@@ -2564,7 +2564,7 @@
           <a:p>
             <a:fld id="{2680F75E-BF8A-4352-8DF2-5712531B63DB}" type="datetimeFigureOut">
               <a:rPr lang="pt-PT" smtClean="0"/>
-              <a:t>18/10/2017</a:t>
+              <a:t>23/10/2017</a:t>
             </a:fld>
             <a:endParaRPr lang="pt-PT"/>
           </a:p>
@@ -2969,694 +2969,1820 @@
           <a:chExt cx="0" cy="0"/>
         </a:xfrm>
       </p:grpSpPr>
-      <p:sp>
-        <p:nvSpPr>
-          <p:cNvPr id="155" name="Rounded Rectangle 154"/>
-          <p:cNvSpPr/>
-          <p:nvPr/>
-        </p:nvSpPr>
-        <p:spPr>
-          <a:xfrm>
-            <a:off x="2962059" y="2270759"/>
-            <a:ext cx="1094933" cy="739140"/>
-          </a:xfrm>
-          <a:prstGeom prst="roundRect">
-            <a:avLst/>
-          </a:prstGeom>
-          <a:ln w="19050"/>
-        </p:spPr>
-        <p:style>
-          <a:lnRef idx="2">
-            <a:schemeClr val="dk1"/>
-          </a:lnRef>
-          <a:fillRef idx="1">
-            <a:schemeClr val="lt1"/>
-          </a:fillRef>
-          <a:effectRef idx="0">
-            <a:schemeClr val="dk1"/>
-          </a:effectRef>
-          <a:fontRef idx="minor">
-            <a:schemeClr val="dk1"/>
-          </a:fontRef>
-        </p:style>
-        <p:txBody>
-          <a:bodyPr rtlCol="0" anchor="ctr"/>
-          <a:lstStyle/>
-          <a:p>
-            <a:pPr algn="ctr"/>
-            <a:r>
-              <a:rPr lang="en-US" sz="1200" dirty="0"/>
-              <a:t>Discrete to</a:t>
-            </a:r>
-          </a:p>
-          <a:p>
-            <a:pPr algn="ctr"/>
-            <a:r>
-              <a:rPr lang="en-US" sz="1200" dirty="0"/>
-              <a:t>Continuous</a:t>
-            </a:r>
-          </a:p>
-          <a:p>
-            <a:pPr algn="ctr"/>
-            <a:r>
-              <a:rPr lang="en-US" sz="1200" dirty="0" smtClean="0"/>
-              <a:t>Time</a:t>
-            </a:r>
-            <a:endParaRPr lang="en-US" sz="1200" dirty="0"/>
-          </a:p>
-        </p:txBody>
-      </p:sp>
-      <p:sp>
-        <p:nvSpPr>
-          <p:cNvPr id="169" name="Rounded Rectangle 168"/>
-          <p:cNvSpPr/>
-          <p:nvPr/>
-        </p:nvSpPr>
-        <p:spPr>
-          <a:xfrm>
-            <a:off x="4421513" y="2270758"/>
-            <a:ext cx="1094933" cy="739140"/>
-          </a:xfrm>
-          <a:prstGeom prst="roundRect">
-            <a:avLst/>
-          </a:prstGeom>
-          <a:ln w="19050"/>
-        </p:spPr>
-        <p:style>
-          <a:lnRef idx="2">
-            <a:schemeClr val="dk1"/>
-          </a:lnRef>
-          <a:fillRef idx="1">
-            <a:schemeClr val="lt1"/>
-          </a:fillRef>
-          <a:effectRef idx="0">
-            <a:schemeClr val="dk1"/>
-          </a:effectRef>
-          <a:fontRef idx="minor">
-            <a:schemeClr val="dk1"/>
-          </a:fontRef>
-        </p:style>
-        <p:txBody>
-          <a:bodyPr rtlCol="0" anchor="ctr"/>
-          <a:lstStyle/>
-          <a:p>
-            <a:pPr algn="ctr"/>
-            <a:r>
-              <a:rPr lang="en-US" sz="1200" dirty="0"/>
-              <a:t>Pulse Shaping </a:t>
-            </a:r>
-            <a:r>
-              <a:rPr lang="en-US" sz="1200" dirty="0" smtClean="0"/>
-              <a:t>Filter</a:t>
-            </a:r>
-            <a:endParaRPr lang="en-US" sz="1200" dirty="0"/>
-          </a:p>
-        </p:txBody>
-      </p:sp>
-      <p:sp>
-        <p:nvSpPr>
-          <p:cNvPr id="172" name="Rounded Rectangle 171"/>
-          <p:cNvSpPr/>
-          <p:nvPr/>
-        </p:nvSpPr>
-        <p:spPr>
-          <a:xfrm>
-            <a:off x="5880967" y="2270757"/>
-            <a:ext cx="1094933" cy="739141"/>
-          </a:xfrm>
-          <a:prstGeom prst="roundRect">
-            <a:avLst/>
-          </a:prstGeom>
-          <a:ln w="19050"/>
-        </p:spPr>
-        <p:style>
-          <a:lnRef idx="2">
-            <a:schemeClr val="dk1"/>
-          </a:lnRef>
-          <a:fillRef idx="1">
-            <a:schemeClr val="lt1"/>
-          </a:fillRef>
-          <a:effectRef idx="0">
-            <a:schemeClr val="dk1"/>
-          </a:effectRef>
-          <a:fontRef idx="minor">
-            <a:schemeClr val="dk1"/>
-          </a:fontRef>
-        </p:style>
-        <p:txBody>
-          <a:bodyPr rtlCol="0" anchor="ctr"/>
-          <a:lstStyle/>
-          <a:p>
-            <a:pPr algn="ctr"/>
-            <a:r>
-              <a:rPr lang="en-US" sz="1200" dirty="0" smtClean="0"/>
-              <a:t>Mixer</a:t>
-            </a:r>
-            <a:endParaRPr lang="en-US" sz="1200" dirty="0"/>
-          </a:p>
-        </p:txBody>
-      </p:sp>
-      <p:sp>
-        <p:nvSpPr>
-          <p:cNvPr id="173" name="Rounded Rectangle 172"/>
-          <p:cNvSpPr/>
-          <p:nvPr/>
-        </p:nvSpPr>
-        <p:spPr>
-          <a:xfrm>
-            <a:off x="5880966" y="1180614"/>
-            <a:ext cx="1094933" cy="739140"/>
-          </a:xfrm>
-          <a:prstGeom prst="roundRect">
-            <a:avLst/>
-          </a:prstGeom>
-          <a:ln w="19050"/>
-        </p:spPr>
-        <p:style>
-          <a:lnRef idx="2">
-            <a:schemeClr val="dk1"/>
-          </a:lnRef>
-          <a:fillRef idx="1">
-            <a:schemeClr val="lt1"/>
-          </a:fillRef>
-          <a:effectRef idx="0">
-            <a:schemeClr val="dk1"/>
-          </a:effectRef>
-          <a:fontRef idx="minor">
-            <a:schemeClr val="dk1"/>
-          </a:fontRef>
-        </p:style>
-        <p:txBody>
-          <a:bodyPr rtlCol="0" anchor="ctr"/>
-          <a:lstStyle/>
-          <a:p>
-            <a:pPr algn="ctr"/>
-            <a:r>
-              <a:rPr lang="en-US" sz="1200" dirty="0" smtClean="0"/>
-              <a:t>Oscillator</a:t>
-            </a:r>
-            <a:endParaRPr lang="en-US" sz="1200" dirty="0"/>
-          </a:p>
-        </p:txBody>
-      </p:sp>
-      <p:sp>
-        <p:nvSpPr>
-          <p:cNvPr id="174" name="Rounded Rectangle 173"/>
-          <p:cNvSpPr/>
-          <p:nvPr/>
-        </p:nvSpPr>
-        <p:spPr>
-          <a:xfrm>
-            <a:off x="7340421" y="2270757"/>
-            <a:ext cx="1094933" cy="739141"/>
-          </a:xfrm>
-          <a:prstGeom prst="roundRect">
-            <a:avLst/>
-          </a:prstGeom>
-          <a:ln w="19050"/>
-        </p:spPr>
-        <p:style>
-          <a:lnRef idx="2">
-            <a:schemeClr val="dk1"/>
-          </a:lnRef>
-          <a:fillRef idx="1">
-            <a:schemeClr val="lt1"/>
-          </a:fillRef>
-          <a:effectRef idx="0">
-            <a:schemeClr val="dk1"/>
-          </a:effectRef>
-          <a:fontRef idx="minor">
-            <a:schemeClr val="dk1"/>
-          </a:fontRef>
-        </p:style>
-        <p:txBody>
-          <a:bodyPr rtlCol="0" anchor="ctr"/>
-          <a:lstStyle/>
-          <a:p>
-            <a:pPr algn="ctr"/>
-            <a:r>
-              <a:rPr lang="en-US" sz="1200" dirty="0" smtClean="0"/>
-              <a:t>Fork</a:t>
-            </a:r>
-            <a:endParaRPr lang="en-US" sz="1200" dirty="0"/>
-          </a:p>
-        </p:txBody>
-      </p:sp>
-      <p:sp>
-        <p:nvSpPr>
-          <p:cNvPr id="177" name="Rounded Rectangle 176"/>
-          <p:cNvSpPr/>
-          <p:nvPr/>
-        </p:nvSpPr>
-        <p:spPr>
-          <a:xfrm>
-            <a:off x="1502567" y="2270758"/>
-            <a:ext cx="1094933" cy="739140"/>
-          </a:xfrm>
-          <a:prstGeom prst="roundRect">
-            <a:avLst/>
-          </a:prstGeom>
-          <a:ln w="19050"/>
-        </p:spPr>
-        <p:style>
-          <a:lnRef idx="2">
-            <a:schemeClr val="dk1"/>
-          </a:lnRef>
-          <a:fillRef idx="1">
-            <a:schemeClr val="lt1"/>
-          </a:fillRef>
-          <a:effectRef idx="0">
-            <a:schemeClr val="dk1"/>
-          </a:effectRef>
-          <a:fontRef idx="minor">
-            <a:schemeClr val="dk1"/>
-          </a:fontRef>
-        </p:style>
-        <p:txBody>
-          <a:bodyPr rtlCol="0" anchor="ctr"/>
-          <a:lstStyle/>
-          <a:p>
-            <a:pPr algn="ctr"/>
-            <a:r>
-              <a:rPr lang="en-US" sz="1200" dirty="0" smtClean="0"/>
-              <a:t>MPAM Mapping</a:t>
-            </a:r>
-            <a:endParaRPr lang="en-US" sz="1200" dirty="0"/>
-          </a:p>
-        </p:txBody>
-      </p:sp>
-      <p:sp>
-        <p:nvSpPr>
-          <p:cNvPr id="178" name="Rounded Rectangle 177"/>
-          <p:cNvSpPr/>
-          <p:nvPr/>
-        </p:nvSpPr>
-        <p:spPr>
-          <a:xfrm>
-            <a:off x="43094" y="2270758"/>
-            <a:ext cx="1094933" cy="739140"/>
-          </a:xfrm>
-          <a:prstGeom prst="roundRect">
-            <a:avLst/>
-          </a:prstGeom>
-          <a:ln w="19050"/>
-        </p:spPr>
-        <p:style>
-          <a:lnRef idx="2">
-            <a:schemeClr val="dk1"/>
-          </a:lnRef>
-          <a:fillRef idx="1">
-            <a:schemeClr val="lt1"/>
-          </a:fillRef>
-          <a:effectRef idx="0">
-            <a:schemeClr val="dk1"/>
-          </a:effectRef>
-          <a:fontRef idx="minor">
-            <a:schemeClr val="dk1"/>
-          </a:fontRef>
-        </p:style>
-        <p:txBody>
-          <a:bodyPr rtlCol="0" anchor="ctr"/>
-          <a:lstStyle/>
-          <a:p>
-            <a:pPr algn="ctr"/>
-            <a:r>
-              <a:rPr lang="en-US" sz="1200" dirty="0" smtClean="0"/>
-              <a:t>Binary Sequence</a:t>
-            </a:r>
-            <a:endParaRPr lang="en-US" sz="1200" dirty="0"/>
-          </a:p>
-        </p:txBody>
-      </p:sp>
-      <p:cxnSp>
-        <p:nvCxnSpPr>
-          <p:cNvPr id="159" name="Straight Arrow Connector 158"/>
-          <p:cNvCxnSpPr>
-            <a:stCxn id="178" idx="3"/>
-            <a:endCxn id="177" idx="1"/>
-          </p:cNvCxnSpPr>
-          <p:nvPr/>
-        </p:nvCxnSpPr>
-        <p:spPr>
-          <a:xfrm>
-            <a:off x="1138027" y="2640328"/>
-            <a:ext cx="364540" cy="0"/>
-          </a:xfrm>
-          <a:prstGeom prst="straightConnector1">
-            <a:avLst/>
-          </a:prstGeom>
-          <a:ln w="19050">
-            <a:tailEnd type="triangle"/>
-          </a:ln>
-        </p:spPr>
-        <p:style>
-          <a:lnRef idx="1">
-            <a:schemeClr val="dk1"/>
-          </a:lnRef>
-          <a:fillRef idx="0">
-            <a:schemeClr val="dk1"/>
-          </a:fillRef>
-          <a:effectRef idx="0">
-            <a:schemeClr val="dk1"/>
-          </a:effectRef>
-          <a:fontRef idx="minor">
-            <a:schemeClr val="tx1"/>
-          </a:fontRef>
-        </p:style>
-      </p:cxnSp>
-      <p:cxnSp>
-        <p:nvCxnSpPr>
-          <p:cNvPr id="184" name="Straight Arrow Connector 183"/>
-          <p:cNvCxnSpPr>
-            <a:stCxn id="177" idx="3"/>
-            <a:endCxn id="155" idx="1"/>
-          </p:cNvCxnSpPr>
-          <p:nvPr/>
-        </p:nvCxnSpPr>
-        <p:spPr>
-          <a:xfrm>
-            <a:off x="2597500" y="2640328"/>
-            <a:ext cx="364559" cy="1"/>
-          </a:xfrm>
-          <a:prstGeom prst="straightConnector1">
-            <a:avLst/>
-          </a:prstGeom>
-          <a:ln w="19050">
-            <a:tailEnd type="triangle"/>
-          </a:ln>
-        </p:spPr>
-        <p:style>
-          <a:lnRef idx="1">
-            <a:schemeClr val="dk1"/>
-          </a:lnRef>
-          <a:fillRef idx="0">
-            <a:schemeClr val="dk1"/>
-          </a:fillRef>
-          <a:effectRef idx="0">
-            <a:schemeClr val="dk1"/>
-          </a:effectRef>
-          <a:fontRef idx="minor">
-            <a:schemeClr val="tx1"/>
-          </a:fontRef>
-        </p:style>
-      </p:cxnSp>
-      <p:cxnSp>
-        <p:nvCxnSpPr>
-          <p:cNvPr id="185" name="Straight Arrow Connector 184"/>
-          <p:cNvCxnSpPr>
-            <a:stCxn id="155" idx="3"/>
-            <a:endCxn id="169" idx="1"/>
-          </p:cNvCxnSpPr>
-          <p:nvPr/>
-        </p:nvCxnSpPr>
-        <p:spPr>
-          <a:xfrm flipV="1">
-            <a:off x="4056992" y="2640328"/>
-            <a:ext cx="364521" cy="1"/>
-          </a:xfrm>
-          <a:prstGeom prst="straightConnector1">
-            <a:avLst/>
-          </a:prstGeom>
-          <a:ln w="19050">
-            <a:tailEnd type="triangle"/>
-          </a:ln>
-        </p:spPr>
-        <p:style>
-          <a:lnRef idx="1">
-            <a:schemeClr val="dk1"/>
-          </a:lnRef>
-          <a:fillRef idx="0">
-            <a:schemeClr val="dk1"/>
-          </a:fillRef>
-          <a:effectRef idx="0">
-            <a:schemeClr val="dk1"/>
-          </a:effectRef>
-          <a:fontRef idx="minor">
-            <a:schemeClr val="tx1"/>
-          </a:fontRef>
-        </p:style>
-      </p:cxnSp>
-      <p:cxnSp>
-        <p:nvCxnSpPr>
-          <p:cNvPr id="193" name="Straight Arrow Connector 192"/>
-          <p:cNvCxnSpPr>
-            <a:stCxn id="169" idx="3"/>
-            <a:endCxn id="172" idx="1"/>
-          </p:cNvCxnSpPr>
-          <p:nvPr/>
-        </p:nvCxnSpPr>
-        <p:spPr>
-          <a:xfrm>
-            <a:off x="5516446" y="2640328"/>
-            <a:ext cx="364521" cy="0"/>
-          </a:xfrm>
-          <a:prstGeom prst="straightConnector1">
-            <a:avLst/>
-          </a:prstGeom>
-          <a:ln w="19050">
-            <a:tailEnd type="triangle"/>
-          </a:ln>
-        </p:spPr>
-        <p:style>
-          <a:lnRef idx="1">
-            <a:schemeClr val="dk1"/>
-          </a:lnRef>
-          <a:fillRef idx="0">
-            <a:schemeClr val="dk1"/>
-          </a:fillRef>
-          <a:effectRef idx="0">
-            <a:schemeClr val="dk1"/>
-          </a:effectRef>
-          <a:fontRef idx="minor">
-            <a:schemeClr val="tx1"/>
-          </a:fontRef>
-        </p:style>
-      </p:cxnSp>
-      <p:cxnSp>
-        <p:nvCxnSpPr>
-          <p:cNvPr id="197" name="Straight Arrow Connector 196"/>
-          <p:cNvCxnSpPr>
-            <a:stCxn id="172" idx="3"/>
-            <a:endCxn id="174" idx="1"/>
-          </p:cNvCxnSpPr>
-          <p:nvPr/>
-        </p:nvCxnSpPr>
-        <p:spPr>
-          <a:xfrm>
-            <a:off x="6975900" y="2640328"/>
-            <a:ext cx="364521" cy="0"/>
-          </a:xfrm>
-          <a:prstGeom prst="straightConnector1">
-            <a:avLst/>
-          </a:prstGeom>
-          <a:ln w="19050">
-            <a:tailEnd type="triangle"/>
-          </a:ln>
-        </p:spPr>
-        <p:style>
-          <a:lnRef idx="1">
-            <a:schemeClr val="dk1"/>
-          </a:lnRef>
-          <a:fillRef idx="0">
-            <a:schemeClr val="dk1"/>
-          </a:fillRef>
-          <a:effectRef idx="0">
-            <a:schemeClr val="dk1"/>
-          </a:effectRef>
-          <a:fontRef idx="minor">
-            <a:schemeClr val="tx1"/>
-          </a:fontRef>
-        </p:style>
-      </p:cxnSp>
-      <p:cxnSp>
-        <p:nvCxnSpPr>
-          <p:cNvPr id="199" name="Straight Arrow Connector 198"/>
-          <p:cNvCxnSpPr>
-            <a:stCxn id="173" idx="2"/>
-            <a:endCxn id="172" idx="0"/>
-          </p:cNvCxnSpPr>
-          <p:nvPr/>
-        </p:nvCxnSpPr>
-        <p:spPr>
-          <a:xfrm>
-            <a:off x="6428433" y="1919754"/>
-            <a:ext cx="1" cy="351003"/>
-          </a:xfrm>
-          <a:prstGeom prst="straightConnector1">
-            <a:avLst/>
-          </a:prstGeom>
-          <a:ln w="19050">
-            <a:tailEnd type="triangle"/>
-          </a:ln>
-        </p:spPr>
-        <p:style>
-          <a:lnRef idx="1">
-            <a:schemeClr val="dk1"/>
-          </a:lnRef>
-          <a:fillRef idx="0">
-            <a:schemeClr val="dk1"/>
-          </a:fillRef>
-          <a:effectRef idx="0">
-            <a:schemeClr val="dk1"/>
-          </a:effectRef>
-          <a:fontRef idx="minor">
-            <a:schemeClr val="tx1"/>
-          </a:fontRef>
-        </p:style>
-      </p:cxnSp>
-      <p:sp>
-        <p:nvSpPr>
-          <p:cNvPr id="202" name="Rounded Rectangle 201"/>
-          <p:cNvSpPr/>
-          <p:nvPr/>
-        </p:nvSpPr>
-        <p:spPr>
-          <a:xfrm>
-            <a:off x="8910138" y="3386739"/>
-            <a:ext cx="1094933" cy="739141"/>
-          </a:xfrm>
-          <a:prstGeom prst="roundRect">
-            <a:avLst/>
-          </a:prstGeom>
-          <a:ln w="19050"/>
-        </p:spPr>
-        <p:style>
-          <a:lnRef idx="2">
-            <a:schemeClr val="dk1"/>
-          </a:lnRef>
-          <a:fillRef idx="1">
-            <a:schemeClr val="lt1"/>
-          </a:fillRef>
-          <a:effectRef idx="0">
-            <a:schemeClr val="dk1"/>
-          </a:effectRef>
-          <a:fontRef idx="minor">
-            <a:schemeClr val="dk1"/>
-          </a:fontRef>
-        </p:style>
-        <p:txBody>
-          <a:bodyPr rtlCol="0" anchor="ctr"/>
-          <a:lstStyle/>
-          <a:p>
-            <a:pPr algn="ctr"/>
-            <a:r>
-              <a:rPr lang="en-US" sz="1200" dirty="0"/>
-              <a:t>Hilbert </a:t>
-            </a:r>
-            <a:r>
-              <a:rPr lang="en-US" sz="1200" dirty="0" smtClean="0"/>
-              <a:t>Transform</a:t>
-            </a:r>
-            <a:endParaRPr lang="en-US" sz="1200" dirty="0"/>
-          </a:p>
-        </p:txBody>
-      </p:sp>
-      <p:sp>
-        <p:nvSpPr>
-          <p:cNvPr id="203" name="Rounded Rectangle 202"/>
-          <p:cNvSpPr/>
-          <p:nvPr/>
-        </p:nvSpPr>
-        <p:spPr>
-          <a:xfrm>
-            <a:off x="10515173" y="2270757"/>
-            <a:ext cx="1094933" cy="739141"/>
-          </a:xfrm>
-          <a:prstGeom prst="roundRect">
-            <a:avLst/>
-          </a:prstGeom>
-          <a:ln w="19050"/>
-        </p:spPr>
-        <p:style>
-          <a:lnRef idx="2">
-            <a:schemeClr val="dk1"/>
-          </a:lnRef>
-          <a:fillRef idx="1">
-            <a:schemeClr val="lt1"/>
-          </a:fillRef>
-          <a:effectRef idx="0">
-            <a:schemeClr val="dk1"/>
-          </a:effectRef>
-          <a:fontRef idx="minor">
-            <a:schemeClr val="dk1"/>
-          </a:fontRef>
-        </p:style>
-        <p:txBody>
-          <a:bodyPr rtlCol="0" anchor="ctr"/>
-          <a:lstStyle/>
-          <a:p>
-            <a:pPr algn="ctr"/>
-            <a:r>
-              <a:rPr lang="en-US" sz="1200" dirty="0"/>
-              <a:t>IQ </a:t>
-            </a:r>
-            <a:r>
-              <a:rPr lang="en-US" sz="1200" dirty="0" smtClean="0"/>
-              <a:t>Modulator</a:t>
-            </a:r>
-            <a:endParaRPr lang="en-US" sz="1200" dirty="0"/>
-          </a:p>
-        </p:txBody>
-      </p:sp>
-      <p:cxnSp>
-        <p:nvCxnSpPr>
-          <p:cNvPr id="206" name="Straight Arrow Connector 205"/>
-          <p:cNvCxnSpPr/>
-          <p:nvPr/>
-        </p:nvCxnSpPr>
-        <p:spPr>
-          <a:xfrm>
-            <a:off x="8435354" y="2468880"/>
-            <a:ext cx="2079819" cy="0"/>
-          </a:xfrm>
-          <a:prstGeom prst="straightConnector1">
-            <a:avLst/>
-          </a:prstGeom>
-          <a:ln w="19050">
-            <a:tailEnd type="triangle"/>
-          </a:ln>
-        </p:spPr>
-        <p:style>
-          <a:lnRef idx="1">
-            <a:schemeClr val="dk1"/>
-          </a:lnRef>
-          <a:fillRef idx="0">
-            <a:schemeClr val="dk1"/>
-          </a:fillRef>
-          <a:effectRef idx="0">
-            <a:schemeClr val="dk1"/>
-          </a:effectRef>
-          <a:fontRef idx="minor">
-            <a:schemeClr val="tx1"/>
-          </a:fontRef>
-        </p:style>
-      </p:cxnSp>
       <p:grpSp>
         <p:nvGrpSpPr>
-          <p:cNvPr id="221" name="Group 220"/>
+          <p:cNvPr id="74" name="Group 73"/>
           <p:cNvGrpSpPr/>
           <p:nvPr/>
         </p:nvGrpSpPr>
         <p:grpSpPr>
           <a:xfrm>
-            <a:off x="8435354" y="2800522"/>
-            <a:ext cx="474783" cy="955788"/>
-            <a:chOff x="8435354" y="2800522"/>
-            <a:chExt cx="474783" cy="955788"/>
+            <a:off x="1446414" y="772785"/>
+            <a:ext cx="9345509" cy="5050966"/>
+            <a:chOff x="1819277" y="1704940"/>
+            <a:chExt cx="7049147" cy="3974293"/>
           </a:xfrm>
         </p:grpSpPr>
+        <p:sp>
+          <p:nvSpPr>
+            <p:cNvPr id="155" name="Rounded Rectangle 154"/>
+            <p:cNvSpPr/>
+            <p:nvPr/>
+          </p:nvSpPr>
+          <p:spPr>
+            <a:xfrm>
+              <a:off x="5456130" y="1704941"/>
+              <a:ext cx="1364220" cy="914466"/>
+            </a:xfrm>
+            <a:prstGeom prst="roundRect">
+              <a:avLst/>
+            </a:prstGeom>
+            <a:ln w="19050"/>
+          </p:spPr>
+          <p:style>
+            <a:lnRef idx="2">
+              <a:schemeClr val="dk1"/>
+            </a:lnRef>
+            <a:fillRef idx="1">
+              <a:schemeClr val="lt1"/>
+            </a:fillRef>
+            <a:effectRef idx="0">
+              <a:schemeClr val="dk1"/>
+            </a:effectRef>
+            <a:fontRef idx="minor">
+              <a:schemeClr val="dk1"/>
+            </a:fontRef>
+          </p:style>
+          <p:txBody>
+            <a:bodyPr rtlCol="0" anchor="ctr"/>
+            <a:lstStyle/>
+            <a:p>
+              <a:pPr algn="ctr"/>
+              <a:r>
+                <a:rPr lang="en-US" sz="1200" dirty="0"/>
+                <a:t>Discrete to</a:t>
+              </a:r>
+            </a:p>
+            <a:p>
+              <a:pPr algn="ctr"/>
+              <a:r>
+                <a:rPr lang="en-US" sz="1200" dirty="0"/>
+                <a:t>Continuous</a:t>
+              </a:r>
+            </a:p>
+            <a:p>
+              <a:pPr algn="ctr"/>
+              <a:r>
+                <a:rPr lang="en-US" sz="1200" dirty="0" smtClean="0"/>
+                <a:t>Time</a:t>
+              </a:r>
+              <a:endParaRPr lang="en-US" sz="1200" dirty="0"/>
+            </a:p>
+          </p:txBody>
+        </p:sp>
+        <p:sp>
+          <p:nvSpPr>
+            <p:cNvPr id="169" name="Rounded Rectangle 168"/>
+            <p:cNvSpPr/>
+            <p:nvPr/>
+          </p:nvSpPr>
+          <p:spPr>
+            <a:xfrm>
+              <a:off x="7274521" y="1704940"/>
+              <a:ext cx="1364220" cy="914466"/>
+            </a:xfrm>
+            <a:prstGeom prst="roundRect">
+              <a:avLst/>
+            </a:prstGeom>
+            <a:ln w="19050"/>
+          </p:spPr>
+          <p:style>
+            <a:lnRef idx="2">
+              <a:schemeClr val="dk1"/>
+            </a:lnRef>
+            <a:fillRef idx="1">
+              <a:schemeClr val="lt1"/>
+            </a:fillRef>
+            <a:effectRef idx="0">
+              <a:schemeClr val="dk1"/>
+            </a:effectRef>
+            <a:fontRef idx="minor">
+              <a:schemeClr val="dk1"/>
+            </a:fontRef>
+          </p:style>
+          <p:txBody>
+            <a:bodyPr rtlCol="0" anchor="ctr"/>
+            <a:lstStyle/>
+            <a:p>
+              <a:pPr algn="ctr"/>
+              <a:r>
+                <a:rPr lang="en-US" sz="1200" dirty="0"/>
+                <a:t>Pulse Shaping </a:t>
+              </a:r>
+              <a:r>
+                <a:rPr lang="en-US" sz="1200" dirty="0" smtClean="0"/>
+                <a:t>Filter</a:t>
+              </a:r>
+              <a:endParaRPr lang="en-US" sz="1200" dirty="0"/>
+            </a:p>
+          </p:txBody>
+        </p:sp>
+        <p:sp>
+          <p:nvSpPr>
+            <p:cNvPr id="172" name="Rounded Rectangle 171"/>
+            <p:cNvSpPr/>
+            <p:nvPr/>
+          </p:nvSpPr>
+          <p:spPr>
+            <a:xfrm>
+              <a:off x="1819277" y="3393079"/>
+              <a:ext cx="1364220" cy="914467"/>
+            </a:xfrm>
+            <a:prstGeom prst="roundRect">
+              <a:avLst/>
+            </a:prstGeom>
+            <a:ln w="19050"/>
+          </p:spPr>
+          <p:style>
+            <a:lnRef idx="2">
+              <a:schemeClr val="dk1"/>
+            </a:lnRef>
+            <a:fillRef idx="1">
+              <a:schemeClr val="lt1"/>
+            </a:fillRef>
+            <a:effectRef idx="0">
+              <a:schemeClr val="dk1"/>
+            </a:effectRef>
+            <a:fontRef idx="minor">
+              <a:schemeClr val="dk1"/>
+            </a:fontRef>
+          </p:style>
+          <p:txBody>
+            <a:bodyPr rtlCol="0" anchor="ctr"/>
+            <a:lstStyle/>
+            <a:p>
+              <a:pPr algn="ctr"/>
+              <a:r>
+                <a:rPr lang="en-US" sz="1200" dirty="0" smtClean="0"/>
+                <a:t>Mixer</a:t>
+              </a:r>
+              <a:endParaRPr lang="en-US" sz="1200" dirty="0"/>
+            </a:p>
+          </p:txBody>
+        </p:sp>
+        <p:sp>
+          <p:nvSpPr>
+            <p:cNvPr id="173" name="Rounded Rectangle 172"/>
+            <p:cNvSpPr/>
+            <p:nvPr/>
+          </p:nvSpPr>
+          <p:spPr>
+            <a:xfrm>
+              <a:off x="1819277" y="4764766"/>
+              <a:ext cx="1364220" cy="914466"/>
+            </a:xfrm>
+            <a:prstGeom prst="roundRect">
+              <a:avLst/>
+            </a:prstGeom>
+            <a:ln w="19050"/>
+          </p:spPr>
+          <p:style>
+            <a:lnRef idx="2">
+              <a:schemeClr val="dk1"/>
+            </a:lnRef>
+            <a:fillRef idx="1">
+              <a:schemeClr val="lt1"/>
+            </a:fillRef>
+            <a:effectRef idx="0">
+              <a:schemeClr val="dk1"/>
+            </a:effectRef>
+            <a:fontRef idx="minor">
+              <a:schemeClr val="dk1"/>
+            </a:fontRef>
+          </p:style>
+          <p:txBody>
+            <a:bodyPr rtlCol="0" anchor="ctr"/>
+            <a:lstStyle/>
+            <a:p>
+              <a:pPr algn="ctr"/>
+              <a:r>
+                <a:rPr lang="en-US" sz="1200" dirty="0" smtClean="0"/>
+                <a:t>Oscillator</a:t>
+              </a:r>
+              <a:endParaRPr lang="en-US" sz="1200" dirty="0"/>
+            </a:p>
+          </p:txBody>
+        </p:sp>
+        <p:sp>
+          <p:nvSpPr>
+            <p:cNvPr id="177" name="Rounded Rectangle 176"/>
+            <p:cNvSpPr/>
+            <p:nvPr/>
+          </p:nvSpPr>
+          <p:spPr>
+            <a:xfrm>
+              <a:off x="3637692" y="1704940"/>
+              <a:ext cx="1364220" cy="914466"/>
+            </a:xfrm>
+            <a:prstGeom prst="roundRect">
+              <a:avLst/>
+            </a:prstGeom>
+            <a:ln w="19050"/>
+          </p:spPr>
+          <p:style>
+            <a:lnRef idx="2">
+              <a:schemeClr val="dk1"/>
+            </a:lnRef>
+            <a:fillRef idx="1">
+              <a:schemeClr val="lt1"/>
+            </a:fillRef>
+            <a:effectRef idx="0">
+              <a:schemeClr val="dk1"/>
+            </a:effectRef>
+            <a:fontRef idx="minor">
+              <a:schemeClr val="dk1"/>
+            </a:fontRef>
+          </p:style>
+          <p:txBody>
+            <a:bodyPr rtlCol="0" anchor="ctr"/>
+            <a:lstStyle/>
+            <a:p>
+              <a:pPr algn="ctr"/>
+              <a:r>
+                <a:rPr lang="en-US" sz="1200" dirty="0" smtClean="0"/>
+                <a:t>MPAM Mapping</a:t>
+              </a:r>
+              <a:endParaRPr lang="en-US" sz="1200" dirty="0"/>
+            </a:p>
+          </p:txBody>
+        </p:sp>
+        <p:sp>
+          <p:nvSpPr>
+            <p:cNvPr id="178" name="Rounded Rectangle 177"/>
+            <p:cNvSpPr/>
+            <p:nvPr/>
+          </p:nvSpPr>
+          <p:spPr>
+            <a:xfrm>
+              <a:off x="1819277" y="1704940"/>
+              <a:ext cx="1364220" cy="914466"/>
+            </a:xfrm>
+            <a:prstGeom prst="roundRect">
+              <a:avLst/>
+            </a:prstGeom>
+            <a:ln w="19050"/>
+          </p:spPr>
+          <p:style>
+            <a:lnRef idx="2">
+              <a:schemeClr val="dk1"/>
+            </a:lnRef>
+            <a:fillRef idx="1">
+              <a:schemeClr val="lt1"/>
+            </a:fillRef>
+            <a:effectRef idx="0">
+              <a:schemeClr val="dk1"/>
+            </a:effectRef>
+            <a:fontRef idx="minor">
+              <a:schemeClr val="dk1"/>
+            </a:fontRef>
+          </p:style>
+          <p:txBody>
+            <a:bodyPr rtlCol="0" anchor="ctr"/>
+            <a:lstStyle/>
+            <a:p>
+              <a:pPr algn="ctr"/>
+              <a:r>
+                <a:rPr lang="en-US" sz="1200" dirty="0" smtClean="0"/>
+                <a:t>Binary Sequence</a:t>
+              </a:r>
+              <a:endParaRPr lang="en-US" sz="1200" dirty="0"/>
+            </a:p>
+          </p:txBody>
+        </p:sp>
         <p:cxnSp>
           <p:nvCxnSpPr>
-            <p:cNvPr id="195" name="Elbow Connector 194"/>
+            <p:cNvPr id="159" name="Straight Arrow Connector 158"/>
             <p:cNvCxnSpPr>
-              <a:endCxn id="202" idx="1"/>
+              <a:stCxn id="178" idx="3"/>
+              <a:endCxn id="177" idx="1"/>
+            </p:cNvCxnSpPr>
+            <p:nvPr/>
+          </p:nvCxnSpPr>
+          <p:spPr>
+            <a:xfrm>
+              <a:off x="3183497" y="2162173"/>
+              <a:ext cx="454195" cy="0"/>
+            </a:xfrm>
+            <a:prstGeom prst="straightConnector1">
+              <a:avLst/>
+            </a:prstGeom>
+            <a:ln w="19050">
+              <a:tailEnd type="triangle"/>
+            </a:ln>
+          </p:spPr>
+          <p:style>
+            <a:lnRef idx="1">
+              <a:schemeClr val="dk1"/>
+            </a:lnRef>
+            <a:fillRef idx="0">
+              <a:schemeClr val="dk1"/>
+            </a:fillRef>
+            <a:effectRef idx="0">
+              <a:schemeClr val="dk1"/>
+            </a:effectRef>
+            <a:fontRef idx="minor">
+              <a:schemeClr val="tx1"/>
+            </a:fontRef>
+          </p:style>
+        </p:cxnSp>
+        <p:cxnSp>
+          <p:nvCxnSpPr>
+            <p:cNvPr id="184" name="Straight Arrow Connector 183"/>
+            <p:cNvCxnSpPr>
+              <a:stCxn id="177" idx="3"/>
+              <a:endCxn id="155" idx="1"/>
+            </p:cNvCxnSpPr>
+            <p:nvPr/>
+          </p:nvCxnSpPr>
+          <p:spPr>
+            <a:xfrm>
+              <a:off x="5001912" y="2162173"/>
+              <a:ext cx="454218" cy="1"/>
+            </a:xfrm>
+            <a:prstGeom prst="straightConnector1">
+              <a:avLst/>
+            </a:prstGeom>
+            <a:ln w="19050">
+              <a:tailEnd type="triangle"/>
+            </a:ln>
+          </p:spPr>
+          <p:style>
+            <a:lnRef idx="1">
+              <a:schemeClr val="dk1"/>
+            </a:lnRef>
+            <a:fillRef idx="0">
+              <a:schemeClr val="dk1"/>
+            </a:fillRef>
+            <a:effectRef idx="0">
+              <a:schemeClr val="dk1"/>
+            </a:effectRef>
+            <a:fontRef idx="minor">
+              <a:schemeClr val="tx1"/>
+            </a:fontRef>
+          </p:style>
+        </p:cxnSp>
+        <p:cxnSp>
+          <p:nvCxnSpPr>
+            <p:cNvPr id="185" name="Straight Arrow Connector 184"/>
+            <p:cNvCxnSpPr>
+              <a:stCxn id="155" idx="3"/>
+              <a:endCxn id="169" idx="1"/>
+            </p:cNvCxnSpPr>
+            <p:nvPr/>
+          </p:nvCxnSpPr>
+          <p:spPr>
+            <a:xfrm flipV="1">
+              <a:off x="6820350" y="2162173"/>
+              <a:ext cx="454171" cy="1"/>
+            </a:xfrm>
+            <a:prstGeom prst="straightConnector1">
+              <a:avLst/>
+            </a:prstGeom>
+            <a:ln w="19050">
+              <a:tailEnd type="triangle"/>
+            </a:ln>
+          </p:spPr>
+          <p:style>
+            <a:lnRef idx="1">
+              <a:schemeClr val="dk1"/>
+            </a:lnRef>
+            <a:fillRef idx="0">
+              <a:schemeClr val="dk1"/>
+            </a:fillRef>
+            <a:effectRef idx="0">
+              <a:schemeClr val="dk1"/>
+            </a:effectRef>
+            <a:fontRef idx="minor">
+              <a:schemeClr val="tx1"/>
+            </a:fontRef>
+          </p:style>
+        </p:cxnSp>
+        <p:cxnSp>
+          <p:nvCxnSpPr>
+            <p:cNvPr id="199" name="Straight Arrow Connector 198"/>
+            <p:cNvCxnSpPr>
+              <a:stCxn id="173" idx="0"/>
+              <a:endCxn id="172" idx="2"/>
+            </p:cNvCxnSpPr>
+            <p:nvPr/>
+          </p:nvCxnSpPr>
+          <p:spPr>
+            <a:xfrm flipV="1">
+              <a:off x="2501387" y="4307546"/>
+              <a:ext cx="0" cy="457220"/>
+            </a:xfrm>
+            <a:prstGeom prst="straightConnector1">
+              <a:avLst/>
+            </a:prstGeom>
+            <a:ln w="19050">
+              <a:tailEnd type="triangle"/>
+            </a:ln>
+          </p:spPr>
+          <p:style>
+            <a:lnRef idx="1">
+              <a:schemeClr val="dk1"/>
+            </a:lnRef>
+            <a:fillRef idx="0">
+              <a:schemeClr val="dk1"/>
+            </a:fillRef>
+            <a:effectRef idx="0">
+              <a:schemeClr val="dk1"/>
+            </a:effectRef>
+            <a:fontRef idx="minor">
+              <a:schemeClr val="tx1"/>
+            </a:fontRef>
+          </p:style>
+        </p:cxnSp>
+        <mc:AlternateContent xmlns:mc="http://schemas.openxmlformats.org/markup-compatibility/2006">
+          <mc:Choice xmlns:a14="http://schemas.microsoft.com/office/drawing/2010/main" Requires="a14">
+            <p:sp>
+              <p:nvSpPr>
+                <p:cNvPr id="234" name="TextBox 233"/>
+                <p:cNvSpPr txBox="1"/>
+                <p:nvPr/>
+              </p:nvSpPr>
+              <p:spPr>
+                <a:xfrm>
+                  <a:off x="3302456" y="1960277"/>
+                  <a:ext cx="225208" cy="228469"/>
+                </a:xfrm>
+                <a:prstGeom prst="rect">
+                  <a:avLst/>
+                </a:prstGeom>
+                <a:noFill/>
+              </p:spPr>
+              <p:txBody>
+                <a:bodyPr wrap="none" lIns="0" tIns="0" rIns="0" bIns="0" rtlCol="0">
+                  <a:spAutoFit/>
+                </a:bodyPr>
+                <a:lstStyle/>
+                <a:p>
+                  <a:pPr/>
+                  <a14:m>
+                    <m:oMathPara xmlns:m="http://schemas.openxmlformats.org/officeDocument/2006/math">
+                      <m:oMathParaPr>
+                        <m:jc m:val="centerGroup"/>
+                      </m:oMathParaPr>
+                      <m:oMath xmlns:m="http://schemas.openxmlformats.org/officeDocument/2006/math">
+                        <m:sSub>
+                          <m:sSubPr>
+                            <m:ctrlPr>
+                              <a:rPr lang="en-US" sz="1200" i="1" smtClean="0">
+                                <a:latin typeface="Cambria Math" panose="02040503050406030204" pitchFamily="18" charset="0"/>
+                              </a:rPr>
+                            </m:ctrlPr>
+                          </m:sSubPr>
+                          <m:e>
+                            <m:r>
+                              <m:rPr>
+                                <m:sty m:val="p"/>
+                              </m:rPr>
+                              <a:rPr lang="en-US" sz="1200" b="0" i="0" smtClean="0">
+                                <a:latin typeface="Cambria Math" panose="02040503050406030204" pitchFamily="18" charset="0"/>
+                              </a:rPr>
+                              <m:t>S</m:t>
+                            </m:r>
+                          </m:e>
+                          <m:sub>
+                            <m:r>
+                              <a:rPr lang="en-US" sz="1200" b="0" i="0" smtClean="0">
+                                <a:latin typeface="Cambria Math" panose="02040503050406030204" pitchFamily="18" charset="0"/>
+                              </a:rPr>
+                              <m:t>1</m:t>
+                            </m:r>
+                          </m:sub>
+                        </m:sSub>
+                      </m:oMath>
+                    </m:oMathPara>
+                  </a14:m>
+                  <a:endParaRPr lang="en-US" sz="1200" dirty="0"/>
+                </a:p>
+              </p:txBody>
+            </p:sp>
+          </mc:Choice>
+          <mc:Fallback>
+            <p:sp>
+              <p:nvSpPr>
+                <p:cNvPr id="234" name="TextBox 233"/>
+                <p:cNvSpPr txBox="1">
+                  <a:spLocks noRot="1" noChangeAspect="1" noMove="1" noResize="1" noEditPoints="1" noAdjustHandles="1" noChangeArrowheads="1" noChangeShapeType="1" noTextEdit="1"/>
+                </p:cNvSpPr>
+                <p:nvPr/>
+              </p:nvSpPr>
+              <p:spPr>
+                <a:xfrm>
+                  <a:off x="3302456" y="1960277"/>
+                  <a:ext cx="225208" cy="228469"/>
+                </a:xfrm>
+                <a:prstGeom prst="rect">
+                  <a:avLst/>
+                </a:prstGeom>
+                <a:blipFill>
+                  <a:blip r:embed="rId2"/>
+                  <a:stretch>
+                    <a:fillRect/>
+                  </a:stretch>
+                </a:blipFill>
+              </p:spPr>
+              <p:txBody>
+                <a:bodyPr/>
+                <a:lstStyle/>
+                <a:p>
+                  <a:r>
+                    <a:rPr lang="en-US">
+                      <a:noFill/>
+                    </a:rPr>
+                    <a:t> </a:t>
+                  </a:r>
+                </a:p>
+              </p:txBody>
+            </p:sp>
+          </mc:Fallback>
+        </mc:AlternateContent>
+        <mc:AlternateContent xmlns:mc="http://schemas.openxmlformats.org/markup-compatibility/2006">
+          <mc:Choice xmlns:a14="http://schemas.microsoft.com/office/drawing/2010/main" Requires="a14">
+            <p:sp>
+              <p:nvSpPr>
+                <p:cNvPr id="235" name="TextBox 234"/>
+                <p:cNvSpPr txBox="1"/>
+                <p:nvPr/>
+              </p:nvSpPr>
+              <p:spPr>
+                <a:xfrm>
+                  <a:off x="5116419" y="1960278"/>
+                  <a:ext cx="229683" cy="228469"/>
+                </a:xfrm>
+                <a:prstGeom prst="rect">
+                  <a:avLst/>
+                </a:prstGeom>
+                <a:noFill/>
+              </p:spPr>
+              <p:txBody>
+                <a:bodyPr wrap="none" lIns="0" tIns="0" rIns="0" bIns="0" rtlCol="0">
+                  <a:spAutoFit/>
+                </a:bodyPr>
+                <a:lstStyle/>
+                <a:p>
+                  <a:pPr/>
+                  <a14:m>
+                    <m:oMathPara xmlns:m="http://schemas.openxmlformats.org/officeDocument/2006/math">
+                      <m:oMathParaPr>
+                        <m:jc m:val="centerGroup"/>
+                      </m:oMathParaPr>
+                      <m:oMath xmlns:m="http://schemas.openxmlformats.org/officeDocument/2006/math">
+                        <m:sSub>
+                          <m:sSubPr>
+                            <m:ctrlPr>
+                              <a:rPr lang="en-US" sz="1200" i="1" smtClean="0">
+                                <a:latin typeface="Cambria Math" panose="02040503050406030204" pitchFamily="18" charset="0"/>
+                              </a:rPr>
+                            </m:ctrlPr>
+                          </m:sSubPr>
+                          <m:e>
+                            <m:r>
+                              <m:rPr>
+                                <m:sty m:val="p"/>
+                              </m:rPr>
+                              <a:rPr lang="en-US" sz="1200" b="0" i="0" smtClean="0">
+                                <a:latin typeface="Cambria Math" panose="02040503050406030204" pitchFamily="18" charset="0"/>
+                              </a:rPr>
+                              <m:t>S</m:t>
+                            </m:r>
+                          </m:e>
+                          <m:sub>
+                            <m:r>
+                              <a:rPr lang="en-US" sz="1200" b="0" i="0" smtClean="0">
+                                <a:latin typeface="Cambria Math" panose="02040503050406030204" pitchFamily="18" charset="0"/>
+                              </a:rPr>
+                              <m:t>2</m:t>
+                            </m:r>
+                          </m:sub>
+                        </m:sSub>
+                      </m:oMath>
+                    </m:oMathPara>
+                  </a14:m>
+                  <a:endParaRPr lang="en-US" sz="1200" dirty="0"/>
+                </a:p>
+              </p:txBody>
+            </p:sp>
+          </mc:Choice>
+          <mc:Fallback>
+            <p:sp>
+              <p:nvSpPr>
+                <p:cNvPr id="235" name="TextBox 234"/>
+                <p:cNvSpPr txBox="1">
+                  <a:spLocks noRot="1" noChangeAspect="1" noMove="1" noResize="1" noEditPoints="1" noAdjustHandles="1" noChangeArrowheads="1" noChangeShapeType="1" noTextEdit="1"/>
+                </p:cNvSpPr>
+                <p:nvPr/>
+              </p:nvSpPr>
+              <p:spPr>
+                <a:xfrm>
+                  <a:off x="5116419" y="1960278"/>
+                  <a:ext cx="229683" cy="228469"/>
+                </a:xfrm>
+                <a:prstGeom prst="rect">
+                  <a:avLst/>
+                </a:prstGeom>
+                <a:blipFill>
+                  <a:blip r:embed="rId3"/>
+                  <a:stretch>
+                    <a:fillRect/>
+                  </a:stretch>
+                </a:blipFill>
+              </p:spPr>
+              <p:txBody>
+                <a:bodyPr/>
+                <a:lstStyle/>
+                <a:p>
+                  <a:r>
+                    <a:rPr lang="en-US">
+                      <a:noFill/>
+                    </a:rPr>
+                    <a:t> </a:t>
+                  </a:r>
+                </a:p>
+              </p:txBody>
+            </p:sp>
+          </mc:Fallback>
+        </mc:AlternateContent>
+        <mc:AlternateContent xmlns:mc="http://schemas.openxmlformats.org/markup-compatibility/2006">
+          <mc:Choice xmlns:a14="http://schemas.microsoft.com/office/drawing/2010/main" Requires="a14">
+            <p:sp>
+              <p:nvSpPr>
+                <p:cNvPr id="236" name="TextBox 235"/>
+                <p:cNvSpPr txBox="1"/>
+                <p:nvPr/>
+              </p:nvSpPr>
+              <p:spPr>
+                <a:xfrm>
+                  <a:off x="6929996" y="1960278"/>
+                  <a:ext cx="229683" cy="228469"/>
+                </a:xfrm>
+                <a:prstGeom prst="rect">
+                  <a:avLst/>
+                </a:prstGeom>
+                <a:noFill/>
+              </p:spPr>
+              <p:txBody>
+                <a:bodyPr wrap="none" lIns="0" tIns="0" rIns="0" bIns="0" rtlCol="0">
+                  <a:spAutoFit/>
+                </a:bodyPr>
+                <a:lstStyle/>
+                <a:p>
+                  <a:pPr/>
+                  <a14:m>
+                    <m:oMathPara xmlns:m="http://schemas.openxmlformats.org/officeDocument/2006/math">
+                      <m:oMathParaPr>
+                        <m:jc m:val="centerGroup"/>
+                      </m:oMathParaPr>
+                      <m:oMath xmlns:m="http://schemas.openxmlformats.org/officeDocument/2006/math">
+                        <m:sSub>
+                          <m:sSubPr>
+                            <m:ctrlPr>
+                              <a:rPr lang="en-US" sz="1200" i="1" smtClean="0">
+                                <a:latin typeface="Cambria Math" panose="02040503050406030204" pitchFamily="18" charset="0"/>
+                              </a:rPr>
+                            </m:ctrlPr>
+                          </m:sSubPr>
+                          <m:e>
+                            <m:r>
+                              <m:rPr>
+                                <m:sty m:val="p"/>
+                              </m:rPr>
+                              <a:rPr lang="en-US" sz="1200" b="0" i="0" smtClean="0">
+                                <a:latin typeface="Cambria Math" panose="02040503050406030204" pitchFamily="18" charset="0"/>
+                              </a:rPr>
+                              <m:t>S</m:t>
+                            </m:r>
+                          </m:e>
+                          <m:sub>
+                            <m:r>
+                              <a:rPr lang="en-US" sz="1200" b="0" i="0" smtClean="0">
+                                <a:latin typeface="Cambria Math" panose="02040503050406030204" pitchFamily="18" charset="0"/>
+                              </a:rPr>
+                              <m:t>3</m:t>
+                            </m:r>
+                          </m:sub>
+                        </m:sSub>
+                      </m:oMath>
+                    </m:oMathPara>
+                  </a14:m>
+                  <a:endParaRPr lang="en-US" sz="1200" dirty="0"/>
+                </a:p>
+              </p:txBody>
+            </p:sp>
+          </mc:Choice>
+          <mc:Fallback>
+            <p:sp>
+              <p:nvSpPr>
+                <p:cNvPr id="236" name="TextBox 235"/>
+                <p:cNvSpPr txBox="1">
+                  <a:spLocks noRot="1" noChangeAspect="1" noMove="1" noResize="1" noEditPoints="1" noAdjustHandles="1" noChangeArrowheads="1" noChangeShapeType="1" noTextEdit="1"/>
+                </p:cNvSpPr>
+                <p:nvPr/>
+              </p:nvSpPr>
+              <p:spPr>
+                <a:xfrm>
+                  <a:off x="6929996" y="1960278"/>
+                  <a:ext cx="229683" cy="228469"/>
+                </a:xfrm>
+                <a:prstGeom prst="rect">
+                  <a:avLst/>
+                </a:prstGeom>
+                <a:blipFill>
+                  <a:blip r:embed="rId4"/>
+                  <a:stretch>
+                    <a:fillRect/>
+                  </a:stretch>
+                </a:blipFill>
+              </p:spPr>
+              <p:txBody>
+                <a:bodyPr/>
+                <a:lstStyle/>
+                <a:p>
+                  <a:r>
+                    <a:rPr lang="en-US">
+                      <a:noFill/>
+                    </a:rPr>
+                    <a:t> </a:t>
+                  </a:r>
+                </a:p>
+              </p:txBody>
+            </p:sp>
+          </mc:Fallback>
+        </mc:AlternateContent>
+        <mc:AlternateContent xmlns:mc="http://schemas.openxmlformats.org/markup-compatibility/2006">
+          <mc:Choice xmlns:a14="http://schemas.microsoft.com/office/drawing/2010/main" Requires="a14">
+            <p:sp>
+              <p:nvSpPr>
+                <p:cNvPr id="237" name="TextBox 236"/>
+                <p:cNvSpPr txBox="1"/>
+                <p:nvPr/>
+              </p:nvSpPr>
+              <p:spPr>
+                <a:xfrm>
+                  <a:off x="8638741" y="1960278"/>
+                  <a:ext cx="229683" cy="228469"/>
+                </a:xfrm>
+                <a:prstGeom prst="rect">
+                  <a:avLst/>
+                </a:prstGeom>
+                <a:noFill/>
+              </p:spPr>
+              <p:txBody>
+                <a:bodyPr wrap="none" lIns="0" tIns="0" rIns="0" bIns="0" rtlCol="0">
+                  <a:spAutoFit/>
+                </a:bodyPr>
+                <a:lstStyle/>
+                <a:p>
+                  <a:pPr/>
+                  <a14:m>
+                    <m:oMathPara xmlns:m="http://schemas.openxmlformats.org/officeDocument/2006/math">
+                      <m:oMathParaPr>
+                        <m:jc m:val="centerGroup"/>
+                      </m:oMathParaPr>
+                      <m:oMath xmlns:m="http://schemas.openxmlformats.org/officeDocument/2006/math">
+                        <m:sSub>
+                          <m:sSubPr>
+                            <m:ctrlPr>
+                              <a:rPr lang="en-US" sz="1200" i="1" smtClean="0">
+                                <a:latin typeface="Cambria Math" panose="02040503050406030204" pitchFamily="18" charset="0"/>
+                              </a:rPr>
+                            </m:ctrlPr>
+                          </m:sSubPr>
+                          <m:e>
+                            <m:r>
+                              <m:rPr>
+                                <m:sty m:val="p"/>
+                              </m:rPr>
+                              <a:rPr lang="en-US" sz="1200" b="0" i="0" smtClean="0">
+                                <a:latin typeface="Cambria Math" panose="02040503050406030204" pitchFamily="18" charset="0"/>
+                              </a:rPr>
+                              <m:t>S</m:t>
+                            </m:r>
+                          </m:e>
+                          <m:sub>
+                            <m:r>
+                              <a:rPr lang="en-US" sz="1200" b="0" i="0" smtClean="0">
+                                <a:latin typeface="Cambria Math" panose="02040503050406030204" pitchFamily="18" charset="0"/>
+                              </a:rPr>
+                              <m:t>4</m:t>
+                            </m:r>
+                          </m:sub>
+                        </m:sSub>
+                      </m:oMath>
+                    </m:oMathPara>
+                  </a14:m>
+                  <a:endParaRPr lang="en-US" sz="1200" dirty="0"/>
+                </a:p>
+              </p:txBody>
+            </p:sp>
+          </mc:Choice>
+          <mc:Fallback>
+            <p:sp>
+              <p:nvSpPr>
+                <p:cNvPr id="237" name="TextBox 236"/>
+                <p:cNvSpPr txBox="1">
+                  <a:spLocks noRot="1" noChangeAspect="1" noMove="1" noResize="1" noEditPoints="1" noAdjustHandles="1" noChangeArrowheads="1" noChangeShapeType="1" noTextEdit="1"/>
+                </p:cNvSpPr>
+                <p:nvPr/>
+              </p:nvSpPr>
+              <p:spPr>
+                <a:xfrm>
+                  <a:off x="8638741" y="1960278"/>
+                  <a:ext cx="229683" cy="228469"/>
+                </a:xfrm>
+                <a:prstGeom prst="rect">
+                  <a:avLst/>
+                </a:prstGeom>
+                <a:blipFill>
+                  <a:blip r:embed="rId5"/>
+                  <a:stretch>
+                    <a:fillRect/>
+                  </a:stretch>
+                </a:blipFill>
+              </p:spPr>
+              <p:txBody>
+                <a:bodyPr/>
+                <a:lstStyle/>
+                <a:p>
+                  <a:r>
+                    <a:rPr lang="en-US">
+                      <a:noFill/>
+                    </a:rPr>
+                    <a:t> </a:t>
+                  </a:r>
+                </a:p>
+              </p:txBody>
+            </p:sp>
+          </mc:Fallback>
+        </mc:AlternateContent>
+        <mc:AlternateContent xmlns:mc="http://schemas.openxmlformats.org/markup-compatibility/2006">
+          <mc:Choice xmlns:a14="http://schemas.microsoft.com/office/drawing/2010/main" Requires="a14">
+            <p:sp>
+              <p:nvSpPr>
+                <p:cNvPr id="238" name="TextBox 237"/>
+                <p:cNvSpPr txBox="1"/>
+                <p:nvPr/>
+              </p:nvSpPr>
+              <p:spPr>
+                <a:xfrm>
+                  <a:off x="2504825" y="4357930"/>
+                  <a:ext cx="229683" cy="228469"/>
+                </a:xfrm>
+                <a:prstGeom prst="rect">
+                  <a:avLst/>
+                </a:prstGeom>
+                <a:noFill/>
+              </p:spPr>
+              <p:txBody>
+                <a:bodyPr wrap="none" lIns="0" tIns="0" rIns="0" bIns="0" rtlCol="0">
+                  <a:spAutoFit/>
+                </a:bodyPr>
+                <a:lstStyle/>
+                <a:p>
+                  <a:pPr/>
+                  <a14:m>
+                    <m:oMathPara xmlns:m="http://schemas.openxmlformats.org/officeDocument/2006/math">
+                      <m:oMathParaPr>
+                        <m:jc m:val="centerGroup"/>
+                      </m:oMathParaPr>
+                      <m:oMath xmlns:m="http://schemas.openxmlformats.org/officeDocument/2006/math">
+                        <m:sSub>
+                          <m:sSubPr>
+                            <m:ctrlPr>
+                              <a:rPr lang="en-US" sz="1200" i="1" smtClean="0">
+                                <a:latin typeface="Cambria Math" panose="02040503050406030204" pitchFamily="18" charset="0"/>
+                              </a:rPr>
+                            </m:ctrlPr>
+                          </m:sSubPr>
+                          <m:e>
+                            <m:r>
+                              <m:rPr>
+                                <m:sty m:val="p"/>
+                              </m:rPr>
+                              <a:rPr lang="en-US" sz="1200" b="0" i="0" smtClean="0">
+                                <a:latin typeface="Cambria Math" panose="02040503050406030204" pitchFamily="18" charset="0"/>
+                              </a:rPr>
+                              <m:t>S</m:t>
+                            </m:r>
+                          </m:e>
+                          <m:sub>
+                            <m:r>
+                              <a:rPr lang="en-US" sz="1200" b="0" i="0" smtClean="0">
+                                <a:latin typeface="Cambria Math" panose="02040503050406030204" pitchFamily="18" charset="0"/>
+                              </a:rPr>
+                              <m:t>5</m:t>
+                            </m:r>
+                          </m:sub>
+                        </m:sSub>
+                      </m:oMath>
+                    </m:oMathPara>
+                  </a14:m>
+                  <a:endParaRPr lang="en-US" sz="1200" dirty="0"/>
+                </a:p>
+              </p:txBody>
+            </p:sp>
+          </mc:Choice>
+          <mc:Fallback>
+            <p:sp>
+              <p:nvSpPr>
+                <p:cNvPr id="238" name="TextBox 237"/>
+                <p:cNvSpPr txBox="1">
+                  <a:spLocks noRot="1" noChangeAspect="1" noMove="1" noResize="1" noEditPoints="1" noAdjustHandles="1" noChangeArrowheads="1" noChangeShapeType="1" noTextEdit="1"/>
+                </p:cNvSpPr>
+                <p:nvPr/>
+              </p:nvSpPr>
+              <p:spPr>
+                <a:xfrm>
+                  <a:off x="2504825" y="4357930"/>
+                  <a:ext cx="229683" cy="228469"/>
+                </a:xfrm>
+                <a:prstGeom prst="rect">
+                  <a:avLst/>
+                </a:prstGeom>
+                <a:blipFill>
+                  <a:blip r:embed="rId6"/>
+                  <a:stretch>
+                    <a:fillRect/>
+                  </a:stretch>
+                </a:blipFill>
+              </p:spPr>
+              <p:txBody>
+                <a:bodyPr/>
+                <a:lstStyle/>
+                <a:p>
+                  <a:r>
+                    <a:rPr lang="en-US">
+                      <a:noFill/>
+                    </a:rPr>
+                    <a:t> </a:t>
+                  </a:r>
+                </a:p>
+              </p:txBody>
+            </p:sp>
+          </mc:Fallback>
+        </mc:AlternateContent>
+        <mc:AlternateContent xmlns:mc="http://schemas.openxmlformats.org/markup-compatibility/2006">
+          <mc:Choice xmlns:a14="http://schemas.microsoft.com/office/drawing/2010/main" Requires="a14">
+            <p:sp>
+              <p:nvSpPr>
+                <p:cNvPr id="240" name="TextBox 239"/>
+                <p:cNvSpPr txBox="1"/>
+                <p:nvPr/>
+              </p:nvSpPr>
+              <p:spPr>
+                <a:xfrm>
+                  <a:off x="3297981" y="3677371"/>
+                  <a:ext cx="229683" cy="228469"/>
+                </a:xfrm>
+                <a:prstGeom prst="rect">
+                  <a:avLst/>
+                </a:prstGeom>
+                <a:noFill/>
+              </p:spPr>
+              <p:txBody>
+                <a:bodyPr wrap="none" lIns="0" tIns="0" rIns="0" bIns="0" rtlCol="0">
+                  <a:spAutoFit/>
+                </a:bodyPr>
+                <a:lstStyle/>
+                <a:p>
+                  <a:pPr/>
+                  <a14:m>
+                    <m:oMathPara xmlns:m="http://schemas.openxmlformats.org/officeDocument/2006/math">
+                      <m:oMathParaPr>
+                        <m:jc m:val="centerGroup"/>
+                      </m:oMathParaPr>
+                      <m:oMath xmlns:m="http://schemas.openxmlformats.org/officeDocument/2006/math">
+                        <m:sSub>
+                          <m:sSubPr>
+                            <m:ctrlPr>
+                              <a:rPr lang="en-US" sz="1200" i="1" smtClean="0">
+                                <a:latin typeface="Cambria Math" panose="02040503050406030204" pitchFamily="18" charset="0"/>
+                              </a:rPr>
+                            </m:ctrlPr>
+                          </m:sSubPr>
+                          <m:e>
+                            <m:r>
+                              <m:rPr>
+                                <m:sty m:val="p"/>
+                              </m:rPr>
+                              <a:rPr lang="en-US" sz="1200" b="0" i="0" smtClean="0">
+                                <a:latin typeface="Cambria Math" panose="02040503050406030204" pitchFamily="18" charset="0"/>
+                              </a:rPr>
+                              <m:t>S</m:t>
+                            </m:r>
+                          </m:e>
+                          <m:sub>
+                            <m:r>
+                              <a:rPr lang="en-US" sz="1200" b="0" i="0" smtClean="0">
+                                <a:latin typeface="Cambria Math" panose="02040503050406030204" pitchFamily="18" charset="0"/>
+                              </a:rPr>
+                              <m:t>6</m:t>
+                            </m:r>
+                          </m:sub>
+                        </m:sSub>
+                      </m:oMath>
+                    </m:oMathPara>
+                  </a14:m>
+                  <a:endParaRPr lang="en-US" sz="1200" dirty="0"/>
+                </a:p>
+              </p:txBody>
+            </p:sp>
+          </mc:Choice>
+          <mc:Fallback>
+            <p:sp>
+              <p:nvSpPr>
+                <p:cNvPr id="240" name="TextBox 239"/>
+                <p:cNvSpPr txBox="1">
+                  <a:spLocks noRot="1" noChangeAspect="1" noMove="1" noResize="1" noEditPoints="1" noAdjustHandles="1" noChangeArrowheads="1" noChangeShapeType="1" noTextEdit="1"/>
+                </p:cNvSpPr>
+                <p:nvPr/>
+              </p:nvSpPr>
+              <p:spPr>
+                <a:xfrm>
+                  <a:off x="3297981" y="3677371"/>
+                  <a:ext cx="229683" cy="228469"/>
+                </a:xfrm>
+                <a:prstGeom prst="rect">
+                  <a:avLst/>
+                </a:prstGeom>
+                <a:blipFill>
+                  <a:blip r:embed="rId7"/>
+                  <a:stretch>
+                    <a:fillRect/>
+                  </a:stretch>
+                </a:blipFill>
+              </p:spPr>
+              <p:txBody>
+                <a:bodyPr/>
+                <a:lstStyle/>
+                <a:p>
+                  <a:r>
+                    <a:rPr lang="en-US">
+                      <a:noFill/>
+                    </a:rPr>
+                    <a:t> </a:t>
+                  </a:r>
+                </a:p>
+              </p:txBody>
+            </p:sp>
+          </mc:Fallback>
+        </mc:AlternateContent>
+        <p:sp>
+          <p:nvSpPr>
+            <p:cNvPr id="174" name="Rounded Rectangle 173"/>
+            <p:cNvSpPr/>
+            <p:nvPr/>
+          </p:nvSpPr>
+          <p:spPr>
+            <a:xfrm>
+              <a:off x="3633698" y="3393065"/>
+              <a:ext cx="1364220" cy="914467"/>
+            </a:xfrm>
+            <a:prstGeom prst="roundRect">
+              <a:avLst/>
+            </a:prstGeom>
+            <a:ln w="19050"/>
+          </p:spPr>
+          <p:style>
+            <a:lnRef idx="2">
+              <a:schemeClr val="dk1"/>
+            </a:lnRef>
+            <a:fillRef idx="1">
+              <a:schemeClr val="lt1"/>
+            </a:fillRef>
+            <a:effectRef idx="0">
+              <a:schemeClr val="dk1"/>
+            </a:effectRef>
+            <a:fontRef idx="minor">
+              <a:schemeClr val="dk1"/>
+            </a:fontRef>
+          </p:style>
+          <p:txBody>
+            <a:bodyPr rtlCol="0" anchor="ctr"/>
+            <a:lstStyle/>
+            <a:p>
+              <a:pPr algn="ctr"/>
+              <a:r>
+                <a:rPr lang="en-US" sz="1200" dirty="0" smtClean="0"/>
+                <a:t>Fork</a:t>
+              </a:r>
+              <a:endParaRPr lang="en-US" sz="1200" dirty="0"/>
+            </a:p>
+          </p:txBody>
+        </p:sp>
+        <p:sp>
+          <p:nvSpPr>
+            <p:cNvPr id="230" name="Rounded Rectangle 229"/>
+            <p:cNvSpPr/>
+            <p:nvPr/>
+          </p:nvSpPr>
+          <p:spPr>
+            <a:xfrm>
+              <a:off x="7274520" y="4735336"/>
+              <a:ext cx="1349061" cy="914466"/>
+            </a:xfrm>
+            <a:prstGeom prst="roundRect">
+              <a:avLst/>
+            </a:prstGeom>
+            <a:ln w="19050"/>
+          </p:spPr>
+          <p:style>
+            <a:lnRef idx="2">
+              <a:schemeClr val="dk1"/>
+            </a:lnRef>
+            <a:fillRef idx="1">
+              <a:schemeClr val="lt1"/>
+            </a:fillRef>
+            <a:effectRef idx="0">
+              <a:schemeClr val="dk1"/>
+            </a:effectRef>
+            <a:fontRef idx="minor">
+              <a:schemeClr val="dk1"/>
+            </a:fontRef>
+          </p:style>
+          <p:txBody>
+            <a:bodyPr rtlCol="0" anchor="ctr"/>
+            <a:lstStyle/>
+            <a:p>
+              <a:pPr algn="ctr"/>
+              <a:r>
+                <a:rPr lang="en-US" sz="1200" dirty="0" smtClean="0"/>
+                <a:t>Sink</a:t>
+              </a:r>
+              <a:endParaRPr lang="en-US" sz="1200" dirty="0"/>
+            </a:p>
+          </p:txBody>
+        </p:sp>
+        <mc:AlternateContent xmlns:mc="http://schemas.openxmlformats.org/markup-compatibility/2006">
+          <mc:Choice xmlns:a14="http://schemas.microsoft.com/office/drawing/2010/main" Requires="a14">
+            <p:sp>
+              <p:nvSpPr>
+                <p:cNvPr id="241" name="TextBox 240"/>
+                <p:cNvSpPr txBox="1"/>
+                <p:nvPr/>
+              </p:nvSpPr>
+              <p:spPr>
+                <a:xfrm>
+                  <a:off x="4999312" y="3507295"/>
+                  <a:ext cx="229683" cy="228469"/>
+                </a:xfrm>
+                <a:prstGeom prst="rect">
+                  <a:avLst/>
+                </a:prstGeom>
+                <a:noFill/>
+              </p:spPr>
+              <p:txBody>
+                <a:bodyPr wrap="none" lIns="0" tIns="0" rIns="0" bIns="0" rtlCol="0">
+                  <a:spAutoFit/>
+                </a:bodyPr>
+                <a:lstStyle/>
+                <a:p>
+                  <a:pPr/>
+                  <a14:m>
+                    <m:oMathPara xmlns:m="http://schemas.openxmlformats.org/officeDocument/2006/math">
+                      <m:oMathParaPr>
+                        <m:jc m:val="centerGroup"/>
+                      </m:oMathParaPr>
+                      <m:oMath xmlns:m="http://schemas.openxmlformats.org/officeDocument/2006/math">
+                        <m:sSub>
+                          <m:sSubPr>
+                            <m:ctrlPr>
+                              <a:rPr lang="en-US" sz="1200" i="1" smtClean="0">
+                                <a:latin typeface="Cambria Math" panose="02040503050406030204" pitchFamily="18" charset="0"/>
+                              </a:rPr>
+                            </m:ctrlPr>
+                          </m:sSubPr>
+                          <m:e>
+                            <m:r>
+                              <m:rPr>
+                                <m:sty m:val="p"/>
+                              </m:rPr>
+                              <a:rPr lang="en-US" sz="1200" b="0" i="0" smtClean="0">
+                                <a:latin typeface="Cambria Math" panose="02040503050406030204" pitchFamily="18" charset="0"/>
+                              </a:rPr>
+                              <m:t>S</m:t>
+                            </m:r>
+                          </m:e>
+                          <m:sub>
+                            <m:r>
+                              <a:rPr lang="en-US" sz="1200" b="0" i="0" smtClean="0">
+                                <a:latin typeface="Cambria Math" panose="02040503050406030204" pitchFamily="18" charset="0"/>
+                              </a:rPr>
+                              <m:t>7</m:t>
+                            </m:r>
+                          </m:sub>
+                        </m:sSub>
+                      </m:oMath>
+                    </m:oMathPara>
+                  </a14:m>
+                  <a:endParaRPr lang="en-US" sz="1200" dirty="0"/>
+                </a:p>
+              </p:txBody>
+            </p:sp>
+          </mc:Choice>
+          <mc:Fallback>
+            <p:sp>
+              <p:nvSpPr>
+                <p:cNvPr id="241" name="TextBox 240"/>
+                <p:cNvSpPr txBox="1">
+                  <a:spLocks noRot="1" noChangeAspect="1" noMove="1" noResize="1" noEditPoints="1" noAdjustHandles="1" noChangeArrowheads="1" noChangeShapeType="1" noTextEdit="1"/>
+                </p:cNvSpPr>
+                <p:nvPr/>
+              </p:nvSpPr>
+              <p:spPr>
+                <a:xfrm>
+                  <a:off x="4999312" y="3507295"/>
+                  <a:ext cx="229683" cy="228469"/>
+                </a:xfrm>
+                <a:prstGeom prst="rect">
+                  <a:avLst/>
+                </a:prstGeom>
+                <a:blipFill>
+                  <a:blip r:embed="rId8"/>
+                  <a:stretch>
+                    <a:fillRect/>
+                  </a:stretch>
+                </a:blipFill>
+              </p:spPr>
+              <p:txBody>
+                <a:bodyPr/>
+                <a:lstStyle/>
+                <a:p>
+                  <a:r>
+                    <a:rPr lang="en-US">
+                      <a:noFill/>
+                    </a:rPr>
+                    <a:t> </a:t>
+                  </a:r>
+                </a:p>
+              </p:txBody>
+            </p:sp>
+          </mc:Fallback>
+        </mc:AlternateContent>
+        <mc:AlternateContent xmlns:mc="http://schemas.openxmlformats.org/markup-compatibility/2006">
+          <mc:Choice xmlns:a14="http://schemas.microsoft.com/office/drawing/2010/main" Requires="a14">
+            <p:sp>
+              <p:nvSpPr>
+                <p:cNvPr id="242" name="TextBox 241"/>
+                <p:cNvSpPr txBox="1"/>
+                <p:nvPr/>
+              </p:nvSpPr>
+              <p:spPr>
+                <a:xfrm>
+                  <a:off x="4984099" y="3850297"/>
+                  <a:ext cx="229683" cy="228469"/>
+                </a:xfrm>
+                <a:prstGeom prst="rect">
+                  <a:avLst/>
+                </a:prstGeom>
+                <a:noFill/>
+              </p:spPr>
+              <p:txBody>
+                <a:bodyPr wrap="none" lIns="0" tIns="0" rIns="0" bIns="0" rtlCol="0">
+                  <a:spAutoFit/>
+                </a:bodyPr>
+                <a:lstStyle/>
+                <a:p>
+                  <a:pPr/>
+                  <a14:m>
+                    <m:oMathPara xmlns:m="http://schemas.openxmlformats.org/officeDocument/2006/math">
+                      <m:oMathParaPr>
+                        <m:jc m:val="centerGroup"/>
+                      </m:oMathParaPr>
+                      <m:oMath xmlns:m="http://schemas.openxmlformats.org/officeDocument/2006/math">
+                        <m:sSub>
+                          <m:sSubPr>
+                            <m:ctrlPr>
+                              <a:rPr lang="en-US" sz="1200" i="1" smtClean="0">
+                                <a:latin typeface="Cambria Math" panose="02040503050406030204" pitchFamily="18" charset="0"/>
+                              </a:rPr>
+                            </m:ctrlPr>
+                          </m:sSubPr>
+                          <m:e>
+                            <m:r>
+                              <m:rPr>
+                                <m:sty m:val="p"/>
+                              </m:rPr>
+                              <a:rPr lang="en-US" sz="1200" b="0" i="0" smtClean="0">
+                                <a:latin typeface="Cambria Math" panose="02040503050406030204" pitchFamily="18" charset="0"/>
+                              </a:rPr>
+                              <m:t>S</m:t>
+                            </m:r>
+                          </m:e>
+                          <m:sub>
+                            <m:r>
+                              <a:rPr lang="en-US" sz="1200" b="0" i="0" smtClean="0">
+                                <a:latin typeface="Cambria Math" panose="02040503050406030204" pitchFamily="18" charset="0"/>
+                              </a:rPr>
+                              <m:t>8</m:t>
+                            </m:r>
+                          </m:sub>
+                        </m:sSub>
+                      </m:oMath>
+                    </m:oMathPara>
+                  </a14:m>
+                  <a:endParaRPr lang="en-US" sz="1200" dirty="0"/>
+                </a:p>
+              </p:txBody>
+            </p:sp>
+          </mc:Choice>
+          <mc:Fallback>
+            <p:sp>
+              <p:nvSpPr>
+                <p:cNvPr id="242" name="TextBox 241"/>
+                <p:cNvSpPr txBox="1">
+                  <a:spLocks noRot="1" noChangeAspect="1" noMove="1" noResize="1" noEditPoints="1" noAdjustHandles="1" noChangeArrowheads="1" noChangeShapeType="1" noTextEdit="1"/>
+                </p:cNvSpPr>
+                <p:nvPr/>
+              </p:nvSpPr>
+              <p:spPr>
+                <a:xfrm>
+                  <a:off x="4984099" y="3850297"/>
+                  <a:ext cx="229683" cy="228469"/>
+                </a:xfrm>
+                <a:prstGeom prst="rect">
+                  <a:avLst/>
+                </a:prstGeom>
+                <a:blipFill>
+                  <a:blip r:embed="rId9"/>
+                  <a:stretch>
+                    <a:fillRect/>
+                  </a:stretch>
+                </a:blipFill>
+              </p:spPr>
+              <p:txBody>
+                <a:bodyPr/>
+                <a:lstStyle/>
+                <a:p>
+                  <a:r>
+                    <a:rPr lang="en-US">
+                      <a:noFill/>
+                    </a:rPr>
+                    <a:t> </a:t>
+                  </a:r>
+                </a:p>
+              </p:txBody>
+            </p:sp>
+          </mc:Fallback>
+        </mc:AlternateContent>
+        <mc:AlternateContent xmlns:mc="http://schemas.openxmlformats.org/markup-compatibility/2006">
+          <mc:Choice xmlns:a14="http://schemas.microsoft.com/office/drawing/2010/main" Requires="a14">
+            <p:sp>
+              <p:nvSpPr>
+                <p:cNvPr id="243" name="TextBox 242"/>
+                <p:cNvSpPr txBox="1"/>
+                <p:nvPr/>
+              </p:nvSpPr>
+              <p:spPr>
+                <a:xfrm>
+                  <a:off x="7012818" y="3853377"/>
+                  <a:ext cx="225689" cy="228469"/>
+                </a:xfrm>
+                <a:prstGeom prst="rect">
+                  <a:avLst/>
+                </a:prstGeom>
+                <a:noFill/>
+              </p:spPr>
+              <p:txBody>
+                <a:bodyPr wrap="none" lIns="0" tIns="0" rIns="0" bIns="0" rtlCol="0">
+                  <a:spAutoFit/>
+                </a:bodyPr>
+                <a:lstStyle/>
+                <a:p>
+                  <a:pPr/>
+                  <a14:m>
+                    <m:oMathPara xmlns:m="http://schemas.openxmlformats.org/officeDocument/2006/math">
+                      <m:oMathParaPr>
+                        <m:jc m:val="centerGroup"/>
+                      </m:oMathParaPr>
+                      <m:oMath xmlns:m="http://schemas.openxmlformats.org/officeDocument/2006/math">
+                        <m:sSub>
+                          <m:sSubPr>
+                            <m:ctrlPr>
+                              <a:rPr lang="en-US" sz="1200" i="1" smtClean="0">
+                                <a:latin typeface="Cambria Math" panose="02040503050406030204" pitchFamily="18" charset="0"/>
+                              </a:rPr>
+                            </m:ctrlPr>
+                          </m:sSubPr>
+                          <m:e>
+                            <m:r>
+                              <m:rPr>
+                                <m:sty m:val="p"/>
+                              </m:rPr>
+                              <a:rPr lang="en-US" sz="1200" b="0" i="0" smtClean="0">
+                                <a:latin typeface="Cambria Math" panose="02040503050406030204" pitchFamily="18" charset="0"/>
+                              </a:rPr>
+                              <m:t>S</m:t>
+                            </m:r>
+                          </m:e>
+                          <m:sub>
+                            <m:r>
+                              <a:rPr lang="en-US" sz="1200" b="0" i="0" smtClean="0">
+                                <a:latin typeface="Cambria Math" panose="02040503050406030204" pitchFamily="18" charset="0"/>
+                              </a:rPr>
+                              <m:t>9</m:t>
+                            </m:r>
+                          </m:sub>
+                        </m:sSub>
+                      </m:oMath>
+                    </m:oMathPara>
+                  </a14:m>
+                  <a:endParaRPr lang="en-US" sz="1200" dirty="0"/>
+                </a:p>
+              </p:txBody>
+            </p:sp>
+          </mc:Choice>
+          <mc:Fallback>
+            <p:sp>
+              <p:nvSpPr>
+                <p:cNvPr id="243" name="TextBox 242"/>
+                <p:cNvSpPr txBox="1">
+                  <a:spLocks noRot="1" noChangeAspect="1" noMove="1" noResize="1" noEditPoints="1" noAdjustHandles="1" noChangeArrowheads="1" noChangeShapeType="1" noTextEdit="1"/>
+                </p:cNvSpPr>
+                <p:nvPr/>
+              </p:nvSpPr>
+              <p:spPr>
+                <a:xfrm>
+                  <a:off x="7012818" y="3853377"/>
+                  <a:ext cx="225689" cy="228469"/>
+                </a:xfrm>
+                <a:prstGeom prst="rect">
+                  <a:avLst/>
+                </a:prstGeom>
+                <a:blipFill>
+                  <a:blip r:embed="rId10"/>
+                  <a:stretch>
+                    <a:fillRect/>
+                  </a:stretch>
+                </a:blipFill>
+              </p:spPr>
+              <p:txBody>
+                <a:bodyPr/>
+                <a:lstStyle/>
+                <a:p>
+                  <a:r>
+                    <a:rPr lang="en-US">
+                      <a:noFill/>
+                    </a:rPr>
+                    <a:t> </a:t>
+                  </a:r>
+                </a:p>
+              </p:txBody>
+            </p:sp>
+          </mc:Fallback>
+        </mc:AlternateContent>
+        <mc:AlternateContent xmlns:mc="http://schemas.openxmlformats.org/markup-compatibility/2006">
+          <mc:Choice xmlns:a14="http://schemas.microsoft.com/office/drawing/2010/main" Requires="a14">
+            <p:sp>
+              <p:nvSpPr>
+                <p:cNvPr id="244" name="TextBox 243"/>
+                <p:cNvSpPr txBox="1"/>
+                <p:nvPr/>
+              </p:nvSpPr>
+              <p:spPr>
+                <a:xfrm>
+                  <a:off x="7956631" y="4357930"/>
+                  <a:ext cx="307097" cy="228469"/>
+                </a:xfrm>
+                <a:prstGeom prst="rect">
+                  <a:avLst/>
+                </a:prstGeom>
+                <a:noFill/>
+              </p:spPr>
+              <p:txBody>
+                <a:bodyPr wrap="none" lIns="0" tIns="0" rIns="0" bIns="0" rtlCol="0">
+                  <a:spAutoFit/>
+                </a:bodyPr>
+                <a:lstStyle/>
+                <a:p>
+                  <a:pPr/>
+                  <a14:m>
+                    <m:oMathPara xmlns:m="http://schemas.openxmlformats.org/officeDocument/2006/math">
+                      <m:oMathParaPr>
+                        <m:jc m:val="centerGroup"/>
+                      </m:oMathParaPr>
+                      <m:oMath xmlns:m="http://schemas.openxmlformats.org/officeDocument/2006/math">
+                        <m:sSub>
+                          <m:sSubPr>
+                            <m:ctrlPr>
+                              <a:rPr lang="en-US" sz="1200" i="1" smtClean="0">
+                                <a:latin typeface="Cambria Math" panose="02040503050406030204" pitchFamily="18" charset="0"/>
+                              </a:rPr>
+                            </m:ctrlPr>
+                          </m:sSubPr>
+                          <m:e>
+                            <m:r>
+                              <m:rPr>
+                                <m:sty m:val="p"/>
+                              </m:rPr>
+                              <a:rPr lang="en-US" sz="1200" b="0" i="0" smtClean="0">
+                                <a:latin typeface="Cambria Math" panose="02040503050406030204" pitchFamily="18" charset="0"/>
+                              </a:rPr>
+                              <m:t>S</m:t>
+                            </m:r>
+                          </m:e>
+                          <m:sub>
+                            <m:r>
+                              <a:rPr lang="en-US" sz="1200" b="0" i="0" smtClean="0">
+                                <a:latin typeface="Cambria Math" panose="02040503050406030204" pitchFamily="18" charset="0"/>
+                              </a:rPr>
+                              <m:t>10</m:t>
+                            </m:r>
+                          </m:sub>
+                        </m:sSub>
+                      </m:oMath>
+                    </m:oMathPara>
+                  </a14:m>
+                  <a:endParaRPr lang="en-US" sz="1200" dirty="0"/>
+                </a:p>
+              </p:txBody>
+            </p:sp>
+          </mc:Choice>
+          <mc:Fallback>
+            <p:sp>
+              <p:nvSpPr>
+                <p:cNvPr id="244" name="TextBox 243"/>
+                <p:cNvSpPr txBox="1">
+                  <a:spLocks noRot="1" noChangeAspect="1" noMove="1" noResize="1" noEditPoints="1" noAdjustHandles="1" noChangeArrowheads="1" noChangeShapeType="1" noTextEdit="1"/>
+                </p:cNvSpPr>
+                <p:nvPr/>
+              </p:nvSpPr>
+              <p:spPr>
+                <a:xfrm>
+                  <a:off x="7956631" y="4357930"/>
+                  <a:ext cx="307097" cy="228469"/>
+                </a:xfrm>
+                <a:prstGeom prst="rect">
+                  <a:avLst/>
+                </a:prstGeom>
+                <a:blipFill>
+                  <a:blip r:embed="rId11"/>
+                  <a:stretch>
+                    <a:fillRect/>
+                  </a:stretch>
+                </a:blipFill>
+              </p:spPr>
+              <p:txBody>
+                <a:bodyPr/>
+                <a:lstStyle/>
+                <a:p>
+                  <a:r>
+                    <a:rPr lang="en-US">
+                      <a:noFill/>
+                    </a:rPr>
+                    <a:t> </a:t>
+                  </a:r>
+                </a:p>
+              </p:txBody>
+            </p:sp>
+          </mc:Fallback>
+        </mc:AlternateContent>
+        <p:sp>
+          <p:nvSpPr>
+            <p:cNvPr id="42" name="Rounded Rectangle 41"/>
+            <p:cNvSpPr/>
+            <p:nvPr/>
+          </p:nvSpPr>
+          <p:spPr>
+            <a:xfrm>
+              <a:off x="5456150" y="4764766"/>
+              <a:ext cx="1364220" cy="914467"/>
+            </a:xfrm>
+            <a:prstGeom prst="roundRect">
+              <a:avLst/>
+            </a:prstGeom>
+            <a:ln w="19050"/>
+          </p:spPr>
+          <p:style>
+            <a:lnRef idx="2">
+              <a:schemeClr val="dk1"/>
+            </a:lnRef>
+            <a:fillRef idx="1">
+              <a:schemeClr val="lt1"/>
+            </a:fillRef>
+            <a:effectRef idx="0">
+              <a:schemeClr val="dk1"/>
+            </a:effectRef>
+            <a:fontRef idx="minor">
+              <a:schemeClr val="dk1"/>
+            </a:fontRef>
+          </p:style>
+          <p:txBody>
+            <a:bodyPr rtlCol="0" anchor="ctr"/>
+            <a:lstStyle/>
+            <a:p>
+              <a:pPr algn="ctr"/>
+              <a:r>
+                <a:rPr lang="en-US" sz="1200" dirty="0"/>
+                <a:t>Hilbert </a:t>
+              </a:r>
+              <a:r>
+                <a:rPr lang="en-US" sz="1200" dirty="0" smtClean="0"/>
+                <a:t>Transform</a:t>
+              </a:r>
+              <a:endParaRPr lang="en-US" sz="1200" dirty="0"/>
+            </a:p>
+          </p:txBody>
+        </p:sp>
+        <p:cxnSp>
+          <p:nvCxnSpPr>
+            <p:cNvPr id="9" name="Straight Arrow Connector 8"/>
+            <p:cNvCxnSpPr/>
+            <p:nvPr/>
+          </p:nvCxnSpPr>
+          <p:spPr>
+            <a:xfrm>
+              <a:off x="5002104" y="3677371"/>
+              <a:ext cx="2264773" cy="0"/>
+            </a:xfrm>
+            <a:prstGeom prst="straightConnector1">
+              <a:avLst/>
+            </a:prstGeom>
+            <a:ln w="19050">
+              <a:tailEnd type="triangle"/>
+            </a:ln>
+          </p:spPr>
+          <p:style>
+            <a:lnRef idx="1">
+              <a:schemeClr val="dk1"/>
+            </a:lnRef>
+            <a:fillRef idx="0">
+              <a:schemeClr val="dk1"/>
+            </a:fillRef>
+            <a:effectRef idx="0">
+              <a:schemeClr val="dk1"/>
+            </a:effectRef>
+            <a:fontRef idx="minor">
+              <a:schemeClr val="tx1"/>
+            </a:fontRef>
+          </p:style>
+        </p:cxnSp>
+        <p:cxnSp>
+          <p:nvCxnSpPr>
+            <p:cNvPr id="21" name="Straight Connector 20"/>
+            <p:cNvCxnSpPr/>
+            <p:nvPr/>
+          </p:nvCxnSpPr>
+          <p:spPr>
+            <a:xfrm flipH="1">
+              <a:off x="5001638" y="4038023"/>
+              <a:ext cx="205003" cy="784"/>
+            </a:xfrm>
+            <a:prstGeom prst="line">
+              <a:avLst/>
+            </a:prstGeom>
+            <a:ln w="19050"/>
+          </p:spPr>
+          <p:style>
+            <a:lnRef idx="1">
+              <a:schemeClr val="dk1"/>
+            </a:lnRef>
+            <a:fillRef idx="0">
+              <a:schemeClr val="dk1"/>
+            </a:fillRef>
+            <a:effectRef idx="0">
+              <a:schemeClr val="dk1"/>
+            </a:effectRef>
+            <a:fontRef idx="minor">
+              <a:schemeClr val="tx1"/>
+            </a:fontRef>
+          </p:style>
+        </p:cxnSp>
+        <p:cxnSp>
+          <p:nvCxnSpPr>
+            <p:cNvPr id="19" name="Elbow Connector 18"/>
+            <p:cNvCxnSpPr>
+              <a:stCxn id="169" idx="3"/>
+              <a:endCxn id="172" idx="1"/>
+            </p:cNvCxnSpPr>
+            <p:nvPr/>
+          </p:nvCxnSpPr>
+          <p:spPr>
+            <a:xfrm flipH="1">
+              <a:off x="1819277" y="2162173"/>
+              <a:ext cx="6819464" cy="1688140"/>
+            </a:xfrm>
+            <a:prstGeom prst="bentConnector5">
+              <a:avLst>
+                <a:gd name="adj1" fmla="val -3352"/>
+                <a:gd name="adj2" fmla="val 50000"/>
+                <a:gd name="adj3" fmla="val 103352"/>
+              </a:avLst>
+            </a:prstGeom>
+            <a:ln w="19050">
+              <a:tailEnd type="triangle"/>
+            </a:ln>
+          </p:spPr>
+          <p:style>
+            <a:lnRef idx="1">
+              <a:schemeClr val="dk1"/>
+            </a:lnRef>
+            <a:fillRef idx="0">
+              <a:schemeClr val="dk1"/>
+            </a:fillRef>
+            <a:effectRef idx="0">
+              <a:schemeClr val="dk1"/>
+            </a:effectRef>
+            <a:fontRef idx="minor">
+              <a:schemeClr val="tx1"/>
+            </a:fontRef>
+          </p:style>
+        </p:cxnSp>
+        <p:cxnSp>
+          <p:nvCxnSpPr>
+            <p:cNvPr id="50" name="Straight Arrow Connector 49"/>
+            <p:cNvCxnSpPr>
+              <a:stCxn id="230" idx="0"/>
+            </p:cNvCxnSpPr>
+            <p:nvPr/>
+          </p:nvCxnSpPr>
+          <p:spPr>
+            <a:xfrm flipV="1">
+              <a:off x="7949051" y="4307531"/>
+              <a:ext cx="3705" cy="427805"/>
+            </a:xfrm>
+            <a:prstGeom prst="straightConnector1">
+              <a:avLst/>
+            </a:prstGeom>
+            <a:ln w="19050">
+              <a:tailEnd type="triangle"/>
+            </a:ln>
+          </p:spPr>
+          <p:style>
+            <a:lnRef idx="1">
+              <a:schemeClr val="dk1"/>
+            </a:lnRef>
+            <a:fillRef idx="0">
+              <a:schemeClr val="dk1"/>
+            </a:fillRef>
+            <a:effectRef idx="0">
+              <a:schemeClr val="dk1"/>
+            </a:effectRef>
+            <a:fontRef idx="minor">
+              <a:schemeClr val="tx1"/>
+            </a:fontRef>
+          </p:style>
+        </p:cxnSp>
+        <p:cxnSp>
+          <p:nvCxnSpPr>
+            <p:cNvPr id="57" name="Straight Arrow Connector 56"/>
+            <p:cNvCxnSpPr>
+              <a:stCxn id="172" idx="3"/>
+              <a:endCxn id="174" idx="1"/>
+            </p:cNvCxnSpPr>
+            <p:nvPr/>
+          </p:nvCxnSpPr>
+          <p:spPr>
+            <a:xfrm flipV="1">
+              <a:off x="3183497" y="3850299"/>
+              <a:ext cx="450201" cy="14"/>
+            </a:xfrm>
+            <a:prstGeom prst="straightConnector1">
+              <a:avLst/>
+            </a:prstGeom>
+            <a:ln w="19050">
+              <a:tailEnd type="triangle"/>
+            </a:ln>
+          </p:spPr>
+          <p:style>
+            <a:lnRef idx="1">
+              <a:schemeClr val="dk1"/>
+            </a:lnRef>
+            <a:fillRef idx="0">
+              <a:schemeClr val="dk1"/>
+            </a:fillRef>
+            <a:effectRef idx="0">
+              <a:schemeClr val="dk1"/>
+            </a:effectRef>
+            <a:fontRef idx="minor">
+              <a:schemeClr val="tx1"/>
+            </a:fontRef>
+          </p:style>
+        </p:cxnSp>
+        <p:cxnSp>
+          <p:nvCxnSpPr>
+            <p:cNvPr id="33" name="Elbow Connector 32"/>
+            <p:cNvCxnSpPr>
+              <a:endCxn id="42" idx="1"/>
             </p:cNvCxnSpPr>
             <p:nvPr/>
           </p:nvCxnSpPr>
           <p:spPr>
             <a:xfrm rot="16200000" flipH="1">
-              <a:off x="8290098" y="3136270"/>
-              <a:ext cx="955786" cy="284293"/>
+              <a:off x="4736069" y="4501918"/>
+              <a:ext cx="1183975" cy="256188"/>
             </a:xfrm>
             <a:prstGeom prst="bentConnector2">
               <a:avLst/>
@@ -3682,14 +4808,14 @@
         </p:cxnSp>
         <p:cxnSp>
           <p:nvCxnSpPr>
-            <p:cNvPr id="201" name="Straight Connector 200"/>
+            <p:cNvPr id="66" name="Straight Connector 65"/>
             <p:cNvCxnSpPr/>
             <p:nvPr/>
           </p:nvCxnSpPr>
           <p:spPr>
-            <a:xfrm>
-              <a:off x="8435354" y="2800522"/>
-              <a:ext cx="190489" cy="0"/>
+            <a:xfrm flipH="1">
+              <a:off x="6820350" y="5231131"/>
+              <a:ext cx="205003" cy="784"/>
             </a:xfrm>
             <a:prstGeom prst="line">
               <a:avLst/>
@@ -3711,68 +4837,20 @@
             </a:fontRef>
           </p:style>
         </p:cxnSp>
-      </p:grpSp>
-      <p:grpSp>
-        <p:nvGrpSpPr>
-          <p:cNvPr id="224" name="Group 223"/>
-          <p:cNvGrpSpPr/>
-          <p:nvPr/>
-        </p:nvGrpSpPr>
-        <p:grpSpPr>
-          <a:xfrm>
-            <a:off x="10005071" y="2800521"/>
-            <a:ext cx="511615" cy="955789"/>
-            <a:chOff x="10005071" y="2800521"/>
-            <a:chExt cx="511615" cy="955789"/>
-          </a:xfrm>
-        </p:grpSpPr>
         <p:cxnSp>
           <p:nvCxnSpPr>
-            <p:cNvPr id="212" name="Straight Connector 211"/>
-            <p:cNvCxnSpPr>
-              <a:stCxn id="202" idx="3"/>
-            </p:cNvCxnSpPr>
-            <p:nvPr/>
-          </p:nvCxnSpPr>
-          <p:spPr>
-            <a:xfrm flipV="1">
-              <a:off x="10005071" y="3756309"/>
-              <a:ext cx="227320" cy="1"/>
-            </a:xfrm>
-            <a:prstGeom prst="line">
-              <a:avLst/>
-            </a:prstGeom>
-            <a:ln w="19050"/>
-          </p:spPr>
-          <p:style>
-            <a:lnRef idx="1">
-              <a:schemeClr val="dk1"/>
-            </a:lnRef>
-            <a:fillRef idx="0">
-              <a:schemeClr val="dk1"/>
-            </a:fillRef>
-            <a:effectRef idx="0">
-              <a:schemeClr val="dk1"/>
-            </a:effectRef>
-            <a:fontRef idx="minor">
-              <a:schemeClr val="tx1"/>
-            </a:fontRef>
-          </p:style>
-        </p:cxnSp>
-        <p:cxnSp>
-          <p:nvCxnSpPr>
-            <p:cNvPr id="211" name="Elbow Connector 210"/>
+            <p:cNvPr id="37" name="Elbow Connector 36"/>
             <p:cNvCxnSpPr/>
             <p:nvPr/>
           </p:nvCxnSpPr>
           <p:spPr>
             <a:xfrm rot="5400000" flipH="1" flipV="1">
-              <a:off x="9896645" y="3136267"/>
-              <a:ext cx="955788" cy="284295"/>
+              <a:off x="6543234" y="4516590"/>
+              <a:ext cx="1193503" cy="235587"/>
             </a:xfrm>
             <a:prstGeom prst="bentConnector3">
               <a:avLst>
-                <a:gd name="adj1" fmla="val 100227"/>
+                <a:gd name="adj1" fmla="val 100012"/>
               </a:avLst>
             </a:prstGeom>
             <a:ln w="19050">
@@ -3794,1323 +4872,50 @@
             </a:fontRef>
           </p:style>
         </p:cxnSp>
+        <p:sp>
+          <p:nvSpPr>
+            <p:cNvPr id="96" name="Rounded Rectangle 95"/>
+            <p:cNvSpPr/>
+            <p:nvPr/>
+          </p:nvSpPr>
+          <p:spPr>
+            <a:xfrm>
+              <a:off x="7274521" y="3393065"/>
+              <a:ext cx="1364220" cy="914467"/>
+            </a:xfrm>
+            <a:prstGeom prst="roundRect">
+              <a:avLst/>
+            </a:prstGeom>
+            <a:ln w="19050"/>
+          </p:spPr>
+          <p:style>
+            <a:lnRef idx="2">
+              <a:schemeClr val="dk1"/>
+            </a:lnRef>
+            <a:fillRef idx="1">
+              <a:schemeClr val="lt1"/>
+            </a:fillRef>
+            <a:effectRef idx="0">
+              <a:schemeClr val="dk1"/>
+            </a:effectRef>
+            <a:fontRef idx="minor">
+              <a:schemeClr val="dk1"/>
+            </a:fontRef>
+          </p:style>
+          <p:txBody>
+            <a:bodyPr rtlCol="0" anchor="ctr"/>
+            <a:lstStyle/>
+            <a:p>
+              <a:pPr algn="ctr"/>
+              <a:r>
+                <a:rPr lang="en-US" sz="1200" dirty="0" smtClean="0"/>
+                <a:t>Fork</a:t>
+              </a:r>
+              <a:endParaRPr lang="en-US" sz="1200" dirty="0"/>
+            </a:p>
+          </p:txBody>
+        </p:sp>
       </p:grpSp>
-      <p:sp>
-        <p:nvSpPr>
-          <p:cNvPr id="228" name="Rounded Rectangle 227"/>
-          <p:cNvSpPr/>
-          <p:nvPr/>
-        </p:nvSpPr>
-        <p:spPr>
-          <a:xfrm>
-            <a:off x="43094" y="5313784"/>
-            <a:ext cx="1094933" cy="739141"/>
-          </a:xfrm>
-          <a:prstGeom prst="roundRect">
-            <a:avLst/>
-          </a:prstGeom>
-          <a:ln w="19050"/>
-        </p:spPr>
-        <p:style>
-          <a:lnRef idx="2">
-            <a:schemeClr val="dk1"/>
-          </a:lnRef>
-          <a:fillRef idx="1">
-            <a:schemeClr val="lt1"/>
-          </a:fillRef>
-          <a:effectRef idx="0">
-            <a:schemeClr val="dk1"/>
-          </a:effectRef>
-          <a:fontRef idx="minor">
-            <a:schemeClr val="dk1"/>
-          </a:fontRef>
-        </p:style>
-        <p:txBody>
-          <a:bodyPr rtlCol="0" anchor="ctr"/>
-          <a:lstStyle/>
-          <a:p>
-            <a:pPr algn="ctr"/>
-            <a:r>
-              <a:rPr lang="en-US" sz="1200" dirty="0" smtClean="0"/>
-              <a:t>Sink</a:t>
-            </a:r>
-            <a:endParaRPr lang="en-US" sz="1200" dirty="0"/>
-          </a:p>
-        </p:txBody>
-      </p:sp>
-      <p:cxnSp>
-        <p:nvCxnSpPr>
-          <p:cNvPr id="229" name="Straight Arrow Connector 228"/>
-          <p:cNvCxnSpPr>
-            <a:stCxn id="178" idx="2"/>
-            <a:endCxn id="228" idx="0"/>
-          </p:cNvCxnSpPr>
-          <p:nvPr/>
-        </p:nvCxnSpPr>
-        <p:spPr>
-          <a:xfrm>
-            <a:off x="590561" y="3009898"/>
-            <a:ext cx="0" cy="2303886"/>
-          </a:xfrm>
-          <a:prstGeom prst="straightConnector1">
-            <a:avLst/>
-          </a:prstGeom>
-          <a:ln w="19050">
-            <a:tailEnd type="triangle"/>
-          </a:ln>
-        </p:spPr>
-        <p:style>
-          <a:lnRef idx="1">
-            <a:schemeClr val="dk1"/>
-          </a:lnRef>
-          <a:fillRef idx="0">
-            <a:schemeClr val="dk1"/>
-          </a:fillRef>
-          <a:effectRef idx="0">
-            <a:schemeClr val="dk1"/>
-          </a:effectRef>
-          <a:fontRef idx="minor">
-            <a:schemeClr val="tx1"/>
-          </a:fontRef>
-        </p:style>
-      </p:cxnSp>
-      <p:sp>
-        <p:nvSpPr>
-          <p:cNvPr id="230" name="Rounded Rectangle 229"/>
-          <p:cNvSpPr/>
-          <p:nvPr/>
-        </p:nvSpPr>
-        <p:spPr>
-          <a:xfrm>
-            <a:off x="10971741" y="5313783"/>
-            <a:ext cx="1094933" cy="739141"/>
-          </a:xfrm>
-          <a:prstGeom prst="roundRect">
-            <a:avLst/>
-          </a:prstGeom>
-          <a:ln w="19050"/>
-        </p:spPr>
-        <p:style>
-          <a:lnRef idx="2">
-            <a:schemeClr val="dk1"/>
-          </a:lnRef>
-          <a:fillRef idx="1">
-            <a:schemeClr val="lt1"/>
-          </a:fillRef>
-          <a:effectRef idx="0">
-            <a:schemeClr val="dk1"/>
-          </a:effectRef>
-          <a:fontRef idx="minor">
-            <a:schemeClr val="dk1"/>
-          </a:fontRef>
-        </p:style>
-        <p:txBody>
-          <a:bodyPr rtlCol="0" anchor="ctr"/>
-          <a:lstStyle/>
-          <a:p>
-            <a:pPr algn="ctr"/>
-            <a:r>
-              <a:rPr lang="en-US" sz="1200" dirty="0" smtClean="0"/>
-              <a:t>Sink</a:t>
-            </a:r>
-            <a:endParaRPr lang="en-US" sz="1200" dirty="0"/>
-          </a:p>
-        </p:txBody>
-      </p:sp>
-      <p:cxnSp>
-        <p:nvCxnSpPr>
-          <p:cNvPr id="232" name="Elbow Connector 231"/>
-          <p:cNvCxnSpPr>
-            <a:stCxn id="203" idx="3"/>
-            <a:endCxn id="230" idx="0"/>
-          </p:cNvCxnSpPr>
-          <p:nvPr/>
-        </p:nvCxnSpPr>
-        <p:spPr>
-          <a:xfrm flipH="1">
-            <a:off x="11519208" y="2640328"/>
-            <a:ext cx="90898" cy="2673455"/>
-          </a:xfrm>
-          <a:prstGeom prst="bentConnector4">
-            <a:avLst>
-              <a:gd name="adj1" fmla="val -293406"/>
-              <a:gd name="adj2" fmla="val 56912"/>
-            </a:avLst>
-          </a:prstGeom>
-          <a:ln w="19050">
-            <a:tailEnd type="triangle"/>
-          </a:ln>
-        </p:spPr>
-        <p:style>
-          <a:lnRef idx="1">
-            <a:schemeClr val="dk1"/>
-          </a:lnRef>
-          <a:fillRef idx="0">
-            <a:schemeClr val="dk1"/>
-          </a:fillRef>
-          <a:effectRef idx="0">
-            <a:schemeClr val="dk1"/>
-          </a:effectRef>
-          <a:fontRef idx="minor">
-            <a:schemeClr val="tx1"/>
-          </a:fontRef>
-        </p:style>
-      </p:cxnSp>
-      <mc:AlternateContent xmlns:mc="http://schemas.openxmlformats.org/markup-compatibility/2006">
-        <mc:Choice xmlns:a14="http://schemas.microsoft.com/office/drawing/2010/main" Requires="a14">
-          <p:sp>
-            <p:nvSpPr>
-              <p:cNvPr id="234" name="TextBox 233"/>
-              <p:cNvSpPr txBox="1"/>
-              <p:nvPr/>
-            </p:nvSpPr>
-            <p:spPr>
-              <a:xfrm>
-                <a:off x="1229910" y="2392795"/>
-                <a:ext cx="180754" cy="184666"/>
-              </a:xfrm>
-              <a:prstGeom prst="rect">
-                <a:avLst/>
-              </a:prstGeom>
-              <a:noFill/>
-            </p:spPr>
-            <p:txBody>
-              <a:bodyPr wrap="none" lIns="0" tIns="0" rIns="0" bIns="0" rtlCol="0">
-                <a:spAutoFit/>
-              </a:bodyPr>
-              <a:lstStyle/>
-              <a:p>
-                <a14:m>
-                  <m:oMathPara xmlns:m="http://schemas.openxmlformats.org/officeDocument/2006/math">
-                    <m:oMathParaPr>
-                      <m:jc m:val="centerGroup"/>
-                    </m:oMathParaPr>
-                    <m:oMath xmlns:m="http://schemas.openxmlformats.org/officeDocument/2006/math">
-                      <m:sSub>
-                        <m:sSubPr>
-                          <m:ctrlPr>
-                            <a:rPr lang="en-US" sz="1200" smtClean="0">
-                              <a:latin typeface="Cambria Math" panose="02040503050406030204" pitchFamily="18" charset="0"/>
-                            </a:rPr>
-                          </m:ctrlPr>
-                        </m:sSubPr>
-                        <m:e>
-                          <m:r>
-                            <m:rPr>
-                              <m:sty m:val="p"/>
-                            </m:rPr>
-                            <a:rPr lang="en-US" sz="1200" b="0" i="0" smtClean="0">
-                              <a:latin typeface="Cambria Math" panose="02040503050406030204" pitchFamily="18" charset="0"/>
-                            </a:rPr>
-                            <m:t>S</m:t>
-                          </m:r>
-                        </m:e>
-                        <m:sub>
-                          <m:r>
-                            <a:rPr lang="en-US" sz="1200" b="0" i="0" smtClean="0">
-                              <a:latin typeface="Cambria Math" panose="02040503050406030204" pitchFamily="18" charset="0"/>
-                            </a:rPr>
-                            <m:t>1</m:t>
-                          </m:r>
-                        </m:sub>
-                      </m:sSub>
-                    </m:oMath>
-                  </m:oMathPara>
-                </a14:m>
-                <a:endParaRPr lang="en-US" sz="1200" dirty="0"/>
-              </a:p>
-            </p:txBody>
-          </p:sp>
-        </mc:Choice>
-        <mc:Fallback>
-          <p:sp>
-            <p:nvSpPr>
-              <p:cNvPr id="234" name="TextBox 233"/>
-              <p:cNvSpPr txBox="1">
-                <a:spLocks noRot="1" noChangeAspect="1" noMove="1" noResize="1" noEditPoints="1" noAdjustHandles="1" noChangeArrowheads="1" noChangeShapeType="1" noTextEdit="1"/>
-              </p:cNvSpPr>
-              <p:nvPr/>
-            </p:nvSpPr>
-            <p:spPr>
-              <a:xfrm>
-                <a:off x="1229910" y="2392795"/>
-                <a:ext cx="180754" cy="184666"/>
-              </a:xfrm>
-              <a:prstGeom prst="rect">
-                <a:avLst/>
-              </a:prstGeom>
-              <a:blipFill>
-                <a:blip r:embed="rId2"/>
-                <a:stretch>
-                  <a:fillRect l="-20690" r="-3448" b="-13333"/>
-                </a:stretch>
-              </a:blipFill>
-            </p:spPr>
-            <p:txBody>
-              <a:bodyPr/>
-              <a:lstStyle/>
-              <a:p>
-                <a:r>
-                  <a:rPr lang="en-US">
-                    <a:noFill/>
-                  </a:rPr>
-                  <a:t> </a:t>
-                </a:r>
-              </a:p>
-            </p:txBody>
-          </p:sp>
-        </mc:Fallback>
-      </mc:AlternateContent>
-      <mc:AlternateContent xmlns:mc="http://schemas.openxmlformats.org/markup-compatibility/2006">
-        <mc:Choice xmlns:a14="http://schemas.microsoft.com/office/drawing/2010/main" Requires="a14">
-          <p:sp>
-            <p:nvSpPr>
-              <p:cNvPr id="235" name="TextBox 234"/>
-              <p:cNvSpPr txBox="1"/>
-              <p:nvPr/>
-            </p:nvSpPr>
-            <p:spPr>
-              <a:xfrm>
-                <a:off x="2700345" y="2392795"/>
-                <a:ext cx="184345" cy="184666"/>
-              </a:xfrm>
-              <a:prstGeom prst="rect">
-                <a:avLst/>
-              </a:prstGeom>
-              <a:noFill/>
-            </p:spPr>
-            <p:txBody>
-              <a:bodyPr wrap="none" lIns="0" tIns="0" rIns="0" bIns="0" rtlCol="0">
-                <a:spAutoFit/>
-              </a:bodyPr>
-              <a:lstStyle/>
-              <a:p>
-                <a14:m>
-                  <m:oMathPara xmlns:m="http://schemas.openxmlformats.org/officeDocument/2006/math">
-                    <m:oMathParaPr>
-                      <m:jc m:val="centerGroup"/>
-                    </m:oMathParaPr>
-                    <m:oMath xmlns:m="http://schemas.openxmlformats.org/officeDocument/2006/math">
-                      <m:sSub>
-                        <m:sSubPr>
-                          <m:ctrlPr>
-                            <a:rPr lang="en-US" sz="1200" smtClean="0">
-                              <a:latin typeface="Cambria Math" panose="02040503050406030204" pitchFamily="18" charset="0"/>
-                            </a:rPr>
-                          </m:ctrlPr>
-                        </m:sSubPr>
-                        <m:e>
-                          <m:r>
-                            <m:rPr>
-                              <m:sty m:val="p"/>
-                            </m:rPr>
-                            <a:rPr lang="en-US" sz="1200" b="0" i="0" smtClean="0">
-                              <a:latin typeface="Cambria Math" panose="02040503050406030204" pitchFamily="18" charset="0"/>
-                            </a:rPr>
-                            <m:t>S</m:t>
-                          </m:r>
-                        </m:e>
-                        <m:sub>
-                          <m:r>
-                            <a:rPr lang="en-US" sz="1200" b="0" i="0" smtClean="0">
-                              <a:latin typeface="Cambria Math" panose="02040503050406030204" pitchFamily="18" charset="0"/>
-                            </a:rPr>
-                            <m:t>2</m:t>
-                          </m:r>
-                        </m:sub>
-                      </m:sSub>
-                    </m:oMath>
-                  </m:oMathPara>
-                </a14:m>
-                <a:endParaRPr lang="en-US" sz="1200" dirty="0"/>
-              </a:p>
-            </p:txBody>
-          </p:sp>
-        </mc:Choice>
-        <mc:Fallback>
-          <p:sp>
-            <p:nvSpPr>
-              <p:cNvPr id="235" name="TextBox 234"/>
-              <p:cNvSpPr txBox="1">
-                <a:spLocks noRot="1" noChangeAspect="1" noMove="1" noResize="1" noEditPoints="1" noAdjustHandles="1" noChangeArrowheads="1" noChangeShapeType="1" noTextEdit="1"/>
-              </p:cNvSpPr>
-              <p:nvPr/>
-            </p:nvSpPr>
-            <p:spPr>
-              <a:xfrm>
-                <a:off x="2700345" y="2392795"/>
-                <a:ext cx="184345" cy="184666"/>
-              </a:xfrm>
-              <a:prstGeom prst="rect">
-                <a:avLst/>
-              </a:prstGeom>
-              <a:blipFill>
-                <a:blip r:embed="rId3"/>
-                <a:stretch>
-                  <a:fillRect l="-20000" r="-3333" b="-13333"/>
-                </a:stretch>
-              </a:blipFill>
-            </p:spPr>
-            <p:txBody>
-              <a:bodyPr/>
-              <a:lstStyle/>
-              <a:p>
-                <a:r>
-                  <a:rPr lang="en-US">
-                    <a:noFill/>
-                  </a:rPr>
-                  <a:t> </a:t>
-                </a:r>
-              </a:p>
-            </p:txBody>
-          </p:sp>
-        </mc:Fallback>
-      </mc:AlternateContent>
-      <mc:AlternateContent xmlns:mc="http://schemas.openxmlformats.org/markup-compatibility/2006">
-        <mc:Choice xmlns:a14="http://schemas.microsoft.com/office/drawing/2010/main" Requires="a14">
-          <p:sp>
-            <p:nvSpPr>
-              <p:cNvPr id="236" name="TextBox 235"/>
-              <p:cNvSpPr txBox="1"/>
-              <p:nvPr/>
-            </p:nvSpPr>
-            <p:spPr>
-              <a:xfrm>
-                <a:off x="4166142" y="2392795"/>
-                <a:ext cx="184345" cy="184666"/>
-              </a:xfrm>
-              <a:prstGeom prst="rect">
-                <a:avLst/>
-              </a:prstGeom>
-              <a:noFill/>
-            </p:spPr>
-            <p:txBody>
-              <a:bodyPr wrap="none" lIns="0" tIns="0" rIns="0" bIns="0" rtlCol="0">
-                <a:spAutoFit/>
-              </a:bodyPr>
-              <a:lstStyle/>
-              <a:p>
-                <a14:m>
-                  <m:oMathPara xmlns:m="http://schemas.openxmlformats.org/officeDocument/2006/math">
-                    <m:oMathParaPr>
-                      <m:jc m:val="centerGroup"/>
-                    </m:oMathParaPr>
-                    <m:oMath xmlns:m="http://schemas.openxmlformats.org/officeDocument/2006/math">
-                      <m:sSub>
-                        <m:sSubPr>
-                          <m:ctrlPr>
-                            <a:rPr lang="en-US" sz="1200" smtClean="0">
-                              <a:latin typeface="Cambria Math" panose="02040503050406030204" pitchFamily="18" charset="0"/>
-                            </a:rPr>
-                          </m:ctrlPr>
-                        </m:sSubPr>
-                        <m:e>
-                          <m:r>
-                            <m:rPr>
-                              <m:sty m:val="p"/>
-                            </m:rPr>
-                            <a:rPr lang="en-US" sz="1200" b="0" i="0" smtClean="0">
-                              <a:latin typeface="Cambria Math" panose="02040503050406030204" pitchFamily="18" charset="0"/>
-                            </a:rPr>
-                            <m:t>S</m:t>
-                          </m:r>
-                        </m:e>
-                        <m:sub>
-                          <m:r>
-                            <a:rPr lang="en-US" sz="1200" b="0" i="0" smtClean="0">
-                              <a:latin typeface="Cambria Math" panose="02040503050406030204" pitchFamily="18" charset="0"/>
-                            </a:rPr>
-                            <m:t>3</m:t>
-                          </m:r>
-                        </m:sub>
-                      </m:sSub>
-                    </m:oMath>
-                  </m:oMathPara>
-                </a14:m>
-                <a:endParaRPr lang="en-US" sz="1200" dirty="0"/>
-              </a:p>
-            </p:txBody>
-          </p:sp>
-        </mc:Choice>
-        <mc:Fallback>
-          <p:sp>
-            <p:nvSpPr>
-              <p:cNvPr id="236" name="TextBox 235"/>
-              <p:cNvSpPr txBox="1">
-                <a:spLocks noRot="1" noChangeAspect="1" noMove="1" noResize="1" noEditPoints="1" noAdjustHandles="1" noChangeArrowheads="1" noChangeShapeType="1" noTextEdit="1"/>
-              </p:cNvSpPr>
-              <p:nvPr/>
-            </p:nvSpPr>
-            <p:spPr>
-              <a:xfrm>
-                <a:off x="4166142" y="2392795"/>
-                <a:ext cx="184345" cy="184666"/>
-              </a:xfrm>
-              <a:prstGeom prst="rect">
-                <a:avLst/>
-              </a:prstGeom>
-              <a:blipFill>
-                <a:blip r:embed="rId4"/>
-                <a:stretch>
-                  <a:fillRect l="-19355" b="-13333"/>
-                </a:stretch>
-              </a:blipFill>
-            </p:spPr>
-            <p:txBody>
-              <a:bodyPr/>
-              <a:lstStyle/>
-              <a:p>
-                <a:r>
-                  <a:rPr lang="en-US">
-                    <a:noFill/>
-                  </a:rPr>
-                  <a:t> </a:t>
-                </a:r>
-              </a:p>
-            </p:txBody>
-          </p:sp>
-        </mc:Fallback>
-      </mc:AlternateContent>
-      <mc:AlternateContent xmlns:mc="http://schemas.openxmlformats.org/markup-compatibility/2006">
-        <mc:Choice xmlns:a14="http://schemas.microsoft.com/office/drawing/2010/main" Requires="a14">
-          <p:sp>
-            <p:nvSpPr>
-              <p:cNvPr id="237" name="TextBox 236"/>
-              <p:cNvSpPr txBox="1"/>
-              <p:nvPr/>
-            </p:nvSpPr>
-            <p:spPr>
-              <a:xfrm>
-                <a:off x="5598304" y="2392795"/>
-                <a:ext cx="184345" cy="184666"/>
-              </a:xfrm>
-              <a:prstGeom prst="rect">
-                <a:avLst/>
-              </a:prstGeom>
-              <a:noFill/>
-            </p:spPr>
-            <p:txBody>
-              <a:bodyPr wrap="none" lIns="0" tIns="0" rIns="0" bIns="0" rtlCol="0">
-                <a:spAutoFit/>
-              </a:bodyPr>
-              <a:lstStyle/>
-              <a:p>
-                <a14:m>
-                  <m:oMathPara xmlns:m="http://schemas.openxmlformats.org/officeDocument/2006/math">
-                    <m:oMathParaPr>
-                      <m:jc m:val="centerGroup"/>
-                    </m:oMathParaPr>
-                    <m:oMath xmlns:m="http://schemas.openxmlformats.org/officeDocument/2006/math">
-                      <m:sSub>
-                        <m:sSubPr>
-                          <m:ctrlPr>
-                            <a:rPr lang="en-US" sz="1200" smtClean="0">
-                              <a:latin typeface="Cambria Math" panose="02040503050406030204" pitchFamily="18" charset="0"/>
-                            </a:rPr>
-                          </m:ctrlPr>
-                        </m:sSubPr>
-                        <m:e>
-                          <m:r>
-                            <m:rPr>
-                              <m:sty m:val="p"/>
-                            </m:rPr>
-                            <a:rPr lang="en-US" sz="1200" b="0" i="0" smtClean="0">
-                              <a:latin typeface="Cambria Math" panose="02040503050406030204" pitchFamily="18" charset="0"/>
-                            </a:rPr>
-                            <m:t>S</m:t>
-                          </m:r>
-                        </m:e>
-                        <m:sub>
-                          <m:r>
-                            <a:rPr lang="en-US" sz="1200" b="0" i="0" smtClean="0">
-                              <a:latin typeface="Cambria Math" panose="02040503050406030204" pitchFamily="18" charset="0"/>
-                            </a:rPr>
-                            <m:t>4</m:t>
-                          </m:r>
-                        </m:sub>
-                      </m:sSub>
-                    </m:oMath>
-                  </m:oMathPara>
-                </a14:m>
-                <a:endParaRPr lang="en-US" sz="1200" dirty="0"/>
-              </a:p>
-            </p:txBody>
-          </p:sp>
-        </mc:Choice>
-        <mc:Fallback>
-          <p:sp>
-            <p:nvSpPr>
-              <p:cNvPr id="237" name="TextBox 236"/>
-              <p:cNvSpPr txBox="1">
-                <a:spLocks noRot="1" noChangeAspect="1" noMove="1" noResize="1" noEditPoints="1" noAdjustHandles="1" noChangeArrowheads="1" noChangeShapeType="1" noTextEdit="1"/>
-              </p:cNvSpPr>
-              <p:nvPr/>
-            </p:nvSpPr>
-            <p:spPr>
-              <a:xfrm>
-                <a:off x="5598304" y="2392795"/>
-                <a:ext cx="184345" cy="184666"/>
-              </a:xfrm>
-              <a:prstGeom prst="rect">
-                <a:avLst/>
-              </a:prstGeom>
-              <a:blipFill>
-                <a:blip r:embed="rId5"/>
-                <a:stretch>
-                  <a:fillRect l="-19355" b="-13333"/>
-                </a:stretch>
-              </a:blipFill>
-            </p:spPr>
-            <p:txBody>
-              <a:bodyPr/>
-              <a:lstStyle/>
-              <a:p>
-                <a:r>
-                  <a:rPr lang="en-US">
-                    <a:noFill/>
-                  </a:rPr>
-                  <a:t> </a:t>
-                </a:r>
-              </a:p>
-            </p:txBody>
-          </p:sp>
-        </mc:Fallback>
-      </mc:AlternateContent>
-      <mc:AlternateContent xmlns:mc="http://schemas.openxmlformats.org/markup-compatibility/2006">
-        <mc:Choice xmlns:a14="http://schemas.microsoft.com/office/drawing/2010/main" Requires="a14">
-          <p:sp>
-            <p:nvSpPr>
-              <p:cNvPr id="238" name="TextBox 237"/>
-              <p:cNvSpPr txBox="1"/>
-              <p:nvPr/>
-            </p:nvSpPr>
-            <p:spPr>
-              <a:xfrm>
-                <a:off x="6517821" y="2002922"/>
-                <a:ext cx="184345" cy="184666"/>
-              </a:xfrm>
-              <a:prstGeom prst="rect">
-                <a:avLst/>
-              </a:prstGeom>
-              <a:noFill/>
-            </p:spPr>
-            <p:txBody>
-              <a:bodyPr wrap="none" lIns="0" tIns="0" rIns="0" bIns="0" rtlCol="0">
-                <a:spAutoFit/>
-              </a:bodyPr>
-              <a:lstStyle/>
-              <a:p>
-                <a14:m>
-                  <m:oMathPara xmlns:m="http://schemas.openxmlformats.org/officeDocument/2006/math">
-                    <m:oMathParaPr>
-                      <m:jc m:val="centerGroup"/>
-                    </m:oMathParaPr>
-                    <m:oMath xmlns:m="http://schemas.openxmlformats.org/officeDocument/2006/math">
-                      <m:sSub>
-                        <m:sSubPr>
-                          <m:ctrlPr>
-                            <a:rPr lang="en-US" sz="1200" smtClean="0">
-                              <a:latin typeface="Cambria Math" panose="02040503050406030204" pitchFamily="18" charset="0"/>
-                            </a:rPr>
-                          </m:ctrlPr>
-                        </m:sSubPr>
-                        <m:e>
-                          <m:r>
-                            <m:rPr>
-                              <m:sty m:val="p"/>
-                            </m:rPr>
-                            <a:rPr lang="en-US" sz="1200" b="0" i="0" smtClean="0">
-                              <a:latin typeface="Cambria Math" panose="02040503050406030204" pitchFamily="18" charset="0"/>
-                            </a:rPr>
-                            <m:t>S</m:t>
-                          </m:r>
-                        </m:e>
-                        <m:sub>
-                          <m:r>
-                            <a:rPr lang="en-US" sz="1200" b="0" i="0" smtClean="0">
-                              <a:latin typeface="Cambria Math" panose="02040503050406030204" pitchFamily="18" charset="0"/>
-                            </a:rPr>
-                            <m:t>5</m:t>
-                          </m:r>
-                        </m:sub>
-                      </m:sSub>
-                    </m:oMath>
-                  </m:oMathPara>
-                </a14:m>
-                <a:endParaRPr lang="en-US" sz="1200" dirty="0"/>
-              </a:p>
-            </p:txBody>
-          </p:sp>
-        </mc:Choice>
-        <mc:Fallback>
-          <p:sp>
-            <p:nvSpPr>
-              <p:cNvPr id="238" name="TextBox 237"/>
-              <p:cNvSpPr txBox="1">
-                <a:spLocks noRot="1" noChangeAspect="1" noMove="1" noResize="1" noEditPoints="1" noAdjustHandles="1" noChangeArrowheads="1" noChangeShapeType="1" noTextEdit="1"/>
-              </p:cNvSpPr>
-              <p:nvPr/>
-            </p:nvSpPr>
-            <p:spPr>
-              <a:xfrm>
-                <a:off x="6517821" y="2002922"/>
-                <a:ext cx="184345" cy="184666"/>
-              </a:xfrm>
-              <a:prstGeom prst="rect">
-                <a:avLst/>
-              </a:prstGeom>
-              <a:blipFill>
-                <a:blip r:embed="rId6"/>
-                <a:stretch>
-                  <a:fillRect l="-20000" r="-6667" b="-13333"/>
-                </a:stretch>
-              </a:blipFill>
-            </p:spPr>
-            <p:txBody>
-              <a:bodyPr/>
-              <a:lstStyle/>
-              <a:p>
-                <a:r>
-                  <a:rPr lang="en-US">
-                    <a:noFill/>
-                  </a:rPr>
-                  <a:t> </a:t>
-                </a:r>
-              </a:p>
-            </p:txBody>
-          </p:sp>
-        </mc:Fallback>
-      </mc:AlternateContent>
-      <mc:AlternateContent xmlns:mc="http://schemas.openxmlformats.org/markup-compatibility/2006">
-        <mc:Choice xmlns:a14="http://schemas.microsoft.com/office/drawing/2010/main" Requires="a14">
-          <p:sp>
-            <p:nvSpPr>
-              <p:cNvPr id="240" name="TextBox 239"/>
-              <p:cNvSpPr txBox="1"/>
-              <p:nvPr/>
-            </p:nvSpPr>
-            <p:spPr>
-              <a:xfrm>
-                <a:off x="7065988" y="2392795"/>
-                <a:ext cx="184345" cy="184666"/>
-              </a:xfrm>
-              <a:prstGeom prst="rect">
-                <a:avLst/>
-              </a:prstGeom>
-              <a:noFill/>
-            </p:spPr>
-            <p:txBody>
-              <a:bodyPr wrap="none" lIns="0" tIns="0" rIns="0" bIns="0" rtlCol="0">
-                <a:spAutoFit/>
-              </a:bodyPr>
-              <a:lstStyle/>
-              <a:p>
-                <a14:m>
-                  <m:oMathPara xmlns:m="http://schemas.openxmlformats.org/officeDocument/2006/math">
-                    <m:oMathParaPr>
-                      <m:jc m:val="centerGroup"/>
-                    </m:oMathParaPr>
-                    <m:oMath xmlns:m="http://schemas.openxmlformats.org/officeDocument/2006/math">
-                      <m:sSub>
-                        <m:sSubPr>
-                          <m:ctrlPr>
-                            <a:rPr lang="en-US" sz="1200" smtClean="0">
-                              <a:latin typeface="Cambria Math" panose="02040503050406030204" pitchFamily="18" charset="0"/>
-                            </a:rPr>
-                          </m:ctrlPr>
-                        </m:sSubPr>
-                        <m:e>
-                          <m:r>
-                            <m:rPr>
-                              <m:sty m:val="p"/>
-                            </m:rPr>
-                            <a:rPr lang="en-US" sz="1200" b="0" i="0" smtClean="0">
-                              <a:latin typeface="Cambria Math" panose="02040503050406030204" pitchFamily="18" charset="0"/>
-                            </a:rPr>
-                            <m:t>S</m:t>
-                          </m:r>
-                        </m:e>
-                        <m:sub>
-                          <m:r>
-                            <a:rPr lang="en-US" sz="1200" b="0" i="0" smtClean="0">
-                              <a:latin typeface="Cambria Math" panose="02040503050406030204" pitchFamily="18" charset="0"/>
-                            </a:rPr>
-                            <m:t>6</m:t>
-                          </m:r>
-                        </m:sub>
-                      </m:sSub>
-                    </m:oMath>
-                  </m:oMathPara>
-                </a14:m>
-                <a:endParaRPr lang="en-US" sz="1200" dirty="0"/>
-              </a:p>
-            </p:txBody>
-          </p:sp>
-        </mc:Choice>
-        <mc:Fallback>
-          <p:sp>
-            <p:nvSpPr>
-              <p:cNvPr id="240" name="TextBox 239"/>
-              <p:cNvSpPr txBox="1">
-                <a:spLocks noRot="1" noChangeAspect="1" noMove="1" noResize="1" noEditPoints="1" noAdjustHandles="1" noChangeArrowheads="1" noChangeShapeType="1" noTextEdit="1"/>
-              </p:cNvSpPr>
-              <p:nvPr/>
-            </p:nvSpPr>
-            <p:spPr>
-              <a:xfrm>
-                <a:off x="7065988" y="2392795"/>
-                <a:ext cx="184345" cy="184666"/>
-              </a:xfrm>
-              <a:prstGeom prst="rect">
-                <a:avLst/>
-              </a:prstGeom>
-              <a:blipFill>
-                <a:blip r:embed="rId7"/>
-                <a:stretch>
-                  <a:fillRect l="-20000" r="-3333" b="-13333"/>
-                </a:stretch>
-              </a:blipFill>
-            </p:spPr>
-            <p:txBody>
-              <a:bodyPr/>
-              <a:lstStyle/>
-              <a:p>
-                <a:r>
-                  <a:rPr lang="en-US">
-                    <a:noFill/>
-                  </a:rPr>
-                  <a:t> </a:t>
-                </a:r>
-              </a:p>
-            </p:txBody>
-          </p:sp>
-        </mc:Fallback>
-      </mc:AlternateContent>
-      <mc:AlternateContent xmlns:mc="http://schemas.openxmlformats.org/markup-compatibility/2006">
-        <mc:Choice xmlns:a14="http://schemas.microsoft.com/office/drawing/2010/main" Requires="a14">
-          <p:sp>
-            <p:nvSpPr>
-              <p:cNvPr id="241" name="TextBox 240"/>
-              <p:cNvSpPr txBox="1"/>
-              <p:nvPr/>
-            </p:nvSpPr>
-            <p:spPr>
-              <a:xfrm>
-                <a:off x="8441498" y="2270757"/>
-                <a:ext cx="184345" cy="184666"/>
-              </a:xfrm>
-              <a:prstGeom prst="rect">
-                <a:avLst/>
-              </a:prstGeom>
-              <a:noFill/>
-            </p:spPr>
-            <p:txBody>
-              <a:bodyPr wrap="none" lIns="0" tIns="0" rIns="0" bIns="0" rtlCol="0">
-                <a:spAutoFit/>
-              </a:bodyPr>
-              <a:lstStyle/>
-              <a:p>
-                <a14:m>
-                  <m:oMathPara xmlns:m="http://schemas.openxmlformats.org/officeDocument/2006/math">
-                    <m:oMathParaPr>
-                      <m:jc m:val="centerGroup"/>
-                    </m:oMathParaPr>
-                    <m:oMath xmlns:m="http://schemas.openxmlformats.org/officeDocument/2006/math">
-                      <m:sSub>
-                        <m:sSubPr>
-                          <m:ctrlPr>
-                            <a:rPr lang="en-US" sz="1200" smtClean="0">
-                              <a:latin typeface="Cambria Math" panose="02040503050406030204" pitchFamily="18" charset="0"/>
-                            </a:rPr>
-                          </m:ctrlPr>
-                        </m:sSubPr>
-                        <m:e>
-                          <m:r>
-                            <m:rPr>
-                              <m:sty m:val="p"/>
-                            </m:rPr>
-                            <a:rPr lang="en-US" sz="1200" b="0" i="0" smtClean="0">
-                              <a:latin typeface="Cambria Math" panose="02040503050406030204" pitchFamily="18" charset="0"/>
-                            </a:rPr>
-                            <m:t>S</m:t>
-                          </m:r>
-                        </m:e>
-                        <m:sub>
-                          <m:r>
-                            <a:rPr lang="en-US" sz="1200" b="0" i="0" smtClean="0">
-                              <a:latin typeface="Cambria Math" panose="02040503050406030204" pitchFamily="18" charset="0"/>
-                            </a:rPr>
-                            <m:t>7</m:t>
-                          </m:r>
-                        </m:sub>
-                      </m:sSub>
-                    </m:oMath>
-                  </m:oMathPara>
-                </a14:m>
-                <a:endParaRPr lang="en-US" sz="1200" dirty="0"/>
-              </a:p>
-            </p:txBody>
-          </p:sp>
-        </mc:Choice>
-        <mc:Fallback>
-          <p:sp>
-            <p:nvSpPr>
-              <p:cNvPr id="241" name="TextBox 240"/>
-              <p:cNvSpPr txBox="1">
-                <a:spLocks noRot="1" noChangeAspect="1" noMove="1" noResize="1" noEditPoints="1" noAdjustHandles="1" noChangeArrowheads="1" noChangeShapeType="1" noTextEdit="1"/>
-              </p:cNvSpPr>
-              <p:nvPr/>
-            </p:nvSpPr>
-            <p:spPr>
-              <a:xfrm>
-                <a:off x="8441498" y="2270757"/>
-                <a:ext cx="184345" cy="184666"/>
-              </a:xfrm>
-              <a:prstGeom prst="rect">
-                <a:avLst/>
-              </a:prstGeom>
-              <a:blipFill>
-                <a:blip r:embed="rId8"/>
-                <a:stretch>
-                  <a:fillRect l="-20000" r="-3333" b="-9677"/>
-                </a:stretch>
-              </a:blipFill>
-            </p:spPr>
-            <p:txBody>
-              <a:bodyPr/>
-              <a:lstStyle/>
-              <a:p>
-                <a:r>
-                  <a:rPr lang="en-US">
-                    <a:noFill/>
-                  </a:rPr>
-                  <a:t> </a:t>
-                </a:r>
-              </a:p>
-            </p:txBody>
-          </p:sp>
-        </mc:Fallback>
-      </mc:AlternateContent>
-      <mc:AlternateContent xmlns:mc="http://schemas.openxmlformats.org/markup-compatibility/2006">
-        <mc:Choice xmlns:a14="http://schemas.microsoft.com/office/drawing/2010/main" Requires="a14">
-          <p:sp>
-            <p:nvSpPr>
-              <p:cNvPr id="242" name="TextBox 241"/>
-              <p:cNvSpPr txBox="1"/>
-              <p:nvPr/>
-            </p:nvSpPr>
-            <p:spPr>
-              <a:xfrm>
-                <a:off x="8441498" y="2602398"/>
-                <a:ext cx="184345" cy="184666"/>
-              </a:xfrm>
-              <a:prstGeom prst="rect">
-                <a:avLst/>
-              </a:prstGeom>
-              <a:noFill/>
-            </p:spPr>
-            <p:txBody>
-              <a:bodyPr wrap="none" lIns="0" tIns="0" rIns="0" bIns="0" rtlCol="0">
-                <a:spAutoFit/>
-              </a:bodyPr>
-              <a:lstStyle/>
-              <a:p>
-                <a14:m>
-                  <m:oMathPara xmlns:m="http://schemas.openxmlformats.org/officeDocument/2006/math">
-                    <m:oMathParaPr>
-                      <m:jc m:val="centerGroup"/>
-                    </m:oMathParaPr>
-                    <m:oMath xmlns:m="http://schemas.openxmlformats.org/officeDocument/2006/math">
-                      <m:sSub>
-                        <m:sSubPr>
-                          <m:ctrlPr>
-                            <a:rPr lang="en-US" sz="1200" smtClean="0">
-                              <a:latin typeface="Cambria Math" panose="02040503050406030204" pitchFamily="18" charset="0"/>
-                            </a:rPr>
-                          </m:ctrlPr>
-                        </m:sSubPr>
-                        <m:e>
-                          <m:r>
-                            <m:rPr>
-                              <m:sty m:val="p"/>
-                            </m:rPr>
-                            <a:rPr lang="en-US" sz="1200" b="0" i="0" smtClean="0">
-                              <a:latin typeface="Cambria Math" panose="02040503050406030204" pitchFamily="18" charset="0"/>
-                            </a:rPr>
-                            <m:t>S</m:t>
-                          </m:r>
-                        </m:e>
-                        <m:sub>
-                          <m:r>
-                            <a:rPr lang="en-US" sz="1200" b="0" i="0" smtClean="0">
-                              <a:latin typeface="Cambria Math" panose="02040503050406030204" pitchFamily="18" charset="0"/>
-                            </a:rPr>
-                            <m:t>8</m:t>
-                          </m:r>
-                        </m:sub>
-                      </m:sSub>
-                    </m:oMath>
-                  </m:oMathPara>
-                </a14:m>
-                <a:endParaRPr lang="en-US" sz="1200" dirty="0"/>
-              </a:p>
-            </p:txBody>
-          </p:sp>
-        </mc:Choice>
-        <mc:Fallback>
-          <p:sp>
-            <p:nvSpPr>
-              <p:cNvPr id="242" name="TextBox 241"/>
-              <p:cNvSpPr txBox="1">
-                <a:spLocks noRot="1" noChangeAspect="1" noMove="1" noResize="1" noEditPoints="1" noAdjustHandles="1" noChangeArrowheads="1" noChangeShapeType="1" noTextEdit="1"/>
-              </p:cNvSpPr>
-              <p:nvPr/>
-            </p:nvSpPr>
-            <p:spPr>
-              <a:xfrm>
-                <a:off x="8441498" y="2602398"/>
-                <a:ext cx="184345" cy="184666"/>
-              </a:xfrm>
-              <a:prstGeom prst="rect">
-                <a:avLst/>
-              </a:prstGeom>
-              <a:blipFill>
-                <a:blip r:embed="rId9"/>
-                <a:stretch>
-                  <a:fillRect l="-20000" r="-3333" b="-13333"/>
-                </a:stretch>
-              </a:blipFill>
-            </p:spPr>
-            <p:txBody>
-              <a:bodyPr/>
-              <a:lstStyle/>
-              <a:p>
-                <a:r>
-                  <a:rPr lang="en-US">
-                    <a:noFill/>
-                  </a:rPr>
-                  <a:t> </a:t>
-                </a:r>
-              </a:p>
-            </p:txBody>
-          </p:sp>
-        </mc:Fallback>
-      </mc:AlternateContent>
-      <mc:AlternateContent xmlns:mc="http://schemas.openxmlformats.org/markup-compatibility/2006">
-        <mc:Choice xmlns:a14="http://schemas.microsoft.com/office/drawing/2010/main" Requires="a14">
-          <p:sp>
-            <p:nvSpPr>
-              <p:cNvPr id="243" name="TextBox 242"/>
-              <p:cNvSpPr txBox="1"/>
-              <p:nvPr/>
-            </p:nvSpPr>
-            <p:spPr>
-              <a:xfrm>
-                <a:off x="10275787" y="2607836"/>
-                <a:ext cx="181140" cy="184666"/>
-              </a:xfrm>
-              <a:prstGeom prst="rect">
-                <a:avLst/>
-              </a:prstGeom>
-              <a:noFill/>
-            </p:spPr>
-            <p:txBody>
-              <a:bodyPr wrap="none" lIns="0" tIns="0" rIns="0" bIns="0" rtlCol="0">
-                <a:spAutoFit/>
-              </a:bodyPr>
-              <a:lstStyle/>
-              <a:p>
-                <a14:m>
-                  <m:oMathPara xmlns:m="http://schemas.openxmlformats.org/officeDocument/2006/math">
-                    <m:oMathParaPr>
-                      <m:jc m:val="centerGroup"/>
-                    </m:oMathParaPr>
-                    <m:oMath xmlns:m="http://schemas.openxmlformats.org/officeDocument/2006/math">
-                      <m:sSub>
-                        <m:sSubPr>
-                          <m:ctrlPr>
-                            <a:rPr lang="en-US" sz="1200" smtClean="0">
-                              <a:latin typeface="Cambria Math" panose="02040503050406030204" pitchFamily="18" charset="0"/>
-                            </a:rPr>
-                          </m:ctrlPr>
-                        </m:sSubPr>
-                        <m:e>
-                          <m:r>
-                            <m:rPr>
-                              <m:sty m:val="p"/>
-                            </m:rPr>
-                            <a:rPr lang="en-US" sz="1200" b="0" i="0" smtClean="0">
-                              <a:latin typeface="Cambria Math" panose="02040503050406030204" pitchFamily="18" charset="0"/>
-                            </a:rPr>
-                            <m:t>S</m:t>
-                          </m:r>
-                        </m:e>
-                        <m:sub>
-                          <m:r>
-                            <a:rPr lang="en-US" sz="1200" b="0" i="0" smtClean="0">
-                              <a:latin typeface="Cambria Math" panose="02040503050406030204" pitchFamily="18" charset="0"/>
-                            </a:rPr>
-                            <m:t>9</m:t>
-                          </m:r>
-                        </m:sub>
-                      </m:sSub>
-                    </m:oMath>
-                  </m:oMathPara>
-                </a14:m>
-                <a:endParaRPr lang="en-US" sz="1200" dirty="0"/>
-              </a:p>
-            </p:txBody>
-          </p:sp>
-        </mc:Choice>
-        <mc:Fallback>
-          <p:sp>
-            <p:nvSpPr>
-              <p:cNvPr id="243" name="TextBox 242"/>
-              <p:cNvSpPr txBox="1">
-                <a:spLocks noRot="1" noChangeAspect="1" noMove="1" noResize="1" noEditPoints="1" noAdjustHandles="1" noChangeArrowheads="1" noChangeShapeType="1" noTextEdit="1"/>
-              </p:cNvSpPr>
-              <p:nvPr/>
-            </p:nvSpPr>
-            <p:spPr>
-              <a:xfrm>
-                <a:off x="10275787" y="2607836"/>
-                <a:ext cx="181140" cy="184666"/>
-              </a:xfrm>
-              <a:prstGeom prst="rect">
-                <a:avLst/>
-              </a:prstGeom>
-              <a:blipFill>
-                <a:blip r:embed="rId10"/>
-                <a:stretch>
-                  <a:fillRect l="-20690" r="-6897" b="-13333"/>
-                </a:stretch>
-              </a:blipFill>
-            </p:spPr>
-            <p:txBody>
-              <a:bodyPr/>
-              <a:lstStyle/>
-              <a:p>
-                <a:r>
-                  <a:rPr lang="en-US">
-                    <a:noFill/>
-                  </a:rPr>
-                  <a:t> </a:t>
-                </a:r>
-              </a:p>
-            </p:txBody>
-          </p:sp>
-        </mc:Fallback>
-      </mc:AlternateContent>
-      <mc:AlternateContent xmlns:mc="http://schemas.openxmlformats.org/markup-compatibility/2006">
-        <mc:Choice xmlns:a14="http://schemas.microsoft.com/office/drawing/2010/main" Requires="a14">
-          <p:sp>
-            <p:nvSpPr>
-              <p:cNvPr id="244" name="TextBox 243"/>
-              <p:cNvSpPr txBox="1"/>
-              <p:nvPr/>
-            </p:nvSpPr>
-            <p:spPr>
-              <a:xfrm>
-                <a:off x="11668352" y="2392795"/>
-                <a:ext cx="246478" cy="184666"/>
-              </a:xfrm>
-              <a:prstGeom prst="rect">
-                <a:avLst/>
-              </a:prstGeom>
-              <a:noFill/>
-            </p:spPr>
-            <p:txBody>
-              <a:bodyPr wrap="none" lIns="0" tIns="0" rIns="0" bIns="0" rtlCol="0">
-                <a:spAutoFit/>
-              </a:bodyPr>
-              <a:lstStyle/>
-              <a:p>
-                <a14:m>
-                  <m:oMathPara xmlns:m="http://schemas.openxmlformats.org/officeDocument/2006/math">
-                    <m:oMathParaPr>
-                      <m:jc m:val="centerGroup"/>
-                    </m:oMathParaPr>
-                    <m:oMath xmlns:m="http://schemas.openxmlformats.org/officeDocument/2006/math">
-                      <m:sSub>
-                        <m:sSubPr>
-                          <m:ctrlPr>
-                            <a:rPr lang="en-US" sz="1200" smtClean="0">
-                              <a:latin typeface="Cambria Math" panose="02040503050406030204" pitchFamily="18" charset="0"/>
-                            </a:rPr>
-                          </m:ctrlPr>
-                        </m:sSubPr>
-                        <m:e>
-                          <m:r>
-                            <m:rPr>
-                              <m:sty m:val="p"/>
-                            </m:rPr>
-                            <a:rPr lang="en-US" sz="1200" b="0" i="0" smtClean="0">
-                              <a:latin typeface="Cambria Math" panose="02040503050406030204" pitchFamily="18" charset="0"/>
-                            </a:rPr>
-                            <m:t>S</m:t>
-                          </m:r>
-                        </m:e>
-                        <m:sub>
-                          <m:r>
-                            <a:rPr lang="en-US" sz="1200" b="0" i="0" smtClean="0">
-                              <a:latin typeface="Cambria Math" panose="02040503050406030204" pitchFamily="18" charset="0"/>
-                            </a:rPr>
-                            <m:t>10</m:t>
-                          </m:r>
-                        </m:sub>
-                      </m:sSub>
-                    </m:oMath>
-                  </m:oMathPara>
-                </a14:m>
-                <a:endParaRPr lang="en-US" sz="1200" dirty="0"/>
-              </a:p>
-            </p:txBody>
-          </p:sp>
-        </mc:Choice>
-        <mc:Fallback>
-          <p:sp>
-            <p:nvSpPr>
-              <p:cNvPr id="244" name="TextBox 243"/>
-              <p:cNvSpPr txBox="1">
-                <a:spLocks noRot="1" noChangeAspect="1" noMove="1" noResize="1" noEditPoints="1" noAdjustHandles="1" noChangeArrowheads="1" noChangeShapeType="1" noTextEdit="1"/>
-              </p:cNvSpPr>
-              <p:nvPr/>
-            </p:nvSpPr>
-            <p:spPr>
-              <a:xfrm>
-                <a:off x="11668352" y="2392795"/>
-                <a:ext cx="246478" cy="184666"/>
-              </a:xfrm>
-              <a:prstGeom prst="rect">
-                <a:avLst/>
-              </a:prstGeom>
-              <a:blipFill>
-                <a:blip r:embed="rId11"/>
-                <a:stretch>
-                  <a:fillRect l="-14634" b="-13333"/>
-                </a:stretch>
-              </a:blipFill>
-            </p:spPr>
-            <p:txBody>
-              <a:bodyPr/>
-              <a:lstStyle/>
-              <a:p>
-                <a:r>
-                  <a:rPr lang="en-US">
-                    <a:noFill/>
-                  </a:rPr>
-                  <a:t> </a:t>
-                </a:r>
-              </a:p>
-            </p:txBody>
-          </p:sp>
-        </mc:Fallback>
-      </mc:AlternateContent>
-      <mc:AlternateContent xmlns:mc="http://schemas.openxmlformats.org/markup-compatibility/2006">
-        <mc:Choice xmlns:a14="http://schemas.microsoft.com/office/drawing/2010/main" Requires="a14">
-          <p:sp>
-            <p:nvSpPr>
-              <p:cNvPr id="245" name="TextBox 244"/>
-              <p:cNvSpPr txBox="1"/>
-              <p:nvPr/>
-            </p:nvSpPr>
-            <p:spPr>
-              <a:xfrm>
-                <a:off x="640588" y="3028125"/>
-                <a:ext cx="246478" cy="184666"/>
-              </a:xfrm>
-              <a:prstGeom prst="rect">
-                <a:avLst/>
-              </a:prstGeom>
-              <a:noFill/>
-            </p:spPr>
-            <p:txBody>
-              <a:bodyPr wrap="none" lIns="0" tIns="0" rIns="0" bIns="0" rtlCol="0">
-                <a:spAutoFit/>
-              </a:bodyPr>
-              <a:lstStyle/>
-              <a:p>
-                <a14:m>
-                  <m:oMathPara xmlns:m="http://schemas.openxmlformats.org/officeDocument/2006/math">
-                    <m:oMathParaPr>
-                      <m:jc m:val="centerGroup"/>
-                    </m:oMathParaPr>
-                    <m:oMath xmlns:m="http://schemas.openxmlformats.org/officeDocument/2006/math">
-                      <m:sSub>
-                        <m:sSubPr>
-                          <m:ctrlPr>
-                            <a:rPr lang="en-US" sz="1200" smtClean="0">
-                              <a:latin typeface="Cambria Math" panose="02040503050406030204" pitchFamily="18" charset="0"/>
-                            </a:rPr>
-                          </m:ctrlPr>
-                        </m:sSubPr>
-                        <m:e>
-                          <m:r>
-                            <m:rPr>
-                              <m:sty m:val="p"/>
-                            </m:rPr>
-                            <a:rPr lang="en-US" sz="1200" b="0" i="0" smtClean="0">
-                              <a:latin typeface="Cambria Math" panose="02040503050406030204" pitchFamily="18" charset="0"/>
-                            </a:rPr>
-                            <m:t>S</m:t>
-                          </m:r>
-                        </m:e>
-                        <m:sub>
-                          <m:r>
-                            <a:rPr lang="en-US" sz="1200" b="0" i="0" smtClean="0">
-                              <a:latin typeface="Cambria Math" panose="02040503050406030204" pitchFamily="18" charset="0"/>
-                            </a:rPr>
-                            <m:t>11</m:t>
-                          </m:r>
-                        </m:sub>
-                      </m:sSub>
-                    </m:oMath>
-                  </m:oMathPara>
-                </a14:m>
-                <a:endParaRPr lang="en-US" sz="1200" dirty="0"/>
-              </a:p>
-            </p:txBody>
-          </p:sp>
-        </mc:Choice>
-        <mc:Fallback>
-          <p:sp>
-            <p:nvSpPr>
-              <p:cNvPr id="245" name="TextBox 244"/>
-              <p:cNvSpPr txBox="1">
-                <a:spLocks noRot="1" noChangeAspect="1" noMove="1" noResize="1" noEditPoints="1" noAdjustHandles="1" noChangeArrowheads="1" noChangeShapeType="1" noTextEdit="1"/>
-              </p:cNvSpPr>
-              <p:nvPr/>
-            </p:nvSpPr>
-            <p:spPr>
-              <a:xfrm>
-                <a:off x="640588" y="3028125"/>
-                <a:ext cx="246478" cy="184666"/>
-              </a:xfrm>
-              <a:prstGeom prst="rect">
-                <a:avLst/>
-              </a:prstGeom>
-              <a:blipFill>
-                <a:blip r:embed="rId12"/>
-                <a:stretch>
-                  <a:fillRect l="-14634" b="-13333"/>
-                </a:stretch>
-              </a:blipFill>
-            </p:spPr>
-            <p:txBody>
-              <a:bodyPr/>
-              <a:lstStyle/>
-              <a:p>
-                <a:r>
-                  <a:rPr lang="en-US">
-                    <a:noFill/>
-                  </a:rPr>
-                  <a:t> </a:t>
-                </a:r>
-              </a:p>
-            </p:txBody>
-          </p:sp>
-        </mc:Fallback>
-      </mc:AlternateContent>
     </p:spTree>
     <p:extLst>
       <p:ext uri="{BB962C8B-B14F-4D97-AF65-F5344CB8AC3E}">

--- a/doc/tex/sdf/simplified_coherent_receiver/figures/Simulation_setup_Tx.pptx
+++ b/doc/tex/sdf/simplified_coherent_receiver/figures/Simulation_setup_Tx.pptx
@@ -243,7 +243,7 @@
           <a:p>
             <a:fld id="{2680F75E-BF8A-4352-8DF2-5712531B63DB}" type="datetimeFigureOut">
               <a:rPr lang="pt-PT" smtClean="0"/>
-              <a:t>23/10/2017</a:t>
+              <a:t>25/10/2017</a:t>
             </a:fld>
             <a:endParaRPr lang="pt-PT"/>
           </a:p>
@@ -413,7 +413,7 @@
           <a:p>
             <a:fld id="{2680F75E-BF8A-4352-8DF2-5712531B63DB}" type="datetimeFigureOut">
               <a:rPr lang="pt-PT" smtClean="0"/>
-              <a:t>23/10/2017</a:t>
+              <a:t>25/10/2017</a:t>
             </a:fld>
             <a:endParaRPr lang="pt-PT"/>
           </a:p>
@@ -593,7 +593,7 @@
           <a:p>
             <a:fld id="{2680F75E-BF8A-4352-8DF2-5712531B63DB}" type="datetimeFigureOut">
               <a:rPr lang="pt-PT" smtClean="0"/>
-              <a:t>23/10/2017</a:t>
+              <a:t>25/10/2017</a:t>
             </a:fld>
             <a:endParaRPr lang="pt-PT"/>
           </a:p>
@@ -763,7 +763,7 @@
           <a:p>
             <a:fld id="{2680F75E-BF8A-4352-8DF2-5712531B63DB}" type="datetimeFigureOut">
               <a:rPr lang="pt-PT" smtClean="0"/>
-              <a:t>23/10/2017</a:t>
+              <a:t>25/10/2017</a:t>
             </a:fld>
             <a:endParaRPr lang="pt-PT"/>
           </a:p>
@@ -1009,7 +1009,7 @@
           <a:p>
             <a:fld id="{2680F75E-BF8A-4352-8DF2-5712531B63DB}" type="datetimeFigureOut">
               <a:rPr lang="pt-PT" smtClean="0"/>
-              <a:t>23/10/2017</a:t>
+              <a:t>25/10/2017</a:t>
             </a:fld>
             <a:endParaRPr lang="pt-PT"/>
           </a:p>
@@ -1241,7 +1241,7 @@
           <a:p>
             <a:fld id="{2680F75E-BF8A-4352-8DF2-5712531B63DB}" type="datetimeFigureOut">
               <a:rPr lang="pt-PT" smtClean="0"/>
-              <a:t>23/10/2017</a:t>
+              <a:t>25/10/2017</a:t>
             </a:fld>
             <a:endParaRPr lang="pt-PT"/>
           </a:p>
@@ -1608,7 +1608,7 @@
           <a:p>
             <a:fld id="{2680F75E-BF8A-4352-8DF2-5712531B63DB}" type="datetimeFigureOut">
               <a:rPr lang="pt-PT" smtClean="0"/>
-              <a:t>23/10/2017</a:t>
+              <a:t>25/10/2017</a:t>
             </a:fld>
             <a:endParaRPr lang="pt-PT"/>
           </a:p>
@@ -1726,7 +1726,7 @@
           <a:p>
             <a:fld id="{2680F75E-BF8A-4352-8DF2-5712531B63DB}" type="datetimeFigureOut">
               <a:rPr lang="pt-PT" smtClean="0"/>
-              <a:t>23/10/2017</a:t>
+              <a:t>25/10/2017</a:t>
             </a:fld>
             <a:endParaRPr lang="pt-PT"/>
           </a:p>
@@ -1821,7 +1821,7 @@
           <a:p>
             <a:fld id="{2680F75E-BF8A-4352-8DF2-5712531B63DB}" type="datetimeFigureOut">
               <a:rPr lang="pt-PT" smtClean="0"/>
-              <a:t>23/10/2017</a:t>
+              <a:t>25/10/2017</a:t>
             </a:fld>
             <a:endParaRPr lang="pt-PT"/>
           </a:p>
@@ -2098,7 +2098,7 @@
           <a:p>
             <a:fld id="{2680F75E-BF8A-4352-8DF2-5712531B63DB}" type="datetimeFigureOut">
               <a:rPr lang="pt-PT" smtClean="0"/>
-              <a:t>23/10/2017</a:t>
+              <a:t>25/10/2017</a:t>
             </a:fld>
             <a:endParaRPr lang="pt-PT"/>
           </a:p>
@@ -2351,7 +2351,7 @@
           <a:p>
             <a:fld id="{2680F75E-BF8A-4352-8DF2-5712531B63DB}" type="datetimeFigureOut">
               <a:rPr lang="pt-PT" smtClean="0"/>
-              <a:t>23/10/2017</a:t>
+              <a:t>25/10/2017</a:t>
             </a:fld>
             <a:endParaRPr lang="pt-PT"/>
           </a:p>
@@ -2564,7 +2564,7 @@
           <a:p>
             <a:fld id="{2680F75E-BF8A-4352-8DF2-5712531B63DB}" type="datetimeFigureOut">
               <a:rPr lang="pt-PT" smtClean="0"/>
-              <a:t>23/10/2017</a:t>
+              <a:t>25/10/2017</a:t>
             </a:fld>
             <a:endParaRPr lang="pt-PT"/>
           </a:p>
@@ -2969,1953 +2969,1976 @@
           <a:chExt cx="0" cy="0"/>
         </a:xfrm>
       </p:grpSpPr>
-      <p:grpSp>
-        <p:nvGrpSpPr>
-          <p:cNvPr id="74" name="Group 73"/>
-          <p:cNvGrpSpPr/>
+      <p:sp>
+        <p:nvSpPr>
+          <p:cNvPr id="155" name="Rounded Rectangle 154"/>
+          <p:cNvSpPr/>
           <p:nvPr/>
-        </p:nvGrpSpPr>
-        <p:grpSpPr>
+        </p:nvSpPr>
+        <p:spPr>
+          <a:xfrm>
+            <a:off x="6268025" y="772786"/>
+            <a:ext cx="1808634" cy="1162203"/>
+          </a:xfrm>
+          <a:prstGeom prst="roundRect">
+            <a:avLst/>
+          </a:prstGeom>
+          <a:ln w="19050"/>
+        </p:spPr>
+        <p:style>
+          <a:lnRef idx="2">
+            <a:schemeClr val="dk1"/>
+          </a:lnRef>
+          <a:fillRef idx="1">
+            <a:schemeClr val="lt1"/>
+          </a:fillRef>
+          <a:effectRef idx="0">
+            <a:schemeClr val="dk1"/>
+          </a:effectRef>
+          <a:fontRef idx="minor">
+            <a:schemeClr val="dk1"/>
+          </a:fontRef>
+        </p:style>
+        <p:txBody>
+          <a:bodyPr rtlCol="0" anchor="ctr"/>
+          <a:lstStyle/>
+          <a:p>
+            <a:pPr algn="ctr"/>
+            <a:r>
+              <a:rPr lang="en-US" b="1" dirty="0">
+                <a:latin typeface="+mj-lt"/>
+              </a:rPr>
+              <a:t>Discrete to</a:t>
+            </a:r>
+          </a:p>
+          <a:p>
+            <a:pPr algn="ctr"/>
+            <a:r>
+              <a:rPr lang="en-US" b="1" dirty="0">
+                <a:latin typeface="+mj-lt"/>
+              </a:rPr>
+              <a:t>Continuous</a:t>
+            </a:r>
+          </a:p>
+          <a:p>
+            <a:pPr algn="ctr"/>
+            <a:r>
+              <a:rPr lang="en-US" b="1" dirty="0" smtClean="0">
+                <a:latin typeface="+mj-lt"/>
+              </a:rPr>
+              <a:t>Time</a:t>
+            </a:r>
+            <a:endParaRPr lang="en-US" b="1" dirty="0">
+              <a:latin typeface="+mj-lt"/>
+            </a:endParaRPr>
+          </a:p>
+        </p:txBody>
+      </p:sp>
+      <p:sp>
+        <p:nvSpPr>
+          <p:cNvPr id="169" name="Rounded Rectangle 168"/>
+          <p:cNvSpPr/>
+          <p:nvPr/>
+        </p:nvSpPr>
+        <p:spPr>
+          <a:xfrm>
+            <a:off x="8678783" y="772785"/>
+            <a:ext cx="1808634" cy="1162203"/>
+          </a:xfrm>
+          <a:prstGeom prst="roundRect">
+            <a:avLst/>
+          </a:prstGeom>
+          <a:ln w="19050"/>
+        </p:spPr>
+        <p:style>
+          <a:lnRef idx="2">
+            <a:schemeClr val="dk1"/>
+          </a:lnRef>
+          <a:fillRef idx="1">
+            <a:schemeClr val="lt1"/>
+          </a:fillRef>
+          <a:effectRef idx="0">
+            <a:schemeClr val="dk1"/>
+          </a:effectRef>
+          <a:fontRef idx="minor">
+            <a:schemeClr val="dk1"/>
+          </a:fontRef>
+        </p:style>
+        <p:txBody>
+          <a:bodyPr rtlCol="0" anchor="ctr"/>
+          <a:lstStyle/>
+          <a:p>
+            <a:pPr algn="ctr"/>
+            <a:r>
+              <a:rPr lang="en-US" b="1" dirty="0">
+                <a:latin typeface="+mj-lt"/>
+              </a:rPr>
+              <a:t>Pulse Shaping </a:t>
+            </a:r>
+            <a:r>
+              <a:rPr lang="en-US" b="1" dirty="0" smtClean="0">
+                <a:latin typeface="+mj-lt"/>
+              </a:rPr>
+              <a:t>Filter</a:t>
+            </a:r>
+            <a:endParaRPr lang="en-US" b="1" dirty="0">
+              <a:latin typeface="+mj-lt"/>
+            </a:endParaRPr>
+          </a:p>
+        </p:txBody>
+      </p:sp>
+      <p:sp>
+        <p:nvSpPr>
+          <p:cNvPr id="172" name="Rounded Rectangle 171"/>
+          <p:cNvSpPr/>
+          <p:nvPr/>
+        </p:nvSpPr>
+        <p:spPr>
+          <a:xfrm>
+            <a:off x="1446414" y="2918257"/>
+            <a:ext cx="1808634" cy="1162205"/>
+          </a:xfrm>
+          <a:prstGeom prst="roundRect">
+            <a:avLst/>
+          </a:prstGeom>
+          <a:ln w="19050"/>
+        </p:spPr>
+        <p:style>
+          <a:lnRef idx="2">
+            <a:schemeClr val="dk1"/>
+          </a:lnRef>
+          <a:fillRef idx="1">
+            <a:schemeClr val="lt1"/>
+          </a:fillRef>
+          <a:effectRef idx="0">
+            <a:schemeClr val="dk1"/>
+          </a:effectRef>
+          <a:fontRef idx="minor">
+            <a:schemeClr val="dk1"/>
+          </a:fontRef>
+        </p:style>
+        <p:txBody>
+          <a:bodyPr rtlCol="0" anchor="ctr"/>
+          <a:lstStyle/>
+          <a:p>
+            <a:pPr algn="ctr"/>
+            <a:r>
+              <a:rPr lang="en-US" b="1" dirty="0" smtClean="0">
+                <a:latin typeface="+mj-lt"/>
+              </a:rPr>
+              <a:t>Mixer</a:t>
+            </a:r>
+            <a:endParaRPr lang="en-US" b="1" dirty="0">
+              <a:latin typeface="+mj-lt"/>
+            </a:endParaRPr>
+          </a:p>
+        </p:txBody>
+      </p:sp>
+      <p:sp>
+        <p:nvSpPr>
+          <p:cNvPr id="173" name="Rounded Rectangle 172"/>
+          <p:cNvSpPr/>
+          <p:nvPr/>
+        </p:nvSpPr>
+        <p:spPr>
+          <a:xfrm>
+            <a:off x="1446414" y="4661546"/>
+            <a:ext cx="1808634" cy="1162203"/>
+          </a:xfrm>
+          <a:prstGeom prst="roundRect">
+            <a:avLst/>
+          </a:prstGeom>
+          <a:ln w="19050"/>
+        </p:spPr>
+        <p:style>
+          <a:lnRef idx="2">
+            <a:schemeClr val="dk1"/>
+          </a:lnRef>
+          <a:fillRef idx="1">
+            <a:schemeClr val="lt1"/>
+          </a:fillRef>
+          <a:effectRef idx="0">
+            <a:schemeClr val="dk1"/>
+          </a:effectRef>
+          <a:fontRef idx="minor">
+            <a:schemeClr val="dk1"/>
+          </a:fontRef>
+        </p:style>
+        <p:txBody>
+          <a:bodyPr rtlCol="0" anchor="ctr"/>
+          <a:lstStyle/>
+          <a:p>
+            <a:pPr algn="ctr"/>
+            <a:r>
+              <a:rPr lang="en-US" b="1" dirty="0" smtClean="0">
+                <a:latin typeface="+mj-lt"/>
+              </a:rPr>
+              <a:t>Oscillator</a:t>
+            </a:r>
+            <a:endParaRPr lang="en-US" b="1" dirty="0">
+              <a:latin typeface="+mj-lt"/>
+            </a:endParaRPr>
+          </a:p>
+        </p:txBody>
+      </p:sp>
+      <p:sp>
+        <p:nvSpPr>
+          <p:cNvPr id="177" name="Rounded Rectangle 176"/>
+          <p:cNvSpPr/>
+          <p:nvPr/>
+        </p:nvSpPr>
+        <p:spPr>
+          <a:xfrm>
+            <a:off x="3857204" y="772785"/>
+            <a:ext cx="1808634" cy="1162203"/>
+          </a:xfrm>
+          <a:prstGeom prst="roundRect">
+            <a:avLst/>
+          </a:prstGeom>
+          <a:ln w="19050"/>
+        </p:spPr>
+        <p:style>
+          <a:lnRef idx="2">
+            <a:schemeClr val="dk1"/>
+          </a:lnRef>
+          <a:fillRef idx="1">
+            <a:schemeClr val="lt1"/>
+          </a:fillRef>
+          <a:effectRef idx="0">
+            <a:schemeClr val="dk1"/>
+          </a:effectRef>
+          <a:fontRef idx="minor">
+            <a:schemeClr val="dk1"/>
+          </a:fontRef>
+        </p:style>
+        <p:txBody>
+          <a:bodyPr rtlCol="0" anchor="ctr"/>
+          <a:lstStyle/>
+          <a:p>
+            <a:pPr algn="ctr"/>
+            <a:r>
+              <a:rPr lang="en-US" b="1" dirty="0" smtClean="0">
+                <a:latin typeface="+mj-lt"/>
+              </a:rPr>
+              <a:t>MPAM Mapping</a:t>
+            </a:r>
+            <a:endParaRPr lang="en-US" b="1" dirty="0">
+              <a:latin typeface="+mj-lt"/>
+            </a:endParaRPr>
+          </a:p>
+        </p:txBody>
+      </p:sp>
+      <p:sp>
+        <p:nvSpPr>
+          <p:cNvPr id="178" name="Rounded Rectangle 177"/>
+          <p:cNvSpPr/>
+          <p:nvPr/>
+        </p:nvSpPr>
+        <p:spPr>
           <a:xfrm>
             <a:off x="1446414" y="772785"/>
-            <a:ext cx="9345509" cy="5050966"/>
-            <a:chOff x="1819277" y="1704940"/>
-            <a:chExt cx="7049147" cy="3974293"/>
+            <a:ext cx="1808634" cy="1162203"/>
           </a:xfrm>
-        </p:grpSpPr>
-        <p:sp>
-          <p:nvSpPr>
-            <p:cNvPr id="155" name="Rounded Rectangle 154"/>
-            <p:cNvSpPr/>
-            <p:nvPr/>
-          </p:nvSpPr>
-          <p:spPr>
-            <a:xfrm>
-              <a:off x="5456130" y="1704941"/>
-              <a:ext cx="1364220" cy="914466"/>
-            </a:xfrm>
-            <a:prstGeom prst="roundRect">
-              <a:avLst/>
-            </a:prstGeom>
-            <a:ln w="19050"/>
-          </p:spPr>
-          <p:style>
-            <a:lnRef idx="2">
-              <a:schemeClr val="dk1"/>
-            </a:lnRef>
-            <a:fillRef idx="1">
-              <a:schemeClr val="lt1"/>
-            </a:fillRef>
-            <a:effectRef idx="0">
-              <a:schemeClr val="dk1"/>
-            </a:effectRef>
-            <a:fontRef idx="minor">
-              <a:schemeClr val="dk1"/>
-            </a:fontRef>
-          </p:style>
-          <p:txBody>
-            <a:bodyPr rtlCol="0" anchor="ctr"/>
-            <a:lstStyle/>
-            <a:p>
-              <a:pPr algn="ctr"/>
-              <a:r>
-                <a:rPr lang="en-US" sz="1200" dirty="0"/>
-                <a:t>Discrete to</a:t>
-              </a:r>
-            </a:p>
-            <a:p>
-              <a:pPr algn="ctr"/>
-              <a:r>
-                <a:rPr lang="en-US" sz="1200" dirty="0"/>
-                <a:t>Continuous</a:t>
-              </a:r>
-            </a:p>
-            <a:p>
-              <a:pPr algn="ctr"/>
-              <a:r>
-                <a:rPr lang="en-US" sz="1200" dirty="0" smtClean="0"/>
-                <a:t>Time</a:t>
-              </a:r>
-              <a:endParaRPr lang="en-US" sz="1200" dirty="0"/>
-            </a:p>
-          </p:txBody>
-        </p:sp>
-        <p:sp>
-          <p:nvSpPr>
-            <p:cNvPr id="169" name="Rounded Rectangle 168"/>
-            <p:cNvSpPr/>
-            <p:nvPr/>
-          </p:nvSpPr>
-          <p:spPr>
-            <a:xfrm>
-              <a:off x="7274521" y="1704940"/>
-              <a:ext cx="1364220" cy="914466"/>
-            </a:xfrm>
-            <a:prstGeom prst="roundRect">
-              <a:avLst/>
-            </a:prstGeom>
-            <a:ln w="19050"/>
-          </p:spPr>
-          <p:style>
-            <a:lnRef idx="2">
-              <a:schemeClr val="dk1"/>
-            </a:lnRef>
-            <a:fillRef idx="1">
-              <a:schemeClr val="lt1"/>
-            </a:fillRef>
-            <a:effectRef idx="0">
-              <a:schemeClr val="dk1"/>
-            </a:effectRef>
-            <a:fontRef idx="minor">
-              <a:schemeClr val="dk1"/>
-            </a:fontRef>
-          </p:style>
-          <p:txBody>
-            <a:bodyPr rtlCol="0" anchor="ctr"/>
-            <a:lstStyle/>
-            <a:p>
-              <a:pPr algn="ctr"/>
-              <a:r>
-                <a:rPr lang="en-US" sz="1200" dirty="0"/>
-                <a:t>Pulse Shaping </a:t>
-              </a:r>
-              <a:r>
-                <a:rPr lang="en-US" sz="1200" dirty="0" smtClean="0"/>
-                <a:t>Filter</a:t>
-              </a:r>
-              <a:endParaRPr lang="en-US" sz="1200" dirty="0"/>
-            </a:p>
-          </p:txBody>
-        </p:sp>
-        <p:sp>
-          <p:nvSpPr>
-            <p:cNvPr id="172" name="Rounded Rectangle 171"/>
-            <p:cNvSpPr/>
-            <p:nvPr/>
-          </p:nvSpPr>
-          <p:spPr>
-            <a:xfrm>
-              <a:off x="1819277" y="3393079"/>
-              <a:ext cx="1364220" cy="914467"/>
-            </a:xfrm>
-            <a:prstGeom prst="roundRect">
-              <a:avLst/>
-            </a:prstGeom>
-            <a:ln w="19050"/>
-          </p:spPr>
-          <p:style>
-            <a:lnRef idx="2">
-              <a:schemeClr val="dk1"/>
-            </a:lnRef>
-            <a:fillRef idx="1">
-              <a:schemeClr val="lt1"/>
-            </a:fillRef>
-            <a:effectRef idx="0">
-              <a:schemeClr val="dk1"/>
-            </a:effectRef>
-            <a:fontRef idx="minor">
-              <a:schemeClr val="dk1"/>
-            </a:fontRef>
-          </p:style>
-          <p:txBody>
-            <a:bodyPr rtlCol="0" anchor="ctr"/>
-            <a:lstStyle/>
-            <a:p>
-              <a:pPr algn="ctr"/>
-              <a:r>
-                <a:rPr lang="en-US" sz="1200" dirty="0" smtClean="0"/>
-                <a:t>Mixer</a:t>
-              </a:r>
-              <a:endParaRPr lang="en-US" sz="1200" dirty="0"/>
-            </a:p>
-          </p:txBody>
-        </p:sp>
-        <p:sp>
-          <p:nvSpPr>
-            <p:cNvPr id="173" name="Rounded Rectangle 172"/>
-            <p:cNvSpPr/>
-            <p:nvPr/>
-          </p:nvSpPr>
-          <p:spPr>
-            <a:xfrm>
-              <a:off x="1819277" y="4764766"/>
-              <a:ext cx="1364220" cy="914466"/>
-            </a:xfrm>
-            <a:prstGeom prst="roundRect">
-              <a:avLst/>
-            </a:prstGeom>
-            <a:ln w="19050"/>
-          </p:spPr>
-          <p:style>
-            <a:lnRef idx="2">
-              <a:schemeClr val="dk1"/>
-            </a:lnRef>
-            <a:fillRef idx="1">
-              <a:schemeClr val="lt1"/>
-            </a:fillRef>
-            <a:effectRef idx="0">
-              <a:schemeClr val="dk1"/>
-            </a:effectRef>
-            <a:fontRef idx="minor">
-              <a:schemeClr val="dk1"/>
-            </a:fontRef>
-          </p:style>
-          <p:txBody>
-            <a:bodyPr rtlCol="0" anchor="ctr"/>
-            <a:lstStyle/>
-            <a:p>
-              <a:pPr algn="ctr"/>
-              <a:r>
-                <a:rPr lang="en-US" sz="1200" dirty="0" smtClean="0"/>
-                <a:t>Oscillator</a:t>
-              </a:r>
-              <a:endParaRPr lang="en-US" sz="1200" dirty="0"/>
-            </a:p>
-          </p:txBody>
-        </p:sp>
-        <p:sp>
-          <p:nvSpPr>
-            <p:cNvPr id="177" name="Rounded Rectangle 176"/>
-            <p:cNvSpPr/>
-            <p:nvPr/>
-          </p:nvSpPr>
-          <p:spPr>
-            <a:xfrm>
-              <a:off x="3637692" y="1704940"/>
-              <a:ext cx="1364220" cy="914466"/>
-            </a:xfrm>
-            <a:prstGeom prst="roundRect">
-              <a:avLst/>
-            </a:prstGeom>
-            <a:ln w="19050"/>
-          </p:spPr>
-          <p:style>
-            <a:lnRef idx="2">
-              <a:schemeClr val="dk1"/>
-            </a:lnRef>
-            <a:fillRef idx="1">
-              <a:schemeClr val="lt1"/>
-            </a:fillRef>
-            <a:effectRef idx="0">
-              <a:schemeClr val="dk1"/>
-            </a:effectRef>
-            <a:fontRef idx="minor">
-              <a:schemeClr val="dk1"/>
-            </a:fontRef>
-          </p:style>
-          <p:txBody>
-            <a:bodyPr rtlCol="0" anchor="ctr"/>
-            <a:lstStyle/>
-            <a:p>
-              <a:pPr algn="ctr"/>
-              <a:r>
-                <a:rPr lang="en-US" sz="1200" dirty="0" smtClean="0"/>
-                <a:t>MPAM Mapping</a:t>
-              </a:r>
-              <a:endParaRPr lang="en-US" sz="1200" dirty="0"/>
-            </a:p>
-          </p:txBody>
-        </p:sp>
-        <p:sp>
-          <p:nvSpPr>
-            <p:cNvPr id="178" name="Rounded Rectangle 177"/>
-            <p:cNvSpPr/>
-            <p:nvPr/>
-          </p:nvSpPr>
-          <p:spPr>
-            <a:xfrm>
-              <a:off x="1819277" y="1704940"/>
-              <a:ext cx="1364220" cy="914466"/>
-            </a:xfrm>
-            <a:prstGeom prst="roundRect">
-              <a:avLst/>
-            </a:prstGeom>
-            <a:ln w="19050"/>
-          </p:spPr>
-          <p:style>
-            <a:lnRef idx="2">
-              <a:schemeClr val="dk1"/>
-            </a:lnRef>
-            <a:fillRef idx="1">
-              <a:schemeClr val="lt1"/>
-            </a:fillRef>
-            <a:effectRef idx="0">
-              <a:schemeClr val="dk1"/>
-            </a:effectRef>
-            <a:fontRef idx="minor">
-              <a:schemeClr val="dk1"/>
-            </a:fontRef>
-          </p:style>
-          <p:txBody>
-            <a:bodyPr rtlCol="0" anchor="ctr"/>
-            <a:lstStyle/>
-            <a:p>
-              <a:pPr algn="ctr"/>
-              <a:r>
-                <a:rPr lang="en-US" sz="1200" dirty="0" smtClean="0"/>
-                <a:t>Binary Sequence</a:t>
-              </a:r>
-              <a:endParaRPr lang="en-US" sz="1200" dirty="0"/>
-            </a:p>
-          </p:txBody>
-        </p:sp>
-        <p:cxnSp>
-          <p:nvCxnSpPr>
-            <p:cNvPr id="159" name="Straight Arrow Connector 158"/>
-            <p:cNvCxnSpPr>
-              <a:stCxn id="178" idx="3"/>
-              <a:endCxn id="177" idx="1"/>
-            </p:cNvCxnSpPr>
-            <p:nvPr/>
-          </p:nvCxnSpPr>
-          <p:spPr>
-            <a:xfrm>
-              <a:off x="3183497" y="2162173"/>
-              <a:ext cx="454195" cy="0"/>
-            </a:xfrm>
-            <a:prstGeom prst="straightConnector1">
-              <a:avLst/>
-            </a:prstGeom>
-            <a:ln w="19050">
-              <a:tailEnd type="triangle"/>
-            </a:ln>
-          </p:spPr>
-          <p:style>
-            <a:lnRef idx="1">
-              <a:schemeClr val="dk1"/>
-            </a:lnRef>
-            <a:fillRef idx="0">
-              <a:schemeClr val="dk1"/>
-            </a:fillRef>
-            <a:effectRef idx="0">
-              <a:schemeClr val="dk1"/>
-            </a:effectRef>
-            <a:fontRef idx="minor">
-              <a:schemeClr val="tx1"/>
-            </a:fontRef>
-          </p:style>
-        </p:cxnSp>
-        <p:cxnSp>
-          <p:nvCxnSpPr>
-            <p:cNvPr id="184" name="Straight Arrow Connector 183"/>
-            <p:cNvCxnSpPr>
-              <a:stCxn id="177" idx="3"/>
-              <a:endCxn id="155" idx="1"/>
-            </p:cNvCxnSpPr>
-            <p:nvPr/>
-          </p:nvCxnSpPr>
-          <p:spPr>
-            <a:xfrm>
-              <a:off x="5001912" y="2162173"/>
-              <a:ext cx="454218" cy="1"/>
-            </a:xfrm>
-            <a:prstGeom prst="straightConnector1">
-              <a:avLst/>
-            </a:prstGeom>
-            <a:ln w="19050">
-              <a:tailEnd type="triangle"/>
-            </a:ln>
-          </p:spPr>
-          <p:style>
-            <a:lnRef idx="1">
-              <a:schemeClr val="dk1"/>
-            </a:lnRef>
-            <a:fillRef idx="0">
-              <a:schemeClr val="dk1"/>
-            </a:fillRef>
-            <a:effectRef idx="0">
-              <a:schemeClr val="dk1"/>
-            </a:effectRef>
-            <a:fontRef idx="minor">
-              <a:schemeClr val="tx1"/>
-            </a:fontRef>
-          </p:style>
-        </p:cxnSp>
-        <p:cxnSp>
-          <p:nvCxnSpPr>
-            <p:cNvPr id="185" name="Straight Arrow Connector 184"/>
-            <p:cNvCxnSpPr>
-              <a:stCxn id="155" idx="3"/>
-              <a:endCxn id="169" idx="1"/>
-            </p:cNvCxnSpPr>
-            <p:nvPr/>
-          </p:nvCxnSpPr>
-          <p:spPr>
-            <a:xfrm flipV="1">
-              <a:off x="6820350" y="2162173"/>
-              <a:ext cx="454171" cy="1"/>
-            </a:xfrm>
-            <a:prstGeom prst="straightConnector1">
-              <a:avLst/>
-            </a:prstGeom>
-            <a:ln w="19050">
-              <a:tailEnd type="triangle"/>
-            </a:ln>
-          </p:spPr>
-          <p:style>
-            <a:lnRef idx="1">
-              <a:schemeClr val="dk1"/>
-            </a:lnRef>
-            <a:fillRef idx="0">
-              <a:schemeClr val="dk1"/>
-            </a:fillRef>
-            <a:effectRef idx="0">
-              <a:schemeClr val="dk1"/>
-            </a:effectRef>
-            <a:fontRef idx="minor">
-              <a:schemeClr val="tx1"/>
-            </a:fontRef>
-          </p:style>
-        </p:cxnSp>
-        <p:cxnSp>
-          <p:nvCxnSpPr>
-            <p:cNvPr id="199" name="Straight Arrow Connector 198"/>
-            <p:cNvCxnSpPr>
-              <a:stCxn id="173" idx="0"/>
-              <a:endCxn id="172" idx="2"/>
-            </p:cNvCxnSpPr>
-            <p:nvPr/>
-          </p:nvCxnSpPr>
-          <p:spPr>
-            <a:xfrm flipV="1">
-              <a:off x="2501387" y="4307546"/>
-              <a:ext cx="0" cy="457220"/>
-            </a:xfrm>
-            <a:prstGeom prst="straightConnector1">
-              <a:avLst/>
-            </a:prstGeom>
-            <a:ln w="19050">
-              <a:tailEnd type="triangle"/>
-            </a:ln>
-          </p:spPr>
-          <p:style>
-            <a:lnRef idx="1">
-              <a:schemeClr val="dk1"/>
-            </a:lnRef>
-            <a:fillRef idx="0">
-              <a:schemeClr val="dk1"/>
-            </a:fillRef>
-            <a:effectRef idx="0">
-              <a:schemeClr val="dk1"/>
-            </a:effectRef>
-            <a:fontRef idx="minor">
-              <a:schemeClr val="tx1"/>
-            </a:fontRef>
-          </p:style>
-        </p:cxnSp>
-        <mc:AlternateContent xmlns:mc="http://schemas.openxmlformats.org/markup-compatibility/2006">
-          <mc:Choice xmlns:a14="http://schemas.microsoft.com/office/drawing/2010/main" Requires="a14">
-            <p:sp>
-              <p:nvSpPr>
-                <p:cNvPr id="234" name="TextBox 233"/>
-                <p:cNvSpPr txBox="1"/>
-                <p:nvPr/>
-              </p:nvSpPr>
-              <p:spPr>
-                <a:xfrm>
-                  <a:off x="3302456" y="1960277"/>
-                  <a:ext cx="225208" cy="228469"/>
-                </a:xfrm>
-                <a:prstGeom prst="rect">
-                  <a:avLst/>
-                </a:prstGeom>
-                <a:noFill/>
-              </p:spPr>
-              <p:txBody>
-                <a:bodyPr wrap="none" lIns="0" tIns="0" rIns="0" bIns="0" rtlCol="0">
-                  <a:spAutoFit/>
-                </a:bodyPr>
-                <a:lstStyle/>
-                <a:p>
-                  <a:pPr/>
-                  <a14:m>
-                    <m:oMathPara xmlns:m="http://schemas.openxmlformats.org/officeDocument/2006/math">
-                      <m:oMathParaPr>
-                        <m:jc m:val="centerGroup"/>
-                      </m:oMathParaPr>
-                      <m:oMath xmlns:m="http://schemas.openxmlformats.org/officeDocument/2006/math">
-                        <m:sSub>
-                          <m:sSubPr>
-                            <m:ctrlPr>
-                              <a:rPr lang="en-US" sz="1200" i="1" smtClean="0">
-                                <a:latin typeface="Cambria Math" panose="02040503050406030204" pitchFamily="18" charset="0"/>
-                              </a:rPr>
-                            </m:ctrlPr>
-                          </m:sSubPr>
-                          <m:e>
-                            <m:r>
-                              <m:rPr>
-                                <m:sty m:val="p"/>
-                              </m:rPr>
-                              <a:rPr lang="en-US" sz="1200" b="0" i="0" smtClean="0">
-                                <a:latin typeface="Cambria Math" panose="02040503050406030204" pitchFamily="18" charset="0"/>
-                              </a:rPr>
-                              <m:t>S</m:t>
-                            </m:r>
-                          </m:e>
-                          <m:sub>
-                            <m:r>
-                              <a:rPr lang="en-US" sz="1200" b="0" i="0" smtClean="0">
-                                <a:latin typeface="Cambria Math" panose="02040503050406030204" pitchFamily="18" charset="0"/>
-                              </a:rPr>
-                              <m:t>1</m:t>
-                            </m:r>
-                          </m:sub>
-                        </m:sSub>
-                      </m:oMath>
-                    </m:oMathPara>
-                  </a14:m>
-                  <a:endParaRPr lang="en-US" sz="1200" dirty="0"/>
-                </a:p>
-              </p:txBody>
-            </p:sp>
-          </mc:Choice>
-          <mc:Fallback>
-            <p:sp>
-              <p:nvSpPr>
-                <p:cNvPr id="234" name="TextBox 233"/>
-                <p:cNvSpPr txBox="1">
-                  <a:spLocks noRot="1" noChangeAspect="1" noMove="1" noResize="1" noEditPoints="1" noAdjustHandles="1" noChangeArrowheads="1" noChangeShapeType="1" noTextEdit="1"/>
-                </p:cNvSpPr>
-                <p:nvPr/>
-              </p:nvSpPr>
-              <p:spPr>
-                <a:xfrm>
-                  <a:off x="3302456" y="1960277"/>
-                  <a:ext cx="225208" cy="228469"/>
-                </a:xfrm>
-                <a:prstGeom prst="rect">
-                  <a:avLst/>
-                </a:prstGeom>
-                <a:blipFill>
-                  <a:blip r:embed="rId2"/>
-                  <a:stretch>
-                    <a:fillRect/>
-                  </a:stretch>
-                </a:blipFill>
-              </p:spPr>
-              <p:txBody>
-                <a:bodyPr/>
-                <a:lstStyle/>
-                <a:p>
-                  <a:r>
-                    <a:rPr lang="en-US">
-                      <a:noFill/>
-                    </a:rPr>
-                    <a:t> </a:t>
-                  </a:r>
-                </a:p>
-              </p:txBody>
-            </p:sp>
-          </mc:Fallback>
-        </mc:AlternateContent>
-        <mc:AlternateContent xmlns:mc="http://schemas.openxmlformats.org/markup-compatibility/2006">
-          <mc:Choice xmlns:a14="http://schemas.microsoft.com/office/drawing/2010/main" Requires="a14">
-            <p:sp>
-              <p:nvSpPr>
-                <p:cNvPr id="235" name="TextBox 234"/>
-                <p:cNvSpPr txBox="1"/>
-                <p:nvPr/>
-              </p:nvSpPr>
-              <p:spPr>
-                <a:xfrm>
-                  <a:off x="5116419" y="1960278"/>
-                  <a:ext cx="229683" cy="228469"/>
-                </a:xfrm>
-                <a:prstGeom prst="rect">
-                  <a:avLst/>
-                </a:prstGeom>
-                <a:noFill/>
-              </p:spPr>
-              <p:txBody>
-                <a:bodyPr wrap="none" lIns="0" tIns="0" rIns="0" bIns="0" rtlCol="0">
-                  <a:spAutoFit/>
-                </a:bodyPr>
-                <a:lstStyle/>
-                <a:p>
-                  <a:pPr/>
-                  <a14:m>
-                    <m:oMathPara xmlns:m="http://schemas.openxmlformats.org/officeDocument/2006/math">
-                      <m:oMathParaPr>
-                        <m:jc m:val="centerGroup"/>
-                      </m:oMathParaPr>
-                      <m:oMath xmlns:m="http://schemas.openxmlformats.org/officeDocument/2006/math">
-                        <m:sSub>
-                          <m:sSubPr>
-                            <m:ctrlPr>
-                              <a:rPr lang="en-US" sz="1200" i="1" smtClean="0">
-                                <a:latin typeface="Cambria Math" panose="02040503050406030204" pitchFamily="18" charset="0"/>
-                              </a:rPr>
-                            </m:ctrlPr>
-                          </m:sSubPr>
-                          <m:e>
-                            <m:r>
-                              <m:rPr>
-                                <m:sty m:val="p"/>
-                              </m:rPr>
-                              <a:rPr lang="en-US" sz="1200" b="0" i="0" smtClean="0">
-                                <a:latin typeface="Cambria Math" panose="02040503050406030204" pitchFamily="18" charset="0"/>
-                              </a:rPr>
-                              <m:t>S</m:t>
-                            </m:r>
-                          </m:e>
-                          <m:sub>
-                            <m:r>
-                              <a:rPr lang="en-US" sz="1200" b="0" i="0" smtClean="0">
-                                <a:latin typeface="Cambria Math" panose="02040503050406030204" pitchFamily="18" charset="0"/>
-                              </a:rPr>
-                              <m:t>2</m:t>
-                            </m:r>
-                          </m:sub>
-                        </m:sSub>
-                      </m:oMath>
-                    </m:oMathPara>
-                  </a14:m>
-                  <a:endParaRPr lang="en-US" sz="1200" dirty="0"/>
-                </a:p>
-              </p:txBody>
-            </p:sp>
-          </mc:Choice>
-          <mc:Fallback>
-            <p:sp>
-              <p:nvSpPr>
-                <p:cNvPr id="235" name="TextBox 234"/>
-                <p:cNvSpPr txBox="1">
-                  <a:spLocks noRot="1" noChangeAspect="1" noMove="1" noResize="1" noEditPoints="1" noAdjustHandles="1" noChangeArrowheads="1" noChangeShapeType="1" noTextEdit="1"/>
-                </p:cNvSpPr>
-                <p:nvPr/>
-              </p:nvSpPr>
-              <p:spPr>
-                <a:xfrm>
-                  <a:off x="5116419" y="1960278"/>
-                  <a:ext cx="229683" cy="228469"/>
-                </a:xfrm>
-                <a:prstGeom prst="rect">
-                  <a:avLst/>
-                </a:prstGeom>
-                <a:blipFill>
-                  <a:blip r:embed="rId3"/>
-                  <a:stretch>
-                    <a:fillRect/>
-                  </a:stretch>
-                </a:blipFill>
-              </p:spPr>
-              <p:txBody>
-                <a:bodyPr/>
-                <a:lstStyle/>
-                <a:p>
-                  <a:r>
-                    <a:rPr lang="en-US">
-                      <a:noFill/>
-                    </a:rPr>
-                    <a:t> </a:t>
-                  </a:r>
-                </a:p>
-              </p:txBody>
-            </p:sp>
-          </mc:Fallback>
-        </mc:AlternateContent>
-        <mc:AlternateContent xmlns:mc="http://schemas.openxmlformats.org/markup-compatibility/2006">
-          <mc:Choice xmlns:a14="http://schemas.microsoft.com/office/drawing/2010/main" Requires="a14">
-            <p:sp>
-              <p:nvSpPr>
-                <p:cNvPr id="236" name="TextBox 235"/>
-                <p:cNvSpPr txBox="1"/>
-                <p:nvPr/>
-              </p:nvSpPr>
-              <p:spPr>
-                <a:xfrm>
-                  <a:off x="6929996" y="1960278"/>
-                  <a:ext cx="229683" cy="228469"/>
-                </a:xfrm>
-                <a:prstGeom prst="rect">
-                  <a:avLst/>
-                </a:prstGeom>
-                <a:noFill/>
-              </p:spPr>
-              <p:txBody>
-                <a:bodyPr wrap="none" lIns="0" tIns="0" rIns="0" bIns="0" rtlCol="0">
-                  <a:spAutoFit/>
-                </a:bodyPr>
-                <a:lstStyle/>
-                <a:p>
-                  <a:pPr/>
-                  <a14:m>
-                    <m:oMathPara xmlns:m="http://schemas.openxmlformats.org/officeDocument/2006/math">
-                      <m:oMathParaPr>
-                        <m:jc m:val="centerGroup"/>
-                      </m:oMathParaPr>
-                      <m:oMath xmlns:m="http://schemas.openxmlformats.org/officeDocument/2006/math">
-                        <m:sSub>
-                          <m:sSubPr>
-                            <m:ctrlPr>
-                              <a:rPr lang="en-US" sz="1200" i="1" smtClean="0">
-                                <a:latin typeface="Cambria Math" panose="02040503050406030204" pitchFamily="18" charset="0"/>
-                              </a:rPr>
-                            </m:ctrlPr>
-                          </m:sSubPr>
-                          <m:e>
-                            <m:r>
-                              <m:rPr>
-                                <m:sty m:val="p"/>
-                              </m:rPr>
-                              <a:rPr lang="en-US" sz="1200" b="0" i="0" smtClean="0">
-                                <a:latin typeface="Cambria Math" panose="02040503050406030204" pitchFamily="18" charset="0"/>
-                              </a:rPr>
-                              <m:t>S</m:t>
-                            </m:r>
-                          </m:e>
-                          <m:sub>
-                            <m:r>
-                              <a:rPr lang="en-US" sz="1200" b="0" i="0" smtClean="0">
-                                <a:latin typeface="Cambria Math" panose="02040503050406030204" pitchFamily="18" charset="0"/>
-                              </a:rPr>
-                              <m:t>3</m:t>
-                            </m:r>
-                          </m:sub>
-                        </m:sSub>
-                      </m:oMath>
-                    </m:oMathPara>
-                  </a14:m>
-                  <a:endParaRPr lang="en-US" sz="1200" dirty="0"/>
-                </a:p>
-              </p:txBody>
-            </p:sp>
-          </mc:Choice>
-          <mc:Fallback>
-            <p:sp>
-              <p:nvSpPr>
-                <p:cNvPr id="236" name="TextBox 235"/>
-                <p:cNvSpPr txBox="1">
-                  <a:spLocks noRot="1" noChangeAspect="1" noMove="1" noResize="1" noEditPoints="1" noAdjustHandles="1" noChangeArrowheads="1" noChangeShapeType="1" noTextEdit="1"/>
-                </p:cNvSpPr>
-                <p:nvPr/>
-              </p:nvSpPr>
-              <p:spPr>
-                <a:xfrm>
-                  <a:off x="6929996" y="1960278"/>
-                  <a:ext cx="229683" cy="228469"/>
-                </a:xfrm>
-                <a:prstGeom prst="rect">
-                  <a:avLst/>
-                </a:prstGeom>
-                <a:blipFill>
-                  <a:blip r:embed="rId4"/>
-                  <a:stretch>
-                    <a:fillRect/>
-                  </a:stretch>
-                </a:blipFill>
-              </p:spPr>
-              <p:txBody>
-                <a:bodyPr/>
-                <a:lstStyle/>
-                <a:p>
-                  <a:r>
-                    <a:rPr lang="en-US">
-                      <a:noFill/>
-                    </a:rPr>
-                    <a:t> </a:t>
-                  </a:r>
-                </a:p>
-              </p:txBody>
-            </p:sp>
-          </mc:Fallback>
-        </mc:AlternateContent>
-        <mc:AlternateContent xmlns:mc="http://schemas.openxmlformats.org/markup-compatibility/2006">
-          <mc:Choice xmlns:a14="http://schemas.microsoft.com/office/drawing/2010/main" Requires="a14">
-            <p:sp>
-              <p:nvSpPr>
-                <p:cNvPr id="237" name="TextBox 236"/>
-                <p:cNvSpPr txBox="1"/>
-                <p:nvPr/>
-              </p:nvSpPr>
-              <p:spPr>
-                <a:xfrm>
-                  <a:off x="8638741" y="1960278"/>
-                  <a:ext cx="229683" cy="228469"/>
-                </a:xfrm>
-                <a:prstGeom prst="rect">
-                  <a:avLst/>
-                </a:prstGeom>
-                <a:noFill/>
-              </p:spPr>
-              <p:txBody>
-                <a:bodyPr wrap="none" lIns="0" tIns="0" rIns="0" bIns="0" rtlCol="0">
-                  <a:spAutoFit/>
-                </a:bodyPr>
-                <a:lstStyle/>
-                <a:p>
-                  <a:pPr/>
-                  <a14:m>
-                    <m:oMathPara xmlns:m="http://schemas.openxmlformats.org/officeDocument/2006/math">
-                      <m:oMathParaPr>
-                        <m:jc m:val="centerGroup"/>
-                      </m:oMathParaPr>
-                      <m:oMath xmlns:m="http://schemas.openxmlformats.org/officeDocument/2006/math">
-                        <m:sSub>
-                          <m:sSubPr>
-                            <m:ctrlPr>
-                              <a:rPr lang="en-US" sz="1200" i="1" smtClean="0">
-                                <a:latin typeface="Cambria Math" panose="02040503050406030204" pitchFamily="18" charset="0"/>
-                              </a:rPr>
-                            </m:ctrlPr>
-                          </m:sSubPr>
-                          <m:e>
-                            <m:r>
-                              <m:rPr>
-                                <m:sty m:val="p"/>
-                              </m:rPr>
-                              <a:rPr lang="en-US" sz="1200" b="0" i="0" smtClean="0">
-                                <a:latin typeface="Cambria Math" panose="02040503050406030204" pitchFamily="18" charset="0"/>
-                              </a:rPr>
-                              <m:t>S</m:t>
-                            </m:r>
-                          </m:e>
-                          <m:sub>
-                            <m:r>
-                              <a:rPr lang="en-US" sz="1200" b="0" i="0" smtClean="0">
-                                <a:latin typeface="Cambria Math" panose="02040503050406030204" pitchFamily="18" charset="0"/>
-                              </a:rPr>
-                              <m:t>4</m:t>
-                            </m:r>
-                          </m:sub>
-                        </m:sSub>
-                      </m:oMath>
-                    </m:oMathPara>
-                  </a14:m>
-                  <a:endParaRPr lang="en-US" sz="1200" dirty="0"/>
-                </a:p>
-              </p:txBody>
-            </p:sp>
-          </mc:Choice>
-          <mc:Fallback>
-            <p:sp>
-              <p:nvSpPr>
-                <p:cNvPr id="237" name="TextBox 236"/>
-                <p:cNvSpPr txBox="1">
-                  <a:spLocks noRot="1" noChangeAspect="1" noMove="1" noResize="1" noEditPoints="1" noAdjustHandles="1" noChangeArrowheads="1" noChangeShapeType="1" noTextEdit="1"/>
-                </p:cNvSpPr>
-                <p:nvPr/>
-              </p:nvSpPr>
-              <p:spPr>
-                <a:xfrm>
-                  <a:off x="8638741" y="1960278"/>
-                  <a:ext cx="229683" cy="228469"/>
-                </a:xfrm>
-                <a:prstGeom prst="rect">
-                  <a:avLst/>
-                </a:prstGeom>
-                <a:blipFill>
-                  <a:blip r:embed="rId5"/>
-                  <a:stretch>
-                    <a:fillRect/>
-                  </a:stretch>
-                </a:blipFill>
-              </p:spPr>
-              <p:txBody>
-                <a:bodyPr/>
-                <a:lstStyle/>
-                <a:p>
-                  <a:r>
-                    <a:rPr lang="en-US">
-                      <a:noFill/>
-                    </a:rPr>
-                    <a:t> </a:t>
-                  </a:r>
-                </a:p>
-              </p:txBody>
-            </p:sp>
-          </mc:Fallback>
-        </mc:AlternateContent>
-        <mc:AlternateContent xmlns:mc="http://schemas.openxmlformats.org/markup-compatibility/2006">
-          <mc:Choice xmlns:a14="http://schemas.microsoft.com/office/drawing/2010/main" Requires="a14">
-            <p:sp>
-              <p:nvSpPr>
-                <p:cNvPr id="238" name="TextBox 237"/>
-                <p:cNvSpPr txBox="1"/>
-                <p:nvPr/>
-              </p:nvSpPr>
-              <p:spPr>
-                <a:xfrm>
-                  <a:off x="2504825" y="4357930"/>
-                  <a:ext cx="229683" cy="228469"/>
-                </a:xfrm>
-                <a:prstGeom prst="rect">
-                  <a:avLst/>
-                </a:prstGeom>
-                <a:noFill/>
-              </p:spPr>
-              <p:txBody>
-                <a:bodyPr wrap="none" lIns="0" tIns="0" rIns="0" bIns="0" rtlCol="0">
-                  <a:spAutoFit/>
-                </a:bodyPr>
-                <a:lstStyle/>
-                <a:p>
-                  <a:pPr/>
-                  <a14:m>
-                    <m:oMathPara xmlns:m="http://schemas.openxmlformats.org/officeDocument/2006/math">
-                      <m:oMathParaPr>
-                        <m:jc m:val="centerGroup"/>
-                      </m:oMathParaPr>
-                      <m:oMath xmlns:m="http://schemas.openxmlformats.org/officeDocument/2006/math">
-                        <m:sSub>
-                          <m:sSubPr>
-                            <m:ctrlPr>
-                              <a:rPr lang="en-US" sz="1200" i="1" smtClean="0">
-                                <a:latin typeface="Cambria Math" panose="02040503050406030204" pitchFamily="18" charset="0"/>
-                              </a:rPr>
-                            </m:ctrlPr>
-                          </m:sSubPr>
-                          <m:e>
-                            <m:r>
-                              <m:rPr>
-                                <m:sty m:val="p"/>
-                              </m:rPr>
-                              <a:rPr lang="en-US" sz="1200" b="0" i="0" smtClean="0">
-                                <a:latin typeface="Cambria Math" panose="02040503050406030204" pitchFamily="18" charset="0"/>
-                              </a:rPr>
-                              <m:t>S</m:t>
-                            </m:r>
-                          </m:e>
-                          <m:sub>
-                            <m:r>
-                              <a:rPr lang="en-US" sz="1200" b="0" i="0" smtClean="0">
-                                <a:latin typeface="Cambria Math" panose="02040503050406030204" pitchFamily="18" charset="0"/>
-                              </a:rPr>
-                              <m:t>5</m:t>
-                            </m:r>
-                          </m:sub>
-                        </m:sSub>
-                      </m:oMath>
-                    </m:oMathPara>
-                  </a14:m>
-                  <a:endParaRPr lang="en-US" sz="1200" dirty="0"/>
-                </a:p>
-              </p:txBody>
-            </p:sp>
-          </mc:Choice>
-          <mc:Fallback>
-            <p:sp>
-              <p:nvSpPr>
-                <p:cNvPr id="238" name="TextBox 237"/>
-                <p:cNvSpPr txBox="1">
-                  <a:spLocks noRot="1" noChangeAspect="1" noMove="1" noResize="1" noEditPoints="1" noAdjustHandles="1" noChangeArrowheads="1" noChangeShapeType="1" noTextEdit="1"/>
-                </p:cNvSpPr>
-                <p:nvPr/>
-              </p:nvSpPr>
-              <p:spPr>
-                <a:xfrm>
-                  <a:off x="2504825" y="4357930"/>
-                  <a:ext cx="229683" cy="228469"/>
-                </a:xfrm>
-                <a:prstGeom prst="rect">
-                  <a:avLst/>
-                </a:prstGeom>
-                <a:blipFill>
-                  <a:blip r:embed="rId6"/>
-                  <a:stretch>
-                    <a:fillRect/>
-                  </a:stretch>
-                </a:blipFill>
-              </p:spPr>
-              <p:txBody>
-                <a:bodyPr/>
-                <a:lstStyle/>
-                <a:p>
-                  <a:r>
-                    <a:rPr lang="en-US">
-                      <a:noFill/>
-                    </a:rPr>
-                    <a:t> </a:t>
-                  </a:r>
-                </a:p>
-              </p:txBody>
-            </p:sp>
-          </mc:Fallback>
-        </mc:AlternateContent>
-        <mc:AlternateContent xmlns:mc="http://schemas.openxmlformats.org/markup-compatibility/2006">
-          <mc:Choice xmlns:a14="http://schemas.microsoft.com/office/drawing/2010/main" Requires="a14">
-            <p:sp>
-              <p:nvSpPr>
-                <p:cNvPr id="240" name="TextBox 239"/>
-                <p:cNvSpPr txBox="1"/>
-                <p:nvPr/>
-              </p:nvSpPr>
-              <p:spPr>
-                <a:xfrm>
-                  <a:off x="3297981" y="3677371"/>
-                  <a:ext cx="229683" cy="228469"/>
-                </a:xfrm>
-                <a:prstGeom prst="rect">
-                  <a:avLst/>
-                </a:prstGeom>
-                <a:noFill/>
-              </p:spPr>
-              <p:txBody>
-                <a:bodyPr wrap="none" lIns="0" tIns="0" rIns="0" bIns="0" rtlCol="0">
-                  <a:spAutoFit/>
-                </a:bodyPr>
-                <a:lstStyle/>
-                <a:p>
-                  <a:pPr/>
-                  <a14:m>
-                    <m:oMathPara xmlns:m="http://schemas.openxmlformats.org/officeDocument/2006/math">
-                      <m:oMathParaPr>
-                        <m:jc m:val="centerGroup"/>
-                      </m:oMathParaPr>
-                      <m:oMath xmlns:m="http://schemas.openxmlformats.org/officeDocument/2006/math">
-                        <m:sSub>
-                          <m:sSubPr>
-                            <m:ctrlPr>
-                              <a:rPr lang="en-US" sz="1200" i="1" smtClean="0">
-                                <a:latin typeface="Cambria Math" panose="02040503050406030204" pitchFamily="18" charset="0"/>
-                              </a:rPr>
-                            </m:ctrlPr>
-                          </m:sSubPr>
-                          <m:e>
-                            <m:r>
-                              <m:rPr>
-                                <m:sty m:val="p"/>
-                              </m:rPr>
-                              <a:rPr lang="en-US" sz="1200" b="0" i="0" smtClean="0">
-                                <a:latin typeface="Cambria Math" panose="02040503050406030204" pitchFamily="18" charset="0"/>
-                              </a:rPr>
-                              <m:t>S</m:t>
-                            </m:r>
-                          </m:e>
-                          <m:sub>
-                            <m:r>
-                              <a:rPr lang="en-US" sz="1200" b="0" i="0" smtClean="0">
-                                <a:latin typeface="Cambria Math" panose="02040503050406030204" pitchFamily="18" charset="0"/>
-                              </a:rPr>
-                              <m:t>6</m:t>
-                            </m:r>
-                          </m:sub>
-                        </m:sSub>
-                      </m:oMath>
-                    </m:oMathPara>
-                  </a14:m>
-                  <a:endParaRPr lang="en-US" sz="1200" dirty="0"/>
-                </a:p>
-              </p:txBody>
-            </p:sp>
-          </mc:Choice>
-          <mc:Fallback>
-            <p:sp>
-              <p:nvSpPr>
-                <p:cNvPr id="240" name="TextBox 239"/>
-                <p:cNvSpPr txBox="1">
-                  <a:spLocks noRot="1" noChangeAspect="1" noMove="1" noResize="1" noEditPoints="1" noAdjustHandles="1" noChangeArrowheads="1" noChangeShapeType="1" noTextEdit="1"/>
-                </p:cNvSpPr>
-                <p:nvPr/>
-              </p:nvSpPr>
-              <p:spPr>
-                <a:xfrm>
-                  <a:off x="3297981" y="3677371"/>
-                  <a:ext cx="229683" cy="228469"/>
-                </a:xfrm>
-                <a:prstGeom prst="rect">
-                  <a:avLst/>
-                </a:prstGeom>
-                <a:blipFill>
-                  <a:blip r:embed="rId7"/>
-                  <a:stretch>
-                    <a:fillRect/>
-                  </a:stretch>
-                </a:blipFill>
-              </p:spPr>
-              <p:txBody>
-                <a:bodyPr/>
-                <a:lstStyle/>
-                <a:p>
-                  <a:r>
-                    <a:rPr lang="en-US">
-                      <a:noFill/>
-                    </a:rPr>
-                    <a:t> </a:t>
-                  </a:r>
-                </a:p>
-              </p:txBody>
-            </p:sp>
-          </mc:Fallback>
-        </mc:AlternateContent>
-        <p:sp>
-          <p:nvSpPr>
-            <p:cNvPr id="174" name="Rounded Rectangle 173"/>
-            <p:cNvSpPr/>
-            <p:nvPr/>
-          </p:nvSpPr>
-          <p:spPr>
-            <a:xfrm>
-              <a:off x="3633698" y="3393065"/>
-              <a:ext cx="1364220" cy="914467"/>
-            </a:xfrm>
-            <a:prstGeom prst="roundRect">
-              <a:avLst/>
-            </a:prstGeom>
-            <a:ln w="19050"/>
-          </p:spPr>
-          <p:style>
-            <a:lnRef idx="2">
-              <a:schemeClr val="dk1"/>
-            </a:lnRef>
-            <a:fillRef idx="1">
-              <a:schemeClr val="lt1"/>
-            </a:fillRef>
-            <a:effectRef idx="0">
-              <a:schemeClr val="dk1"/>
-            </a:effectRef>
-            <a:fontRef idx="minor">
-              <a:schemeClr val="dk1"/>
-            </a:fontRef>
-          </p:style>
-          <p:txBody>
-            <a:bodyPr rtlCol="0" anchor="ctr"/>
-            <a:lstStyle/>
-            <a:p>
-              <a:pPr algn="ctr"/>
-              <a:r>
-                <a:rPr lang="en-US" sz="1200" dirty="0" smtClean="0"/>
-                <a:t>Fork</a:t>
-              </a:r>
-              <a:endParaRPr lang="en-US" sz="1200" dirty="0"/>
-            </a:p>
-          </p:txBody>
-        </p:sp>
-        <p:sp>
-          <p:nvSpPr>
-            <p:cNvPr id="230" name="Rounded Rectangle 229"/>
-            <p:cNvSpPr/>
-            <p:nvPr/>
-          </p:nvSpPr>
-          <p:spPr>
-            <a:xfrm>
-              <a:off x="7274520" y="4735336"/>
-              <a:ext cx="1349061" cy="914466"/>
-            </a:xfrm>
-            <a:prstGeom prst="roundRect">
-              <a:avLst/>
-            </a:prstGeom>
-            <a:ln w="19050"/>
-          </p:spPr>
-          <p:style>
-            <a:lnRef idx="2">
-              <a:schemeClr val="dk1"/>
-            </a:lnRef>
-            <a:fillRef idx="1">
-              <a:schemeClr val="lt1"/>
-            </a:fillRef>
-            <a:effectRef idx="0">
-              <a:schemeClr val="dk1"/>
-            </a:effectRef>
-            <a:fontRef idx="minor">
-              <a:schemeClr val="dk1"/>
-            </a:fontRef>
-          </p:style>
-          <p:txBody>
-            <a:bodyPr rtlCol="0" anchor="ctr"/>
-            <a:lstStyle/>
-            <a:p>
-              <a:pPr algn="ctr"/>
-              <a:r>
-                <a:rPr lang="en-US" sz="1200" dirty="0" smtClean="0"/>
-                <a:t>Sink</a:t>
-              </a:r>
-              <a:endParaRPr lang="en-US" sz="1200" dirty="0"/>
-            </a:p>
-          </p:txBody>
-        </p:sp>
-        <mc:AlternateContent xmlns:mc="http://schemas.openxmlformats.org/markup-compatibility/2006">
-          <mc:Choice xmlns:a14="http://schemas.microsoft.com/office/drawing/2010/main" Requires="a14">
-            <p:sp>
-              <p:nvSpPr>
-                <p:cNvPr id="241" name="TextBox 240"/>
-                <p:cNvSpPr txBox="1"/>
-                <p:nvPr/>
-              </p:nvSpPr>
-              <p:spPr>
-                <a:xfrm>
-                  <a:off x="4999312" y="3507295"/>
-                  <a:ext cx="229683" cy="228469"/>
-                </a:xfrm>
-                <a:prstGeom prst="rect">
-                  <a:avLst/>
-                </a:prstGeom>
-                <a:noFill/>
-              </p:spPr>
-              <p:txBody>
-                <a:bodyPr wrap="none" lIns="0" tIns="0" rIns="0" bIns="0" rtlCol="0">
-                  <a:spAutoFit/>
-                </a:bodyPr>
-                <a:lstStyle/>
-                <a:p>
-                  <a:pPr/>
-                  <a14:m>
-                    <m:oMathPara xmlns:m="http://schemas.openxmlformats.org/officeDocument/2006/math">
-                      <m:oMathParaPr>
-                        <m:jc m:val="centerGroup"/>
-                      </m:oMathParaPr>
-                      <m:oMath xmlns:m="http://schemas.openxmlformats.org/officeDocument/2006/math">
-                        <m:sSub>
-                          <m:sSubPr>
-                            <m:ctrlPr>
-                              <a:rPr lang="en-US" sz="1200" i="1" smtClean="0">
-                                <a:latin typeface="Cambria Math" panose="02040503050406030204" pitchFamily="18" charset="0"/>
-                              </a:rPr>
-                            </m:ctrlPr>
-                          </m:sSubPr>
-                          <m:e>
-                            <m:r>
-                              <m:rPr>
-                                <m:sty m:val="p"/>
-                              </m:rPr>
-                              <a:rPr lang="en-US" sz="1200" b="0" i="0" smtClean="0">
-                                <a:latin typeface="Cambria Math" panose="02040503050406030204" pitchFamily="18" charset="0"/>
-                              </a:rPr>
-                              <m:t>S</m:t>
-                            </m:r>
-                          </m:e>
-                          <m:sub>
-                            <m:r>
-                              <a:rPr lang="en-US" sz="1200" b="0" i="0" smtClean="0">
-                                <a:latin typeface="Cambria Math" panose="02040503050406030204" pitchFamily="18" charset="0"/>
-                              </a:rPr>
-                              <m:t>7</m:t>
-                            </m:r>
-                          </m:sub>
-                        </m:sSub>
-                      </m:oMath>
-                    </m:oMathPara>
-                  </a14:m>
-                  <a:endParaRPr lang="en-US" sz="1200" dirty="0"/>
-                </a:p>
-              </p:txBody>
-            </p:sp>
-          </mc:Choice>
-          <mc:Fallback>
-            <p:sp>
-              <p:nvSpPr>
-                <p:cNvPr id="241" name="TextBox 240"/>
-                <p:cNvSpPr txBox="1">
-                  <a:spLocks noRot="1" noChangeAspect="1" noMove="1" noResize="1" noEditPoints="1" noAdjustHandles="1" noChangeArrowheads="1" noChangeShapeType="1" noTextEdit="1"/>
-                </p:cNvSpPr>
-                <p:nvPr/>
-              </p:nvSpPr>
-              <p:spPr>
-                <a:xfrm>
-                  <a:off x="4999312" y="3507295"/>
-                  <a:ext cx="229683" cy="228469"/>
-                </a:xfrm>
-                <a:prstGeom prst="rect">
-                  <a:avLst/>
-                </a:prstGeom>
-                <a:blipFill>
-                  <a:blip r:embed="rId8"/>
-                  <a:stretch>
-                    <a:fillRect/>
-                  </a:stretch>
-                </a:blipFill>
-              </p:spPr>
-              <p:txBody>
-                <a:bodyPr/>
-                <a:lstStyle/>
-                <a:p>
-                  <a:r>
-                    <a:rPr lang="en-US">
-                      <a:noFill/>
-                    </a:rPr>
-                    <a:t> </a:t>
-                  </a:r>
-                </a:p>
-              </p:txBody>
-            </p:sp>
-          </mc:Fallback>
-        </mc:AlternateContent>
-        <mc:AlternateContent xmlns:mc="http://schemas.openxmlformats.org/markup-compatibility/2006">
-          <mc:Choice xmlns:a14="http://schemas.microsoft.com/office/drawing/2010/main" Requires="a14">
-            <p:sp>
-              <p:nvSpPr>
-                <p:cNvPr id="242" name="TextBox 241"/>
-                <p:cNvSpPr txBox="1"/>
-                <p:nvPr/>
-              </p:nvSpPr>
-              <p:spPr>
-                <a:xfrm>
-                  <a:off x="4984099" y="3850297"/>
-                  <a:ext cx="229683" cy="228469"/>
-                </a:xfrm>
-                <a:prstGeom prst="rect">
-                  <a:avLst/>
-                </a:prstGeom>
-                <a:noFill/>
-              </p:spPr>
-              <p:txBody>
-                <a:bodyPr wrap="none" lIns="0" tIns="0" rIns="0" bIns="0" rtlCol="0">
-                  <a:spAutoFit/>
-                </a:bodyPr>
-                <a:lstStyle/>
-                <a:p>
-                  <a:pPr/>
-                  <a14:m>
-                    <m:oMathPara xmlns:m="http://schemas.openxmlformats.org/officeDocument/2006/math">
-                      <m:oMathParaPr>
-                        <m:jc m:val="centerGroup"/>
-                      </m:oMathParaPr>
-                      <m:oMath xmlns:m="http://schemas.openxmlformats.org/officeDocument/2006/math">
-                        <m:sSub>
-                          <m:sSubPr>
-                            <m:ctrlPr>
-                              <a:rPr lang="en-US" sz="1200" i="1" smtClean="0">
-                                <a:latin typeface="Cambria Math" panose="02040503050406030204" pitchFamily="18" charset="0"/>
-                              </a:rPr>
-                            </m:ctrlPr>
-                          </m:sSubPr>
-                          <m:e>
-                            <m:r>
-                              <m:rPr>
-                                <m:sty m:val="p"/>
-                              </m:rPr>
-                              <a:rPr lang="en-US" sz="1200" b="0" i="0" smtClean="0">
-                                <a:latin typeface="Cambria Math" panose="02040503050406030204" pitchFamily="18" charset="0"/>
-                              </a:rPr>
-                              <m:t>S</m:t>
-                            </m:r>
-                          </m:e>
-                          <m:sub>
-                            <m:r>
-                              <a:rPr lang="en-US" sz="1200" b="0" i="0" smtClean="0">
-                                <a:latin typeface="Cambria Math" panose="02040503050406030204" pitchFamily="18" charset="0"/>
-                              </a:rPr>
-                              <m:t>8</m:t>
-                            </m:r>
-                          </m:sub>
-                        </m:sSub>
-                      </m:oMath>
-                    </m:oMathPara>
-                  </a14:m>
-                  <a:endParaRPr lang="en-US" sz="1200" dirty="0"/>
-                </a:p>
-              </p:txBody>
-            </p:sp>
-          </mc:Choice>
-          <mc:Fallback>
-            <p:sp>
-              <p:nvSpPr>
-                <p:cNvPr id="242" name="TextBox 241"/>
-                <p:cNvSpPr txBox="1">
-                  <a:spLocks noRot="1" noChangeAspect="1" noMove="1" noResize="1" noEditPoints="1" noAdjustHandles="1" noChangeArrowheads="1" noChangeShapeType="1" noTextEdit="1"/>
-                </p:cNvSpPr>
-                <p:nvPr/>
-              </p:nvSpPr>
-              <p:spPr>
-                <a:xfrm>
-                  <a:off x="4984099" y="3850297"/>
-                  <a:ext cx="229683" cy="228469"/>
-                </a:xfrm>
-                <a:prstGeom prst="rect">
-                  <a:avLst/>
-                </a:prstGeom>
-                <a:blipFill>
-                  <a:blip r:embed="rId9"/>
-                  <a:stretch>
-                    <a:fillRect/>
-                  </a:stretch>
-                </a:blipFill>
-              </p:spPr>
-              <p:txBody>
-                <a:bodyPr/>
-                <a:lstStyle/>
-                <a:p>
-                  <a:r>
-                    <a:rPr lang="en-US">
-                      <a:noFill/>
-                    </a:rPr>
-                    <a:t> </a:t>
-                  </a:r>
-                </a:p>
-              </p:txBody>
-            </p:sp>
-          </mc:Fallback>
-        </mc:AlternateContent>
-        <mc:AlternateContent xmlns:mc="http://schemas.openxmlformats.org/markup-compatibility/2006">
-          <mc:Choice xmlns:a14="http://schemas.microsoft.com/office/drawing/2010/main" Requires="a14">
-            <p:sp>
-              <p:nvSpPr>
-                <p:cNvPr id="243" name="TextBox 242"/>
-                <p:cNvSpPr txBox="1"/>
-                <p:nvPr/>
-              </p:nvSpPr>
-              <p:spPr>
-                <a:xfrm>
-                  <a:off x="7012818" y="3853377"/>
-                  <a:ext cx="225689" cy="228469"/>
-                </a:xfrm>
-                <a:prstGeom prst="rect">
-                  <a:avLst/>
-                </a:prstGeom>
-                <a:noFill/>
-              </p:spPr>
-              <p:txBody>
-                <a:bodyPr wrap="none" lIns="0" tIns="0" rIns="0" bIns="0" rtlCol="0">
-                  <a:spAutoFit/>
-                </a:bodyPr>
-                <a:lstStyle/>
-                <a:p>
-                  <a:pPr/>
-                  <a14:m>
-                    <m:oMathPara xmlns:m="http://schemas.openxmlformats.org/officeDocument/2006/math">
-                      <m:oMathParaPr>
-                        <m:jc m:val="centerGroup"/>
-                      </m:oMathParaPr>
-                      <m:oMath xmlns:m="http://schemas.openxmlformats.org/officeDocument/2006/math">
-                        <m:sSub>
-                          <m:sSubPr>
-                            <m:ctrlPr>
-                              <a:rPr lang="en-US" sz="1200" i="1" smtClean="0">
-                                <a:latin typeface="Cambria Math" panose="02040503050406030204" pitchFamily="18" charset="0"/>
-                              </a:rPr>
-                            </m:ctrlPr>
-                          </m:sSubPr>
-                          <m:e>
-                            <m:r>
-                              <m:rPr>
-                                <m:sty m:val="p"/>
-                              </m:rPr>
-                              <a:rPr lang="en-US" sz="1200" b="0" i="0" smtClean="0">
-                                <a:latin typeface="Cambria Math" panose="02040503050406030204" pitchFamily="18" charset="0"/>
-                              </a:rPr>
-                              <m:t>S</m:t>
-                            </m:r>
-                          </m:e>
-                          <m:sub>
-                            <m:r>
-                              <a:rPr lang="en-US" sz="1200" b="0" i="0" smtClean="0">
-                                <a:latin typeface="Cambria Math" panose="02040503050406030204" pitchFamily="18" charset="0"/>
-                              </a:rPr>
-                              <m:t>9</m:t>
-                            </m:r>
-                          </m:sub>
-                        </m:sSub>
-                      </m:oMath>
-                    </m:oMathPara>
-                  </a14:m>
-                  <a:endParaRPr lang="en-US" sz="1200" dirty="0"/>
-                </a:p>
-              </p:txBody>
-            </p:sp>
-          </mc:Choice>
-          <mc:Fallback>
-            <p:sp>
-              <p:nvSpPr>
-                <p:cNvPr id="243" name="TextBox 242"/>
-                <p:cNvSpPr txBox="1">
-                  <a:spLocks noRot="1" noChangeAspect="1" noMove="1" noResize="1" noEditPoints="1" noAdjustHandles="1" noChangeArrowheads="1" noChangeShapeType="1" noTextEdit="1"/>
-                </p:cNvSpPr>
-                <p:nvPr/>
-              </p:nvSpPr>
-              <p:spPr>
-                <a:xfrm>
-                  <a:off x="7012818" y="3853377"/>
-                  <a:ext cx="225689" cy="228469"/>
-                </a:xfrm>
-                <a:prstGeom prst="rect">
-                  <a:avLst/>
-                </a:prstGeom>
-                <a:blipFill>
-                  <a:blip r:embed="rId10"/>
-                  <a:stretch>
-                    <a:fillRect/>
-                  </a:stretch>
-                </a:blipFill>
-              </p:spPr>
-              <p:txBody>
-                <a:bodyPr/>
-                <a:lstStyle/>
-                <a:p>
-                  <a:r>
-                    <a:rPr lang="en-US">
-                      <a:noFill/>
-                    </a:rPr>
-                    <a:t> </a:t>
-                  </a:r>
-                </a:p>
-              </p:txBody>
-            </p:sp>
-          </mc:Fallback>
-        </mc:AlternateContent>
-        <mc:AlternateContent xmlns:mc="http://schemas.openxmlformats.org/markup-compatibility/2006">
-          <mc:Choice xmlns:a14="http://schemas.microsoft.com/office/drawing/2010/main" Requires="a14">
-            <p:sp>
-              <p:nvSpPr>
-                <p:cNvPr id="244" name="TextBox 243"/>
-                <p:cNvSpPr txBox="1"/>
-                <p:nvPr/>
-              </p:nvSpPr>
-              <p:spPr>
-                <a:xfrm>
-                  <a:off x="7956631" y="4357930"/>
-                  <a:ext cx="307097" cy="228469"/>
-                </a:xfrm>
-                <a:prstGeom prst="rect">
-                  <a:avLst/>
-                </a:prstGeom>
-                <a:noFill/>
-              </p:spPr>
-              <p:txBody>
-                <a:bodyPr wrap="none" lIns="0" tIns="0" rIns="0" bIns="0" rtlCol="0">
-                  <a:spAutoFit/>
-                </a:bodyPr>
-                <a:lstStyle/>
-                <a:p>
-                  <a:pPr/>
-                  <a14:m>
-                    <m:oMathPara xmlns:m="http://schemas.openxmlformats.org/officeDocument/2006/math">
-                      <m:oMathParaPr>
-                        <m:jc m:val="centerGroup"/>
-                      </m:oMathParaPr>
-                      <m:oMath xmlns:m="http://schemas.openxmlformats.org/officeDocument/2006/math">
-                        <m:sSub>
-                          <m:sSubPr>
-                            <m:ctrlPr>
-                              <a:rPr lang="en-US" sz="1200" i="1" smtClean="0">
-                                <a:latin typeface="Cambria Math" panose="02040503050406030204" pitchFamily="18" charset="0"/>
-                              </a:rPr>
-                            </m:ctrlPr>
-                          </m:sSubPr>
-                          <m:e>
-                            <m:r>
-                              <m:rPr>
-                                <m:sty m:val="p"/>
-                              </m:rPr>
-                              <a:rPr lang="en-US" sz="1200" b="0" i="0" smtClean="0">
-                                <a:latin typeface="Cambria Math" panose="02040503050406030204" pitchFamily="18" charset="0"/>
-                              </a:rPr>
-                              <m:t>S</m:t>
-                            </m:r>
-                          </m:e>
-                          <m:sub>
-                            <m:r>
-                              <a:rPr lang="en-US" sz="1200" b="0" i="0" smtClean="0">
-                                <a:latin typeface="Cambria Math" panose="02040503050406030204" pitchFamily="18" charset="0"/>
-                              </a:rPr>
-                              <m:t>10</m:t>
-                            </m:r>
-                          </m:sub>
-                        </m:sSub>
-                      </m:oMath>
-                    </m:oMathPara>
-                  </a14:m>
-                  <a:endParaRPr lang="en-US" sz="1200" dirty="0"/>
-                </a:p>
-              </p:txBody>
-            </p:sp>
-          </mc:Choice>
-          <mc:Fallback>
-            <p:sp>
-              <p:nvSpPr>
-                <p:cNvPr id="244" name="TextBox 243"/>
-                <p:cNvSpPr txBox="1">
-                  <a:spLocks noRot="1" noChangeAspect="1" noMove="1" noResize="1" noEditPoints="1" noAdjustHandles="1" noChangeArrowheads="1" noChangeShapeType="1" noTextEdit="1"/>
-                </p:cNvSpPr>
-                <p:nvPr/>
-              </p:nvSpPr>
-              <p:spPr>
-                <a:xfrm>
-                  <a:off x="7956631" y="4357930"/>
-                  <a:ext cx="307097" cy="228469"/>
-                </a:xfrm>
-                <a:prstGeom prst="rect">
-                  <a:avLst/>
-                </a:prstGeom>
-                <a:blipFill>
-                  <a:blip r:embed="rId11"/>
-                  <a:stretch>
-                    <a:fillRect/>
-                  </a:stretch>
-                </a:blipFill>
-              </p:spPr>
-              <p:txBody>
-                <a:bodyPr/>
-                <a:lstStyle/>
-                <a:p>
-                  <a:r>
-                    <a:rPr lang="en-US">
-                      <a:noFill/>
-                    </a:rPr>
-                    <a:t> </a:t>
-                  </a:r>
-                </a:p>
-              </p:txBody>
-            </p:sp>
-          </mc:Fallback>
-        </mc:AlternateContent>
-        <p:sp>
-          <p:nvSpPr>
-            <p:cNvPr id="42" name="Rounded Rectangle 41"/>
-            <p:cNvSpPr/>
-            <p:nvPr/>
-          </p:nvSpPr>
-          <p:spPr>
-            <a:xfrm>
-              <a:off x="5456150" y="4764766"/>
-              <a:ext cx="1364220" cy="914467"/>
-            </a:xfrm>
-            <a:prstGeom prst="roundRect">
-              <a:avLst/>
-            </a:prstGeom>
-            <a:ln w="19050"/>
-          </p:spPr>
-          <p:style>
-            <a:lnRef idx="2">
-              <a:schemeClr val="dk1"/>
-            </a:lnRef>
-            <a:fillRef idx="1">
-              <a:schemeClr val="lt1"/>
-            </a:fillRef>
-            <a:effectRef idx="0">
-              <a:schemeClr val="dk1"/>
-            </a:effectRef>
-            <a:fontRef idx="minor">
-              <a:schemeClr val="dk1"/>
-            </a:fontRef>
-          </p:style>
-          <p:txBody>
-            <a:bodyPr rtlCol="0" anchor="ctr"/>
-            <a:lstStyle/>
-            <a:p>
-              <a:pPr algn="ctr"/>
-              <a:r>
-                <a:rPr lang="en-US" sz="1200" dirty="0"/>
-                <a:t>Hilbert </a:t>
-              </a:r>
-              <a:r>
-                <a:rPr lang="en-US" sz="1200" dirty="0" smtClean="0"/>
-                <a:t>Transform</a:t>
-              </a:r>
-              <a:endParaRPr lang="en-US" sz="1200" dirty="0"/>
-            </a:p>
-          </p:txBody>
-        </p:sp>
-        <p:cxnSp>
-          <p:nvCxnSpPr>
-            <p:cNvPr id="9" name="Straight Arrow Connector 8"/>
-            <p:cNvCxnSpPr/>
-            <p:nvPr/>
-          </p:nvCxnSpPr>
-          <p:spPr>
-            <a:xfrm>
-              <a:off x="5002104" y="3677371"/>
-              <a:ext cx="2264773" cy="0"/>
-            </a:xfrm>
-            <a:prstGeom prst="straightConnector1">
-              <a:avLst/>
-            </a:prstGeom>
-            <a:ln w="19050">
-              <a:tailEnd type="triangle"/>
-            </a:ln>
-          </p:spPr>
-          <p:style>
-            <a:lnRef idx="1">
-              <a:schemeClr val="dk1"/>
-            </a:lnRef>
-            <a:fillRef idx="0">
-              <a:schemeClr val="dk1"/>
-            </a:fillRef>
-            <a:effectRef idx="0">
-              <a:schemeClr val="dk1"/>
-            </a:effectRef>
-            <a:fontRef idx="minor">
-              <a:schemeClr val="tx1"/>
-            </a:fontRef>
-          </p:style>
-        </p:cxnSp>
-        <p:cxnSp>
-          <p:nvCxnSpPr>
-            <p:cNvPr id="21" name="Straight Connector 20"/>
-            <p:cNvCxnSpPr/>
-            <p:nvPr/>
-          </p:nvCxnSpPr>
-          <p:spPr>
-            <a:xfrm flipH="1">
-              <a:off x="5001638" y="4038023"/>
-              <a:ext cx="205003" cy="784"/>
-            </a:xfrm>
-            <a:prstGeom prst="line">
-              <a:avLst/>
-            </a:prstGeom>
-            <a:ln w="19050"/>
-          </p:spPr>
-          <p:style>
-            <a:lnRef idx="1">
-              <a:schemeClr val="dk1"/>
-            </a:lnRef>
-            <a:fillRef idx="0">
-              <a:schemeClr val="dk1"/>
-            </a:fillRef>
-            <a:effectRef idx="0">
-              <a:schemeClr val="dk1"/>
-            </a:effectRef>
-            <a:fontRef idx="minor">
-              <a:schemeClr val="tx1"/>
-            </a:fontRef>
-          </p:style>
-        </p:cxnSp>
-        <p:cxnSp>
-          <p:nvCxnSpPr>
-            <p:cNvPr id="19" name="Elbow Connector 18"/>
-            <p:cNvCxnSpPr>
-              <a:stCxn id="169" idx="3"/>
-              <a:endCxn id="172" idx="1"/>
-            </p:cNvCxnSpPr>
-            <p:nvPr/>
-          </p:nvCxnSpPr>
-          <p:spPr>
-            <a:xfrm flipH="1">
-              <a:off x="1819277" y="2162173"/>
-              <a:ext cx="6819464" cy="1688140"/>
-            </a:xfrm>
-            <a:prstGeom prst="bentConnector5">
-              <a:avLst>
-                <a:gd name="adj1" fmla="val -3352"/>
-                <a:gd name="adj2" fmla="val 50000"/>
-                <a:gd name="adj3" fmla="val 103352"/>
-              </a:avLst>
-            </a:prstGeom>
-            <a:ln w="19050">
-              <a:tailEnd type="triangle"/>
-            </a:ln>
-          </p:spPr>
-          <p:style>
-            <a:lnRef idx="1">
-              <a:schemeClr val="dk1"/>
-            </a:lnRef>
-            <a:fillRef idx="0">
-              <a:schemeClr val="dk1"/>
-            </a:fillRef>
-            <a:effectRef idx="0">
-              <a:schemeClr val="dk1"/>
-            </a:effectRef>
-            <a:fontRef idx="minor">
-              <a:schemeClr val="tx1"/>
-            </a:fontRef>
-          </p:style>
-        </p:cxnSp>
-        <p:cxnSp>
-          <p:nvCxnSpPr>
-            <p:cNvPr id="50" name="Straight Arrow Connector 49"/>
-            <p:cNvCxnSpPr>
-              <a:stCxn id="230" idx="0"/>
-            </p:cNvCxnSpPr>
-            <p:nvPr/>
-          </p:nvCxnSpPr>
-          <p:spPr>
-            <a:xfrm flipV="1">
-              <a:off x="7949051" y="4307531"/>
-              <a:ext cx="3705" cy="427805"/>
-            </a:xfrm>
-            <a:prstGeom prst="straightConnector1">
-              <a:avLst/>
-            </a:prstGeom>
-            <a:ln w="19050">
-              <a:tailEnd type="triangle"/>
-            </a:ln>
-          </p:spPr>
-          <p:style>
-            <a:lnRef idx="1">
-              <a:schemeClr val="dk1"/>
-            </a:lnRef>
-            <a:fillRef idx="0">
-              <a:schemeClr val="dk1"/>
-            </a:fillRef>
-            <a:effectRef idx="0">
-              <a:schemeClr val="dk1"/>
-            </a:effectRef>
-            <a:fontRef idx="minor">
-              <a:schemeClr val="tx1"/>
-            </a:fontRef>
-          </p:style>
-        </p:cxnSp>
-        <p:cxnSp>
-          <p:nvCxnSpPr>
-            <p:cNvPr id="57" name="Straight Arrow Connector 56"/>
-            <p:cNvCxnSpPr>
-              <a:stCxn id="172" idx="3"/>
-              <a:endCxn id="174" idx="1"/>
-            </p:cNvCxnSpPr>
-            <p:nvPr/>
-          </p:nvCxnSpPr>
-          <p:spPr>
-            <a:xfrm flipV="1">
-              <a:off x="3183497" y="3850299"/>
-              <a:ext cx="450201" cy="14"/>
-            </a:xfrm>
-            <a:prstGeom prst="straightConnector1">
-              <a:avLst/>
-            </a:prstGeom>
-            <a:ln w="19050">
-              <a:tailEnd type="triangle"/>
-            </a:ln>
-          </p:spPr>
-          <p:style>
-            <a:lnRef idx="1">
-              <a:schemeClr val="dk1"/>
-            </a:lnRef>
-            <a:fillRef idx="0">
-              <a:schemeClr val="dk1"/>
-            </a:fillRef>
-            <a:effectRef idx="0">
-              <a:schemeClr val="dk1"/>
-            </a:effectRef>
-            <a:fontRef idx="minor">
-              <a:schemeClr val="tx1"/>
-            </a:fontRef>
-          </p:style>
-        </p:cxnSp>
-        <p:cxnSp>
-          <p:nvCxnSpPr>
-            <p:cNvPr id="33" name="Elbow Connector 32"/>
-            <p:cNvCxnSpPr>
-              <a:endCxn id="42" idx="1"/>
-            </p:cNvCxnSpPr>
-            <p:nvPr/>
-          </p:nvCxnSpPr>
-          <p:spPr>
-            <a:xfrm rot="16200000" flipH="1">
-              <a:off x="4736069" y="4501918"/>
-              <a:ext cx="1183975" cy="256188"/>
-            </a:xfrm>
-            <a:prstGeom prst="bentConnector2">
-              <a:avLst/>
-            </a:prstGeom>
-            <a:ln w="19050">
-              <a:tailEnd type="triangle"/>
-            </a:ln>
-          </p:spPr>
-          <p:style>
-            <a:lnRef idx="1">
-              <a:schemeClr val="dk1"/>
-            </a:lnRef>
-            <a:fillRef idx="0">
-              <a:schemeClr val="dk1"/>
-            </a:fillRef>
-            <a:effectRef idx="0">
-              <a:schemeClr val="dk1"/>
-            </a:effectRef>
-            <a:fontRef idx="minor">
-              <a:schemeClr val="tx1"/>
-            </a:fontRef>
-          </p:style>
-        </p:cxnSp>
-        <p:cxnSp>
-          <p:nvCxnSpPr>
-            <p:cNvPr id="66" name="Straight Connector 65"/>
-            <p:cNvCxnSpPr/>
-            <p:nvPr/>
-          </p:nvCxnSpPr>
-          <p:spPr>
-            <a:xfrm flipH="1">
-              <a:off x="6820350" y="5231131"/>
-              <a:ext cx="205003" cy="784"/>
-            </a:xfrm>
-            <a:prstGeom prst="line">
-              <a:avLst/>
-            </a:prstGeom>
-            <a:ln w="19050"/>
-          </p:spPr>
-          <p:style>
-            <a:lnRef idx="1">
-              <a:schemeClr val="dk1"/>
-            </a:lnRef>
-            <a:fillRef idx="0">
-              <a:schemeClr val="dk1"/>
-            </a:fillRef>
-            <a:effectRef idx="0">
-              <a:schemeClr val="dk1"/>
-            </a:effectRef>
-            <a:fontRef idx="minor">
-              <a:schemeClr val="tx1"/>
-            </a:fontRef>
-          </p:style>
-        </p:cxnSp>
-        <p:cxnSp>
-          <p:nvCxnSpPr>
-            <p:cNvPr id="37" name="Elbow Connector 36"/>
-            <p:cNvCxnSpPr/>
-            <p:nvPr/>
-          </p:nvCxnSpPr>
-          <p:spPr>
-            <a:xfrm rot="5400000" flipH="1" flipV="1">
-              <a:off x="6543234" y="4516590"/>
-              <a:ext cx="1193503" cy="235587"/>
-            </a:xfrm>
-            <a:prstGeom prst="bentConnector3">
-              <a:avLst>
-                <a:gd name="adj1" fmla="val 100012"/>
-              </a:avLst>
-            </a:prstGeom>
-            <a:ln w="19050">
-              <a:tailEnd type="triangle"/>
-            </a:ln>
-          </p:spPr>
-          <p:style>
-            <a:lnRef idx="1">
-              <a:schemeClr val="dk1"/>
-            </a:lnRef>
-            <a:fillRef idx="0">
-              <a:schemeClr val="dk1"/>
-            </a:fillRef>
-            <a:effectRef idx="0">
-              <a:schemeClr val="dk1"/>
-            </a:effectRef>
-            <a:fontRef idx="minor">
-              <a:schemeClr val="tx1"/>
-            </a:fontRef>
-          </p:style>
-        </p:cxnSp>
-        <p:sp>
-          <p:nvSpPr>
-            <p:cNvPr id="96" name="Rounded Rectangle 95"/>
-            <p:cNvSpPr/>
-            <p:nvPr/>
-          </p:nvSpPr>
-          <p:spPr>
-            <a:xfrm>
-              <a:off x="7274521" y="3393065"/>
-              <a:ext cx="1364220" cy="914467"/>
-            </a:xfrm>
-            <a:prstGeom prst="roundRect">
-              <a:avLst/>
-            </a:prstGeom>
-            <a:ln w="19050"/>
-          </p:spPr>
-          <p:style>
-            <a:lnRef idx="2">
-              <a:schemeClr val="dk1"/>
-            </a:lnRef>
-            <a:fillRef idx="1">
-              <a:schemeClr val="lt1"/>
-            </a:fillRef>
-            <a:effectRef idx="0">
-              <a:schemeClr val="dk1"/>
-            </a:effectRef>
-            <a:fontRef idx="minor">
-              <a:schemeClr val="dk1"/>
-            </a:fontRef>
-          </p:style>
-          <p:txBody>
-            <a:bodyPr rtlCol="0" anchor="ctr"/>
-            <a:lstStyle/>
-            <a:p>
-              <a:pPr algn="ctr"/>
-              <a:r>
-                <a:rPr lang="en-US" sz="1200" dirty="0" smtClean="0"/>
-                <a:t>Fork</a:t>
-              </a:r>
-              <a:endParaRPr lang="en-US" sz="1200" dirty="0"/>
-            </a:p>
-          </p:txBody>
-        </p:sp>
-      </p:grpSp>
+          <a:prstGeom prst="roundRect">
+            <a:avLst/>
+          </a:prstGeom>
+          <a:ln w="19050"/>
+        </p:spPr>
+        <p:style>
+          <a:lnRef idx="2">
+            <a:schemeClr val="dk1"/>
+          </a:lnRef>
+          <a:fillRef idx="1">
+            <a:schemeClr val="lt1"/>
+          </a:fillRef>
+          <a:effectRef idx="0">
+            <a:schemeClr val="dk1"/>
+          </a:effectRef>
+          <a:fontRef idx="minor">
+            <a:schemeClr val="dk1"/>
+          </a:fontRef>
+        </p:style>
+        <p:txBody>
+          <a:bodyPr rtlCol="0" anchor="ctr"/>
+          <a:lstStyle/>
+          <a:p>
+            <a:pPr algn="ctr"/>
+            <a:r>
+              <a:rPr lang="en-US" b="1" dirty="0" smtClean="0">
+                <a:latin typeface="+mj-lt"/>
+              </a:rPr>
+              <a:t>Binary Sequence</a:t>
+            </a:r>
+            <a:endParaRPr lang="en-US" b="1" dirty="0">
+              <a:latin typeface="+mj-lt"/>
+            </a:endParaRPr>
+          </a:p>
+        </p:txBody>
+      </p:sp>
+      <p:cxnSp>
+        <p:nvCxnSpPr>
+          <p:cNvPr id="159" name="Straight Arrow Connector 158"/>
+          <p:cNvCxnSpPr>
+            <a:stCxn id="178" idx="3"/>
+            <a:endCxn id="177" idx="1"/>
+          </p:cNvCxnSpPr>
+          <p:nvPr/>
+        </p:nvCxnSpPr>
+        <p:spPr>
+          <a:xfrm>
+            <a:off x="3255048" y="1353887"/>
+            <a:ext cx="602156" cy="0"/>
+          </a:xfrm>
+          <a:prstGeom prst="straightConnector1">
+            <a:avLst/>
+          </a:prstGeom>
+          <a:ln w="19050">
+            <a:tailEnd type="triangle"/>
+          </a:ln>
+        </p:spPr>
+        <p:style>
+          <a:lnRef idx="1">
+            <a:schemeClr val="dk1"/>
+          </a:lnRef>
+          <a:fillRef idx="0">
+            <a:schemeClr val="dk1"/>
+          </a:fillRef>
+          <a:effectRef idx="0">
+            <a:schemeClr val="dk1"/>
+          </a:effectRef>
+          <a:fontRef idx="minor">
+            <a:schemeClr val="tx1"/>
+          </a:fontRef>
+        </p:style>
+      </p:cxnSp>
+      <p:cxnSp>
+        <p:nvCxnSpPr>
+          <p:cNvPr id="184" name="Straight Arrow Connector 183"/>
+          <p:cNvCxnSpPr>
+            <a:stCxn id="177" idx="3"/>
+            <a:endCxn id="155" idx="1"/>
+          </p:cNvCxnSpPr>
+          <p:nvPr/>
+        </p:nvCxnSpPr>
+        <p:spPr>
+          <a:xfrm>
+            <a:off x="5665839" y="1353887"/>
+            <a:ext cx="602186" cy="1"/>
+          </a:xfrm>
+          <a:prstGeom prst="straightConnector1">
+            <a:avLst/>
+          </a:prstGeom>
+          <a:ln w="19050">
+            <a:tailEnd type="triangle"/>
+          </a:ln>
+        </p:spPr>
+        <p:style>
+          <a:lnRef idx="1">
+            <a:schemeClr val="dk1"/>
+          </a:lnRef>
+          <a:fillRef idx="0">
+            <a:schemeClr val="dk1"/>
+          </a:fillRef>
+          <a:effectRef idx="0">
+            <a:schemeClr val="dk1"/>
+          </a:effectRef>
+          <a:fontRef idx="minor">
+            <a:schemeClr val="tx1"/>
+          </a:fontRef>
+        </p:style>
+      </p:cxnSp>
+      <p:cxnSp>
+        <p:nvCxnSpPr>
+          <p:cNvPr id="185" name="Straight Arrow Connector 184"/>
+          <p:cNvCxnSpPr>
+            <a:stCxn id="155" idx="3"/>
+            <a:endCxn id="169" idx="1"/>
+          </p:cNvCxnSpPr>
+          <p:nvPr/>
+        </p:nvCxnSpPr>
+        <p:spPr>
+          <a:xfrm flipV="1">
+            <a:off x="8076659" y="1353887"/>
+            <a:ext cx="602124" cy="1"/>
+          </a:xfrm>
+          <a:prstGeom prst="straightConnector1">
+            <a:avLst/>
+          </a:prstGeom>
+          <a:ln w="19050">
+            <a:tailEnd type="triangle"/>
+          </a:ln>
+        </p:spPr>
+        <p:style>
+          <a:lnRef idx="1">
+            <a:schemeClr val="dk1"/>
+          </a:lnRef>
+          <a:fillRef idx="0">
+            <a:schemeClr val="dk1"/>
+          </a:fillRef>
+          <a:effectRef idx="0">
+            <a:schemeClr val="dk1"/>
+          </a:effectRef>
+          <a:fontRef idx="minor">
+            <a:schemeClr val="tx1"/>
+          </a:fontRef>
+        </p:style>
+      </p:cxnSp>
+      <p:cxnSp>
+        <p:nvCxnSpPr>
+          <p:cNvPr id="199" name="Straight Arrow Connector 198"/>
+          <p:cNvCxnSpPr>
+            <a:stCxn id="173" idx="0"/>
+            <a:endCxn id="172" idx="2"/>
+          </p:cNvCxnSpPr>
+          <p:nvPr/>
+        </p:nvCxnSpPr>
+        <p:spPr>
+          <a:xfrm flipV="1">
+            <a:off x="2350731" y="4080461"/>
+            <a:ext cx="0" cy="581085"/>
+          </a:xfrm>
+          <a:prstGeom prst="straightConnector1">
+            <a:avLst/>
+          </a:prstGeom>
+          <a:ln w="19050">
+            <a:tailEnd type="triangle"/>
+          </a:ln>
+        </p:spPr>
+        <p:style>
+          <a:lnRef idx="1">
+            <a:schemeClr val="dk1"/>
+          </a:lnRef>
+          <a:fillRef idx="0">
+            <a:schemeClr val="dk1"/>
+          </a:fillRef>
+          <a:effectRef idx="0">
+            <a:schemeClr val="dk1"/>
+          </a:effectRef>
+          <a:fontRef idx="minor">
+            <a:schemeClr val="tx1"/>
+          </a:fontRef>
+        </p:style>
+      </p:cxnSp>
+      <mc:AlternateContent xmlns:mc="http://schemas.openxmlformats.org/markup-compatibility/2006" xmlns:a14="http://schemas.microsoft.com/office/drawing/2010/main">
+        <mc:Choice Requires="a14">
+          <p:sp>
+            <p:nvSpPr>
+              <p:cNvPr id="234" name="TextBox 233"/>
+              <p:cNvSpPr txBox="1"/>
+              <p:nvPr/>
+            </p:nvSpPr>
+            <p:spPr>
+              <a:xfrm>
+                <a:off x="3410929" y="1055402"/>
+                <a:ext cx="283667" cy="276999"/>
+              </a:xfrm>
+              <a:prstGeom prst="rect">
+                <a:avLst/>
+              </a:prstGeom>
+              <a:noFill/>
+            </p:spPr>
+            <p:txBody>
+              <a:bodyPr wrap="none" lIns="0" tIns="0" rIns="0" bIns="0" rtlCol="0">
+                <a:spAutoFit/>
+              </a:bodyPr>
+              <a:lstStyle/>
+              <a:p>
+                <a:pPr/>
+                <a14:m>
+                  <m:oMathPara xmlns:m="http://schemas.openxmlformats.org/officeDocument/2006/math">
+                    <m:oMathParaPr>
+                      <m:jc m:val="centerGroup"/>
+                    </m:oMathParaPr>
+                    <m:oMath xmlns:m="http://schemas.openxmlformats.org/officeDocument/2006/math">
+                      <m:sSub>
+                        <m:sSubPr>
+                          <m:ctrlPr>
+                            <a:rPr lang="en-US" b="1" i="1" smtClean="0">
+                              <a:latin typeface="Cambria Math" panose="02040503050406030204" pitchFamily="18" charset="0"/>
+                            </a:rPr>
+                          </m:ctrlPr>
+                        </m:sSubPr>
+                        <m:e>
+                          <m:r>
+                            <a:rPr lang="en-US" b="1" i="0" smtClean="0">
+                              <a:latin typeface="Cambria Math" panose="02040503050406030204" pitchFamily="18" charset="0"/>
+                            </a:rPr>
+                            <m:t>𝐒</m:t>
+                          </m:r>
+                        </m:e>
+                        <m:sub>
+                          <m:r>
+                            <a:rPr lang="en-US" b="1" i="0" smtClean="0">
+                              <a:latin typeface="Cambria Math" panose="02040503050406030204" pitchFamily="18" charset="0"/>
+                            </a:rPr>
+                            <m:t>𝟏</m:t>
+                          </m:r>
+                        </m:sub>
+                      </m:sSub>
+                    </m:oMath>
+                  </m:oMathPara>
+                </a14:m>
+                <a:endParaRPr lang="en-US" b="1" dirty="0">
+                  <a:latin typeface="+mj-lt"/>
+                </a:endParaRPr>
+              </a:p>
+            </p:txBody>
+          </p:sp>
+        </mc:Choice>
+        <mc:Fallback xmlns="">
+          <p:sp>
+            <p:nvSpPr>
+              <p:cNvPr id="234" name="TextBox 233"/>
+              <p:cNvSpPr txBox="1">
+                <a:spLocks noRot="1" noChangeAspect="1" noMove="1" noResize="1" noEditPoints="1" noAdjustHandles="1" noChangeArrowheads="1" noChangeShapeType="1" noTextEdit="1"/>
+              </p:cNvSpPr>
+              <p:nvPr/>
+            </p:nvSpPr>
+            <p:spPr>
+              <a:xfrm>
+                <a:off x="3410929" y="1055402"/>
+                <a:ext cx="283667" cy="276999"/>
+              </a:xfrm>
+              <a:prstGeom prst="rect">
+                <a:avLst/>
+              </a:prstGeom>
+              <a:blipFill>
+                <a:blip r:embed="rId2"/>
+                <a:stretch>
+                  <a:fillRect l="-21739" r="-10870" b="-15217"/>
+                </a:stretch>
+              </a:blipFill>
+            </p:spPr>
+            <p:txBody>
+              <a:bodyPr/>
+              <a:lstStyle/>
+              <a:p>
+                <a:r>
+                  <a:rPr lang="en-US">
+                    <a:noFill/>
+                  </a:rPr>
+                  <a:t> </a:t>
+                </a:r>
+              </a:p>
+            </p:txBody>
+          </p:sp>
+        </mc:Fallback>
+      </mc:AlternateContent>
+      <mc:AlternateContent xmlns:mc="http://schemas.openxmlformats.org/markup-compatibility/2006" xmlns:a14="http://schemas.microsoft.com/office/drawing/2010/main">
+        <mc:Choice Requires="a14">
+          <p:sp>
+            <p:nvSpPr>
+              <p:cNvPr id="235" name="TextBox 234"/>
+              <p:cNvSpPr txBox="1"/>
+              <p:nvPr/>
+            </p:nvSpPr>
+            <p:spPr>
+              <a:xfrm>
+                <a:off x="5825066" y="1055401"/>
+                <a:ext cx="283667" cy="276999"/>
+              </a:xfrm>
+              <a:prstGeom prst="rect">
+                <a:avLst/>
+              </a:prstGeom>
+              <a:noFill/>
+            </p:spPr>
+            <p:txBody>
+              <a:bodyPr wrap="none" lIns="0" tIns="0" rIns="0" bIns="0" rtlCol="0">
+                <a:spAutoFit/>
+              </a:bodyPr>
+              <a:lstStyle/>
+              <a:p>
+                <a:pPr/>
+                <a14:m>
+                  <m:oMathPara xmlns:m="http://schemas.openxmlformats.org/officeDocument/2006/math">
+                    <m:oMathParaPr>
+                      <m:jc m:val="centerGroup"/>
+                    </m:oMathParaPr>
+                    <m:oMath xmlns:m="http://schemas.openxmlformats.org/officeDocument/2006/math">
+                      <m:sSub>
+                        <m:sSubPr>
+                          <m:ctrlPr>
+                            <a:rPr lang="en-US" b="1" i="1" smtClean="0">
+                              <a:latin typeface="Cambria Math" panose="02040503050406030204" pitchFamily="18" charset="0"/>
+                            </a:rPr>
+                          </m:ctrlPr>
+                        </m:sSubPr>
+                        <m:e>
+                          <m:r>
+                            <a:rPr lang="en-US" b="1" i="0" smtClean="0">
+                              <a:latin typeface="Cambria Math" panose="02040503050406030204" pitchFamily="18" charset="0"/>
+                            </a:rPr>
+                            <m:t>𝐒</m:t>
+                          </m:r>
+                        </m:e>
+                        <m:sub>
+                          <m:r>
+                            <a:rPr lang="en-US" b="1" i="0" smtClean="0">
+                              <a:latin typeface="Cambria Math" panose="02040503050406030204" pitchFamily="18" charset="0"/>
+                            </a:rPr>
+                            <m:t>𝟐</m:t>
+                          </m:r>
+                        </m:sub>
+                      </m:sSub>
+                    </m:oMath>
+                  </m:oMathPara>
+                </a14:m>
+                <a:endParaRPr lang="en-US" b="1" dirty="0">
+                  <a:latin typeface="+mj-lt"/>
+                </a:endParaRPr>
+              </a:p>
+            </p:txBody>
+          </p:sp>
+        </mc:Choice>
+        <mc:Fallback xmlns="">
+          <p:sp>
+            <p:nvSpPr>
+              <p:cNvPr id="235" name="TextBox 234"/>
+              <p:cNvSpPr txBox="1">
+                <a:spLocks noRot="1" noChangeAspect="1" noMove="1" noResize="1" noEditPoints="1" noAdjustHandles="1" noChangeArrowheads="1" noChangeShapeType="1" noTextEdit="1"/>
+              </p:cNvSpPr>
+              <p:nvPr/>
+            </p:nvSpPr>
+            <p:spPr>
+              <a:xfrm>
+                <a:off x="5825066" y="1055401"/>
+                <a:ext cx="283667" cy="276999"/>
+              </a:xfrm>
+              <a:prstGeom prst="rect">
+                <a:avLst/>
+              </a:prstGeom>
+              <a:blipFill>
+                <a:blip r:embed="rId3"/>
+                <a:stretch>
+                  <a:fillRect l="-21739" r="-10870" b="-15217"/>
+                </a:stretch>
+              </a:blipFill>
+            </p:spPr>
+            <p:txBody>
+              <a:bodyPr/>
+              <a:lstStyle/>
+              <a:p>
+                <a:r>
+                  <a:rPr lang="en-US">
+                    <a:noFill/>
+                  </a:rPr>
+                  <a:t> </a:t>
+                </a:r>
+              </a:p>
+            </p:txBody>
+          </p:sp>
+        </mc:Fallback>
+      </mc:AlternateContent>
+      <mc:AlternateContent xmlns:mc="http://schemas.openxmlformats.org/markup-compatibility/2006" xmlns:a14="http://schemas.microsoft.com/office/drawing/2010/main">
+        <mc:Choice Requires="a14">
+          <p:sp>
+            <p:nvSpPr>
+              <p:cNvPr id="236" name="TextBox 235"/>
+              <p:cNvSpPr txBox="1"/>
+              <p:nvPr/>
+            </p:nvSpPr>
+            <p:spPr>
+              <a:xfrm>
+                <a:off x="8232540" y="1055401"/>
+                <a:ext cx="283667" cy="276999"/>
+              </a:xfrm>
+              <a:prstGeom prst="rect">
+                <a:avLst/>
+              </a:prstGeom>
+              <a:noFill/>
+            </p:spPr>
+            <p:txBody>
+              <a:bodyPr wrap="none" lIns="0" tIns="0" rIns="0" bIns="0" rtlCol="0">
+                <a:spAutoFit/>
+              </a:bodyPr>
+              <a:lstStyle/>
+              <a:p>
+                <a:pPr/>
+                <a14:m>
+                  <m:oMathPara xmlns:m="http://schemas.openxmlformats.org/officeDocument/2006/math">
+                    <m:oMathParaPr>
+                      <m:jc m:val="centerGroup"/>
+                    </m:oMathParaPr>
+                    <m:oMath xmlns:m="http://schemas.openxmlformats.org/officeDocument/2006/math">
+                      <m:sSub>
+                        <m:sSubPr>
+                          <m:ctrlPr>
+                            <a:rPr lang="en-US" b="1" i="1" smtClean="0">
+                              <a:latin typeface="Cambria Math" panose="02040503050406030204" pitchFamily="18" charset="0"/>
+                            </a:rPr>
+                          </m:ctrlPr>
+                        </m:sSubPr>
+                        <m:e>
+                          <m:r>
+                            <a:rPr lang="en-US" b="1" i="0" smtClean="0">
+                              <a:latin typeface="Cambria Math" panose="02040503050406030204" pitchFamily="18" charset="0"/>
+                            </a:rPr>
+                            <m:t>𝐒</m:t>
+                          </m:r>
+                        </m:e>
+                        <m:sub>
+                          <m:r>
+                            <a:rPr lang="en-US" b="1" i="0" smtClean="0">
+                              <a:latin typeface="Cambria Math" panose="02040503050406030204" pitchFamily="18" charset="0"/>
+                            </a:rPr>
+                            <m:t>𝟑</m:t>
+                          </m:r>
+                        </m:sub>
+                      </m:sSub>
+                    </m:oMath>
+                  </m:oMathPara>
+                </a14:m>
+                <a:endParaRPr lang="en-US" b="1" dirty="0">
+                  <a:latin typeface="+mj-lt"/>
+                </a:endParaRPr>
+              </a:p>
+            </p:txBody>
+          </p:sp>
+        </mc:Choice>
+        <mc:Fallback xmlns="">
+          <p:sp>
+            <p:nvSpPr>
+              <p:cNvPr id="236" name="TextBox 235"/>
+              <p:cNvSpPr txBox="1">
+                <a:spLocks noRot="1" noChangeAspect="1" noMove="1" noResize="1" noEditPoints="1" noAdjustHandles="1" noChangeArrowheads="1" noChangeShapeType="1" noTextEdit="1"/>
+              </p:cNvSpPr>
+              <p:nvPr/>
+            </p:nvSpPr>
+            <p:spPr>
+              <a:xfrm>
+                <a:off x="8232540" y="1055401"/>
+                <a:ext cx="283667" cy="276999"/>
+              </a:xfrm>
+              <a:prstGeom prst="rect">
+                <a:avLst/>
+              </a:prstGeom>
+              <a:blipFill>
+                <a:blip r:embed="rId4"/>
+                <a:stretch>
+                  <a:fillRect l="-19149" r="-8511" b="-15217"/>
+                </a:stretch>
+              </a:blipFill>
+            </p:spPr>
+            <p:txBody>
+              <a:bodyPr/>
+              <a:lstStyle/>
+              <a:p>
+                <a:r>
+                  <a:rPr lang="en-US">
+                    <a:noFill/>
+                  </a:rPr>
+                  <a:t> </a:t>
+                </a:r>
+              </a:p>
+            </p:txBody>
+          </p:sp>
+        </mc:Fallback>
+      </mc:AlternateContent>
+      <mc:AlternateContent xmlns:mc="http://schemas.openxmlformats.org/markup-compatibility/2006" xmlns:a14="http://schemas.microsoft.com/office/drawing/2010/main">
+        <mc:Choice Requires="a14">
+          <p:sp>
+            <p:nvSpPr>
+              <p:cNvPr id="237" name="TextBox 236"/>
+              <p:cNvSpPr txBox="1"/>
+              <p:nvPr/>
+            </p:nvSpPr>
+            <p:spPr>
+              <a:xfrm>
+                <a:off x="10508159" y="1055400"/>
+                <a:ext cx="283667" cy="276999"/>
+              </a:xfrm>
+              <a:prstGeom prst="rect">
+                <a:avLst/>
+              </a:prstGeom>
+              <a:noFill/>
+            </p:spPr>
+            <p:txBody>
+              <a:bodyPr wrap="none" lIns="0" tIns="0" rIns="0" bIns="0" rtlCol="0">
+                <a:spAutoFit/>
+              </a:bodyPr>
+              <a:lstStyle/>
+              <a:p>
+                <a:pPr/>
+                <a14:m>
+                  <m:oMathPara xmlns:m="http://schemas.openxmlformats.org/officeDocument/2006/math">
+                    <m:oMathParaPr>
+                      <m:jc m:val="centerGroup"/>
+                    </m:oMathParaPr>
+                    <m:oMath xmlns:m="http://schemas.openxmlformats.org/officeDocument/2006/math">
+                      <m:sSub>
+                        <m:sSubPr>
+                          <m:ctrlPr>
+                            <a:rPr lang="en-US" b="1" i="1" smtClean="0">
+                              <a:latin typeface="Cambria Math" panose="02040503050406030204" pitchFamily="18" charset="0"/>
+                            </a:rPr>
+                          </m:ctrlPr>
+                        </m:sSubPr>
+                        <m:e>
+                          <m:r>
+                            <a:rPr lang="en-US" b="1" i="0" smtClean="0">
+                              <a:latin typeface="Cambria Math" panose="02040503050406030204" pitchFamily="18" charset="0"/>
+                            </a:rPr>
+                            <m:t>𝐒</m:t>
+                          </m:r>
+                        </m:e>
+                        <m:sub>
+                          <m:r>
+                            <a:rPr lang="en-US" b="1" i="0" smtClean="0">
+                              <a:latin typeface="Cambria Math" panose="02040503050406030204" pitchFamily="18" charset="0"/>
+                            </a:rPr>
+                            <m:t>𝟒</m:t>
+                          </m:r>
+                        </m:sub>
+                      </m:sSub>
+                    </m:oMath>
+                  </m:oMathPara>
+                </a14:m>
+                <a:endParaRPr lang="en-US" b="1" dirty="0">
+                  <a:latin typeface="+mj-lt"/>
+                </a:endParaRPr>
+              </a:p>
+            </p:txBody>
+          </p:sp>
+        </mc:Choice>
+        <mc:Fallback xmlns="">
+          <p:sp>
+            <p:nvSpPr>
+              <p:cNvPr id="237" name="TextBox 236"/>
+              <p:cNvSpPr txBox="1">
+                <a:spLocks noRot="1" noChangeAspect="1" noMove="1" noResize="1" noEditPoints="1" noAdjustHandles="1" noChangeArrowheads="1" noChangeShapeType="1" noTextEdit="1"/>
+              </p:cNvSpPr>
+              <p:nvPr/>
+            </p:nvSpPr>
+            <p:spPr>
+              <a:xfrm>
+                <a:off x="10508159" y="1055400"/>
+                <a:ext cx="283667" cy="276999"/>
+              </a:xfrm>
+              <a:prstGeom prst="rect">
+                <a:avLst/>
+              </a:prstGeom>
+              <a:blipFill>
+                <a:blip r:embed="rId5"/>
+                <a:stretch>
+                  <a:fillRect l="-21739" r="-10870" b="-15217"/>
+                </a:stretch>
+              </a:blipFill>
+            </p:spPr>
+            <p:txBody>
+              <a:bodyPr/>
+              <a:lstStyle/>
+              <a:p>
+                <a:r>
+                  <a:rPr lang="en-US">
+                    <a:noFill/>
+                  </a:rPr>
+                  <a:t> </a:t>
+                </a:r>
+              </a:p>
+            </p:txBody>
+          </p:sp>
+        </mc:Fallback>
+      </mc:AlternateContent>
+      <mc:AlternateContent xmlns:mc="http://schemas.openxmlformats.org/markup-compatibility/2006" xmlns:a14="http://schemas.microsoft.com/office/drawing/2010/main">
+        <mc:Choice Requires="a14">
+          <p:sp>
+            <p:nvSpPr>
+              <p:cNvPr id="238" name="TextBox 237"/>
+              <p:cNvSpPr txBox="1"/>
+              <p:nvPr/>
+            </p:nvSpPr>
+            <p:spPr>
+              <a:xfrm>
+                <a:off x="2355869" y="4144909"/>
+                <a:ext cx="283667" cy="276999"/>
+              </a:xfrm>
+              <a:prstGeom prst="rect">
+                <a:avLst/>
+              </a:prstGeom>
+              <a:noFill/>
+            </p:spPr>
+            <p:txBody>
+              <a:bodyPr wrap="none" lIns="0" tIns="0" rIns="0" bIns="0" rtlCol="0">
+                <a:spAutoFit/>
+              </a:bodyPr>
+              <a:lstStyle/>
+              <a:p>
+                <a:pPr/>
+                <a14:m>
+                  <m:oMathPara xmlns:m="http://schemas.openxmlformats.org/officeDocument/2006/math">
+                    <m:oMathParaPr>
+                      <m:jc m:val="centerGroup"/>
+                    </m:oMathParaPr>
+                    <m:oMath xmlns:m="http://schemas.openxmlformats.org/officeDocument/2006/math">
+                      <m:sSub>
+                        <m:sSubPr>
+                          <m:ctrlPr>
+                            <a:rPr lang="en-US" b="1" i="1" smtClean="0">
+                              <a:latin typeface="Cambria Math" panose="02040503050406030204" pitchFamily="18" charset="0"/>
+                            </a:rPr>
+                          </m:ctrlPr>
+                        </m:sSubPr>
+                        <m:e>
+                          <m:r>
+                            <a:rPr lang="en-US" b="1" i="0" smtClean="0">
+                              <a:latin typeface="Cambria Math" panose="02040503050406030204" pitchFamily="18" charset="0"/>
+                            </a:rPr>
+                            <m:t>𝐒</m:t>
+                          </m:r>
+                        </m:e>
+                        <m:sub>
+                          <m:r>
+                            <a:rPr lang="en-US" b="1" i="0" smtClean="0">
+                              <a:latin typeface="Cambria Math" panose="02040503050406030204" pitchFamily="18" charset="0"/>
+                            </a:rPr>
+                            <m:t>𝟓</m:t>
+                          </m:r>
+                        </m:sub>
+                      </m:sSub>
+                    </m:oMath>
+                  </m:oMathPara>
+                </a14:m>
+                <a:endParaRPr lang="en-US" b="1" dirty="0">
+                  <a:latin typeface="+mj-lt"/>
+                </a:endParaRPr>
+              </a:p>
+            </p:txBody>
+          </p:sp>
+        </mc:Choice>
+        <mc:Fallback xmlns="">
+          <p:sp>
+            <p:nvSpPr>
+              <p:cNvPr id="238" name="TextBox 237"/>
+              <p:cNvSpPr txBox="1">
+                <a:spLocks noRot="1" noChangeAspect="1" noMove="1" noResize="1" noEditPoints="1" noAdjustHandles="1" noChangeArrowheads="1" noChangeShapeType="1" noTextEdit="1"/>
+              </p:cNvSpPr>
+              <p:nvPr/>
+            </p:nvSpPr>
+            <p:spPr>
+              <a:xfrm>
+                <a:off x="2355869" y="4144909"/>
+                <a:ext cx="283667" cy="276999"/>
+              </a:xfrm>
+              <a:prstGeom prst="rect">
+                <a:avLst/>
+              </a:prstGeom>
+              <a:blipFill>
+                <a:blip r:embed="rId6"/>
+                <a:stretch>
+                  <a:fillRect l="-19149" r="-10638" b="-17778"/>
+                </a:stretch>
+              </a:blipFill>
+            </p:spPr>
+            <p:txBody>
+              <a:bodyPr/>
+              <a:lstStyle/>
+              <a:p>
+                <a:r>
+                  <a:rPr lang="en-US">
+                    <a:noFill/>
+                  </a:rPr>
+                  <a:t> </a:t>
+                </a:r>
+              </a:p>
+            </p:txBody>
+          </p:sp>
+        </mc:Fallback>
+      </mc:AlternateContent>
+      <mc:AlternateContent xmlns:mc="http://schemas.openxmlformats.org/markup-compatibility/2006" xmlns:a14="http://schemas.microsoft.com/office/drawing/2010/main">
+        <mc:Choice Requires="a14">
+          <p:sp>
+            <p:nvSpPr>
+              <p:cNvPr id="240" name="TextBox 239"/>
+              <p:cNvSpPr txBox="1"/>
+              <p:nvPr/>
+            </p:nvSpPr>
+            <p:spPr>
+              <a:xfrm>
+                <a:off x="3410929" y="3200856"/>
+                <a:ext cx="283667" cy="276999"/>
+              </a:xfrm>
+              <a:prstGeom prst="rect">
+                <a:avLst/>
+              </a:prstGeom>
+              <a:noFill/>
+            </p:spPr>
+            <p:txBody>
+              <a:bodyPr wrap="none" lIns="0" tIns="0" rIns="0" bIns="0" rtlCol="0">
+                <a:spAutoFit/>
+              </a:bodyPr>
+              <a:lstStyle/>
+              <a:p>
+                <a:pPr/>
+                <a14:m>
+                  <m:oMathPara xmlns:m="http://schemas.openxmlformats.org/officeDocument/2006/math">
+                    <m:oMathParaPr>
+                      <m:jc m:val="centerGroup"/>
+                    </m:oMathParaPr>
+                    <m:oMath xmlns:m="http://schemas.openxmlformats.org/officeDocument/2006/math">
+                      <m:sSub>
+                        <m:sSubPr>
+                          <m:ctrlPr>
+                            <a:rPr lang="en-US" b="1" i="1" smtClean="0">
+                              <a:latin typeface="Cambria Math" panose="02040503050406030204" pitchFamily="18" charset="0"/>
+                            </a:rPr>
+                          </m:ctrlPr>
+                        </m:sSubPr>
+                        <m:e>
+                          <m:r>
+                            <a:rPr lang="en-US" b="1" i="0" smtClean="0">
+                              <a:latin typeface="Cambria Math" panose="02040503050406030204" pitchFamily="18" charset="0"/>
+                            </a:rPr>
+                            <m:t>𝐒</m:t>
+                          </m:r>
+                        </m:e>
+                        <m:sub>
+                          <m:r>
+                            <a:rPr lang="en-US" b="1" i="0" smtClean="0">
+                              <a:latin typeface="Cambria Math" panose="02040503050406030204" pitchFamily="18" charset="0"/>
+                            </a:rPr>
+                            <m:t>𝟔</m:t>
+                          </m:r>
+                        </m:sub>
+                      </m:sSub>
+                    </m:oMath>
+                  </m:oMathPara>
+                </a14:m>
+                <a:endParaRPr lang="en-US" b="1" dirty="0">
+                  <a:latin typeface="+mj-lt"/>
+                </a:endParaRPr>
+              </a:p>
+            </p:txBody>
+          </p:sp>
+        </mc:Choice>
+        <mc:Fallback xmlns="">
+          <p:sp>
+            <p:nvSpPr>
+              <p:cNvPr id="240" name="TextBox 239"/>
+              <p:cNvSpPr txBox="1">
+                <a:spLocks noRot="1" noChangeAspect="1" noMove="1" noResize="1" noEditPoints="1" noAdjustHandles="1" noChangeArrowheads="1" noChangeShapeType="1" noTextEdit="1"/>
+              </p:cNvSpPr>
+              <p:nvPr/>
+            </p:nvSpPr>
+            <p:spPr>
+              <a:xfrm>
+                <a:off x="3410929" y="3200856"/>
+                <a:ext cx="283667" cy="276999"/>
+              </a:xfrm>
+              <a:prstGeom prst="rect">
+                <a:avLst/>
+              </a:prstGeom>
+              <a:blipFill>
+                <a:blip r:embed="rId7"/>
+                <a:stretch>
+                  <a:fillRect l="-21739" r="-10870" b="-15217"/>
+                </a:stretch>
+              </a:blipFill>
+            </p:spPr>
+            <p:txBody>
+              <a:bodyPr/>
+              <a:lstStyle/>
+              <a:p>
+                <a:r>
+                  <a:rPr lang="en-US">
+                    <a:noFill/>
+                  </a:rPr>
+                  <a:t> </a:t>
+                </a:r>
+              </a:p>
+            </p:txBody>
+          </p:sp>
+        </mc:Fallback>
+      </mc:AlternateContent>
+      <p:sp>
+        <p:nvSpPr>
+          <p:cNvPr id="174" name="Rounded Rectangle 173"/>
+          <p:cNvSpPr/>
+          <p:nvPr/>
+        </p:nvSpPr>
+        <p:spPr>
+          <a:xfrm>
+            <a:off x="3851909" y="2918239"/>
+            <a:ext cx="1808634" cy="1162205"/>
+          </a:xfrm>
+          <a:prstGeom prst="roundRect">
+            <a:avLst/>
+          </a:prstGeom>
+          <a:ln w="19050"/>
+        </p:spPr>
+        <p:style>
+          <a:lnRef idx="2">
+            <a:schemeClr val="dk1"/>
+          </a:lnRef>
+          <a:fillRef idx="1">
+            <a:schemeClr val="lt1"/>
+          </a:fillRef>
+          <a:effectRef idx="0">
+            <a:schemeClr val="dk1"/>
+          </a:effectRef>
+          <a:fontRef idx="minor">
+            <a:schemeClr val="dk1"/>
+          </a:fontRef>
+        </p:style>
+        <p:txBody>
+          <a:bodyPr rtlCol="0" anchor="ctr"/>
+          <a:lstStyle/>
+          <a:p>
+            <a:pPr algn="ctr"/>
+            <a:r>
+              <a:rPr lang="en-US" b="1" dirty="0" smtClean="0">
+                <a:latin typeface="+mj-lt"/>
+              </a:rPr>
+              <a:t>Fork</a:t>
+            </a:r>
+            <a:endParaRPr lang="en-US" b="1" dirty="0">
+              <a:latin typeface="+mj-lt"/>
+            </a:endParaRPr>
+          </a:p>
+        </p:txBody>
+      </p:sp>
+      <p:sp>
+        <p:nvSpPr>
+          <p:cNvPr id="230" name="Rounded Rectangle 229"/>
+          <p:cNvSpPr/>
+          <p:nvPr/>
+        </p:nvSpPr>
+        <p:spPr>
+          <a:xfrm>
+            <a:off x="8678782" y="4624144"/>
+            <a:ext cx="1788537" cy="1162203"/>
+          </a:xfrm>
+          <a:prstGeom prst="roundRect">
+            <a:avLst/>
+          </a:prstGeom>
+          <a:ln w="19050"/>
+        </p:spPr>
+        <p:style>
+          <a:lnRef idx="2">
+            <a:schemeClr val="dk1"/>
+          </a:lnRef>
+          <a:fillRef idx="1">
+            <a:schemeClr val="lt1"/>
+          </a:fillRef>
+          <a:effectRef idx="0">
+            <a:schemeClr val="dk1"/>
+          </a:effectRef>
+          <a:fontRef idx="minor">
+            <a:schemeClr val="dk1"/>
+          </a:fontRef>
+        </p:style>
+        <p:txBody>
+          <a:bodyPr rtlCol="0" anchor="ctr"/>
+          <a:lstStyle/>
+          <a:p>
+            <a:pPr algn="ctr"/>
+            <a:r>
+              <a:rPr lang="en-US" b="1" dirty="0" smtClean="0">
+                <a:latin typeface="+mj-lt"/>
+              </a:rPr>
+              <a:t>Sink</a:t>
+            </a:r>
+            <a:endParaRPr lang="en-US" b="1" dirty="0">
+              <a:latin typeface="+mj-lt"/>
+            </a:endParaRPr>
+          </a:p>
+        </p:txBody>
+      </p:sp>
+      <mc:AlternateContent xmlns:mc="http://schemas.openxmlformats.org/markup-compatibility/2006" xmlns:a14="http://schemas.microsoft.com/office/drawing/2010/main">
+        <mc:Choice Requires="a14">
+          <p:sp>
+            <p:nvSpPr>
+              <p:cNvPr id="241" name="TextBox 240"/>
+              <p:cNvSpPr txBox="1"/>
+              <p:nvPr/>
+            </p:nvSpPr>
+            <p:spPr>
+              <a:xfrm>
+                <a:off x="5821660" y="2976359"/>
+                <a:ext cx="283667" cy="276999"/>
+              </a:xfrm>
+              <a:prstGeom prst="rect">
+                <a:avLst/>
+              </a:prstGeom>
+              <a:noFill/>
+            </p:spPr>
+            <p:txBody>
+              <a:bodyPr wrap="none" lIns="0" tIns="0" rIns="0" bIns="0" rtlCol="0">
+                <a:spAutoFit/>
+              </a:bodyPr>
+              <a:lstStyle/>
+              <a:p>
+                <a:pPr/>
+                <a14:m>
+                  <m:oMathPara xmlns:m="http://schemas.openxmlformats.org/officeDocument/2006/math">
+                    <m:oMathParaPr>
+                      <m:jc m:val="centerGroup"/>
+                    </m:oMathParaPr>
+                    <m:oMath xmlns:m="http://schemas.openxmlformats.org/officeDocument/2006/math">
+                      <m:sSub>
+                        <m:sSubPr>
+                          <m:ctrlPr>
+                            <a:rPr lang="en-US" b="1" i="1" smtClean="0">
+                              <a:latin typeface="Cambria Math" panose="02040503050406030204" pitchFamily="18" charset="0"/>
+                            </a:rPr>
+                          </m:ctrlPr>
+                        </m:sSubPr>
+                        <m:e>
+                          <m:r>
+                            <a:rPr lang="en-US" b="1" i="0" smtClean="0">
+                              <a:latin typeface="Cambria Math" panose="02040503050406030204" pitchFamily="18" charset="0"/>
+                            </a:rPr>
+                            <m:t>𝐒</m:t>
+                          </m:r>
+                        </m:e>
+                        <m:sub>
+                          <m:r>
+                            <a:rPr lang="en-US" b="1" i="0" smtClean="0">
+                              <a:latin typeface="Cambria Math" panose="02040503050406030204" pitchFamily="18" charset="0"/>
+                            </a:rPr>
+                            <m:t>𝟕</m:t>
+                          </m:r>
+                        </m:sub>
+                      </m:sSub>
+                    </m:oMath>
+                  </m:oMathPara>
+                </a14:m>
+                <a:endParaRPr lang="en-US" b="1" dirty="0">
+                  <a:latin typeface="+mj-lt"/>
+                </a:endParaRPr>
+              </a:p>
+            </p:txBody>
+          </p:sp>
+        </mc:Choice>
+        <mc:Fallback xmlns="">
+          <p:sp>
+            <p:nvSpPr>
+              <p:cNvPr id="241" name="TextBox 240"/>
+              <p:cNvSpPr txBox="1">
+                <a:spLocks noRot="1" noChangeAspect="1" noMove="1" noResize="1" noEditPoints="1" noAdjustHandles="1" noChangeArrowheads="1" noChangeShapeType="1" noTextEdit="1"/>
+              </p:cNvSpPr>
+              <p:nvPr/>
+            </p:nvSpPr>
+            <p:spPr>
+              <a:xfrm>
+                <a:off x="5821660" y="2976359"/>
+                <a:ext cx="283667" cy="276999"/>
+              </a:xfrm>
+              <a:prstGeom prst="rect">
+                <a:avLst/>
+              </a:prstGeom>
+              <a:blipFill>
+                <a:blip r:embed="rId8"/>
+                <a:stretch>
+                  <a:fillRect l="-21277" r="-8511" b="-15217"/>
+                </a:stretch>
+              </a:blipFill>
+            </p:spPr>
+            <p:txBody>
+              <a:bodyPr/>
+              <a:lstStyle/>
+              <a:p>
+                <a:r>
+                  <a:rPr lang="en-US">
+                    <a:noFill/>
+                  </a:rPr>
+                  <a:t> </a:t>
+                </a:r>
+              </a:p>
+            </p:txBody>
+          </p:sp>
+        </mc:Fallback>
+      </mc:AlternateContent>
+      <mc:AlternateContent xmlns:mc="http://schemas.openxmlformats.org/markup-compatibility/2006" xmlns:a14="http://schemas.microsoft.com/office/drawing/2010/main">
+        <mc:Choice Requires="a14">
+          <p:sp>
+            <p:nvSpPr>
+              <p:cNvPr id="242" name="TextBox 241"/>
+              <p:cNvSpPr txBox="1"/>
+              <p:nvPr/>
+            </p:nvSpPr>
+            <p:spPr>
+              <a:xfrm>
+                <a:off x="5817856" y="3431618"/>
+                <a:ext cx="283667" cy="276999"/>
+              </a:xfrm>
+              <a:prstGeom prst="rect">
+                <a:avLst/>
+              </a:prstGeom>
+              <a:noFill/>
+            </p:spPr>
+            <p:txBody>
+              <a:bodyPr wrap="none" lIns="0" tIns="0" rIns="0" bIns="0" rtlCol="0">
+                <a:spAutoFit/>
+              </a:bodyPr>
+              <a:lstStyle/>
+              <a:p>
+                <a:pPr/>
+                <a14:m>
+                  <m:oMathPara xmlns:m="http://schemas.openxmlformats.org/officeDocument/2006/math">
+                    <m:oMathParaPr>
+                      <m:jc m:val="centerGroup"/>
+                    </m:oMathParaPr>
+                    <m:oMath xmlns:m="http://schemas.openxmlformats.org/officeDocument/2006/math">
+                      <m:sSub>
+                        <m:sSubPr>
+                          <m:ctrlPr>
+                            <a:rPr lang="en-US" b="1" i="1" smtClean="0">
+                              <a:latin typeface="Cambria Math" panose="02040503050406030204" pitchFamily="18" charset="0"/>
+                            </a:rPr>
+                          </m:ctrlPr>
+                        </m:sSubPr>
+                        <m:e>
+                          <m:r>
+                            <a:rPr lang="en-US" b="1" i="0" smtClean="0">
+                              <a:latin typeface="Cambria Math" panose="02040503050406030204" pitchFamily="18" charset="0"/>
+                            </a:rPr>
+                            <m:t>𝐒</m:t>
+                          </m:r>
+                        </m:e>
+                        <m:sub>
+                          <m:r>
+                            <a:rPr lang="en-US" b="1" i="0" smtClean="0">
+                              <a:latin typeface="Cambria Math" panose="02040503050406030204" pitchFamily="18" charset="0"/>
+                            </a:rPr>
+                            <m:t>𝟖</m:t>
+                          </m:r>
+                        </m:sub>
+                      </m:sSub>
+                    </m:oMath>
+                  </m:oMathPara>
+                </a14:m>
+                <a:endParaRPr lang="en-US" b="1" dirty="0">
+                  <a:latin typeface="+mj-lt"/>
+                </a:endParaRPr>
+              </a:p>
+            </p:txBody>
+          </p:sp>
+        </mc:Choice>
+        <mc:Fallback xmlns="">
+          <p:sp>
+            <p:nvSpPr>
+              <p:cNvPr id="242" name="TextBox 241"/>
+              <p:cNvSpPr txBox="1">
+                <a:spLocks noRot="1" noChangeAspect="1" noMove="1" noResize="1" noEditPoints="1" noAdjustHandles="1" noChangeArrowheads="1" noChangeShapeType="1" noTextEdit="1"/>
+              </p:cNvSpPr>
+              <p:nvPr/>
+            </p:nvSpPr>
+            <p:spPr>
+              <a:xfrm>
+                <a:off x="5817856" y="3431618"/>
+                <a:ext cx="283667" cy="276999"/>
+              </a:xfrm>
+              <a:prstGeom prst="rect">
+                <a:avLst/>
+              </a:prstGeom>
+              <a:blipFill>
+                <a:blip r:embed="rId9"/>
+                <a:stretch>
+                  <a:fillRect l="-19149" r="-8511" b="-17778"/>
+                </a:stretch>
+              </a:blipFill>
+            </p:spPr>
+            <p:txBody>
+              <a:bodyPr/>
+              <a:lstStyle/>
+              <a:p>
+                <a:r>
+                  <a:rPr lang="en-US">
+                    <a:noFill/>
+                  </a:rPr>
+                  <a:t> </a:t>
+                </a:r>
+              </a:p>
+            </p:txBody>
+          </p:sp>
+        </mc:Fallback>
+      </mc:AlternateContent>
+      <mc:AlternateContent xmlns:mc="http://schemas.openxmlformats.org/markup-compatibility/2006" xmlns:a14="http://schemas.microsoft.com/office/drawing/2010/main">
+        <mc:Choice Requires="a14">
+          <p:sp>
+            <p:nvSpPr>
+              <p:cNvPr id="243" name="TextBox 242"/>
+              <p:cNvSpPr txBox="1"/>
+              <p:nvPr/>
+            </p:nvSpPr>
+            <p:spPr>
+              <a:xfrm>
+                <a:off x="8242185" y="3436886"/>
+                <a:ext cx="283667" cy="276999"/>
+              </a:xfrm>
+              <a:prstGeom prst="rect">
+                <a:avLst/>
+              </a:prstGeom>
+              <a:noFill/>
+            </p:spPr>
+            <p:txBody>
+              <a:bodyPr wrap="square" lIns="0" tIns="0" rIns="0" bIns="0" rtlCol="0">
+                <a:spAutoFit/>
+              </a:bodyPr>
+              <a:lstStyle/>
+              <a:p>
+                <a:pPr/>
+                <a14:m>
+                  <m:oMathPara xmlns:m="http://schemas.openxmlformats.org/officeDocument/2006/math">
+                    <m:oMathParaPr>
+                      <m:jc m:val="centerGroup"/>
+                    </m:oMathParaPr>
+                    <m:oMath xmlns:m="http://schemas.openxmlformats.org/officeDocument/2006/math">
+                      <m:sSub>
+                        <m:sSubPr>
+                          <m:ctrlPr>
+                            <a:rPr lang="en-US" b="1" i="1" smtClean="0">
+                              <a:latin typeface="Cambria Math" panose="02040503050406030204" pitchFamily="18" charset="0"/>
+                            </a:rPr>
+                          </m:ctrlPr>
+                        </m:sSubPr>
+                        <m:e>
+                          <m:r>
+                            <a:rPr lang="en-US" b="1" i="0" smtClean="0">
+                              <a:latin typeface="Cambria Math" panose="02040503050406030204" pitchFamily="18" charset="0"/>
+                            </a:rPr>
+                            <m:t>𝐒</m:t>
+                          </m:r>
+                        </m:e>
+                        <m:sub>
+                          <m:r>
+                            <a:rPr lang="en-US" b="1" i="0" smtClean="0">
+                              <a:latin typeface="Cambria Math" panose="02040503050406030204" pitchFamily="18" charset="0"/>
+                            </a:rPr>
+                            <m:t>𝟗</m:t>
+                          </m:r>
+                        </m:sub>
+                      </m:sSub>
+                    </m:oMath>
+                  </m:oMathPara>
+                </a14:m>
+                <a:endParaRPr lang="en-US" b="1" dirty="0">
+                  <a:latin typeface="+mj-lt"/>
+                </a:endParaRPr>
+              </a:p>
+            </p:txBody>
+          </p:sp>
+        </mc:Choice>
+        <mc:Fallback xmlns="">
+          <p:sp>
+            <p:nvSpPr>
+              <p:cNvPr id="243" name="TextBox 242"/>
+              <p:cNvSpPr txBox="1">
+                <a:spLocks noRot="1" noChangeAspect="1" noMove="1" noResize="1" noEditPoints="1" noAdjustHandles="1" noChangeArrowheads="1" noChangeShapeType="1" noTextEdit="1"/>
+              </p:cNvSpPr>
+              <p:nvPr/>
+            </p:nvSpPr>
+            <p:spPr>
+              <a:xfrm>
+                <a:off x="8242185" y="3436886"/>
+                <a:ext cx="283667" cy="276999"/>
+              </a:xfrm>
+              <a:prstGeom prst="rect">
+                <a:avLst/>
+              </a:prstGeom>
+              <a:blipFill>
+                <a:blip r:embed="rId10"/>
+                <a:stretch>
+                  <a:fillRect l="-19149" r="-8511" b="-17778"/>
+                </a:stretch>
+              </a:blipFill>
+            </p:spPr>
+            <p:txBody>
+              <a:bodyPr/>
+              <a:lstStyle/>
+              <a:p>
+                <a:r>
+                  <a:rPr lang="en-US">
+                    <a:noFill/>
+                  </a:rPr>
+                  <a:t> </a:t>
+                </a:r>
+              </a:p>
+            </p:txBody>
+          </p:sp>
+        </mc:Fallback>
+      </mc:AlternateContent>
+      <mc:AlternateContent xmlns:mc="http://schemas.openxmlformats.org/markup-compatibility/2006" xmlns:a14="http://schemas.microsoft.com/office/drawing/2010/main">
+        <mc:Choice Requires="a14">
+          <p:sp>
+            <p:nvSpPr>
+              <p:cNvPr id="244" name="TextBox 243"/>
+              <p:cNvSpPr txBox="1"/>
+              <p:nvPr/>
+            </p:nvSpPr>
+            <p:spPr>
+              <a:xfrm>
+                <a:off x="9583100" y="4144495"/>
+                <a:ext cx="384656" cy="276999"/>
+              </a:xfrm>
+              <a:prstGeom prst="rect">
+                <a:avLst/>
+              </a:prstGeom>
+              <a:noFill/>
+            </p:spPr>
+            <p:txBody>
+              <a:bodyPr wrap="none" lIns="0" tIns="0" rIns="0" bIns="0" rtlCol="0">
+                <a:spAutoFit/>
+              </a:bodyPr>
+              <a:lstStyle/>
+              <a:p>
+                <a:pPr/>
+                <a14:m>
+                  <m:oMathPara xmlns:m="http://schemas.openxmlformats.org/officeDocument/2006/math">
+                    <m:oMathParaPr>
+                      <m:jc m:val="centerGroup"/>
+                    </m:oMathParaPr>
+                    <m:oMath xmlns:m="http://schemas.openxmlformats.org/officeDocument/2006/math">
+                      <m:sSub>
+                        <m:sSubPr>
+                          <m:ctrlPr>
+                            <a:rPr lang="en-US" b="1" i="1" smtClean="0">
+                              <a:latin typeface="Cambria Math" panose="02040503050406030204" pitchFamily="18" charset="0"/>
+                            </a:rPr>
+                          </m:ctrlPr>
+                        </m:sSubPr>
+                        <m:e>
+                          <m:r>
+                            <a:rPr lang="en-US" b="1" i="0" smtClean="0">
+                              <a:latin typeface="Cambria Math" panose="02040503050406030204" pitchFamily="18" charset="0"/>
+                            </a:rPr>
+                            <m:t>𝐒</m:t>
+                          </m:r>
+                        </m:e>
+                        <m:sub>
+                          <m:r>
+                            <a:rPr lang="en-US" b="1" i="0" smtClean="0">
+                              <a:latin typeface="Cambria Math" panose="02040503050406030204" pitchFamily="18" charset="0"/>
+                            </a:rPr>
+                            <m:t>𝟏𝟎</m:t>
+                          </m:r>
+                        </m:sub>
+                      </m:sSub>
+                    </m:oMath>
+                  </m:oMathPara>
+                </a14:m>
+                <a:endParaRPr lang="en-US" b="1" dirty="0">
+                  <a:latin typeface="+mj-lt"/>
+                </a:endParaRPr>
+              </a:p>
+            </p:txBody>
+          </p:sp>
+        </mc:Choice>
+        <mc:Fallback xmlns="">
+          <p:sp>
+            <p:nvSpPr>
+              <p:cNvPr id="244" name="TextBox 243"/>
+              <p:cNvSpPr txBox="1">
+                <a:spLocks noRot="1" noChangeAspect="1" noMove="1" noResize="1" noEditPoints="1" noAdjustHandles="1" noChangeArrowheads="1" noChangeShapeType="1" noTextEdit="1"/>
+              </p:cNvSpPr>
+              <p:nvPr/>
+            </p:nvSpPr>
+            <p:spPr>
+              <a:xfrm>
+                <a:off x="9583100" y="4144495"/>
+                <a:ext cx="384656" cy="276999"/>
+              </a:xfrm>
+              <a:prstGeom prst="rect">
+                <a:avLst/>
+              </a:prstGeom>
+              <a:blipFill>
+                <a:blip r:embed="rId11"/>
+                <a:stretch>
+                  <a:fillRect l="-14286" r="-7937" b="-17778"/>
+                </a:stretch>
+              </a:blipFill>
+            </p:spPr>
+            <p:txBody>
+              <a:bodyPr/>
+              <a:lstStyle/>
+              <a:p>
+                <a:r>
+                  <a:rPr lang="en-US">
+                    <a:noFill/>
+                  </a:rPr>
+                  <a:t> </a:t>
+                </a:r>
+              </a:p>
+            </p:txBody>
+          </p:sp>
+        </mc:Fallback>
+      </mc:AlternateContent>
+      <p:sp>
+        <p:nvSpPr>
+          <p:cNvPr id="42" name="Rounded Rectangle 41"/>
+          <p:cNvSpPr/>
+          <p:nvPr/>
+        </p:nvSpPr>
+        <p:spPr>
+          <a:xfrm>
+            <a:off x="6268051" y="4661546"/>
+            <a:ext cx="1808634" cy="1162205"/>
+          </a:xfrm>
+          <a:prstGeom prst="roundRect">
+            <a:avLst/>
+          </a:prstGeom>
+          <a:ln w="19050"/>
+        </p:spPr>
+        <p:style>
+          <a:lnRef idx="2">
+            <a:schemeClr val="dk1"/>
+          </a:lnRef>
+          <a:fillRef idx="1">
+            <a:schemeClr val="lt1"/>
+          </a:fillRef>
+          <a:effectRef idx="0">
+            <a:schemeClr val="dk1"/>
+          </a:effectRef>
+          <a:fontRef idx="minor">
+            <a:schemeClr val="dk1"/>
+          </a:fontRef>
+        </p:style>
+        <p:txBody>
+          <a:bodyPr rtlCol="0" anchor="ctr"/>
+          <a:lstStyle/>
+          <a:p>
+            <a:pPr algn="ctr"/>
+            <a:r>
+              <a:rPr lang="en-US" b="1" dirty="0">
+                <a:latin typeface="+mj-lt"/>
+              </a:rPr>
+              <a:t>Hilbert </a:t>
+            </a:r>
+            <a:r>
+              <a:rPr lang="en-US" b="1" dirty="0" smtClean="0">
+                <a:latin typeface="+mj-lt"/>
+              </a:rPr>
+              <a:t>Transform</a:t>
+            </a:r>
+            <a:endParaRPr lang="en-US" b="1" dirty="0">
+              <a:latin typeface="+mj-lt"/>
+            </a:endParaRPr>
+          </a:p>
+        </p:txBody>
+      </p:sp>
+      <p:cxnSp>
+        <p:nvCxnSpPr>
+          <p:cNvPr id="9" name="Straight Arrow Connector 8"/>
+          <p:cNvCxnSpPr/>
+          <p:nvPr/>
+        </p:nvCxnSpPr>
+        <p:spPr>
+          <a:xfrm>
+            <a:off x="5666093" y="3279566"/>
+            <a:ext cx="3002556" cy="0"/>
+          </a:xfrm>
+          <a:prstGeom prst="straightConnector1">
+            <a:avLst/>
+          </a:prstGeom>
+          <a:ln w="19050">
+            <a:tailEnd type="triangle"/>
+          </a:ln>
+        </p:spPr>
+        <p:style>
+          <a:lnRef idx="1">
+            <a:schemeClr val="dk1"/>
+          </a:lnRef>
+          <a:fillRef idx="0">
+            <a:schemeClr val="dk1"/>
+          </a:fillRef>
+          <a:effectRef idx="0">
+            <a:schemeClr val="dk1"/>
+          </a:effectRef>
+          <a:fontRef idx="minor">
+            <a:schemeClr val="tx1"/>
+          </a:fontRef>
+        </p:style>
+      </p:cxnSp>
+      <p:cxnSp>
+        <p:nvCxnSpPr>
+          <p:cNvPr id="21" name="Straight Connector 20"/>
+          <p:cNvCxnSpPr/>
+          <p:nvPr/>
+        </p:nvCxnSpPr>
+        <p:spPr>
+          <a:xfrm flipH="1">
+            <a:off x="5665475" y="3737922"/>
+            <a:ext cx="271786" cy="996"/>
+          </a:xfrm>
+          <a:prstGeom prst="line">
+            <a:avLst/>
+          </a:prstGeom>
+          <a:ln w="19050"/>
+        </p:spPr>
+        <p:style>
+          <a:lnRef idx="1">
+            <a:schemeClr val="dk1"/>
+          </a:lnRef>
+          <a:fillRef idx="0">
+            <a:schemeClr val="dk1"/>
+          </a:fillRef>
+          <a:effectRef idx="0">
+            <a:schemeClr val="dk1"/>
+          </a:effectRef>
+          <a:fontRef idx="minor">
+            <a:schemeClr val="tx1"/>
+          </a:fontRef>
+        </p:style>
+      </p:cxnSp>
+      <p:cxnSp>
+        <p:nvCxnSpPr>
+          <p:cNvPr id="19" name="Elbow Connector 18"/>
+          <p:cNvCxnSpPr>
+            <a:stCxn id="169" idx="3"/>
+            <a:endCxn id="172" idx="1"/>
+          </p:cNvCxnSpPr>
+          <p:nvPr/>
+        </p:nvCxnSpPr>
+        <p:spPr>
+          <a:xfrm flipH="1">
+            <a:off x="1446414" y="1353887"/>
+            <a:ext cx="9041003" cy="2145473"/>
+          </a:xfrm>
+          <a:prstGeom prst="bentConnector5">
+            <a:avLst>
+              <a:gd name="adj1" fmla="val -3352"/>
+              <a:gd name="adj2" fmla="val 50000"/>
+              <a:gd name="adj3" fmla="val 103352"/>
+            </a:avLst>
+          </a:prstGeom>
+          <a:ln w="19050">
+            <a:tailEnd type="triangle"/>
+          </a:ln>
+        </p:spPr>
+        <p:style>
+          <a:lnRef idx="1">
+            <a:schemeClr val="dk1"/>
+          </a:lnRef>
+          <a:fillRef idx="0">
+            <a:schemeClr val="dk1"/>
+          </a:fillRef>
+          <a:effectRef idx="0">
+            <a:schemeClr val="dk1"/>
+          </a:effectRef>
+          <a:fontRef idx="minor">
+            <a:schemeClr val="tx1"/>
+          </a:fontRef>
+        </p:style>
+      </p:cxnSp>
+      <p:cxnSp>
+        <p:nvCxnSpPr>
+          <p:cNvPr id="50" name="Straight Arrow Connector 49"/>
+          <p:cNvCxnSpPr>
+            <a:endCxn id="230" idx="0"/>
+          </p:cNvCxnSpPr>
+          <p:nvPr/>
+        </p:nvCxnSpPr>
+        <p:spPr>
+          <a:xfrm>
+            <a:off x="9573051" y="4080442"/>
+            <a:ext cx="0" cy="543702"/>
+          </a:xfrm>
+          <a:prstGeom prst="straightConnector1">
+            <a:avLst/>
+          </a:prstGeom>
+          <a:ln w="19050">
+            <a:tailEnd type="triangle"/>
+          </a:ln>
+        </p:spPr>
+        <p:style>
+          <a:lnRef idx="1">
+            <a:schemeClr val="dk1"/>
+          </a:lnRef>
+          <a:fillRef idx="0">
+            <a:schemeClr val="dk1"/>
+          </a:fillRef>
+          <a:effectRef idx="0">
+            <a:schemeClr val="dk1"/>
+          </a:effectRef>
+          <a:fontRef idx="minor">
+            <a:schemeClr val="tx1"/>
+          </a:fontRef>
+        </p:style>
+      </p:cxnSp>
+      <p:cxnSp>
+        <p:nvCxnSpPr>
+          <p:cNvPr id="57" name="Straight Arrow Connector 56"/>
+          <p:cNvCxnSpPr>
+            <a:stCxn id="172" idx="3"/>
+            <a:endCxn id="174" idx="1"/>
+          </p:cNvCxnSpPr>
+          <p:nvPr/>
+        </p:nvCxnSpPr>
+        <p:spPr>
+          <a:xfrm flipV="1">
+            <a:off x="3255048" y="3499342"/>
+            <a:ext cx="596861" cy="18"/>
+          </a:xfrm>
+          <a:prstGeom prst="straightConnector1">
+            <a:avLst/>
+          </a:prstGeom>
+          <a:ln w="19050">
+            <a:tailEnd type="triangle"/>
+          </a:ln>
+        </p:spPr>
+        <p:style>
+          <a:lnRef idx="1">
+            <a:schemeClr val="dk1"/>
+          </a:lnRef>
+          <a:fillRef idx="0">
+            <a:schemeClr val="dk1"/>
+          </a:fillRef>
+          <a:effectRef idx="0">
+            <a:schemeClr val="dk1"/>
+          </a:effectRef>
+          <a:fontRef idx="minor">
+            <a:schemeClr val="tx1"/>
+          </a:fontRef>
+        </p:style>
+      </p:cxnSp>
+      <p:cxnSp>
+        <p:nvCxnSpPr>
+          <p:cNvPr id="33" name="Elbow Connector 32"/>
+          <p:cNvCxnSpPr>
+            <a:endCxn id="42" idx="1"/>
+          </p:cNvCxnSpPr>
+          <p:nvPr/>
+        </p:nvCxnSpPr>
+        <p:spPr>
+          <a:xfrm rot="16200000" flipH="1">
+            <a:off x="5345867" y="4320464"/>
+            <a:ext cx="1504725" cy="339645"/>
+          </a:xfrm>
+          <a:prstGeom prst="bentConnector2">
+            <a:avLst/>
+          </a:prstGeom>
+          <a:ln w="19050">
+            <a:tailEnd type="triangle"/>
+          </a:ln>
+        </p:spPr>
+        <p:style>
+          <a:lnRef idx="1">
+            <a:schemeClr val="dk1"/>
+          </a:lnRef>
+          <a:fillRef idx="0">
+            <a:schemeClr val="dk1"/>
+          </a:fillRef>
+          <a:effectRef idx="0">
+            <a:schemeClr val="dk1"/>
+          </a:effectRef>
+          <a:fontRef idx="minor">
+            <a:schemeClr val="tx1"/>
+          </a:fontRef>
+        </p:style>
+      </p:cxnSp>
+      <p:cxnSp>
+        <p:nvCxnSpPr>
+          <p:cNvPr id="66" name="Straight Connector 65"/>
+          <p:cNvCxnSpPr/>
+          <p:nvPr/>
+        </p:nvCxnSpPr>
+        <p:spPr>
+          <a:xfrm flipH="1">
+            <a:off x="8076659" y="5254254"/>
+            <a:ext cx="271786" cy="996"/>
+          </a:xfrm>
+          <a:prstGeom prst="line">
+            <a:avLst/>
+          </a:prstGeom>
+          <a:ln w="19050"/>
+        </p:spPr>
+        <p:style>
+          <a:lnRef idx="1">
+            <a:schemeClr val="dk1"/>
+          </a:lnRef>
+          <a:fillRef idx="0">
+            <a:schemeClr val="dk1"/>
+          </a:fillRef>
+          <a:effectRef idx="0">
+            <a:schemeClr val="dk1"/>
+          </a:effectRef>
+          <a:fontRef idx="minor">
+            <a:schemeClr val="tx1"/>
+          </a:fontRef>
+        </p:style>
+      </p:cxnSp>
+      <p:cxnSp>
+        <p:nvCxnSpPr>
+          <p:cNvPr id="37" name="Elbow Connector 36"/>
+          <p:cNvCxnSpPr/>
+          <p:nvPr/>
+        </p:nvCxnSpPr>
+        <p:spPr>
+          <a:xfrm rot="5400000" flipH="1" flipV="1">
+            <a:off x="7742004" y="4339676"/>
+            <a:ext cx="1516834" cy="312333"/>
+          </a:xfrm>
+          <a:prstGeom prst="bentConnector3">
+            <a:avLst>
+              <a:gd name="adj1" fmla="val 100012"/>
+            </a:avLst>
+          </a:prstGeom>
+          <a:ln w="19050">
+            <a:tailEnd type="triangle"/>
+          </a:ln>
+        </p:spPr>
+        <p:style>
+          <a:lnRef idx="1">
+            <a:schemeClr val="dk1"/>
+          </a:lnRef>
+          <a:fillRef idx="0">
+            <a:schemeClr val="dk1"/>
+          </a:fillRef>
+          <a:effectRef idx="0">
+            <a:schemeClr val="dk1"/>
+          </a:effectRef>
+          <a:fontRef idx="minor">
+            <a:schemeClr val="tx1"/>
+          </a:fontRef>
+        </p:style>
+      </p:cxnSp>
+      <p:sp>
+        <p:nvSpPr>
+          <p:cNvPr id="96" name="Rounded Rectangle 95"/>
+          <p:cNvSpPr/>
+          <p:nvPr/>
+        </p:nvSpPr>
+        <p:spPr>
+          <a:xfrm>
+            <a:off x="8678783" y="2918239"/>
+            <a:ext cx="1808634" cy="1162205"/>
+          </a:xfrm>
+          <a:prstGeom prst="roundRect">
+            <a:avLst/>
+          </a:prstGeom>
+          <a:ln w="19050"/>
+        </p:spPr>
+        <p:style>
+          <a:lnRef idx="2">
+            <a:schemeClr val="dk1"/>
+          </a:lnRef>
+          <a:fillRef idx="1">
+            <a:schemeClr val="lt1"/>
+          </a:fillRef>
+          <a:effectRef idx="0">
+            <a:schemeClr val="dk1"/>
+          </a:effectRef>
+          <a:fontRef idx="minor">
+            <a:schemeClr val="dk1"/>
+          </a:fontRef>
+        </p:style>
+        <p:txBody>
+          <a:bodyPr rtlCol="0" anchor="ctr"/>
+          <a:lstStyle/>
+          <a:p>
+            <a:pPr algn="ctr"/>
+            <a:r>
+              <a:rPr lang="en-US" b="1" dirty="0" smtClean="0">
+                <a:latin typeface="+mj-lt"/>
+              </a:rPr>
+              <a:t>IQ Modulator</a:t>
+            </a:r>
+            <a:endParaRPr lang="en-US" b="1" dirty="0">
+              <a:latin typeface="+mj-lt"/>
+            </a:endParaRPr>
+          </a:p>
+        </p:txBody>
+      </p:sp>
     </p:spTree>
     <p:extLst>
       <p:ext uri="{BB962C8B-B14F-4D97-AF65-F5344CB8AC3E}">

--- a/doc/tex/sdf/simplified_coherent_receiver/figures/Simulation_setup_Tx.pptx
+++ b/doc/tex/sdf/simplified_coherent_receiver/figures/Simulation_setup_Tx.pptx
@@ -243,7 +243,7 @@
           <a:p>
             <a:fld id="{2680F75E-BF8A-4352-8DF2-5712531B63DB}" type="datetimeFigureOut">
               <a:rPr lang="pt-PT" smtClean="0"/>
-              <a:t>25/10/2017</a:t>
+              <a:t>26/10/2017</a:t>
             </a:fld>
             <a:endParaRPr lang="pt-PT"/>
           </a:p>
@@ -413,7 +413,7 @@
           <a:p>
             <a:fld id="{2680F75E-BF8A-4352-8DF2-5712531B63DB}" type="datetimeFigureOut">
               <a:rPr lang="pt-PT" smtClean="0"/>
-              <a:t>25/10/2017</a:t>
+              <a:t>26/10/2017</a:t>
             </a:fld>
             <a:endParaRPr lang="pt-PT"/>
           </a:p>
@@ -593,7 +593,7 @@
           <a:p>
             <a:fld id="{2680F75E-BF8A-4352-8DF2-5712531B63DB}" type="datetimeFigureOut">
               <a:rPr lang="pt-PT" smtClean="0"/>
-              <a:t>25/10/2017</a:t>
+              <a:t>26/10/2017</a:t>
             </a:fld>
             <a:endParaRPr lang="pt-PT"/>
           </a:p>
@@ -763,7 +763,7 @@
           <a:p>
             <a:fld id="{2680F75E-BF8A-4352-8DF2-5712531B63DB}" type="datetimeFigureOut">
               <a:rPr lang="pt-PT" smtClean="0"/>
-              <a:t>25/10/2017</a:t>
+              <a:t>26/10/2017</a:t>
             </a:fld>
             <a:endParaRPr lang="pt-PT"/>
           </a:p>
@@ -1009,7 +1009,7 @@
           <a:p>
             <a:fld id="{2680F75E-BF8A-4352-8DF2-5712531B63DB}" type="datetimeFigureOut">
               <a:rPr lang="pt-PT" smtClean="0"/>
-              <a:t>25/10/2017</a:t>
+              <a:t>26/10/2017</a:t>
             </a:fld>
             <a:endParaRPr lang="pt-PT"/>
           </a:p>
@@ -1241,7 +1241,7 @@
           <a:p>
             <a:fld id="{2680F75E-BF8A-4352-8DF2-5712531B63DB}" type="datetimeFigureOut">
               <a:rPr lang="pt-PT" smtClean="0"/>
-              <a:t>25/10/2017</a:t>
+              <a:t>26/10/2017</a:t>
             </a:fld>
             <a:endParaRPr lang="pt-PT"/>
           </a:p>
@@ -1608,7 +1608,7 @@
           <a:p>
             <a:fld id="{2680F75E-BF8A-4352-8DF2-5712531B63DB}" type="datetimeFigureOut">
               <a:rPr lang="pt-PT" smtClean="0"/>
-              <a:t>25/10/2017</a:t>
+              <a:t>26/10/2017</a:t>
             </a:fld>
             <a:endParaRPr lang="pt-PT"/>
           </a:p>
@@ -1726,7 +1726,7 @@
           <a:p>
             <a:fld id="{2680F75E-BF8A-4352-8DF2-5712531B63DB}" type="datetimeFigureOut">
               <a:rPr lang="pt-PT" smtClean="0"/>
-              <a:t>25/10/2017</a:t>
+              <a:t>26/10/2017</a:t>
             </a:fld>
             <a:endParaRPr lang="pt-PT"/>
           </a:p>
@@ -1821,7 +1821,7 @@
           <a:p>
             <a:fld id="{2680F75E-BF8A-4352-8DF2-5712531B63DB}" type="datetimeFigureOut">
               <a:rPr lang="pt-PT" smtClean="0"/>
-              <a:t>25/10/2017</a:t>
+              <a:t>26/10/2017</a:t>
             </a:fld>
             <a:endParaRPr lang="pt-PT"/>
           </a:p>
@@ -2098,7 +2098,7 @@
           <a:p>
             <a:fld id="{2680F75E-BF8A-4352-8DF2-5712531B63DB}" type="datetimeFigureOut">
               <a:rPr lang="pt-PT" smtClean="0"/>
-              <a:t>25/10/2017</a:t>
+              <a:t>26/10/2017</a:t>
             </a:fld>
             <a:endParaRPr lang="pt-PT"/>
           </a:p>
@@ -2351,7 +2351,7 @@
           <a:p>
             <a:fld id="{2680F75E-BF8A-4352-8DF2-5712531B63DB}" type="datetimeFigureOut">
               <a:rPr lang="pt-PT" smtClean="0"/>
-              <a:t>25/10/2017</a:t>
+              <a:t>26/10/2017</a:t>
             </a:fld>
             <a:endParaRPr lang="pt-PT"/>
           </a:p>
@@ -2564,7 +2564,7 @@
           <a:p>
             <a:fld id="{2680F75E-BF8A-4352-8DF2-5712531B63DB}" type="datetimeFigureOut">
               <a:rPr lang="pt-PT" smtClean="0"/>
-              <a:t>25/10/2017</a:t>
+              <a:t>26/10/2017</a:t>
             </a:fld>
             <a:endParaRPr lang="pt-PT"/>
           </a:p>
@@ -3095,7 +3095,7 @@
         </p:nvSpPr>
         <p:spPr>
           <a:xfrm>
-            <a:off x="1446414" y="2918257"/>
+            <a:off x="1451077" y="3279566"/>
             <a:ext cx="1808634" cy="1162205"/>
           </a:xfrm>
           <a:prstGeom prst="roundRect">
@@ -3142,7 +3142,7 @@
         </p:nvSpPr>
         <p:spPr>
           <a:xfrm>
-            <a:off x="1446414" y="4661546"/>
+            <a:off x="1446414" y="5521935"/>
             <a:ext cx="1808634" cy="1162203"/>
           </a:xfrm>
           <a:prstGeom prst="roundRect">
@@ -3394,8 +3394,8 @@
         </p:nvCxnSpPr>
         <p:spPr>
           <a:xfrm flipV="1">
-            <a:off x="2350731" y="4080461"/>
-            <a:ext cx="0" cy="581085"/>
+            <a:off x="2350731" y="4441771"/>
+            <a:ext cx="4663" cy="1080164"/>
           </a:xfrm>
           <a:prstGeom prst="straightConnector1">
             <a:avLst/>
@@ -3734,8 +3734,8 @@
           </p:sp>
         </mc:Fallback>
       </mc:AlternateContent>
-      <mc:AlternateContent xmlns:mc="http://schemas.openxmlformats.org/markup-compatibility/2006" xmlns:a14="http://schemas.microsoft.com/office/drawing/2010/main">
-        <mc:Choice Requires="a14">
+      <mc:AlternateContent xmlns:mc="http://schemas.openxmlformats.org/markup-compatibility/2006">
+        <mc:Choice xmlns:a14="http://schemas.microsoft.com/office/drawing/2010/main" Requires="a14">
           <p:sp>
             <p:nvSpPr>
               <p:cNvPr id="237" name="TextBox 236"/>
@@ -3744,7 +3744,7 @@
             </p:nvSpPr>
             <p:spPr>
               <a:xfrm>
-                <a:off x="10508159" y="1055400"/>
+                <a:off x="10576382" y="1055401"/>
                 <a:ext cx="283667" cy="276999"/>
               </a:xfrm>
               <a:prstGeom prst="rect">
@@ -3800,7 +3800,7 @@
             </p:txBody>
           </p:sp>
         </mc:Choice>
-        <mc:Fallback xmlns="">
+        <mc:Fallback>
           <p:sp>
             <p:nvSpPr>
               <p:cNvPr id="237" name="TextBox 236"/>
@@ -3811,7 +3811,7 @@
             </p:nvSpPr>
             <p:spPr>
               <a:xfrm>
-                <a:off x="10508159" y="1055400"/>
+                <a:off x="10576382" y="1055401"/>
                 <a:ext cx="283667" cy="276999"/>
               </a:xfrm>
               <a:prstGeom prst="rect">
@@ -3820,7 +3820,7 @@
               <a:blipFill>
                 <a:blip r:embed="rId5"/>
                 <a:stretch>
-                  <a:fillRect l="-21739" r="-10870" b="-15217"/>
+                  <a:fillRect l="-21277" r="-8511" b="-15217"/>
                 </a:stretch>
               </a:blipFill>
             </p:spPr>
@@ -3839,8 +3839,8 @@
           </p:sp>
         </mc:Fallback>
       </mc:AlternateContent>
-      <mc:AlternateContent xmlns:mc="http://schemas.openxmlformats.org/markup-compatibility/2006" xmlns:a14="http://schemas.microsoft.com/office/drawing/2010/main">
-        <mc:Choice Requires="a14">
+      <mc:AlternateContent xmlns:mc="http://schemas.openxmlformats.org/markup-compatibility/2006">
+        <mc:Choice xmlns:a14="http://schemas.microsoft.com/office/drawing/2010/main" Requires="a14">
           <p:sp>
             <p:nvSpPr>
               <p:cNvPr id="238" name="TextBox 237"/>
@@ -3849,7 +3849,7 @@
             </p:nvSpPr>
             <p:spPr>
               <a:xfrm>
-                <a:off x="2355869" y="4144909"/>
+                <a:off x="2360532" y="4506218"/>
                 <a:ext cx="283667" cy="276999"/>
               </a:xfrm>
               <a:prstGeom prst="rect">
@@ -3905,7 +3905,7 @@
             </p:txBody>
           </p:sp>
         </mc:Choice>
-        <mc:Fallback xmlns="">
+        <mc:Fallback>
           <p:sp>
             <p:nvSpPr>
               <p:cNvPr id="238" name="TextBox 237"/>
@@ -3916,7 +3916,7 @@
             </p:nvSpPr>
             <p:spPr>
               <a:xfrm>
-                <a:off x="2355869" y="4144909"/>
+                <a:off x="2360532" y="4506218"/>
                 <a:ext cx="283667" cy="276999"/>
               </a:xfrm>
               <a:prstGeom prst="rect">
@@ -3925,7 +3925,7 @@
               <a:blipFill>
                 <a:blip r:embed="rId6"/>
                 <a:stretch>
-                  <a:fillRect l="-19149" r="-10638" b="-17778"/>
+                  <a:fillRect l="-19149" r="-10638" b="-17391"/>
                 </a:stretch>
               </a:blipFill>
             </p:spPr>
@@ -3944,8 +3944,8 @@
           </p:sp>
         </mc:Fallback>
       </mc:AlternateContent>
-      <mc:AlternateContent xmlns:mc="http://schemas.openxmlformats.org/markup-compatibility/2006" xmlns:a14="http://schemas.microsoft.com/office/drawing/2010/main">
-        <mc:Choice Requires="a14">
+      <mc:AlternateContent xmlns:mc="http://schemas.openxmlformats.org/markup-compatibility/2006">
+        <mc:Choice xmlns:a14="http://schemas.microsoft.com/office/drawing/2010/main" Requires="a14">
           <p:sp>
             <p:nvSpPr>
               <p:cNvPr id="240" name="TextBox 239"/>
@@ -3954,7 +3954,7 @@
             </p:nvSpPr>
             <p:spPr>
               <a:xfrm>
-                <a:off x="3410929" y="3200856"/>
+                <a:off x="3415592" y="3562165"/>
                 <a:ext cx="283667" cy="276999"/>
               </a:xfrm>
               <a:prstGeom prst="rect">
@@ -4010,7 +4010,7 @@
             </p:txBody>
           </p:sp>
         </mc:Choice>
-        <mc:Fallback xmlns="">
+        <mc:Fallback>
           <p:sp>
             <p:nvSpPr>
               <p:cNvPr id="240" name="TextBox 239"/>
@@ -4021,7 +4021,7 @@
             </p:nvSpPr>
             <p:spPr>
               <a:xfrm>
-                <a:off x="3410929" y="3200856"/>
+                <a:off x="3415592" y="3562165"/>
                 <a:ext cx="283667" cy="276999"/>
               </a:xfrm>
               <a:prstGeom prst="rect">
@@ -4030,7 +4030,7 @@
               <a:blipFill>
                 <a:blip r:embed="rId7"/>
                 <a:stretch>
-                  <a:fillRect l="-21739" r="-10870" b="-15217"/>
+                  <a:fillRect l="-19149" r="-8511" b="-15217"/>
                 </a:stretch>
               </a:blipFill>
             </p:spPr>
@@ -4057,7 +4057,7 @@
         </p:nvSpPr>
         <p:spPr>
           <a:xfrm>
-            <a:off x="3851909" y="2918239"/>
+            <a:off x="3856572" y="3279548"/>
             <a:ext cx="1808634" cy="1162205"/>
           </a:xfrm>
           <a:prstGeom prst="roundRect">
@@ -4104,8 +4104,8 @@
         </p:nvSpPr>
         <p:spPr>
           <a:xfrm>
-            <a:off x="8678782" y="4624144"/>
-            <a:ext cx="1788537" cy="1162203"/>
+            <a:off x="8674340" y="5523380"/>
+            <a:ext cx="1803027" cy="1162203"/>
           </a:xfrm>
           <a:prstGeom prst="roundRect">
             <a:avLst/>
@@ -4143,8 +4143,8 @@
           </a:p>
         </p:txBody>
       </p:sp>
-      <mc:AlternateContent xmlns:mc="http://schemas.openxmlformats.org/markup-compatibility/2006" xmlns:a14="http://schemas.microsoft.com/office/drawing/2010/main">
-        <mc:Choice Requires="a14">
+      <mc:AlternateContent xmlns:mc="http://schemas.openxmlformats.org/markup-compatibility/2006">
+        <mc:Choice xmlns:a14="http://schemas.microsoft.com/office/drawing/2010/main" Requires="a14">
           <p:sp>
             <p:nvSpPr>
               <p:cNvPr id="241" name="TextBox 240"/>
@@ -4153,7 +4153,7 @@
             </p:nvSpPr>
             <p:spPr>
               <a:xfrm>
-                <a:off x="5821660" y="2976359"/>
+                <a:off x="5832924" y="3263662"/>
                 <a:ext cx="283667" cy="276999"/>
               </a:xfrm>
               <a:prstGeom prst="rect">
@@ -4209,7 +4209,7 @@
             </p:txBody>
           </p:sp>
         </mc:Choice>
-        <mc:Fallback xmlns="">
+        <mc:Fallback>
           <p:sp>
             <p:nvSpPr>
               <p:cNvPr id="241" name="TextBox 240"/>
@@ -4220,7 +4220,7 @@
             </p:nvSpPr>
             <p:spPr>
               <a:xfrm>
-                <a:off x="5821660" y="2976359"/>
+                <a:off x="5832924" y="3263662"/>
                 <a:ext cx="283667" cy="276999"/>
               </a:xfrm>
               <a:prstGeom prst="rect">
@@ -4229,7 +4229,7 @@
               <a:blipFill>
                 <a:blip r:embed="rId8"/>
                 <a:stretch>
-                  <a:fillRect l="-21277" r="-8511" b="-15217"/>
+                  <a:fillRect l="-21739" r="-10870" b="-15217"/>
                 </a:stretch>
               </a:blipFill>
             </p:spPr>
@@ -4248,8 +4248,8 @@
           </p:sp>
         </mc:Fallback>
       </mc:AlternateContent>
-      <mc:AlternateContent xmlns:mc="http://schemas.openxmlformats.org/markup-compatibility/2006" xmlns:a14="http://schemas.microsoft.com/office/drawing/2010/main">
-        <mc:Choice Requires="a14">
+      <mc:AlternateContent xmlns:mc="http://schemas.openxmlformats.org/markup-compatibility/2006">
+        <mc:Choice xmlns:a14="http://schemas.microsoft.com/office/drawing/2010/main" Requires="a14">
           <p:sp>
             <p:nvSpPr>
               <p:cNvPr id="242" name="TextBox 241"/>
@@ -4258,7 +4258,7 @@
             </p:nvSpPr>
             <p:spPr>
               <a:xfrm>
-                <a:off x="5817856" y="3431618"/>
+                <a:off x="5831641" y="3875420"/>
                 <a:ext cx="283667" cy="276999"/>
               </a:xfrm>
               <a:prstGeom prst="rect">
@@ -4314,7 +4314,7 @@
             </p:txBody>
           </p:sp>
         </mc:Choice>
-        <mc:Fallback xmlns="">
+        <mc:Fallback>
           <p:sp>
             <p:nvSpPr>
               <p:cNvPr id="242" name="TextBox 241"/>
@@ -4325,7 +4325,7 @@
             </p:nvSpPr>
             <p:spPr>
               <a:xfrm>
-                <a:off x="5817856" y="3431618"/>
+                <a:off x="5831641" y="3875420"/>
                 <a:ext cx="283667" cy="276999"/>
               </a:xfrm>
               <a:prstGeom prst="rect">
@@ -4334,112 +4334,7 @@
               <a:blipFill>
                 <a:blip r:embed="rId9"/>
                 <a:stretch>
-                  <a:fillRect l="-19149" r="-8511" b="-17778"/>
-                </a:stretch>
-              </a:blipFill>
-            </p:spPr>
-            <p:txBody>
-              <a:bodyPr/>
-              <a:lstStyle/>
-              <a:p>
-                <a:r>
-                  <a:rPr lang="en-US">
-                    <a:noFill/>
-                  </a:rPr>
-                  <a:t> </a:t>
-                </a:r>
-              </a:p>
-            </p:txBody>
-          </p:sp>
-        </mc:Fallback>
-      </mc:AlternateContent>
-      <mc:AlternateContent xmlns:mc="http://schemas.openxmlformats.org/markup-compatibility/2006" xmlns:a14="http://schemas.microsoft.com/office/drawing/2010/main">
-        <mc:Choice Requires="a14">
-          <p:sp>
-            <p:nvSpPr>
-              <p:cNvPr id="243" name="TextBox 242"/>
-              <p:cNvSpPr txBox="1"/>
-              <p:nvPr/>
-            </p:nvSpPr>
-            <p:spPr>
-              <a:xfrm>
-                <a:off x="8242185" y="3436886"/>
-                <a:ext cx="283667" cy="276999"/>
-              </a:xfrm>
-              <a:prstGeom prst="rect">
-                <a:avLst/>
-              </a:prstGeom>
-              <a:noFill/>
-            </p:spPr>
-            <p:txBody>
-              <a:bodyPr wrap="square" lIns="0" tIns="0" rIns="0" bIns="0" rtlCol="0">
-                <a:spAutoFit/>
-              </a:bodyPr>
-              <a:lstStyle/>
-              <a:p>
-                <a:pPr/>
-                <a14:m>
-                  <m:oMathPara xmlns:m="http://schemas.openxmlformats.org/officeDocument/2006/math">
-                    <m:oMathParaPr>
-                      <m:jc m:val="centerGroup"/>
-                    </m:oMathParaPr>
-                    <m:oMath xmlns:m="http://schemas.openxmlformats.org/officeDocument/2006/math">
-                      <m:sSub>
-                        <m:sSubPr>
-                          <m:ctrlPr>
-                            <a:rPr lang="en-US" b="1" i="1" smtClean="0">
-                              <a:latin typeface="Cambria Math" panose="02040503050406030204" pitchFamily="18" charset="0"/>
-                            </a:rPr>
-                          </m:ctrlPr>
-                        </m:sSubPr>
-                        <m:e>
-                          <m:r>
-                            <a:rPr lang="en-US" b="1" i="0" smtClean="0">
-                              <a:latin typeface="Cambria Math" panose="02040503050406030204" pitchFamily="18" charset="0"/>
-                            </a:rPr>
-                            <m:t>𝐒</m:t>
-                          </m:r>
-                        </m:e>
-                        <m:sub>
-                          <m:r>
-                            <a:rPr lang="en-US" b="1" i="0" smtClean="0">
-                              <a:latin typeface="Cambria Math" panose="02040503050406030204" pitchFamily="18" charset="0"/>
-                            </a:rPr>
-                            <m:t>𝟗</m:t>
-                          </m:r>
-                        </m:sub>
-                      </m:sSub>
-                    </m:oMath>
-                  </m:oMathPara>
-                </a14:m>
-                <a:endParaRPr lang="en-US" b="1" dirty="0">
-                  <a:latin typeface="+mj-lt"/>
-                </a:endParaRPr>
-              </a:p>
-            </p:txBody>
-          </p:sp>
-        </mc:Choice>
-        <mc:Fallback xmlns="">
-          <p:sp>
-            <p:nvSpPr>
-              <p:cNvPr id="243" name="TextBox 242"/>
-              <p:cNvSpPr txBox="1">
-                <a:spLocks noRot="1" noChangeAspect="1" noMove="1" noResize="1" noEditPoints="1" noAdjustHandles="1" noChangeArrowheads="1" noChangeShapeType="1" noTextEdit="1"/>
-              </p:cNvSpPr>
-              <p:nvPr/>
-            </p:nvSpPr>
-            <p:spPr>
-              <a:xfrm>
-                <a:off x="8242185" y="3436886"/>
-                <a:ext cx="283667" cy="276999"/>
-              </a:xfrm>
-              <a:prstGeom prst="rect">
-                <a:avLst/>
-              </a:prstGeom>
-              <a:blipFill>
-                <a:blip r:embed="rId10"/>
-                <a:stretch>
-                  <a:fillRect l="-19149" r="-8511" b="-17778"/>
+                  <a:fillRect l="-21739" r="-10870" b="-17778"/>
                 </a:stretch>
               </a:blipFill>
             </p:spPr>
@@ -4563,59 +4458,6 @@
           </p:sp>
         </mc:Fallback>
       </mc:AlternateContent>
-      <p:sp>
-        <p:nvSpPr>
-          <p:cNvPr id="42" name="Rounded Rectangle 41"/>
-          <p:cNvSpPr/>
-          <p:nvPr/>
-        </p:nvSpPr>
-        <p:spPr>
-          <a:xfrm>
-            <a:off x="6268051" y="4661546"/>
-            <a:ext cx="1808634" cy="1162205"/>
-          </a:xfrm>
-          <a:prstGeom prst="roundRect">
-            <a:avLst/>
-          </a:prstGeom>
-          <a:ln w="19050"/>
-        </p:spPr>
-        <p:style>
-          <a:lnRef idx="2">
-            <a:schemeClr val="dk1"/>
-          </a:lnRef>
-          <a:fillRef idx="1">
-            <a:schemeClr val="lt1"/>
-          </a:fillRef>
-          <a:effectRef idx="0">
-            <a:schemeClr val="dk1"/>
-          </a:effectRef>
-          <a:fontRef idx="minor">
-            <a:schemeClr val="dk1"/>
-          </a:fontRef>
-        </p:style>
-        <p:txBody>
-          <a:bodyPr rtlCol="0" anchor="ctr"/>
-          <a:lstStyle/>
-          <a:p>
-            <a:pPr algn="ctr"/>
-            <a:r>
-              <a:rPr lang="en-US" b="1" dirty="0">
-                <a:latin typeface="+mj-lt"/>
-              </a:rPr>
-              <a:t>Hilbert </a:t>
-            </a:r>
-            <a:r>
-              <a:rPr lang="en-US" b="1" dirty="0" smtClean="0">
-                <a:latin typeface="+mj-lt"/>
-              </a:rPr>
-              <a:t>Transform</a:t>
-            </a:r>
-            <a:endParaRPr lang="en-US" b="1" dirty="0">
-              <a:latin typeface="+mj-lt"/>
-            </a:endParaRPr>
-          </a:p>
-        </p:txBody>
-      </p:sp>
       <p:cxnSp>
         <p:nvCxnSpPr>
           <p:cNvPr id="9" name="Straight Arrow Connector 8"/>
@@ -4624,7 +4466,7 @@
         </p:nvCxnSpPr>
         <p:spPr>
           <a:xfrm>
-            <a:off x="5666093" y="3279566"/>
+            <a:off x="5676227" y="3562165"/>
             <a:ext cx="3002556" cy="0"/>
           </a:xfrm>
           <a:prstGeom prst="straightConnector1">
@@ -4633,37 +4475,6 @@
           <a:ln w="19050">
             <a:tailEnd type="triangle"/>
           </a:ln>
-        </p:spPr>
-        <p:style>
-          <a:lnRef idx="1">
-            <a:schemeClr val="dk1"/>
-          </a:lnRef>
-          <a:fillRef idx="0">
-            <a:schemeClr val="dk1"/>
-          </a:fillRef>
-          <a:effectRef idx="0">
-            <a:schemeClr val="dk1"/>
-          </a:effectRef>
-          <a:fontRef idx="minor">
-            <a:schemeClr val="tx1"/>
-          </a:fontRef>
-        </p:style>
-      </p:cxnSp>
-      <p:cxnSp>
-        <p:nvCxnSpPr>
-          <p:cNvPr id="21" name="Straight Connector 20"/>
-          <p:cNvCxnSpPr/>
-          <p:nvPr/>
-        </p:nvCxnSpPr>
-        <p:spPr>
-          <a:xfrm flipH="1">
-            <a:off x="5665475" y="3737922"/>
-            <a:ext cx="271786" cy="996"/>
-          </a:xfrm>
-          <a:prstGeom prst="line">
-            <a:avLst/>
-          </a:prstGeom>
-          <a:ln w="19050"/>
         </p:spPr>
         <p:style>
           <a:lnRef idx="1">
@@ -4691,14 +4502,14 @@
         </p:nvCxnSpPr>
         <p:spPr>
           <a:xfrm flipH="1">
-            <a:off x="1446414" y="1353887"/>
-            <a:ext cx="9041003" cy="2145473"/>
+            <a:off x="1451077" y="1353887"/>
+            <a:ext cx="9036340" cy="2506782"/>
           </a:xfrm>
           <a:prstGeom prst="bentConnector5">
             <a:avLst>
-              <a:gd name="adj1" fmla="val -3352"/>
-              <a:gd name="adj2" fmla="val 50000"/>
-              <a:gd name="adj3" fmla="val 103352"/>
+              <a:gd name="adj1" fmla="val -4111"/>
+              <a:gd name="adj2" fmla="val 38601"/>
+              <a:gd name="adj3" fmla="val 102530"/>
             </a:avLst>
           </a:prstGeom>
           <a:ln w="19050">
@@ -4724,14 +4535,15 @@
         <p:nvCxnSpPr>
           <p:cNvPr id="50" name="Straight Arrow Connector 49"/>
           <p:cNvCxnSpPr>
+            <a:stCxn id="96" idx="2"/>
             <a:endCxn id="230" idx="0"/>
           </p:cNvCxnSpPr>
           <p:nvPr/>
         </p:nvCxnSpPr>
         <p:spPr>
-          <a:xfrm>
-            <a:off x="9573051" y="4080442"/>
-            <a:ext cx="0" cy="543702"/>
+          <a:xfrm flipH="1">
+            <a:off x="9575854" y="4862998"/>
+            <a:ext cx="1" cy="660382"/>
           </a:xfrm>
           <a:prstGeom prst="straightConnector1">
             <a:avLst/>
@@ -4766,7 +4578,7 @@
         </p:nvCxnSpPr>
         <p:spPr>
           <a:xfrm flipV="1">
-            <a:off x="3255048" y="3499342"/>
+            <a:off x="3259711" y="3860651"/>
             <a:ext cx="596861" cy="18"/>
           </a:xfrm>
           <a:prstGeom prst="straightConnector1">
@@ -4791,20 +4603,67 @@
           </a:fontRef>
         </p:style>
       </p:cxnSp>
+      <p:sp>
+        <p:nvSpPr>
+          <p:cNvPr id="96" name="Rounded Rectangle 95"/>
+          <p:cNvSpPr/>
+          <p:nvPr/>
+        </p:nvSpPr>
+        <p:spPr>
+          <a:xfrm>
+            <a:off x="8674341" y="2858302"/>
+            <a:ext cx="1803027" cy="2004696"/>
+          </a:xfrm>
+          <a:prstGeom prst="roundRect">
+            <a:avLst/>
+          </a:prstGeom>
+          <a:ln w="19050"/>
+        </p:spPr>
+        <p:style>
+          <a:lnRef idx="2">
+            <a:schemeClr val="dk1"/>
+          </a:lnRef>
+          <a:fillRef idx="1">
+            <a:schemeClr val="lt1"/>
+          </a:fillRef>
+          <a:effectRef idx="0">
+            <a:schemeClr val="dk1"/>
+          </a:effectRef>
+          <a:fontRef idx="minor">
+            <a:schemeClr val="dk1"/>
+          </a:fontRef>
+        </p:style>
+        <p:txBody>
+          <a:bodyPr rtlCol="0" anchor="ctr"/>
+          <a:lstStyle/>
+          <a:p>
+            <a:pPr algn="ctr"/>
+            <a:r>
+              <a:rPr lang="en-US" b="1" dirty="0" smtClean="0">
+                <a:latin typeface="+mj-lt"/>
+              </a:rPr>
+              <a:t>IQ Modulator</a:t>
+            </a:r>
+            <a:endParaRPr lang="en-US" b="1" dirty="0">
+              <a:latin typeface="+mj-lt"/>
+            </a:endParaRPr>
+          </a:p>
+        </p:txBody>
+      </p:sp>
       <p:cxnSp>
         <p:nvCxnSpPr>
-          <p:cNvPr id="33" name="Elbow Connector 32"/>
+          <p:cNvPr id="36" name="Straight Arrow Connector 35"/>
           <p:cNvCxnSpPr>
-            <a:endCxn id="42" idx="1"/>
+            <a:endCxn id="41" idx="1"/>
           </p:cNvCxnSpPr>
           <p:nvPr/>
         </p:nvCxnSpPr>
         <p:spPr>
-          <a:xfrm rot="16200000" flipH="1">
-            <a:off x="5345867" y="4320464"/>
-            <a:ext cx="1504725" cy="339645"/>
+          <a:xfrm>
+            <a:off x="5665206" y="4179313"/>
+            <a:ext cx="603640" cy="1"/>
           </a:xfrm>
-          <a:prstGeom prst="bentConnector2">
+          <a:prstGeom prst="straightConnector1">
             <a:avLst/>
           </a:prstGeom>
           <a:ln w="19050">
@@ -4826,82 +4685,16 @@
           </a:fontRef>
         </p:style>
       </p:cxnSp>
-      <p:cxnSp>
-        <p:nvCxnSpPr>
-          <p:cNvPr id="66" name="Straight Connector 65"/>
-          <p:cNvCxnSpPr/>
-          <p:nvPr/>
-        </p:nvCxnSpPr>
-        <p:spPr>
-          <a:xfrm flipH="1">
-            <a:off x="8076659" y="5254254"/>
-            <a:ext cx="271786" cy="996"/>
-          </a:xfrm>
-          <a:prstGeom prst="line">
-            <a:avLst/>
-          </a:prstGeom>
-          <a:ln w="19050"/>
-        </p:spPr>
-        <p:style>
-          <a:lnRef idx="1">
-            <a:schemeClr val="dk1"/>
-          </a:lnRef>
-          <a:fillRef idx="0">
-            <a:schemeClr val="dk1"/>
-          </a:fillRef>
-          <a:effectRef idx="0">
-            <a:schemeClr val="dk1"/>
-          </a:effectRef>
-          <a:fontRef idx="minor">
-            <a:schemeClr val="tx1"/>
-          </a:fontRef>
-        </p:style>
-      </p:cxnSp>
-      <p:cxnSp>
-        <p:nvCxnSpPr>
-          <p:cNvPr id="37" name="Elbow Connector 36"/>
-          <p:cNvCxnSpPr/>
-          <p:nvPr/>
-        </p:nvCxnSpPr>
-        <p:spPr>
-          <a:xfrm rot="5400000" flipH="1" flipV="1">
-            <a:off x="7742004" y="4339676"/>
-            <a:ext cx="1516834" cy="312333"/>
-          </a:xfrm>
-          <a:prstGeom prst="bentConnector3">
-            <a:avLst>
-              <a:gd name="adj1" fmla="val 100012"/>
-            </a:avLst>
-          </a:prstGeom>
-          <a:ln w="19050">
-            <a:tailEnd type="triangle"/>
-          </a:ln>
-        </p:spPr>
-        <p:style>
-          <a:lnRef idx="1">
-            <a:schemeClr val="dk1"/>
-          </a:lnRef>
-          <a:fillRef idx="0">
-            <a:schemeClr val="dk1"/>
-          </a:fillRef>
-          <a:effectRef idx="0">
-            <a:schemeClr val="dk1"/>
-          </a:effectRef>
-          <a:fontRef idx="minor">
-            <a:schemeClr val="tx1"/>
-          </a:fontRef>
-        </p:style>
-      </p:cxnSp>
-      <p:sp>
-        <p:nvSpPr>
-          <p:cNvPr id="96" name="Rounded Rectangle 95"/>
+      <p:sp>
+        <p:nvSpPr>
+          <p:cNvPr id="41" name="Rounded Rectangle 40"/>
           <p:cNvSpPr/>
           <p:nvPr/>
         </p:nvSpPr>
         <p:spPr>
           <a:xfrm>
-            <a:off x="8678783" y="2918239"/>
-            <a:ext cx="1808634" cy="1162205"/>
+            <a:off x="6268846" y="3903953"/>
+            <a:ext cx="1808634" cy="550721"/>
           </a:xfrm>
           <a:prstGeom prst="roundRect">
             <a:avLst/>
@@ -4931,7 +4724,7 @@
               <a:rPr lang="en-US" b="1" dirty="0" smtClean="0">
                 <a:latin typeface="+mj-lt"/>
               </a:rPr>
-              <a:t>IQ Modulator</a:t>
+              <a:t>Hilbert Transformer</a:t>
             </a:r>
             <a:endParaRPr lang="en-US" b="1" dirty="0">
               <a:latin typeface="+mj-lt"/>
@@ -4939,6 +4732,146 @@
           </a:p>
         </p:txBody>
       </p:sp>
+      <p:cxnSp>
+        <p:nvCxnSpPr>
+          <p:cNvPr id="45" name="Straight Arrow Connector 44"/>
+          <p:cNvCxnSpPr>
+            <a:stCxn id="41" idx="3"/>
+          </p:cNvCxnSpPr>
+          <p:nvPr/>
+        </p:nvCxnSpPr>
+        <p:spPr>
+          <a:xfrm flipV="1">
+            <a:off x="8077480" y="4179313"/>
+            <a:ext cx="596861" cy="1"/>
+          </a:xfrm>
+          <a:prstGeom prst="straightConnector1">
+            <a:avLst/>
+          </a:prstGeom>
+          <a:ln w="19050">
+            <a:tailEnd type="triangle"/>
+          </a:ln>
+        </p:spPr>
+        <p:style>
+          <a:lnRef idx="1">
+            <a:schemeClr val="dk1"/>
+          </a:lnRef>
+          <a:fillRef idx="0">
+            <a:schemeClr val="dk1"/>
+          </a:fillRef>
+          <a:effectRef idx="0">
+            <a:schemeClr val="dk1"/>
+          </a:effectRef>
+          <a:fontRef idx="minor">
+            <a:schemeClr val="tx1"/>
+          </a:fontRef>
+        </p:style>
+      </p:cxnSp>
+      <mc:AlternateContent xmlns:mc="http://schemas.openxmlformats.org/markup-compatibility/2006">
+        <mc:Choice xmlns:a14="http://schemas.microsoft.com/office/drawing/2010/main" Requires="a14">
+          <p:sp>
+            <p:nvSpPr>
+              <p:cNvPr id="54" name="TextBox 53"/>
+              <p:cNvSpPr txBox="1"/>
+              <p:nvPr/>
+            </p:nvSpPr>
+            <p:spPr>
+              <a:xfrm>
+                <a:off x="8230144" y="3880810"/>
+                <a:ext cx="283667" cy="276999"/>
+              </a:xfrm>
+              <a:prstGeom prst="rect">
+                <a:avLst/>
+              </a:prstGeom>
+              <a:noFill/>
+            </p:spPr>
+            <p:txBody>
+              <a:bodyPr wrap="none" lIns="0" tIns="0" rIns="0" bIns="0" rtlCol="0">
+                <a:spAutoFit/>
+              </a:bodyPr>
+              <a:lstStyle/>
+              <a:p>
+                <a:pPr/>
+                <a14:m>
+                  <m:oMathPara xmlns:m="http://schemas.openxmlformats.org/officeDocument/2006/math">
+                    <m:oMathParaPr>
+                      <m:jc m:val="centerGroup"/>
+                    </m:oMathParaPr>
+                    <m:oMath xmlns:m="http://schemas.openxmlformats.org/officeDocument/2006/math">
+                      <m:sSub>
+                        <m:sSubPr>
+                          <m:ctrlPr>
+                            <a:rPr lang="en-US" b="1" i="1" smtClean="0">
+                              <a:latin typeface="Cambria Math" panose="02040503050406030204" pitchFamily="18" charset="0"/>
+                            </a:rPr>
+                          </m:ctrlPr>
+                        </m:sSubPr>
+                        <m:e>
+                          <m:r>
+                            <a:rPr lang="en-US" b="1" i="0" smtClean="0">
+                              <a:latin typeface="Cambria Math" panose="02040503050406030204" pitchFamily="18" charset="0"/>
+                            </a:rPr>
+                            <m:t>𝐒</m:t>
+                          </m:r>
+                        </m:e>
+                        <m:sub>
+                          <m:r>
+                            <a:rPr lang="en-US" b="1" i="1" smtClean="0">
+                              <a:latin typeface="Cambria Math" panose="02040503050406030204" pitchFamily="18" charset="0"/>
+                            </a:rPr>
+                            <m:t>𝟗</m:t>
+                          </m:r>
+                        </m:sub>
+                      </m:sSub>
+                    </m:oMath>
+                  </m:oMathPara>
+                </a14:m>
+                <a:endParaRPr lang="en-US" b="1" dirty="0">
+                  <a:latin typeface="+mj-lt"/>
+                </a:endParaRPr>
+              </a:p>
+            </p:txBody>
+          </p:sp>
+        </mc:Choice>
+        <mc:Fallback>
+          <p:sp>
+            <p:nvSpPr>
+              <p:cNvPr id="54" name="TextBox 53"/>
+              <p:cNvSpPr txBox="1">
+                <a:spLocks noRot="1" noChangeAspect="1" noMove="1" noResize="1" noEditPoints="1" noAdjustHandles="1" noChangeArrowheads="1" noChangeShapeType="1" noTextEdit="1"/>
+              </p:cNvSpPr>
+              <p:nvPr/>
+            </p:nvSpPr>
+            <p:spPr>
+              <a:xfrm>
+                <a:off x="8230144" y="3880810"/>
+                <a:ext cx="283667" cy="276999"/>
+              </a:xfrm>
+              <a:prstGeom prst="rect">
+                <a:avLst/>
+              </a:prstGeom>
+              <a:blipFill>
+                <a:blip r:embed="rId12"/>
+                <a:stretch>
+                  <a:fillRect l="-19149" r="-8511" b="-17778"/>
+                </a:stretch>
+              </a:blipFill>
+            </p:spPr>
+            <p:txBody>
+              <a:bodyPr/>
+              <a:lstStyle/>
+              <a:p>
+                <a:r>
+                  <a:rPr lang="en-US">
+                    <a:noFill/>
+                  </a:rPr>
+                  <a:t> </a:t>
+                </a:r>
+              </a:p>
+            </p:txBody>
+          </p:sp>
+        </mc:Fallback>
+      </mc:AlternateContent>
     </p:spTree>
     <p:extLst>
       <p:ext uri="{BB962C8B-B14F-4D97-AF65-F5344CB8AC3E}">

--- a/doc/tex/sdf/simplified_coherent_receiver/figures/Simulation_setup_Tx.pptx
+++ b/doc/tex/sdf/simplified_coherent_receiver/figures/Simulation_setup_Tx.pptx
@@ -243,7 +243,7 @@
           <a:p>
             <a:fld id="{2680F75E-BF8A-4352-8DF2-5712531B63DB}" type="datetimeFigureOut">
               <a:rPr lang="pt-PT" smtClean="0"/>
-              <a:t>26/10/2017</a:t>
+              <a:t>27/10/2017</a:t>
             </a:fld>
             <a:endParaRPr lang="pt-PT"/>
           </a:p>
@@ -413,7 +413,7 @@
           <a:p>
             <a:fld id="{2680F75E-BF8A-4352-8DF2-5712531B63DB}" type="datetimeFigureOut">
               <a:rPr lang="pt-PT" smtClean="0"/>
-              <a:t>26/10/2017</a:t>
+              <a:t>27/10/2017</a:t>
             </a:fld>
             <a:endParaRPr lang="pt-PT"/>
           </a:p>
@@ -593,7 +593,7 @@
           <a:p>
             <a:fld id="{2680F75E-BF8A-4352-8DF2-5712531B63DB}" type="datetimeFigureOut">
               <a:rPr lang="pt-PT" smtClean="0"/>
-              <a:t>26/10/2017</a:t>
+              <a:t>27/10/2017</a:t>
             </a:fld>
             <a:endParaRPr lang="pt-PT"/>
           </a:p>
@@ -763,7 +763,7 @@
           <a:p>
             <a:fld id="{2680F75E-BF8A-4352-8DF2-5712531B63DB}" type="datetimeFigureOut">
               <a:rPr lang="pt-PT" smtClean="0"/>
-              <a:t>26/10/2017</a:t>
+              <a:t>27/10/2017</a:t>
             </a:fld>
             <a:endParaRPr lang="pt-PT"/>
           </a:p>
@@ -1009,7 +1009,7 @@
           <a:p>
             <a:fld id="{2680F75E-BF8A-4352-8DF2-5712531B63DB}" type="datetimeFigureOut">
               <a:rPr lang="pt-PT" smtClean="0"/>
-              <a:t>26/10/2017</a:t>
+              <a:t>27/10/2017</a:t>
             </a:fld>
             <a:endParaRPr lang="pt-PT"/>
           </a:p>
@@ -1241,7 +1241,7 @@
           <a:p>
             <a:fld id="{2680F75E-BF8A-4352-8DF2-5712531B63DB}" type="datetimeFigureOut">
               <a:rPr lang="pt-PT" smtClean="0"/>
-              <a:t>26/10/2017</a:t>
+              <a:t>27/10/2017</a:t>
             </a:fld>
             <a:endParaRPr lang="pt-PT"/>
           </a:p>
@@ -1608,7 +1608,7 @@
           <a:p>
             <a:fld id="{2680F75E-BF8A-4352-8DF2-5712531B63DB}" type="datetimeFigureOut">
               <a:rPr lang="pt-PT" smtClean="0"/>
-              <a:t>26/10/2017</a:t>
+              <a:t>27/10/2017</a:t>
             </a:fld>
             <a:endParaRPr lang="pt-PT"/>
           </a:p>
@@ -1726,7 +1726,7 @@
           <a:p>
             <a:fld id="{2680F75E-BF8A-4352-8DF2-5712531B63DB}" type="datetimeFigureOut">
               <a:rPr lang="pt-PT" smtClean="0"/>
-              <a:t>26/10/2017</a:t>
+              <a:t>27/10/2017</a:t>
             </a:fld>
             <a:endParaRPr lang="pt-PT"/>
           </a:p>
@@ -1821,7 +1821,7 @@
           <a:p>
             <a:fld id="{2680F75E-BF8A-4352-8DF2-5712531B63DB}" type="datetimeFigureOut">
               <a:rPr lang="pt-PT" smtClean="0"/>
-              <a:t>26/10/2017</a:t>
+              <a:t>27/10/2017</a:t>
             </a:fld>
             <a:endParaRPr lang="pt-PT"/>
           </a:p>
@@ -2098,7 +2098,7 @@
           <a:p>
             <a:fld id="{2680F75E-BF8A-4352-8DF2-5712531B63DB}" type="datetimeFigureOut">
               <a:rPr lang="pt-PT" smtClean="0"/>
-              <a:t>26/10/2017</a:t>
+              <a:t>27/10/2017</a:t>
             </a:fld>
             <a:endParaRPr lang="pt-PT"/>
           </a:p>
@@ -2351,7 +2351,7 @@
           <a:p>
             <a:fld id="{2680F75E-BF8A-4352-8DF2-5712531B63DB}" type="datetimeFigureOut">
               <a:rPr lang="pt-PT" smtClean="0"/>
-              <a:t>26/10/2017</a:t>
+              <a:t>27/10/2017</a:t>
             </a:fld>
             <a:endParaRPr lang="pt-PT"/>
           </a:p>
@@ -2564,7 +2564,7 @@
           <a:p>
             <a:fld id="{2680F75E-BF8A-4352-8DF2-5712531B63DB}" type="datetimeFigureOut">
               <a:rPr lang="pt-PT" smtClean="0"/>
-              <a:t>26/10/2017</a:t>
+              <a:t>27/10/2017</a:t>
             </a:fld>
             <a:endParaRPr lang="pt-PT"/>
           </a:p>
@@ -3734,8 +3734,8 @@
           </p:sp>
         </mc:Fallback>
       </mc:AlternateContent>
-      <mc:AlternateContent xmlns:mc="http://schemas.openxmlformats.org/markup-compatibility/2006">
-        <mc:Choice xmlns:a14="http://schemas.microsoft.com/office/drawing/2010/main" Requires="a14">
+      <mc:AlternateContent xmlns:mc="http://schemas.openxmlformats.org/markup-compatibility/2006" xmlns:a14="http://schemas.microsoft.com/office/drawing/2010/main">
+        <mc:Choice Requires="a14">
           <p:sp>
             <p:nvSpPr>
               <p:cNvPr id="237" name="TextBox 236"/>
@@ -3800,7 +3800,7 @@
             </p:txBody>
           </p:sp>
         </mc:Choice>
-        <mc:Fallback>
+        <mc:Fallback xmlns="">
           <p:sp>
             <p:nvSpPr>
               <p:cNvPr id="237" name="TextBox 236"/>
@@ -3849,7 +3849,7 @@
             </p:nvSpPr>
             <p:spPr>
               <a:xfrm>
-                <a:off x="2360532" y="4506218"/>
+                <a:off x="2379720" y="4477452"/>
                 <a:ext cx="283667" cy="276999"/>
               </a:xfrm>
               <a:prstGeom prst="rect">
@@ -3916,7 +3916,7 @@
             </p:nvSpPr>
             <p:spPr>
               <a:xfrm>
-                <a:off x="2360532" y="4506218"/>
+                <a:off x="2379720" y="4477452"/>
                 <a:ext cx="283667" cy="276999"/>
               </a:xfrm>
               <a:prstGeom prst="rect">
@@ -3944,8 +3944,8 @@
           </p:sp>
         </mc:Fallback>
       </mc:AlternateContent>
-      <mc:AlternateContent xmlns:mc="http://schemas.openxmlformats.org/markup-compatibility/2006">
-        <mc:Choice xmlns:a14="http://schemas.microsoft.com/office/drawing/2010/main" Requires="a14">
+      <mc:AlternateContent xmlns:mc="http://schemas.openxmlformats.org/markup-compatibility/2006" xmlns:a14="http://schemas.microsoft.com/office/drawing/2010/main">
+        <mc:Choice Requires="a14">
           <p:sp>
             <p:nvSpPr>
               <p:cNvPr id="240" name="TextBox 239"/>
@@ -4010,7 +4010,7 @@
             </p:txBody>
           </p:sp>
         </mc:Choice>
-        <mc:Fallback>
+        <mc:Fallback xmlns="">
           <p:sp>
             <p:nvSpPr>
               <p:cNvPr id="240" name="TextBox 239"/>
@@ -4143,8 +4143,8 @@
           </a:p>
         </p:txBody>
       </p:sp>
-      <mc:AlternateContent xmlns:mc="http://schemas.openxmlformats.org/markup-compatibility/2006">
-        <mc:Choice xmlns:a14="http://schemas.microsoft.com/office/drawing/2010/main" Requires="a14">
+      <mc:AlternateContent xmlns:mc="http://schemas.openxmlformats.org/markup-compatibility/2006" xmlns:a14="http://schemas.microsoft.com/office/drawing/2010/main">
+        <mc:Choice Requires="a14">
           <p:sp>
             <p:nvSpPr>
               <p:cNvPr id="241" name="TextBox 240"/>
@@ -4209,7 +4209,7 @@
             </p:txBody>
           </p:sp>
         </mc:Choice>
-        <mc:Fallback>
+        <mc:Fallback xmlns="">
           <p:sp>
             <p:nvSpPr>
               <p:cNvPr id="241" name="TextBox 240"/>
@@ -4248,8 +4248,8 @@
           </p:sp>
         </mc:Fallback>
       </mc:AlternateContent>
-      <mc:AlternateContent xmlns:mc="http://schemas.openxmlformats.org/markup-compatibility/2006">
-        <mc:Choice xmlns:a14="http://schemas.microsoft.com/office/drawing/2010/main" Requires="a14">
+      <mc:AlternateContent xmlns:mc="http://schemas.openxmlformats.org/markup-compatibility/2006" xmlns:a14="http://schemas.microsoft.com/office/drawing/2010/main">
+        <mc:Choice Requires="a14">
           <p:sp>
             <p:nvSpPr>
               <p:cNvPr id="242" name="TextBox 241"/>
@@ -4314,7 +4314,7 @@
             </p:txBody>
           </p:sp>
         </mc:Choice>
-        <mc:Fallback>
+        <mc:Fallback xmlns="">
           <p:sp>
             <p:nvSpPr>
               <p:cNvPr id="242" name="TextBox 241"/>
@@ -4767,8 +4767,8 @@
           </a:fontRef>
         </p:style>
       </p:cxnSp>
-      <mc:AlternateContent xmlns:mc="http://schemas.openxmlformats.org/markup-compatibility/2006">
-        <mc:Choice xmlns:a14="http://schemas.microsoft.com/office/drawing/2010/main" Requires="a14">
+      <mc:AlternateContent xmlns:mc="http://schemas.openxmlformats.org/markup-compatibility/2006" xmlns:a14="http://schemas.microsoft.com/office/drawing/2010/main">
+        <mc:Choice Requires="a14">
           <p:sp>
             <p:nvSpPr>
               <p:cNvPr id="54" name="TextBox 53"/>
@@ -4833,7 +4833,7 @@
             </p:txBody>
           </p:sp>
         </mc:Choice>
-        <mc:Fallback>
+        <mc:Fallback xmlns="">
           <p:sp>
             <p:nvSpPr>
               <p:cNvPr id="54" name="TextBox 53"/>
@@ -4854,6 +4854,111 @@
                 <a:blip r:embed="rId12"/>
                 <a:stretch>
                   <a:fillRect l="-19149" r="-8511" b="-17778"/>
+                </a:stretch>
+              </a:blipFill>
+            </p:spPr>
+            <p:txBody>
+              <a:bodyPr/>
+              <a:lstStyle/>
+              <a:p>
+                <a:r>
+                  <a:rPr lang="en-US">
+                    <a:noFill/>
+                  </a:rPr>
+                  <a:t> </a:t>
+                </a:r>
+              </a:p>
+            </p:txBody>
+          </p:sp>
+        </mc:Fallback>
+      </mc:AlternateContent>
+      <mc:AlternateContent xmlns:mc="http://schemas.openxmlformats.org/markup-compatibility/2006">
+        <mc:Choice xmlns:a14="http://schemas.microsoft.com/office/drawing/2010/main" Requires="a14">
+          <p:sp>
+            <p:nvSpPr>
+              <p:cNvPr id="32" name="TextBox 31"/>
+              <p:cNvSpPr txBox="1"/>
+              <p:nvPr/>
+            </p:nvSpPr>
+            <p:spPr>
+              <a:xfrm>
+                <a:off x="9601110" y="4916189"/>
+                <a:ext cx="384657" cy="276999"/>
+              </a:xfrm>
+              <a:prstGeom prst="rect">
+                <a:avLst/>
+              </a:prstGeom>
+              <a:noFill/>
+            </p:spPr>
+            <p:txBody>
+              <a:bodyPr wrap="none" lIns="0" tIns="0" rIns="0" bIns="0" rtlCol="0">
+                <a:spAutoFit/>
+              </a:bodyPr>
+              <a:lstStyle/>
+              <a:p>
+                <a:pPr/>
+                <a14:m>
+                  <m:oMathPara xmlns:m="http://schemas.openxmlformats.org/officeDocument/2006/math">
+                    <m:oMathParaPr>
+                      <m:jc m:val="centerGroup"/>
+                    </m:oMathParaPr>
+                    <m:oMath xmlns:m="http://schemas.openxmlformats.org/officeDocument/2006/math">
+                      <m:sSub>
+                        <m:sSubPr>
+                          <m:ctrlPr>
+                            <a:rPr lang="en-US" b="1" i="1" smtClean="0">
+                              <a:latin typeface="Cambria Math" panose="02040503050406030204" pitchFamily="18" charset="0"/>
+                            </a:rPr>
+                          </m:ctrlPr>
+                        </m:sSubPr>
+                        <m:e>
+                          <m:r>
+                            <a:rPr lang="en-US" b="1" i="0" smtClean="0">
+                              <a:latin typeface="Cambria Math" panose="02040503050406030204" pitchFamily="18" charset="0"/>
+                            </a:rPr>
+                            <m:t>𝐒</m:t>
+                          </m:r>
+                        </m:e>
+                        <m:sub>
+                          <m:r>
+                            <a:rPr lang="en-US" b="1" i="1" smtClean="0">
+                              <a:latin typeface="Cambria Math" panose="02040503050406030204" pitchFamily="18" charset="0"/>
+                            </a:rPr>
+                            <m:t>𝟏𝟎</m:t>
+                          </m:r>
+                        </m:sub>
+                      </m:sSub>
+                    </m:oMath>
+                  </m:oMathPara>
+                </a14:m>
+                <a:endParaRPr lang="en-US" b="1" dirty="0">
+                  <a:latin typeface="+mj-lt"/>
+                </a:endParaRPr>
+              </a:p>
+            </p:txBody>
+          </p:sp>
+        </mc:Choice>
+        <mc:Fallback>
+          <p:sp>
+            <p:nvSpPr>
+              <p:cNvPr id="32" name="TextBox 31"/>
+              <p:cNvSpPr txBox="1">
+                <a:spLocks noRot="1" noChangeAspect="1" noMove="1" noResize="1" noEditPoints="1" noAdjustHandles="1" noChangeArrowheads="1" noChangeShapeType="1" noTextEdit="1"/>
+              </p:cNvSpPr>
+              <p:nvPr/>
+            </p:nvSpPr>
+            <p:spPr>
+              <a:xfrm>
+                <a:off x="9601110" y="4916189"/>
+                <a:ext cx="384657" cy="276999"/>
+              </a:xfrm>
+              <a:prstGeom prst="rect">
+                <a:avLst/>
+              </a:prstGeom>
+              <a:blipFill>
+                <a:blip r:embed="rId13"/>
+                <a:stretch>
+                  <a:fillRect l="-15873" r="-7937" b="-15217"/>
                 </a:stretch>
               </a:blipFill>
             </p:spPr>

--- a/doc/tex/sdf/simplified_coherent_receiver/figures/Simulation_setup_Tx.pptx
+++ b/doc/tex/sdf/simplified_coherent_receiver/figures/Simulation_setup_Tx.pptx
@@ -243,7 +243,7 @@
           <a:p>
             <a:fld id="{2680F75E-BF8A-4352-8DF2-5712531B63DB}" type="datetimeFigureOut">
               <a:rPr lang="pt-PT" smtClean="0"/>
-              <a:t>27/10/2017</a:t>
+              <a:t>06/11/2017</a:t>
             </a:fld>
             <a:endParaRPr lang="pt-PT"/>
           </a:p>
@@ -413,7 +413,7 @@
           <a:p>
             <a:fld id="{2680F75E-BF8A-4352-8DF2-5712531B63DB}" type="datetimeFigureOut">
               <a:rPr lang="pt-PT" smtClean="0"/>
-              <a:t>27/10/2017</a:t>
+              <a:t>06/11/2017</a:t>
             </a:fld>
             <a:endParaRPr lang="pt-PT"/>
           </a:p>
@@ -593,7 +593,7 @@
           <a:p>
             <a:fld id="{2680F75E-BF8A-4352-8DF2-5712531B63DB}" type="datetimeFigureOut">
               <a:rPr lang="pt-PT" smtClean="0"/>
-              <a:t>27/10/2017</a:t>
+              <a:t>06/11/2017</a:t>
             </a:fld>
             <a:endParaRPr lang="pt-PT"/>
           </a:p>
@@ -763,7 +763,7 @@
           <a:p>
             <a:fld id="{2680F75E-BF8A-4352-8DF2-5712531B63DB}" type="datetimeFigureOut">
               <a:rPr lang="pt-PT" smtClean="0"/>
-              <a:t>27/10/2017</a:t>
+              <a:t>06/11/2017</a:t>
             </a:fld>
             <a:endParaRPr lang="pt-PT"/>
           </a:p>
@@ -1009,7 +1009,7 @@
           <a:p>
             <a:fld id="{2680F75E-BF8A-4352-8DF2-5712531B63DB}" type="datetimeFigureOut">
               <a:rPr lang="pt-PT" smtClean="0"/>
-              <a:t>27/10/2017</a:t>
+              <a:t>06/11/2017</a:t>
             </a:fld>
             <a:endParaRPr lang="pt-PT"/>
           </a:p>
@@ -1241,7 +1241,7 @@
           <a:p>
             <a:fld id="{2680F75E-BF8A-4352-8DF2-5712531B63DB}" type="datetimeFigureOut">
               <a:rPr lang="pt-PT" smtClean="0"/>
-              <a:t>27/10/2017</a:t>
+              <a:t>06/11/2017</a:t>
             </a:fld>
             <a:endParaRPr lang="pt-PT"/>
           </a:p>
@@ -1608,7 +1608,7 @@
           <a:p>
             <a:fld id="{2680F75E-BF8A-4352-8DF2-5712531B63DB}" type="datetimeFigureOut">
               <a:rPr lang="pt-PT" smtClean="0"/>
-              <a:t>27/10/2017</a:t>
+              <a:t>06/11/2017</a:t>
             </a:fld>
             <a:endParaRPr lang="pt-PT"/>
           </a:p>
@@ -1726,7 +1726,7 @@
           <a:p>
             <a:fld id="{2680F75E-BF8A-4352-8DF2-5712531B63DB}" type="datetimeFigureOut">
               <a:rPr lang="pt-PT" smtClean="0"/>
-              <a:t>27/10/2017</a:t>
+              <a:t>06/11/2017</a:t>
             </a:fld>
             <a:endParaRPr lang="pt-PT"/>
           </a:p>
@@ -1821,7 +1821,7 @@
           <a:p>
             <a:fld id="{2680F75E-BF8A-4352-8DF2-5712531B63DB}" type="datetimeFigureOut">
               <a:rPr lang="pt-PT" smtClean="0"/>
-              <a:t>27/10/2017</a:t>
+              <a:t>06/11/2017</a:t>
             </a:fld>
             <a:endParaRPr lang="pt-PT"/>
           </a:p>
@@ -2098,7 +2098,7 @@
           <a:p>
             <a:fld id="{2680F75E-BF8A-4352-8DF2-5712531B63DB}" type="datetimeFigureOut">
               <a:rPr lang="pt-PT" smtClean="0"/>
-              <a:t>27/10/2017</a:t>
+              <a:t>06/11/2017</a:t>
             </a:fld>
             <a:endParaRPr lang="pt-PT"/>
           </a:p>
@@ -2351,7 +2351,7 @@
           <a:p>
             <a:fld id="{2680F75E-BF8A-4352-8DF2-5712531B63DB}" type="datetimeFigureOut">
               <a:rPr lang="pt-PT" smtClean="0"/>
-              <a:t>27/10/2017</a:t>
+              <a:t>06/11/2017</a:t>
             </a:fld>
             <a:endParaRPr lang="pt-PT"/>
           </a:p>
@@ -2564,7 +2564,7 @@
           <a:p>
             <a:fld id="{2680F75E-BF8A-4352-8DF2-5712531B63DB}" type="datetimeFigureOut">
               <a:rPr lang="pt-PT" smtClean="0"/>
-              <a:t>27/10/2017</a:t>
+              <a:t>06/11/2017</a:t>
             </a:fld>
             <a:endParaRPr lang="pt-PT"/>
           </a:p>
@@ -2969,2014 +2969,2229 @@
           <a:chExt cx="0" cy="0"/>
         </a:xfrm>
       </p:grpSpPr>
-      <p:sp>
-        <p:nvSpPr>
-          <p:cNvPr id="155" name="Rounded Rectangle 154"/>
-          <p:cNvSpPr/>
+      <p:grpSp>
+        <p:nvGrpSpPr>
+          <p:cNvPr id="14" name="Group 13"/>
+          <p:cNvGrpSpPr/>
           <p:nvPr/>
-        </p:nvSpPr>
-        <p:spPr>
+        </p:nvGrpSpPr>
+        <p:grpSpPr>
           <a:xfrm>
-            <a:off x="6268025" y="772786"/>
-            <a:ext cx="1808634" cy="1162203"/>
+            <a:off x="1854789" y="157055"/>
+            <a:ext cx="8726325" cy="6510773"/>
+            <a:chOff x="1792645" y="210321"/>
+            <a:chExt cx="8726325" cy="6510773"/>
           </a:xfrm>
-          <a:prstGeom prst="roundRect">
-            <a:avLst/>
-          </a:prstGeom>
-          <a:ln w="19050"/>
-        </p:spPr>
-        <p:style>
-          <a:lnRef idx="2">
-            <a:schemeClr val="dk1"/>
-          </a:lnRef>
-          <a:fillRef idx="1">
-            <a:schemeClr val="lt1"/>
-          </a:fillRef>
-          <a:effectRef idx="0">
-            <a:schemeClr val="dk1"/>
-          </a:effectRef>
-          <a:fontRef idx="minor">
-            <a:schemeClr val="dk1"/>
-          </a:fontRef>
-        </p:style>
-        <p:txBody>
-          <a:bodyPr rtlCol="0" anchor="ctr"/>
-          <a:lstStyle/>
-          <a:p>
-            <a:pPr algn="ctr"/>
-            <a:r>
-              <a:rPr lang="en-US" b="1" dirty="0">
-                <a:latin typeface="+mj-lt"/>
-              </a:rPr>
-              <a:t>Discrete to</a:t>
-            </a:r>
-          </a:p>
-          <a:p>
-            <a:pPr algn="ctr"/>
-            <a:r>
-              <a:rPr lang="en-US" b="1" dirty="0">
-                <a:latin typeface="+mj-lt"/>
-              </a:rPr>
-              <a:t>Continuous</a:t>
-            </a:r>
-          </a:p>
-          <a:p>
-            <a:pPr algn="ctr"/>
-            <a:r>
-              <a:rPr lang="en-US" b="1" dirty="0" smtClean="0">
-                <a:latin typeface="+mj-lt"/>
-              </a:rPr>
-              <a:t>Time</a:t>
-            </a:r>
-            <a:endParaRPr lang="en-US" b="1" dirty="0">
-              <a:latin typeface="+mj-lt"/>
-            </a:endParaRPr>
-          </a:p>
-        </p:txBody>
-      </p:sp>
-      <p:sp>
-        <p:nvSpPr>
-          <p:cNvPr id="169" name="Rounded Rectangle 168"/>
-          <p:cNvSpPr/>
-          <p:nvPr/>
-        </p:nvSpPr>
-        <p:spPr>
-          <a:xfrm>
-            <a:off x="8678783" y="772785"/>
-            <a:ext cx="1808634" cy="1162203"/>
-          </a:xfrm>
-          <a:prstGeom prst="roundRect">
-            <a:avLst/>
-          </a:prstGeom>
-          <a:ln w="19050"/>
-        </p:spPr>
-        <p:style>
-          <a:lnRef idx="2">
-            <a:schemeClr val="dk1"/>
-          </a:lnRef>
-          <a:fillRef idx="1">
-            <a:schemeClr val="lt1"/>
-          </a:fillRef>
-          <a:effectRef idx="0">
-            <a:schemeClr val="dk1"/>
-          </a:effectRef>
-          <a:fontRef idx="minor">
-            <a:schemeClr val="dk1"/>
-          </a:fontRef>
-        </p:style>
-        <p:txBody>
-          <a:bodyPr rtlCol="0" anchor="ctr"/>
-          <a:lstStyle/>
-          <a:p>
-            <a:pPr algn="ctr"/>
-            <a:r>
-              <a:rPr lang="en-US" b="1" dirty="0">
-                <a:latin typeface="+mj-lt"/>
-              </a:rPr>
-              <a:t>Pulse Shaping </a:t>
-            </a:r>
-            <a:r>
-              <a:rPr lang="en-US" b="1" dirty="0" smtClean="0">
-                <a:latin typeface="+mj-lt"/>
-              </a:rPr>
-              <a:t>Filter</a:t>
-            </a:r>
-            <a:endParaRPr lang="en-US" b="1" dirty="0">
-              <a:latin typeface="+mj-lt"/>
-            </a:endParaRPr>
-          </a:p>
-        </p:txBody>
-      </p:sp>
-      <p:sp>
-        <p:nvSpPr>
-          <p:cNvPr id="172" name="Rounded Rectangle 171"/>
-          <p:cNvSpPr/>
-          <p:nvPr/>
-        </p:nvSpPr>
-        <p:spPr>
-          <a:xfrm>
-            <a:off x="1451077" y="3279566"/>
-            <a:ext cx="1808634" cy="1162205"/>
-          </a:xfrm>
-          <a:prstGeom prst="roundRect">
-            <a:avLst/>
-          </a:prstGeom>
-          <a:ln w="19050"/>
-        </p:spPr>
-        <p:style>
-          <a:lnRef idx="2">
-            <a:schemeClr val="dk1"/>
-          </a:lnRef>
-          <a:fillRef idx="1">
-            <a:schemeClr val="lt1"/>
-          </a:fillRef>
-          <a:effectRef idx="0">
-            <a:schemeClr val="dk1"/>
-          </a:effectRef>
-          <a:fontRef idx="minor">
-            <a:schemeClr val="dk1"/>
-          </a:fontRef>
-        </p:style>
-        <p:txBody>
-          <a:bodyPr rtlCol="0" anchor="ctr"/>
-          <a:lstStyle/>
-          <a:p>
-            <a:pPr algn="ctr"/>
-            <a:r>
-              <a:rPr lang="en-US" b="1" dirty="0" smtClean="0">
-                <a:latin typeface="+mj-lt"/>
-              </a:rPr>
-              <a:t>Mixer</a:t>
-            </a:r>
-            <a:endParaRPr lang="en-US" b="1" dirty="0">
-              <a:latin typeface="+mj-lt"/>
-            </a:endParaRPr>
-          </a:p>
-        </p:txBody>
-      </p:sp>
-      <p:sp>
-        <p:nvSpPr>
-          <p:cNvPr id="173" name="Rounded Rectangle 172"/>
-          <p:cNvSpPr/>
-          <p:nvPr/>
-        </p:nvSpPr>
-        <p:spPr>
-          <a:xfrm>
-            <a:off x="1446414" y="5521935"/>
-            <a:ext cx="1808634" cy="1162203"/>
-          </a:xfrm>
-          <a:prstGeom prst="roundRect">
-            <a:avLst/>
-          </a:prstGeom>
-          <a:ln w="19050"/>
-        </p:spPr>
-        <p:style>
-          <a:lnRef idx="2">
-            <a:schemeClr val="dk1"/>
-          </a:lnRef>
-          <a:fillRef idx="1">
-            <a:schemeClr val="lt1"/>
-          </a:fillRef>
-          <a:effectRef idx="0">
-            <a:schemeClr val="dk1"/>
-          </a:effectRef>
-          <a:fontRef idx="minor">
-            <a:schemeClr val="dk1"/>
-          </a:fontRef>
-        </p:style>
-        <p:txBody>
-          <a:bodyPr rtlCol="0" anchor="ctr"/>
-          <a:lstStyle/>
-          <a:p>
-            <a:pPr algn="ctr"/>
-            <a:r>
-              <a:rPr lang="en-US" b="1" dirty="0" smtClean="0">
-                <a:latin typeface="+mj-lt"/>
-              </a:rPr>
-              <a:t>Oscillator</a:t>
-            </a:r>
-            <a:endParaRPr lang="en-US" b="1" dirty="0">
-              <a:latin typeface="+mj-lt"/>
-            </a:endParaRPr>
-          </a:p>
-        </p:txBody>
-      </p:sp>
-      <p:sp>
-        <p:nvSpPr>
-          <p:cNvPr id="177" name="Rounded Rectangle 176"/>
-          <p:cNvSpPr/>
-          <p:nvPr/>
-        </p:nvSpPr>
-        <p:spPr>
-          <a:xfrm>
-            <a:off x="3857204" y="772785"/>
-            <a:ext cx="1808634" cy="1162203"/>
-          </a:xfrm>
-          <a:prstGeom prst="roundRect">
-            <a:avLst/>
-          </a:prstGeom>
-          <a:ln w="19050"/>
-        </p:spPr>
-        <p:style>
-          <a:lnRef idx="2">
-            <a:schemeClr val="dk1"/>
-          </a:lnRef>
-          <a:fillRef idx="1">
-            <a:schemeClr val="lt1"/>
-          </a:fillRef>
-          <a:effectRef idx="0">
-            <a:schemeClr val="dk1"/>
-          </a:effectRef>
-          <a:fontRef idx="minor">
-            <a:schemeClr val="dk1"/>
-          </a:fontRef>
-        </p:style>
-        <p:txBody>
-          <a:bodyPr rtlCol="0" anchor="ctr"/>
-          <a:lstStyle/>
-          <a:p>
-            <a:pPr algn="ctr"/>
-            <a:r>
-              <a:rPr lang="en-US" b="1" dirty="0" smtClean="0">
-                <a:latin typeface="+mj-lt"/>
-              </a:rPr>
-              <a:t>MPAM Mapping</a:t>
-            </a:r>
-            <a:endParaRPr lang="en-US" b="1" dirty="0">
-              <a:latin typeface="+mj-lt"/>
-            </a:endParaRPr>
-          </a:p>
-        </p:txBody>
-      </p:sp>
-      <p:sp>
-        <p:nvSpPr>
-          <p:cNvPr id="178" name="Rounded Rectangle 177"/>
-          <p:cNvSpPr/>
-          <p:nvPr/>
-        </p:nvSpPr>
-        <p:spPr>
-          <a:xfrm>
-            <a:off x="1446414" y="772785"/>
-            <a:ext cx="1808634" cy="1162203"/>
-          </a:xfrm>
-          <a:prstGeom prst="roundRect">
-            <a:avLst/>
-          </a:prstGeom>
-          <a:ln w="19050"/>
-        </p:spPr>
-        <p:style>
-          <a:lnRef idx="2">
-            <a:schemeClr val="dk1"/>
-          </a:lnRef>
-          <a:fillRef idx="1">
-            <a:schemeClr val="lt1"/>
-          </a:fillRef>
-          <a:effectRef idx="0">
-            <a:schemeClr val="dk1"/>
-          </a:effectRef>
-          <a:fontRef idx="minor">
-            <a:schemeClr val="dk1"/>
-          </a:fontRef>
-        </p:style>
-        <p:txBody>
-          <a:bodyPr rtlCol="0" anchor="ctr"/>
-          <a:lstStyle/>
-          <a:p>
-            <a:pPr algn="ctr"/>
-            <a:r>
-              <a:rPr lang="en-US" b="1" dirty="0" smtClean="0">
-                <a:latin typeface="+mj-lt"/>
-              </a:rPr>
-              <a:t>Binary Sequence</a:t>
-            </a:r>
-            <a:endParaRPr lang="en-US" b="1" dirty="0">
-              <a:latin typeface="+mj-lt"/>
-            </a:endParaRPr>
-          </a:p>
-        </p:txBody>
-      </p:sp>
-      <p:cxnSp>
-        <p:nvCxnSpPr>
-          <p:cNvPr id="159" name="Straight Arrow Connector 158"/>
-          <p:cNvCxnSpPr>
-            <a:stCxn id="178" idx="3"/>
-            <a:endCxn id="177" idx="1"/>
-          </p:cNvCxnSpPr>
-          <p:nvPr/>
-        </p:nvCxnSpPr>
-        <p:spPr>
-          <a:xfrm>
-            <a:off x="3255048" y="1353887"/>
-            <a:ext cx="602156" cy="0"/>
-          </a:xfrm>
-          <a:prstGeom prst="straightConnector1">
-            <a:avLst/>
-          </a:prstGeom>
-          <a:ln w="19050">
-            <a:tailEnd type="triangle"/>
-          </a:ln>
-        </p:spPr>
-        <p:style>
-          <a:lnRef idx="1">
-            <a:schemeClr val="dk1"/>
-          </a:lnRef>
-          <a:fillRef idx="0">
-            <a:schemeClr val="dk1"/>
-          </a:fillRef>
-          <a:effectRef idx="0">
-            <a:schemeClr val="dk1"/>
-          </a:effectRef>
-          <a:fontRef idx="minor">
-            <a:schemeClr val="tx1"/>
-          </a:fontRef>
-        </p:style>
-      </p:cxnSp>
-      <p:cxnSp>
-        <p:nvCxnSpPr>
-          <p:cNvPr id="184" name="Straight Arrow Connector 183"/>
-          <p:cNvCxnSpPr>
-            <a:stCxn id="177" idx="3"/>
-            <a:endCxn id="155" idx="1"/>
-          </p:cNvCxnSpPr>
-          <p:nvPr/>
-        </p:nvCxnSpPr>
-        <p:spPr>
-          <a:xfrm>
-            <a:off x="5665839" y="1353887"/>
-            <a:ext cx="602186" cy="1"/>
-          </a:xfrm>
-          <a:prstGeom prst="straightConnector1">
-            <a:avLst/>
-          </a:prstGeom>
-          <a:ln w="19050">
-            <a:tailEnd type="triangle"/>
-          </a:ln>
-        </p:spPr>
-        <p:style>
-          <a:lnRef idx="1">
-            <a:schemeClr val="dk1"/>
-          </a:lnRef>
-          <a:fillRef idx="0">
-            <a:schemeClr val="dk1"/>
-          </a:fillRef>
-          <a:effectRef idx="0">
-            <a:schemeClr val="dk1"/>
-          </a:effectRef>
-          <a:fontRef idx="minor">
-            <a:schemeClr val="tx1"/>
-          </a:fontRef>
-        </p:style>
-      </p:cxnSp>
-      <p:cxnSp>
-        <p:nvCxnSpPr>
-          <p:cNvPr id="185" name="Straight Arrow Connector 184"/>
-          <p:cNvCxnSpPr>
-            <a:stCxn id="155" idx="3"/>
-            <a:endCxn id="169" idx="1"/>
-          </p:cNvCxnSpPr>
-          <p:nvPr/>
-        </p:nvCxnSpPr>
-        <p:spPr>
-          <a:xfrm flipV="1">
-            <a:off x="8076659" y="1353887"/>
-            <a:ext cx="602124" cy="1"/>
-          </a:xfrm>
-          <a:prstGeom prst="straightConnector1">
-            <a:avLst/>
-          </a:prstGeom>
-          <a:ln w="19050">
-            <a:tailEnd type="triangle"/>
-          </a:ln>
-        </p:spPr>
-        <p:style>
-          <a:lnRef idx="1">
-            <a:schemeClr val="dk1"/>
-          </a:lnRef>
-          <a:fillRef idx="0">
-            <a:schemeClr val="dk1"/>
-          </a:fillRef>
-          <a:effectRef idx="0">
-            <a:schemeClr val="dk1"/>
-          </a:effectRef>
-          <a:fontRef idx="minor">
-            <a:schemeClr val="tx1"/>
-          </a:fontRef>
-        </p:style>
-      </p:cxnSp>
-      <p:cxnSp>
-        <p:nvCxnSpPr>
-          <p:cNvPr id="199" name="Straight Arrow Connector 198"/>
-          <p:cNvCxnSpPr>
-            <a:stCxn id="173" idx="0"/>
-            <a:endCxn id="172" idx="2"/>
-          </p:cNvCxnSpPr>
-          <p:nvPr/>
-        </p:nvCxnSpPr>
-        <p:spPr>
-          <a:xfrm flipV="1">
-            <a:off x="2350731" y="4441771"/>
-            <a:ext cx="4663" cy="1080164"/>
-          </a:xfrm>
-          <a:prstGeom prst="straightConnector1">
-            <a:avLst/>
-          </a:prstGeom>
-          <a:ln w="19050">
-            <a:tailEnd type="triangle"/>
-          </a:ln>
-        </p:spPr>
-        <p:style>
-          <a:lnRef idx="1">
-            <a:schemeClr val="dk1"/>
-          </a:lnRef>
-          <a:fillRef idx="0">
-            <a:schemeClr val="dk1"/>
-          </a:fillRef>
-          <a:effectRef idx="0">
-            <a:schemeClr val="dk1"/>
-          </a:effectRef>
-          <a:fontRef idx="minor">
-            <a:schemeClr val="tx1"/>
-          </a:fontRef>
-        </p:style>
-      </p:cxnSp>
-      <mc:AlternateContent xmlns:mc="http://schemas.openxmlformats.org/markup-compatibility/2006" xmlns:a14="http://schemas.microsoft.com/office/drawing/2010/main">
-        <mc:Choice Requires="a14">
+        </p:grpSpPr>
+        <p:grpSp>
+          <p:nvGrpSpPr>
+            <p:cNvPr id="2" name="Group 1"/>
+            <p:cNvGrpSpPr/>
+            <p:nvPr/>
+          </p:nvGrpSpPr>
+          <p:grpSpPr>
+            <a:xfrm>
+              <a:off x="1792645" y="1615736"/>
+              <a:ext cx="8726325" cy="5105358"/>
+              <a:chOff x="1446414" y="772785"/>
+              <a:chExt cx="9470280" cy="5912798"/>
+            </a:xfrm>
+          </p:grpSpPr>
           <p:sp>
             <p:nvSpPr>
-              <p:cNvPr id="234" name="TextBox 233"/>
-              <p:cNvSpPr txBox="1"/>
+              <p:cNvPr id="155" name="Rounded Rectangle 154"/>
+              <p:cNvSpPr/>
               <p:nvPr/>
             </p:nvSpPr>
             <p:spPr>
               <a:xfrm>
-                <a:off x="3410929" y="1055402"/>
-                <a:ext cx="283667" cy="276999"/>
+                <a:off x="6268025" y="772786"/>
+                <a:ext cx="1808634" cy="1162203"/>
               </a:xfrm>
-              <a:prstGeom prst="rect">
+              <a:prstGeom prst="roundRect">
                 <a:avLst/>
               </a:prstGeom>
-              <a:noFill/>
+              <a:ln w="19050"/>
             </p:spPr>
+            <p:style>
+              <a:lnRef idx="2">
+                <a:schemeClr val="dk1"/>
+              </a:lnRef>
+              <a:fillRef idx="1">
+                <a:schemeClr val="lt1"/>
+              </a:fillRef>
+              <a:effectRef idx="0">
+                <a:schemeClr val="dk1"/>
+              </a:effectRef>
+              <a:fontRef idx="minor">
+                <a:schemeClr val="dk1"/>
+              </a:fontRef>
+            </p:style>
             <p:txBody>
-              <a:bodyPr wrap="none" lIns="0" tIns="0" rIns="0" bIns="0" rtlCol="0">
-                <a:spAutoFit/>
-              </a:bodyPr>
+              <a:bodyPr rtlCol="0" anchor="ctr"/>
               <a:lstStyle/>
               <a:p>
-                <a:pPr/>
-                <a14:m>
-                  <m:oMathPara xmlns:m="http://schemas.openxmlformats.org/officeDocument/2006/math">
-                    <m:oMathParaPr>
-                      <m:jc m:val="centerGroup"/>
-                    </m:oMathParaPr>
-                    <m:oMath xmlns:m="http://schemas.openxmlformats.org/officeDocument/2006/math">
-                      <m:sSub>
-                        <m:sSubPr>
-                          <m:ctrlPr>
-                            <a:rPr lang="en-US" b="1" i="1" smtClean="0">
-                              <a:latin typeface="Cambria Math" panose="02040503050406030204" pitchFamily="18" charset="0"/>
-                            </a:rPr>
-                          </m:ctrlPr>
-                        </m:sSubPr>
-                        <m:e>
-                          <m:r>
-                            <a:rPr lang="en-US" b="1" i="0" smtClean="0">
-                              <a:latin typeface="Cambria Math" panose="02040503050406030204" pitchFamily="18" charset="0"/>
-                            </a:rPr>
-                            <m:t>𝐒</m:t>
-                          </m:r>
-                        </m:e>
-                        <m:sub>
-                          <m:r>
-                            <a:rPr lang="en-US" b="1" i="0" smtClean="0">
-                              <a:latin typeface="Cambria Math" panose="02040503050406030204" pitchFamily="18" charset="0"/>
-                            </a:rPr>
-                            <m:t>𝟏</m:t>
-                          </m:r>
-                        </m:sub>
-                      </m:sSub>
-                    </m:oMath>
-                  </m:oMathPara>
-                </a14:m>
+                <a:pPr algn="ctr"/>
+                <a:r>
+                  <a:rPr lang="en-US" b="1" dirty="0">
+                    <a:latin typeface="+mj-lt"/>
+                  </a:rPr>
+                  <a:t>Discrete to</a:t>
+                </a:r>
+              </a:p>
+              <a:p>
+                <a:pPr algn="ctr"/>
+                <a:r>
+                  <a:rPr lang="en-US" b="1" dirty="0">
+                    <a:latin typeface="+mj-lt"/>
+                  </a:rPr>
+                  <a:t>Continuous</a:t>
+                </a:r>
+              </a:p>
+              <a:p>
+                <a:pPr algn="ctr"/>
+                <a:r>
+                  <a:rPr lang="en-US" b="1" dirty="0" smtClean="0">
+                    <a:latin typeface="+mj-lt"/>
+                  </a:rPr>
+                  <a:t>Time</a:t>
+                </a:r>
                 <a:endParaRPr lang="en-US" b="1" dirty="0">
                   <a:latin typeface="+mj-lt"/>
                 </a:endParaRPr>
               </a:p>
             </p:txBody>
           </p:sp>
-        </mc:Choice>
-        <mc:Fallback xmlns="">
           <p:sp>
             <p:nvSpPr>
-              <p:cNvPr id="234" name="TextBox 233"/>
-              <p:cNvSpPr txBox="1">
-                <a:spLocks noRot="1" noChangeAspect="1" noMove="1" noResize="1" noEditPoints="1" noAdjustHandles="1" noChangeArrowheads="1" noChangeShapeType="1" noTextEdit="1"/>
-              </p:cNvSpPr>
+              <p:cNvPr id="169" name="Rounded Rectangle 168"/>
+              <p:cNvSpPr/>
               <p:nvPr/>
             </p:nvSpPr>
             <p:spPr>
               <a:xfrm>
-                <a:off x="3410929" y="1055402"/>
-                <a:ext cx="283667" cy="276999"/>
+                <a:off x="8678783" y="772785"/>
+                <a:ext cx="1808634" cy="1162203"/>
               </a:xfrm>
-              <a:prstGeom prst="rect">
+              <a:prstGeom prst="roundRect">
                 <a:avLst/>
               </a:prstGeom>
-              <a:blipFill>
-                <a:blip r:embed="rId2"/>
-                <a:stretch>
-                  <a:fillRect l="-21739" r="-10870" b="-15217"/>
-                </a:stretch>
-              </a:blipFill>
+              <a:ln w="19050"/>
             </p:spPr>
+            <p:style>
+              <a:lnRef idx="2">
+                <a:schemeClr val="dk1"/>
+              </a:lnRef>
+              <a:fillRef idx="1">
+                <a:schemeClr val="lt1"/>
+              </a:fillRef>
+              <a:effectRef idx="0">
+                <a:schemeClr val="dk1"/>
+              </a:effectRef>
+              <a:fontRef idx="minor">
+                <a:schemeClr val="dk1"/>
+              </a:fontRef>
+            </p:style>
             <p:txBody>
-              <a:bodyPr/>
+              <a:bodyPr rtlCol="0" anchor="ctr"/>
               <a:lstStyle/>
               <a:p>
+                <a:pPr algn="ctr"/>
                 <a:r>
-                  <a:rPr lang="en-US">
-                    <a:noFill/>
+                  <a:rPr lang="en-US" b="1" dirty="0">
+                    <a:latin typeface="+mj-lt"/>
                   </a:rPr>
-                  <a:t> </a:t>
+                  <a:t>Pulse Shaping </a:t>
                 </a:r>
-              </a:p>
-            </p:txBody>
-          </p:sp>
-        </mc:Fallback>
-      </mc:AlternateContent>
-      <mc:AlternateContent xmlns:mc="http://schemas.openxmlformats.org/markup-compatibility/2006" xmlns:a14="http://schemas.microsoft.com/office/drawing/2010/main">
-        <mc:Choice Requires="a14">
-          <p:sp>
-            <p:nvSpPr>
-              <p:cNvPr id="235" name="TextBox 234"/>
-              <p:cNvSpPr txBox="1"/>
-              <p:nvPr/>
-            </p:nvSpPr>
-            <p:spPr>
-              <a:xfrm>
-                <a:off x="5825066" y="1055401"/>
-                <a:ext cx="283667" cy="276999"/>
-              </a:xfrm>
-              <a:prstGeom prst="rect">
-                <a:avLst/>
-              </a:prstGeom>
-              <a:noFill/>
-            </p:spPr>
-            <p:txBody>
-              <a:bodyPr wrap="none" lIns="0" tIns="0" rIns="0" bIns="0" rtlCol="0">
-                <a:spAutoFit/>
-              </a:bodyPr>
-              <a:lstStyle/>
-              <a:p>
-                <a:pPr/>
-                <a14:m>
-                  <m:oMathPara xmlns:m="http://schemas.openxmlformats.org/officeDocument/2006/math">
-                    <m:oMathParaPr>
-                      <m:jc m:val="centerGroup"/>
-                    </m:oMathParaPr>
-                    <m:oMath xmlns:m="http://schemas.openxmlformats.org/officeDocument/2006/math">
-                      <m:sSub>
-                        <m:sSubPr>
-                          <m:ctrlPr>
-                            <a:rPr lang="en-US" b="1" i="1" smtClean="0">
-                              <a:latin typeface="Cambria Math" panose="02040503050406030204" pitchFamily="18" charset="0"/>
-                            </a:rPr>
-                          </m:ctrlPr>
-                        </m:sSubPr>
-                        <m:e>
-                          <m:r>
-                            <a:rPr lang="en-US" b="1" i="0" smtClean="0">
-                              <a:latin typeface="Cambria Math" panose="02040503050406030204" pitchFamily="18" charset="0"/>
-                            </a:rPr>
-                            <m:t>𝐒</m:t>
-                          </m:r>
-                        </m:e>
-                        <m:sub>
-                          <m:r>
-                            <a:rPr lang="en-US" b="1" i="0" smtClean="0">
-                              <a:latin typeface="Cambria Math" panose="02040503050406030204" pitchFamily="18" charset="0"/>
-                            </a:rPr>
-                            <m:t>𝟐</m:t>
-                          </m:r>
-                        </m:sub>
-                      </m:sSub>
-                    </m:oMath>
-                  </m:oMathPara>
-                </a14:m>
+                <a:r>
+                  <a:rPr lang="en-US" b="1" dirty="0" smtClean="0">
+                    <a:latin typeface="+mj-lt"/>
+                  </a:rPr>
+                  <a:t>Filter</a:t>
+                </a:r>
                 <a:endParaRPr lang="en-US" b="1" dirty="0">
                   <a:latin typeface="+mj-lt"/>
                 </a:endParaRPr>
               </a:p>
             </p:txBody>
           </p:sp>
-        </mc:Choice>
-        <mc:Fallback xmlns="">
           <p:sp>
             <p:nvSpPr>
-              <p:cNvPr id="235" name="TextBox 234"/>
-              <p:cNvSpPr txBox="1">
-                <a:spLocks noRot="1" noChangeAspect="1" noMove="1" noResize="1" noEditPoints="1" noAdjustHandles="1" noChangeArrowheads="1" noChangeShapeType="1" noTextEdit="1"/>
-              </p:cNvSpPr>
+              <p:cNvPr id="172" name="Rounded Rectangle 171"/>
+              <p:cNvSpPr/>
               <p:nvPr/>
             </p:nvSpPr>
             <p:spPr>
               <a:xfrm>
-                <a:off x="5825066" y="1055401"/>
-                <a:ext cx="283667" cy="276999"/>
+                <a:off x="1451077" y="3279566"/>
+                <a:ext cx="1808634" cy="1162205"/>
               </a:xfrm>
-              <a:prstGeom prst="rect">
+              <a:prstGeom prst="roundRect">
                 <a:avLst/>
               </a:prstGeom>
-              <a:blipFill>
-                <a:blip r:embed="rId3"/>
-                <a:stretch>
-                  <a:fillRect l="-21739" r="-10870" b="-15217"/>
-                </a:stretch>
-              </a:blipFill>
+              <a:ln w="19050"/>
             </p:spPr>
+            <p:style>
+              <a:lnRef idx="2">
+                <a:schemeClr val="dk1"/>
+              </a:lnRef>
+              <a:fillRef idx="1">
+                <a:schemeClr val="lt1"/>
+              </a:fillRef>
+              <a:effectRef idx="0">
+                <a:schemeClr val="dk1"/>
+              </a:effectRef>
+              <a:fontRef idx="minor">
+                <a:schemeClr val="dk1"/>
+              </a:fontRef>
+            </p:style>
             <p:txBody>
-              <a:bodyPr/>
+              <a:bodyPr rtlCol="0" anchor="ctr"/>
               <a:lstStyle/>
               <a:p>
+                <a:pPr algn="ctr"/>
                 <a:r>
-                  <a:rPr lang="en-US">
-                    <a:noFill/>
+                  <a:rPr lang="en-US" b="1" dirty="0" smtClean="0">
+                    <a:latin typeface="+mj-lt"/>
                   </a:rPr>
-                  <a:t> </a:t>
+                  <a:t>Mixer</a:t>
                 </a:r>
-              </a:p>
-            </p:txBody>
-          </p:sp>
-        </mc:Fallback>
-      </mc:AlternateContent>
-      <mc:AlternateContent xmlns:mc="http://schemas.openxmlformats.org/markup-compatibility/2006" xmlns:a14="http://schemas.microsoft.com/office/drawing/2010/main">
-        <mc:Choice Requires="a14">
-          <p:sp>
-            <p:nvSpPr>
-              <p:cNvPr id="236" name="TextBox 235"/>
-              <p:cNvSpPr txBox="1"/>
-              <p:nvPr/>
-            </p:nvSpPr>
-            <p:spPr>
-              <a:xfrm>
-                <a:off x="8232540" y="1055401"/>
-                <a:ext cx="283667" cy="276999"/>
-              </a:xfrm>
-              <a:prstGeom prst="rect">
-                <a:avLst/>
-              </a:prstGeom>
-              <a:noFill/>
-            </p:spPr>
-            <p:txBody>
-              <a:bodyPr wrap="none" lIns="0" tIns="0" rIns="0" bIns="0" rtlCol="0">
-                <a:spAutoFit/>
-              </a:bodyPr>
-              <a:lstStyle/>
-              <a:p>
-                <a:pPr/>
-                <a14:m>
-                  <m:oMathPara xmlns:m="http://schemas.openxmlformats.org/officeDocument/2006/math">
-                    <m:oMathParaPr>
-                      <m:jc m:val="centerGroup"/>
-                    </m:oMathParaPr>
-                    <m:oMath xmlns:m="http://schemas.openxmlformats.org/officeDocument/2006/math">
-                      <m:sSub>
-                        <m:sSubPr>
-                          <m:ctrlPr>
-                            <a:rPr lang="en-US" b="1" i="1" smtClean="0">
-                              <a:latin typeface="Cambria Math" panose="02040503050406030204" pitchFamily="18" charset="0"/>
-                            </a:rPr>
-                          </m:ctrlPr>
-                        </m:sSubPr>
-                        <m:e>
-                          <m:r>
-                            <a:rPr lang="en-US" b="1" i="0" smtClean="0">
-                              <a:latin typeface="Cambria Math" panose="02040503050406030204" pitchFamily="18" charset="0"/>
-                            </a:rPr>
-                            <m:t>𝐒</m:t>
-                          </m:r>
-                        </m:e>
-                        <m:sub>
-                          <m:r>
-                            <a:rPr lang="en-US" b="1" i="0" smtClean="0">
-                              <a:latin typeface="Cambria Math" panose="02040503050406030204" pitchFamily="18" charset="0"/>
-                            </a:rPr>
-                            <m:t>𝟑</m:t>
-                          </m:r>
-                        </m:sub>
-                      </m:sSub>
-                    </m:oMath>
-                  </m:oMathPara>
-                </a14:m>
                 <a:endParaRPr lang="en-US" b="1" dirty="0">
                   <a:latin typeface="+mj-lt"/>
                 </a:endParaRPr>
               </a:p>
             </p:txBody>
           </p:sp>
-        </mc:Choice>
-        <mc:Fallback xmlns="">
           <p:sp>
             <p:nvSpPr>
-              <p:cNvPr id="236" name="TextBox 235"/>
-              <p:cNvSpPr txBox="1">
-                <a:spLocks noRot="1" noChangeAspect="1" noMove="1" noResize="1" noEditPoints="1" noAdjustHandles="1" noChangeArrowheads="1" noChangeShapeType="1" noTextEdit="1"/>
-              </p:cNvSpPr>
+              <p:cNvPr id="173" name="Rounded Rectangle 172"/>
+              <p:cNvSpPr/>
               <p:nvPr/>
             </p:nvSpPr>
             <p:spPr>
               <a:xfrm>
-                <a:off x="8232540" y="1055401"/>
-                <a:ext cx="283667" cy="276999"/>
+                <a:off x="1446414" y="5521935"/>
+                <a:ext cx="1808634" cy="1162203"/>
               </a:xfrm>
-              <a:prstGeom prst="rect">
+              <a:prstGeom prst="roundRect">
                 <a:avLst/>
               </a:prstGeom>
-              <a:blipFill>
-                <a:blip r:embed="rId4"/>
-                <a:stretch>
-                  <a:fillRect l="-19149" r="-8511" b="-15217"/>
-                </a:stretch>
-              </a:blipFill>
+              <a:ln w="19050"/>
             </p:spPr>
+            <p:style>
+              <a:lnRef idx="2">
+                <a:schemeClr val="dk1"/>
+              </a:lnRef>
+              <a:fillRef idx="1">
+                <a:schemeClr val="lt1"/>
+              </a:fillRef>
+              <a:effectRef idx="0">
+                <a:schemeClr val="dk1"/>
+              </a:effectRef>
+              <a:fontRef idx="minor">
+                <a:schemeClr val="dk1"/>
+              </a:fontRef>
+            </p:style>
             <p:txBody>
-              <a:bodyPr/>
+              <a:bodyPr rtlCol="0" anchor="ctr"/>
               <a:lstStyle/>
               <a:p>
+                <a:pPr algn="ctr"/>
                 <a:r>
-                  <a:rPr lang="en-US">
-                    <a:noFill/>
+                  <a:rPr lang="en-US" b="1" dirty="0" smtClean="0">
+                    <a:latin typeface="+mj-lt"/>
                   </a:rPr>
-                  <a:t> </a:t>
+                  <a:t>Oscillator</a:t>
                 </a:r>
-              </a:p>
-            </p:txBody>
-          </p:sp>
-        </mc:Fallback>
-      </mc:AlternateContent>
-      <mc:AlternateContent xmlns:mc="http://schemas.openxmlformats.org/markup-compatibility/2006" xmlns:a14="http://schemas.microsoft.com/office/drawing/2010/main">
-        <mc:Choice Requires="a14">
-          <p:sp>
-            <p:nvSpPr>
-              <p:cNvPr id="237" name="TextBox 236"/>
-              <p:cNvSpPr txBox="1"/>
-              <p:nvPr/>
-            </p:nvSpPr>
-            <p:spPr>
-              <a:xfrm>
-                <a:off x="10576382" y="1055401"/>
-                <a:ext cx="283667" cy="276999"/>
-              </a:xfrm>
-              <a:prstGeom prst="rect">
-                <a:avLst/>
-              </a:prstGeom>
-              <a:noFill/>
-            </p:spPr>
-            <p:txBody>
-              <a:bodyPr wrap="none" lIns="0" tIns="0" rIns="0" bIns="0" rtlCol="0">
-                <a:spAutoFit/>
-              </a:bodyPr>
-              <a:lstStyle/>
-              <a:p>
-                <a:pPr/>
-                <a14:m>
-                  <m:oMathPara xmlns:m="http://schemas.openxmlformats.org/officeDocument/2006/math">
-                    <m:oMathParaPr>
-                      <m:jc m:val="centerGroup"/>
-                    </m:oMathParaPr>
-                    <m:oMath xmlns:m="http://schemas.openxmlformats.org/officeDocument/2006/math">
-                      <m:sSub>
-                        <m:sSubPr>
-                          <m:ctrlPr>
-                            <a:rPr lang="en-US" b="1" i="1" smtClean="0">
-                              <a:latin typeface="Cambria Math" panose="02040503050406030204" pitchFamily="18" charset="0"/>
-                            </a:rPr>
-                          </m:ctrlPr>
-                        </m:sSubPr>
-                        <m:e>
-                          <m:r>
-                            <a:rPr lang="en-US" b="1" i="0" smtClean="0">
-                              <a:latin typeface="Cambria Math" panose="02040503050406030204" pitchFamily="18" charset="0"/>
-                            </a:rPr>
-                            <m:t>𝐒</m:t>
-                          </m:r>
-                        </m:e>
-                        <m:sub>
-                          <m:r>
-                            <a:rPr lang="en-US" b="1" i="0" smtClean="0">
-                              <a:latin typeface="Cambria Math" panose="02040503050406030204" pitchFamily="18" charset="0"/>
-                            </a:rPr>
-                            <m:t>𝟒</m:t>
-                          </m:r>
-                        </m:sub>
-                      </m:sSub>
-                    </m:oMath>
-                  </m:oMathPara>
-                </a14:m>
                 <a:endParaRPr lang="en-US" b="1" dirty="0">
                   <a:latin typeface="+mj-lt"/>
                 </a:endParaRPr>
               </a:p>
             </p:txBody>
           </p:sp>
-        </mc:Choice>
-        <mc:Fallback xmlns="">
           <p:sp>
             <p:nvSpPr>
-              <p:cNvPr id="237" name="TextBox 236"/>
-              <p:cNvSpPr txBox="1">
-                <a:spLocks noRot="1" noChangeAspect="1" noMove="1" noResize="1" noEditPoints="1" noAdjustHandles="1" noChangeArrowheads="1" noChangeShapeType="1" noTextEdit="1"/>
-              </p:cNvSpPr>
+              <p:cNvPr id="177" name="Rounded Rectangle 176"/>
+              <p:cNvSpPr/>
               <p:nvPr/>
             </p:nvSpPr>
             <p:spPr>
               <a:xfrm>
-                <a:off x="10576382" y="1055401"/>
-                <a:ext cx="283667" cy="276999"/>
+                <a:off x="3857204" y="772785"/>
+                <a:ext cx="1808634" cy="1162203"/>
               </a:xfrm>
-              <a:prstGeom prst="rect">
+              <a:prstGeom prst="roundRect">
                 <a:avLst/>
               </a:prstGeom>
-              <a:blipFill>
-                <a:blip r:embed="rId5"/>
-                <a:stretch>
-                  <a:fillRect l="-21277" r="-8511" b="-15217"/>
-                </a:stretch>
-              </a:blipFill>
+              <a:ln w="19050"/>
             </p:spPr>
+            <p:style>
+              <a:lnRef idx="2">
+                <a:schemeClr val="dk1"/>
+              </a:lnRef>
+              <a:fillRef idx="1">
+                <a:schemeClr val="lt1"/>
+              </a:fillRef>
+              <a:effectRef idx="0">
+                <a:schemeClr val="dk1"/>
+              </a:effectRef>
+              <a:fontRef idx="minor">
+                <a:schemeClr val="dk1"/>
+              </a:fontRef>
+            </p:style>
             <p:txBody>
-              <a:bodyPr/>
+              <a:bodyPr rtlCol="0" anchor="ctr"/>
               <a:lstStyle/>
               <a:p>
+                <a:pPr algn="ctr"/>
                 <a:r>
-                  <a:rPr lang="en-US">
-                    <a:noFill/>
+                  <a:rPr lang="en-US" b="1" dirty="0" smtClean="0">
+                    <a:latin typeface="+mj-lt"/>
                   </a:rPr>
-                  <a:t> </a:t>
+                  <a:t>MPAM Mapping</a:t>
                 </a:r>
-              </a:p>
-            </p:txBody>
-          </p:sp>
-        </mc:Fallback>
-      </mc:AlternateContent>
-      <mc:AlternateContent xmlns:mc="http://schemas.openxmlformats.org/markup-compatibility/2006">
-        <mc:Choice xmlns:a14="http://schemas.microsoft.com/office/drawing/2010/main" Requires="a14">
-          <p:sp>
-            <p:nvSpPr>
-              <p:cNvPr id="238" name="TextBox 237"/>
-              <p:cNvSpPr txBox="1"/>
-              <p:nvPr/>
-            </p:nvSpPr>
-            <p:spPr>
-              <a:xfrm>
-                <a:off x="2379720" y="4477452"/>
-                <a:ext cx="283667" cy="276999"/>
-              </a:xfrm>
-              <a:prstGeom prst="rect">
-                <a:avLst/>
-              </a:prstGeom>
-              <a:noFill/>
-            </p:spPr>
-            <p:txBody>
-              <a:bodyPr wrap="none" lIns="0" tIns="0" rIns="0" bIns="0" rtlCol="0">
-                <a:spAutoFit/>
-              </a:bodyPr>
-              <a:lstStyle/>
-              <a:p>
-                <a:pPr/>
-                <a14:m>
-                  <m:oMathPara xmlns:m="http://schemas.openxmlformats.org/officeDocument/2006/math">
-                    <m:oMathParaPr>
-                      <m:jc m:val="centerGroup"/>
-                    </m:oMathParaPr>
-                    <m:oMath xmlns:m="http://schemas.openxmlformats.org/officeDocument/2006/math">
-                      <m:sSub>
-                        <m:sSubPr>
-                          <m:ctrlPr>
-                            <a:rPr lang="en-US" b="1" i="1" smtClean="0">
-                              <a:latin typeface="Cambria Math" panose="02040503050406030204" pitchFamily="18" charset="0"/>
-                            </a:rPr>
-                          </m:ctrlPr>
-                        </m:sSubPr>
-                        <m:e>
-                          <m:r>
-                            <a:rPr lang="en-US" b="1" i="0" smtClean="0">
-                              <a:latin typeface="Cambria Math" panose="02040503050406030204" pitchFamily="18" charset="0"/>
-                            </a:rPr>
-                            <m:t>𝐒</m:t>
-                          </m:r>
-                        </m:e>
-                        <m:sub>
-                          <m:r>
-                            <a:rPr lang="en-US" b="1" i="0" smtClean="0">
-                              <a:latin typeface="Cambria Math" panose="02040503050406030204" pitchFamily="18" charset="0"/>
-                            </a:rPr>
-                            <m:t>𝟓</m:t>
-                          </m:r>
-                        </m:sub>
-                      </m:sSub>
-                    </m:oMath>
-                  </m:oMathPara>
-                </a14:m>
                 <a:endParaRPr lang="en-US" b="1" dirty="0">
                   <a:latin typeface="+mj-lt"/>
                 </a:endParaRPr>
               </a:p>
             </p:txBody>
           </p:sp>
-        </mc:Choice>
-        <mc:Fallback>
           <p:sp>
             <p:nvSpPr>
-              <p:cNvPr id="238" name="TextBox 237"/>
-              <p:cNvSpPr txBox="1">
-                <a:spLocks noRot="1" noChangeAspect="1" noMove="1" noResize="1" noEditPoints="1" noAdjustHandles="1" noChangeArrowheads="1" noChangeShapeType="1" noTextEdit="1"/>
-              </p:cNvSpPr>
+              <p:cNvPr id="178" name="Rounded Rectangle 177"/>
+              <p:cNvSpPr/>
               <p:nvPr/>
             </p:nvSpPr>
             <p:spPr>
               <a:xfrm>
-                <a:off x="2379720" y="4477452"/>
-                <a:ext cx="283667" cy="276999"/>
+                <a:off x="1446414" y="772785"/>
+                <a:ext cx="1808634" cy="1162203"/>
               </a:xfrm>
-              <a:prstGeom prst="rect">
+              <a:prstGeom prst="roundRect">
                 <a:avLst/>
               </a:prstGeom>
-              <a:blipFill>
-                <a:blip r:embed="rId6"/>
-                <a:stretch>
-                  <a:fillRect l="-19149" r="-10638" b="-17391"/>
-                </a:stretch>
-              </a:blipFill>
+              <a:ln w="19050"/>
             </p:spPr>
+            <p:style>
+              <a:lnRef idx="2">
+                <a:schemeClr val="dk1"/>
+              </a:lnRef>
+              <a:fillRef idx="1">
+                <a:schemeClr val="lt1"/>
+              </a:fillRef>
+              <a:effectRef idx="0">
+                <a:schemeClr val="dk1"/>
+              </a:effectRef>
+              <a:fontRef idx="minor">
+                <a:schemeClr val="dk1"/>
+              </a:fontRef>
+            </p:style>
             <p:txBody>
-              <a:bodyPr/>
+              <a:bodyPr rtlCol="0" anchor="ctr"/>
               <a:lstStyle/>
               <a:p>
+                <a:pPr algn="ctr"/>
                 <a:r>
-                  <a:rPr lang="en-US">
-                    <a:noFill/>
+                  <a:rPr lang="en-US" b="1" dirty="0" smtClean="0">
+                    <a:latin typeface="+mj-lt"/>
                   </a:rPr>
-                  <a:t> </a:t>
+                  <a:t>Binary Sequence</a:t>
                 </a:r>
-              </a:p>
-            </p:txBody>
-          </p:sp>
-        </mc:Fallback>
-      </mc:AlternateContent>
-      <mc:AlternateContent xmlns:mc="http://schemas.openxmlformats.org/markup-compatibility/2006" xmlns:a14="http://schemas.microsoft.com/office/drawing/2010/main">
-        <mc:Choice Requires="a14">
-          <p:sp>
-            <p:nvSpPr>
-              <p:cNvPr id="240" name="TextBox 239"/>
-              <p:cNvSpPr txBox="1"/>
-              <p:nvPr/>
-            </p:nvSpPr>
-            <p:spPr>
-              <a:xfrm>
-                <a:off x="3415592" y="3562165"/>
-                <a:ext cx="283667" cy="276999"/>
-              </a:xfrm>
-              <a:prstGeom prst="rect">
-                <a:avLst/>
-              </a:prstGeom>
-              <a:noFill/>
-            </p:spPr>
-            <p:txBody>
-              <a:bodyPr wrap="none" lIns="0" tIns="0" rIns="0" bIns="0" rtlCol="0">
-                <a:spAutoFit/>
-              </a:bodyPr>
-              <a:lstStyle/>
-              <a:p>
-                <a:pPr/>
-                <a14:m>
-                  <m:oMathPara xmlns:m="http://schemas.openxmlformats.org/officeDocument/2006/math">
-                    <m:oMathParaPr>
-                      <m:jc m:val="centerGroup"/>
-                    </m:oMathParaPr>
-                    <m:oMath xmlns:m="http://schemas.openxmlformats.org/officeDocument/2006/math">
-                      <m:sSub>
-                        <m:sSubPr>
-                          <m:ctrlPr>
-                            <a:rPr lang="en-US" b="1" i="1" smtClean="0">
-                              <a:latin typeface="Cambria Math" panose="02040503050406030204" pitchFamily="18" charset="0"/>
-                            </a:rPr>
-                          </m:ctrlPr>
-                        </m:sSubPr>
-                        <m:e>
-                          <m:r>
-                            <a:rPr lang="en-US" b="1" i="0" smtClean="0">
-                              <a:latin typeface="Cambria Math" panose="02040503050406030204" pitchFamily="18" charset="0"/>
-                            </a:rPr>
-                            <m:t>𝐒</m:t>
-                          </m:r>
-                        </m:e>
-                        <m:sub>
-                          <m:r>
-                            <a:rPr lang="en-US" b="1" i="0" smtClean="0">
-                              <a:latin typeface="Cambria Math" panose="02040503050406030204" pitchFamily="18" charset="0"/>
-                            </a:rPr>
-                            <m:t>𝟔</m:t>
-                          </m:r>
-                        </m:sub>
-                      </m:sSub>
-                    </m:oMath>
-                  </m:oMathPara>
-                </a14:m>
                 <a:endParaRPr lang="en-US" b="1" dirty="0">
                   <a:latin typeface="+mj-lt"/>
                 </a:endParaRPr>
               </a:p>
             </p:txBody>
           </p:sp>
-        </mc:Choice>
-        <mc:Fallback xmlns="">
+          <p:cxnSp>
+            <p:nvCxnSpPr>
+              <p:cNvPr id="159" name="Straight Arrow Connector 158"/>
+              <p:cNvCxnSpPr>
+                <a:stCxn id="178" idx="3"/>
+                <a:endCxn id="177" idx="1"/>
+              </p:cNvCxnSpPr>
+              <p:nvPr/>
+            </p:nvCxnSpPr>
+            <p:spPr>
+              <a:xfrm>
+                <a:off x="3255048" y="1353887"/>
+                <a:ext cx="602156" cy="0"/>
+              </a:xfrm>
+              <a:prstGeom prst="straightConnector1">
+                <a:avLst/>
+              </a:prstGeom>
+              <a:ln w="19050">
+                <a:tailEnd type="triangle"/>
+              </a:ln>
+            </p:spPr>
+            <p:style>
+              <a:lnRef idx="1">
+                <a:schemeClr val="dk1"/>
+              </a:lnRef>
+              <a:fillRef idx="0">
+                <a:schemeClr val="dk1"/>
+              </a:fillRef>
+              <a:effectRef idx="0">
+                <a:schemeClr val="dk1"/>
+              </a:effectRef>
+              <a:fontRef idx="minor">
+                <a:schemeClr val="tx1"/>
+              </a:fontRef>
+            </p:style>
+          </p:cxnSp>
+          <p:cxnSp>
+            <p:nvCxnSpPr>
+              <p:cNvPr id="184" name="Straight Arrow Connector 183"/>
+              <p:cNvCxnSpPr>
+                <a:stCxn id="177" idx="3"/>
+                <a:endCxn id="155" idx="1"/>
+              </p:cNvCxnSpPr>
+              <p:nvPr/>
+            </p:nvCxnSpPr>
+            <p:spPr>
+              <a:xfrm>
+                <a:off x="5665839" y="1353887"/>
+                <a:ext cx="602186" cy="1"/>
+              </a:xfrm>
+              <a:prstGeom prst="straightConnector1">
+                <a:avLst/>
+              </a:prstGeom>
+              <a:ln w="19050">
+                <a:tailEnd type="triangle"/>
+              </a:ln>
+            </p:spPr>
+            <p:style>
+              <a:lnRef idx="1">
+                <a:schemeClr val="dk1"/>
+              </a:lnRef>
+              <a:fillRef idx="0">
+                <a:schemeClr val="dk1"/>
+              </a:fillRef>
+              <a:effectRef idx="0">
+                <a:schemeClr val="dk1"/>
+              </a:effectRef>
+              <a:fontRef idx="minor">
+                <a:schemeClr val="tx1"/>
+              </a:fontRef>
+            </p:style>
+          </p:cxnSp>
+          <p:cxnSp>
+            <p:nvCxnSpPr>
+              <p:cNvPr id="185" name="Straight Arrow Connector 184"/>
+              <p:cNvCxnSpPr>
+                <a:stCxn id="155" idx="3"/>
+                <a:endCxn id="169" idx="1"/>
+              </p:cNvCxnSpPr>
+              <p:nvPr/>
+            </p:nvCxnSpPr>
+            <p:spPr>
+              <a:xfrm flipV="1">
+                <a:off x="8076659" y="1353887"/>
+                <a:ext cx="602124" cy="1"/>
+              </a:xfrm>
+              <a:prstGeom prst="straightConnector1">
+                <a:avLst/>
+              </a:prstGeom>
+              <a:ln w="19050">
+                <a:tailEnd type="triangle"/>
+              </a:ln>
+            </p:spPr>
+            <p:style>
+              <a:lnRef idx="1">
+                <a:schemeClr val="dk1"/>
+              </a:lnRef>
+              <a:fillRef idx="0">
+                <a:schemeClr val="dk1"/>
+              </a:fillRef>
+              <a:effectRef idx="0">
+                <a:schemeClr val="dk1"/>
+              </a:effectRef>
+              <a:fontRef idx="minor">
+                <a:schemeClr val="tx1"/>
+              </a:fontRef>
+            </p:style>
+          </p:cxnSp>
+          <p:cxnSp>
+            <p:nvCxnSpPr>
+              <p:cNvPr id="199" name="Straight Arrow Connector 198"/>
+              <p:cNvCxnSpPr>
+                <a:stCxn id="173" idx="0"/>
+                <a:endCxn id="172" idx="2"/>
+              </p:cNvCxnSpPr>
+              <p:nvPr/>
+            </p:nvCxnSpPr>
+            <p:spPr>
+              <a:xfrm flipV="1">
+                <a:off x="2350731" y="4441771"/>
+                <a:ext cx="4663" cy="1080164"/>
+              </a:xfrm>
+              <a:prstGeom prst="straightConnector1">
+                <a:avLst/>
+              </a:prstGeom>
+              <a:ln w="19050">
+                <a:tailEnd type="triangle"/>
+              </a:ln>
+            </p:spPr>
+            <p:style>
+              <a:lnRef idx="1">
+                <a:schemeClr val="dk1"/>
+              </a:lnRef>
+              <a:fillRef idx="0">
+                <a:schemeClr val="dk1"/>
+              </a:fillRef>
+              <a:effectRef idx="0">
+                <a:schemeClr val="dk1"/>
+              </a:effectRef>
+              <a:fontRef idx="minor">
+                <a:schemeClr val="tx1"/>
+              </a:fontRef>
+            </p:style>
+          </p:cxnSp>
+          <mc:AlternateContent xmlns:mc="http://schemas.openxmlformats.org/markup-compatibility/2006" xmlns:a14="http://schemas.microsoft.com/office/drawing/2010/main">
+            <mc:Choice Requires="a14">
+              <p:sp>
+                <p:nvSpPr>
+                  <p:cNvPr id="234" name="TextBox 233"/>
+                  <p:cNvSpPr txBox="1"/>
+                  <p:nvPr/>
+                </p:nvSpPr>
+                <p:spPr>
+                  <a:xfrm>
+                    <a:off x="3410929" y="960031"/>
+                    <a:ext cx="283667" cy="277000"/>
+                  </a:xfrm>
+                  <a:prstGeom prst="rect">
+                    <a:avLst/>
+                  </a:prstGeom>
+                  <a:noFill/>
+                </p:spPr>
+                <p:txBody>
+                  <a:bodyPr wrap="none" lIns="0" tIns="0" rIns="0" bIns="0" rtlCol="0">
+                    <a:spAutoFit/>
+                  </a:bodyPr>
+                  <a:lstStyle/>
+                  <a:p>
+                    <a:pPr/>
+                    <a14:m>
+                      <m:oMathPara xmlns:m="http://schemas.openxmlformats.org/officeDocument/2006/math">
+                        <m:oMathParaPr>
+                          <m:jc m:val="centerGroup"/>
+                        </m:oMathParaPr>
+                        <m:oMath xmlns:m="http://schemas.openxmlformats.org/officeDocument/2006/math">
+                          <m:sSub>
+                            <m:sSubPr>
+                              <m:ctrlPr>
+                                <a:rPr lang="en-US" b="1" i="1" smtClean="0">
+                                  <a:latin typeface="Cambria Math" panose="02040503050406030204" pitchFamily="18" charset="0"/>
+                                </a:rPr>
+                              </m:ctrlPr>
+                            </m:sSubPr>
+                            <m:e>
+                              <m:r>
+                                <a:rPr lang="en-US" b="1" i="0" smtClean="0">
+                                  <a:latin typeface="Cambria Math" panose="02040503050406030204" pitchFamily="18" charset="0"/>
+                                </a:rPr>
+                                <m:t>𝐒</m:t>
+                              </m:r>
+                            </m:e>
+                            <m:sub>
+                              <m:r>
+                                <a:rPr lang="en-US" b="1" i="0" smtClean="0">
+                                  <a:latin typeface="Cambria Math" panose="02040503050406030204" pitchFamily="18" charset="0"/>
+                                </a:rPr>
+                                <m:t>𝟏</m:t>
+                              </m:r>
+                            </m:sub>
+                          </m:sSub>
+                        </m:oMath>
+                      </m:oMathPara>
+                    </a14:m>
+                    <a:endParaRPr lang="en-US" b="1" dirty="0">
+                      <a:latin typeface="+mj-lt"/>
+                    </a:endParaRPr>
+                  </a:p>
+                </p:txBody>
+              </p:sp>
+            </mc:Choice>
+            <mc:Fallback xmlns="">
+              <p:sp>
+                <p:nvSpPr>
+                  <p:cNvPr id="234" name="TextBox 233"/>
+                  <p:cNvSpPr txBox="1">
+                    <a:spLocks noRot="1" noChangeAspect="1" noMove="1" noResize="1" noEditPoints="1" noAdjustHandles="1" noChangeArrowheads="1" noChangeShapeType="1" noTextEdit="1"/>
+                  </p:cNvSpPr>
+                  <p:nvPr/>
+                </p:nvSpPr>
+                <p:spPr>
+                  <a:xfrm>
+                    <a:off x="3410929" y="960031"/>
+                    <a:ext cx="283667" cy="277000"/>
+                  </a:xfrm>
+                  <a:prstGeom prst="rect">
+                    <a:avLst/>
+                  </a:prstGeom>
+                  <a:blipFill>
+                    <a:blip r:embed="rId2"/>
+                    <a:stretch>
+                      <a:fillRect l="-25581" r="-13953" b="-35897"/>
+                    </a:stretch>
+                  </a:blipFill>
+                </p:spPr>
+                <p:txBody>
+                  <a:bodyPr/>
+                  <a:lstStyle/>
+                  <a:p>
+                    <a:r>
+                      <a:rPr lang="en-US">
+                        <a:noFill/>
+                      </a:rPr>
+                      <a:t> </a:t>
+                    </a:r>
+                  </a:p>
+                </p:txBody>
+              </p:sp>
+            </mc:Fallback>
+          </mc:AlternateContent>
+          <mc:AlternateContent xmlns:mc="http://schemas.openxmlformats.org/markup-compatibility/2006" xmlns:a14="http://schemas.microsoft.com/office/drawing/2010/main">
+            <mc:Choice Requires="a14">
+              <p:sp>
+                <p:nvSpPr>
+                  <p:cNvPr id="235" name="TextBox 234"/>
+                  <p:cNvSpPr txBox="1"/>
+                  <p:nvPr/>
+                </p:nvSpPr>
+                <p:spPr>
+                  <a:xfrm>
+                    <a:off x="5833475" y="960031"/>
+                    <a:ext cx="283667" cy="277000"/>
+                  </a:xfrm>
+                  <a:prstGeom prst="rect">
+                    <a:avLst/>
+                  </a:prstGeom>
+                  <a:noFill/>
+                </p:spPr>
+                <p:txBody>
+                  <a:bodyPr wrap="none" lIns="0" tIns="0" rIns="0" bIns="0" rtlCol="0">
+                    <a:spAutoFit/>
+                  </a:bodyPr>
+                  <a:lstStyle/>
+                  <a:p>
+                    <a:pPr/>
+                    <a14:m>
+                      <m:oMathPara xmlns:m="http://schemas.openxmlformats.org/officeDocument/2006/math">
+                        <m:oMathParaPr>
+                          <m:jc m:val="centerGroup"/>
+                        </m:oMathParaPr>
+                        <m:oMath xmlns:m="http://schemas.openxmlformats.org/officeDocument/2006/math">
+                          <m:sSub>
+                            <m:sSubPr>
+                              <m:ctrlPr>
+                                <a:rPr lang="en-US" b="1" i="1" smtClean="0">
+                                  <a:latin typeface="Cambria Math" panose="02040503050406030204" pitchFamily="18" charset="0"/>
+                                </a:rPr>
+                              </m:ctrlPr>
+                            </m:sSubPr>
+                            <m:e>
+                              <m:r>
+                                <a:rPr lang="en-US" b="1" i="0" smtClean="0">
+                                  <a:latin typeface="Cambria Math" panose="02040503050406030204" pitchFamily="18" charset="0"/>
+                                </a:rPr>
+                                <m:t>𝐒</m:t>
+                              </m:r>
+                            </m:e>
+                            <m:sub>
+                              <m:r>
+                                <a:rPr lang="en-US" b="1" i="0" smtClean="0">
+                                  <a:latin typeface="Cambria Math" panose="02040503050406030204" pitchFamily="18" charset="0"/>
+                                </a:rPr>
+                                <m:t>𝟐</m:t>
+                              </m:r>
+                            </m:sub>
+                          </m:sSub>
+                        </m:oMath>
+                      </m:oMathPara>
+                    </a14:m>
+                    <a:endParaRPr lang="en-US" b="1" dirty="0">
+                      <a:latin typeface="+mj-lt"/>
+                    </a:endParaRPr>
+                  </a:p>
+                </p:txBody>
+              </p:sp>
+            </mc:Choice>
+            <mc:Fallback xmlns="">
+              <p:sp>
+                <p:nvSpPr>
+                  <p:cNvPr id="235" name="TextBox 234"/>
+                  <p:cNvSpPr txBox="1">
+                    <a:spLocks noRot="1" noChangeAspect="1" noMove="1" noResize="1" noEditPoints="1" noAdjustHandles="1" noChangeArrowheads="1" noChangeShapeType="1" noTextEdit="1"/>
+                  </p:cNvSpPr>
+                  <p:nvPr/>
+                </p:nvSpPr>
+                <p:spPr>
+                  <a:xfrm>
+                    <a:off x="5833475" y="960031"/>
+                    <a:ext cx="283667" cy="277000"/>
+                  </a:xfrm>
+                  <a:prstGeom prst="rect">
+                    <a:avLst/>
+                  </a:prstGeom>
+                  <a:blipFill>
+                    <a:blip r:embed="rId3"/>
+                    <a:stretch>
+                      <a:fillRect l="-25581" r="-13953" b="-35897"/>
+                    </a:stretch>
+                  </a:blipFill>
+                </p:spPr>
+                <p:txBody>
+                  <a:bodyPr/>
+                  <a:lstStyle/>
+                  <a:p>
+                    <a:r>
+                      <a:rPr lang="en-US">
+                        <a:noFill/>
+                      </a:rPr>
+                      <a:t> </a:t>
+                    </a:r>
+                  </a:p>
+                </p:txBody>
+              </p:sp>
+            </mc:Fallback>
+          </mc:AlternateContent>
+          <mc:AlternateContent xmlns:mc="http://schemas.openxmlformats.org/markup-compatibility/2006" xmlns:a14="http://schemas.microsoft.com/office/drawing/2010/main">
+            <mc:Choice Requires="a14">
+              <p:sp>
+                <p:nvSpPr>
+                  <p:cNvPr id="236" name="TextBox 235"/>
+                  <p:cNvSpPr txBox="1"/>
+                  <p:nvPr/>
+                </p:nvSpPr>
+                <p:spPr>
+                  <a:xfrm>
+                    <a:off x="8273400" y="938126"/>
+                    <a:ext cx="238144" cy="320808"/>
+                  </a:xfrm>
+                  <a:prstGeom prst="rect">
+                    <a:avLst/>
+                  </a:prstGeom>
+                  <a:noFill/>
+                </p:spPr>
+                <p:txBody>
+                  <a:bodyPr wrap="square" lIns="0" tIns="0" rIns="0" bIns="0" rtlCol="0">
+                    <a:spAutoFit/>
+                  </a:bodyPr>
+                  <a:lstStyle/>
+                  <a:p>
+                    <a:pPr/>
+                    <a14:m>
+                      <m:oMathPara xmlns:m="http://schemas.openxmlformats.org/officeDocument/2006/math">
+                        <m:oMathParaPr>
+                          <m:jc m:val="centerGroup"/>
+                        </m:oMathParaPr>
+                        <m:oMath xmlns:m="http://schemas.openxmlformats.org/officeDocument/2006/math">
+                          <m:sSub>
+                            <m:sSubPr>
+                              <m:ctrlPr>
+                                <a:rPr lang="en-US" b="1" i="1" smtClean="0">
+                                  <a:latin typeface="Cambria Math" panose="02040503050406030204" pitchFamily="18" charset="0"/>
+                                </a:rPr>
+                              </m:ctrlPr>
+                            </m:sSubPr>
+                            <m:e>
+                              <m:r>
+                                <a:rPr lang="en-US" b="1" i="0" smtClean="0">
+                                  <a:latin typeface="Cambria Math" panose="02040503050406030204" pitchFamily="18" charset="0"/>
+                                </a:rPr>
+                                <m:t>𝐒</m:t>
+                              </m:r>
+                            </m:e>
+                            <m:sub>
+                              <m:r>
+                                <a:rPr lang="en-US" b="1" i="0" smtClean="0">
+                                  <a:latin typeface="Cambria Math" panose="02040503050406030204" pitchFamily="18" charset="0"/>
+                                </a:rPr>
+                                <m:t>𝟑</m:t>
+                              </m:r>
+                            </m:sub>
+                          </m:sSub>
+                        </m:oMath>
+                      </m:oMathPara>
+                    </a14:m>
+                    <a:endParaRPr lang="en-US" b="1" dirty="0">
+                      <a:latin typeface="+mj-lt"/>
+                    </a:endParaRPr>
+                  </a:p>
+                </p:txBody>
+              </p:sp>
+            </mc:Choice>
+            <mc:Fallback xmlns="">
+              <p:sp>
+                <p:nvSpPr>
+                  <p:cNvPr id="236" name="TextBox 235"/>
+                  <p:cNvSpPr txBox="1">
+                    <a:spLocks noRot="1" noChangeAspect="1" noMove="1" noResize="1" noEditPoints="1" noAdjustHandles="1" noChangeArrowheads="1" noChangeShapeType="1" noTextEdit="1"/>
+                  </p:cNvSpPr>
+                  <p:nvPr/>
+                </p:nvSpPr>
+                <p:spPr>
+                  <a:xfrm>
+                    <a:off x="8273400" y="938126"/>
+                    <a:ext cx="238144" cy="320808"/>
+                  </a:xfrm>
+                  <a:prstGeom prst="rect">
+                    <a:avLst/>
+                  </a:prstGeom>
+                  <a:blipFill>
+                    <a:blip r:embed="rId4"/>
+                    <a:stretch>
+                      <a:fillRect l="-36111" r="-30556" b="-15217"/>
+                    </a:stretch>
+                  </a:blipFill>
+                </p:spPr>
+                <p:txBody>
+                  <a:bodyPr/>
+                  <a:lstStyle/>
+                  <a:p>
+                    <a:r>
+                      <a:rPr lang="en-US">
+                        <a:noFill/>
+                      </a:rPr>
+                      <a:t> </a:t>
+                    </a:r>
+                  </a:p>
+                </p:txBody>
+              </p:sp>
+            </mc:Fallback>
+          </mc:AlternateContent>
+          <mc:AlternateContent xmlns:mc="http://schemas.openxmlformats.org/markup-compatibility/2006" xmlns:a14="http://schemas.microsoft.com/office/drawing/2010/main">
+            <mc:Choice Requires="a14">
+              <p:sp>
+                <p:nvSpPr>
+                  <p:cNvPr id="237" name="TextBox 236"/>
+                  <p:cNvSpPr txBox="1"/>
+                  <p:nvPr/>
+                </p:nvSpPr>
+                <p:spPr>
+                  <a:xfrm>
+                    <a:off x="10633027" y="960029"/>
+                    <a:ext cx="283667" cy="277000"/>
+                  </a:xfrm>
+                  <a:prstGeom prst="rect">
+                    <a:avLst/>
+                  </a:prstGeom>
+                  <a:noFill/>
+                </p:spPr>
+                <p:txBody>
+                  <a:bodyPr wrap="none" lIns="0" tIns="0" rIns="0" bIns="0" rtlCol="0">
+                    <a:spAutoFit/>
+                  </a:bodyPr>
+                  <a:lstStyle/>
+                  <a:p>
+                    <a:pPr/>
+                    <a14:m>
+                      <m:oMathPara xmlns:m="http://schemas.openxmlformats.org/officeDocument/2006/math">
+                        <m:oMathParaPr>
+                          <m:jc m:val="centerGroup"/>
+                        </m:oMathParaPr>
+                        <m:oMath xmlns:m="http://schemas.openxmlformats.org/officeDocument/2006/math">
+                          <m:sSub>
+                            <m:sSubPr>
+                              <m:ctrlPr>
+                                <a:rPr lang="en-US" b="1" i="1" smtClean="0">
+                                  <a:latin typeface="Cambria Math" panose="02040503050406030204" pitchFamily="18" charset="0"/>
+                                </a:rPr>
+                              </m:ctrlPr>
+                            </m:sSubPr>
+                            <m:e>
+                              <m:r>
+                                <a:rPr lang="en-US" b="1" i="0" smtClean="0">
+                                  <a:latin typeface="Cambria Math" panose="02040503050406030204" pitchFamily="18" charset="0"/>
+                                </a:rPr>
+                                <m:t>𝐒</m:t>
+                              </m:r>
+                            </m:e>
+                            <m:sub>
+                              <m:r>
+                                <a:rPr lang="en-US" b="1" i="0" smtClean="0">
+                                  <a:latin typeface="Cambria Math" panose="02040503050406030204" pitchFamily="18" charset="0"/>
+                                </a:rPr>
+                                <m:t>𝟒</m:t>
+                              </m:r>
+                            </m:sub>
+                          </m:sSub>
+                        </m:oMath>
+                      </m:oMathPara>
+                    </a14:m>
+                    <a:endParaRPr lang="en-US" b="1" dirty="0">
+                      <a:latin typeface="+mj-lt"/>
+                    </a:endParaRPr>
+                  </a:p>
+                </p:txBody>
+              </p:sp>
+            </mc:Choice>
+            <mc:Fallback xmlns="">
+              <p:sp>
+                <p:nvSpPr>
+                  <p:cNvPr id="237" name="TextBox 236"/>
+                  <p:cNvSpPr txBox="1">
+                    <a:spLocks noRot="1" noChangeAspect="1" noMove="1" noResize="1" noEditPoints="1" noAdjustHandles="1" noChangeArrowheads="1" noChangeShapeType="1" noTextEdit="1"/>
+                  </p:cNvSpPr>
+                  <p:nvPr/>
+                </p:nvSpPr>
+                <p:spPr>
+                  <a:xfrm>
+                    <a:off x="10633027" y="960029"/>
+                    <a:ext cx="283667" cy="277000"/>
+                  </a:xfrm>
+                  <a:prstGeom prst="rect">
+                    <a:avLst/>
+                  </a:prstGeom>
+                  <a:blipFill>
+                    <a:blip r:embed="rId5"/>
+                    <a:stretch>
+                      <a:fillRect l="-27907" r="-13953" b="-35897"/>
+                    </a:stretch>
+                  </a:blipFill>
+                </p:spPr>
+                <p:txBody>
+                  <a:bodyPr/>
+                  <a:lstStyle/>
+                  <a:p>
+                    <a:r>
+                      <a:rPr lang="en-US">
+                        <a:noFill/>
+                      </a:rPr>
+                      <a:t> </a:t>
+                    </a:r>
+                  </a:p>
+                </p:txBody>
+              </p:sp>
+            </mc:Fallback>
+          </mc:AlternateContent>
+          <mc:AlternateContent xmlns:mc="http://schemas.openxmlformats.org/markup-compatibility/2006" xmlns:a14="http://schemas.microsoft.com/office/drawing/2010/main">
+            <mc:Choice Requires="a14">
+              <p:sp>
+                <p:nvSpPr>
+                  <p:cNvPr id="238" name="TextBox 237"/>
+                  <p:cNvSpPr txBox="1"/>
+                  <p:nvPr/>
+                </p:nvSpPr>
+                <p:spPr>
+                  <a:xfrm>
+                    <a:off x="2379721" y="4552802"/>
+                    <a:ext cx="283667" cy="277000"/>
+                  </a:xfrm>
+                  <a:prstGeom prst="rect">
+                    <a:avLst/>
+                  </a:prstGeom>
+                  <a:noFill/>
+                </p:spPr>
+                <p:txBody>
+                  <a:bodyPr wrap="none" lIns="0" tIns="0" rIns="0" bIns="0" rtlCol="0">
+                    <a:spAutoFit/>
+                  </a:bodyPr>
+                  <a:lstStyle/>
+                  <a:p>
+                    <a:pPr/>
+                    <a14:m>
+                      <m:oMathPara xmlns:m="http://schemas.openxmlformats.org/officeDocument/2006/math">
+                        <m:oMathParaPr>
+                          <m:jc m:val="centerGroup"/>
+                        </m:oMathParaPr>
+                        <m:oMath xmlns:m="http://schemas.openxmlformats.org/officeDocument/2006/math">
+                          <m:sSub>
+                            <m:sSubPr>
+                              <m:ctrlPr>
+                                <a:rPr lang="en-US" b="1" i="1" smtClean="0">
+                                  <a:latin typeface="Cambria Math" panose="02040503050406030204" pitchFamily="18" charset="0"/>
+                                </a:rPr>
+                              </m:ctrlPr>
+                            </m:sSubPr>
+                            <m:e>
+                              <m:r>
+                                <a:rPr lang="en-US" b="1" i="0" smtClean="0">
+                                  <a:latin typeface="Cambria Math" panose="02040503050406030204" pitchFamily="18" charset="0"/>
+                                </a:rPr>
+                                <m:t>𝐒</m:t>
+                              </m:r>
+                            </m:e>
+                            <m:sub>
+                              <m:r>
+                                <a:rPr lang="en-US" b="1" i="0" smtClean="0">
+                                  <a:latin typeface="Cambria Math" panose="02040503050406030204" pitchFamily="18" charset="0"/>
+                                </a:rPr>
+                                <m:t>𝟓</m:t>
+                              </m:r>
+                            </m:sub>
+                          </m:sSub>
+                        </m:oMath>
+                      </m:oMathPara>
+                    </a14:m>
+                    <a:endParaRPr lang="en-US" b="1" dirty="0">
+                      <a:latin typeface="+mj-lt"/>
+                    </a:endParaRPr>
+                  </a:p>
+                </p:txBody>
+              </p:sp>
+            </mc:Choice>
+            <mc:Fallback xmlns="">
+              <p:sp>
+                <p:nvSpPr>
+                  <p:cNvPr id="238" name="TextBox 237"/>
+                  <p:cNvSpPr txBox="1">
+                    <a:spLocks noRot="1" noChangeAspect="1" noMove="1" noResize="1" noEditPoints="1" noAdjustHandles="1" noChangeArrowheads="1" noChangeShapeType="1" noTextEdit="1"/>
+                  </p:cNvSpPr>
+                  <p:nvPr/>
+                </p:nvSpPr>
+                <p:spPr>
+                  <a:xfrm>
+                    <a:off x="2379721" y="4552802"/>
+                    <a:ext cx="283667" cy="277000"/>
+                  </a:xfrm>
+                  <a:prstGeom prst="rect">
+                    <a:avLst/>
+                  </a:prstGeom>
+                  <a:blipFill>
+                    <a:blip r:embed="rId6"/>
+                    <a:stretch>
+                      <a:fillRect l="-25581" r="-16279" b="-35000"/>
+                    </a:stretch>
+                  </a:blipFill>
+                </p:spPr>
+                <p:txBody>
+                  <a:bodyPr/>
+                  <a:lstStyle/>
+                  <a:p>
+                    <a:r>
+                      <a:rPr lang="en-US">
+                        <a:noFill/>
+                      </a:rPr>
+                      <a:t> </a:t>
+                    </a:r>
+                  </a:p>
+                </p:txBody>
+              </p:sp>
+            </mc:Fallback>
+          </mc:AlternateContent>
+          <mc:AlternateContent xmlns:mc="http://schemas.openxmlformats.org/markup-compatibility/2006" xmlns:a14="http://schemas.microsoft.com/office/drawing/2010/main">
+            <mc:Choice Requires="a14">
+              <p:sp>
+                <p:nvSpPr>
+                  <p:cNvPr id="240" name="TextBox 239"/>
+                  <p:cNvSpPr txBox="1"/>
+                  <p:nvPr/>
+                </p:nvSpPr>
+                <p:spPr>
+                  <a:xfrm>
+                    <a:off x="3425562" y="3473606"/>
+                    <a:ext cx="283667" cy="277000"/>
+                  </a:xfrm>
+                  <a:prstGeom prst="rect">
+                    <a:avLst/>
+                  </a:prstGeom>
+                  <a:noFill/>
+                </p:spPr>
+                <p:txBody>
+                  <a:bodyPr wrap="none" lIns="0" tIns="0" rIns="0" bIns="0" rtlCol="0">
+                    <a:spAutoFit/>
+                  </a:bodyPr>
+                  <a:lstStyle/>
+                  <a:p>
+                    <a:pPr/>
+                    <a14:m>
+                      <m:oMathPara xmlns:m="http://schemas.openxmlformats.org/officeDocument/2006/math">
+                        <m:oMathParaPr>
+                          <m:jc m:val="centerGroup"/>
+                        </m:oMathParaPr>
+                        <m:oMath xmlns:m="http://schemas.openxmlformats.org/officeDocument/2006/math">
+                          <m:sSub>
+                            <m:sSubPr>
+                              <m:ctrlPr>
+                                <a:rPr lang="en-US" b="1" i="1" smtClean="0">
+                                  <a:latin typeface="Cambria Math" panose="02040503050406030204" pitchFamily="18" charset="0"/>
+                                </a:rPr>
+                              </m:ctrlPr>
+                            </m:sSubPr>
+                            <m:e>
+                              <m:r>
+                                <a:rPr lang="en-US" b="1" i="0" smtClean="0">
+                                  <a:latin typeface="Cambria Math" panose="02040503050406030204" pitchFamily="18" charset="0"/>
+                                </a:rPr>
+                                <m:t>𝐒</m:t>
+                              </m:r>
+                            </m:e>
+                            <m:sub>
+                              <m:r>
+                                <a:rPr lang="en-US" b="1" i="0" smtClean="0">
+                                  <a:latin typeface="Cambria Math" panose="02040503050406030204" pitchFamily="18" charset="0"/>
+                                </a:rPr>
+                                <m:t>𝟔</m:t>
+                              </m:r>
+                            </m:sub>
+                          </m:sSub>
+                        </m:oMath>
+                      </m:oMathPara>
+                    </a14:m>
+                    <a:endParaRPr lang="en-US" b="1" dirty="0">
+                      <a:latin typeface="+mj-lt"/>
+                    </a:endParaRPr>
+                  </a:p>
+                </p:txBody>
+              </p:sp>
+            </mc:Choice>
+            <mc:Fallback xmlns="">
+              <p:sp>
+                <p:nvSpPr>
+                  <p:cNvPr id="240" name="TextBox 239"/>
+                  <p:cNvSpPr txBox="1">
+                    <a:spLocks noRot="1" noChangeAspect="1" noMove="1" noResize="1" noEditPoints="1" noAdjustHandles="1" noChangeArrowheads="1" noChangeShapeType="1" noTextEdit="1"/>
+                  </p:cNvSpPr>
+                  <p:nvPr/>
+                </p:nvSpPr>
+                <p:spPr>
+                  <a:xfrm>
+                    <a:off x="3425562" y="3473606"/>
+                    <a:ext cx="283667" cy="277000"/>
+                  </a:xfrm>
+                  <a:prstGeom prst="rect">
+                    <a:avLst/>
+                  </a:prstGeom>
+                  <a:blipFill>
+                    <a:blip r:embed="rId7"/>
+                    <a:stretch>
+                      <a:fillRect l="-25581" r="-13953" b="-35897"/>
+                    </a:stretch>
+                  </a:blipFill>
+                </p:spPr>
+                <p:txBody>
+                  <a:bodyPr/>
+                  <a:lstStyle/>
+                  <a:p>
+                    <a:r>
+                      <a:rPr lang="en-US">
+                        <a:noFill/>
+                      </a:rPr>
+                      <a:t> </a:t>
+                    </a:r>
+                  </a:p>
+                </p:txBody>
+              </p:sp>
+            </mc:Fallback>
+          </mc:AlternateContent>
           <p:sp>
             <p:nvSpPr>
-              <p:cNvPr id="240" name="TextBox 239"/>
-              <p:cNvSpPr txBox="1">
-                <a:spLocks noRot="1" noChangeAspect="1" noMove="1" noResize="1" noEditPoints="1" noAdjustHandles="1" noChangeArrowheads="1" noChangeShapeType="1" noTextEdit="1"/>
-              </p:cNvSpPr>
+              <p:cNvPr id="174" name="Rounded Rectangle 173"/>
+              <p:cNvSpPr/>
               <p:nvPr/>
             </p:nvSpPr>
             <p:spPr>
               <a:xfrm>
-                <a:off x="3415592" y="3562165"/>
-                <a:ext cx="283667" cy="276999"/>
+                <a:off x="3856572" y="3279548"/>
+                <a:ext cx="1808634" cy="1162205"/>
               </a:xfrm>
-              <a:prstGeom prst="rect">
+              <a:prstGeom prst="roundRect">
                 <a:avLst/>
               </a:prstGeom>
-              <a:blipFill>
-                <a:blip r:embed="rId7"/>
-                <a:stretch>
-                  <a:fillRect l="-19149" r="-8511" b="-15217"/>
-                </a:stretch>
-              </a:blipFill>
+              <a:ln w="19050"/>
             </p:spPr>
+            <p:style>
+              <a:lnRef idx="2">
+                <a:schemeClr val="dk1"/>
+              </a:lnRef>
+              <a:fillRef idx="1">
+                <a:schemeClr val="lt1"/>
+              </a:fillRef>
+              <a:effectRef idx="0">
+                <a:schemeClr val="dk1"/>
+              </a:effectRef>
+              <a:fontRef idx="minor">
+                <a:schemeClr val="dk1"/>
+              </a:fontRef>
+            </p:style>
             <p:txBody>
-              <a:bodyPr/>
+              <a:bodyPr rtlCol="0" anchor="ctr"/>
               <a:lstStyle/>
               <a:p>
+                <a:pPr algn="ctr"/>
                 <a:r>
-                  <a:rPr lang="en-US">
-                    <a:noFill/>
+                  <a:rPr lang="en-US" b="1" dirty="0" smtClean="0">
+                    <a:latin typeface="+mj-lt"/>
                   </a:rPr>
-                  <a:t> </a:t>
+                  <a:t>Fork</a:t>
                 </a:r>
-              </a:p>
-            </p:txBody>
-          </p:sp>
-        </mc:Fallback>
-      </mc:AlternateContent>
-      <p:sp>
-        <p:nvSpPr>
-          <p:cNvPr id="174" name="Rounded Rectangle 173"/>
-          <p:cNvSpPr/>
-          <p:nvPr/>
-        </p:nvSpPr>
-        <p:spPr>
-          <a:xfrm>
-            <a:off x="3856572" y="3279548"/>
-            <a:ext cx="1808634" cy="1162205"/>
-          </a:xfrm>
-          <a:prstGeom prst="roundRect">
-            <a:avLst/>
-          </a:prstGeom>
-          <a:ln w="19050"/>
-        </p:spPr>
-        <p:style>
-          <a:lnRef idx="2">
-            <a:schemeClr val="dk1"/>
-          </a:lnRef>
-          <a:fillRef idx="1">
-            <a:schemeClr val="lt1"/>
-          </a:fillRef>
-          <a:effectRef idx="0">
-            <a:schemeClr val="dk1"/>
-          </a:effectRef>
-          <a:fontRef idx="minor">
-            <a:schemeClr val="dk1"/>
-          </a:fontRef>
-        </p:style>
-        <p:txBody>
-          <a:bodyPr rtlCol="0" anchor="ctr"/>
-          <a:lstStyle/>
-          <a:p>
-            <a:pPr algn="ctr"/>
-            <a:r>
-              <a:rPr lang="en-US" b="1" dirty="0" smtClean="0">
-                <a:latin typeface="+mj-lt"/>
-              </a:rPr>
-              <a:t>Fork</a:t>
-            </a:r>
-            <a:endParaRPr lang="en-US" b="1" dirty="0">
-              <a:latin typeface="+mj-lt"/>
-            </a:endParaRPr>
-          </a:p>
-        </p:txBody>
-      </p:sp>
-      <p:sp>
-        <p:nvSpPr>
-          <p:cNvPr id="230" name="Rounded Rectangle 229"/>
-          <p:cNvSpPr/>
-          <p:nvPr/>
-        </p:nvSpPr>
-        <p:spPr>
-          <a:xfrm>
-            <a:off x="8674340" y="5523380"/>
-            <a:ext cx="1803027" cy="1162203"/>
-          </a:xfrm>
-          <a:prstGeom prst="roundRect">
-            <a:avLst/>
-          </a:prstGeom>
-          <a:ln w="19050"/>
-        </p:spPr>
-        <p:style>
-          <a:lnRef idx="2">
-            <a:schemeClr val="dk1"/>
-          </a:lnRef>
-          <a:fillRef idx="1">
-            <a:schemeClr val="lt1"/>
-          </a:fillRef>
-          <a:effectRef idx="0">
-            <a:schemeClr val="dk1"/>
-          </a:effectRef>
-          <a:fontRef idx="minor">
-            <a:schemeClr val="dk1"/>
-          </a:fontRef>
-        </p:style>
-        <p:txBody>
-          <a:bodyPr rtlCol="0" anchor="ctr"/>
-          <a:lstStyle/>
-          <a:p>
-            <a:pPr algn="ctr"/>
-            <a:r>
-              <a:rPr lang="en-US" b="1" dirty="0" smtClean="0">
-                <a:latin typeface="+mj-lt"/>
-              </a:rPr>
-              <a:t>Sink</a:t>
-            </a:r>
-            <a:endParaRPr lang="en-US" b="1" dirty="0">
-              <a:latin typeface="+mj-lt"/>
-            </a:endParaRPr>
-          </a:p>
-        </p:txBody>
-      </p:sp>
-      <mc:AlternateContent xmlns:mc="http://schemas.openxmlformats.org/markup-compatibility/2006" xmlns:a14="http://schemas.microsoft.com/office/drawing/2010/main">
-        <mc:Choice Requires="a14">
-          <p:sp>
-            <p:nvSpPr>
-              <p:cNvPr id="241" name="TextBox 240"/>
-              <p:cNvSpPr txBox="1"/>
-              <p:nvPr/>
-            </p:nvSpPr>
-            <p:spPr>
-              <a:xfrm>
-                <a:off x="5832924" y="3263662"/>
-                <a:ext cx="283667" cy="276999"/>
-              </a:xfrm>
-              <a:prstGeom prst="rect">
-                <a:avLst/>
-              </a:prstGeom>
-              <a:noFill/>
-            </p:spPr>
-            <p:txBody>
-              <a:bodyPr wrap="none" lIns="0" tIns="0" rIns="0" bIns="0" rtlCol="0">
-                <a:spAutoFit/>
-              </a:bodyPr>
-              <a:lstStyle/>
-              <a:p>
-                <a:pPr/>
-                <a14:m>
-                  <m:oMathPara xmlns:m="http://schemas.openxmlformats.org/officeDocument/2006/math">
-                    <m:oMathParaPr>
-                      <m:jc m:val="centerGroup"/>
-                    </m:oMathParaPr>
-                    <m:oMath xmlns:m="http://schemas.openxmlformats.org/officeDocument/2006/math">
-                      <m:sSub>
-                        <m:sSubPr>
-                          <m:ctrlPr>
-                            <a:rPr lang="en-US" b="1" i="1" smtClean="0">
-                              <a:latin typeface="Cambria Math" panose="02040503050406030204" pitchFamily="18" charset="0"/>
-                            </a:rPr>
-                          </m:ctrlPr>
-                        </m:sSubPr>
-                        <m:e>
-                          <m:r>
-                            <a:rPr lang="en-US" b="1" i="0" smtClean="0">
-                              <a:latin typeface="Cambria Math" panose="02040503050406030204" pitchFamily="18" charset="0"/>
-                            </a:rPr>
-                            <m:t>𝐒</m:t>
-                          </m:r>
-                        </m:e>
-                        <m:sub>
-                          <m:r>
-                            <a:rPr lang="en-US" b="1" i="0" smtClean="0">
-                              <a:latin typeface="Cambria Math" panose="02040503050406030204" pitchFamily="18" charset="0"/>
-                            </a:rPr>
-                            <m:t>𝟕</m:t>
-                          </m:r>
-                        </m:sub>
-                      </m:sSub>
-                    </m:oMath>
-                  </m:oMathPara>
-                </a14:m>
                 <a:endParaRPr lang="en-US" b="1" dirty="0">
                   <a:latin typeface="+mj-lt"/>
                 </a:endParaRPr>
               </a:p>
             </p:txBody>
           </p:sp>
-        </mc:Choice>
-        <mc:Fallback xmlns="">
           <p:sp>
             <p:nvSpPr>
-              <p:cNvPr id="241" name="TextBox 240"/>
-              <p:cNvSpPr txBox="1">
-                <a:spLocks noRot="1" noChangeAspect="1" noMove="1" noResize="1" noEditPoints="1" noAdjustHandles="1" noChangeArrowheads="1" noChangeShapeType="1" noTextEdit="1"/>
-              </p:cNvSpPr>
+              <p:cNvPr id="230" name="Rounded Rectangle 229"/>
+              <p:cNvSpPr/>
               <p:nvPr/>
             </p:nvSpPr>
             <p:spPr>
               <a:xfrm>
-                <a:off x="5832924" y="3263662"/>
-                <a:ext cx="283667" cy="276999"/>
+                <a:off x="8674340" y="5523380"/>
+                <a:ext cx="1803027" cy="1162203"/>
               </a:xfrm>
-              <a:prstGeom prst="rect">
+              <a:prstGeom prst="roundRect">
                 <a:avLst/>
               </a:prstGeom>
-              <a:blipFill>
-                <a:blip r:embed="rId8"/>
-                <a:stretch>
-                  <a:fillRect l="-21739" r="-10870" b="-15217"/>
-                </a:stretch>
-              </a:blipFill>
+              <a:ln w="19050"/>
             </p:spPr>
+            <p:style>
+              <a:lnRef idx="2">
+                <a:schemeClr val="dk1"/>
+              </a:lnRef>
+              <a:fillRef idx="1">
+                <a:schemeClr val="lt1"/>
+              </a:fillRef>
+              <a:effectRef idx="0">
+                <a:schemeClr val="dk1"/>
+              </a:effectRef>
+              <a:fontRef idx="minor">
+                <a:schemeClr val="dk1"/>
+              </a:fontRef>
+            </p:style>
             <p:txBody>
-              <a:bodyPr/>
+              <a:bodyPr rtlCol="0" anchor="ctr"/>
               <a:lstStyle/>
               <a:p>
+                <a:pPr algn="ctr"/>
                 <a:r>
-                  <a:rPr lang="en-US">
-                    <a:noFill/>
+                  <a:rPr lang="en-US" b="1" dirty="0" smtClean="0">
+                    <a:latin typeface="+mj-lt"/>
                   </a:rPr>
-                  <a:t> </a:t>
+                  <a:t>Sink</a:t>
                 </a:r>
-              </a:p>
-            </p:txBody>
-          </p:sp>
-        </mc:Fallback>
-      </mc:AlternateContent>
-      <mc:AlternateContent xmlns:mc="http://schemas.openxmlformats.org/markup-compatibility/2006" xmlns:a14="http://schemas.microsoft.com/office/drawing/2010/main">
-        <mc:Choice Requires="a14">
-          <p:sp>
-            <p:nvSpPr>
-              <p:cNvPr id="242" name="TextBox 241"/>
-              <p:cNvSpPr txBox="1"/>
-              <p:nvPr/>
-            </p:nvSpPr>
-            <p:spPr>
-              <a:xfrm>
-                <a:off x="5831641" y="3875420"/>
-                <a:ext cx="283667" cy="276999"/>
-              </a:xfrm>
-              <a:prstGeom prst="rect">
-                <a:avLst/>
-              </a:prstGeom>
-              <a:noFill/>
-            </p:spPr>
-            <p:txBody>
-              <a:bodyPr wrap="none" lIns="0" tIns="0" rIns="0" bIns="0" rtlCol="0">
-                <a:spAutoFit/>
-              </a:bodyPr>
-              <a:lstStyle/>
-              <a:p>
-                <a:pPr/>
-                <a14:m>
-                  <m:oMathPara xmlns:m="http://schemas.openxmlformats.org/officeDocument/2006/math">
-                    <m:oMathParaPr>
-                      <m:jc m:val="centerGroup"/>
-                    </m:oMathParaPr>
-                    <m:oMath xmlns:m="http://schemas.openxmlformats.org/officeDocument/2006/math">
-                      <m:sSub>
-                        <m:sSubPr>
-                          <m:ctrlPr>
-                            <a:rPr lang="en-US" b="1" i="1" smtClean="0">
-                              <a:latin typeface="Cambria Math" panose="02040503050406030204" pitchFamily="18" charset="0"/>
-                            </a:rPr>
-                          </m:ctrlPr>
-                        </m:sSubPr>
-                        <m:e>
-                          <m:r>
-                            <a:rPr lang="en-US" b="1" i="0" smtClean="0">
-                              <a:latin typeface="Cambria Math" panose="02040503050406030204" pitchFamily="18" charset="0"/>
-                            </a:rPr>
-                            <m:t>𝐒</m:t>
-                          </m:r>
-                        </m:e>
-                        <m:sub>
-                          <m:r>
-                            <a:rPr lang="en-US" b="1" i="0" smtClean="0">
-                              <a:latin typeface="Cambria Math" panose="02040503050406030204" pitchFamily="18" charset="0"/>
-                            </a:rPr>
-                            <m:t>𝟖</m:t>
-                          </m:r>
-                        </m:sub>
-                      </m:sSub>
-                    </m:oMath>
-                  </m:oMathPara>
-                </a14:m>
                 <a:endParaRPr lang="en-US" b="1" dirty="0">
                   <a:latin typeface="+mj-lt"/>
                 </a:endParaRPr>
               </a:p>
             </p:txBody>
           </p:sp>
-        </mc:Choice>
-        <mc:Fallback xmlns="">
+          <mc:AlternateContent xmlns:mc="http://schemas.openxmlformats.org/markup-compatibility/2006" xmlns:a14="http://schemas.microsoft.com/office/drawing/2010/main">
+            <mc:Choice Requires="a14">
+              <p:sp>
+                <p:nvSpPr>
+                  <p:cNvPr id="241" name="TextBox 240"/>
+                  <p:cNvSpPr txBox="1"/>
+                  <p:nvPr/>
+                </p:nvSpPr>
+                <p:spPr>
+                  <a:xfrm>
+                    <a:off x="5833474" y="3196646"/>
+                    <a:ext cx="283667" cy="277000"/>
+                  </a:xfrm>
+                  <a:prstGeom prst="rect">
+                    <a:avLst/>
+                  </a:prstGeom>
+                  <a:noFill/>
+                </p:spPr>
+                <p:txBody>
+                  <a:bodyPr wrap="none" lIns="0" tIns="0" rIns="0" bIns="0" rtlCol="0">
+                    <a:spAutoFit/>
+                  </a:bodyPr>
+                  <a:lstStyle/>
+                  <a:p>
+                    <a:pPr/>
+                    <a14:m>
+                      <m:oMathPara xmlns:m="http://schemas.openxmlformats.org/officeDocument/2006/math">
+                        <m:oMathParaPr>
+                          <m:jc m:val="centerGroup"/>
+                        </m:oMathParaPr>
+                        <m:oMath xmlns:m="http://schemas.openxmlformats.org/officeDocument/2006/math">
+                          <m:sSub>
+                            <m:sSubPr>
+                              <m:ctrlPr>
+                                <a:rPr lang="en-US" b="1" i="1" smtClean="0">
+                                  <a:latin typeface="Cambria Math" panose="02040503050406030204" pitchFamily="18" charset="0"/>
+                                </a:rPr>
+                              </m:ctrlPr>
+                            </m:sSubPr>
+                            <m:e>
+                              <m:r>
+                                <a:rPr lang="en-US" b="1" i="0" smtClean="0">
+                                  <a:latin typeface="Cambria Math" panose="02040503050406030204" pitchFamily="18" charset="0"/>
+                                </a:rPr>
+                                <m:t>𝐒</m:t>
+                              </m:r>
+                            </m:e>
+                            <m:sub>
+                              <m:r>
+                                <a:rPr lang="en-US" b="1" i="0" smtClean="0">
+                                  <a:latin typeface="Cambria Math" panose="02040503050406030204" pitchFamily="18" charset="0"/>
+                                </a:rPr>
+                                <m:t>𝟕</m:t>
+                              </m:r>
+                            </m:sub>
+                          </m:sSub>
+                        </m:oMath>
+                      </m:oMathPara>
+                    </a14:m>
+                    <a:endParaRPr lang="en-US" b="1" dirty="0">
+                      <a:latin typeface="+mj-lt"/>
+                    </a:endParaRPr>
+                  </a:p>
+                </p:txBody>
+              </p:sp>
+            </mc:Choice>
+            <mc:Fallback xmlns="">
+              <p:sp>
+                <p:nvSpPr>
+                  <p:cNvPr id="241" name="TextBox 240"/>
+                  <p:cNvSpPr txBox="1">
+                    <a:spLocks noRot="1" noChangeAspect="1" noMove="1" noResize="1" noEditPoints="1" noAdjustHandles="1" noChangeArrowheads="1" noChangeShapeType="1" noTextEdit="1"/>
+                  </p:cNvSpPr>
+                  <p:nvPr/>
+                </p:nvSpPr>
+                <p:spPr>
+                  <a:xfrm>
+                    <a:off x="5833474" y="3196646"/>
+                    <a:ext cx="283667" cy="277000"/>
+                  </a:xfrm>
+                  <a:prstGeom prst="rect">
+                    <a:avLst/>
+                  </a:prstGeom>
+                  <a:blipFill>
+                    <a:blip r:embed="rId8"/>
+                    <a:stretch>
+                      <a:fillRect l="-25581" r="-13953" b="-32500"/>
+                    </a:stretch>
+                  </a:blipFill>
+                </p:spPr>
+                <p:txBody>
+                  <a:bodyPr/>
+                  <a:lstStyle/>
+                  <a:p>
+                    <a:r>
+                      <a:rPr lang="en-US">
+                        <a:noFill/>
+                      </a:rPr>
+                      <a:t> </a:t>
+                    </a:r>
+                  </a:p>
+                </p:txBody>
+              </p:sp>
+            </mc:Fallback>
+          </mc:AlternateContent>
+          <mc:AlternateContent xmlns:mc="http://schemas.openxmlformats.org/markup-compatibility/2006">
+            <mc:Choice xmlns:a14="http://schemas.microsoft.com/office/drawing/2010/main" Requires="a14">
+              <p:sp>
+                <p:nvSpPr>
+                  <p:cNvPr id="242" name="TextBox 241"/>
+                  <p:cNvSpPr txBox="1"/>
+                  <p:nvPr/>
+                </p:nvSpPr>
+                <p:spPr>
+                  <a:xfrm>
+                    <a:off x="5846945" y="3796125"/>
+                    <a:ext cx="283667" cy="277000"/>
+                  </a:xfrm>
+                  <a:prstGeom prst="rect">
+                    <a:avLst/>
+                  </a:prstGeom>
+                  <a:noFill/>
+                </p:spPr>
+                <p:txBody>
+                  <a:bodyPr wrap="none" lIns="0" tIns="0" rIns="0" bIns="0" rtlCol="0">
+                    <a:spAutoFit/>
+                  </a:bodyPr>
+                  <a:lstStyle/>
+                  <a:p>
+                    <a:pPr/>
+                    <a14:m>
+                      <m:oMathPara xmlns:m="http://schemas.openxmlformats.org/officeDocument/2006/math">
+                        <m:oMathParaPr>
+                          <m:jc m:val="centerGroup"/>
+                        </m:oMathParaPr>
+                        <m:oMath xmlns:m="http://schemas.openxmlformats.org/officeDocument/2006/math">
+                          <m:sSub>
+                            <m:sSubPr>
+                              <m:ctrlPr>
+                                <a:rPr lang="en-US" b="1" i="1" smtClean="0">
+                                  <a:latin typeface="Cambria Math" panose="02040503050406030204" pitchFamily="18" charset="0"/>
+                                </a:rPr>
+                              </m:ctrlPr>
+                            </m:sSubPr>
+                            <m:e>
+                              <m:r>
+                                <a:rPr lang="en-US" b="1" i="0" smtClean="0">
+                                  <a:latin typeface="Cambria Math" panose="02040503050406030204" pitchFamily="18" charset="0"/>
+                                </a:rPr>
+                                <m:t>𝐒</m:t>
+                              </m:r>
+                            </m:e>
+                            <m:sub>
+                              <m:r>
+                                <a:rPr lang="en-US" b="1" i="0" smtClean="0">
+                                  <a:latin typeface="Cambria Math" panose="02040503050406030204" pitchFamily="18" charset="0"/>
+                                </a:rPr>
+                                <m:t>𝟖</m:t>
+                              </m:r>
+                            </m:sub>
+                          </m:sSub>
+                        </m:oMath>
+                      </m:oMathPara>
+                    </a14:m>
+                    <a:endParaRPr lang="en-US" b="1" dirty="0">
+                      <a:latin typeface="+mj-lt"/>
+                    </a:endParaRPr>
+                  </a:p>
+                </p:txBody>
+              </p:sp>
+            </mc:Choice>
+            <mc:Fallback>
+              <p:sp>
+                <p:nvSpPr>
+                  <p:cNvPr id="242" name="TextBox 241"/>
+                  <p:cNvSpPr txBox="1">
+                    <a:spLocks noRot="1" noChangeAspect="1" noMove="1" noResize="1" noEditPoints="1" noAdjustHandles="1" noChangeArrowheads="1" noChangeShapeType="1" noTextEdit="1"/>
+                  </p:cNvSpPr>
+                  <p:nvPr/>
+                </p:nvSpPr>
+                <p:spPr>
+                  <a:xfrm>
+                    <a:off x="5846945" y="3796125"/>
+                    <a:ext cx="283667" cy="277000"/>
+                  </a:xfrm>
+                  <a:prstGeom prst="rect">
+                    <a:avLst/>
+                  </a:prstGeom>
+                  <a:blipFill>
+                    <a:blip r:embed="rId9"/>
+                    <a:stretch>
+                      <a:fillRect l="-25581" r="-13953" b="-35897"/>
+                    </a:stretch>
+                  </a:blipFill>
+                </p:spPr>
+                <p:txBody>
+                  <a:bodyPr/>
+                  <a:lstStyle/>
+                  <a:p>
+                    <a:r>
+                      <a:rPr lang="en-US">
+                        <a:noFill/>
+                      </a:rPr>
+                      <a:t> </a:t>
+                    </a:r>
+                  </a:p>
+                </p:txBody>
+              </p:sp>
+            </mc:Fallback>
+          </mc:AlternateContent>
+          <mc:AlternateContent xmlns:mc="http://schemas.openxmlformats.org/markup-compatibility/2006" xmlns:a14="http://schemas.microsoft.com/office/drawing/2010/main">
+            <mc:Choice Requires="a14">
+              <p:sp>
+                <p:nvSpPr>
+                  <p:cNvPr id="244" name="TextBox 243"/>
+                  <p:cNvSpPr txBox="1"/>
+                  <p:nvPr/>
+                </p:nvSpPr>
+                <p:spPr>
+                  <a:xfrm>
+                    <a:off x="9583100" y="4144495"/>
+                    <a:ext cx="384656" cy="276999"/>
+                  </a:xfrm>
+                  <a:prstGeom prst="rect">
+                    <a:avLst/>
+                  </a:prstGeom>
+                  <a:noFill/>
+                </p:spPr>
+                <p:txBody>
+                  <a:bodyPr wrap="none" lIns="0" tIns="0" rIns="0" bIns="0" rtlCol="0">
+                    <a:spAutoFit/>
+                  </a:bodyPr>
+                  <a:lstStyle/>
+                  <a:p>
+                    <a:pPr/>
+                    <a14:m>
+                      <m:oMathPara xmlns:m="http://schemas.openxmlformats.org/officeDocument/2006/math">
+                        <m:oMathParaPr>
+                          <m:jc m:val="centerGroup"/>
+                        </m:oMathParaPr>
+                        <m:oMath xmlns:m="http://schemas.openxmlformats.org/officeDocument/2006/math">
+                          <m:sSub>
+                            <m:sSubPr>
+                              <m:ctrlPr>
+                                <a:rPr lang="en-US" b="1" i="1" smtClean="0">
+                                  <a:latin typeface="Cambria Math" panose="02040503050406030204" pitchFamily="18" charset="0"/>
+                                </a:rPr>
+                              </m:ctrlPr>
+                            </m:sSubPr>
+                            <m:e>
+                              <m:r>
+                                <a:rPr lang="en-US" b="1" i="0" smtClean="0">
+                                  <a:latin typeface="Cambria Math" panose="02040503050406030204" pitchFamily="18" charset="0"/>
+                                </a:rPr>
+                                <m:t>𝐒</m:t>
+                              </m:r>
+                            </m:e>
+                            <m:sub>
+                              <m:r>
+                                <a:rPr lang="en-US" b="1" i="0" smtClean="0">
+                                  <a:latin typeface="Cambria Math" panose="02040503050406030204" pitchFamily="18" charset="0"/>
+                                </a:rPr>
+                                <m:t>𝟏𝟎</m:t>
+                              </m:r>
+                            </m:sub>
+                          </m:sSub>
+                        </m:oMath>
+                      </m:oMathPara>
+                    </a14:m>
+                    <a:endParaRPr lang="en-US" b="1" dirty="0">
+                      <a:latin typeface="+mj-lt"/>
+                    </a:endParaRPr>
+                  </a:p>
+                </p:txBody>
+              </p:sp>
+            </mc:Choice>
+            <mc:Fallback xmlns="">
+              <p:sp>
+                <p:nvSpPr>
+                  <p:cNvPr id="244" name="TextBox 243"/>
+                  <p:cNvSpPr txBox="1">
+                    <a:spLocks noRot="1" noChangeAspect="1" noMove="1" noResize="1" noEditPoints="1" noAdjustHandles="1" noChangeArrowheads="1" noChangeShapeType="1" noTextEdit="1"/>
+                  </p:cNvSpPr>
+                  <p:nvPr/>
+                </p:nvSpPr>
+                <p:spPr>
+                  <a:xfrm>
+                    <a:off x="9583100" y="4144495"/>
+                    <a:ext cx="384656" cy="276999"/>
+                  </a:xfrm>
+                  <a:prstGeom prst="rect">
+                    <a:avLst/>
+                  </a:prstGeom>
+                  <a:blipFill>
+                    <a:blip r:embed="rId10"/>
+                    <a:stretch>
+                      <a:fillRect l="-20690" r="-13793" b="-35897"/>
+                    </a:stretch>
+                  </a:blipFill>
+                </p:spPr>
+                <p:txBody>
+                  <a:bodyPr/>
+                  <a:lstStyle/>
+                  <a:p>
+                    <a:r>
+                      <a:rPr lang="en-US">
+                        <a:noFill/>
+                      </a:rPr>
+                      <a:t> </a:t>
+                    </a:r>
+                  </a:p>
+                </p:txBody>
+              </p:sp>
+            </mc:Fallback>
+          </mc:AlternateContent>
+          <p:cxnSp>
+            <p:nvCxnSpPr>
+              <p:cNvPr id="9" name="Straight Arrow Connector 8"/>
+              <p:cNvCxnSpPr/>
+              <p:nvPr/>
+            </p:nvCxnSpPr>
+            <p:spPr>
+              <a:xfrm>
+                <a:off x="5676227" y="3562165"/>
+                <a:ext cx="3002556" cy="0"/>
+              </a:xfrm>
+              <a:prstGeom prst="straightConnector1">
+                <a:avLst/>
+              </a:prstGeom>
+              <a:ln w="19050">
+                <a:tailEnd type="triangle"/>
+              </a:ln>
+            </p:spPr>
+            <p:style>
+              <a:lnRef idx="1">
+                <a:schemeClr val="dk1"/>
+              </a:lnRef>
+              <a:fillRef idx="0">
+                <a:schemeClr val="dk1"/>
+              </a:fillRef>
+              <a:effectRef idx="0">
+                <a:schemeClr val="dk1"/>
+              </a:effectRef>
+              <a:fontRef idx="minor">
+                <a:schemeClr val="tx1"/>
+              </a:fontRef>
+            </p:style>
+          </p:cxnSp>
+          <p:cxnSp>
+            <p:nvCxnSpPr>
+              <p:cNvPr id="19" name="Elbow Connector 18"/>
+              <p:cNvCxnSpPr>
+                <a:stCxn id="169" idx="3"/>
+                <a:endCxn id="172" idx="1"/>
+              </p:cNvCxnSpPr>
+              <p:nvPr/>
+            </p:nvCxnSpPr>
+            <p:spPr>
+              <a:xfrm flipH="1">
+                <a:off x="1451077" y="1353887"/>
+                <a:ext cx="9036340" cy="2506782"/>
+              </a:xfrm>
+              <a:prstGeom prst="bentConnector5">
+                <a:avLst>
+                  <a:gd name="adj1" fmla="val -4111"/>
+                  <a:gd name="adj2" fmla="val 38601"/>
+                  <a:gd name="adj3" fmla="val 102530"/>
+                </a:avLst>
+              </a:prstGeom>
+              <a:ln w="19050">
+                <a:tailEnd type="triangle"/>
+              </a:ln>
+            </p:spPr>
+            <p:style>
+              <a:lnRef idx="1">
+                <a:schemeClr val="dk1"/>
+              </a:lnRef>
+              <a:fillRef idx="0">
+                <a:schemeClr val="dk1"/>
+              </a:fillRef>
+              <a:effectRef idx="0">
+                <a:schemeClr val="dk1"/>
+              </a:effectRef>
+              <a:fontRef idx="minor">
+                <a:schemeClr val="tx1"/>
+              </a:fontRef>
+            </p:style>
+          </p:cxnSp>
+          <p:cxnSp>
+            <p:nvCxnSpPr>
+              <p:cNvPr id="50" name="Straight Arrow Connector 49"/>
+              <p:cNvCxnSpPr>
+                <a:stCxn id="96" idx="2"/>
+                <a:endCxn id="230" idx="0"/>
+              </p:cNvCxnSpPr>
+              <p:nvPr/>
+            </p:nvCxnSpPr>
+            <p:spPr>
+              <a:xfrm flipH="1">
+                <a:off x="9575854" y="4862998"/>
+                <a:ext cx="1" cy="660382"/>
+              </a:xfrm>
+              <a:prstGeom prst="straightConnector1">
+                <a:avLst/>
+              </a:prstGeom>
+              <a:ln w="19050">
+                <a:tailEnd type="triangle"/>
+              </a:ln>
+            </p:spPr>
+            <p:style>
+              <a:lnRef idx="1">
+                <a:schemeClr val="dk1"/>
+              </a:lnRef>
+              <a:fillRef idx="0">
+                <a:schemeClr val="dk1"/>
+              </a:fillRef>
+              <a:effectRef idx="0">
+                <a:schemeClr val="dk1"/>
+              </a:effectRef>
+              <a:fontRef idx="minor">
+                <a:schemeClr val="tx1"/>
+              </a:fontRef>
+            </p:style>
+          </p:cxnSp>
+          <p:cxnSp>
+            <p:nvCxnSpPr>
+              <p:cNvPr id="57" name="Straight Arrow Connector 56"/>
+              <p:cNvCxnSpPr>
+                <a:stCxn id="172" idx="3"/>
+                <a:endCxn id="174" idx="1"/>
+              </p:cNvCxnSpPr>
+              <p:nvPr/>
+            </p:nvCxnSpPr>
+            <p:spPr>
+              <a:xfrm flipV="1">
+                <a:off x="3259711" y="3860651"/>
+                <a:ext cx="596861" cy="18"/>
+              </a:xfrm>
+              <a:prstGeom prst="straightConnector1">
+                <a:avLst/>
+              </a:prstGeom>
+              <a:ln w="19050">
+                <a:tailEnd type="triangle"/>
+              </a:ln>
+            </p:spPr>
+            <p:style>
+              <a:lnRef idx="1">
+                <a:schemeClr val="dk1"/>
+              </a:lnRef>
+              <a:fillRef idx="0">
+                <a:schemeClr val="dk1"/>
+              </a:fillRef>
+              <a:effectRef idx="0">
+                <a:schemeClr val="dk1"/>
+              </a:effectRef>
+              <a:fontRef idx="minor">
+                <a:schemeClr val="tx1"/>
+              </a:fontRef>
+            </p:style>
+          </p:cxnSp>
           <p:sp>
             <p:nvSpPr>
-              <p:cNvPr id="242" name="TextBox 241"/>
-              <p:cNvSpPr txBox="1">
-                <a:spLocks noRot="1" noChangeAspect="1" noMove="1" noResize="1" noEditPoints="1" noAdjustHandles="1" noChangeArrowheads="1" noChangeShapeType="1" noTextEdit="1"/>
-              </p:cNvSpPr>
+              <p:cNvPr id="96" name="Rounded Rectangle 95"/>
+              <p:cNvSpPr/>
               <p:nvPr/>
             </p:nvSpPr>
             <p:spPr>
               <a:xfrm>
-                <a:off x="5831641" y="3875420"/>
-                <a:ext cx="283667" cy="276999"/>
+                <a:off x="8674341" y="2858302"/>
+                <a:ext cx="1803027" cy="2004696"/>
               </a:xfrm>
-              <a:prstGeom prst="rect">
+              <a:prstGeom prst="roundRect">
                 <a:avLst/>
               </a:prstGeom>
-              <a:blipFill>
-                <a:blip r:embed="rId9"/>
-                <a:stretch>
-                  <a:fillRect l="-21739" r="-10870" b="-17778"/>
-                </a:stretch>
-              </a:blipFill>
+              <a:ln w="19050"/>
             </p:spPr>
+            <p:style>
+              <a:lnRef idx="2">
+                <a:schemeClr val="dk1"/>
+              </a:lnRef>
+              <a:fillRef idx="1">
+                <a:schemeClr val="lt1"/>
+              </a:fillRef>
+              <a:effectRef idx="0">
+                <a:schemeClr val="dk1"/>
+              </a:effectRef>
+              <a:fontRef idx="minor">
+                <a:schemeClr val="dk1"/>
+              </a:fontRef>
+            </p:style>
             <p:txBody>
-              <a:bodyPr/>
+              <a:bodyPr rtlCol="0" anchor="ctr"/>
               <a:lstStyle/>
               <a:p>
+                <a:pPr algn="ctr"/>
                 <a:r>
-                  <a:rPr lang="en-US">
-                    <a:noFill/>
+                  <a:rPr lang="en-US" b="1" dirty="0" smtClean="0">
+                    <a:latin typeface="+mj-lt"/>
                   </a:rPr>
-                  <a:t> </a:t>
+                  <a:t>IQ Modulator</a:t>
                 </a:r>
-              </a:p>
-            </p:txBody>
-          </p:sp>
-        </mc:Fallback>
-      </mc:AlternateContent>
-      <mc:AlternateContent xmlns:mc="http://schemas.openxmlformats.org/markup-compatibility/2006" xmlns:a14="http://schemas.microsoft.com/office/drawing/2010/main">
-        <mc:Choice Requires="a14">
-          <p:sp>
-            <p:nvSpPr>
-              <p:cNvPr id="244" name="TextBox 243"/>
-              <p:cNvSpPr txBox="1"/>
-              <p:nvPr/>
-            </p:nvSpPr>
-            <p:spPr>
-              <a:xfrm>
-                <a:off x="9583100" y="4144495"/>
-                <a:ext cx="384656" cy="276999"/>
-              </a:xfrm>
-              <a:prstGeom prst="rect">
-                <a:avLst/>
-              </a:prstGeom>
-              <a:noFill/>
-            </p:spPr>
-            <p:txBody>
-              <a:bodyPr wrap="none" lIns="0" tIns="0" rIns="0" bIns="0" rtlCol="0">
-                <a:spAutoFit/>
-              </a:bodyPr>
-              <a:lstStyle/>
-              <a:p>
-                <a:pPr/>
-                <a14:m>
-                  <m:oMathPara xmlns:m="http://schemas.openxmlformats.org/officeDocument/2006/math">
-                    <m:oMathParaPr>
-                      <m:jc m:val="centerGroup"/>
-                    </m:oMathParaPr>
-                    <m:oMath xmlns:m="http://schemas.openxmlformats.org/officeDocument/2006/math">
-                      <m:sSub>
-                        <m:sSubPr>
-                          <m:ctrlPr>
-                            <a:rPr lang="en-US" b="1" i="1" smtClean="0">
-                              <a:latin typeface="Cambria Math" panose="02040503050406030204" pitchFamily="18" charset="0"/>
-                            </a:rPr>
-                          </m:ctrlPr>
-                        </m:sSubPr>
-                        <m:e>
-                          <m:r>
-                            <a:rPr lang="en-US" b="1" i="0" smtClean="0">
-                              <a:latin typeface="Cambria Math" panose="02040503050406030204" pitchFamily="18" charset="0"/>
-                            </a:rPr>
-                            <m:t>𝐒</m:t>
-                          </m:r>
-                        </m:e>
-                        <m:sub>
-                          <m:r>
-                            <a:rPr lang="en-US" b="1" i="0" smtClean="0">
-                              <a:latin typeface="Cambria Math" panose="02040503050406030204" pitchFamily="18" charset="0"/>
-                            </a:rPr>
-                            <m:t>𝟏𝟎</m:t>
-                          </m:r>
-                        </m:sub>
-                      </m:sSub>
-                    </m:oMath>
-                  </m:oMathPara>
-                </a14:m>
                 <a:endParaRPr lang="en-US" b="1" dirty="0">
                   <a:latin typeface="+mj-lt"/>
                 </a:endParaRPr>
               </a:p>
             </p:txBody>
           </p:sp>
-        </mc:Choice>
-        <mc:Fallback xmlns="">
+          <p:cxnSp>
+            <p:nvCxnSpPr>
+              <p:cNvPr id="36" name="Straight Arrow Connector 35"/>
+              <p:cNvCxnSpPr>
+                <a:endCxn id="41" idx="1"/>
+              </p:cNvCxnSpPr>
+              <p:nvPr/>
+            </p:nvCxnSpPr>
+            <p:spPr>
+              <a:xfrm>
+                <a:off x="5676227" y="4157663"/>
+                <a:ext cx="592619" cy="0"/>
+              </a:xfrm>
+              <a:prstGeom prst="straightConnector1">
+                <a:avLst/>
+              </a:prstGeom>
+              <a:ln w="19050">
+                <a:tailEnd type="triangle"/>
+              </a:ln>
+            </p:spPr>
+            <p:style>
+              <a:lnRef idx="1">
+                <a:schemeClr val="dk1"/>
+              </a:lnRef>
+              <a:fillRef idx="0">
+                <a:schemeClr val="dk1"/>
+              </a:fillRef>
+              <a:effectRef idx="0">
+                <a:schemeClr val="dk1"/>
+              </a:effectRef>
+              <a:fontRef idx="minor">
+                <a:schemeClr val="tx1"/>
+              </a:fontRef>
+            </p:style>
+          </p:cxnSp>
           <p:sp>
             <p:nvSpPr>
-              <p:cNvPr id="244" name="TextBox 243"/>
-              <p:cNvSpPr txBox="1">
-                <a:spLocks noRot="1" noChangeAspect="1" noMove="1" noResize="1" noEditPoints="1" noAdjustHandles="1" noChangeArrowheads="1" noChangeShapeType="1" noTextEdit="1"/>
-              </p:cNvSpPr>
+              <p:cNvPr id="41" name="Rounded Rectangle 40"/>
+              <p:cNvSpPr/>
               <p:nvPr/>
             </p:nvSpPr>
             <p:spPr>
               <a:xfrm>
-                <a:off x="9583100" y="4144495"/>
-                <a:ext cx="384656" cy="276999"/>
+                <a:off x="6268846" y="3860651"/>
+                <a:ext cx="1808633" cy="594024"/>
               </a:xfrm>
-              <a:prstGeom prst="rect">
+              <a:prstGeom prst="roundRect">
                 <a:avLst/>
               </a:prstGeom>
-              <a:blipFill>
-                <a:blip r:embed="rId11"/>
-                <a:stretch>
-                  <a:fillRect l="-14286" r="-7937" b="-17778"/>
-                </a:stretch>
-              </a:blipFill>
+              <a:ln w="19050"/>
             </p:spPr>
+            <p:style>
+              <a:lnRef idx="2">
+                <a:schemeClr val="dk1"/>
+              </a:lnRef>
+              <a:fillRef idx="1">
+                <a:schemeClr val="lt1"/>
+              </a:fillRef>
+              <a:effectRef idx="0">
+                <a:schemeClr val="dk1"/>
+              </a:effectRef>
+              <a:fontRef idx="minor">
+                <a:schemeClr val="dk1"/>
+              </a:fontRef>
+            </p:style>
             <p:txBody>
-              <a:bodyPr/>
+              <a:bodyPr rtlCol="0" anchor="ctr"/>
               <a:lstStyle/>
               <a:p>
+                <a:pPr algn="ctr"/>
                 <a:r>
-                  <a:rPr lang="en-US">
-                    <a:noFill/>
+                  <a:rPr lang="en-US" b="1" dirty="0" smtClean="0">
+                    <a:latin typeface="+mj-lt"/>
                   </a:rPr>
-                  <a:t> </a:t>
+                  <a:t>Hilbert Transformer</a:t>
                 </a:r>
-              </a:p>
-            </p:txBody>
-          </p:sp>
-        </mc:Fallback>
-      </mc:AlternateContent>
-      <p:cxnSp>
-        <p:nvCxnSpPr>
-          <p:cNvPr id="9" name="Straight Arrow Connector 8"/>
-          <p:cNvCxnSpPr/>
-          <p:nvPr/>
-        </p:nvCxnSpPr>
-        <p:spPr>
-          <a:xfrm>
-            <a:off x="5676227" y="3562165"/>
-            <a:ext cx="3002556" cy="0"/>
-          </a:xfrm>
-          <a:prstGeom prst="straightConnector1">
-            <a:avLst/>
-          </a:prstGeom>
-          <a:ln w="19050">
-            <a:tailEnd type="triangle"/>
-          </a:ln>
-        </p:spPr>
-        <p:style>
-          <a:lnRef idx="1">
-            <a:schemeClr val="dk1"/>
-          </a:lnRef>
-          <a:fillRef idx="0">
-            <a:schemeClr val="dk1"/>
-          </a:fillRef>
-          <a:effectRef idx="0">
-            <a:schemeClr val="dk1"/>
-          </a:effectRef>
-          <a:fontRef idx="minor">
-            <a:schemeClr val="tx1"/>
-          </a:fontRef>
-        </p:style>
-      </p:cxnSp>
-      <p:cxnSp>
-        <p:nvCxnSpPr>
-          <p:cNvPr id="19" name="Elbow Connector 18"/>
-          <p:cNvCxnSpPr>
-            <a:stCxn id="169" idx="3"/>
-            <a:endCxn id="172" idx="1"/>
-          </p:cNvCxnSpPr>
-          <p:nvPr/>
-        </p:nvCxnSpPr>
-        <p:spPr>
-          <a:xfrm flipH="1">
-            <a:off x="1451077" y="1353887"/>
-            <a:ext cx="9036340" cy="2506782"/>
-          </a:xfrm>
-          <a:prstGeom prst="bentConnector5">
-            <a:avLst>
-              <a:gd name="adj1" fmla="val -4111"/>
-              <a:gd name="adj2" fmla="val 38601"/>
-              <a:gd name="adj3" fmla="val 102530"/>
-            </a:avLst>
-          </a:prstGeom>
-          <a:ln w="19050">
-            <a:tailEnd type="triangle"/>
-          </a:ln>
-        </p:spPr>
-        <p:style>
-          <a:lnRef idx="1">
-            <a:schemeClr val="dk1"/>
-          </a:lnRef>
-          <a:fillRef idx="0">
-            <a:schemeClr val="dk1"/>
-          </a:fillRef>
-          <a:effectRef idx="0">
-            <a:schemeClr val="dk1"/>
-          </a:effectRef>
-          <a:fontRef idx="minor">
-            <a:schemeClr val="tx1"/>
-          </a:fontRef>
-        </p:style>
-      </p:cxnSp>
-      <p:cxnSp>
-        <p:nvCxnSpPr>
-          <p:cNvPr id="50" name="Straight Arrow Connector 49"/>
-          <p:cNvCxnSpPr>
-            <a:stCxn id="96" idx="2"/>
-            <a:endCxn id="230" idx="0"/>
-          </p:cNvCxnSpPr>
-          <p:nvPr/>
-        </p:nvCxnSpPr>
-        <p:spPr>
-          <a:xfrm flipH="1">
-            <a:off x="9575854" y="4862998"/>
-            <a:ext cx="1" cy="660382"/>
-          </a:xfrm>
-          <a:prstGeom prst="straightConnector1">
-            <a:avLst/>
-          </a:prstGeom>
-          <a:ln w="19050">
-            <a:tailEnd type="triangle"/>
-          </a:ln>
-        </p:spPr>
-        <p:style>
-          <a:lnRef idx="1">
-            <a:schemeClr val="dk1"/>
-          </a:lnRef>
-          <a:fillRef idx="0">
-            <a:schemeClr val="dk1"/>
-          </a:fillRef>
-          <a:effectRef idx="0">
-            <a:schemeClr val="dk1"/>
-          </a:effectRef>
-          <a:fontRef idx="minor">
-            <a:schemeClr val="tx1"/>
-          </a:fontRef>
-        </p:style>
-      </p:cxnSp>
-      <p:cxnSp>
-        <p:nvCxnSpPr>
-          <p:cNvPr id="57" name="Straight Arrow Connector 56"/>
-          <p:cNvCxnSpPr>
-            <a:stCxn id="172" idx="3"/>
-            <a:endCxn id="174" idx="1"/>
-          </p:cNvCxnSpPr>
-          <p:nvPr/>
-        </p:nvCxnSpPr>
-        <p:spPr>
-          <a:xfrm flipV="1">
-            <a:off x="3259711" y="3860651"/>
-            <a:ext cx="596861" cy="18"/>
-          </a:xfrm>
-          <a:prstGeom prst="straightConnector1">
-            <a:avLst/>
-          </a:prstGeom>
-          <a:ln w="19050">
-            <a:tailEnd type="triangle"/>
-          </a:ln>
-        </p:spPr>
-        <p:style>
-          <a:lnRef idx="1">
-            <a:schemeClr val="dk1"/>
-          </a:lnRef>
-          <a:fillRef idx="0">
-            <a:schemeClr val="dk1"/>
-          </a:fillRef>
-          <a:effectRef idx="0">
-            <a:schemeClr val="dk1"/>
-          </a:effectRef>
-          <a:fontRef idx="minor">
-            <a:schemeClr val="tx1"/>
-          </a:fontRef>
-        </p:style>
-      </p:cxnSp>
-      <p:sp>
-        <p:nvSpPr>
-          <p:cNvPr id="96" name="Rounded Rectangle 95"/>
-          <p:cNvSpPr/>
-          <p:nvPr/>
-        </p:nvSpPr>
-        <p:spPr>
-          <a:xfrm>
-            <a:off x="8674341" y="2858302"/>
-            <a:ext cx="1803027" cy="2004696"/>
-          </a:xfrm>
-          <a:prstGeom prst="roundRect">
-            <a:avLst/>
-          </a:prstGeom>
-          <a:ln w="19050"/>
-        </p:spPr>
-        <p:style>
-          <a:lnRef idx="2">
-            <a:schemeClr val="dk1"/>
-          </a:lnRef>
-          <a:fillRef idx="1">
-            <a:schemeClr val="lt1"/>
-          </a:fillRef>
-          <a:effectRef idx="0">
-            <a:schemeClr val="dk1"/>
-          </a:effectRef>
-          <a:fontRef idx="minor">
-            <a:schemeClr val="dk1"/>
-          </a:fontRef>
-        </p:style>
-        <p:txBody>
-          <a:bodyPr rtlCol="0" anchor="ctr"/>
-          <a:lstStyle/>
-          <a:p>
-            <a:pPr algn="ctr"/>
-            <a:r>
-              <a:rPr lang="en-US" b="1" dirty="0" smtClean="0">
-                <a:latin typeface="+mj-lt"/>
-              </a:rPr>
-              <a:t>IQ Modulator</a:t>
-            </a:r>
-            <a:endParaRPr lang="en-US" b="1" dirty="0">
-              <a:latin typeface="+mj-lt"/>
-            </a:endParaRPr>
-          </a:p>
-        </p:txBody>
-      </p:sp>
-      <p:cxnSp>
-        <p:nvCxnSpPr>
-          <p:cNvPr id="36" name="Straight Arrow Connector 35"/>
-          <p:cNvCxnSpPr>
-            <a:endCxn id="41" idx="1"/>
-          </p:cNvCxnSpPr>
-          <p:nvPr/>
-        </p:nvCxnSpPr>
-        <p:spPr>
-          <a:xfrm>
-            <a:off x="5665206" y="4179313"/>
-            <a:ext cx="603640" cy="1"/>
-          </a:xfrm>
-          <a:prstGeom prst="straightConnector1">
-            <a:avLst/>
-          </a:prstGeom>
-          <a:ln w="19050">
-            <a:tailEnd type="triangle"/>
-          </a:ln>
-        </p:spPr>
-        <p:style>
-          <a:lnRef idx="1">
-            <a:schemeClr val="dk1"/>
-          </a:lnRef>
-          <a:fillRef idx="0">
-            <a:schemeClr val="dk1"/>
-          </a:fillRef>
-          <a:effectRef idx="0">
-            <a:schemeClr val="dk1"/>
-          </a:effectRef>
-          <a:fontRef idx="minor">
-            <a:schemeClr val="tx1"/>
-          </a:fontRef>
-        </p:style>
-      </p:cxnSp>
-      <p:sp>
-        <p:nvSpPr>
-          <p:cNvPr id="41" name="Rounded Rectangle 40"/>
-          <p:cNvSpPr/>
-          <p:nvPr/>
-        </p:nvSpPr>
-        <p:spPr>
-          <a:xfrm>
-            <a:off x="6268846" y="3903953"/>
-            <a:ext cx="1808634" cy="550721"/>
-          </a:xfrm>
-          <a:prstGeom prst="roundRect">
-            <a:avLst/>
-          </a:prstGeom>
-          <a:ln w="19050"/>
-        </p:spPr>
-        <p:style>
-          <a:lnRef idx="2">
-            <a:schemeClr val="dk1"/>
-          </a:lnRef>
-          <a:fillRef idx="1">
-            <a:schemeClr val="lt1"/>
-          </a:fillRef>
-          <a:effectRef idx="0">
-            <a:schemeClr val="dk1"/>
-          </a:effectRef>
-          <a:fontRef idx="minor">
-            <a:schemeClr val="dk1"/>
-          </a:fontRef>
-        </p:style>
-        <p:txBody>
-          <a:bodyPr rtlCol="0" anchor="ctr"/>
-          <a:lstStyle/>
-          <a:p>
-            <a:pPr algn="ctr"/>
-            <a:r>
-              <a:rPr lang="en-US" b="1" dirty="0" smtClean="0">
-                <a:latin typeface="+mj-lt"/>
-              </a:rPr>
-              <a:t>Hilbert Transformer</a:t>
-            </a:r>
-            <a:endParaRPr lang="en-US" b="1" dirty="0">
-              <a:latin typeface="+mj-lt"/>
-            </a:endParaRPr>
-          </a:p>
-        </p:txBody>
-      </p:sp>
-      <p:cxnSp>
-        <p:nvCxnSpPr>
-          <p:cNvPr id="45" name="Straight Arrow Connector 44"/>
-          <p:cNvCxnSpPr>
-            <a:stCxn id="41" idx="3"/>
-          </p:cNvCxnSpPr>
-          <p:nvPr/>
-        </p:nvCxnSpPr>
-        <p:spPr>
-          <a:xfrm flipV="1">
-            <a:off x="8077480" y="4179313"/>
-            <a:ext cx="596861" cy="1"/>
-          </a:xfrm>
-          <a:prstGeom prst="straightConnector1">
-            <a:avLst/>
-          </a:prstGeom>
-          <a:ln w="19050">
-            <a:tailEnd type="triangle"/>
-          </a:ln>
-        </p:spPr>
-        <p:style>
-          <a:lnRef idx="1">
-            <a:schemeClr val="dk1"/>
-          </a:lnRef>
-          <a:fillRef idx="0">
-            <a:schemeClr val="dk1"/>
-          </a:fillRef>
-          <a:effectRef idx="0">
-            <a:schemeClr val="dk1"/>
-          </a:effectRef>
-          <a:fontRef idx="minor">
-            <a:schemeClr val="tx1"/>
-          </a:fontRef>
-        </p:style>
-      </p:cxnSp>
-      <mc:AlternateContent xmlns:mc="http://schemas.openxmlformats.org/markup-compatibility/2006" xmlns:a14="http://schemas.microsoft.com/office/drawing/2010/main">
-        <mc:Choice Requires="a14">
-          <p:sp>
-            <p:nvSpPr>
-              <p:cNvPr id="54" name="TextBox 53"/>
-              <p:cNvSpPr txBox="1"/>
-              <p:nvPr/>
-            </p:nvSpPr>
-            <p:spPr>
-              <a:xfrm>
-                <a:off x="8230144" y="3880810"/>
-                <a:ext cx="283667" cy="276999"/>
-              </a:xfrm>
-              <a:prstGeom prst="rect">
-                <a:avLst/>
-              </a:prstGeom>
-              <a:noFill/>
-            </p:spPr>
-            <p:txBody>
-              <a:bodyPr wrap="none" lIns="0" tIns="0" rIns="0" bIns="0" rtlCol="0">
-                <a:spAutoFit/>
-              </a:bodyPr>
-              <a:lstStyle/>
-              <a:p>
-                <a:pPr/>
-                <a14:m>
-                  <m:oMathPara xmlns:m="http://schemas.openxmlformats.org/officeDocument/2006/math">
-                    <m:oMathParaPr>
-                      <m:jc m:val="centerGroup"/>
-                    </m:oMathParaPr>
-                    <m:oMath xmlns:m="http://schemas.openxmlformats.org/officeDocument/2006/math">
-                      <m:sSub>
-                        <m:sSubPr>
-                          <m:ctrlPr>
-                            <a:rPr lang="en-US" b="1" i="1" smtClean="0">
-                              <a:latin typeface="Cambria Math" panose="02040503050406030204" pitchFamily="18" charset="0"/>
-                            </a:rPr>
-                          </m:ctrlPr>
-                        </m:sSubPr>
-                        <m:e>
-                          <m:r>
-                            <a:rPr lang="en-US" b="1" i="0" smtClean="0">
-                              <a:latin typeface="Cambria Math" panose="02040503050406030204" pitchFamily="18" charset="0"/>
-                            </a:rPr>
-                            <m:t>𝐒</m:t>
-                          </m:r>
-                        </m:e>
-                        <m:sub>
-                          <m:r>
-                            <a:rPr lang="en-US" b="1" i="1" smtClean="0">
-                              <a:latin typeface="Cambria Math" panose="02040503050406030204" pitchFamily="18" charset="0"/>
-                            </a:rPr>
-                            <m:t>𝟗</m:t>
-                          </m:r>
-                        </m:sub>
-                      </m:sSub>
-                    </m:oMath>
-                  </m:oMathPara>
-                </a14:m>
                 <a:endParaRPr lang="en-US" b="1" dirty="0">
                   <a:latin typeface="+mj-lt"/>
                 </a:endParaRPr>
               </a:p>
             </p:txBody>
           </p:sp>
-        </mc:Choice>
-        <mc:Fallback xmlns="">
-          <p:sp>
-            <p:nvSpPr>
-              <p:cNvPr id="54" name="TextBox 53"/>
-              <p:cNvSpPr txBox="1">
-                <a:spLocks noRot="1" noChangeAspect="1" noMove="1" noResize="1" noEditPoints="1" noAdjustHandles="1" noChangeArrowheads="1" noChangeShapeType="1" noTextEdit="1"/>
-              </p:cNvSpPr>
+          <p:cxnSp>
+            <p:nvCxnSpPr>
+              <p:cNvPr id="45" name="Straight Arrow Connector 44"/>
+              <p:cNvCxnSpPr>
+                <a:stCxn id="41" idx="3"/>
+              </p:cNvCxnSpPr>
               <p:nvPr/>
-            </p:nvSpPr>
+            </p:nvCxnSpPr>
             <p:spPr>
               <a:xfrm>
-                <a:off x="8230144" y="3880810"/>
-                <a:ext cx="283667" cy="276999"/>
+                <a:off x="8077479" y="4157663"/>
+                <a:ext cx="596860" cy="0"/>
               </a:xfrm>
-              <a:prstGeom prst="rect">
+              <a:prstGeom prst="straightConnector1">
                 <a:avLst/>
               </a:prstGeom>
-              <a:blipFill>
-                <a:blip r:embed="rId12"/>
-                <a:stretch>
-                  <a:fillRect l="-19149" r="-8511" b="-17778"/>
-                </a:stretch>
-              </a:blipFill>
+              <a:ln w="19050">
+                <a:tailEnd type="triangle"/>
+              </a:ln>
             </p:spPr>
-            <p:txBody>
-              <a:bodyPr/>
-              <a:lstStyle/>
-              <a:p>
-                <a:r>
-                  <a:rPr lang="en-US">
-                    <a:noFill/>
-                  </a:rPr>
-                  <a:t> </a:t>
-                </a:r>
-              </a:p>
-            </p:txBody>
-          </p:sp>
-        </mc:Fallback>
-      </mc:AlternateContent>
-      <mc:AlternateContent xmlns:mc="http://schemas.openxmlformats.org/markup-compatibility/2006">
-        <mc:Choice xmlns:a14="http://schemas.microsoft.com/office/drawing/2010/main" Requires="a14">
-          <p:sp>
-            <p:nvSpPr>
-              <p:cNvPr id="32" name="TextBox 31"/>
-              <p:cNvSpPr txBox="1"/>
-              <p:nvPr/>
-            </p:nvSpPr>
-            <p:spPr>
-              <a:xfrm>
-                <a:off x="9601110" y="4916189"/>
-                <a:ext cx="384657" cy="276999"/>
-              </a:xfrm>
-              <a:prstGeom prst="rect">
-                <a:avLst/>
-              </a:prstGeom>
-              <a:noFill/>
-            </p:spPr>
-            <p:txBody>
-              <a:bodyPr wrap="none" lIns="0" tIns="0" rIns="0" bIns="0" rtlCol="0">
-                <a:spAutoFit/>
-              </a:bodyPr>
-              <a:lstStyle/>
-              <a:p>
-                <a:pPr/>
-                <a14:m>
-                  <m:oMathPara xmlns:m="http://schemas.openxmlformats.org/officeDocument/2006/math">
-                    <m:oMathParaPr>
-                      <m:jc m:val="centerGroup"/>
-                    </m:oMathParaPr>
-                    <m:oMath xmlns:m="http://schemas.openxmlformats.org/officeDocument/2006/math">
-                      <m:sSub>
-                        <m:sSubPr>
-                          <m:ctrlPr>
-                            <a:rPr lang="en-US" b="1" i="1" smtClean="0">
-                              <a:latin typeface="Cambria Math" panose="02040503050406030204" pitchFamily="18" charset="0"/>
-                            </a:rPr>
-                          </m:ctrlPr>
-                        </m:sSubPr>
-                        <m:e>
-                          <m:r>
-                            <a:rPr lang="en-US" b="1" i="0" smtClean="0">
-                              <a:latin typeface="Cambria Math" panose="02040503050406030204" pitchFamily="18" charset="0"/>
-                            </a:rPr>
-                            <m:t>𝐒</m:t>
-                          </m:r>
-                        </m:e>
-                        <m:sub>
-                          <m:r>
-                            <a:rPr lang="en-US" b="1" i="1" smtClean="0">
-                              <a:latin typeface="Cambria Math" panose="02040503050406030204" pitchFamily="18" charset="0"/>
-                            </a:rPr>
-                            <m:t>𝟏𝟎</m:t>
-                          </m:r>
-                        </m:sub>
-                      </m:sSub>
-                    </m:oMath>
-                  </m:oMathPara>
-                </a14:m>
-                <a:endParaRPr lang="en-US" b="1" dirty="0">
+            <p:style>
+              <a:lnRef idx="1">
+                <a:schemeClr val="dk1"/>
+              </a:lnRef>
+              <a:fillRef idx="0">
+                <a:schemeClr val="dk1"/>
+              </a:fillRef>
+              <a:effectRef idx="0">
+                <a:schemeClr val="dk1"/>
+              </a:effectRef>
+              <a:fontRef idx="minor">
+                <a:schemeClr val="tx1"/>
+              </a:fontRef>
+            </p:style>
+          </p:cxnSp>
+          <mc:AlternateContent xmlns:mc="http://schemas.openxmlformats.org/markup-compatibility/2006" xmlns:a14="http://schemas.microsoft.com/office/drawing/2010/main">
+            <mc:Choice Requires="a14">
+              <p:sp>
+                <p:nvSpPr>
+                  <p:cNvPr id="54" name="TextBox 53"/>
+                  <p:cNvSpPr txBox="1"/>
+                  <p:nvPr/>
+                </p:nvSpPr>
+                <p:spPr>
+                  <a:xfrm>
+                    <a:off x="8234077" y="3796125"/>
+                    <a:ext cx="283667" cy="277000"/>
+                  </a:xfrm>
+                  <a:prstGeom prst="rect">
+                    <a:avLst/>
+                  </a:prstGeom>
+                  <a:noFill/>
+                </p:spPr>
+                <p:txBody>
+                  <a:bodyPr wrap="none" lIns="0" tIns="0" rIns="0" bIns="0" rtlCol="0">
+                    <a:spAutoFit/>
+                  </a:bodyPr>
+                  <a:lstStyle/>
+                  <a:p>
+                    <a:pPr/>
+                    <a14:m>
+                      <m:oMathPara xmlns:m="http://schemas.openxmlformats.org/officeDocument/2006/math">
+                        <m:oMathParaPr>
+                          <m:jc m:val="centerGroup"/>
+                        </m:oMathParaPr>
+                        <m:oMath xmlns:m="http://schemas.openxmlformats.org/officeDocument/2006/math">
+                          <m:sSub>
+                            <m:sSubPr>
+                              <m:ctrlPr>
+                                <a:rPr lang="en-US" b="1" i="1" smtClean="0">
+                                  <a:latin typeface="Cambria Math" panose="02040503050406030204" pitchFamily="18" charset="0"/>
+                                </a:rPr>
+                              </m:ctrlPr>
+                            </m:sSubPr>
+                            <m:e>
+                              <m:r>
+                                <a:rPr lang="en-US" b="1" i="0" smtClean="0">
+                                  <a:latin typeface="Cambria Math" panose="02040503050406030204" pitchFamily="18" charset="0"/>
+                                </a:rPr>
+                                <m:t>𝐒</m:t>
+                              </m:r>
+                            </m:e>
+                            <m:sub>
+                              <m:r>
+                                <a:rPr lang="en-US" b="1" i="1" smtClean="0">
+                                  <a:latin typeface="Cambria Math" panose="02040503050406030204" pitchFamily="18" charset="0"/>
+                                </a:rPr>
+                                <m:t>𝟗</m:t>
+                              </m:r>
+                            </m:sub>
+                          </m:sSub>
+                        </m:oMath>
+                      </m:oMathPara>
+                    </a14:m>
+                    <a:endParaRPr lang="en-US" b="1" dirty="0">
+                      <a:latin typeface="+mj-lt"/>
+                    </a:endParaRPr>
+                  </a:p>
+                </p:txBody>
+              </p:sp>
+            </mc:Choice>
+            <mc:Fallback xmlns="">
+              <p:sp>
+                <p:nvSpPr>
+                  <p:cNvPr id="54" name="TextBox 53"/>
+                  <p:cNvSpPr txBox="1">
+                    <a:spLocks noRot="1" noChangeAspect="1" noMove="1" noResize="1" noEditPoints="1" noAdjustHandles="1" noChangeArrowheads="1" noChangeShapeType="1" noTextEdit="1"/>
+                  </p:cNvSpPr>
+                  <p:nvPr/>
+                </p:nvSpPr>
+                <p:spPr>
+                  <a:xfrm>
+                    <a:off x="8234077" y="3796125"/>
+                    <a:ext cx="283667" cy="277000"/>
+                  </a:xfrm>
+                  <a:prstGeom prst="rect">
+                    <a:avLst/>
+                  </a:prstGeom>
+                  <a:blipFill>
+                    <a:blip r:embed="rId11"/>
+                    <a:stretch>
+                      <a:fillRect l="-25581" r="-13953" b="-32500"/>
+                    </a:stretch>
+                  </a:blipFill>
+                </p:spPr>
+                <p:txBody>
+                  <a:bodyPr/>
+                  <a:lstStyle/>
+                  <a:p>
+                    <a:r>
+                      <a:rPr lang="en-US">
+                        <a:noFill/>
+                      </a:rPr>
+                      <a:t> </a:t>
+                    </a:r>
+                  </a:p>
+                </p:txBody>
+              </p:sp>
+            </mc:Fallback>
+          </mc:AlternateContent>
+          <mc:AlternateContent xmlns:mc="http://schemas.openxmlformats.org/markup-compatibility/2006" xmlns:a14="http://schemas.microsoft.com/office/drawing/2010/main">
+            <mc:Choice Requires="a14">
+              <p:sp>
+                <p:nvSpPr>
+                  <p:cNvPr id="32" name="TextBox 31"/>
+                  <p:cNvSpPr txBox="1"/>
+                  <p:nvPr/>
+                </p:nvSpPr>
+                <p:spPr>
+                  <a:xfrm>
+                    <a:off x="9601110" y="4916189"/>
+                    <a:ext cx="384657" cy="276999"/>
+                  </a:xfrm>
+                  <a:prstGeom prst="rect">
+                    <a:avLst/>
+                  </a:prstGeom>
+                  <a:noFill/>
+                </p:spPr>
+                <p:txBody>
+                  <a:bodyPr wrap="none" lIns="0" tIns="0" rIns="0" bIns="0" rtlCol="0">
+                    <a:spAutoFit/>
+                  </a:bodyPr>
+                  <a:lstStyle/>
+                  <a:p>
+                    <a:pPr/>
+                    <a14:m>
+                      <m:oMathPara xmlns:m="http://schemas.openxmlformats.org/officeDocument/2006/math">
+                        <m:oMathParaPr>
+                          <m:jc m:val="centerGroup"/>
+                        </m:oMathParaPr>
+                        <m:oMath xmlns:m="http://schemas.openxmlformats.org/officeDocument/2006/math">
+                          <m:sSub>
+                            <m:sSubPr>
+                              <m:ctrlPr>
+                                <a:rPr lang="en-US" b="1" i="1" smtClean="0">
+                                  <a:latin typeface="Cambria Math" panose="02040503050406030204" pitchFamily="18" charset="0"/>
+                                </a:rPr>
+                              </m:ctrlPr>
+                            </m:sSubPr>
+                            <m:e>
+                              <m:r>
+                                <a:rPr lang="en-US" b="1" i="0" smtClean="0">
+                                  <a:latin typeface="Cambria Math" panose="02040503050406030204" pitchFamily="18" charset="0"/>
+                                </a:rPr>
+                                <m:t>𝐒</m:t>
+                              </m:r>
+                            </m:e>
+                            <m:sub>
+                              <m:r>
+                                <a:rPr lang="en-US" b="1" i="1" smtClean="0">
+                                  <a:latin typeface="Cambria Math" panose="02040503050406030204" pitchFamily="18" charset="0"/>
+                                </a:rPr>
+                                <m:t>𝟏𝟎</m:t>
+                              </m:r>
+                            </m:sub>
+                          </m:sSub>
+                        </m:oMath>
+                      </m:oMathPara>
+                    </a14:m>
+                    <a:endParaRPr lang="en-US" b="1" dirty="0">
+                      <a:latin typeface="+mj-lt"/>
+                    </a:endParaRPr>
+                  </a:p>
+                </p:txBody>
+              </p:sp>
+            </mc:Choice>
+            <mc:Fallback xmlns="">
+              <p:sp>
+                <p:nvSpPr>
+                  <p:cNvPr id="32" name="TextBox 31"/>
+                  <p:cNvSpPr txBox="1">
+                    <a:spLocks noRot="1" noChangeAspect="1" noMove="1" noResize="1" noEditPoints="1" noAdjustHandles="1" noChangeArrowheads="1" noChangeShapeType="1" noTextEdit="1"/>
+                  </p:cNvSpPr>
+                  <p:nvPr/>
+                </p:nvSpPr>
+                <p:spPr>
+                  <a:xfrm>
+                    <a:off x="9601110" y="4916189"/>
+                    <a:ext cx="384657" cy="276999"/>
+                  </a:xfrm>
+                  <a:prstGeom prst="rect">
+                    <a:avLst/>
+                  </a:prstGeom>
+                  <a:blipFill>
+                    <a:blip r:embed="rId12"/>
+                    <a:stretch>
+                      <a:fillRect l="-20690" r="-13793" b="-35897"/>
+                    </a:stretch>
+                  </a:blipFill>
+                </p:spPr>
+                <p:txBody>
+                  <a:bodyPr/>
+                  <a:lstStyle/>
+                  <a:p>
+                    <a:r>
+                      <a:rPr lang="en-US">
+                        <a:noFill/>
+                      </a:rPr>
+                      <a:t> </a:t>
+                    </a:r>
+                  </a:p>
+                </p:txBody>
+              </p:sp>
+            </mc:Fallback>
+          </mc:AlternateContent>
+        </p:grpSp>
+        <p:sp>
+          <p:nvSpPr>
+            <p:cNvPr id="34" name="Rounded Rectangle 33"/>
+            <p:cNvSpPr/>
+            <p:nvPr/>
+          </p:nvSpPr>
+          <p:spPr>
+            <a:xfrm>
+              <a:off x="6240652" y="210321"/>
+              <a:ext cx="1661387" cy="1003495"/>
+            </a:xfrm>
+            <a:prstGeom prst="roundRect">
+              <a:avLst/>
+            </a:prstGeom>
+            <a:ln w="19050"/>
+          </p:spPr>
+          <p:style>
+            <a:lnRef idx="2">
+              <a:schemeClr val="dk1"/>
+            </a:lnRef>
+            <a:fillRef idx="1">
+              <a:schemeClr val="lt1"/>
+            </a:fillRef>
+            <a:effectRef idx="0">
+              <a:schemeClr val="dk1"/>
+            </a:effectRef>
+            <a:fontRef idx="minor">
+              <a:schemeClr val="dk1"/>
+            </a:fontRef>
+          </p:style>
+          <p:txBody>
+            <a:bodyPr rtlCol="0" anchor="ctr"/>
+            <a:lstStyle/>
+            <a:p>
+              <a:pPr algn="ctr"/>
+              <a:r>
+                <a:rPr lang="en-US" b="1" dirty="0" smtClean="0">
                   <a:latin typeface="+mj-lt"/>
-                </a:endParaRPr>
-              </a:p>
-            </p:txBody>
-          </p:sp>
-        </mc:Choice>
-        <mc:Fallback>
-          <p:sp>
-            <p:nvSpPr>
-              <p:cNvPr id="32" name="TextBox 31"/>
-              <p:cNvSpPr txBox="1">
-                <a:spLocks noRot="1" noChangeAspect="1" noMove="1" noResize="1" noEditPoints="1" noAdjustHandles="1" noChangeArrowheads="1" noChangeShapeType="1" noTextEdit="1"/>
-              </p:cNvSpPr>
-              <p:nvPr/>
-            </p:nvSpPr>
-            <p:spPr>
-              <a:xfrm>
-                <a:off x="9601110" y="4916189"/>
-                <a:ext cx="384657" cy="276999"/>
-              </a:xfrm>
-              <a:prstGeom prst="rect">
-                <a:avLst/>
-              </a:prstGeom>
-              <a:blipFill>
-                <a:blip r:embed="rId13"/>
-                <a:stretch>
-                  <a:fillRect l="-15873" r="-7937" b="-15217"/>
-                </a:stretch>
-              </a:blipFill>
-            </p:spPr>
-            <p:txBody>
-              <a:bodyPr/>
-              <a:lstStyle/>
-              <a:p>
-                <a:r>
-                  <a:rPr lang="en-US">
-                    <a:noFill/>
-                  </a:rPr>
-                  <a:t> </a:t>
-                </a:r>
-              </a:p>
-            </p:txBody>
-          </p:sp>
-        </mc:Fallback>
-      </mc:AlternateContent>
+                </a:rPr>
+                <a:t>Sink</a:t>
+              </a:r>
+              <a:endParaRPr lang="en-US" b="1" dirty="0">
+                <a:latin typeface="+mj-lt"/>
+              </a:endParaRPr>
+            </a:p>
+          </p:txBody>
+        </p:sp>
+        <p:cxnSp>
+          <p:nvCxnSpPr>
+            <p:cNvPr id="4" name="Elbow Connector 3"/>
+            <p:cNvCxnSpPr>
+              <a:stCxn id="177" idx="0"/>
+              <a:endCxn id="34" idx="1"/>
+            </p:cNvCxnSpPr>
+            <p:nvPr/>
+          </p:nvCxnSpPr>
+          <p:spPr>
+            <a:xfrm rot="5400000" flipH="1" flipV="1">
+              <a:off x="5092157" y="467241"/>
+              <a:ext cx="903667" cy="1393324"/>
+            </a:xfrm>
+            <a:prstGeom prst="bentConnector2">
+              <a:avLst/>
+            </a:prstGeom>
+            <a:ln w="19050">
+              <a:tailEnd type="triangle"/>
+            </a:ln>
+          </p:spPr>
+          <p:style>
+            <a:lnRef idx="1">
+              <a:schemeClr val="dk1"/>
+            </a:lnRef>
+            <a:fillRef idx="0">
+              <a:schemeClr val="dk1"/>
+            </a:fillRef>
+            <a:effectRef idx="0">
+              <a:schemeClr val="dk1"/>
+            </a:effectRef>
+            <a:fontRef idx="minor">
+              <a:schemeClr val="tx1"/>
+            </a:fontRef>
+          </p:style>
+        </p:cxnSp>
+        <mc:AlternateContent xmlns:mc="http://schemas.openxmlformats.org/markup-compatibility/2006">
+          <mc:Choice xmlns:a14="http://schemas.microsoft.com/office/drawing/2010/main" Requires="a14">
+            <p:sp>
+              <p:nvSpPr>
+                <p:cNvPr id="5" name="Rectangle 4"/>
+                <p:cNvSpPr/>
+                <p:nvPr/>
+              </p:nvSpPr>
+              <p:spPr>
+                <a:xfrm>
+                  <a:off x="5690177" y="686313"/>
+                  <a:ext cx="572529" cy="369332"/>
+                </a:xfrm>
+                <a:prstGeom prst="rect">
+                  <a:avLst/>
+                </a:prstGeom>
+              </p:spPr>
+              <p:txBody>
+                <a:bodyPr wrap="none">
+                  <a:spAutoFit/>
+                </a:bodyPr>
+                <a:lstStyle/>
+                <a:p>
+                  <a:pPr/>
+                  <a14:m>
+                    <m:oMathPara xmlns:m="http://schemas.openxmlformats.org/officeDocument/2006/math">
+                      <m:oMathParaPr>
+                        <m:jc m:val="centerGroup"/>
+                      </m:oMathParaPr>
+                      <m:oMath xmlns:m="http://schemas.openxmlformats.org/officeDocument/2006/math">
+                        <m:sSub>
+                          <m:sSubPr>
+                            <m:ctrlPr>
+                              <a:rPr lang="en-US" b="1" i="1" smtClean="0">
+                                <a:latin typeface="Cambria Math" panose="02040503050406030204" pitchFamily="18" charset="0"/>
+                              </a:rPr>
+                            </m:ctrlPr>
+                          </m:sSubPr>
+                          <m:e>
+                            <m:r>
+                              <a:rPr lang="en-US" b="1">
+                                <a:latin typeface="Cambria Math" panose="02040503050406030204" pitchFamily="18" charset="0"/>
+                              </a:rPr>
+                              <m:t>𝐒</m:t>
+                            </m:r>
+                          </m:e>
+                          <m:sub>
+                            <m:r>
+                              <a:rPr lang="en-US" b="1" i="0" smtClean="0">
+                                <a:latin typeface="Cambria Math" panose="02040503050406030204" pitchFamily="18" charset="0"/>
+                              </a:rPr>
+                              <m:t>𝟐𝐛</m:t>
+                            </m:r>
+                          </m:sub>
+                        </m:sSub>
+                      </m:oMath>
+                    </m:oMathPara>
+                  </a14:m>
+                  <a:endParaRPr lang="en-US" dirty="0"/>
+                </a:p>
+              </p:txBody>
+            </p:sp>
+          </mc:Choice>
+          <mc:Fallback>
+            <p:sp>
+              <p:nvSpPr>
+                <p:cNvPr id="5" name="Rectangle 4"/>
+                <p:cNvSpPr>
+                  <a:spLocks noRot="1" noChangeAspect="1" noMove="1" noResize="1" noEditPoints="1" noAdjustHandles="1" noChangeArrowheads="1" noChangeShapeType="1" noTextEdit="1"/>
+                </p:cNvSpPr>
+                <p:nvPr/>
+              </p:nvSpPr>
+              <p:spPr>
+                <a:xfrm>
+                  <a:off x="5690177" y="686313"/>
+                  <a:ext cx="572529" cy="369332"/>
+                </a:xfrm>
+                <a:prstGeom prst="rect">
+                  <a:avLst/>
+                </a:prstGeom>
+                <a:blipFill>
+                  <a:blip r:embed="rId13"/>
+                  <a:stretch>
+                    <a:fillRect b="-1667"/>
+                  </a:stretch>
+                </a:blipFill>
+              </p:spPr>
+              <p:txBody>
+                <a:bodyPr/>
+                <a:lstStyle/>
+                <a:p>
+                  <a:r>
+                    <a:rPr lang="en-US">
+                      <a:noFill/>
+                    </a:rPr>
+                    <a:t> </a:t>
+                  </a:r>
+                </a:p>
+              </p:txBody>
+            </p:sp>
+          </mc:Fallback>
+        </mc:AlternateContent>
+      </p:grpSp>
     </p:spTree>
     <p:extLst>
       <p:ext uri="{BB962C8B-B14F-4D97-AF65-F5344CB8AC3E}">

--- a/doc/tex/sdf/simplified_coherent_receiver/figures/Simulation_setup_Tx.pptx
+++ b/doc/tex/sdf/simplified_coherent_receiver/figures/Simulation_setup_Tx.pptx
@@ -243,7 +243,7 @@
           <a:p>
             <a:fld id="{2680F75E-BF8A-4352-8DF2-5712531B63DB}" type="datetimeFigureOut">
               <a:rPr lang="pt-PT" smtClean="0"/>
-              <a:t>06/11/2017</a:t>
+              <a:t>09/11/2017</a:t>
             </a:fld>
             <a:endParaRPr lang="pt-PT"/>
           </a:p>
@@ -413,7 +413,7 @@
           <a:p>
             <a:fld id="{2680F75E-BF8A-4352-8DF2-5712531B63DB}" type="datetimeFigureOut">
               <a:rPr lang="pt-PT" smtClean="0"/>
-              <a:t>06/11/2017</a:t>
+              <a:t>09/11/2017</a:t>
             </a:fld>
             <a:endParaRPr lang="pt-PT"/>
           </a:p>
@@ -593,7 +593,7 @@
           <a:p>
             <a:fld id="{2680F75E-BF8A-4352-8DF2-5712531B63DB}" type="datetimeFigureOut">
               <a:rPr lang="pt-PT" smtClean="0"/>
-              <a:t>06/11/2017</a:t>
+              <a:t>09/11/2017</a:t>
             </a:fld>
             <a:endParaRPr lang="pt-PT"/>
           </a:p>
@@ -763,7 +763,7 @@
           <a:p>
             <a:fld id="{2680F75E-BF8A-4352-8DF2-5712531B63DB}" type="datetimeFigureOut">
               <a:rPr lang="pt-PT" smtClean="0"/>
-              <a:t>06/11/2017</a:t>
+              <a:t>09/11/2017</a:t>
             </a:fld>
             <a:endParaRPr lang="pt-PT"/>
           </a:p>
@@ -1009,7 +1009,7 @@
           <a:p>
             <a:fld id="{2680F75E-BF8A-4352-8DF2-5712531B63DB}" type="datetimeFigureOut">
               <a:rPr lang="pt-PT" smtClean="0"/>
-              <a:t>06/11/2017</a:t>
+              <a:t>09/11/2017</a:t>
             </a:fld>
             <a:endParaRPr lang="pt-PT"/>
           </a:p>
@@ -1241,7 +1241,7 @@
           <a:p>
             <a:fld id="{2680F75E-BF8A-4352-8DF2-5712531B63DB}" type="datetimeFigureOut">
               <a:rPr lang="pt-PT" smtClean="0"/>
-              <a:t>06/11/2017</a:t>
+              <a:t>09/11/2017</a:t>
             </a:fld>
             <a:endParaRPr lang="pt-PT"/>
           </a:p>
@@ -1608,7 +1608,7 @@
           <a:p>
             <a:fld id="{2680F75E-BF8A-4352-8DF2-5712531B63DB}" type="datetimeFigureOut">
               <a:rPr lang="pt-PT" smtClean="0"/>
-              <a:t>06/11/2017</a:t>
+              <a:t>09/11/2017</a:t>
             </a:fld>
             <a:endParaRPr lang="pt-PT"/>
           </a:p>
@@ -1726,7 +1726,7 @@
           <a:p>
             <a:fld id="{2680F75E-BF8A-4352-8DF2-5712531B63DB}" type="datetimeFigureOut">
               <a:rPr lang="pt-PT" smtClean="0"/>
-              <a:t>06/11/2017</a:t>
+              <a:t>09/11/2017</a:t>
             </a:fld>
             <a:endParaRPr lang="pt-PT"/>
           </a:p>
@@ -1821,7 +1821,7 @@
           <a:p>
             <a:fld id="{2680F75E-BF8A-4352-8DF2-5712531B63DB}" type="datetimeFigureOut">
               <a:rPr lang="pt-PT" smtClean="0"/>
-              <a:t>06/11/2017</a:t>
+              <a:t>09/11/2017</a:t>
             </a:fld>
             <a:endParaRPr lang="pt-PT"/>
           </a:p>
@@ -2098,7 +2098,7 @@
           <a:p>
             <a:fld id="{2680F75E-BF8A-4352-8DF2-5712531B63DB}" type="datetimeFigureOut">
               <a:rPr lang="pt-PT" smtClean="0"/>
-              <a:t>06/11/2017</a:t>
+              <a:t>09/11/2017</a:t>
             </a:fld>
             <a:endParaRPr lang="pt-PT"/>
           </a:p>
@@ -2351,7 +2351,7 @@
           <a:p>
             <a:fld id="{2680F75E-BF8A-4352-8DF2-5712531B63DB}" type="datetimeFigureOut">
               <a:rPr lang="pt-PT" smtClean="0"/>
-              <a:t>06/11/2017</a:t>
+              <a:t>09/11/2017</a:t>
             </a:fld>
             <a:endParaRPr lang="pt-PT"/>
           </a:p>
@@ -2564,7 +2564,7 @@
           <a:p>
             <a:fld id="{2680F75E-BF8A-4352-8DF2-5712531B63DB}" type="datetimeFigureOut">
               <a:rPr lang="pt-PT" smtClean="0"/>
-              <a:t>06/11/2017</a:t>
+              <a:t>09/11/2017</a:t>
             </a:fld>
             <a:endParaRPr lang="pt-PT"/>
           </a:p>
@@ -2969,2229 +2969,2523 @@
           <a:chExt cx="0" cy="0"/>
         </a:xfrm>
       </p:grpSpPr>
-      <p:grpSp>
-        <p:nvGrpSpPr>
-          <p:cNvPr id="14" name="Group 13"/>
-          <p:cNvGrpSpPr/>
+      <p:sp>
+        <p:nvSpPr>
+          <p:cNvPr id="155" name="Rounded Rectangle 154"/>
+          <p:cNvSpPr/>
           <p:nvPr/>
-        </p:nvGrpSpPr>
-        <p:grpSpPr>
+        </p:nvSpPr>
+        <p:spPr>
           <a:xfrm>
-            <a:off x="1854789" y="157055"/>
-            <a:ext cx="8726325" cy="6510773"/>
-            <a:chOff x="1792645" y="210321"/>
-            <a:chExt cx="8726325" cy="6510773"/>
+            <a:off x="6297630" y="1562471"/>
+            <a:ext cx="1666553" cy="1003495"/>
           </a:xfrm>
-        </p:grpSpPr>
-        <p:grpSp>
-          <p:nvGrpSpPr>
-            <p:cNvPr id="2" name="Group 1"/>
-            <p:cNvGrpSpPr/>
-            <p:nvPr/>
-          </p:nvGrpSpPr>
-          <p:grpSpPr>
-            <a:xfrm>
-              <a:off x="1792645" y="1615736"/>
-              <a:ext cx="8726325" cy="5105358"/>
-              <a:chOff x="1446414" y="772785"/>
-              <a:chExt cx="9470280" cy="5912798"/>
-            </a:xfrm>
-          </p:grpSpPr>
+          <a:prstGeom prst="roundRect">
+            <a:avLst/>
+          </a:prstGeom>
+          <a:ln w="19050"/>
+        </p:spPr>
+        <p:style>
+          <a:lnRef idx="2">
+            <a:schemeClr val="dk1"/>
+          </a:lnRef>
+          <a:fillRef idx="1">
+            <a:schemeClr val="lt1"/>
+          </a:fillRef>
+          <a:effectRef idx="0">
+            <a:schemeClr val="dk1"/>
+          </a:effectRef>
+          <a:fontRef idx="minor">
+            <a:schemeClr val="dk1"/>
+          </a:fontRef>
+        </p:style>
+        <p:txBody>
+          <a:bodyPr rtlCol="0" anchor="ctr"/>
+          <a:lstStyle/>
+          <a:p>
+            <a:pPr algn="ctr"/>
+            <a:r>
+              <a:rPr lang="en-US" b="1" dirty="0" smtClean="0">
+                <a:latin typeface="+mj-lt"/>
+              </a:rPr>
+              <a:t>Discrete to</a:t>
+            </a:r>
+          </a:p>
+          <a:p>
+            <a:pPr algn="ctr"/>
+            <a:r>
+              <a:rPr lang="en-US" b="1" dirty="0" smtClean="0">
+                <a:latin typeface="+mj-lt"/>
+              </a:rPr>
+              <a:t>Continuous</a:t>
+            </a:r>
+          </a:p>
+          <a:p>
+            <a:pPr algn="ctr"/>
+            <a:r>
+              <a:rPr lang="en-US" b="1" dirty="0" smtClean="0">
+                <a:latin typeface="+mj-lt"/>
+              </a:rPr>
+              <a:t>Time</a:t>
+            </a:r>
+            <a:endParaRPr lang="en-US" b="1" dirty="0">
+              <a:latin typeface="+mj-lt"/>
+            </a:endParaRPr>
+          </a:p>
+        </p:txBody>
+      </p:sp>
+      <p:sp>
+        <p:nvSpPr>
+          <p:cNvPr id="169" name="Rounded Rectangle 168"/>
+          <p:cNvSpPr/>
+          <p:nvPr/>
+        </p:nvSpPr>
+        <p:spPr>
+          <a:xfrm>
+            <a:off x="8519006" y="1562470"/>
+            <a:ext cx="1666553" cy="1003495"/>
+          </a:xfrm>
+          <a:prstGeom prst="roundRect">
+            <a:avLst/>
+          </a:prstGeom>
+          <a:ln w="19050"/>
+        </p:spPr>
+        <p:style>
+          <a:lnRef idx="2">
+            <a:schemeClr val="dk1"/>
+          </a:lnRef>
+          <a:fillRef idx="1">
+            <a:schemeClr val="lt1"/>
+          </a:fillRef>
+          <a:effectRef idx="0">
+            <a:schemeClr val="dk1"/>
+          </a:effectRef>
+          <a:fontRef idx="minor">
+            <a:schemeClr val="dk1"/>
+          </a:fontRef>
+        </p:style>
+        <p:txBody>
+          <a:bodyPr rtlCol="0" anchor="ctr"/>
+          <a:lstStyle/>
+          <a:p>
+            <a:pPr algn="ctr"/>
+            <a:r>
+              <a:rPr lang="en-US" b="1" smtClean="0">
+                <a:latin typeface="+mj-lt"/>
+              </a:rPr>
+              <a:t>Pulse Shaping Filter</a:t>
+            </a:r>
+            <a:endParaRPr lang="en-US" b="1" dirty="0">
+              <a:latin typeface="+mj-lt"/>
+            </a:endParaRPr>
+          </a:p>
+        </p:txBody>
+      </p:sp>
+      <p:sp>
+        <p:nvSpPr>
+          <p:cNvPr id="172" name="Rounded Rectangle 171"/>
+          <p:cNvSpPr/>
+          <p:nvPr/>
+        </p:nvSpPr>
+        <p:spPr>
+          <a:xfrm>
+            <a:off x="1859086" y="3726930"/>
+            <a:ext cx="1666553" cy="1003497"/>
+          </a:xfrm>
+          <a:prstGeom prst="roundRect">
+            <a:avLst/>
+          </a:prstGeom>
+          <a:ln w="19050"/>
+        </p:spPr>
+        <p:style>
+          <a:lnRef idx="2">
+            <a:schemeClr val="dk1"/>
+          </a:lnRef>
+          <a:fillRef idx="1">
+            <a:schemeClr val="lt1"/>
+          </a:fillRef>
+          <a:effectRef idx="0">
+            <a:schemeClr val="dk1"/>
+          </a:effectRef>
+          <a:fontRef idx="minor">
+            <a:schemeClr val="dk1"/>
+          </a:fontRef>
+        </p:style>
+        <p:txBody>
+          <a:bodyPr rtlCol="0" anchor="ctr"/>
+          <a:lstStyle/>
+          <a:p>
+            <a:pPr algn="ctr"/>
+            <a:r>
+              <a:rPr lang="en-US" b="1" dirty="0" smtClean="0">
+                <a:latin typeface="+mj-lt"/>
+              </a:rPr>
+              <a:t>Mixer</a:t>
+            </a:r>
+            <a:endParaRPr lang="en-US" b="1" dirty="0">
+              <a:latin typeface="+mj-lt"/>
+            </a:endParaRPr>
+          </a:p>
+        </p:txBody>
+      </p:sp>
+      <p:sp>
+        <p:nvSpPr>
+          <p:cNvPr id="173" name="Rounded Rectangle 172"/>
+          <p:cNvSpPr/>
+          <p:nvPr/>
+        </p:nvSpPr>
+        <p:spPr>
+          <a:xfrm>
+            <a:off x="1854789" y="5663085"/>
+            <a:ext cx="1666553" cy="1003495"/>
+          </a:xfrm>
+          <a:prstGeom prst="roundRect">
+            <a:avLst/>
+          </a:prstGeom>
+          <a:ln w="19050"/>
+        </p:spPr>
+        <p:style>
+          <a:lnRef idx="2">
+            <a:schemeClr val="dk1"/>
+          </a:lnRef>
+          <a:fillRef idx="1">
+            <a:schemeClr val="lt1"/>
+          </a:fillRef>
+          <a:effectRef idx="0">
+            <a:schemeClr val="dk1"/>
+          </a:effectRef>
+          <a:fontRef idx="minor">
+            <a:schemeClr val="dk1"/>
+          </a:fontRef>
+        </p:style>
+        <p:txBody>
+          <a:bodyPr rtlCol="0" anchor="ctr"/>
+          <a:lstStyle/>
+          <a:p>
+            <a:pPr algn="ctr"/>
+            <a:r>
+              <a:rPr lang="en-US" b="1" dirty="0" smtClean="0">
+                <a:latin typeface="+mj-lt"/>
+              </a:rPr>
+              <a:t>Oscillator</a:t>
+            </a:r>
+            <a:endParaRPr lang="en-US" b="1" dirty="0">
+              <a:latin typeface="+mj-lt"/>
+            </a:endParaRPr>
+          </a:p>
+        </p:txBody>
+      </p:sp>
+      <p:sp>
+        <p:nvSpPr>
+          <p:cNvPr id="177" name="Rounded Rectangle 176"/>
+          <p:cNvSpPr/>
+          <p:nvPr/>
+        </p:nvSpPr>
+        <p:spPr>
+          <a:xfrm>
+            <a:off x="4076195" y="1562470"/>
+            <a:ext cx="1666553" cy="1003495"/>
+          </a:xfrm>
+          <a:prstGeom prst="roundRect">
+            <a:avLst/>
+          </a:prstGeom>
+          <a:ln w="19050"/>
+        </p:spPr>
+        <p:style>
+          <a:lnRef idx="2">
+            <a:schemeClr val="dk1"/>
+          </a:lnRef>
+          <a:fillRef idx="1">
+            <a:schemeClr val="lt1"/>
+          </a:fillRef>
+          <a:effectRef idx="0">
+            <a:schemeClr val="dk1"/>
+          </a:effectRef>
+          <a:fontRef idx="minor">
+            <a:schemeClr val="dk1"/>
+          </a:fontRef>
+        </p:style>
+        <p:txBody>
+          <a:bodyPr rtlCol="0" anchor="ctr"/>
+          <a:lstStyle/>
+          <a:p>
+            <a:pPr algn="ctr"/>
+            <a:r>
+              <a:rPr lang="en-US" b="1" dirty="0" smtClean="0">
+                <a:latin typeface="+mj-lt"/>
+              </a:rPr>
+              <a:t>MPAM Mapping</a:t>
+            </a:r>
+            <a:endParaRPr lang="en-US" b="1" dirty="0">
+              <a:latin typeface="+mj-lt"/>
+            </a:endParaRPr>
+          </a:p>
+        </p:txBody>
+      </p:sp>
+      <p:sp>
+        <p:nvSpPr>
+          <p:cNvPr id="178" name="Rounded Rectangle 177"/>
+          <p:cNvSpPr/>
+          <p:nvPr/>
+        </p:nvSpPr>
+        <p:spPr>
+          <a:xfrm>
+            <a:off x="1854789" y="1562470"/>
+            <a:ext cx="1666553" cy="1003495"/>
+          </a:xfrm>
+          <a:prstGeom prst="roundRect">
+            <a:avLst/>
+          </a:prstGeom>
+          <a:ln w="19050"/>
+        </p:spPr>
+        <p:style>
+          <a:lnRef idx="2">
+            <a:schemeClr val="dk1"/>
+          </a:lnRef>
+          <a:fillRef idx="1">
+            <a:schemeClr val="lt1"/>
+          </a:fillRef>
+          <a:effectRef idx="0">
+            <a:schemeClr val="dk1"/>
+          </a:effectRef>
+          <a:fontRef idx="minor">
+            <a:schemeClr val="dk1"/>
+          </a:fontRef>
+        </p:style>
+        <p:txBody>
+          <a:bodyPr rtlCol="0" anchor="ctr"/>
+          <a:lstStyle/>
+          <a:p>
+            <a:pPr algn="ctr"/>
+            <a:r>
+              <a:rPr lang="en-US" b="1" dirty="0" smtClean="0">
+                <a:latin typeface="+mj-lt"/>
+              </a:rPr>
+              <a:t>Binary Sequence</a:t>
+            </a:r>
+            <a:endParaRPr lang="en-US" b="1" dirty="0">
+              <a:latin typeface="+mj-lt"/>
+            </a:endParaRPr>
+          </a:p>
+        </p:txBody>
+      </p:sp>
+      <p:cxnSp>
+        <p:nvCxnSpPr>
+          <p:cNvPr id="159" name="Straight Arrow Connector 158"/>
+          <p:cNvCxnSpPr>
+            <a:stCxn id="178" idx="3"/>
+            <a:endCxn id="177" idx="1"/>
+          </p:cNvCxnSpPr>
+          <p:nvPr/>
+        </p:nvCxnSpPr>
+        <p:spPr>
+          <a:xfrm>
+            <a:off x="3521342" y="2064218"/>
+            <a:ext cx="554853" cy="0"/>
+          </a:xfrm>
+          <a:prstGeom prst="straightConnector1">
+            <a:avLst/>
+          </a:prstGeom>
+          <a:ln w="19050">
+            <a:tailEnd type="triangle"/>
+          </a:ln>
+        </p:spPr>
+        <p:style>
+          <a:lnRef idx="1">
+            <a:schemeClr val="dk1"/>
+          </a:lnRef>
+          <a:fillRef idx="0">
+            <a:schemeClr val="dk1"/>
+          </a:fillRef>
+          <a:effectRef idx="0">
+            <a:schemeClr val="dk1"/>
+          </a:effectRef>
+          <a:fontRef idx="minor">
+            <a:schemeClr val="tx1"/>
+          </a:fontRef>
+        </p:style>
+      </p:cxnSp>
+      <p:cxnSp>
+        <p:nvCxnSpPr>
+          <p:cNvPr id="184" name="Straight Arrow Connector 183"/>
+          <p:cNvCxnSpPr>
+            <a:stCxn id="177" idx="3"/>
+            <a:endCxn id="155" idx="1"/>
+          </p:cNvCxnSpPr>
+          <p:nvPr/>
+        </p:nvCxnSpPr>
+        <p:spPr>
+          <a:xfrm>
+            <a:off x="5742749" y="2064218"/>
+            <a:ext cx="554880" cy="1"/>
+          </a:xfrm>
+          <a:prstGeom prst="straightConnector1">
+            <a:avLst/>
+          </a:prstGeom>
+          <a:ln w="19050">
+            <a:tailEnd type="triangle"/>
+          </a:ln>
+        </p:spPr>
+        <p:style>
+          <a:lnRef idx="1">
+            <a:schemeClr val="dk1"/>
+          </a:lnRef>
+          <a:fillRef idx="0">
+            <a:schemeClr val="dk1"/>
+          </a:fillRef>
+          <a:effectRef idx="0">
+            <a:schemeClr val="dk1"/>
+          </a:effectRef>
+          <a:fontRef idx="minor">
+            <a:schemeClr val="tx1"/>
+          </a:fontRef>
+        </p:style>
+      </p:cxnSp>
+      <p:cxnSp>
+        <p:nvCxnSpPr>
+          <p:cNvPr id="185" name="Straight Arrow Connector 184"/>
+          <p:cNvCxnSpPr>
+            <a:stCxn id="155" idx="3"/>
+            <a:endCxn id="169" idx="1"/>
+          </p:cNvCxnSpPr>
+          <p:nvPr/>
+        </p:nvCxnSpPr>
+        <p:spPr>
+          <a:xfrm flipV="1">
+            <a:off x="7964183" y="2064218"/>
+            <a:ext cx="554823" cy="1"/>
+          </a:xfrm>
+          <a:prstGeom prst="straightConnector1">
+            <a:avLst/>
+          </a:prstGeom>
+          <a:ln w="19050">
+            <a:tailEnd type="triangle"/>
+          </a:ln>
+        </p:spPr>
+        <p:style>
+          <a:lnRef idx="1">
+            <a:schemeClr val="dk1"/>
+          </a:lnRef>
+          <a:fillRef idx="0">
+            <a:schemeClr val="dk1"/>
+          </a:fillRef>
+          <a:effectRef idx="0">
+            <a:schemeClr val="dk1"/>
+          </a:effectRef>
+          <a:fontRef idx="minor">
+            <a:schemeClr val="tx1"/>
+          </a:fontRef>
+        </p:style>
+      </p:cxnSp>
+      <p:cxnSp>
+        <p:nvCxnSpPr>
+          <p:cNvPr id="199" name="Straight Arrow Connector 198"/>
+          <p:cNvCxnSpPr>
+            <a:stCxn id="173" idx="0"/>
+            <a:endCxn id="172" idx="2"/>
+          </p:cNvCxnSpPr>
+          <p:nvPr/>
+        </p:nvCxnSpPr>
+        <p:spPr>
+          <a:xfrm flipV="1">
+            <a:off x="2688066" y="4730427"/>
+            <a:ext cx="4297" cy="932659"/>
+          </a:xfrm>
+          <a:prstGeom prst="straightConnector1">
+            <a:avLst/>
+          </a:prstGeom>
+          <a:ln w="19050">
+            <a:tailEnd type="triangle"/>
+          </a:ln>
+        </p:spPr>
+        <p:style>
+          <a:lnRef idx="1">
+            <a:schemeClr val="dk1"/>
+          </a:lnRef>
+          <a:fillRef idx="0">
+            <a:schemeClr val="dk1"/>
+          </a:fillRef>
+          <a:effectRef idx="0">
+            <a:schemeClr val="dk1"/>
+          </a:effectRef>
+          <a:fontRef idx="minor">
+            <a:schemeClr val="tx1"/>
+          </a:fontRef>
+        </p:style>
+      </p:cxnSp>
+      <mc:AlternateContent xmlns:mc="http://schemas.openxmlformats.org/markup-compatibility/2006" xmlns:a14="http://schemas.microsoft.com/office/drawing/2010/main">
+        <mc:Choice Requires="a14">
           <p:sp>
             <p:nvSpPr>
-              <p:cNvPr id="155" name="Rounded Rectangle 154"/>
-              <p:cNvSpPr/>
+              <p:cNvPr id="234" name="TextBox 233"/>
+              <p:cNvSpPr txBox="1"/>
               <p:nvPr/>
             </p:nvSpPr>
             <p:spPr>
               <a:xfrm>
-                <a:off x="6268025" y="772786"/>
-                <a:ext cx="1808634" cy="1162203"/>
+                <a:off x="3664978" y="1724146"/>
+                <a:ext cx="261383" cy="239173"/>
               </a:xfrm>
-              <a:prstGeom prst="roundRect">
+              <a:prstGeom prst="rect">
                 <a:avLst/>
               </a:prstGeom>
-              <a:ln w="19050"/>
+              <a:noFill/>
             </p:spPr>
-            <p:style>
-              <a:lnRef idx="2">
-                <a:schemeClr val="dk1"/>
-              </a:lnRef>
-              <a:fillRef idx="1">
-                <a:schemeClr val="lt1"/>
-              </a:fillRef>
-              <a:effectRef idx="0">
-                <a:schemeClr val="dk1"/>
-              </a:effectRef>
-              <a:fontRef idx="minor">
-                <a:schemeClr val="dk1"/>
-              </a:fontRef>
-            </p:style>
             <p:txBody>
-              <a:bodyPr rtlCol="0" anchor="ctr"/>
+              <a:bodyPr wrap="none" lIns="0" tIns="0" rIns="0" bIns="0" rtlCol="0">
+                <a:spAutoFit/>
+              </a:bodyPr>
               <a:lstStyle/>
               <a:p>
-                <a:pPr algn="ctr"/>
-                <a:r>
-                  <a:rPr lang="en-US" b="1" dirty="0">
-                    <a:latin typeface="+mj-lt"/>
-                  </a:rPr>
-                  <a:t>Discrete to</a:t>
-                </a:r>
-              </a:p>
-              <a:p>
-                <a:pPr algn="ctr"/>
-                <a:r>
-                  <a:rPr lang="en-US" b="1" dirty="0">
-                    <a:latin typeface="+mj-lt"/>
-                  </a:rPr>
-                  <a:t>Continuous</a:t>
-                </a:r>
-              </a:p>
-              <a:p>
-                <a:pPr algn="ctr"/>
-                <a:r>
-                  <a:rPr lang="en-US" b="1" dirty="0" smtClean="0">
-                    <a:latin typeface="+mj-lt"/>
-                  </a:rPr>
-                  <a:t>Time</a:t>
-                </a:r>
+                <a:pPr/>
+                <a14:m>
+                  <m:oMathPara xmlns:m="http://schemas.openxmlformats.org/officeDocument/2006/math">
+                    <m:oMathParaPr>
+                      <m:jc m:val="centerGroup"/>
+                    </m:oMathParaPr>
+                    <m:oMath xmlns:m="http://schemas.openxmlformats.org/officeDocument/2006/math">
+                      <m:sSub>
+                        <m:sSubPr>
+                          <m:ctrlPr>
+                            <a:rPr lang="en-US" b="1" i="1" smtClean="0">
+                              <a:latin typeface="Cambria Math" panose="02040503050406030204" pitchFamily="18" charset="0"/>
+                            </a:rPr>
+                          </m:ctrlPr>
+                        </m:sSubPr>
+                        <m:e>
+                          <m:r>
+                            <a:rPr lang="en-US" b="1" i="0" smtClean="0">
+                              <a:latin typeface="Cambria Math" panose="02040503050406030204" pitchFamily="18" charset="0"/>
+                            </a:rPr>
+                            <m:t>𝐒</m:t>
+                          </m:r>
+                        </m:e>
+                        <m:sub>
+                          <m:r>
+                            <a:rPr lang="en-US" b="1" i="0" smtClean="0">
+                              <a:latin typeface="Cambria Math" panose="02040503050406030204" pitchFamily="18" charset="0"/>
+                            </a:rPr>
+                            <m:t>𝟏</m:t>
+                          </m:r>
+                        </m:sub>
+                      </m:sSub>
+                    </m:oMath>
+                  </m:oMathPara>
+                </a14:m>
                 <a:endParaRPr lang="en-US" b="1" dirty="0">
                   <a:latin typeface="+mj-lt"/>
                 </a:endParaRPr>
               </a:p>
             </p:txBody>
           </p:sp>
+        </mc:Choice>
+        <mc:Fallback xmlns="">
           <p:sp>
             <p:nvSpPr>
-              <p:cNvPr id="169" name="Rounded Rectangle 168"/>
-              <p:cNvSpPr/>
+              <p:cNvPr id="234" name="TextBox 233"/>
+              <p:cNvSpPr txBox="1">
+                <a:spLocks noRot="1" noChangeAspect="1" noMove="1" noResize="1" noEditPoints="1" noAdjustHandles="1" noChangeArrowheads="1" noChangeShapeType="1" noTextEdit="1"/>
+              </p:cNvSpPr>
               <p:nvPr/>
             </p:nvSpPr>
             <p:spPr>
               <a:xfrm>
-                <a:off x="8678783" y="772785"/>
-                <a:ext cx="1808634" cy="1162203"/>
+                <a:off x="3664978" y="1724146"/>
+                <a:ext cx="261383" cy="239173"/>
               </a:xfrm>
-              <a:prstGeom prst="roundRect">
+              <a:prstGeom prst="rect">
                 <a:avLst/>
               </a:prstGeom>
-              <a:ln w="19050"/>
+              <a:blipFill>
+                <a:blip r:embed="rId2"/>
+                <a:stretch>
+                  <a:fillRect l="-25581" r="-13953" b="-35897"/>
+                </a:stretch>
+              </a:blipFill>
             </p:spPr>
-            <p:style>
-              <a:lnRef idx="2">
-                <a:schemeClr val="dk1"/>
-              </a:lnRef>
-              <a:fillRef idx="1">
-                <a:schemeClr val="lt1"/>
-              </a:fillRef>
-              <a:effectRef idx="0">
-                <a:schemeClr val="dk1"/>
-              </a:effectRef>
-              <a:fontRef idx="minor">
-                <a:schemeClr val="dk1"/>
-              </a:fontRef>
-            </p:style>
             <p:txBody>
-              <a:bodyPr rtlCol="0" anchor="ctr"/>
+              <a:bodyPr/>
               <a:lstStyle/>
               <a:p>
-                <a:pPr algn="ctr"/>
                 <a:r>
-                  <a:rPr lang="en-US" b="1" dirty="0">
-                    <a:latin typeface="+mj-lt"/>
+                  <a:rPr lang="en-US">
+                    <a:noFill/>
                   </a:rPr>
-                  <a:t>Pulse Shaping </a:t>
+                  <a:t> </a:t>
                 </a:r>
-                <a:r>
-                  <a:rPr lang="en-US" b="1" dirty="0" smtClean="0">
-                    <a:latin typeface="+mj-lt"/>
-                  </a:rPr>
-                  <a:t>Filter</a:t>
-                </a:r>
+              </a:p>
+            </p:txBody>
+          </p:sp>
+        </mc:Fallback>
+      </mc:AlternateContent>
+      <mc:AlternateContent xmlns:mc="http://schemas.openxmlformats.org/markup-compatibility/2006" xmlns:a14="http://schemas.microsoft.com/office/drawing/2010/main">
+        <mc:Choice Requires="a14">
+          <p:sp>
+            <p:nvSpPr>
+              <p:cNvPr id="235" name="TextBox 234"/>
+              <p:cNvSpPr txBox="1"/>
+              <p:nvPr/>
+            </p:nvSpPr>
+            <p:spPr>
+              <a:xfrm>
+                <a:off x="5897216" y="1724146"/>
+                <a:ext cx="261383" cy="239173"/>
+              </a:xfrm>
+              <a:prstGeom prst="rect">
+                <a:avLst/>
+              </a:prstGeom>
+              <a:noFill/>
+            </p:spPr>
+            <p:txBody>
+              <a:bodyPr wrap="none" lIns="0" tIns="0" rIns="0" bIns="0" rtlCol="0">
+                <a:spAutoFit/>
+              </a:bodyPr>
+              <a:lstStyle/>
+              <a:p>
+                <a:pPr/>
+                <a14:m>
+                  <m:oMathPara xmlns:m="http://schemas.openxmlformats.org/officeDocument/2006/math">
+                    <m:oMathParaPr>
+                      <m:jc m:val="centerGroup"/>
+                    </m:oMathParaPr>
+                    <m:oMath xmlns:m="http://schemas.openxmlformats.org/officeDocument/2006/math">
+                      <m:sSub>
+                        <m:sSubPr>
+                          <m:ctrlPr>
+                            <a:rPr lang="en-US" b="1" i="1" smtClean="0">
+                              <a:latin typeface="Cambria Math" panose="02040503050406030204" pitchFamily="18" charset="0"/>
+                            </a:rPr>
+                          </m:ctrlPr>
+                        </m:sSubPr>
+                        <m:e>
+                          <m:r>
+                            <a:rPr lang="en-US" b="1" i="0" smtClean="0">
+                              <a:latin typeface="Cambria Math" panose="02040503050406030204" pitchFamily="18" charset="0"/>
+                            </a:rPr>
+                            <m:t>𝐒</m:t>
+                          </m:r>
+                        </m:e>
+                        <m:sub>
+                          <m:r>
+                            <a:rPr lang="en-US" b="1" i="0" smtClean="0">
+                              <a:latin typeface="Cambria Math" panose="02040503050406030204" pitchFamily="18" charset="0"/>
+                            </a:rPr>
+                            <m:t>𝟐</m:t>
+                          </m:r>
+                        </m:sub>
+                      </m:sSub>
+                    </m:oMath>
+                  </m:oMathPara>
+                </a14:m>
                 <a:endParaRPr lang="en-US" b="1" dirty="0">
                   <a:latin typeface="+mj-lt"/>
                 </a:endParaRPr>
               </a:p>
             </p:txBody>
           </p:sp>
+        </mc:Choice>
+        <mc:Fallback xmlns="">
           <p:sp>
             <p:nvSpPr>
-              <p:cNvPr id="172" name="Rounded Rectangle 171"/>
-              <p:cNvSpPr/>
+              <p:cNvPr id="235" name="TextBox 234"/>
+              <p:cNvSpPr txBox="1">
+                <a:spLocks noRot="1" noChangeAspect="1" noMove="1" noResize="1" noEditPoints="1" noAdjustHandles="1" noChangeArrowheads="1" noChangeShapeType="1" noTextEdit="1"/>
+              </p:cNvSpPr>
               <p:nvPr/>
             </p:nvSpPr>
             <p:spPr>
               <a:xfrm>
-                <a:off x="1451077" y="3279566"/>
-                <a:ext cx="1808634" cy="1162205"/>
+                <a:off x="5897216" y="1724146"/>
+                <a:ext cx="261383" cy="239173"/>
               </a:xfrm>
-              <a:prstGeom prst="roundRect">
+              <a:prstGeom prst="rect">
                 <a:avLst/>
               </a:prstGeom>
-              <a:ln w="19050"/>
+              <a:blipFill>
+                <a:blip r:embed="rId3"/>
+                <a:stretch>
+                  <a:fillRect l="-25581" r="-13953" b="-35897"/>
+                </a:stretch>
+              </a:blipFill>
             </p:spPr>
-            <p:style>
-              <a:lnRef idx="2">
-                <a:schemeClr val="dk1"/>
-              </a:lnRef>
-              <a:fillRef idx="1">
-                <a:schemeClr val="lt1"/>
-              </a:fillRef>
-              <a:effectRef idx="0">
-                <a:schemeClr val="dk1"/>
-              </a:effectRef>
-              <a:fontRef idx="minor">
-                <a:schemeClr val="dk1"/>
-              </a:fontRef>
-            </p:style>
             <p:txBody>
-              <a:bodyPr rtlCol="0" anchor="ctr"/>
+              <a:bodyPr/>
               <a:lstStyle/>
               <a:p>
-                <a:pPr algn="ctr"/>
                 <a:r>
-                  <a:rPr lang="en-US" b="1" dirty="0" smtClean="0">
-                    <a:latin typeface="+mj-lt"/>
+                  <a:rPr lang="en-US">
+                    <a:noFill/>
                   </a:rPr>
-                  <a:t>Mixer</a:t>
+                  <a:t> </a:t>
                 </a:r>
+              </a:p>
+            </p:txBody>
+          </p:sp>
+        </mc:Fallback>
+      </mc:AlternateContent>
+      <mc:AlternateContent xmlns:mc="http://schemas.openxmlformats.org/markup-compatibility/2006" xmlns:a14="http://schemas.microsoft.com/office/drawing/2010/main">
+        <mc:Choice Requires="a14">
+          <p:sp>
+            <p:nvSpPr>
+              <p:cNvPr id="236" name="TextBox 235"/>
+              <p:cNvSpPr txBox="1"/>
+              <p:nvPr/>
+            </p:nvSpPr>
+            <p:spPr>
+              <a:xfrm>
+                <a:off x="8145469" y="1705232"/>
+                <a:ext cx="219436" cy="276999"/>
+              </a:xfrm>
+              <a:prstGeom prst="rect">
+                <a:avLst/>
+              </a:prstGeom>
+              <a:noFill/>
+            </p:spPr>
+            <p:txBody>
+              <a:bodyPr wrap="square" lIns="0" tIns="0" rIns="0" bIns="0" rtlCol="0">
+                <a:spAutoFit/>
+              </a:bodyPr>
+              <a:lstStyle/>
+              <a:p>
+                <a:pPr/>
+                <a14:m>
+                  <m:oMathPara xmlns:m="http://schemas.openxmlformats.org/officeDocument/2006/math">
+                    <m:oMathParaPr>
+                      <m:jc m:val="centerGroup"/>
+                    </m:oMathParaPr>
+                    <m:oMath xmlns:m="http://schemas.openxmlformats.org/officeDocument/2006/math">
+                      <m:sSub>
+                        <m:sSubPr>
+                          <m:ctrlPr>
+                            <a:rPr lang="en-US" b="1" i="1" smtClean="0">
+                              <a:latin typeface="Cambria Math" panose="02040503050406030204" pitchFamily="18" charset="0"/>
+                            </a:rPr>
+                          </m:ctrlPr>
+                        </m:sSubPr>
+                        <m:e>
+                          <m:r>
+                            <a:rPr lang="en-US" b="1" i="0" smtClean="0">
+                              <a:latin typeface="Cambria Math" panose="02040503050406030204" pitchFamily="18" charset="0"/>
+                            </a:rPr>
+                            <m:t>𝐒</m:t>
+                          </m:r>
+                        </m:e>
+                        <m:sub>
+                          <m:r>
+                            <a:rPr lang="en-US" b="1" i="0" smtClean="0">
+                              <a:latin typeface="Cambria Math" panose="02040503050406030204" pitchFamily="18" charset="0"/>
+                            </a:rPr>
+                            <m:t>𝟑</m:t>
+                          </m:r>
+                        </m:sub>
+                      </m:sSub>
+                    </m:oMath>
+                  </m:oMathPara>
+                </a14:m>
                 <a:endParaRPr lang="en-US" b="1" dirty="0">
                   <a:latin typeface="+mj-lt"/>
                 </a:endParaRPr>
               </a:p>
             </p:txBody>
           </p:sp>
+        </mc:Choice>
+        <mc:Fallback xmlns="">
           <p:sp>
             <p:nvSpPr>
-              <p:cNvPr id="173" name="Rounded Rectangle 172"/>
-              <p:cNvSpPr/>
+              <p:cNvPr id="236" name="TextBox 235"/>
+              <p:cNvSpPr txBox="1">
+                <a:spLocks noRot="1" noChangeAspect="1" noMove="1" noResize="1" noEditPoints="1" noAdjustHandles="1" noChangeArrowheads="1" noChangeShapeType="1" noTextEdit="1"/>
+              </p:cNvSpPr>
               <p:nvPr/>
             </p:nvSpPr>
             <p:spPr>
               <a:xfrm>
-                <a:off x="1446414" y="5521935"/>
-                <a:ext cx="1808634" cy="1162203"/>
+                <a:off x="8145469" y="1705232"/>
+                <a:ext cx="219436" cy="276999"/>
               </a:xfrm>
-              <a:prstGeom prst="roundRect">
+              <a:prstGeom prst="rect">
                 <a:avLst/>
               </a:prstGeom>
-              <a:ln w="19050"/>
+              <a:blipFill>
+                <a:blip r:embed="rId4"/>
+                <a:stretch>
+                  <a:fillRect l="-36111" r="-30556" b="-17778"/>
+                </a:stretch>
+              </a:blipFill>
             </p:spPr>
-            <p:style>
-              <a:lnRef idx="2">
-                <a:schemeClr val="dk1"/>
-              </a:lnRef>
-              <a:fillRef idx="1">
-                <a:schemeClr val="lt1"/>
-              </a:fillRef>
-              <a:effectRef idx="0">
-                <a:schemeClr val="dk1"/>
-              </a:effectRef>
-              <a:fontRef idx="minor">
-                <a:schemeClr val="dk1"/>
-              </a:fontRef>
-            </p:style>
             <p:txBody>
-              <a:bodyPr rtlCol="0" anchor="ctr"/>
+              <a:bodyPr/>
               <a:lstStyle/>
               <a:p>
-                <a:pPr algn="ctr"/>
                 <a:r>
-                  <a:rPr lang="en-US" b="1" dirty="0" smtClean="0">
-                    <a:latin typeface="+mj-lt"/>
+                  <a:rPr lang="en-US">
+                    <a:noFill/>
                   </a:rPr>
-                  <a:t>Oscillator</a:t>
+                  <a:t> </a:t>
                 </a:r>
+              </a:p>
+            </p:txBody>
+          </p:sp>
+        </mc:Fallback>
+      </mc:AlternateContent>
+      <mc:AlternateContent xmlns:mc="http://schemas.openxmlformats.org/markup-compatibility/2006" xmlns:a14="http://schemas.microsoft.com/office/drawing/2010/main">
+        <mc:Choice Requires="a14">
+          <p:sp>
+            <p:nvSpPr>
+              <p:cNvPr id="237" name="TextBox 236"/>
+              <p:cNvSpPr txBox="1"/>
+              <p:nvPr/>
+            </p:nvSpPr>
+            <p:spPr>
+              <a:xfrm>
+                <a:off x="10319731" y="1724144"/>
+                <a:ext cx="261383" cy="239173"/>
+              </a:xfrm>
+              <a:prstGeom prst="rect">
+                <a:avLst/>
+              </a:prstGeom>
+              <a:noFill/>
+            </p:spPr>
+            <p:txBody>
+              <a:bodyPr wrap="none" lIns="0" tIns="0" rIns="0" bIns="0" rtlCol="0">
+                <a:spAutoFit/>
+              </a:bodyPr>
+              <a:lstStyle/>
+              <a:p>
+                <a:pPr/>
+                <a14:m>
+                  <m:oMathPara xmlns:m="http://schemas.openxmlformats.org/officeDocument/2006/math">
+                    <m:oMathParaPr>
+                      <m:jc m:val="centerGroup"/>
+                    </m:oMathParaPr>
+                    <m:oMath xmlns:m="http://schemas.openxmlformats.org/officeDocument/2006/math">
+                      <m:sSub>
+                        <m:sSubPr>
+                          <m:ctrlPr>
+                            <a:rPr lang="en-US" b="1" i="1" smtClean="0">
+                              <a:latin typeface="Cambria Math" panose="02040503050406030204" pitchFamily="18" charset="0"/>
+                            </a:rPr>
+                          </m:ctrlPr>
+                        </m:sSubPr>
+                        <m:e>
+                          <m:r>
+                            <a:rPr lang="en-US" b="1" i="0" smtClean="0">
+                              <a:latin typeface="Cambria Math" panose="02040503050406030204" pitchFamily="18" charset="0"/>
+                            </a:rPr>
+                            <m:t>𝐒</m:t>
+                          </m:r>
+                        </m:e>
+                        <m:sub>
+                          <m:r>
+                            <a:rPr lang="en-US" b="1" i="0" smtClean="0">
+                              <a:latin typeface="Cambria Math" panose="02040503050406030204" pitchFamily="18" charset="0"/>
+                            </a:rPr>
+                            <m:t>𝟒</m:t>
+                          </m:r>
+                        </m:sub>
+                      </m:sSub>
+                    </m:oMath>
+                  </m:oMathPara>
+                </a14:m>
                 <a:endParaRPr lang="en-US" b="1" dirty="0">
                   <a:latin typeface="+mj-lt"/>
                 </a:endParaRPr>
               </a:p>
             </p:txBody>
           </p:sp>
+        </mc:Choice>
+        <mc:Fallback xmlns="">
           <p:sp>
             <p:nvSpPr>
-              <p:cNvPr id="177" name="Rounded Rectangle 176"/>
-              <p:cNvSpPr/>
+              <p:cNvPr id="237" name="TextBox 236"/>
+              <p:cNvSpPr txBox="1">
+                <a:spLocks noRot="1" noChangeAspect="1" noMove="1" noResize="1" noEditPoints="1" noAdjustHandles="1" noChangeArrowheads="1" noChangeShapeType="1" noTextEdit="1"/>
+              </p:cNvSpPr>
               <p:nvPr/>
             </p:nvSpPr>
             <p:spPr>
               <a:xfrm>
-                <a:off x="3857204" y="772785"/>
-                <a:ext cx="1808634" cy="1162203"/>
+                <a:off x="10319731" y="1724144"/>
+                <a:ext cx="261383" cy="239173"/>
               </a:xfrm>
-              <a:prstGeom prst="roundRect">
+              <a:prstGeom prst="rect">
                 <a:avLst/>
               </a:prstGeom>
-              <a:ln w="19050"/>
+              <a:blipFill>
+                <a:blip r:embed="rId5"/>
+                <a:stretch>
+                  <a:fillRect l="-27907" r="-13953" b="-35897"/>
+                </a:stretch>
+              </a:blipFill>
             </p:spPr>
-            <p:style>
-              <a:lnRef idx="2">
-                <a:schemeClr val="dk1"/>
-              </a:lnRef>
-              <a:fillRef idx="1">
-                <a:schemeClr val="lt1"/>
-              </a:fillRef>
-              <a:effectRef idx="0">
-                <a:schemeClr val="dk1"/>
-              </a:effectRef>
-              <a:fontRef idx="minor">
-                <a:schemeClr val="dk1"/>
-              </a:fontRef>
-            </p:style>
             <p:txBody>
-              <a:bodyPr rtlCol="0" anchor="ctr"/>
+              <a:bodyPr/>
               <a:lstStyle/>
               <a:p>
-                <a:pPr algn="ctr"/>
                 <a:r>
-                  <a:rPr lang="en-US" b="1" dirty="0" smtClean="0">
-                    <a:latin typeface="+mj-lt"/>
+                  <a:rPr lang="en-US">
+                    <a:noFill/>
                   </a:rPr>
-                  <a:t>MPAM Mapping</a:t>
+                  <a:t> </a:t>
                 </a:r>
+              </a:p>
+            </p:txBody>
+          </p:sp>
+        </mc:Fallback>
+      </mc:AlternateContent>
+      <mc:AlternateContent xmlns:mc="http://schemas.openxmlformats.org/markup-compatibility/2006" xmlns:a14="http://schemas.microsoft.com/office/drawing/2010/main">
+        <mc:Choice Requires="a14">
+          <p:sp>
+            <p:nvSpPr>
+              <p:cNvPr id="238" name="TextBox 237"/>
+              <p:cNvSpPr txBox="1"/>
+              <p:nvPr/>
+            </p:nvSpPr>
+            <p:spPr>
+              <a:xfrm>
+                <a:off x="2714778" y="4826295"/>
+                <a:ext cx="261383" cy="239173"/>
+              </a:xfrm>
+              <a:prstGeom prst="rect">
+                <a:avLst/>
+              </a:prstGeom>
+              <a:noFill/>
+            </p:spPr>
+            <p:txBody>
+              <a:bodyPr wrap="none" lIns="0" tIns="0" rIns="0" bIns="0" rtlCol="0">
+                <a:spAutoFit/>
+              </a:bodyPr>
+              <a:lstStyle/>
+              <a:p>
+                <a:pPr/>
+                <a14:m>
+                  <m:oMathPara xmlns:m="http://schemas.openxmlformats.org/officeDocument/2006/math">
+                    <m:oMathParaPr>
+                      <m:jc m:val="centerGroup"/>
+                    </m:oMathParaPr>
+                    <m:oMath xmlns:m="http://schemas.openxmlformats.org/officeDocument/2006/math">
+                      <m:sSub>
+                        <m:sSubPr>
+                          <m:ctrlPr>
+                            <a:rPr lang="en-US" b="1" i="1" smtClean="0">
+                              <a:latin typeface="Cambria Math" panose="02040503050406030204" pitchFamily="18" charset="0"/>
+                            </a:rPr>
+                          </m:ctrlPr>
+                        </m:sSubPr>
+                        <m:e>
+                          <m:r>
+                            <a:rPr lang="en-US" b="1" i="0" smtClean="0">
+                              <a:latin typeface="Cambria Math" panose="02040503050406030204" pitchFamily="18" charset="0"/>
+                            </a:rPr>
+                            <m:t>𝐒</m:t>
+                          </m:r>
+                        </m:e>
+                        <m:sub>
+                          <m:r>
+                            <a:rPr lang="en-US" b="1" i="0" smtClean="0">
+                              <a:latin typeface="Cambria Math" panose="02040503050406030204" pitchFamily="18" charset="0"/>
+                            </a:rPr>
+                            <m:t>𝟓</m:t>
+                          </m:r>
+                        </m:sub>
+                      </m:sSub>
+                    </m:oMath>
+                  </m:oMathPara>
+                </a14:m>
                 <a:endParaRPr lang="en-US" b="1" dirty="0">
                   <a:latin typeface="+mj-lt"/>
                 </a:endParaRPr>
               </a:p>
             </p:txBody>
           </p:sp>
+        </mc:Choice>
+        <mc:Fallback xmlns="">
           <p:sp>
             <p:nvSpPr>
-              <p:cNvPr id="178" name="Rounded Rectangle 177"/>
-              <p:cNvSpPr/>
+              <p:cNvPr id="238" name="TextBox 237"/>
+              <p:cNvSpPr txBox="1">
+                <a:spLocks noRot="1" noChangeAspect="1" noMove="1" noResize="1" noEditPoints="1" noAdjustHandles="1" noChangeArrowheads="1" noChangeShapeType="1" noTextEdit="1"/>
+              </p:cNvSpPr>
               <p:nvPr/>
             </p:nvSpPr>
             <p:spPr>
               <a:xfrm>
-                <a:off x="1446414" y="772785"/>
-                <a:ext cx="1808634" cy="1162203"/>
+                <a:off x="2714778" y="4826295"/>
+                <a:ext cx="261383" cy="239173"/>
               </a:xfrm>
-              <a:prstGeom prst="roundRect">
+              <a:prstGeom prst="rect">
                 <a:avLst/>
               </a:prstGeom>
-              <a:ln w="19050"/>
+              <a:blipFill>
+                <a:blip r:embed="rId6"/>
+                <a:stretch>
+                  <a:fillRect l="-25581" r="-16279" b="-35897"/>
+                </a:stretch>
+              </a:blipFill>
             </p:spPr>
-            <p:style>
-              <a:lnRef idx="2">
-                <a:schemeClr val="dk1"/>
-              </a:lnRef>
-              <a:fillRef idx="1">
-                <a:schemeClr val="lt1"/>
-              </a:fillRef>
-              <a:effectRef idx="0">
-                <a:schemeClr val="dk1"/>
-              </a:effectRef>
-              <a:fontRef idx="minor">
-                <a:schemeClr val="dk1"/>
-              </a:fontRef>
-            </p:style>
             <p:txBody>
-              <a:bodyPr rtlCol="0" anchor="ctr"/>
+              <a:bodyPr/>
               <a:lstStyle/>
               <a:p>
-                <a:pPr algn="ctr"/>
                 <a:r>
-                  <a:rPr lang="en-US" b="1" dirty="0" smtClean="0">
-                    <a:latin typeface="+mj-lt"/>
+                  <a:rPr lang="en-US">
+                    <a:noFill/>
                   </a:rPr>
-                  <a:t>Binary Sequence</a:t>
+                  <a:t> </a:t>
                 </a:r>
+              </a:p>
+            </p:txBody>
+          </p:sp>
+        </mc:Fallback>
+      </mc:AlternateContent>
+      <mc:AlternateContent xmlns:mc="http://schemas.openxmlformats.org/markup-compatibility/2006" xmlns:a14="http://schemas.microsoft.com/office/drawing/2010/main">
+        <mc:Choice Requires="a14">
+          <p:sp>
+            <p:nvSpPr>
+              <p:cNvPr id="240" name="TextBox 239"/>
+              <p:cNvSpPr txBox="1"/>
+              <p:nvPr/>
+            </p:nvSpPr>
+            <p:spPr>
+              <a:xfrm>
+                <a:off x="3678461" y="3894472"/>
+                <a:ext cx="261383" cy="239173"/>
+              </a:xfrm>
+              <a:prstGeom prst="rect">
+                <a:avLst/>
+              </a:prstGeom>
+              <a:noFill/>
+            </p:spPr>
+            <p:txBody>
+              <a:bodyPr wrap="none" lIns="0" tIns="0" rIns="0" bIns="0" rtlCol="0">
+                <a:spAutoFit/>
+              </a:bodyPr>
+              <a:lstStyle/>
+              <a:p>
+                <a:pPr/>
+                <a14:m>
+                  <m:oMathPara xmlns:m="http://schemas.openxmlformats.org/officeDocument/2006/math">
+                    <m:oMathParaPr>
+                      <m:jc m:val="centerGroup"/>
+                    </m:oMathParaPr>
+                    <m:oMath xmlns:m="http://schemas.openxmlformats.org/officeDocument/2006/math">
+                      <m:sSub>
+                        <m:sSubPr>
+                          <m:ctrlPr>
+                            <a:rPr lang="en-US" b="1" i="1" smtClean="0">
+                              <a:latin typeface="Cambria Math" panose="02040503050406030204" pitchFamily="18" charset="0"/>
+                            </a:rPr>
+                          </m:ctrlPr>
+                        </m:sSubPr>
+                        <m:e>
+                          <m:r>
+                            <a:rPr lang="en-US" b="1" i="0" smtClean="0">
+                              <a:latin typeface="Cambria Math" panose="02040503050406030204" pitchFamily="18" charset="0"/>
+                            </a:rPr>
+                            <m:t>𝐒</m:t>
+                          </m:r>
+                        </m:e>
+                        <m:sub>
+                          <m:r>
+                            <a:rPr lang="en-US" b="1" i="0" smtClean="0">
+                              <a:latin typeface="Cambria Math" panose="02040503050406030204" pitchFamily="18" charset="0"/>
+                            </a:rPr>
+                            <m:t>𝟔</m:t>
+                          </m:r>
+                        </m:sub>
+                      </m:sSub>
+                    </m:oMath>
+                  </m:oMathPara>
+                </a14:m>
                 <a:endParaRPr lang="en-US" b="1" dirty="0">
                   <a:latin typeface="+mj-lt"/>
                 </a:endParaRPr>
               </a:p>
             </p:txBody>
           </p:sp>
-          <p:cxnSp>
-            <p:nvCxnSpPr>
-              <p:cNvPr id="159" name="Straight Arrow Connector 158"/>
-              <p:cNvCxnSpPr>
-                <a:stCxn id="178" idx="3"/>
-                <a:endCxn id="177" idx="1"/>
-              </p:cNvCxnSpPr>
-              <p:nvPr/>
-            </p:nvCxnSpPr>
-            <p:spPr>
-              <a:xfrm>
-                <a:off x="3255048" y="1353887"/>
-                <a:ext cx="602156" cy="0"/>
-              </a:xfrm>
-              <a:prstGeom prst="straightConnector1">
-                <a:avLst/>
-              </a:prstGeom>
-              <a:ln w="19050">
-                <a:tailEnd type="triangle"/>
-              </a:ln>
-            </p:spPr>
-            <p:style>
-              <a:lnRef idx="1">
-                <a:schemeClr val="dk1"/>
-              </a:lnRef>
-              <a:fillRef idx="0">
-                <a:schemeClr val="dk1"/>
-              </a:fillRef>
-              <a:effectRef idx="0">
-                <a:schemeClr val="dk1"/>
-              </a:effectRef>
-              <a:fontRef idx="minor">
-                <a:schemeClr val="tx1"/>
-              </a:fontRef>
-            </p:style>
-          </p:cxnSp>
-          <p:cxnSp>
-            <p:nvCxnSpPr>
-              <p:cNvPr id="184" name="Straight Arrow Connector 183"/>
-              <p:cNvCxnSpPr>
-                <a:stCxn id="177" idx="3"/>
-                <a:endCxn id="155" idx="1"/>
-              </p:cNvCxnSpPr>
-              <p:nvPr/>
-            </p:nvCxnSpPr>
-            <p:spPr>
-              <a:xfrm>
-                <a:off x="5665839" y="1353887"/>
-                <a:ext cx="602186" cy="1"/>
-              </a:xfrm>
-              <a:prstGeom prst="straightConnector1">
-                <a:avLst/>
-              </a:prstGeom>
-              <a:ln w="19050">
-                <a:tailEnd type="triangle"/>
-              </a:ln>
-            </p:spPr>
-            <p:style>
-              <a:lnRef idx="1">
-                <a:schemeClr val="dk1"/>
-              </a:lnRef>
-              <a:fillRef idx="0">
-                <a:schemeClr val="dk1"/>
-              </a:fillRef>
-              <a:effectRef idx="0">
-                <a:schemeClr val="dk1"/>
-              </a:effectRef>
-              <a:fontRef idx="minor">
-                <a:schemeClr val="tx1"/>
-              </a:fontRef>
-            </p:style>
-          </p:cxnSp>
-          <p:cxnSp>
-            <p:nvCxnSpPr>
-              <p:cNvPr id="185" name="Straight Arrow Connector 184"/>
-              <p:cNvCxnSpPr>
-                <a:stCxn id="155" idx="3"/>
-                <a:endCxn id="169" idx="1"/>
-              </p:cNvCxnSpPr>
-              <p:nvPr/>
-            </p:nvCxnSpPr>
-            <p:spPr>
-              <a:xfrm flipV="1">
-                <a:off x="8076659" y="1353887"/>
-                <a:ext cx="602124" cy="1"/>
-              </a:xfrm>
-              <a:prstGeom prst="straightConnector1">
-                <a:avLst/>
-              </a:prstGeom>
-              <a:ln w="19050">
-                <a:tailEnd type="triangle"/>
-              </a:ln>
-            </p:spPr>
-            <p:style>
-              <a:lnRef idx="1">
-                <a:schemeClr val="dk1"/>
-              </a:lnRef>
-              <a:fillRef idx="0">
-                <a:schemeClr val="dk1"/>
-              </a:fillRef>
-              <a:effectRef idx="0">
-                <a:schemeClr val="dk1"/>
-              </a:effectRef>
-              <a:fontRef idx="minor">
-                <a:schemeClr val="tx1"/>
-              </a:fontRef>
-            </p:style>
-          </p:cxnSp>
-          <p:cxnSp>
-            <p:nvCxnSpPr>
-              <p:cNvPr id="199" name="Straight Arrow Connector 198"/>
-              <p:cNvCxnSpPr>
-                <a:stCxn id="173" idx="0"/>
-                <a:endCxn id="172" idx="2"/>
-              </p:cNvCxnSpPr>
-              <p:nvPr/>
-            </p:nvCxnSpPr>
-            <p:spPr>
-              <a:xfrm flipV="1">
-                <a:off x="2350731" y="4441771"/>
-                <a:ext cx="4663" cy="1080164"/>
-              </a:xfrm>
-              <a:prstGeom prst="straightConnector1">
-                <a:avLst/>
-              </a:prstGeom>
-              <a:ln w="19050">
-                <a:tailEnd type="triangle"/>
-              </a:ln>
-            </p:spPr>
-            <p:style>
-              <a:lnRef idx="1">
-                <a:schemeClr val="dk1"/>
-              </a:lnRef>
-              <a:fillRef idx="0">
-                <a:schemeClr val="dk1"/>
-              </a:fillRef>
-              <a:effectRef idx="0">
-                <a:schemeClr val="dk1"/>
-              </a:effectRef>
-              <a:fontRef idx="minor">
-                <a:schemeClr val="tx1"/>
-              </a:fontRef>
-            </p:style>
-          </p:cxnSp>
-          <mc:AlternateContent xmlns:mc="http://schemas.openxmlformats.org/markup-compatibility/2006" xmlns:a14="http://schemas.microsoft.com/office/drawing/2010/main">
-            <mc:Choice Requires="a14">
-              <p:sp>
-                <p:nvSpPr>
-                  <p:cNvPr id="234" name="TextBox 233"/>
-                  <p:cNvSpPr txBox="1"/>
-                  <p:nvPr/>
-                </p:nvSpPr>
-                <p:spPr>
-                  <a:xfrm>
-                    <a:off x="3410929" y="960031"/>
-                    <a:ext cx="283667" cy="277000"/>
-                  </a:xfrm>
-                  <a:prstGeom prst="rect">
-                    <a:avLst/>
-                  </a:prstGeom>
-                  <a:noFill/>
-                </p:spPr>
-                <p:txBody>
-                  <a:bodyPr wrap="none" lIns="0" tIns="0" rIns="0" bIns="0" rtlCol="0">
-                    <a:spAutoFit/>
-                  </a:bodyPr>
-                  <a:lstStyle/>
-                  <a:p>
-                    <a:pPr/>
-                    <a14:m>
-                      <m:oMathPara xmlns:m="http://schemas.openxmlformats.org/officeDocument/2006/math">
-                        <m:oMathParaPr>
-                          <m:jc m:val="centerGroup"/>
-                        </m:oMathParaPr>
-                        <m:oMath xmlns:m="http://schemas.openxmlformats.org/officeDocument/2006/math">
-                          <m:sSub>
-                            <m:sSubPr>
-                              <m:ctrlPr>
-                                <a:rPr lang="en-US" b="1" i="1" smtClean="0">
-                                  <a:latin typeface="Cambria Math" panose="02040503050406030204" pitchFamily="18" charset="0"/>
-                                </a:rPr>
-                              </m:ctrlPr>
-                            </m:sSubPr>
-                            <m:e>
-                              <m:r>
-                                <a:rPr lang="en-US" b="1" i="0" smtClean="0">
-                                  <a:latin typeface="Cambria Math" panose="02040503050406030204" pitchFamily="18" charset="0"/>
-                                </a:rPr>
-                                <m:t>𝐒</m:t>
-                              </m:r>
-                            </m:e>
-                            <m:sub>
-                              <m:r>
-                                <a:rPr lang="en-US" b="1" i="0" smtClean="0">
-                                  <a:latin typeface="Cambria Math" panose="02040503050406030204" pitchFamily="18" charset="0"/>
-                                </a:rPr>
-                                <m:t>𝟏</m:t>
-                              </m:r>
-                            </m:sub>
-                          </m:sSub>
-                        </m:oMath>
-                      </m:oMathPara>
-                    </a14:m>
-                    <a:endParaRPr lang="en-US" b="1" dirty="0">
-                      <a:latin typeface="+mj-lt"/>
-                    </a:endParaRPr>
-                  </a:p>
-                </p:txBody>
-              </p:sp>
-            </mc:Choice>
-            <mc:Fallback xmlns="">
-              <p:sp>
-                <p:nvSpPr>
-                  <p:cNvPr id="234" name="TextBox 233"/>
-                  <p:cNvSpPr txBox="1">
-                    <a:spLocks noRot="1" noChangeAspect="1" noMove="1" noResize="1" noEditPoints="1" noAdjustHandles="1" noChangeArrowheads="1" noChangeShapeType="1" noTextEdit="1"/>
-                  </p:cNvSpPr>
-                  <p:nvPr/>
-                </p:nvSpPr>
-                <p:spPr>
-                  <a:xfrm>
-                    <a:off x="3410929" y="960031"/>
-                    <a:ext cx="283667" cy="277000"/>
-                  </a:xfrm>
-                  <a:prstGeom prst="rect">
-                    <a:avLst/>
-                  </a:prstGeom>
-                  <a:blipFill>
-                    <a:blip r:embed="rId2"/>
-                    <a:stretch>
-                      <a:fillRect l="-25581" r="-13953" b="-35897"/>
-                    </a:stretch>
-                  </a:blipFill>
-                </p:spPr>
-                <p:txBody>
-                  <a:bodyPr/>
-                  <a:lstStyle/>
-                  <a:p>
-                    <a:r>
-                      <a:rPr lang="en-US">
-                        <a:noFill/>
-                      </a:rPr>
-                      <a:t> </a:t>
-                    </a:r>
-                  </a:p>
-                </p:txBody>
-              </p:sp>
-            </mc:Fallback>
-          </mc:AlternateContent>
-          <mc:AlternateContent xmlns:mc="http://schemas.openxmlformats.org/markup-compatibility/2006" xmlns:a14="http://schemas.microsoft.com/office/drawing/2010/main">
-            <mc:Choice Requires="a14">
-              <p:sp>
-                <p:nvSpPr>
-                  <p:cNvPr id="235" name="TextBox 234"/>
-                  <p:cNvSpPr txBox="1"/>
-                  <p:nvPr/>
-                </p:nvSpPr>
-                <p:spPr>
-                  <a:xfrm>
-                    <a:off x="5833475" y="960031"/>
-                    <a:ext cx="283667" cy="277000"/>
-                  </a:xfrm>
-                  <a:prstGeom prst="rect">
-                    <a:avLst/>
-                  </a:prstGeom>
-                  <a:noFill/>
-                </p:spPr>
-                <p:txBody>
-                  <a:bodyPr wrap="none" lIns="0" tIns="0" rIns="0" bIns="0" rtlCol="0">
-                    <a:spAutoFit/>
-                  </a:bodyPr>
-                  <a:lstStyle/>
-                  <a:p>
-                    <a:pPr/>
-                    <a14:m>
-                      <m:oMathPara xmlns:m="http://schemas.openxmlformats.org/officeDocument/2006/math">
-                        <m:oMathParaPr>
-                          <m:jc m:val="centerGroup"/>
-                        </m:oMathParaPr>
-                        <m:oMath xmlns:m="http://schemas.openxmlformats.org/officeDocument/2006/math">
-                          <m:sSub>
-                            <m:sSubPr>
-                              <m:ctrlPr>
-                                <a:rPr lang="en-US" b="1" i="1" smtClean="0">
-                                  <a:latin typeface="Cambria Math" panose="02040503050406030204" pitchFamily="18" charset="0"/>
-                                </a:rPr>
-                              </m:ctrlPr>
-                            </m:sSubPr>
-                            <m:e>
-                              <m:r>
-                                <a:rPr lang="en-US" b="1" i="0" smtClean="0">
-                                  <a:latin typeface="Cambria Math" panose="02040503050406030204" pitchFamily="18" charset="0"/>
-                                </a:rPr>
-                                <m:t>𝐒</m:t>
-                              </m:r>
-                            </m:e>
-                            <m:sub>
-                              <m:r>
-                                <a:rPr lang="en-US" b="1" i="0" smtClean="0">
-                                  <a:latin typeface="Cambria Math" panose="02040503050406030204" pitchFamily="18" charset="0"/>
-                                </a:rPr>
-                                <m:t>𝟐</m:t>
-                              </m:r>
-                            </m:sub>
-                          </m:sSub>
-                        </m:oMath>
-                      </m:oMathPara>
-                    </a14:m>
-                    <a:endParaRPr lang="en-US" b="1" dirty="0">
-                      <a:latin typeface="+mj-lt"/>
-                    </a:endParaRPr>
-                  </a:p>
-                </p:txBody>
-              </p:sp>
-            </mc:Choice>
-            <mc:Fallback xmlns="">
-              <p:sp>
-                <p:nvSpPr>
-                  <p:cNvPr id="235" name="TextBox 234"/>
-                  <p:cNvSpPr txBox="1">
-                    <a:spLocks noRot="1" noChangeAspect="1" noMove="1" noResize="1" noEditPoints="1" noAdjustHandles="1" noChangeArrowheads="1" noChangeShapeType="1" noTextEdit="1"/>
-                  </p:cNvSpPr>
-                  <p:nvPr/>
-                </p:nvSpPr>
-                <p:spPr>
-                  <a:xfrm>
-                    <a:off x="5833475" y="960031"/>
-                    <a:ext cx="283667" cy="277000"/>
-                  </a:xfrm>
-                  <a:prstGeom prst="rect">
-                    <a:avLst/>
-                  </a:prstGeom>
-                  <a:blipFill>
-                    <a:blip r:embed="rId3"/>
-                    <a:stretch>
-                      <a:fillRect l="-25581" r="-13953" b="-35897"/>
-                    </a:stretch>
-                  </a:blipFill>
-                </p:spPr>
-                <p:txBody>
-                  <a:bodyPr/>
-                  <a:lstStyle/>
-                  <a:p>
-                    <a:r>
-                      <a:rPr lang="en-US">
-                        <a:noFill/>
-                      </a:rPr>
-                      <a:t> </a:t>
-                    </a:r>
-                  </a:p>
-                </p:txBody>
-              </p:sp>
-            </mc:Fallback>
-          </mc:AlternateContent>
-          <mc:AlternateContent xmlns:mc="http://schemas.openxmlformats.org/markup-compatibility/2006" xmlns:a14="http://schemas.microsoft.com/office/drawing/2010/main">
-            <mc:Choice Requires="a14">
-              <p:sp>
-                <p:nvSpPr>
-                  <p:cNvPr id="236" name="TextBox 235"/>
-                  <p:cNvSpPr txBox="1"/>
-                  <p:nvPr/>
-                </p:nvSpPr>
-                <p:spPr>
-                  <a:xfrm>
-                    <a:off x="8273400" y="938126"/>
-                    <a:ext cx="238144" cy="320808"/>
-                  </a:xfrm>
-                  <a:prstGeom prst="rect">
-                    <a:avLst/>
-                  </a:prstGeom>
-                  <a:noFill/>
-                </p:spPr>
-                <p:txBody>
-                  <a:bodyPr wrap="square" lIns="0" tIns="0" rIns="0" bIns="0" rtlCol="0">
-                    <a:spAutoFit/>
-                  </a:bodyPr>
-                  <a:lstStyle/>
-                  <a:p>
-                    <a:pPr/>
-                    <a14:m>
-                      <m:oMathPara xmlns:m="http://schemas.openxmlformats.org/officeDocument/2006/math">
-                        <m:oMathParaPr>
-                          <m:jc m:val="centerGroup"/>
-                        </m:oMathParaPr>
-                        <m:oMath xmlns:m="http://schemas.openxmlformats.org/officeDocument/2006/math">
-                          <m:sSub>
-                            <m:sSubPr>
-                              <m:ctrlPr>
-                                <a:rPr lang="en-US" b="1" i="1" smtClean="0">
-                                  <a:latin typeface="Cambria Math" panose="02040503050406030204" pitchFamily="18" charset="0"/>
-                                </a:rPr>
-                              </m:ctrlPr>
-                            </m:sSubPr>
-                            <m:e>
-                              <m:r>
-                                <a:rPr lang="en-US" b="1" i="0" smtClean="0">
-                                  <a:latin typeface="Cambria Math" panose="02040503050406030204" pitchFamily="18" charset="0"/>
-                                </a:rPr>
-                                <m:t>𝐒</m:t>
-                              </m:r>
-                            </m:e>
-                            <m:sub>
-                              <m:r>
-                                <a:rPr lang="en-US" b="1" i="0" smtClean="0">
-                                  <a:latin typeface="Cambria Math" panose="02040503050406030204" pitchFamily="18" charset="0"/>
-                                </a:rPr>
-                                <m:t>𝟑</m:t>
-                              </m:r>
-                            </m:sub>
-                          </m:sSub>
-                        </m:oMath>
-                      </m:oMathPara>
-                    </a14:m>
-                    <a:endParaRPr lang="en-US" b="1" dirty="0">
-                      <a:latin typeface="+mj-lt"/>
-                    </a:endParaRPr>
-                  </a:p>
-                </p:txBody>
-              </p:sp>
-            </mc:Choice>
-            <mc:Fallback xmlns="">
-              <p:sp>
-                <p:nvSpPr>
-                  <p:cNvPr id="236" name="TextBox 235"/>
-                  <p:cNvSpPr txBox="1">
-                    <a:spLocks noRot="1" noChangeAspect="1" noMove="1" noResize="1" noEditPoints="1" noAdjustHandles="1" noChangeArrowheads="1" noChangeShapeType="1" noTextEdit="1"/>
-                  </p:cNvSpPr>
-                  <p:nvPr/>
-                </p:nvSpPr>
-                <p:spPr>
-                  <a:xfrm>
-                    <a:off x="8273400" y="938126"/>
-                    <a:ext cx="238144" cy="320808"/>
-                  </a:xfrm>
-                  <a:prstGeom prst="rect">
-                    <a:avLst/>
-                  </a:prstGeom>
-                  <a:blipFill>
-                    <a:blip r:embed="rId4"/>
-                    <a:stretch>
-                      <a:fillRect l="-36111" r="-30556" b="-15217"/>
-                    </a:stretch>
-                  </a:blipFill>
-                </p:spPr>
-                <p:txBody>
-                  <a:bodyPr/>
-                  <a:lstStyle/>
-                  <a:p>
-                    <a:r>
-                      <a:rPr lang="en-US">
-                        <a:noFill/>
-                      </a:rPr>
-                      <a:t> </a:t>
-                    </a:r>
-                  </a:p>
-                </p:txBody>
-              </p:sp>
-            </mc:Fallback>
-          </mc:AlternateContent>
-          <mc:AlternateContent xmlns:mc="http://schemas.openxmlformats.org/markup-compatibility/2006" xmlns:a14="http://schemas.microsoft.com/office/drawing/2010/main">
-            <mc:Choice Requires="a14">
-              <p:sp>
-                <p:nvSpPr>
-                  <p:cNvPr id="237" name="TextBox 236"/>
-                  <p:cNvSpPr txBox="1"/>
-                  <p:nvPr/>
-                </p:nvSpPr>
-                <p:spPr>
-                  <a:xfrm>
-                    <a:off x="10633027" y="960029"/>
-                    <a:ext cx="283667" cy="277000"/>
-                  </a:xfrm>
-                  <a:prstGeom prst="rect">
-                    <a:avLst/>
-                  </a:prstGeom>
-                  <a:noFill/>
-                </p:spPr>
-                <p:txBody>
-                  <a:bodyPr wrap="none" lIns="0" tIns="0" rIns="0" bIns="0" rtlCol="0">
-                    <a:spAutoFit/>
-                  </a:bodyPr>
-                  <a:lstStyle/>
-                  <a:p>
-                    <a:pPr/>
-                    <a14:m>
-                      <m:oMathPara xmlns:m="http://schemas.openxmlformats.org/officeDocument/2006/math">
-                        <m:oMathParaPr>
-                          <m:jc m:val="centerGroup"/>
-                        </m:oMathParaPr>
-                        <m:oMath xmlns:m="http://schemas.openxmlformats.org/officeDocument/2006/math">
-                          <m:sSub>
-                            <m:sSubPr>
-                              <m:ctrlPr>
-                                <a:rPr lang="en-US" b="1" i="1" smtClean="0">
-                                  <a:latin typeface="Cambria Math" panose="02040503050406030204" pitchFamily="18" charset="0"/>
-                                </a:rPr>
-                              </m:ctrlPr>
-                            </m:sSubPr>
-                            <m:e>
-                              <m:r>
-                                <a:rPr lang="en-US" b="1" i="0" smtClean="0">
-                                  <a:latin typeface="Cambria Math" panose="02040503050406030204" pitchFamily="18" charset="0"/>
-                                </a:rPr>
-                                <m:t>𝐒</m:t>
-                              </m:r>
-                            </m:e>
-                            <m:sub>
-                              <m:r>
-                                <a:rPr lang="en-US" b="1" i="0" smtClean="0">
-                                  <a:latin typeface="Cambria Math" panose="02040503050406030204" pitchFamily="18" charset="0"/>
-                                </a:rPr>
-                                <m:t>𝟒</m:t>
-                              </m:r>
-                            </m:sub>
-                          </m:sSub>
-                        </m:oMath>
-                      </m:oMathPara>
-                    </a14:m>
-                    <a:endParaRPr lang="en-US" b="1" dirty="0">
-                      <a:latin typeface="+mj-lt"/>
-                    </a:endParaRPr>
-                  </a:p>
-                </p:txBody>
-              </p:sp>
-            </mc:Choice>
-            <mc:Fallback xmlns="">
-              <p:sp>
-                <p:nvSpPr>
-                  <p:cNvPr id="237" name="TextBox 236"/>
-                  <p:cNvSpPr txBox="1">
-                    <a:spLocks noRot="1" noChangeAspect="1" noMove="1" noResize="1" noEditPoints="1" noAdjustHandles="1" noChangeArrowheads="1" noChangeShapeType="1" noTextEdit="1"/>
-                  </p:cNvSpPr>
-                  <p:nvPr/>
-                </p:nvSpPr>
-                <p:spPr>
-                  <a:xfrm>
-                    <a:off x="10633027" y="960029"/>
-                    <a:ext cx="283667" cy="277000"/>
-                  </a:xfrm>
-                  <a:prstGeom prst="rect">
-                    <a:avLst/>
-                  </a:prstGeom>
-                  <a:blipFill>
-                    <a:blip r:embed="rId5"/>
-                    <a:stretch>
-                      <a:fillRect l="-27907" r="-13953" b="-35897"/>
-                    </a:stretch>
-                  </a:blipFill>
-                </p:spPr>
-                <p:txBody>
-                  <a:bodyPr/>
-                  <a:lstStyle/>
-                  <a:p>
-                    <a:r>
-                      <a:rPr lang="en-US">
-                        <a:noFill/>
-                      </a:rPr>
-                      <a:t> </a:t>
-                    </a:r>
-                  </a:p>
-                </p:txBody>
-              </p:sp>
-            </mc:Fallback>
-          </mc:AlternateContent>
-          <mc:AlternateContent xmlns:mc="http://schemas.openxmlformats.org/markup-compatibility/2006" xmlns:a14="http://schemas.microsoft.com/office/drawing/2010/main">
-            <mc:Choice Requires="a14">
-              <p:sp>
-                <p:nvSpPr>
-                  <p:cNvPr id="238" name="TextBox 237"/>
-                  <p:cNvSpPr txBox="1"/>
-                  <p:nvPr/>
-                </p:nvSpPr>
-                <p:spPr>
-                  <a:xfrm>
-                    <a:off x="2379721" y="4552802"/>
-                    <a:ext cx="283667" cy="277000"/>
-                  </a:xfrm>
-                  <a:prstGeom prst="rect">
-                    <a:avLst/>
-                  </a:prstGeom>
-                  <a:noFill/>
-                </p:spPr>
-                <p:txBody>
-                  <a:bodyPr wrap="none" lIns="0" tIns="0" rIns="0" bIns="0" rtlCol="0">
-                    <a:spAutoFit/>
-                  </a:bodyPr>
-                  <a:lstStyle/>
-                  <a:p>
-                    <a:pPr/>
-                    <a14:m>
-                      <m:oMathPara xmlns:m="http://schemas.openxmlformats.org/officeDocument/2006/math">
-                        <m:oMathParaPr>
-                          <m:jc m:val="centerGroup"/>
-                        </m:oMathParaPr>
-                        <m:oMath xmlns:m="http://schemas.openxmlformats.org/officeDocument/2006/math">
-                          <m:sSub>
-                            <m:sSubPr>
-                              <m:ctrlPr>
-                                <a:rPr lang="en-US" b="1" i="1" smtClean="0">
-                                  <a:latin typeface="Cambria Math" panose="02040503050406030204" pitchFamily="18" charset="0"/>
-                                </a:rPr>
-                              </m:ctrlPr>
-                            </m:sSubPr>
-                            <m:e>
-                              <m:r>
-                                <a:rPr lang="en-US" b="1" i="0" smtClean="0">
-                                  <a:latin typeface="Cambria Math" panose="02040503050406030204" pitchFamily="18" charset="0"/>
-                                </a:rPr>
-                                <m:t>𝐒</m:t>
-                              </m:r>
-                            </m:e>
-                            <m:sub>
-                              <m:r>
-                                <a:rPr lang="en-US" b="1" i="0" smtClean="0">
-                                  <a:latin typeface="Cambria Math" panose="02040503050406030204" pitchFamily="18" charset="0"/>
-                                </a:rPr>
-                                <m:t>𝟓</m:t>
-                              </m:r>
-                            </m:sub>
-                          </m:sSub>
-                        </m:oMath>
-                      </m:oMathPara>
-                    </a14:m>
-                    <a:endParaRPr lang="en-US" b="1" dirty="0">
-                      <a:latin typeface="+mj-lt"/>
-                    </a:endParaRPr>
-                  </a:p>
-                </p:txBody>
-              </p:sp>
-            </mc:Choice>
-            <mc:Fallback xmlns="">
-              <p:sp>
-                <p:nvSpPr>
-                  <p:cNvPr id="238" name="TextBox 237"/>
-                  <p:cNvSpPr txBox="1">
-                    <a:spLocks noRot="1" noChangeAspect="1" noMove="1" noResize="1" noEditPoints="1" noAdjustHandles="1" noChangeArrowheads="1" noChangeShapeType="1" noTextEdit="1"/>
-                  </p:cNvSpPr>
-                  <p:nvPr/>
-                </p:nvSpPr>
-                <p:spPr>
-                  <a:xfrm>
-                    <a:off x="2379721" y="4552802"/>
-                    <a:ext cx="283667" cy="277000"/>
-                  </a:xfrm>
-                  <a:prstGeom prst="rect">
-                    <a:avLst/>
-                  </a:prstGeom>
-                  <a:blipFill>
-                    <a:blip r:embed="rId6"/>
-                    <a:stretch>
-                      <a:fillRect l="-25581" r="-16279" b="-35000"/>
-                    </a:stretch>
-                  </a:blipFill>
-                </p:spPr>
-                <p:txBody>
-                  <a:bodyPr/>
-                  <a:lstStyle/>
-                  <a:p>
-                    <a:r>
-                      <a:rPr lang="en-US">
-                        <a:noFill/>
-                      </a:rPr>
-                      <a:t> </a:t>
-                    </a:r>
-                  </a:p>
-                </p:txBody>
-              </p:sp>
-            </mc:Fallback>
-          </mc:AlternateContent>
-          <mc:AlternateContent xmlns:mc="http://schemas.openxmlformats.org/markup-compatibility/2006" xmlns:a14="http://schemas.microsoft.com/office/drawing/2010/main">
-            <mc:Choice Requires="a14">
-              <p:sp>
-                <p:nvSpPr>
-                  <p:cNvPr id="240" name="TextBox 239"/>
-                  <p:cNvSpPr txBox="1"/>
-                  <p:nvPr/>
-                </p:nvSpPr>
-                <p:spPr>
-                  <a:xfrm>
-                    <a:off x="3425562" y="3473606"/>
-                    <a:ext cx="283667" cy="277000"/>
-                  </a:xfrm>
-                  <a:prstGeom prst="rect">
-                    <a:avLst/>
-                  </a:prstGeom>
-                  <a:noFill/>
-                </p:spPr>
-                <p:txBody>
-                  <a:bodyPr wrap="none" lIns="0" tIns="0" rIns="0" bIns="0" rtlCol="0">
-                    <a:spAutoFit/>
-                  </a:bodyPr>
-                  <a:lstStyle/>
-                  <a:p>
-                    <a:pPr/>
-                    <a14:m>
-                      <m:oMathPara xmlns:m="http://schemas.openxmlformats.org/officeDocument/2006/math">
-                        <m:oMathParaPr>
-                          <m:jc m:val="centerGroup"/>
-                        </m:oMathParaPr>
-                        <m:oMath xmlns:m="http://schemas.openxmlformats.org/officeDocument/2006/math">
-                          <m:sSub>
-                            <m:sSubPr>
-                              <m:ctrlPr>
-                                <a:rPr lang="en-US" b="1" i="1" smtClean="0">
-                                  <a:latin typeface="Cambria Math" panose="02040503050406030204" pitchFamily="18" charset="0"/>
-                                </a:rPr>
-                              </m:ctrlPr>
-                            </m:sSubPr>
-                            <m:e>
-                              <m:r>
-                                <a:rPr lang="en-US" b="1" i="0" smtClean="0">
-                                  <a:latin typeface="Cambria Math" panose="02040503050406030204" pitchFamily="18" charset="0"/>
-                                </a:rPr>
-                                <m:t>𝐒</m:t>
-                              </m:r>
-                            </m:e>
-                            <m:sub>
-                              <m:r>
-                                <a:rPr lang="en-US" b="1" i="0" smtClean="0">
-                                  <a:latin typeface="Cambria Math" panose="02040503050406030204" pitchFamily="18" charset="0"/>
-                                </a:rPr>
-                                <m:t>𝟔</m:t>
-                              </m:r>
-                            </m:sub>
-                          </m:sSub>
-                        </m:oMath>
-                      </m:oMathPara>
-                    </a14:m>
-                    <a:endParaRPr lang="en-US" b="1" dirty="0">
-                      <a:latin typeface="+mj-lt"/>
-                    </a:endParaRPr>
-                  </a:p>
-                </p:txBody>
-              </p:sp>
-            </mc:Choice>
-            <mc:Fallback xmlns="">
-              <p:sp>
-                <p:nvSpPr>
-                  <p:cNvPr id="240" name="TextBox 239"/>
-                  <p:cNvSpPr txBox="1">
-                    <a:spLocks noRot="1" noChangeAspect="1" noMove="1" noResize="1" noEditPoints="1" noAdjustHandles="1" noChangeArrowheads="1" noChangeShapeType="1" noTextEdit="1"/>
-                  </p:cNvSpPr>
-                  <p:nvPr/>
-                </p:nvSpPr>
-                <p:spPr>
-                  <a:xfrm>
-                    <a:off x="3425562" y="3473606"/>
-                    <a:ext cx="283667" cy="277000"/>
-                  </a:xfrm>
-                  <a:prstGeom prst="rect">
-                    <a:avLst/>
-                  </a:prstGeom>
-                  <a:blipFill>
-                    <a:blip r:embed="rId7"/>
-                    <a:stretch>
-                      <a:fillRect l="-25581" r="-13953" b="-35897"/>
-                    </a:stretch>
-                  </a:blipFill>
-                </p:spPr>
-                <p:txBody>
-                  <a:bodyPr/>
-                  <a:lstStyle/>
-                  <a:p>
-                    <a:r>
-                      <a:rPr lang="en-US">
-                        <a:noFill/>
-                      </a:rPr>
-                      <a:t> </a:t>
-                    </a:r>
-                  </a:p>
-                </p:txBody>
-              </p:sp>
-            </mc:Fallback>
-          </mc:AlternateContent>
+        </mc:Choice>
+        <mc:Fallback xmlns="">
           <p:sp>
             <p:nvSpPr>
-              <p:cNvPr id="174" name="Rounded Rectangle 173"/>
-              <p:cNvSpPr/>
+              <p:cNvPr id="240" name="TextBox 239"/>
+              <p:cNvSpPr txBox="1">
+                <a:spLocks noRot="1" noChangeAspect="1" noMove="1" noResize="1" noEditPoints="1" noAdjustHandles="1" noChangeArrowheads="1" noChangeShapeType="1" noTextEdit="1"/>
+              </p:cNvSpPr>
               <p:nvPr/>
             </p:nvSpPr>
             <p:spPr>
               <a:xfrm>
-                <a:off x="3856572" y="3279548"/>
-                <a:ext cx="1808634" cy="1162205"/>
+                <a:off x="3678461" y="3894472"/>
+                <a:ext cx="261383" cy="239173"/>
               </a:xfrm>
-              <a:prstGeom prst="roundRect">
+              <a:prstGeom prst="rect">
                 <a:avLst/>
               </a:prstGeom>
-              <a:ln w="19050"/>
+              <a:blipFill>
+                <a:blip r:embed="rId7"/>
+                <a:stretch>
+                  <a:fillRect l="-25581" r="-13953" b="-35897"/>
+                </a:stretch>
+              </a:blipFill>
             </p:spPr>
-            <p:style>
-              <a:lnRef idx="2">
-                <a:schemeClr val="dk1"/>
-              </a:lnRef>
-              <a:fillRef idx="1">
-                <a:schemeClr val="lt1"/>
-              </a:fillRef>
-              <a:effectRef idx="0">
-                <a:schemeClr val="dk1"/>
-              </a:effectRef>
-              <a:fontRef idx="minor">
-                <a:schemeClr val="dk1"/>
-              </a:fontRef>
-            </p:style>
             <p:txBody>
-              <a:bodyPr rtlCol="0" anchor="ctr"/>
+              <a:bodyPr/>
               <a:lstStyle/>
               <a:p>
-                <a:pPr algn="ctr"/>
                 <a:r>
-                  <a:rPr lang="en-US" b="1" dirty="0" smtClean="0">
-                    <a:latin typeface="+mj-lt"/>
+                  <a:rPr lang="en-US">
+                    <a:noFill/>
                   </a:rPr>
-                  <a:t>Fork</a:t>
+                  <a:t> </a:t>
                 </a:r>
+              </a:p>
+            </p:txBody>
+          </p:sp>
+        </mc:Fallback>
+      </mc:AlternateContent>
+      <p:sp>
+        <p:nvSpPr>
+          <p:cNvPr id="174" name="Rounded Rectangle 173"/>
+          <p:cNvSpPr/>
+          <p:nvPr/>
+        </p:nvSpPr>
+        <p:spPr>
+          <a:xfrm>
+            <a:off x="4075613" y="3726914"/>
+            <a:ext cx="1666553" cy="1003497"/>
+          </a:xfrm>
+          <a:prstGeom prst="roundRect">
+            <a:avLst/>
+          </a:prstGeom>
+          <a:ln w="19050"/>
+        </p:spPr>
+        <p:style>
+          <a:lnRef idx="2">
+            <a:schemeClr val="dk1"/>
+          </a:lnRef>
+          <a:fillRef idx="1">
+            <a:schemeClr val="lt1"/>
+          </a:fillRef>
+          <a:effectRef idx="0">
+            <a:schemeClr val="dk1"/>
+          </a:effectRef>
+          <a:fontRef idx="minor">
+            <a:schemeClr val="dk1"/>
+          </a:fontRef>
+        </p:style>
+        <p:txBody>
+          <a:bodyPr rtlCol="0" anchor="ctr"/>
+          <a:lstStyle/>
+          <a:p>
+            <a:pPr algn="ctr"/>
+            <a:r>
+              <a:rPr lang="en-US" b="1" dirty="0" smtClean="0">
+                <a:latin typeface="+mj-lt"/>
+              </a:rPr>
+              <a:t>Fork</a:t>
+            </a:r>
+            <a:endParaRPr lang="en-US" b="1" dirty="0">
+              <a:latin typeface="+mj-lt"/>
+            </a:endParaRPr>
+          </a:p>
+        </p:txBody>
+      </p:sp>
+      <p:sp>
+        <p:nvSpPr>
+          <p:cNvPr id="230" name="Rounded Rectangle 229"/>
+          <p:cNvSpPr/>
+          <p:nvPr/>
+        </p:nvSpPr>
+        <p:spPr>
+          <a:xfrm>
+            <a:off x="8514912" y="5664333"/>
+            <a:ext cx="1661387" cy="1003495"/>
+          </a:xfrm>
+          <a:prstGeom prst="roundRect">
+            <a:avLst/>
+          </a:prstGeom>
+          <a:ln w="19050"/>
+        </p:spPr>
+        <p:style>
+          <a:lnRef idx="2">
+            <a:schemeClr val="dk1"/>
+          </a:lnRef>
+          <a:fillRef idx="1">
+            <a:schemeClr val="lt1"/>
+          </a:fillRef>
+          <a:effectRef idx="0">
+            <a:schemeClr val="dk1"/>
+          </a:effectRef>
+          <a:fontRef idx="minor">
+            <a:schemeClr val="dk1"/>
+          </a:fontRef>
+        </p:style>
+        <p:txBody>
+          <a:bodyPr rtlCol="0" anchor="ctr"/>
+          <a:lstStyle/>
+          <a:p>
+            <a:pPr algn="ctr"/>
+            <a:r>
+              <a:rPr lang="en-US" b="1" dirty="0" smtClean="0">
+                <a:latin typeface="+mj-lt"/>
+              </a:rPr>
+              <a:t>Sink</a:t>
+            </a:r>
+            <a:endParaRPr lang="en-US" b="1" dirty="0">
+              <a:latin typeface="+mj-lt"/>
+            </a:endParaRPr>
+          </a:p>
+        </p:txBody>
+      </p:sp>
+      <mc:AlternateContent xmlns:mc="http://schemas.openxmlformats.org/markup-compatibility/2006" xmlns:a14="http://schemas.microsoft.com/office/drawing/2010/main">
+        <mc:Choice Requires="a14">
+          <p:sp>
+            <p:nvSpPr>
+              <p:cNvPr id="241" name="TextBox 240"/>
+              <p:cNvSpPr txBox="1"/>
+              <p:nvPr/>
+            </p:nvSpPr>
+            <p:spPr>
+              <a:xfrm>
+                <a:off x="5897216" y="3655333"/>
+                <a:ext cx="261383" cy="239173"/>
+              </a:xfrm>
+              <a:prstGeom prst="rect">
+                <a:avLst/>
+              </a:prstGeom>
+              <a:noFill/>
+            </p:spPr>
+            <p:txBody>
+              <a:bodyPr wrap="none" lIns="0" tIns="0" rIns="0" bIns="0" rtlCol="0">
+                <a:spAutoFit/>
+              </a:bodyPr>
+              <a:lstStyle/>
+              <a:p>
+                <a:pPr/>
+                <a14:m>
+                  <m:oMathPara xmlns:m="http://schemas.openxmlformats.org/officeDocument/2006/math">
+                    <m:oMathParaPr>
+                      <m:jc m:val="centerGroup"/>
+                    </m:oMathParaPr>
+                    <m:oMath xmlns:m="http://schemas.openxmlformats.org/officeDocument/2006/math">
+                      <m:sSub>
+                        <m:sSubPr>
+                          <m:ctrlPr>
+                            <a:rPr lang="en-US" b="1" i="1" smtClean="0">
+                              <a:latin typeface="Cambria Math" panose="02040503050406030204" pitchFamily="18" charset="0"/>
+                            </a:rPr>
+                          </m:ctrlPr>
+                        </m:sSubPr>
+                        <m:e>
+                          <m:r>
+                            <a:rPr lang="en-US" b="1" i="0" smtClean="0">
+                              <a:latin typeface="Cambria Math" panose="02040503050406030204" pitchFamily="18" charset="0"/>
+                            </a:rPr>
+                            <m:t>𝐒</m:t>
+                          </m:r>
+                        </m:e>
+                        <m:sub>
+                          <m:r>
+                            <a:rPr lang="en-US" b="1" i="0" smtClean="0">
+                              <a:latin typeface="Cambria Math" panose="02040503050406030204" pitchFamily="18" charset="0"/>
+                            </a:rPr>
+                            <m:t>𝟕</m:t>
+                          </m:r>
+                        </m:sub>
+                      </m:sSub>
+                    </m:oMath>
+                  </m:oMathPara>
+                </a14:m>
                 <a:endParaRPr lang="en-US" b="1" dirty="0">
                   <a:latin typeface="+mj-lt"/>
                 </a:endParaRPr>
               </a:p>
             </p:txBody>
           </p:sp>
+        </mc:Choice>
+        <mc:Fallback xmlns="">
           <p:sp>
             <p:nvSpPr>
-              <p:cNvPr id="230" name="Rounded Rectangle 229"/>
-              <p:cNvSpPr/>
+              <p:cNvPr id="241" name="TextBox 240"/>
+              <p:cNvSpPr txBox="1">
+                <a:spLocks noRot="1" noChangeAspect="1" noMove="1" noResize="1" noEditPoints="1" noAdjustHandles="1" noChangeArrowheads="1" noChangeShapeType="1" noTextEdit="1"/>
+              </p:cNvSpPr>
               <p:nvPr/>
             </p:nvSpPr>
             <p:spPr>
               <a:xfrm>
-                <a:off x="8674340" y="5523380"/>
-                <a:ext cx="1803027" cy="1162203"/>
+                <a:off x="5897216" y="3655333"/>
+                <a:ext cx="261383" cy="239173"/>
               </a:xfrm>
-              <a:prstGeom prst="roundRect">
+              <a:prstGeom prst="rect">
                 <a:avLst/>
               </a:prstGeom>
-              <a:ln w="19050"/>
+              <a:blipFill>
+                <a:blip r:embed="rId8"/>
+                <a:stretch>
+                  <a:fillRect l="-25581" r="-13953" b="-35897"/>
+                </a:stretch>
+              </a:blipFill>
             </p:spPr>
-            <p:style>
-              <a:lnRef idx="2">
-                <a:schemeClr val="dk1"/>
-              </a:lnRef>
-              <a:fillRef idx="1">
-                <a:schemeClr val="lt1"/>
-              </a:fillRef>
-              <a:effectRef idx="0">
-                <a:schemeClr val="dk1"/>
-              </a:effectRef>
-              <a:fontRef idx="minor">
-                <a:schemeClr val="dk1"/>
-              </a:fontRef>
-            </p:style>
             <p:txBody>
-              <a:bodyPr rtlCol="0" anchor="ctr"/>
+              <a:bodyPr/>
               <a:lstStyle/>
               <a:p>
-                <a:pPr algn="ctr"/>
                 <a:r>
-                  <a:rPr lang="en-US" b="1" dirty="0" smtClean="0">
-                    <a:latin typeface="+mj-lt"/>
+                  <a:rPr lang="en-US">
+                    <a:noFill/>
                   </a:rPr>
-                  <a:t>Sink</a:t>
+                  <a:t> </a:t>
                 </a:r>
+              </a:p>
+            </p:txBody>
+          </p:sp>
+        </mc:Fallback>
+      </mc:AlternateContent>
+      <mc:AlternateContent xmlns:mc="http://schemas.openxmlformats.org/markup-compatibility/2006" xmlns:a14="http://schemas.microsoft.com/office/drawing/2010/main">
+        <mc:Choice Requires="a14">
+          <p:sp>
+            <p:nvSpPr>
+              <p:cNvPr id="242" name="TextBox 241"/>
+              <p:cNvSpPr txBox="1"/>
+              <p:nvPr/>
+            </p:nvSpPr>
+            <p:spPr>
+              <a:xfrm>
+                <a:off x="5909628" y="4172949"/>
+                <a:ext cx="261383" cy="239173"/>
+              </a:xfrm>
+              <a:prstGeom prst="rect">
+                <a:avLst/>
+              </a:prstGeom>
+              <a:noFill/>
+            </p:spPr>
+            <p:txBody>
+              <a:bodyPr wrap="none" lIns="0" tIns="0" rIns="0" bIns="0" rtlCol="0">
+                <a:spAutoFit/>
+              </a:bodyPr>
+              <a:lstStyle/>
+              <a:p>
+                <a:pPr/>
+                <a14:m>
+                  <m:oMathPara xmlns:m="http://schemas.openxmlformats.org/officeDocument/2006/math">
+                    <m:oMathParaPr>
+                      <m:jc m:val="centerGroup"/>
+                    </m:oMathParaPr>
+                    <m:oMath xmlns:m="http://schemas.openxmlformats.org/officeDocument/2006/math">
+                      <m:sSub>
+                        <m:sSubPr>
+                          <m:ctrlPr>
+                            <a:rPr lang="en-US" b="1" i="1" smtClean="0">
+                              <a:latin typeface="Cambria Math" panose="02040503050406030204" pitchFamily="18" charset="0"/>
+                            </a:rPr>
+                          </m:ctrlPr>
+                        </m:sSubPr>
+                        <m:e>
+                          <m:r>
+                            <a:rPr lang="en-US" b="1" i="0" smtClean="0">
+                              <a:latin typeface="Cambria Math" panose="02040503050406030204" pitchFamily="18" charset="0"/>
+                            </a:rPr>
+                            <m:t>𝐒</m:t>
+                          </m:r>
+                        </m:e>
+                        <m:sub>
+                          <m:r>
+                            <a:rPr lang="en-US" b="1" i="0" smtClean="0">
+                              <a:latin typeface="Cambria Math" panose="02040503050406030204" pitchFamily="18" charset="0"/>
+                            </a:rPr>
+                            <m:t>𝟖</m:t>
+                          </m:r>
+                        </m:sub>
+                      </m:sSub>
+                    </m:oMath>
+                  </m:oMathPara>
+                </a14:m>
                 <a:endParaRPr lang="en-US" b="1" dirty="0">
                   <a:latin typeface="+mj-lt"/>
                 </a:endParaRPr>
               </a:p>
             </p:txBody>
           </p:sp>
-          <mc:AlternateContent xmlns:mc="http://schemas.openxmlformats.org/markup-compatibility/2006" xmlns:a14="http://schemas.microsoft.com/office/drawing/2010/main">
-            <mc:Choice Requires="a14">
-              <p:sp>
-                <p:nvSpPr>
-                  <p:cNvPr id="241" name="TextBox 240"/>
-                  <p:cNvSpPr txBox="1"/>
-                  <p:nvPr/>
-                </p:nvSpPr>
-                <p:spPr>
-                  <a:xfrm>
-                    <a:off x="5833474" y="3196646"/>
-                    <a:ext cx="283667" cy="277000"/>
-                  </a:xfrm>
-                  <a:prstGeom prst="rect">
-                    <a:avLst/>
-                  </a:prstGeom>
-                  <a:noFill/>
-                </p:spPr>
-                <p:txBody>
-                  <a:bodyPr wrap="none" lIns="0" tIns="0" rIns="0" bIns="0" rtlCol="0">
-                    <a:spAutoFit/>
-                  </a:bodyPr>
-                  <a:lstStyle/>
-                  <a:p>
-                    <a:pPr/>
-                    <a14:m>
-                      <m:oMathPara xmlns:m="http://schemas.openxmlformats.org/officeDocument/2006/math">
-                        <m:oMathParaPr>
-                          <m:jc m:val="centerGroup"/>
-                        </m:oMathParaPr>
-                        <m:oMath xmlns:m="http://schemas.openxmlformats.org/officeDocument/2006/math">
-                          <m:sSub>
-                            <m:sSubPr>
-                              <m:ctrlPr>
-                                <a:rPr lang="en-US" b="1" i="1" smtClean="0">
-                                  <a:latin typeface="Cambria Math" panose="02040503050406030204" pitchFamily="18" charset="0"/>
-                                </a:rPr>
-                              </m:ctrlPr>
-                            </m:sSubPr>
-                            <m:e>
-                              <m:r>
-                                <a:rPr lang="en-US" b="1" i="0" smtClean="0">
-                                  <a:latin typeface="Cambria Math" panose="02040503050406030204" pitchFamily="18" charset="0"/>
-                                </a:rPr>
-                                <m:t>𝐒</m:t>
-                              </m:r>
-                            </m:e>
-                            <m:sub>
-                              <m:r>
-                                <a:rPr lang="en-US" b="1" i="0" smtClean="0">
-                                  <a:latin typeface="Cambria Math" panose="02040503050406030204" pitchFamily="18" charset="0"/>
-                                </a:rPr>
-                                <m:t>𝟕</m:t>
-                              </m:r>
-                            </m:sub>
-                          </m:sSub>
-                        </m:oMath>
-                      </m:oMathPara>
-                    </a14:m>
-                    <a:endParaRPr lang="en-US" b="1" dirty="0">
-                      <a:latin typeface="+mj-lt"/>
-                    </a:endParaRPr>
-                  </a:p>
-                </p:txBody>
-              </p:sp>
-            </mc:Choice>
-            <mc:Fallback xmlns="">
-              <p:sp>
-                <p:nvSpPr>
-                  <p:cNvPr id="241" name="TextBox 240"/>
-                  <p:cNvSpPr txBox="1">
-                    <a:spLocks noRot="1" noChangeAspect="1" noMove="1" noResize="1" noEditPoints="1" noAdjustHandles="1" noChangeArrowheads="1" noChangeShapeType="1" noTextEdit="1"/>
-                  </p:cNvSpPr>
-                  <p:nvPr/>
-                </p:nvSpPr>
-                <p:spPr>
-                  <a:xfrm>
-                    <a:off x="5833474" y="3196646"/>
-                    <a:ext cx="283667" cy="277000"/>
-                  </a:xfrm>
-                  <a:prstGeom prst="rect">
-                    <a:avLst/>
-                  </a:prstGeom>
-                  <a:blipFill>
-                    <a:blip r:embed="rId8"/>
-                    <a:stretch>
-                      <a:fillRect l="-25581" r="-13953" b="-32500"/>
-                    </a:stretch>
-                  </a:blipFill>
-                </p:spPr>
-                <p:txBody>
-                  <a:bodyPr/>
-                  <a:lstStyle/>
-                  <a:p>
-                    <a:r>
-                      <a:rPr lang="en-US">
-                        <a:noFill/>
-                      </a:rPr>
-                      <a:t> </a:t>
-                    </a:r>
-                  </a:p>
-                </p:txBody>
-              </p:sp>
-            </mc:Fallback>
-          </mc:AlternateContent>
-          <mc:AlternateContent xmlns:mc="http://schemas.openxmlformats.org/markup-compatibility/2006">
-            <mc:Choice xmlns:a14="http://schemas.microsoft.com/office/drawing/2010/main" Requires="a14">
-              <p:sp>
-                <p:nvSpPr>
-                  <p:cNvPr id="242" name="TextBox 241"/>
-                  <p:cNvSpPr txBox="1"/>
-                  <p:nvPr/>
-                </p:nvSpPr>
-                <p:spPr>
-                  <a:xfrm>
-                    <a:off x="5846945" y="3796125"/>
-                    <a:ext cx="283667" cy="277000"/>
-                  </a:xfrm>
-                  <a:prstGeom prst="rect">
-                    <a:avLst/>
-                  </a:prstGeom>
-                  <a:noFill/>
-                </p:spPr>
-                <p:txBody>
-                  <a:bodyPr wrap="none" lIns="0" tIns="0" rIns="0" bIns="0" rtlCol="0">
-                    <a:spAutoFit/>
-                  </a:bodyPr>
-                  <a:lstStyle/>
-                  <a:p>
-                    <a:pPr/>
-                    <a14:m>
-                      <m:oMathPara xmlns:m="http://schemas.openxmlformats.org/officeDocument/2006/math">
-                        <m:oMathParaPr>
-                          <m:jc m:val="centerGroup"/>
-                        </m:oMathParaPr>
-                        <m:oMath xmlns:m="http://schemas.openxmlformats.org/officeDocument/2006/math">
-                          <m:sSub>
-                            <m:sSubPr>
-                              <m:ctrlPr>
-                                <a:rPr lang="en-US" b="1" i="1" smtClean="0">
-                                  <a:latin typeface="Cambria Math" panose="02040503050406030204" pitchFamily="18" charset="0"/>
-                                </a:rPr>
-                              </m:ctrlPr>
-                            </m:sSubPr>
-                            <m:e>
-                              <m:r>
-                                <a:rPr lang="en-US" b="1" i="0" smtClean="0">
-                                  <a:latin typeface="Cambria Math" panose="02040503050406030204" pitchFamily="18" charset="0"/>
-                                </a:rPr>
-                                <m:t>𝐒</m:t>
-                              </m:r>
-                            </m:e>
-                            <m:sub>
-                              <m:r>
-                                <a:rPr lang="en-US" b="1" i="0" smtClean="0">
-                                  <a:latin typeface="Cambria Math" panose="02040503050406030204" pitchFamily="18" charset="0"/>
-                                </a:rPr>
-                                <m:t>𝟖</m:t>
-                              </m:r>
-                            </m:sub>
-                          </m:sSub>
-                        </m:oMath>
-                      </m:oMathPara>
-                    </a14:m>
-                    <a:endParaRPr lang="en-US" b="1" dirty="0">
-                      <a:latin typeface="+mj-lt"/>
-                    </a:endParaRPr>
-                  </a:p>
-                </p:txBody>
-              </p:sp>
-            </mc:Choice>
-            <mc:Fallback>
-              <p:sp>
-                <p:nvSpPr>
-                  <p:cNvPr id="242" name="TextBox 241"/>
-                  <p:cNvSpPr txBox="1">
-                    <a:spLocks noRot="1" noChangeAspect="1" noMove="1" noResize="1" noEditPoints="1" noAdjustHandles="1" noChangeArrowheads="1" noChangeShapeType="1" noTextEdit="1"/>
-                  </p:cNvSpPr>
-                  <p:nvPr/>
-                </p:nvSpPr>
-                <p:spPr>
-                  <a:xfrm>
-                    <a:off x="5846945" y="3796125"/>
-                    <a:ext cx="283667" cy="277000"/>
-                  </a:xfrm>
-                  <a:prstGeom prst="rect">
-                    <a:avLst/>
-                  </a:prstGeom>
-                  <a:blipFill>
-                    <a:blip r:embed="rId9"/>
-                    <a:stretch>
-                      <a:fillRect l="-25581" r="-13953" b="-35897"/>
-                    </a:stretch>
-                  </a:blipFill>
-                </p:spPr>
-                <p:txBody>
-                  <a:bodyPr/>
-                  <a:lstStyle/>
-                  <a:p>
-                    <a:r>
-                      <a:rPr lang="en-US">
-                        <a:noFill/>
-                      </a:rPr>
-                      <a:t> </a:t>
-                    </a:r>
-                  </a:p>
-                </p:txBody>
-              </p:sp>
-            </mc:Fallback>
-          </mc:AlternateContent>
-          <mc:AlternateContent xmlns:mc="http://schemas.openxmlformats.org/markup-compatibility/2006" xmlns:a14="http://schemas.microsoft.com/office/drawing/2010/main">
-            <mc:Choice Requires="a14">
-              <p:sp>
-                <p:nvSpPr>
-                  <p:cNvPr id="244" name="TextBox 243"/>
-                  <p:cNvSpPr txBox="1"/>
-                  <p:nvPr/>
-                </p:nvSpPr>
-                <p:spPr>
-                  <a:xfrm>
-                    <a:off x="9583100" y="4144495"/>
-                    <a:ext cx="384656" cy="276999"/>
-                  </a:xfrm>
-                  <a:prstGeom prst="rect">
-                    <a:avLst/>
-                  </a:prstGeom>
-                  <a:noFill/>
-                </p:spPr>
-                <p:txBody>
-                  <a:bodyPr wrap="none" lIns="0" tIns="0" rIns="0" bIns="0" rtlCol="0">
-                    <a:spAutoFit/>
-                  </a:bodyPr>
-                  <a:lstStyle/>
-                  <a:p>
-                    <a:pPr/>
-                    <a14:m>
-                      <m:oMathPara xmlns:m="http://schemas.openxmlformats.org/officeDocument/2006/math">
-                        <m:oMathParaPr>
-                          <m:jc m:val="centerGroup"/>
-                        </m:oMathParaPr>
-                        <m:oMath xmlns:m="http://schemas.openxmlformats.org/officeDocument/2006/math">
-                          <m:sSub>
-                            <m:sSubPr>
-                              <m:ctrlPr>
-                                <a:rPr lang="en-US" b="1" i="1" smtClean="0">
-                                  <a:latin typeface="Cambria Math" panose="02040503050406030204" pitchFamily="18" charset="0"/>
-                                </a:rPr>
-                              </m:ctrlPr>
-                            </m:sSubPr>
-                            <m:e>
-                              <m:r>
-                                <a:rPr lang="en-US" b="1" i="0" smtClean="0">
-                                  <a:latin typeface="Cambria Math" panose="02040503050406030204" pitchFamily="18" charset="0"/>
-                                </a:rPr>
-                                <m:t>𝐒</m:t>
-                              </m:r>
-                            </m:e>
-                            <m:sub>
-                              <m:r>
-                                <a:rPr lang="en-US" b="1" i="0" smtClean="0">
-                                  <a:latin typeface="Cambria Math" panose="02040503050406030204" pitchFamily="18" charset="0"/>
-                                </a:rPr>
-                                <m:t>𝟏𝟎</m:t>
-                              </m:r>
-                            </m:sub>
-                          </m:sSub>
-                        </m:oMath>
-                      </m:oMathPara>
-                    </a14:m>
-                    <a:endParaRPr lang="en-US" b="1" dirty="0">
-                      <a:latin typeface="+mj-lt"/>
-                    </a:endParaRPr>
-                  </a:p>
-                </p:txBody>
-              </p:sp>
-            </mc:Choice>
-            <mc:Fallback xmlns="">
-              <p:sp>
-                <p:nvSpPr>
-                  <p:cNvPr id="244" name="TextBox 243"/>
-                  <p:cNvSpPr txBox="1">
-                    <a:spLocks noRot="1" noChangeAspect="1" noMove="1" noResize="1" noEditPoints="1" noAdjustHandles="1" noChangeArrowheads="1" noChangeShapeType="1" noTextEdit="1"/>
-                  </p:cNvSpPr>
-                  <p:nvPr/>
-                </p:nvSpPr>
-                <p:spPr>
-                  <a:xfrm>
-                    <a:off x="9583100" y="4144495"/>
-                    <a:ext cx="384656" cy="276999"/>
-                  </a:xfrm>
-                  <a:prstGeom prst="rect">
-                    <a:avLst/>
-                  </a:prstGeom>
-                  <a:blipFill>
-                    <a:blip r:embed="rId10"/>
-                    <a:stretch>
-                      <a:fillRect l="-20690" r="-13793" b="-35897"/>
-                    </a:stretch>
-                  </a:blipFill>
-                </p:spPr>
-                <p:txBody>
-                  <a:bodyPr/>
-                  <a:lstStyle/>
-                  <a:p>
-                    <a:r>
-                      <a:rPr lang="en-US">
-                        <a:noFill/>
-                      </a:rPr>
-                      <a:t> </a:t>
-                    </a:r>
-                  </a:p>
-                </p:txBody>
-              </p:sp>
-            </mc:Fallback>
-          </mc:AlternateContent>
-          <p:cxnSp>
-            <p:nvCxnSpPr>
-              <p:cNvPr id="9" name="Straight Arrow Connector 8"/>
-              <p:cNvCxnSpPr/>
-              <p:nvPr/>
-            </p:nvCxnSpPr>
-            <p:spPr>
-              <a:xfrm>
-                <a:off x="5676227" y="3562165"/>
-                <a:ext cx="3002556" cy="0"/>
-              </a:xfrm>
-              <a:prstGeom prst="straightConnector1">
-                <a:avLst/>
-              </a:prstGeom>
-              <a:ln w="19050">
-                <a:tailEnd type="triangle"/>
-              </a:ln>
-            </p:spPr>
-            <p:style>
-              <a:lnRef idx="1">
-                <a:schemeClr val="dk1"/>
-              </a:lnRef>
-              <a:fillRef idx="0">
-                <a:schemeClr val="dk1"/>
-              </a:fillRef>
-              <a:effectRef idx="0">
-                <a:schemeClr val="dk1"/>
-              </a:effectRef>
-              <a:fontRef idx="minor">
-                <a:schemeClr val="tx1"/>
-              </a:fontRef>
-            </p:style>
-          </p:cxnSp>
-          <p:cxnSp>
-            <p:nvCxnSpPr>
-              <p:cNvPr id="19" name="Elbow Connector 18"/>
-              <p:cNvCxnSpPr>
-                <a:stCxn id="169" idx="3"/>
-                <a:endCxn id="172" idx="1"/>
-              </p:cNvCxnSpPr>
-              <p:nvPr/>
-            </p:nvCxnSpPr>
-            <p:spPr>
-              <a:xfrm flipH="1">
-                <a:off x="1451077" y="1353887"/>
-                <a:ext cx="9036340" cy="2506782"/>
-              </a:xfrm>
-              <a:prstGeom prst="bentConnector5">
-                <a:avLst>
-                  <a:gd name="adj1" fmla="val -4111"/>
-                  <a:gd name="adj2" fmla="val 38601"/>
-                  <a:gd name="adj3" fmla="val 102530"/>
-                </a:avLst>
-              </a:prstGeom>
-              <a:ln w="19050">
-                <a:tailEnd type="triangle"/>
-              </a:ln>
-            </p:spPr>
-            <p:style>
-              <a:lnRef idx="1">
-                <a:schemeClr val="dk1"/>
-              </a:lnRef>
-              <a:fillRef idx="0">
-                <a:schemeClr val="dk1"/>
-              </a:fillRef>
-              <a:effectRef idx="0">
-                <a:schemeClr val="dk1"/>
-              </a:effectRef>
-              <a:fontRef idx="minor">
-                <a:schemeClr val="tx1"/>
-              </a:fontRef>
-            </p:style>
-          </p:cxnSp>
-          <p:cxnSp>
-            <p:nvCxnSpPr>
-              <p:cNvPr id="50" name="Straight Arrow Connector 49"/>
-              <p:cNvCxnSpPr>
-                <a:stCxn id="96" idx="2"/>
-                <a:endCxn id="230" idx="0"/>
-              </p:cNvCxnSpPr>
-              <p:nvPr/>
-            </p:nvCxnSpPr>
-            <p:spPr>
-              <a:xfrm flipH="1">
-                <a:off x="9575854" y="4862998"/>
-                <a:ext cx="1" cy="660382"/>
-              </a:xfrm>
-              <a:prstGeom prst="straightConnector1">
-                <a:avLst/>
-              </a:prstGeom>
-              <a:ln w="19050">
-                <a:tailEnd type="triangle"/>
-              </a:ln>
-            </p:spPr>
-            <p:style>
-              <a:lnRef idx="1">
-                <a:schemeClr val="dk1"/>
-              </a:lnRef>
-              <a:fillRef idx="0">
-                <a:schemeClr val="dk1"/>
-              </a:fillRef>
-              <a:effectRef idx="0">
-                <a:schemeClr val="dk1"/>
-              </a:effectRef>
-              <a:fontRef idx="minor">
-                <a:schemeClr val="tx1"/>
-              </a:fontRef>
-            </p:style>
-          </p:cxnSp>
-          <p:cxnSp>
-            <p:nvCxnSpPr>
-              <p:cNvPr id="57" name="Straight Arrow Connector 56"/>
-              <p:cNvCxnSpPr>
-                <a:stCxn id="172" idx="3"/>
-                <a:endCxn id="174" idx="1"/>
-              </p:cNvCxnSpPr>
-              <p:nvPr/>
-            </p:nvCxnSpPr>
-            <p:spPr>
-              <a:xfrm flipV="1">
-                <a:off x="3259711" y="3860651"/>
-                <a:ext cx="596861" cy="18"/>
-              </a:xfrm>
-              <a:prstGeom prst="straightConnector1">
-                <a:avLst/>
-              </a:prstGeom>
-              <a:ln w="19050">
-                <a:tailEnd type="triangle"/>
-              </a:ln>
-            </p:spPr>
-            <p:style>
-              <a:lnRef idx="1">
-                <a:schemeClr val="dk1"/>
-              </a:lnRef>
-              <a:fillRef idx="0">
-                <a:schemeClr val="dk1"/>
-              </a:fillRef>
-              <a:effectRef idx="0">
-                <a:schemeClr val="dk1"/>
-              </a:effectRef>
-              <a:fontRef idx="minor">
-                <a:schemeClr val="tx1"/>
-              </a:fontRef>
-            </p:style>
-          </p:cxnSp>
+        </mc:Choice>
+        <mc:Fallback xmlns="">
           <p:sp>
             <p:nvSpPr>
-              <p:cNvPr id="96" name="Rounded Rectangle 95"/>
-              <p:cNvSpPr/>
+              <p:cNvPr id="242" name="TextBox 241"/>
+              <p:cNvSpPr txBox="1">
+                <a:spLocks noRot="1" noChangeAspect="1" noMove="1" noResize="1" noEditPoints="1" noAdjustHandles="1" noChangeArrowheads="1" noChangeShapeType="1" noTextEdit="1"/>
+              </p:cNvSpPr>
               <p:nvPr/>
             </p:nvSpPr>
             <p:spPr>
               <a:xfrm>
-                <a:off x="8674341" y="2858302"/>
-                <a:ext cx="1803027" cy="2004696"/>
+                <a:off x="5909628" y="4172949"/>
+                <a:ext cx="261383" cy="239173"/>
               </a:xfrm>
-              <a:prstGeom prst="roundRect">
+              <a:prstGeom prst="rect">
                 <a:avLst/>
               </a:prstGeom>
-              <a:ln w="19050"/>
+              <a:blipFill>
+                <a:blip r:embed="rId9"/>
+                <a:stretch>
+                  <a:fillRect l="-25581" r="-13953" b="-35897"/>
+                </a:stretch>
+              </a:blipFill>
             </p:spPr>
-            <p:style>
-              <a:lnRef idx="2">
-                <a:schemeClr val="dk1"/>
-              </a:lnRef>
-              <a:fillRef idx="1">
-                <a:schemeClr val="lt1"/>
-              </a:fillRef>
-              <a:effectRef idx="0">
-                <a:schemeClr val="dk1"/>
-              </a:effectRef>
-              <a:fontRef idx="minor">
-                <a:schemeClr val="dk1"/>
-              </a:fontRef>
-            </p:style>
             <p:txBody>
-              <a:bodyPr rtlCol="0" anchor="ctr"/>
+              <a:bodyPr/>
               <a:lstStyle/>
               <a:p>
-                <a:pPr algn="ctr"/>
                 <a:r>
-                  <a:rPr lang="en-US" b="1" dirty="0" smtClean="0">
-                    <a:latin typeface="+mj-lt"/>
+                  <a:rPr lang="en-US">
+                    <a:noFill/>
                   </a:rPr>
-                  <a:t>IQ Modulator</a:t>
+                  <a:t> </a:t>
                 </a:r>
+              </a:p>
+            </p:txBody>
+          </p:sp>
+        </mc:Fallback>
+      </mc:AlternateContent>
+      <mc:AlternateContent xmlns:mc="http://schemas.openxmlformats.org/markup-compatibility/2006" xmlns:a14="http://schemas.microsoft.com/office/drawing/2010/main">
+        <mc:Choice Requires="a14">
+          <p:sp>
+            <p:nvSpPr>
+              <p:cNvPr id="244" name="TextBox 243"/>
+              <p:cNvSpPr txBox="1"/>
+              <p:nvPr/>
+            </p:nvSpPr>
+            <p:spPr>
+              <a:xfrm>
+                <a:off x="9352283" y="4473746"/>
+                <a:ext cx="354439" cy="239173"/>
+              </a:xfrm>
+              <a:prstGeom prst="rect">
+                <a:avLst/>
+              </a:prstGeom>
+              <a:noFill/>
+            </p:spPr>
+            <p:txBody>
+              <a:bodyPr wrap="none" lIns="0" tIns="0" rIns="0" bIns="0" rtlCol="0">
+                <a:spAutoFit/>
+              </a:bodyPr>
+              <a:lstStyle/>
+              <a:p>
+                <a:pPr/>
+                <a14:m>
+                  <m:oMathPara xmlns:m="http://schemas.openxmlformats.org/officeDocument/2006/math">
+                    <m:oMathParaPr>
+                      <m:jc m:val="centerGroup"/>
+                    </m:oMathParaPr>
+                    <m:oMath xmlns:m="http://schemas.openxmlformats.org/officeDocument/2006/math">
+                      <m:sSub>
+                        <m:sSubPr>
+                          <m:ctrlPr>
+                            <a:rPr lang="en-US" b="1" i="1" smtClean="0">
+                              <a:latin typeface="Cambria Math" panose="02040503050406030204" pitchFamily="18" charset="0"/>
+                            </a:rPr>
+                          </m:ctrlPr>
+                        </m:sSubPr>
+                        <m:e>
+                          <m:r>
+                            <a:rPr lang="en-US" b="1" i="0" smtClean="0">
+                              <a:latin typeface="Cambria Math" panose="02040503050406030204" pitchFamily="18" charset="0"/>
+                            </a:rPr>
+                            <m:t>𝐒</m:t>
+                          </m:r>
+                        </m:e>
+                        <m:sub>
+                          <m:r>
+                            <a:rPr lang="en-US" b="1" i="0" smtClean="0">
+                              <a:latin typeface="Cambria Math" panose="02040503050406030204" pitchFamily="18" charset="0"/>
+                            </a:rPr>
+                            <m:t>𝟏𝟎</m:t>
+                          </m:r>
+                        </m:sub>
+                      </m:sSub>
+                    </m:oMath>
+                  </m:oMathPara>
+                </a14:m>
                 <a:endParaRPr lang="en-US" b="1" dirty="0">
                   <a:latin typeface="+mj-lt"/>
                 </a:endParaRPr>
               </a:p>
             </p:txBody>
           </p:sp>
-          <p:cxnSp>
-            <p:nvCxnSpPr>
-              <p:cNvPr id="36" name="Straight Arrow Connector 35"/>
-              <p:cNvCxnSpPr>
-                <a:endCxn id="41" idx="1"/>
-              </p:cNvCxnSpPr>
-              <p:nvPr/>
-            </p:nvCxnSpPr>
-            <p:spPr>
-              <a:xfrm>
-                <a:off x="5676227" y="4157663"/>
-                <a:ext cx="592619" cy="0"/>
-              </a:xfrm>
-              <a:prstGeom prst="straightConnector1">
-                <a:avLst/>
-              </a:prstGeom>
-              <a:ln w="19050">
-                <a:tailEnd type="triangle"/>
-              </a:ln>
-            </p:spPr>
-            <p:style>
-              <a:lnRef idx="1">
-                <a:schemeClr val="dk1"/>
-              </a:lnRef>
-              <a:fillRef idx="0">
-                <a:schemeClr val="dk1"/>
-              </a:fillRef>
-              <a:effectRef idx="0">
-                <a:schemeClr val="dk1"/>
-              </a:effectRef>
-              <a:fontRef idx="minor">
-                <a:schemeClr val="tx1"/>
-              </a:fontRef>
-            </p:style>
-          </p:cxnSp>
+        </mc:Choice>
+        <mc:Fallback xmlns="">
           <p:sp>
             <p:nvSpPr>
-              <p:cNvPr id="41" name="Rounded Rectangle 40"/>
-              <p:cNvSpPr/>
+              <p:cNvPr id="244" name="TextBox 243"/>
+              <p:cNvSpPr txBox="1">
+                <a:spLocks noRot="1" noChangeAspect="1" noMove="1" noResize="1" noEditPoints="1" noAdjustHandles="1" noChangeArrowheads="1" noChangeShapeType="1" noTextEdit="1"/>
+              </p:cNvSpPr>
               <p:nvPr/>
             </p:nvSpPr>
             <p:spPr>
               <a:xfrm>
-                <a:off x="6268846" y="3860651"/>
-                <a:ext cx="1808633" cy="594024"/>
+                <a:off x="9352283" y="4473746"/>
+                <a:ext cx="354439" cy="239173"/>
               </a:xfrm>
-              <a:prstGeom prst="roundRect">
+              <a:prstGeom prst="rect">
                 <a:avLst/>
               </a:prstGeom>
-              <a:ln w="19050"/>
+              <a:blipFill>
+                <a:blip r:embed="rId10"/>
+                <a:stretch>
+                  <a:fillRect l="-18966" r="-13793" b="-35897"/>
+                </a:stretch>
+              </a:blipFill>
             </p:spPr>
-            <p:style>
-              <a:lnRef idx="2">
-                <a:schemeClr val="dk1"/>
-              </a:lnRef>
-              <a:fillRef idx="1">
-                <a:schemeClr val="lt1"/>
-              </a:fillRef>
-              <a:effectRef idx="0">
-                <a:schemeClr val="dk1"/>
-              </a:effectRef>
-              <a:fontRef idx="minor">
-                <a:schemeClr val="dk1"/>
-              </a:fontRef>
-            </p:style>
             <p:txBody>
-              <a:bodyPr rtlCol="0" anchor="ctr"/>
+              <a:bodyPr/>
               <a:lstStyle/>
               <a:p>
-                <a:pPr algn="ctr"/>
                 <a:r>
-                  <a:rPr lang="en-US" b="1" dirty="0" smtClean="0">
-                    <a:latin typeface="+mj-lt"/>
+                  <a:rPr lang="en-US">
+                    <a:noFill/>
                   </a:rPr>
-                  <a:t>Hilbert Transformer</a:t>
+                  <a:t> </a:t>
                 </a:r>
+              </a:p>
+            </p:txBody>
+          </p:sp>
+        </mc:Fallback>
+      </mc:AlternateContent>
+      <p:cxnSp>
+        <p:nvCxnSpPr>
+          <p:cNvPr id="9" name="Straight Arrow Connector 8"/>
+          <p:cNvCxnSpPr/>
+          <p:nvPr/>
+        </p:nvCxnSpPr>
+        <p:spPr>
+          <a:xfrm>
+            <a:off x="5752321" y="3970938"/>
+            <a:ext cx="2766685" cy="0"/>
+          </a:xfrm>
+          <a:prstGeom prst="straightConnector1">
+            <a:avLst/>
+          </a:prstGeom>
+          <a:ln w="19050">
+            <a:tailEnd type="triangle"/>
+          </a:ln>
+        </p:spPr>
+        <p:style>
+          <a:lnRef idx="1">
+            <a:schemeClr val="dk1"/>
+          </a:lnRef>
+          <a:fillRef idx="0">
+            <a:schemeClr val="dk1"/>
+          </a:fillRef>
+          <a:effectRef idx="0">
+            <a:schemeClr val="dk1"/>
+          </a:effectRef>
+          <a:fontRef idx="minor">
+            <a:schemeClr val="tx1"/>
+          </a:fontRef>
+        </p:style>
+      </p:cxnSp>
+      <p:cxnSp>
+        <p:nvCxnSpPr>
+          <p:cNvPr id="19" name="Elbow Connector 18"/>
+          <p:cNvCxnSpPr>
+            <a:stCxn id="169" idx="3"/>
+            <a:endCxn id="172" idx="1"/>
+          </p:cNvCxnSpPr>
+          <p:nvPr/>
+        </p:nvCxnSpPr>
+        <p:spPr>
+          <a:xfrm flipH="1">
+            <a:off x="1859086" y="2064218"/>
+            <a:ext cx="8326474" cy="2164461"/>
+          </a:xfrm>
+          <a:prstGeom prst="bentConnector5">
+            <a:avLst>
+              <a:gd name="adj1" fmla="val -4111"/>
+              <a:gd name="adj2" fmla="val 38601"/>
+              <a:gd name="adj3" fmla="val 102530"/>
+            </a:avLst>
+          </a:prstGeom>
+          <a:ln w="19050">
+            <a:tailEnd type="triangle"/>
+          </a:ln>
+        </p:spPr>
+        <p:style>
+          <a:lnRef idx="1">
+            <a:schemeClr val="dk1"/>
+          </a:lnRef>
+          <a:fillRef idx="0">
+            <a:schemeClr val="dk1"/>
+          </a:fillRef>
+          <a:effectRef idx="0">
+            <a:schemeClr val="dk1"/>
+          </a:effectRef>
+          <a:fontRef idx="minor">
+            <a:schemeClr val="tx1"/>
+          </a:fontRef>
+        </p:style>
+      </p:cxnSp>
+      <p:cxnSp>
+        <p:nvCxnSpPr>
+          <p:cNvPr id="50" name="Straight Arrow Connector 49"/>
+          <p:cNvCxnSpPr>
+            <a:stCxn id="96" idx="2"/>
+            <a:endCxn id="230" idx="0"/>
+          </p:cNvCxnSpPr>
+          <p:nvPr/>
+        </p:nvCxnSpPr>
+        <p:spPr>
+          <a:xfrm flipH="1">
+            <a:off x="9345606" y="5094132"/>
+            <a:ext cx="1" cy="570202"/>
+          </a:xfrm>
+          <a:prstGeom prst="straightConnector1">
+            <a:avLst/>
+          </a:prstGeom>
+          <a:ln w="19050">
+            <a:tailEnd type="triangle"/>
+          </a:ln>
+        </p:spPr>
+        <p:style>
+          <a:lnRef idx="1">
+            <a:schemeClr val="dk1"/>
+          </a:lnRef>
+          <a:fillRef idx="0">
+            <a:schemeClr val="dk1"/>
+          </a:fillRef>
+          <a:effectRef idx="0">
+            <a:schemeClr val="dk1"/>
+          </a:effectRef>
+          <a:fontRef idx="minor">
+            <a:schemeClr val="tx1"/>
+          </a:fontRef>
+        </p:style>
+      </p:cxnSp>
+      <p:cxnSp>
+        <p:nvCxnSpPr>
+          <p:cNvPr id="57" name="Straight Arrow Connector 56"/>
+          <p:cNvCxnSpPr>
+            <a:stCxn id="172" idx="3"/>
+            <a:endCxn id="174" idx="1"/>
+          </p:cNvCxnSpPr>
+          <p:nvPr/>
+        </p:nvCxnSpPr>
+        <p:spPr>
+          <a:xfrm flipV="1">
+            <a:off x="3525639" y="4228663"/>
+            <a:ext cx="549974" cy="16"/>
+          </a:xfrm>
+          <a:prstGeom prst="straightConnector1">
+            <a:avLst/>
+          </a:prstGeom>
+          <a:ln w="19050">
+            <a:tailEnd type="triangle"/>
+          </a:ln>
+        </p:spPr>
+        <p:style>
+          <a:lnRef idx="1">
+            <a:schemeClr val="dk1"/>
+          </a:lnRef>
+          <a:fillRef idx="0">
+            <a:schemeClr val="dk1"/>
+          </a:fillRef>
+          <a:effectRef idx="0">
+            <a:schemeClr val="dk1"/>
+          </a:effectRef>
+          <a:fontRef idx="minor">
+            <a:schemeClr val="tx1"/>
+          </a:fontRef>
+        </p:style>
+      </p:cxnSp>
+      <p:sp>
+        <p:nvSpPr>
+          <p:cNvPr id="96" name="Rounded Rectangle 95"/>
+          <p:cNvSpPr/>
+          <p:nvPr/>
+        </p:nvSpPr>
+        <p:spPr>
+          <a:xfrm>
+            <a:off x="8514913" y="3363193"/>
+            <a:ext cx="1661387" cy="1730939"/>
+          </a:xfrm>
+          <a:prstGeom prst="roundRect">
+            <a:avLst/>
+          </a:prstGeom>
+          <a:ln w="19050"/>
+        </p:spPr>
+        <p:style>
+          <a:lnRef idx="2">
+            <a:schemeClr val="dk1"/>
+          </a:lnRef>
+          <a:fillRef idx="1">
+            <a:schemeClr val="lt1"/>
+          </a:fillRef>
+          <a:effectRef idx="0">
+            <a:schemeClr val="dk1"/>
+          </a:effectRef>
+          <a:fontRef idx="minor">
+            <a:schemeClr val="dk1"/>
+          </a:fontRef>
+        </p:style>
+        <p:txBody>
+          <a:bodyPr rtlCol="0" anchor="ctr"/>
+          <a:lstStyle/>
+          <a:p>
+            <a:pPr algn="ctr"/>
+            <a:r>
+              <a:rPr lang="en-US" b="1" dirty="0" smtClean="0">
+                <a:latin typeface="+mj-lt"/>
+              </a:rPr>
+              <a:t>IQ Modulator</a:t>
+            </a:r>
+            <a:endParaRPr lang="en-US" b="1" dirty="0">
+              <a:latin typeface="+mj-lt"/>
+            </a:endParaRPr>
+          </a:p>
+        </p:txBody>
+      </p:sp>
+      <p:cxnSp>
+        <p:nvCxnSpPr>
+          <p:cNvPr id="36" name="Straight Arrow Connector 35"/>
+          <p:cNvCxnSpPr>
+            <a:endCxn id="41" idx="1"/>
+          </p:cNvCxnSpPr>
+          <p:nvPr/>
+        </p:nvCxnSpPr>
+        <p:spPr>
+          <a:xfrm>
+            <a:off x="5752321" y="4485116"/>
+            <a:ext cx="546065" cy="0"/>
+          </a:xfrm>
+          <a:prstGeom prst="straightConnector1">
+            <a:avLst/>
+          </a:prstGeom>
+          <a:ln w="19050">
+            <a:tailEnd type="triangle"/>
+          </a:ln>
+        </p:spPr>
+        <p:style>
+          <a:lnRef idx="1">
+            <a:schemeClr val="dk1"/>
+          </a:lnRef>
+          <a:fillRef idx="0">
+            <a:schemeClr val="dk1"/>
+          </a:fillRef>
+          <a:effectRef idx="0">
+            <a:schemeClr val="dk1"/>
+          </a:effectRef>
+          <a:fontRef idx="minor">
+            <a:schemeClr val="tx1"/>
+          </a:fontRef>
+        </p:style>
+      </p:cxnSp>
+      <p:sp>
+        <p:nvSpPr>
+          <p:cNvPr id="41" name="Rounded Rectangle 40"/>
+          <p:cNvSpPr/>
+          <p:nvPr/>
+        </p:nvSpPr>
+        <p:spPr>
+          <a:xfrm>
+            <a:off x="6298386" y="4228663"/>
+            <a:ext cx="1666553" cy="512905"/>
+          </a:xfrm>
+          <a:prstGeom prst="roundRect">
+            <a:avLst/>
+          </a:prstGeom>
+          <a:ln w="19050"/>
+        </p:spPr>
+        <p:style>
+          <a:lnRef idx="2">
+            <a:schemeClr val="dk1"/>
+          </a:lnRef>
+          <a:fillRef idx="1">
+            <a:schemeClr val="lt1"/>
+          </a:fillRef>
+          <a:effectRef idx="0">
+            <a:schemeClr val="dk1"/>
+          </a:effectRef>
+          <a:fontRef idx="minor">
+            <a:schemeClr val="dk1"/>
+          </a:fontRef>
+        </p:style>
+        <p:txBody>
+          <a:bodyPr rtlCol="0" anchor="ctr"/>
+          <a:lstStyle/>
+          <a:p>
+            <a:pPr algn="ctr"/>
+            <a:r>
+              <a:rPr lang="en-US" b="1" dirty="0" smtClean="0">
+                <a:latin typeface="+mj-lt"/>
+              </a:rPr>
+              <a:t>Hilbert Transformer</a:t>
+            </a:r>
+            <a:endParaRPr lang="en-US" b="1" dirty="0">
+              <a:latin typeface="+mj-lt"/>
+            </a:endParaRPr>
+          </a:p>
+        </p:txBody>
+      </p:sp>
+      <p:cxnSp>
+        <p:nvCxnSpPr>
+          <p:cNvPr id="45" name="Straight Arrow Connector 44"/>
+          <p:cNvCxnSpPr>
+            <a:stCxn id="41" idx="3"/>
+          </p:cNvCxnSpPr>
+          <p:nvPr/>
+        </p:nvCxnSpPr>
+        <p:spPr>
+          <a:xfrm>
+            <a:off x="7964939" y="4485116"/>
+            <a:ext cx="549973" cy="0"/>
+          </a:xfrm>
+          <a:prstGeom prst="straightConnector1">
+            <a:avLst/>
+          </a:prstGeom>
+          <a:ln w="19050">
+            <a:tailEnd type="triangle"/>
+          </a:ln>
+        </p:spPr>
+        <p:style>
+          <a:lnRef idx="1">
+            <a:schemeClr val="dk1"/>
+          </a:lnRef>
+          <a:fillRef idx="0">
+            <a:schemeClr val="dk1"/>
+          </a:fillRef>
+          <a:effectRef idx="0">
+            <a:schemeClr val="dk1"/>
+          </a:effectRef>
+          <a:fontRef idx="minor">
+            <a:schemeClr val="tx1"/>
+          </a:fontRef>
+        </p:style>
+      </p:cxnSp>
+      <mc:AlternateContent xmlns:mc="http://schemas.openxmlformats.org/markup-compatibility/2006" xmlns:a14="http://schemas.microsoft.com/office/drawing/2010/main">
+        <mc:Choice Requires="a14">
+          <p:sp>
+            <p:nvSpPr>
+              <p:cNvPr id="54" name="TextBox 53"/>
+              <p:cNvSpPr txBox="1"/>
+              <p:nvPr/>
+            </p:nvSpPr>
+            <p:spPr>
+              <a:xfrm>
+                <a:off x="8109235" y="4172949"/>
+                <a:ext cx="261383" cy="239173"/>
+              </a:xfrm>
+              <a:prstGeom prst="rect">
+                <a:avLst/>
+              </a:prstGeom>
+              <a:noFill/>
+            </p:spPr>
+            <p:txBody>
+              <a:bodyPr wrap="none" lIns="0" tIns="0" rIns="0" bIns="0" rtlCol="0">
+                <a:spAutoFit/>
+              </a:bodyPr>
+              <a:lstStyle/>
+              <a:p>
+                <a:pPr/>
+                <a14:m>
+                  <m:oMathPara xmlns:m="http://schemas.openxmlformats.org/officeDocument/2006/math">
+                    <m:oMathParaPr>
+                      <m:jc m:val="centerGroup"/>
+                    </m:oMathParaPr>
+                    <m:oMath xmlns:m="http://schemas.openxmlformats.org/officeDocument/2006/math">
+                      <m:sSub>
+                        <m:sSubPr>
+                          <m:ctrlPr>
+                            <a:rPr lang="en-US" b="1" i="1" smtClean="0">
+                              <a:latin typeface="Cambria Math" panose="02040503050406030204" pitchFamily="18" charset="0"/>
+                            </a:rPr>
+                          </m:ctrlPr>
+                        </m:sSubPr>
+                        <m:e>
+                          <m:r>
+                            <a:rPr lang="en-US" b="1" i="0" smtClean="0">
+                              <a:latin typeface="Cambria Math" panose="02040503050406030204" pitchFamily="18" charset="0"/>
+                            </a:rPr>
+                            <m:t>𝐒</m:t>
+                          </m:r>
+                        </m:e>
+                        <m:sub>
+                          <m:r>
+                            <a:rPr lang="en-US" b="1" i="1" smtClean="0">
+                              <a:latin typeface="Cambria Math" panose="02040503050406030204" pitchFamily="18" charset="0"/>
+                            </a:rPr>
+                            <m:t>𝟗</m:t>
+                          </m:r>
+                        </m:sub>
+                      </m:sSub>
+                    </m:oMath>
+                  </m:oMathPara>
+                </a14:m>
                 <a:endParaRPr lang="en-US" b="1" dirty="0">
                   <a:latin typeface="+mj-lt"/>
                 </a:endParaRPr>
               </a:p>
             </p:txBody>
           </p:sp>
-          <p:cxnSp>
-            <p:nvCxnSpPr>
-              <p:cNvPr id="45" name="Straight Arrow Connector 44"/>
-              <p:cNvCxnSpPr>
-                <a:stCxn id="41" idx="3"/>
-              </p:cNvCxnSpPr>
+        </mc:Choice>
+        <mc:Fallback xmlns="">
+          <p:sp>
+            <p:nvSpPr>
+              <p:cNvPr id="54" name="TextBox 53"/>
+              <p:cNvSpPr txBox="1">
+                <a:spLocks noRot="1" noChangeAspect="1" noMove="1" noResize="1" noEditPoints="1" noAdjustHandles="1" noChangeArrowheads="1" noChangeShapeType="1" noTextEdit="1"/>
+              </p:cNvSpPr>
               <p:nvPr/>
-            </p:nvCxnSpPr>
+            </p:nvSpPr>
             <p:spPr>
               <a:xfrm>
-                <a:off x="8077479" y="4157663"/>
-                <a:ext cx="596860" cy="0"/>
+                <a:off x="8109235" y="4172949"/>
+                <a:ext cx="261383" cy="239173"/>
               </a:xfrm>
-              <a:prstGeom prst="straightConnector1">
+              <a:prstGeom prst="rect">
                 <a:avLst/>
               </a:prstGeom>
-              <a:ln w="19050">
-                <a:tailEnd type="triangle"/>
-              </a:ln>
+              <a:blipFill>
+                <a:blip r:embed="rId11"/>
+                <a:stretch>
+                  <a:fillRect l="-25581" r="-13953" b="-35897"/>
+                </a:stretch>
+              </a:blipFill>
             </p:spPr>
-            <p:style>
-              <a:lnRef idx="1">
-                <a:schemeClr val="dk1"/>
-              </a:lnRef>
-              <a:fillRef idx="0">
-                <a:schemeClr val="dk1"/>
-              </a:fillRef>
-              <a:effectRef idx="0">
-                <a:schemeClr val="dk1"/>
-              </a:effectRef>
-              <a:fontRef idx="minor">
-                <a:schemeClr val="tx1"/>
-              </a:fontRef>
-            </p:style>
-          </p:cxnSp>
-          <mc:AlternateContent xmlns:mc="http://schemas.openxmlformats.org/markup-compatibility/2006" xmlns:a14="http://schemas.microsoft.com/office/drawing/2010/main">
-            <mc:Choice Requires="a14">
-              <p:sp>
-                <p:nvSpPr>
-                  <p:cNvPr id="54" name="TextBox 53"/>
-                  <p:cNvSpPr txBox="1"/>
-                  <p:nvPr/>
-                </p:nvSpPr>
-                <p:spPr>
-                  <a:xfrm>
-                    <a:off x="8234077" y="3796125"/>
-                    <a:ext cx="283667" cy="277000"/>
-                  </a:xfrm>
-                  <a:prstGeom prst="rect">
-                    <a:avLst/>
-                  </a:prstGeom>
-                  <a:noFill/>
-                </p:spPr>
-                <p:txBody>
-                  <a:bodyPr wrap="none" lIns="0" tIns="0" rIns="0" bIns="0" rtlCol="0">
-                    <a:spAutoFit/>
-                  </a:bodyPr>
-                  <a:lstStyle/>
-                  <a:p>
-                    <a:pPr/>
-                    <a14:m>
-                      <m:oMathPara xmlns:m="http://schemas.openxmlformats.org/officeDocument/2006/math">
-                        <m:oMathParaPr>
-                          <m:jc m:val="centerGroup"/>
-                        </m:oMathParaPr>
-                        <m:oMath xmlns:m="http://schemas.openxmlformats.org/officeDocument/2006/math">
-                          <m:sSub>
-                            <m:sSubPr>
-                              <m:ctrlPr>
-                                <a:rPr lang="en-US" b="1" i="1" smtClean="0">
-                                  <a:latin typeface="Cambria Math" panose="02040503050406030204" pitchFamily="18" charset="0"/>
-                                </a:rPr>
-                              </m:ctrlPr>
-                            </m:sSubPr>
-                            <m:e>
-                              <m:r>
-                                <a:rPr lang="en-US" b="1" i="0" smtClean="0">
-                                  <a:latin typeface="Cambria Math" panose="02040503050406030204" pitchFamily="18" charset="0"/>
-                                </a:rPr>
-                                <m:t>𝐒</m:t>
-                              </m:r>
-                            </m:e>
-                            <m:sub>
-                              <m:r>
-                                <a:rPr lang="en-US" b="1" i="1" smtClean="0">
-                                  <a:latin typeface="Cambria Math" panose="02040503050406030204" pitchFamily="18" charset="0"/>
-                                </a:rPr>
-                                <m:t>𝟗</m:t>
-                              </m:r>
-                            </m:sub>
-                          </m:sSub>
-                        </m:oMath>
-                      </m:oMathPara>
-                    </a14:m>
-                    <a:endParaRPr lang="en-US" b="1" dirty="0">
-                      <a:latin typeface="+mj-lt"/>
-                    </a:endParaRPr>
-                  </a:p>
-                </p:txBody>
-              </p:sp>
-            </mc:Choice>
-            <mc:Fallback xmlns="">
-              <p:sp>
-                <p:nvSpPr>
-                  <p:cNvPr id="54" name="TextBox 53"/>
-                  <p:cNvSpPr txBox="1">
-                    <a:spLocks noRot="1" noChangeAspect="1" noMove="1" noResize="1" noEditPoints="1" noAdjustHandles="1" noChangeArrowheads="1" noChangeShapeType="1" noTextEdit="1"/>
-                  </p:cNvSpPr>
-                  <p:nvPr/>
-                </p:nvSpPr>
-                <p:spPr>
-                  <a:xfrm>
-                    <a:off x="8234077" y="3796125"/>
-                    <a:ext cx="283667" cy="277000"/>
-                  </a:xfrm>
-                  <a:prstGeom prst="rect">
-                    <a:avLst/>
-                  </a:prstGeom>
-                  <a:blipFill>
-                    <a:blip r:embed="rId11"/>
-                    <a:stretch>
-                      <a:fillRect l="-25581" r="-13953" b="-32500"/>
-                    </a:stretch>
-                  </a:blipFill>
-                </p:spPr>
-                <p:txBody>
-                  <a:bodyPr/>
-                  <a:lstStyle/>
-                  <a:p>
-                    <a:r>
-                      <a:rPr lang="en-US">
-                        <a:noFill/>
-                      </a:rPr>
-                      <a:t> </a:t>
-                    </a:r>
-                  </a:p>
-                </p:txBody>
-              </p:sp>
-            </mc:Fallback>
-          </mc:AlternateContent>
-          <mc:AlternateContent xmlns:mc="http://schemas.openxmlformats.org/markup-compatibility/2006" xmlns:a14="http://schemas.microsoft.com/office/drawing/2010/main">
-            <mc:Choice Requires="a14">
-              <p:sp>
-                <p:nvSpPr>
-                  <p:cNvPr id="32" name="TextBox 31"/>
-                  <p:cNvSpPr txBox="1"/>
-                  <p:nvPr/>
-                </p:nvSpPr>
-                <p:spPr>
-                  <a:xfrm>
-                    <a:off x="9601110" y="4916189"/>
-                    <a:ext cx="384657" cy="276999"/>
-                  </a:xfrm>
-                  <a:prstGeom prst="rect">
-                    <a:avLst/>
-                  </a:prstGeom>
-                  <a:noFill/>
-                </p:spPr>
-                <p:txBody>
-                  <a:bodyPr wrap="none" lIns="0" tIns="0" rIns="0" bIns="0" rtlCol="0">
-                    <a:spAutoFit/>
-                  </a:bodyPr>
-                  <a:lstStyle/>
-                  <a:p>
-                    <a:pPr/>
-                    <a14:m>
-                      <m:oMathPara xmlns:m="http://schemas.openxmlformats.org/officeDocument/2006/math">
-                        <m:oMathParaPr>
-                          <m:jc m:val="centerGroup"/>
-                        </m:oMathParaPr>
-                        <m:oMath xmlns:m="http://schemas.openxmlformats.org/officeDocument/2006/math">
-                          <m:sSub>
-                            <m:sSubPr>
-                              <m:ctrlPr>
-                                <a:rPr lang="en-US" b="1" i="1" smtClean="0">
-                                  <a:latin typeface="Cambria Math" panose="02040503050406030204" pitchFamily="18" charset="0"/>
-                                </a:rPr>
-                              </m:ctrlPr>
-                            </m:sSubPr>
-                            <m:e>
-                              <m:r>
-                                <a:rPr lang="en-US" b="1" i="0" smtClean="0">
-                                  <a:latin typeface="Cambria Math" panose="02040503050406030204" pitchFamily="18" charset="0"/>
-                                </a:rPr>
-                                <m:t>𝐒</m:t>
-                              </m:r>
-                            </m:e>
-                            <m:sub>
-                              <m:r>
-                                <a:rPr lang="en-US" b="1" i="1" smtClean="0">
-                                  <a:latin typeface="Cambria Math" panose="02040503050406030204" pitchFamily="18" charset="0"/>
-                                </a:rPr>
-                                <m:t>𝟏𝟎</m:t>
-                              </m:r>
-                            </m:sub>
-                          </m:sSub>
-                        </m:oMath>
-                      </m:oMathPara>
-                    </a14:m>
-                    <a:endParaRPr lang="en-US" b="1" dirty="0">
-                      <a:latin typeface="+mj-lt"/>
-                    </a:endParaRPr>
-                  </a:p>
-                </p:txBody>
-              </p:sp>
-            </mc:Choice>
-            <mc:Fallback xmlns="">
-              <p:sp>
-                <p:nvSpPr>
-                  <p:cNvPr id="32" name="TextBox 31"/>
-                  <p:cNvSpPr txBox="1">
-                    <a:spLocks noRot="1" noChangeAspect="1" noMove="1" noResize="1" noEditPoints="1" noAdjustHandles="1" noChangeArrowheads="1" noChangeShapeType="1" noTextEdit="1"/>
-                  </p:cNvSpPr>
-                  <p:nvPr/>
-                </p:nvSpPr>
-                <p:spPr>
-                  <a:xfrm>
-                    <a:off x="9601110" y="4916189"/>
-                    <a:ext cx="384657" cy="276999"/>
-                  </a:xfrm>
-                  <a:prstGeom prst="rect">
-                    <a:avLst/>
-                  </a:prstGeom>
-                  <a:blipFill>
-                    <a:blip r:embed="rId12"/>
-                    <a:stretch>
-                      <a:fillRect l="-20690" r="-13793" b="-35897"/>
-                    </a:stretch>
-                  </a:blipFill>
-                </p:spPr>
-                <p:txBody>
-                  <a:bodyPr/>
-                  <a:lstStyle/>
-                  <a:p>
-                    <a:r>
-                      <a:rPr lang="en-US">
-                        <a:noFill/>
-                      </a:rPr>
-                      <a:t> </a:t>
-                    </a:r>
-                  </a:p>
-                </p:txBody>
-              </p:sp>
-            </mc:Fallback>
-          </mc:AlternateContent>
-        </p:grpSp>
-        <p:sp>
-          <p:nvSpPr>
-            <p:cNvPr id="34" name="Rounded Rectangle 33"/>
-            <p:cNvSpPr/>
-            <p:nvPr/>
-          </p:nvSpPr>
-          <p:spPr>
-            <a:xfrm>
-              <a:off x="6240652" y="210321"/>
-              <a:ext cx="1661387" cy="1003495"/>
-            </a:xfrm>
-            <a:prstGeom prst="roundRect">
-              <a:avLst/>
-            </a:prstGeom>
-            <a:ln w="19050"/>
-          </p:spPr>
-          <p:style>
-            <a:lnRef idx="2">
-              <a:schemeClr val="dk1"/>
-            </a:lnRef>
-            <a:fillRef idx="1">
-              <a:schemeClr val="lt1"/>
-            </a:fillRef>
-            <a:effectRef idx="0">
-              <a:schemeClr val="dk1"/>
-            </a:effectRef>
-            <a:fontRef idx="minor">
-              <a:schemeClr val="dk1"/>
-            </a:fontRef>
-          </p:style>
-          <p:txBody>
-            <a:bodyPr rtlCol="0" anchor="ctr"/>
-            <a:lstStyle/>
-            <a:p>
-              <a:pPr algn="ctr"/>
-              <a:r>
-                <a:rPr lang="en-US" b="1" dirty="0" smtClean="0">
+            <p:txBody>
+              <a:bodyPr/>
+              <a:lstStyle/>
+              <a:p>
+                <a:r>
+                  <a:rPr lang="en-US">
+                    <a:noFill/>
+                  </a:rPr>
+                  <a:t> </a:t>
+                </a:r>
+              </a:p>
+            </p:txBody>
+          </p:sp>
+        </mc:Fallback>
+      </mc:AlternateContent>
+      <mc:AlternateContent xmlns:mc="http://schemas.openxmlformats.org/markup-compatibility/2006" xmlns:a14="http://schemas.microsoft.com/office/drawing/2010/main">
+        <mc:Choice Requires="a14">
+          <p:sp>
+            <p:nvSpPr>
+              <p:cNvPr id="32" name="TextBox 31"/>
+              <p:cNvSpPr txBox="1"/>
+              <p:nvPr/>
+            </p:nvSpPr>
+            <p:spPr>
+              <a:xfrm>
+                <a:off x="9368878" y="5140059"/>
+                <a:ext cx="354440" cy="239173"/>
+              </a:xfrm>
+              <a:prstGeom prst="rect">
+                <a:avLst/>
+              </a:prstGeom>
+              <a:noFill/>
+            </p:spPr>
+            <p:txBody>
+              <a:bodyPr wrap="none" lIns="0" tIns="0" rIns="0" bIns="0" rtlCol="0">
+                <a:spAutoFit/>
+              </a:bodyPr>
+              <a:lstStyle/>
+              <a:p>
+                <a:pPr/>
+                <a14:m>
+                  <m:oMathPara xmlns:m="http://schemas.openxmlformats.org/officeDocument/2006/math">
+                    <m:oMathParaPr>
+                      <m:jc m:val="centerGroup"/>
+                    </m:oMathParaPr>
+                    <m:oMath xmlns:m="http://schemas.openxmlformats.org/officeDocument/2006/math">
+                      <m:sSub>
+                        <m:sSubPr>
+                          <m:ctrlPr>
+                            <a:rPr lang="en-US" b="1" i="1" smtClean="0">
+                              <a:latin typeface="Cambria Math" panose="02040503050406030204" pitchFamily="18" charset="0"/>
+                            </a:rPr>
+                          </m:ctrlPr>
+                        </m:sSubPr>
+                        <m:e>
+                          <m:r>
+                            <a:rPr lang="en-US" b="1" i="0" smtClean="0">
+                              <a:latin typeface="Cambria Math" panose="02040503050406030204" pitchFamily="18" charset="0"/>
+                            </a:rPr>
+                            <m:t>𝐒</m:t>
+                          </m:r>
+                        </m:e>
+                        <m:sub>
+                          <m:r>
+                            <a:rPr lang="en-US" b="1" i="1" smtClean="0">
+                              <a:latin typeface="Cambria Math" panose="02040503050406030204" pitchFamily="18" charset="0"/>
+                            </a:rPr>
+                            <m:t>𝟏𝟎</m:t>
+                          </m:r>
+                        </m:sub>
+                      </m:sSub>
+                    </m:oMath>
+                  </m:oMathPara>
+                </a14:m>
+                <a:endParaRPr lang="en-US" b="1" dirty="0">
                   <a:latin typeface="+mj-lt"/>
-                </a:rPr>
-                <a:t>Sink</a:t>
-              </a:r>
-              <a:endParaRPr lang="en-US" b="1" dirty="0">
+                </a:endParaRPr>
+              </a:p>
+            </p:txBody>
+          </p:sp>
+        </mc:Choice>
+        <mc:Fallback xmlns="">
+          <p:sp>
+            <p:nvSpPr>
+              <p:cNvPr id="32" name="TextBox 31"/>
+              <p:cNvSpPr txBox="1">
+                <a:spLocks noRot="1" noChangeAspect="1" noMove="1" noResize="1" noEditPoints="1" noAdjustHandles="1" noChangeArrowheads="1" noChangeShapeType="1" noTextEdit="1"/>
+              </p:cNvSpPr>
+              <p:nvPr/>
+            </p:nvSpPr>
+            <p:spPr>
+              <a:xfrm>
+                <a:off x="9368878" y="5140059"/>
+                <a:ext cx="354440" cy="239173"/>
+              </a:xfrm>
+              <a:prstGeom prst="rect">
+                <a:avLst/>
+              </a:prstGeom>
+              <a:blipFill>
+                <a:blip r:embed="rId12"/>
+                <a:stretch>
+                  <a:fillRect l="-20690" r="-13793" b="-35897"/>
+                </a:stretch>
+              </a:blipFill>
+            </p:spPr>
+            <p:txBody>
+              <a:bodyPr/>
+              <a:lstStyle/>
+              <a:p>
+                <a:r>
+                  <a:rPr lang="en-US">
+                    <a:noFill/>
+                  </a:rPr>
+                  <a:t> </a:t>
+                </a:r>
+              </a:p>
+            </p:txBody>
+          </p:sp>
+        </mc:Fallback>
+      </mc:AlternateContent>
+      <p:sp>
+        <p:nvSpPr>
+          <p:cNvPr id="34" name="Rounded Rectangle 33"/>
+          <p:cNvSpPr/>
+          <p:nvPr/>
+        </p:nvSpPr>
+        <p:spPr>
+          <a:xfrm>
+            <a:off x="6302796" y="157055"/>
+            <a:ext cx="1661387" cy="1003495"/>
+          </a:xfrm>
+          <a:prstGeom prst="roundRect">
+            <a:avLst/>
+          </a:prstGeom>
+          <a:ln w="19050"/>
+        </p:spPr>
+        <p:style>
+          <a:lnRef idx="2">
+            <a:schemeClr val="dk1"/>
+          </a:lnRef>
+          <a:fillRef idx="1">
+            <a:schemeClr val="lt1"/>
+          </a:fillRef>
+          <a:effectRef idx="0">
+            <a:schemeClr val="dk1"/>
+          </a:effectRef>
+          <a:fontRef idx="minor">
+            <a:schemeClr val="dk1"/>
+          </a:fontRef>
+        </p:style>
+        <p:txBody>
+          <a:bodyPr rtlCol="0" anchor="ctr"/>
+          <a:lstStyle/>
+          <a:p>
+            <a:pPr algn="ctr"/>
+            <a:r>
+              <a:rPr lang="en-US" b="1" dirty="0" smtClean="0">
                 <a:latin typeface="+mj-lt"/>
-              </a:endParaRPr>
-            </a:p>
-          </p:txBody>
-        </p:sp>
-        <p:cxnSp>
-          <p:nvCxnSpPr>
-            <p:cNvPr id="4" name="Elbow Connector 3"/>
-            <p:cNvCxnSpPr>
-              <a:stCxn id="177" idx="0"/>
-              <a:endCxn id="34" idx="1"/>
-            </p:cNvCxnSpPr>
-            <p:nvPr/>
-          </p:nvCxnSpPr>
-          <p:spPr>
-            <a:xfrm rot="5400000" flipH="1" flipV="1">
-              <a:off x="5092157" y="467241"/>
-              <a:ext cx="903667" cy="1393324"/>
-            </a:xfrm>
-            <a:prstGeom prst="bentConnector2">
-              <a:avLst/>
-            </a:prstGeom>
-            <a:ln w="19050">
-              <a:tailEnd type="triangle"/>
-            </a:ln>
-          </p:spPr>
-          <p:style>
-            <a:lnRef idx="1">
-              <a:schemeClr val="dk1"/>
-            </a:lnRef>
-            <a:fillRef idx="0">
-              <a:schemeClr val="dk1"/>
-            </a:fillRef>
-            <a:effectRef idx="0">
-              <a:schemeClr val="dk1"/>
-            </a:effectRef>
-            <a:fontRef idx="minor">
-              <a:schemeClr val="tx1"/>
-            </a:fontRef>
-          </p:style>
-        </p:cxnSp>
-        <mc:AlternateContent xmlns:mc="http://schemas.openxmlformats.org/markup-compatibility/2006">
-          <mc:Choice xmlns:a14="http://schemas.microsoft.com/office/drawing/2010/main" Requires="a14">
-            <p:sp>
-              <p:nvSpPr>
-                <p:cNvPr id="5" name="Rectangle 4"/>
-                <p:cNvSpPr/>
-                <p:nvPr/>
-              </p:nvSpPr>
-              <p:spPr>
-                <a:xfrm>
-                  <a:off x="5690177" y="686313"/>
-                  <a:ext cx="572529" cy="369332"/>
-                </a:xfrm>
-                <a:prstGeom prst="rect">
-                  <a:avLst/>
-                </a:prstGeom>
-              </p:spPr>
-              <p:txBody>
-                <a:bodyPr wrap="none">
-                  <a:spAutoFit/>
-                </a:bodyPr>
-                <a:lstStyle/>
-                <a:p>
-                  <a:pPr/>
-                  <a14:m>
-                    <m:oMathPara xmlns:m="http://schemas.openxmlformats.org/officeDocument/2006/math">
-                      <m:oMathParaPr>
-                        <m:jc m:val="centerGroup"/>
-                      </m:oMathParaPr>
-                      <m:oMath xmlns:m="http://schemas.openxmlformats.org/officeDocument/2006/math">
-                        <m:sSub>
-                          <m:sSubPr>
-                            <m:ctrlPr>
-                              <a:rPr lang="en-US" b="1" i="1" smtClean="0">
-                                <a:latin typeface="Cambria Math" panose="02040503050406030204" pitchFamily="18" charset="0"/>
-                              </a:rPr>
-                            </m:ctrlPr>
-                          </m:sSubPr>
-                          <m:e>
-                            <m:r>
-                              <a:rPr lang="en-US" b="1">
-                                <a:latin typeface="Cambria Math" panose="02040503050406030204" pitchFamily="18" charset="0"/>
-                              </a:rPr>
-                              <m:t>𝐒</m:t>
-                            </m:r>
-                          </m:e>
-                          <m:sub>
-                            <m:r>
-                              <a:rPr lang="en-US" b="1" i="0" smtClean="0">
-                                <a:latin typeface="Cambria Math" panose="02040503050406030204" pitchFamily="18" charset="0"/>
-                              </a:rPr>
-                              <m:t>𝟐𝐛</m:t>
-                            </m:r>
-                          </m:sub>
-                        </m:sSub>
-                      </m:oMath>
-                    </m:oMathPara>
-                  </a14:m>
-                  <a:endParaRPr lang="en-US" dirty="0"/>
-                </a:p>
-              </p:txBody>
-            </p:sp>
-          </mc:Choice>
-          <mc:Fallback>
-            <p:sp>
-              <p:nvSpPr>
-                <p:cNvPr id="5" name="Rectangle 4"/>
-                <p:cNvSpPr>
-                  <a:spLocks noRot="1" noChangeAspect="1" noMove="1" noResize="1" noEditPoints="1" noAdjustHandles="1" noChangeArrowheads="1" noChangeShapeType="1" noTextEdit="1"/>
-                </p:cNvSpPr>
-                <p:nvPr/>
-              </p:nvSpPr>
-              <p:spPr>
-                <a:xfrm>
-                  <a:off x="5690177" y="686313"/>
-                  <a:ext cx="572529" cy="369332"/>
-                </a:xfrm>
-                <a:prstGeom prst="rect">
-                  <a:avLst/>
-                </a:prstGeom>
-                <a:blipFill>
-                  <a:blip r:embed="rId13"/>
-                  <a:stretch>
-                    <a:fillRect b="-1667"/>
-                  </a:stretch>
-                </a:blipFill>
-              </p:spPr>
-              <p:txBody>
-                <a:bodyPr/>
-                <a:lstStyle/>
-                <a:p>
-                  <a:r>
-                    <a:rPr lang="en-US">
-                      <a:noFill/>
-                    </a:rPr>
-                    <a:t> </a:t>
-                  </a:r>
-                </a:p>
-              </p:txBody>
-            </p:sp>
-          </mc:Fallback>
-        </mc:AlternateContent>
-      </p:grpSp>
+              </a:rPr>
+              <a:t>Sink</a:t>
+            </a:r>
+            <a:endParaRPr lang="en-US" b="1" dirty="0">
+              <a:latin typeface="+mj-lt"/>
+            </a:endParaRPr>
+          </a:p>
+        </p:txBody>
+      </p:sp>
+      <p:cxnSp>
+        <p:nvCxnSpPr>
+          <p:cNvPr id="4" name="Elbow Connector 3"/>
+          <p:cNvCxnSpPr>
+            <a:stCxn id="177" idx="0"/>
+            <a:endCxn id="34" idx="1"/>
+          </p:cNvCxnSpPr>
+          <p:nvPr/>
+        </p:nvCxnSpPr>
+        <p:spPr>
+          <a:xfrm rot="5400000" flipH="1" flipV="1">
+            <a:off x="5154301" y="413975"/>
+            <a:ext cx="903667" cy="1393324"/>
+          </a:xfrm>
+          <a:prstGeom prst="bentConnector2">
+            <a:avLst/>
+          </a:prstGeom>
+          <a:ln w="19050">
+            <a:tailEnd type="triangle"/>
+          </a:ln>
+        </p:spPr>
+        <p:style>
+          <a:lnRef idx="1">
+            <a:schemeClr val="dk1"/>
+          </a:lnRef>
+          <a:fillRef idx="0">
+            <a:schemeClr val="dk1"/>
+          </a:fillRef>
+          <a:effectRef idx="0">
+            <a:schemeClr val="dk1"/>
+          </a:effectRef>
+          <a:fontRef idx="minor">
+            <a:schemeClr val="tx1"/>
+          </a:fontRef>
+        </p:style>
+      </p:cxnSp>
+      <mc:AlternateContent xmlns:mc="http://schemas.openxmlformats.org/markup-compatibility/2006" xmlns:a14="http://schemas.microsoft.com/office/drawing/2010/main">
+        <mc:Choice Requires="a14">
+          <p:sp>
+            <p:nvSpPr>
+              <p:cNvPr id="5" name="Rectangle 4"/>
+              <p:cNvSpPr/>
+              <p:nvPr/>
+            </p:nvSpPr>
+            <p:spPr>
+              <a:xfrm>
+                <a:off x="5752321" y="633047"/>
+                <a:ext cx="572529" cy="369332"/>
+              </a:xfrm>
+              <a:prstGeom prst="rect">
+                <a:avLst/>
+              </a:prstGeom>
+            </p:spPr>
+            <p:txBody>
+              <a:bodyPr wrap="none">
+                <a:spAutoFit/>
+              </a:bodyPr>
+              <a:lstStyle/>
+              <a:p>
+                <a:pPr/>
+                <a14:m>
+                  <m:oMathPara xmlns:m="http://schemas.openxmlformats.org/officeDocument/2006/math">
+                    <m:oMathParaPr>
+                      <m:jc m:val="centerGroup"/>
+                    </m:oMathParaPr>
+                    <m:oMath xmlns:m="http://schemas.openxmlformats.org/officeDocument/2006/math">
+                      <m:sSub>
+                        <m:sSubPr>
+                          <m:ctrlPr>
+                            <a:rPr lang="en-US" b="1" i="1" smtClean="0">
+                              <a:latin typeface="Cambria Math" panose="02040503050406030204" pitchFamily="18" charset="0"/>
+                            </a:rPr>
+                          </m:ctrlPr>
+                        </m:sSubPr>
+                        <m:e>
+                          <m:r>
+                            <a:rPr lang="en-US" b="1">
+                              <a:latin typeface="Cambria Math" panose="02040503050406030204" pitchFamily="18" charset="0"/>
+                            </a:rPr>
+                            <m:t>𝐒</m:t>
+                          </m:r>
+                        </m:e>
+                        <m:sub>
+                          <m:r>
+                            <a:rPr lang="en-US" b="1" i="0" smtClean="0">
+                              <a:latin typeface="Cambria Math" panose="02040503050406030204" pitchFamily="18" charset="0"/>
+                            </a:rPr>
+                            <m:t>𝟐𝐛</m:t>
+                          </m:r>
+                        </m:sub>
+                      </m:sSub>
+                    </m:oMath>
+                  </m:oMathPara>
+                </a14:m>
+                <a:endParaRPr lang="en-US" dirty="0"/>
+              </a:p>
+            </p:txBody>
+          </p:sp>
+        </mc:Choice>
+        <mc:Fallback xmlns="">
+          <p:sp>
+            <p:nvSpPr>
+              <p:cNvPr id="5" name="Rectangle 4"/>
+              <p:cNvSpPr>
+                <a:spLocks noRot="1" noChangeAspect="1" noMove="1" noResize="1" noEditPoints="1" noAdjustHandles="1" noChangeArrowheads="1" noChangeShapeType="1" noTextEdit="1"/>
+              </p:cNvSpPr>
+              <p:nvPr/>
+            </p:nvSpPr>
+            <p:spPr>
+              <a:xfrm>
+                <a:off x="5752321" y="633047"/>
+                <a:ext cx="572529" cy="369332"/>
+              </a:xfrm>
+              <a:prstGeom prst="rect">
+                <a:avLst/>
+              </a:prstGeom>
+              <a:blipFill>
+                <a:blip r:embed="rId13"/>
+                <a:stretch>
+                  <a:fillRect b="-1667"/>
+                </a:stretch>
+              </a:blipFill>
+            </p:spPr>
+            <p:txBody>
+              <a:bodyPr/>
+              <a:lstStyle/>
+              <a:p>
+                <a:r>
+                  <a:rPr lang="en-US">
+                    <a:noFill/>
+                  </a:rPr>
+                  <a:t> </a:t>
+                </a:r>
+              </a:p>
+            </p:txBody>
+          </p:sp>
+        </mc:Fallback>
+      </mc:AlternateContent>
+      <p:sp>
+        <p:nvSpPr>
+          <p:cNvPr id="25" name="TextBox 24"/>
+          <p:cNvSpPr txBox="1"/>
+          <p:nvPr/>
+        </p:nvSpPr>
+        <p:spPr>
+          <a:xfrm>
+            <a:off x="3212838" y="1550122"/>
+            <a:ext cx="395040" cy="307777"/>
+          </a:xfrm>
+          <a:prstGeom prst="rect">
+            <a:avLst/>
+          </a:prstGeom>
+          <a:noFill/>
+        </p:spPr>
+        <p:txBody>
+          <a:bodyPr wrap="square" rtlCol="0">
+            <a:spAutoFit/>
+          </a:bodyPr>
+          <a:lstStyle/>
+          <a:p>
+            <a:r>
+              <a:rPr lang="en-US" sz="1400" b="1" dirty="0" smtClean="0"/>
+              <a:t>B1</a:t>
+            </a:r>
+            <a:endParaRPr lang="en-US" sz="1400" b="1" dirty="0"/>
+          </a:p>
+        </p:txBody>
+      </p:sp>
+      <p:sp>
+        <p:nvSpPr>
+          <p:cNvPr id="58" name="TextBox 57"/>
+          <p:cNvSpPr txBox="1"/>
+          <p:nvPr/>
+        </p:nvSpPr>
+        <p:spPr>
+          <a:xfrm>
+            <a:off x="7633254" y="131912"/>
+            <a:ext cx="377026" cy="307777"/>
+          </a:xfrm>
+          <a:prstGeom prst="rect">
+            <a:avLst/>
+          </a:prstGeom>
+          <a:noFill/>
+        </p:spPr>
+        <p:txBody>
+          <a:bodyPr wrap="none" rtlCol="0">
+            <a:spAutoFit/>
+          </a:bodyPr>
+          <a:lstStyle/>
+          <a:p>
+            <a:r>
+              <a:rPr lang="en-US" sz="1400" b="1" dirty="0" smtClean="0"/>
+              <a:t>B3</a:t>
+            </a:r>
+            <a:endParaRPr lang="en-US" sz="1400" b="1" dirty="0"/>
+          </a:p>
+        </p:txBody>
+      </p:sp>
+      <p:sp>
+        <p:nvSpPr>
+          <p:cNvPr id="60" name="TextBox 59"/>
+          <p:cNvSpPr txBox="1"/>
+          <p:nvPr/>
+        </p:nvSpPr>
+        <p:spPr>
+          <a:xfrm>
+            <a:off x="5430811" y="1550123"/>
+            <a:ext cx="395040" cy="307777"/>
+          </a:xfrm>
+          <a:prstGeom prst="rect">
+            <a:avLst/>
+          </a:prstGeom>
+          <a:noFill/>
+        </p:spPr>
+        <p:txBody>
+          <a:bodyPr wrap="square" rtlCol="0">
+            <a:spAutoFit/>
+          </a:bodyPr>
+          <a:lstStyle/>
+          <a:p>
+            <a:r>
+              <a:rPr lang="en-US" sz="1400" b="1" dirty="0" smtClean="0"/>
+              <a:t>B2</a:t>
+            </a:r>
+            <a:endParaRPr lang="en-US" sz="1400" b="1" dirty="0"/>
+          </a:p>
+        </p:txBody>
+      </p:sp>
+      <p:sp>
+        <p:nvSpPr>
+          <p:cNvPr id="61" name="TextBox 60"/>
+          <p:cNvSpPr txBox="1"/>
+          <p:nvPr/>
+        </p:nvSpPr>
+        <p:spPr>
+          <a:xfrm>
+            <a:off x="7636229" y="1550122"/>
+            <a:ext cx="395040" cy="307777"/>
+          </a:xfrm>
+          <a:prstGeom prst="rect">
+            <a:avLst/>
+          </a:prstGeom>
+          <a:noFill/>
+        </p:spPr>
+        <p:txBody>
+          <a:bodyPr wrap="square" rtlCol="0">
+            <a:spAutoFit/>
+          </a:bodyPr>
+          <a:lstStyle/>
+          <a:p>
+            <a:r>
+              <a:rPr lang="en-US" sz="1400" b="1" dirty="0" smtClean="0"/>
+              <a:t>B4</a:t>
+            </a:r>
+            <a:endParaRPr lang="en-US" sz="1400" b="1" dirty="0"/>
+          </a:p>
+        </p:txBody>
+      </p:sp>
+      <p:sp>
+        <p:nvSpPr>
+          <p:cNvPr id="62" name="TextBox 61"/>
+          <p:cNvSpPr txBox="1"/>
+          <p:nvPr/>
+        </p:nvSpPr>
+        <p:spPr>
+          <a:xfrm>
+            <a:off x="9857605" y="1550125"/>
+            <a:ext cx="395040" cy="307777"/>
+          </a:xfrm>
+          <a:prstGeom prst="rect">
+            <a:avLst/>
+          </a:prstGeom>
+          <a:noFill/>
+        </p:spPr>
+        <p:txBody>
+          <a:bodyPr wrap="square" rtlCol="0">
+            <a:spAutoFit/>
+          </a:bodyPr>
+          <a:lstStyle/>
+          <a:p>
+            <a:r>
+              <a:rPr lang="en-US" sz="1400" b="1" dirty="0" smtClean="0"/>
+              <a:t>B5</a:t>
+            </a:r>
+            <a:endParaRPr lang="en-US" sz="1400" b="1" dirty="0"/>
+          </a:p>
+        </p:txBody>
+      </p:sp>
+      <p:sp>
+        <p:nvSpPr>
+          <p:cNvPr id="63" name="TextBox 62"/>
+          <p:cNvSpPr txBox="1"/>
+          <p:nvPr/>
+        </p:nvSpPr>
+        <p:spPr>
+          <a:xfrm>
+            <a:off x="3209399" y="3726914"/>
+            <a:ext cx="395040" cy="307777"/>
+          </a:xfrm>
+          <a:prstGeom prst="rect">
+            <a:avLst/>
+          </a:prstGeom>
+          <a:noFill/>
+        </p:spPr>
+        <p:txBody>
+          <a:bodyPr wrap="square" rtlCol="0">
+            <a:spAutoFit/>
+          </a:bodyPr>
+          <a:lstStyle/>
+          <a:p>
+            <a:r>
+              <a:rPr lang="en-US" sz="1400" b="1" dirty="0" smtClean="0"/>
+              <a:t>B7</a:t>
+            </a:r>
+            <a:endParaRPr lang="en-US" sz="1400" b="1" dirty="0"/>
+          </a:p>
+        </p:txBody>
+      </p:sp>
+      <p:sp>
+        <p:nvSpPr>
+          <p:cNvPr id="64" name="TextBox 63"/>
+          <p:cNvSpPr txBox="1"/>
+          <p:nvPr/>
+        </p:nvSpPr>
+        <p:spPr>
+          <a:xfrm>
+            <a:off x="3209399" y="5671092"/>
+            <a:ext cx="395040" cy="307777"/>
+          </a:xfrm>
+          <a:prstGeom prst="rect">
+            <a:avLst/>
+          </a:prstGeom>
+          <a:noFill/>
+        </p:spPr>
+        <p:txBody>
+          <a:bodyPr wrap="square" rtlCol="0">
+            <a:spAutoFit/>
+          </a:bodyPr>
+          <a:lstStyle/>
+          <a:p>
+            <a:r>
+              <a:rPr lang="en-US" sz="1400" b="1" dirty="0" smtClean="0"/>
+              <a:t>B6</a:t>
+            </a:r>
+            <a:endParaRPr lang="en-US" sz="1400" b="1" dirty="0"/>
+          </a:p>
+        </p:txBody>
+      </p:sp>
+      <p:sp>
+        <p:nvSpPr>
+          <p:cNvPr id="65" name="TextBox 64"/>
+          <p:cNvSpPr txBox="1"/>
+          <p:nvPr/>
+        </p:nvSpPr>
+        <p:spPr>
+          <a:xfrm>
+            <a:off x="5408614" y="3726914"/>
+            <a:ext cx="395040" cy="307777"/>
+          </a:xfrm>
+          <a:prstGeom prst="rect">
+            <a:avLst/>
+          </a:prstGeom>
+          <a:noFill/>
+        </p:spPr>
+        <p:txBody>
+          <a:bodyPr wrap="square" rtlCol="0">
+            <a:spAutoFit/>
+          </a:bodyPr>
+          <a:lstStyle/>
+          <a:p>
+            <a:r>
+              <a:rPr lang="en-US" sz="1400" b="1" dirty="0" smtClean="0"/>
+              <a:t>B8</a:t>
+            </a:r>
+            <a:endParaRPr lang="en-US" sz="1400" b="1" dirty="0"/>
+          </a:p>
+        </p:txBody>
+      </p:sp>
+      <p:sp>
+        <p:nvSpPr>
+          <p:cNvPr id="66" name="TextBox 65"/>
+          <p:cNvSpPr txBox="1"/>
+          <p:nvPr/>
+        </p:nvSpPr>
+        <p:spPr>
+          <a:xfrm>
+            <a:off x="7633254" y="4177338"/>
+            <a:ext cx="395040" cy="307777"/>
+          </a:xfrm>
+          <a:prstGeom prst="rect">
+            <a:avLst/>
+          </a:prstGeom>
+          <a:noFill/>
+        </p:spPr>
+        <p:txBody>
+          <a:bodyPr wrap="square" rtlCol="0">
+            <a:spAutoFit/>
+          </a:bodyPr>
+          <a:lstStyle/>
+          <a:p>
+            <a:r>
+              <a:rPr lang="en-US" sz="1400" b="1" dirty="0" smtClean="0"/>
+              <a:t>B9</a:t>
+            </a:r>
+            <a:endParaRPr lang="en-US" sz="1400" b="1" dirty="0"/>
+          </a:p>
+        </p:txBody>
+      </p:sp>
+      <p:sp>
+        <p:nvSpPr>
+          <p:cNvPr id="67" name="TextBox 66"/>
+          <p:cNvSpPr txBox="1"/>
+          <p:nvPr/>
+        </p:nvSpPr>
+        <p:spPr>
+          <a:xfrm>
+            <a:off x="9723318" y="3363192"/>
+            <a:ext cx="479342" cy="307777"/>
+          </a:xfrm>
+          <a:prstGeom prst="rect">
+            <a:avLst/>
+          </a:prstGeom>
+          <a:noFill/>
+        </p:spPr>
+        <p:txBody>
+          <a:bodyPr wrap="square" rtlCol="0">
+            <a:spAutoFit/>
+          </a:bodyPr>
+          <a:lstStyle/>
+          <a:p>
+            <a:r>
+              <a:rPr lang="en-US" sz="1400" b="1" dirty="0" smtClean="0"/>
+              <a:t>B10</a:t>
+            </a:r>
+            <a:endParaRPr lang="en-US" sz="1400" b="1" dirty="0"/>
+          </a:p>
+        </p:txBody>
+      </p:sp>
+      <p:sp>
+        <p:nvSpPr>
+          <p:cNvPr id="68" name="TextBox 67"/>
+          <p:cNvSpPr txBox="1"/>
+          <p:nvPr/>
+        </p:nvSpPr>
+        <p:spPr>
+          <a:xfrm>
+            <a:off x="9725640" y="5671092"/>
+            <a:ext cx="479342" cy="307777"/>
+          </a:xfrm>
+          <a:prstGeom prst="rect">
+            <a:avLst/>
+          </a:prstGeom>
+          <a:noFill/>
+        </p:spPr>
+        <p:txBody>
+          <a:bodyPr wrap="square" rtlCol="0">
+            <a:spAutoFit/>
+          </a:bodyPr>
+          <a:lstStyle/>
+          <a:p>
+            <a:r>
+              <a:rPr lang="en-US" sz="1400" b="1" dirty="0" smtClean="0"/>
+              <a:t>B11</a:t>
+            </a:r>
+            <a:endParaRPr lang="en-US" sz="1400" b="1" dirty="0"/>
+          </a:p>
+        </p:txBody>
+      </p:sp>
     </p:spTree>
     <p:extLst>
       <p:ext uri="{BB962C8B-B14F-4D97-AF65-F5344CB8AC3E}">
